--- a/paper/ABC2021BentoChallenge/ABC2021.pptx
+++ b/paper/ABC2021BentoChallenge/ABC2021.pptx
@@ -5,10 +5,13 @@
     <p:sldMasterId id="2147483648" r:id="rId1"/>
   </p:sldMasterIdLst>
   <p:notesMasterIdLst>
-    <p:notesMasterId r:id="rId3"/>
+    <p:notesMasterId r:id="rId6"/>
   </p:notesMasterIdLst>
   <p:sldIdLst>
     <p:sldId id="256" r:id="rId2"/>
+    <p:sldId id="257" r:id="rId3"/>
+    <p:sldId id="258" r:id="rId4"/>
+    <p:sldId id="259" r:id="rId5"/>
   </p:sldIdLst>
   <p:sldSz cx="12192000" cy="6858000"/>
   <p:notesSz cx="6858000" cy="9144000"/>
@@ -4826,6 +4829,2014 @@
     <p:extLst>
       <p:ext uri="{BB962C8B-B14F-4D97-AF65-F5344CB8AC3E}">
         <p14:creationId xmlns:p14="http://schemas.microsoft.com/office/powerpoint/2010/main" val="2681219381"/>
+      </p:ext>
+    </p:extLst>
+  </p:cSld>
+  <p:clrMapOvr>
+    <a:masterClrMapping/>
+  </p:clrMapOvr>
+</p:sld>
+</file>
+
+<file path=ppt/slides/slide2.xml><?xml version="1.0" encoding="utf-8"?>
+<p:sld xmlns:a="http://schemas.openxmlformats.org/drawingml/2006/main" xmlns:r="http://schemas.openxmlformats.org/officeDocument/2006/relationships" xmlns:p="http://schemas.openxmlformats.org/presentationml/2006/main">
+  <p:cSld>
+    <p:spTree>
+      <p:nvGrpSpPr>
+        <p:cNvPr id="1" name=""/>
+        <p:cNvGrpSpPr/>
+        <p:nvPr/>
+      </p:nvGrpSpPr>
+      <p:grpSpPr>
+        <a:xfrm>
+          <a:off x="0" y="0"/>
+          <a:ext cx="0" cy="0"/>
+          <a:chOff x="0" y="0"/>
+          <a:chExt cx="0" cy="0"/>
+        </a:xfrm>
+      </p:grpSpPr>
+      <p:sp>
+        <p:nvSpPr>
+          <p:cNvPr id="2" name="タイトル 1">
+            <a:extLst>
+              <a:ext uri="{FF2B5EF4-FFF2-40B4-BE49-F238E27FC236}">
+                <a16:creationId xmlns:a16="http://schemas.microsoft.com/office/drawing/2014/main" id="{D78ECB2B-CEF0-44D4-8D08-2638AC4AB239}"/>
+              </a:ext>
+            </a:extLst>
+          </p:cNvPr>
+          <p:cNvSpPr>
+            <a:spLocks noGrp="1"/>
+          </p:cNvSpPr>
+          <p:nvPr>
+            <p:ph type="title"/>
+          </p:nvPr>
+        </p:nvSpPr>
+        <p:spPr/>
+        <p:txBody>
+          <a:bodyPr/>
+          <a:lstStyle/>
+          <a:p>
+            <a:r>
+              <a:rPr kumimoji="1" lang="en-US" altLang="ja-JP" dirty="0"/>
+              <a:t>Dataset (1/3)</a:t>
+            </a:r>
+            <a:endParaRPr kumimoji="1" lang="ja-JP" altLang="en-US" dirty="0"/>
+          </a:p>
+        </p:txBody>
+      </p:sp>
+      <p:sp>
+        <p:nvSpPr>
+          <p:cNvPr id="3" name="コンテンツ プレースホルダー 2">
+            <a:extLst>
+              <a:ext uri="{FF2B5EF4-FFF2-40B4-BE49-F238E27FC236}">
+                <a16:creationId xmlns:a16="http://schemas.microsoft.com/office/drawing/2014/main" id="{5C1CCFB9-9DFB-4082-90A8-C8A380082FFD}"/>
+              </a:ext>
+            </a:extLst>
+          </p:cNvPr>
+          <p:cNvSpPr>
+            <a:spLocks noGrp="1"/>
+          </p:cNvSpPr>
+          <p:nvPr>
+            <p:ph idx="1"/>
+          </p:nvPr>
+        </p:nvSpPr>
+        <p:spPr/>
+        <p:txBody>
+          <a:bodyPr/>
+          <a:lstStyle/>
+          <a:p>
+            <a:r>
+              <a:rPr kumimoji="1" lang="en-US" altLang="ja-JP" dirty="0"/>
+              <a:t>Four subjects had attached one motion capture system with 29 markers.</a:t>
+            </a:r>
+          </a:p>
+          <a:p>
+            <a:r>
+              <a:rPr kumimoji="1" lang="en-US" altLang="ja-JP" dirty="0"/>
+              <a:t>The markers may be labeled incorrectly in some cases due to the complex setting.</a:t>
+            </a:r>
+            <a:endParaRPr kumimoji="1" lang="ja-JP" altLang="en-US" dirty="0"/>
+          </a:p>
+        </p:txBody>
+      </p:sp>
+      <p:sp>
+        <p:nvSpPr>
+          <p:cNvPr id="4" name="スライド番号プレースホルダー 3">
+            <a:extLst>
+              <a:ext uri="{FF2B5EF4-FFF2-40B4-BE49-F238E27FC236}">
+                <a16:creationId xmlns:a16="http://schemas.microsoft.com/office/drawing/2014/main" id="{CBDCC488-C019-4A85-A3D5-B341D6BBE952}"/>
+              </a:ext>
+            </a:extLst>
+          </p:cNvPr>
+          <p:cNvSpPr>
+            <a:spLocks noGrp="1"/>
+          </p:cNvSpPr>
+          <p:nvPr>
+            <p:ph type="sldNum" sz="quarter" idx="12"/>
+          </p:nvPr>
+        </p:nvSpPr>
+        <p:spPr/>
+        <p:txBody>
+          <a:bodyPr/>
+          <a:lstStyle/>
+          <a:p>
+            <a:fld id="{92084505-5355-43A2-B929-FD06D0DABC31}" type="slidenum">
+              <a:rPr lang="ja-JP" altLang="en-US" smtClean="0"/>
+              <a:pPr/>
+              <a:t>2</a:t>
+            </a:fld>
+            <a:endParaRPr lang="ja-JP" altLang="en-US" dirty="0"/>
+          </a:p>
+        </p:txBody>
+      </p:sp>
+      <p:grpSp>
+        <p:nvGrpSpPr>
+          <p:cNvPr id="8" name="グループ化 7">
+            <a:extLst>
+              <a:ext uri="{FF2B5EF4-FFF2-40B4-BE49-F238E27FC236}">
+                <a16:creationId xmlns:a16="http://schemas.microsoft.com/office/drawing/2014/main" id="{88BFB7CA-FF58-40A5-9EDF-36F3D818082B}"/>
+              </a:ext>
+            </a:extLst>
+          </p:cNvPr>
+          <p:cNvGrpSpPr/>
+          <p:nvPr/>
+        </p:nvGrpSpPr>
+        <p:grpSpPr>
+          <a:xfrm>
+            <a:off x="4927433" y="3222732"/>
+            <a:ext cx="4830951" cy="3089168"/>
+            <a:chOff x="3680524" y="3226294"/>
+            <a:chExt cx="4830951" cy="3089168"/>
+          </a:xfrm>
+        </p:grpSpPr>
+        <p:pic>
+          <p:nvPicPr>
+            <p:cNvPr id="6" name="図 5" descr="ダイアグラム&#10;&#10;中程度の精度で自動的に生成された説明">
+              <a:extLst>
+                <a:ext uri="{FF2B5EF4-FFF2-40B4-BE49-F238E27FC236}">
+                  <a16:creationId xmlns:a16="http://schemas.microsoft.com/office/drawing/2014/main" id="{82990167-3CBB-4573-A945-822C5AC35DC2}"/>
+                </a:ext>
+              </a:extLst>
+            </p:cNvPr>
+            <p:cNvPicPr>
+              <a:picLocks noChangeAspect="1"/>
+            </p:cNvPicPr>
+            <p:nvPr/>
+          </p:nvPicPr>
+          <p:blipFill>
+            <a:blip r:embed="rId2">
+              <a:extLst>
+                <a:ext uri="{28A0092B-C50C-407E-A947-70E740481C1C}">
+                  <a14:useLocalDpi xmlns:a14="http://schemas.microsoft.com/office/drawing/2010/main" val="0"/>
+                </a:ext>
+              </a:extLst>
+            </a:blip>
+            <a:stretch>
+              <a:fillRect/>
+            </a:stretch>
+          </p:blipFill>
+          <p:spPr>
+            <a:xfrm>
+              <a:off x="3680524" y="3226294"/>
+              <a:ext cx="4830951" cy="2812169"/>
+            </a:xfrm>
+            <a:prstGeom prst="rect">
+              <a:avLst/>
+            </a:prstGeom>
+          </p:spPr>
+        </p:pic>
+        <p:sp>
+          <p:nvSpPr>
+            <p:cNvPr id="7" name="テキスト ボックス 6">
+              <a:extLst>
+                <a:ext uri="{FF2B5EF4-FFF2-40B4-BE49-F238E27FC236}">
+                  <a16:creationId xmlns:a16="http://schemas.microsoft.com/office/drawing/2014/main" id="{9E3A1D70-B8D3-4148-B1DB-03CAD01BF956}"/>
+                </a:ext>
+              </a:extLst>
+            </p:cNvPr>
+            <p:cNvSpPr txBox="1"/>
+            <p:nvPr/>
+          </p:nvSpPr>
+          <p:spPr>
+            <a:xfrm>
+              <a:off x="4366951" y="6038463"/>
+              <a:ext cx="3458095" cy="276999"/>
+            </a:xfrm>
+            <a:prstGeom prst="rect">
+              <a:avLst/>
+            </a:prstGeom>
+            <a:noFill/>
+          </p:spPr>
+          <p:txBody>
+            <a:bodyPr wrap="square" rtlCol="0">
+              <a:spAutoFit/>
+            </a:bodyPr>
+            <a:lstStyle/>
+            <a:p>
+              <a:pPr algn="ctr"/>
+              <a:r>
+                <a:rPr kumimoji="1" lang="en-US" altLang="ja-JP" sz="1200">
+                  <a:latin typeface="Arial" panose="020B0604020202020204" pitchFamily="34" charset="0"/>
+                  <a:cs typeface="Arial" panose="020B0604020202020204" pitchFamily="34" charset="0"/>
+                </a:rPr>
+                <a:t>https://abc-research.github.io/bento2021/data/</a:t>
+              </a:r>
+              <a:endParaRPr kumimoji="1" lang="ja-JP" altLang="en-US" sz="1200" dirty="0">
+                <a:latin typeface="Arial" panose="020B0604020202020204" pitchFamily="34" charset="0"/>
+                <a:cs typeface="Arial" panose="020B0604020202020204" pitchFamily="34" charset="0"/>
+              </a:endParaRPr>
+            </a:p>
+          </p:txBody>
+        </p:sp>
+      </p:grpSp>
+    </p:spTree>
+    <p:extLst>
+      <p:ext uri="{BB962C8B-B14F-4D97-AF65-F5344CB8AC3E}">
+        <p14:creationId xmlns:p14="http://schemas.microsoft.com/office/powerpoint/2010/main" val="2416940360"/>
+      </p:ext>
+    </p:extLst>
+  </p:cSld>
+  <p:clrMapOvr>
+    <a:masterClrMapping/>
+  </p:clrMapOvr>
+</p:sld>
+</file>
+
+<file path=ppt/slides/slide3.xml><?xml version="1.0" encoding="utf-8"?>
+<p:sld xmlns:a="http://schemas.openxmlformats.org/drawingml/2006/main" xmlns:r="http://schemas.openxmlformats.org/officeDocument/2006/relationships" xmlns:p="http://schemas.openxmlformats.org/presentationml/2006/main">
+  <p:cSld>
+    <p:spTree>
+      <p:nvGrpSpPr>
+        <p:cNvPr id="1" name=""/>
+        <p:cNvGrpSpPr/>
+        <p:nvPr/>
+      </p:nvGrpSpPr>
+      <p:grpSpPr>
+        <a:xfrm>
+          <a:off x="0" y="0"/>
+          <a:ext cx="0" cy="0"/>
+          <a:chOff x="0" y="0"/>
+          <a:chExt cx="0" cy="0"/>
+        </a:xfrm>
+      </p:grpSpPr>
+      <p:sp>
+        <p:nvSpPr>
+          <p:cNvPr id="2" name="タイトル 1">
+            <a:extLst>
+              <a:ext uri="{FF2B5EF4-FFF2-40B4-BE49-F238E27FC236}">
+                <a16:creationId xmlns:a16="http://schemas.microsoft.com/office/drawing/2014/main" id="{2638560A-202B-4C50-A587-8411173D7F3F}"/>
+              </a:ext>
+            </a:extLst>
+          </p:cNvPr>
+          <p:cNvSpPr>
+            <a:spLocks noGrp="1"/>
+          </p:cNvSpPr>
+          <p:nvPr>
+            <p:ph type="title"/>
+          </p:nvPr>
+        </p:nvSpPr>
+        <p:spPr/>
+        <p:txBody>
+          <a:bodyPr/>
+          <a:lstStyle/>
+          <a:p>
+            <a:r>
+              <a:rPr kumimoji="1" lang="en-US" altLang="ja-JP" dirty="0"/>
+              <a:t>Dataset (2/3)</a:t>
+            </a:r>
+            <a:endParaRPr kumimoji="1" lang="ja-JP" altLang="en-US" dirty="0"/>
+          </a:p>
+        </p:txBody>
+      </p:sp>
+      <p:graphicFrame>
+        <p:nvGraphicFramePr>
+          <p:cNvPr id="5" name="表 5">
+            <a:extLst>
+              <a:ext uri="{FF2B5EF4-FFF2-40B4-BE49-F238E27FC236}">
+                <a16:creationId xmlns:a16="http://schemas.microsoft.com/office/drawing/2014/main" id="{AEE0984D-F3A8-4F6C-893C-25EC06A805B5}"/>
+              </a:ext>
+            </a:extLst>
+          </p:cNvPr>
+          <p:cNvGraphicFramePr>
+            <a:graphicFrameLocks noGrp="1"/>
+          </p:cNvGraphicFramePr>
+          <p:nvPr>
+            <p:ph idx="1"/>
+            <p:extLst>
+              <p:ext uri="{D42A27DB-BD31-4B8C-83A1-F6EECF244321}">
+                <p14:modId xmlns:p14="http://schemas.microsoft.com/office/powerpoint/2010/main" val="3086488630"/>
+              </p:ext>
+            </p:extLst>
+          </p:nvPr>
+        </p:nvGraphicFramePr>
+        <p:xfrm>
+          <a:off x="2042851" y="1690688"/>
+          <a:ext cx="8106293" cy="4024801"/>
+        </p:xfrm>
+        <a:graphic>
+          <a:graphicData uri="http://schemas.openxmlformats.org/drawingml/2006/table">
+            <a:tbl>
+              <a:tblPr firstRow="1" bandRow="1">
+                <a:tableStyleId>{5C22544A-7EE6-4342-B048-85BDC9FD1C3A}</a:tableStyleId>
+              </a:tblPr>
+              <a:tblGrid>
+                <a:gridCol w="2952298">
+                  <a:extLst>
+                    <a:ext uri="{9D8B030D-6E8A-4147-A177-3AD203B41FA5}">
+                      <a16:colId xmlns:a16="http://schemas.microsoft.com/office/drawing/2014/main" val="1804115964"/>
+                    </a:ext>
+                  </a:extLst>
+                </a:gridCol>
+                <a:gridCol w="3408322">
+                  <a:extLst>
+                    <a:ext uri="{9D8B030D-6E8A-4147-A177-3AD203B41FA5}">
+                      <a16:colId xmlns:a16="http://schemas.microsoft.com/office/drawing/2014/main" val="1791664306"/>
+                    </a:ext>
+                  </a:extLst>
+                </a:gridCol>
+                <a:gridCol w="1745673">
+                  <a:extLst>
+                    <a:ext uri="{9D8B030D-6E8A-4147-A177-3AD203B41FA5}">
+                      <a16:colId xmlns:a16="http://schemas.microsoft.com/office/drawing/2014/main" val="1212917404"/>
+                    </a:ext>
+                  </a:extLst>
+                </a:gridCol>
+              </a:tblGrid>
+              <a:tr h="365891">
+                <a:tc>
+                  <a:txBody>
+                    <a:bodyPr/>
+                    <a:lstStyle/>
+                    <a:p>
+                      <a:pPr algn="ctr"/>
+                      <a:r>
+                        <a:rPr kumimoji="1" lang="en-US" altLang="ja-JP" dirty="0"/>
+                        <a:t>Activity name</a:t>
+                      </a:r>
+                      <a:endParaRPr kumimoji="1" lang="ja-JP" altLang="en-US" dirty="0"/>
+                    </a:p>
+                  </a:txBody>
+                  <a:tcPr/>
+                </a:tc>
+                <a:tc>
+                  <a:txBody>
+                    <a:bodyPr/>
+                    <a:lstStyle/>
+                    <a:p>
+                      <a:pPr algn="ctr"/>
+                      <a:r>
+                        <a:rPr kumimoji="1" lang="en-US" altLang="ja-JP" dirty="0"/>
+                        <a:t>Movement direction pattern</a:t>
+                      </a:r>
+                      <a:endParaRPr kumimoji="1" lang="ja-JP" altLang="en-US" dirty="0"/>
+                    </a:p>
+                  </a:txBody>
+                  <a:tcPr/>
+                </a:tc>
+                <a:tc>
+                  <a:txBody>
+                    <a:bodyPr/>
+                    <a:lstStyle/>
+                    <a:p>
+                      <a:pPr algn="ctr"/>
+                      <a:r>
+                        <a:rPr kumimoji="1" lang="en-US" altLang="ja-JP" dirty="0"/>
+                        <a:t>Activity label</a:t>
+                      </a:r>
+                      <a:endParaRPr kumimoji="1" lang="ja-JP" altLang="en-US" dirty="0"/>
+                    </a:p>
+                  </a:txBody>
+                  <a:tcPr/>
+                </a:tc>
+                <a:extLst>
+                  <a:ext uri="{0D108BD9-81ED-4DB2-BD59-A6C34878D82A}">
+                    <a16:rowId xmlns:a16="http://schemas.microsoft.com/office/drawing/2014/main" val="1435958900"/>
+                  </a:ext>
+                </a:extLst>
+              </a:tr>
+              <a:tr h="365891">
+                <a:tc rowSpan="2">
+                  <a:txBody>
+                    <a:bodyPr/>
+                    <a:lstStyle/>
+                    <a:p>
+                      <a:pPr algn="ctr"/>
+                      <a:r>
+                        <a:rPr kumimoji="1" lang="en-US" altLang="ja-JP" dirty="0">
+                          <a:latin typeface="Arial" panose="020B0604020202020204" pitchFamily="34" charset="0"/>
+                          <a:cs typeface="Arial" panose="020B0604020202020204" pitchFamily="34" charset="0"/>
+                        </a:rPr>
+                        <a:t>Normal</a:t>
+                      </a:r>
+                      <a:endParaRPr kumimoji="1" lang="ja-JP" altLang="en-US" dirty="0">
+                        <a:latin typeface="Arial" panose="020B0604020202020204" pitchFamily="34" charset="0"/>
+                        <a:cs typeface="Arial" panose="020B0604020202020204" pitchFamily="34" charset="0"/>
+                      </a:endParaRPr>
+                    </a:p>
+                  </a:txBody>
+                  <a:tcPr anchor="ctr"/>
+                </a:tc>
+                <a:tc>
+                  <a:txBody>
+                    <a:bodyPr/>
+                    <a:lstStyle/>
+                    <a:p>
+                      <a:pPr algn="ctr"/>
+                      <a:r>
+                        <a:rPr kumimoji="1" lang="en-US" altLang="ja-JP" dirty="0"/>
+                        <a:t>Inward</a:t>
+                      </a:r>
+                      <a:endParaRPr kumimoji="1" lang="ja-JP" altLang="en-US" dirty="0"/>
+                    </a:p>
+                  </a:txBody>
+                  <a:tcPr/>
+                </a:tc>
+                <a:tc>
+                  <a:txBody>
+                    <a:bodyPr/>
+                    <a:lstStyle/>
+                    <a:p>
+                      <a:pPr algn="ctr"/>
+                      <a:r>
+                        <a:rPr kumimoji="1" lang="en-US" altLang="ja-JP" dirty="0"/>
+                        <a:t>1</a:t>
+                      </a:r>
+                      <a:endParaRPr kumimoji="1" lang="ja-JP" altLang="en-US" dirty="0"/>
+                    </a:p>
+                  </a:txBody>
+                  <a:tcPr/>
+                </a:tc>
+                <a:extLst>
+                  <a:ext uri="{0D108BD9-81ED-4DB2-BD59-A6C34878D82A}">
+                    <a16:rowId xmlns:a16="http://schemas.microsoft.com/office/drawing/2014/main" val="2441809605"/>
+                  </a:ext>
+                </a:extLst>
+              </a:tr>
+              <a:tr h="365891">
+                <a:tc vMerge="1">
+                  <a:txBody>
+                    <a:bodyPr/>
+                    <a:lstStyle/>
+                    <a:p>
+                      <a:endParaRPr kumimoji="1" lang="ja-JP" altLang="en-US" dirty="0"/>
+                    </a:p>
+                  </a:txBody>
+                  <a:tcPr/>
+                </a:tc>
+                <a:tc>
+                  <a:txBody>
+                    <a:bodyPr/>
+                    <a:lstStyle/>
+                    <a:p>
+                      <a:pPr algn="ctr"/>
+                      <a:r>
+                        <a:rPr kumimoji="1" lang="en-US" altLang="ja-JP" sz="1800" b="0" i="0" u="none" strike="noStrike" kern="1200" baseline="0" dirty="0">
+                          <a:solidFill>
+                            <a:schemeClr val="dk1"/>
+                          </a:solidFill>
+                          <a:latin typeface="+mn-lt"/>
+                          <a:ea typeface="+mn-ea"/>
+                          <a:cs typeface="+mn-cs"/>
+                        </a:rPr>
+                        <a:t>Outward</a:t>
+                      </a:r>
+                      <a:endParaRPr kumimoji="1" lang="ja-JP" altLang="en-US" dirty="0"/>
+                    </a:p>
+                  </a:txBody>
+                  <a:tcPr/>
+                </a:tc>
+                <a:tc>
+                  <a:txBody>
+                    <a:bodyPr/>
+                    <a:lstStyle/>
+                    <a:p>
+                      <a:pPr algn="ctr"/>
+                      <a:r>
+                        <a:rPr kumimoji="1" lang="en-US" altLang="ja-JP" dirty="0"/>
+                        <a:t>2</a:t>
+                      </a:r>
+                      <a:endParaRPr kumimoji="1" lang="ja-JP" altLang="en-US" dirty="0"/>
+                    </a:p>
+                  </a:txBody>
+                  <a:tcPr/>
+                </a:tc>
+                <a:extLst>
+                  <a:ext uri="{0D108BD9-81ED-4DB2-BD59-A6C34878D82A}">
+                    <a16:rowId xmlns:a16="http://schemas.microsoft.com/office/drawing/2014/main" val="595958346"/>
+                  </a:ext>
+                </a:extLst>
+              </a:tr>
+              <a:tr h="365891">
+                <a:tc rowSpan="2">
+                  <a:txBody>
+                    <a:bodyPr/>
+                    <a:lstStyle/>
+                    <a:p>
+                      <a:pPr algn="ctr"/>
+                      <a:r>
+                        <a:rPr kumimoji="1" lang="en-US" altLang="ja-JP" dirty="0">
+                          <a:latin typeface="Arial" panose="020B0604020202020204" pitchFamily="34" charset="0"/>
+                          <a:cs typeface="Arial" panose="020B0604020202020204" pitchFamily="34" charset="0"/>
+                        </a:rPr>
+                        <a:t>Forgot to put ingredients</a:t>
+                      </a:r>
+                      <a:endParaRPr kumimoji="1" lang="ja-JP" altLang="en-US" dirty="0">
+                        <a:latin typeface="Arial" panose="020B0604020202020204" pitchFamily="34" charset="0"/>
+                        <a:cs typeface="Arial" panose="020B0604020202020204" pitchFamily="34" charset="0"/>
+                      </a:endParaRPr>
+                    </a:p>
+                  </a:txBody>
+                  <a:tcPr anchor="ctr"/>
+                </a:tc>
+                <a:tc>
+                  <a:txBody>
+                    <a:bodyPr/>
+                    <a:lstStyle/>
+                    <a:p>
+                      <a:pPr algn="ctr"/>
+                      <a:r>
+                        <a:rPr kumimoji="1" lang="en-US" altLang="ja-JP" sz="1800" b="0" i="0" u="none" strike="noStrike" kern="1200" baseline="0" dirty="0">
+                          <a:solidFill>
+                            <a:schemeClr val="dk1"/>
+                          </a:solidFill>
+                          <a:latin typeface="+mn-lt"/>
+                          <a:ea typeface="+mn-ea"/>
+                          <a:cs typeface="+mn-cs"/>
+                        </a:rPr>
+                        <a:t>Inward</a:t>
+                      </a:r>
+                      <a:endParaRPr kumimoji="1" lang="ja-JP" altLang="en-US" dirty="0"/>
+                    </a:p>
+                  </a:txBody>
+                  <a:tcPr/>
+                </a:tc>
+                <a:tc>
+                  <a:txBody>
+                    <a:bodyPr/>
+                    <a:lstStyle/>
+                    <a:p>
+                      <a:pPr algn="ctr"/>
+                      <a:r>
+                        <a:rPr kumimoji="1" lang="en-US" altLang="ja-JP" dirty="0"/>
+                        <a:t>3</a:t>
+                      </a:r>
+                      <a:endParaRPr kumimoji="1" lang="ja-JP" altLang="en-US" dirty="0"/>
+                    </a:p>
+                  </a:txBody>
+                  <a:tcPr/>
+                </a:tc>
+                <a:extLst>
+                  <a:ext uri="{0D108BD9-81ED-4DB2-BD59-A6C34878D82A}">
+                    <a16:rowId xmlns:a16="http://schemas.microsoft.com/office/drawing/2014/main" val="4079016673"/>
+                  </a:ext>
+                </a:extLst>
+              </a:tr>
+              <a:tr h="365891">
+                <a:tc vMerge="1">
+                  <a:txBody>
+                    <a:bodyPr/>
+                    <a:lstStyle/>
+                    <a:p>
+                      <a:endParaRPr kumimoji="1" lang="ja-JP" altLang="en-US" dirty="0"/>
+                    </a:p>
+                  </a:txBody>
+                  <a:tcPr/>
+                </a:tc>
+                <a:tc>
+                  <a:txBody>
+                    <a:bodyPr/>
+                    <a:lstStyle/>
+                    <a:p>
+                      <a:pPr algn="ctr"/>
+                      <a:r>
+                        <a:rPr kumimoji="1" lang="en-US" altLang="ja-JP" sz="1800" b="0" i="0" u="none" strike="noStrike" kern="1200" baseline="0" dirty="0">
+                          <a:solidFill>
+                            <a:schemeClr val="dk1"/>
+                          </a:solidFill>
+                          <a:latin typeface="+mn-lt"/>
+                          <a:ea typeface="+mn-ea"/>
+                          <a:cs typeface="+mn-cs"/>
+                        </a:rPr>
+                        <a:t>Outward</a:t>
+                      </a:r>
+                      <a:endParaRPr kumimoji="1" lang="ja-JP" altLang="en-US" dirty="0"/>
+                    </a:p>
+                  </a:txBody>
+                  <a:tcPr/>
+                </a:tc>
+                <a:tc>
+                  <a:txBody>
+                    <a:bodyPr/>
+                    <a:lstStyle/>
+                    <a:p>
+                      <a:pPr algn="ctr"/>
+                      <a:r>
+                        <a:rPr kumimoji="1" lang="en-US" altLang="ja-JP" dirty="0"/>
+                        <a:t>4</a:t>
+                      </a:r>
+                      <a:endParaRPr kumimoji="1" lang="ja-JP" altLang="en-US" dirty="0"/>
+                    </a:p>
+                  </a:txBody>
+                  <a:tcPr/>
+                </a:tc>
+                <a:extLst>
+                  <a:ext uri="{0D108BD9-81ED-4DB2-BD59-A6C34878D82A}">
+                    <a16:rowId xmlns:a16="http://schemas.microsoft.com/office/drawing/2014/main" val="2013618414"/>
+                  </a:ext>
+                </a:extLst>
+              </a:tr>
+              <a:tr h="365891">
+                <a:tc rowSpan="2">
+                  <a:txBody>
+                    <a:bodyPr/>
+                    <a:lstStyle/>
+                    <a:p>
+                      <a:pPr algn="ctr"/>
+                      <a:r>
+                        <a:rPr kumimoji="1" lang="en-US" altLang="ja-JP" dirty="0">
+                          <a:latin typeface="Arial" panose="020B0604020202020204" pitchFamily="34" charset="0"/>
+                          <a:cs typeface="Arial" panose="020B0604020202020204" pitchFamily="34" charset="0"/>
+                        </a:rPr>
+                        <a:t>Failed to put ingredients</a:t>
+                      </a:r>
+                      <a:endParaRPr kumimoji="1" lang="ja-JP" altLang="en-US" dirty="0">
+                        <a:latin typeface="Arial" panose="020B0604020202020204" pitchFamily="34" charset="0"/>
+                        <a:cs typeface="Arial" panose="020B0604020202020204" pitchFamily="34" charset="0"/>
+                      </a:endParaRPr>
+                    </a:p>
+                  </a:txBody>
+                  <a:tcPr anchor="ctr"/>
+                </a:tc>
+                <a:tc>
+                  <a:txBody>
+                    <a:bodyPr/>
+                    <a:lstStyle/>
+                    <a:p>
+                      <a:pPr algn="ctr"/>
+                      <a:r>
+                        <a:rPr kumimoji="1" lang="en-US" altLang="ja-JP" sz="1800" b="0" i="0" u="none" strike="noStrike" kern="1200" baseline="0" dirty="0">
+                          <a:solidFill>
+                            <a:schemeClr val="dk1"/>
+                          </a:solidFill>
+                          <a:latin typeface="+mn-lt"/>
+                          <a:ea typeface="+mn-ea"/>
+                          <a:cs typeface="+mn-cs"/>
+                        </a:rPr>
+                        <a:t>Inward</a:t>
+                      </a:r>
+                      <a:endParaRPr kumimoji="1" lang="ja-JP" altLang="en-US" dirty="0"/>
+                    </a:p>
+                  </a:txBody>
+                  <a:tcPr/>
+                </a:tc>
+                <a:tc>
+                  <a:txBody>
+                    <a:bodyPr/>
+                    <a:lstStyle/>
+                    <a:p>
+                      <a:pPr algn="ctr"/>
+                      <a:r>
+                        <a:rPr kumimoji="1" lang="en-US" altLang="ja-JP" dirty="0"/>
+                        <a:t>5</a:t>
+                      </a:r>
+                      <a:endParaRPr kumimoji="1" lang="ja-JP" altLang="en-US" dirty="0"/>
+                    </a:p>
+                  </a:txBody>
+                  <a:tcPr/>
+                </a:tc>
+                <a:extLst>
+                  <a:ext uri="{0D108BD9-81ED-4DB2-BD59-A6C34878D82A}">
+                    <a16:rowId xmlns:a16="http://schemas.microsoft.com/office/drawing/2014/main" val="450469941"/>
+                  </a:ext>
+                </a:extLst>
+              </a:tr>
+              <a:tr h="365891">
+                <a:tc vMerge="1">
+                  <a:txBody>
+                    <a:bodyPr/>
+                    <a:lstStyle/>
+                    <a:p>
+                      <a:endParaRPr kumimoji="1" lang="ja-JP" altLang="en-US" dirty="0"/>
+                    </a:p>
+                  </a:txBody>
+                  <a:tcPr/>
+                </a:tc>
+                <a:tc>
+                  <a:txBody>
+                    <a:bodyPr/>
+                    <a:lstStyle/>
+                    <a:p>
+                      <a:pPr algn="ctr"/>
+                      <a:r>
+                        <a:rPr kumimoji="1" lang="en-US" altLang="ja-JP" sz="1800" b="0" i="0" u="none" strike="noStrike" kern="1200" baseline="0" dirty="0">
+                          <a:solidFill>
+                            <a:schemeClr val="dk1"/>
+                          </a:solidFill>
+                          <a:latin typeface="+mn-lt"/>
+                          <a:ea typeface="+mn-ea"/>
+                          <a:cs typeface="+mn-cs"/>
+                        </a:rPr>
+                        <a:t>Outward</a:t>
+                      </a:r>
+                      <a:endParaRPr kumimoji="1" lang="ja-JP" altLang="en-US" dirty="0"/>
+                    </a:p>
+                  </a:txBody>
+                  <a:tcPr/>
+                </a:tc>
+                <a:tc>
+                  <a:txBody>
+                    <a:bodyPr/>
+                    <a:lstStyle/>
+                    <a:p>
+                      <a:pPr algn="ctr"/>
+                      <a:r>
+                        <a:rPr kumimoji="1" lang="en-US" altLang="ja-JP" dirty="0"/>
+                        <a:t>6</a:t>
+                      </a:r>
+                      <a:endParaRPr kumimoji="1" lang="ja-JP" altLang="en-US" dirty="0"/>
+                    </a:p>
+                  </a:txBody>
+                  <a:tcPr/>
+                </a:tc>
+                <a:extLst>
+                  <a:ext uri="{0D108BD9-81ED-4DB2-BD59-A6C34878D82A}">
+                    <a16:rowId xmlns:a16="http://schemas.microsoft.com/office/drawing/2014/main" val="3949449887"/>
+                  </a:ext>
+                </a:extLst>
+              </a:tr>
+              <a:tr h="365891">
+                <a:tc rowSpan="2">
+                  <a:txBody>
+                    <a:bodyPr/>
+                    <a:lstStyle/>
+                    <a:p>
+                      <a:pPr algn="ctr"/>
+                      <a:r>
+                        <a:rPr kumimoji="1" lang="en-US" altLang="ja-JP" dirty="0">
+                          <a:latin typeface="Arial" panose="020B0604020202020204" pitchFamily="34" charset="0"/>
+                          <a:cs typeface="Arial" panose="020B0604020202020204" pitchFamily="34" charset="0"/>
+                        </a:rPr>
+                        <a:t>Turn over bento-box</a:t>
+                      </a:r>
+                      <a:endParaRPr kumimoji="1" lang="ja-JP" altLang="en-US" dirty="0">
+                        <a:latin typeface="Arial" panose="020B0604020202020204" pitchFamily="34" charset="0"/>
+                        <a:cs typeface="Arial" panose="020B0604020202020204" pitchFamily="34" charset="0"/>
+                      </a:endParaRPr>
+                    </a:p>
+                  </a:txBody>
+                  <a:tcPr anchor="ctr"/>
+                </a:tc>
+                <a:tc>
+                  <a:txBody>
+                    <a:bodyPr/>
+                    <a:lstStyle/>
+                    <a:p>
+                      <a:pPr algn="ctr"/>
+                      <a:r>
+                        <a:rPr kumimoji="1" lang="en-US" altLang="ja-JP" sz="1800" b="0" i="0" u="none" strike="noStrike" kern="1200" baseline="0" dirty="0">
+                          <a:solidFill>
+                            <a:schemeClr val="dk1"/>
+                          </a:solidFill>
+                          <a:latin typeface="+mn-lt"/>
+                          <a:ea typeface="+mn-ea"/>
+                          <a:cs typeface="+mn-cs"/>
+                        </a:rPr>
+                        <a:t>Inward</a:t>
+                      </a:r>
+                      <a:endParaRPr kumimoji="1" lang="ja-JP" altLang="en-US" dirty="0"/>
+                    </a:p>
+                  </a:txBody>
+                  <a:tcPr/>
+                </a:tc>
+                <a:tc>
+                  <a:txBody>
+                    <a:bodyPr/>
+                    <a:lstStyle/>
+                    <a:p>
+                      <a:pPr algn="ctr"/>
+                      <a:r>
+                        <a:rPr kumimoji="1" lang="en-US" altLang="ja-JP" dirty="0"/>
+                        <a:t>7</a:t>
+                      </a:r>
+                      <a:endParaRPr kumimoji="1" lang="ja-JP" altLang="en-US" dirty="0"/>
+                    </a:p>
+                  </a:txBody>
+                  <a:tcPr/>
+                </a:tc>
+                <a:extLst>
+                  <a:ext uri="{0D108BD9-81ED-4DB2-BD59-A6C34878D82A}">
+                    <a16:rowId xmlns:a16="http://schemas.microsoft.com/office/drawing/2014/main" val="265372172"/>
+                  </a:ext>
+                </a:extLst>
+              </a:tr>
+              <a:tr h="365891">
+                <a:tc vMerge="1">
+                  <a:txBody>
+                    <a:bodyPr/>
+                    <a:lstStyle/>
+                    <a:p>
+                      <a:endParaRPr kumimoji="1" lang="ja-JP" altLang="en-US" dirty="0"/>
+                    </a:p>
+                  </a:txBody>
+                  <a:tcPr/>
+                </a:tc>
+                <a:tc>
+                  <a:txBody>
+                    <a:bodyPr/>
+                    <a:lstStyle/>
+                    <a:p>
+                      <a:pPr algn="ctr"/>
+                      <a:r>
+                        <a:rPr kumimoji="1" lang="en-US" altLang="ja-JP" sz="1800" b="0" i="0" u="none" strike="noStrike" kern="1200" baseline="0" dirty="0">
+                          <a:solidFill>
+                            <a:schemeClr val="dk1"/>
+                          </a:solidFill>
+                          <a:latin typeface="+mn-lt"/>
+                          <a:ea typeface="+mn-ea"/>
+                          <a:cs typeface="+mn-cs"/>
+                        </a:rPr>
+                        <a:t>Outward</a:t>
+                      </a:r>
+                      <a:endParaRPr kumimoji="1" lang="ja-JP" altLang="en-US" dirty="0"/>
+                    </a:p>
+                  </a:txBody>
+                  <a:tcPr/>
+                </a:tc>
+                <a:tc>
+                  <a:txBody>
+                    <a:bodyPr/>
+                    <a:lstStyle/>
+                    <a:p>
+                      <a:pPr algn="ctr"/>
+                      <a:r>
+                        <a:rPr kumimoji="1" lang="en-US" altLang="ja-JP" dirty="0"/>
+                        <a:t>8</a:t>
+                      </a:r>
+                      <a:endParaRPr kumimoji="1" lang="ja-JP" altLang="en-US" dirty="0"/>
+                    </a:p>
+                  </a:txBody>
+                  <a:tcPr/>
+                </a:tc>
+                <a:extLst>
+                  <a:ext uri="{0D108BD9-81ED-4DB2-BD59-A6C34878D82A}">
+                    <a16:rowId xmlns:a16="http://schemas.microsoft.com/office/drawing/2014/main" val="2122575443"/>
+                  </a:ext>
+                </a:extLst>
+              </a:tr>
+              <a:tr h="365891">
+                <a:tc rowSpan="2">
+                  <a:txBody>
+                    <a:bodyPr/>
+                    <a:lstStyle/>
+                    <a:p>
+                      <a:pPr algn="ctr"/>
+                      <a:r>
+                        <a:rPr kumimoji="1" lang="en-US" altLang="ja-JP" dirty="0">
+                          <a:latin typeface="Arial" panose="020B0604020202020204" pitchFamily="34" charset="0"/>
+                          <a:cs typeface="Arial" panose="020B0604020202020204" pitchFamily="34" charset="0"/>
+                        </a:rPr>
+                        <a:t>Fix/rearranging ingredients</a:t>
+                      </a:r>
+                      <a:endParaRPr kumimoji="1" lang="ja-JP" altLang="en-US" dirty="0">
+                        <a:latin typeface="Arial" panose="020B0604020202020204" pitchFamily="34" charset="0"/>
+                        <a:cs typeface="Arial" panose="020B0604020202020204" pitchFamily="34" charset="0"/>
+                      </a:endParaRPr>
+                    </a:p>
+                  </a:txBody>
+                  <a:tcPr anchor="ctr"/>
+                </a:tc>
+                <a:tc>
+                  <a:txBody>
+                    <a:bodyPr/>
+                    <a:lstStyle/>
+                    <a:p>
+                      <a:pPr algn="ctr"/>
+                      <a:r>
+                        <a:rPr kumimoji="1" lang="en-US" altLang="ja-JP" sz="1800" b="0" i="0" u="none" strike="noStrike" kern="1200" baseline="0" dirty="0">
+                          <a:solidFill>
+                            <a:schemeClr val="dk1"/>
+                          </a:solidFill>
+                          <a:latin typeface="+mn-lt"/>
+                          <a:ea typeface="+mn-ea"/>
+                          <a:cs typeface="+mn-cs"/>
+                        </a:rPr>
+                        <a:t>Inward</a:t>
+                      </a:r>
+                      <a:endParaRPr kumimoji="1" lang="ja-JP" altLang="en-US" dirty="0"/>
+                    </a:p>
+                  </a:txBody>
+                  <a:tcPr/>
+                </a:tc>
+                <a:tc>
+                  <a:txBody>
+                    <a:bodyPr/>
+                    <a:lstStyle/>
+                    <a:p>
+                      <a:pPr algn="ctr"/>
+                      <a:r>
+                        <a:rPr kumimoji="1" lang="en-US" altLang="ja-JP" dirty="0"/>
+                        <a:t>9</a:t>
+                      </a:r>
+                      <a:endParaRPr kumimoji="1" lang="ja-JP" altLang="en-US" dirty="0"/>
+                    </a:p>
+                  </a:txBody>
+                  <a:tcPr/>
+                </a:tc>
+                <a:extLst>
+                  <a:ext uri="{0D108BD9-81ED-4DB2-BD59-A6C34878D82A}">
+                    <a16:rowId xmlns:a16="http://schemas.microsoft.com/office/drawing/2014/main" val="3279942130"/>
+                  </a:ext>
+                </a:extLst>
+              </a:tr>
+              <a:tr h="365891">
+                <a:tc vMerge="1">
+                  <a:txBody>
+                    <a:bodyPr/>
+                    <a:lstStyle/>
+                    <a:p>
+                      <a:endParaRPr kumimoji="1" lang="ja-JP" altLang="en-US" dirty="0"/>
+                    </a:p>
+                  </a:txBody>
+                  <a:tcPr/>
+                </a:tc>
+                <a:tc>
+                  <a:txBody>
+                    <a:bodyPr/>
+                    <a:lstStyle/>
+                    <a:p>
+                      <a:pPr algn="ctr"/>
+                      <a:r>
+                        <a:rPr kumimoji="1" lang="en-US" altLang="ja-JP" sz="1800" b="0" i="0" u="none" strike="noStrike" kern="1200" baseline="0" dirty="0">
+                          <a:solidFill>
+                            <a:schemeClr val="dk1"/>
+                          </a:solidFill>
+                          <a:latin typeface="+mn-lt"/>
+                          <a:ea typeface="+mn-ea"/>
+                          <a:cs typeface="+mn-cs"/>
+                        </a:rPr>
+                        <a:t>Outward</a:t>
+                      </a:r>
+                      <a:endParaRPr kumimoji="1" lang="ja-JP" altLang="en-US" dirty="0"/>
+                    </a:p>
+                  </a:txBody>
+                  <a:tcPr/>
+                </a:tc>
+                <a:tc>
+                  <a:txBody>
+                    <a:bodyPr/>
+                    <a:lstStyle/>
+                    <a:p>
+                      <a:pPr algn="ctr"/>
+                      <a:r>
+                        <a:rPr kumimoji="1" lang="en-US" altLang="ja-JP" dirty="0"/>
+                        <a:t>10</a:t>
+                      </a:r>
+                      <a:endParaRPr kumimoji="1" lang="ja-JP" altLang="en-US" dirty="0"/>
+                    </a:p>
+                  </a:txBody>
+                  <a:tcPr/>
+                </a:tc>
+                <a:extLst>
+                  <a:ext uri="{0D108BD9-81ED-4DB2-BD59-A6C34878D82A}">
+                    <a16:rowId xmlns:a16="http://schemas.microsoft.com/office/drawing/2014/main" val="4245222916"/>
+                  </a:ext>
+                </a:extLst>
+              </a:tr>
+            </a:tbl>
+          </a:graphicData>
+        </a:graphic>
+      </p:graphicFrame>
+      <p:sp>
+        <p:nvSpPr>
+          <p:cNvPr id="4" name="スライド番号プレースホルダー 3">
+            <a:extLst>
+              <a:ext uri="{FF2B5EF4-FFF2-40B4-BE49-F238E27FC236}">
+                <a16:creationId xmlns:a16="http://schemas.microsoft.com/office/drawing/2014/main" id="{52F9830E-EC37-4F17-9222-AFEF87C4A284}"/>
+              </a:ext>
+            </a:extLst>
+          </p:cNvPr>
+          <p:cNvSpPr>
+            <a:spLocks noGrp="1"/>
+          </p:cNvSpPr>
+          <p:nvPr>
+            <p:ph type="sldNum" sz="quarter" idx="12"/>
+          </p:nvPr>
+        </p:nvSpPr>
+        <p:spPr/>
+        <p:txBody>
+          <a:bodyPr/>
+          <a:lstStyle/>
+          <a:p>
+            <a:fld id="{92084505-5355-43A2-B929-FD06D0DABC31}" type="slidenum">
+              <a:rPr lang="ja-JP" altLang="en-US" smtClean="0"/>
+              <a:pPr/>
+              <a:t>3</a:t>
+            </a:fld>
+            <a:endParaRPr lang="ja-JP" altLang="en-US" dirty="0"/>
+          </a:p>
+        </p:txBody>
+      </p:sp>
+      <p:sp>
+        <p:nvSpPr>
+          <p:cNvPr id="6" name="テキスト ボックス 5">
+            <a:extLst>
+              <a:ext uri="{FF2B5EF4-FFF2-40B4-BE49-F238E27FC236}">
+                <a16:creationId xmlns:a16="http://schemas.microsoft.com/office/drawing/2014/main" id="{17516CD7-FB74-40DB-8950-BBEA8D4D02A9}"/>
+              </a:ext>
+            </a:extLst>
+          </p:cNvPr>
+          <p:cNvSpPr txBox="1"/>
+          <p:nvPr/>
+        </p:nvSpPr>
+        <p:spPr>
+          <a:xfrm>
+            <a:off x="1349431" y="5783914"/>
+            <a:ext cx="9493135" cy="523220"/>
+          </a:xfrm>
+          <a:prstGeom prst="rect">
+            <a:avLst/>
+          </a:prstGeom>
+          <a:noFill/>
+        </p:spPr>
+        <p:txBody>
+          <a:bodyPr wrap="square" rtlCol="0">
+            <a:spAutoFit/>
+          </a:bodyPr>
+          <a:lstStyle/>
+          <a:p>
+            <a:pPr algn="ctr"/>
+            <a:r>
+              <a:rPr kumimoji="1" lang="en-US" altLang="ja-JP" sz="2800" dirty="0">
+                <a:latin typeface="Arial" panose="020B0604020202020204" pitchFamily="34" charset="0"/>
+                <a:cs typeface="Arial" panose="020B0604020202020204" pitchFamily="34" charset="0"/>
+              </a:rPr>
+              <a:t>The measurement time for each file ranges from 50 to 70 s.</a:t>
+            </a:r>
+            <a:endParaRPr kumimoji="1" lang="ja-JP" altLang="en-US" sz="2800" dirty="0">
+              <a:latin typeface="Arial" panose="020B0604020202020204" pitchFamily="34" charset="0"/>
+              <a:cs typeface="Arial" panose="020B0604020202020204" pitchFamily="34" charset="0"/>
+            </a:endParaRPr>
+          </a:p>
+        </p:txBody>
+      </p:sp>
+    </p:spTree>
+    <p:extLst>
+      <p:ext uri="{BB962C8B-B14F-4D97-AF65-F5344CB8AC3E}">
+        <p14:creationId xmlns:p14="http://schemas.microsoft.com/office/powerpoint/2010/main" val="1731636709"/>
+      </p:ext>
+    </p:extLst>
+  </p:cSld>
+  <p:clrMapOvr>
+    <a:masterClrMapping/>
+  </p:clrMapOvr>
+</p:sld>
+</file>
+
+<file path=ppt/slides/slide4.xml><?xml version="1.0" encoding="utf-8"?>
+<p:sld xmlns:a="http://schemas.openxmlformats.org/drawingml/2006/main" xmlns:r="http://schemas.openxmlformats.org/officeDocument/2006/relationships" xmlns:p="http://schemas.openxmlformats.org/presentationml/2006/main">
+  <p:cSld>
+    <p:spTree>
+      <p:nvGrpSpPr>
+        <p:cNvPr id="1" name=""/>
+        <p:cNvGrpSpPr/>
+        <p:nvPr/>
+      </p:nvGrpSpPr>
+      <p:grpSpPr>
+        <a:xfrm>
+          <a:off x="0" y="0"/>
+          <a:ext cx="0" cy="0"/>
+          <a:chOff x="0" y="0"/>
+          <a:chExt cx="0" cy="0"/>
+        </a:xfrm>
+      </p:grpSpPr>
+      <p:sp>
+        <p:nvSpPr>
+          <p:cNvPr id="2" name="タイトル 1">
+            <a:extLst>
+              <a:ext uri="{FF2B5EF4-FFF2-40B4-BE49-F238E27FC236}">
+                <a16:creationId xmlns:a16="http://schemas.microsoft.com/office/drawing/2014/main" id="{1BCBC6D2-2B21-46C1-A293-2B007A86F0D5}"/>
+              </a:ext>
+            </a:extLst>
+          </p:cNvPr>
+          <p:cNvSpPr>
+            <a:spLocks noGrp="1"/>
+          </p:cNvSpPr>
+          <p:nvPr>
+            <p:ph type="title"/>
+          </p:nvPr>
+        </p:nvSpPr>
+        <p:spPr/>
+        <p:txBody>
+          <a:bodyPr/>
+          <a:lstStyle/>
+          <a:p>
+            <a:r>
+              <a:rPr kumimoji="1" lang="en-US" altLang="ja-JP" dirty="0"/>
+              <a:t>Dataset (3/3)</a:t>
+            </a:r>
+            <a:endParaRPr kumimoji="1" lang="ja-JP" altLang="en-US" dirty="0"/>
+          </a:p>
+        </p:txBody>
+      </p:sp>
+      <p:sp>
+        <p:nvSpPr>
+          <p:cNvPr id="4" name="スライド番号プレースホルダー 3">
+            <a:extLst>
+              <a:ext uri="{FF2B5EF4-FFF2-40B4-BE49-F238E27FC236}">
+                <a16:creationId xmlns:a16="http://schemas.microsoft.com/office/drawing/2014/main" id="{806E17C3-8C4C-41E2-BCE3-A86FBDBFE82E}"/>
+              </a:ext>
+            </a:extLst>
+          </p:cNvPr>
+          <p:cNvSpPr>
+            <a:spLocks noGrp="1"/>
+          </p:cNvSpPr>
+          <p:nvPr>
+            <p:ph type="sldNum" sz="quarter" idx="12"/>
+          </p:nvPr>
+        </p:nvSpPr>
+        <p:spPr/>
+        <p:txBody>
+          <a:bodyPr/>
+          <a:lstStyle/>
+          <a:p>
+            <a:fld id="{92084505-5355-43A2-B929-FD06D0DABC31}" type="slidenum">
+              <a:rPr lang="ja-JP" altLang="en-US" smtClean="0"/>
+              <a:pPr/>
+              <a:t>4</a:t>
+            </a:fld>
+            <a:endParaRPr lang="ja-JP" altLang="en-US" dirty="0"/>
+          </a:p>
+        </p:txBody>
+      </p:sp>
+      <p:graphicFrame>
+        <p:nvGraphicFramePr>
+          <p:cNvPr id="6" name="表 6">
+            <a:extLst>
+              <a:ext uri="{FF2B5EF4-FFF2-40B4-BE49-F238E27FC236}">
+                <a16:creationId xmlns:a16="http://schemas.microsoft.com/office/drawing/2014/main" id="{96DB96F4-C538-422C-BA20-8D0A0552E2B9}"/>
+              </a:ext>
+            </a:extLst>
+          </p:cNvPr>
+          <p:cNvGraphicFramePr>
+            <a:graphicFrameLocks noGrp="1"/>
+          </p:cNvGraphicFramePr>
+          <p:nvPr>
+            <p:extLst>
+              <p:ext uri="{D42A27DB-BD31-4B8C-83A1-F6EECF244321}">
+                <p14:modId xmlns:p14="http://schemas.microsoft.com/office/powerpoint/2010/main" val="1339545363"/>
+              </p:ext>
+            </p:extLst>
+          </p:nvPr>
+        </p:nvGraphicFramePr>
+        <p:xfrm>
+          <a:off x="2582912" y="2682240"/>
+          <a:ext cx="7026176" cy="2225040"/>
+        </p:xfrm>
+        <a:graphic>
+          <a:graphicData uri="http://schemas.openxmlformats.org/drawingml/2006/table">
+            <a:tbl>
+              <a:tblPr firstRow="1" bandRow="1">
+                <a:tableStyleId>{5C22544A-7EE6-4342-B048-85BDC9FD1C3A}</a:tableStyleId>
+              </a:tblPr>
+              <a:tblGrid>
+                <a:gridCol w="1204870">
+                  <a:extLst>
+                    <a:ext uri="{9D8B030D-6E8A-4147-A177-3AD203B41FA5}">
+                      <a16:colId xmlns:a16="http://schemas.microsoft.com/office/drawing/2014/main" val="779495497"/>
+                    </a:ext>
+                  </a:extLst>
+                </a:gridCol>
+                <a:gridCol w="1710793">
+                  <a:extLst>
+                    <a:ext uri="{9D8B030D-6E8A-4147-A177-3AD203B41FA5}">
+                      <a16:colId xmlns:a16="http://schemas.microsoft.com/office/drawing/2014/main" val="386337475"/>
+                    </a:ext>
+                  </a:extLst>
+                </a:gridCol>
+                <a:gridCol w="1734513">
+                  <a:extLst>
+                    <a:ext uri="{9D8B030D-6E8A-4147-A177-3AD203B41FA5}">
+                      <a16:colId xmlns:a16="http://schemas.microsoft.com/office/drawing/2014/main" val="1553053584"/>
+                    </a:ext>
+                  </a:extLst>
+                </a:gridCol>
+                <a:gridCol w="792000">
+                  <a:extLst>
+                    <a:ext uri="{9D8B030D-6E8A-4147-A177-3AD203B41FA5}">
+                      <a16:colId xmlns:a16="http://schemas.microsoft.com/office/drawing/2014/main" val="257682976"/>
+                    </a:ext>
+                  </a:extLst>
+                </a:gridCol>
+                <a:gridCol w="792000">
+                  <a:extLst>
+                    <a:ext uri="{9D8B030D-6E8A-4147-A177-3AD203B41FA5}">
+                      <a16:colId xmlns:a16="http://schemas.microsoft.com/office/drawing/2014/main" val="2416882958"/>
+                    </a:ext>
+                  </a:extLst>
+                </a:gridCol>
+                <a:gridCol w="792000">
+                  <a:extLst>
+                    <a:ext uri="{9D8B030D-6E8A-4147-A177-3AD203B41FA5}">
+                      <a16:colId xmlns:a16="http://schemas.microsoft.com/office/drawing/2014/main" val="470812689"/>
+                    </a:ext>
+                  </a:extLst>
+                </a:gridCol>
+              </a:tblGrid>
+              <a:tr h="370840">
+                <a:tc>
+                  <a:txBody>
+                    <a:bodyPr/>
+                    <a:lstStyle/>
+                    <a:p>
+                      <a:pPr algn="ctr"/>
+                      <a:r>
+                        <a:rPr kumimoji="1" lang="en-US" altLang="ja-JP">
+                          <a:latin typeface="Arial" panose="020B0604020202020204" pitchFamily="34" charset="0"/>
+                          <a:cs typeface="Arial" panose="020B0604020202020204" pitchFamily="34" charset="0"/>
+                        </a:rPr>
+                        <a:t>Subject</a:t>
+                      </a:r>
+                      <a:endParaRPr kumimoji="1" lang="ja-JP" altLang="en-US" dirty="0">
+                        <a:latin typeface="Arial" panose="020B0604020202020204" pitchFamily="34" charset="0"/>
+                        <a:cs typeface="Arial" panose="020B0604020202020204" pitchFamily="34" charset="0"/>
+                      </a:endParaRPr>
+                    </a:p>
+                  </a:txBody>
+                  <a:tcPr/>
+                </a:tc>
+                <a:tc>
+                  <a:txBody>
+                    <a:bodyPr/>
+                    <a:lstStyle/>
+                    <a:p>
+                      <a:pPr algn="ctr"/>
+                      <a:r>
+                        <a:rPr kumimoji="1" lang="en-US" altLang="ja-JP">
+                          <a:latin typeface="Arial" panose="020B0604020202020204" pitchFamily="34" charset="0"/>
+                          <a:cs typeface="Arial" panose="020B0604020202020204" pitchFamily="34" charset="0"/>
+                        </a:rPr>
+                        <a:t>Activity label</a:t>
+                      </a:r>
+                      <a:endParaRPr kumimoji="1" lang="ja-JP" altLang="en-US" dirty="0">
+                        <a:latin typeface="Arial" panose="020B0604020202020204" pitchFamily="34" charset="0"/>
+                        <a:cs typeface="Arial" panose="020B0604020202020204" pitchFamily="34" charset="0"/>
+                      </a:endParaRPr>
+                    </a:p>
+                  </a:txBody>
+                  <a:tcPr/>
+                </a:tc>
+                <a:tc>
+                  <a:txBody>
+                    <a:bodyPr/>
+                    <a:lstStyle/>
+                    <a:p>
+                      <a:pPr algn="ctr"/>
+                      <a:r>
+                        <a:rPr kumimoji="1" lang="en-US" altLang="ja-JP">
+                          <a:latin typeface="Arial" panose="020B0604020202020204" pitchFamily="34" charset="0"/>
+                          <a:cs typeface="Arial" panose="020B0604020202020204" pitchFamily="34" charset="0"/>
+                        </a:rPr>
+                        <a:t># of segment</a:t>
+                      </a:r>
+                      <a:endParaRPr kumimoji="1" lang="ja-JP" altLang="en-US" dirty="0">
+                        <a:latin typeface="Arial" panose="020B0604020202020204" pitchFamily="34" charset="0"/>
+                        <a:cs typeface="Arial" panose="020B0604020202020204" pitchFamily="34" charset="0"/>
+                      </a:endParaRPr>
+                    </a:p>
+                  </a:txBody>
+                  <a:tcPr/>
+                </a:tc>
+                <a:tc gridSpan="3">
+                  <a:txBody>
+                    <a:bodyPr/>
+                    <a:lstStyle/>
+                    <a:p>
+                      <a:pPr algn="ctr"/>
+                      <a:r>
+                        <a:rPr kumimoji="1" lang="en-US" altLang="ja-JP">
+                          <a:latin typeface="Arial" panose="020B0604020202020204" pitchFamily="34" charset="0"/>
+                          <a:cs typeface="Arial" panose="020B0604020202020204" pitchFamily="34" charset="0"/>
+                        </a:rPr>
+                        <a:t>Length</a:t>
+                      </a:r>
+                      <a:endParaRPr kumimoji="1" lang="ja-JP" altLang="en-US" dirty="0">
+                        <a:latin typeface="Arial" panose="020B0604020202020204" pitchFamily="34" charset="0"/>
+                        <a:cs typeface="Arial" panose="020B0604020202020204" pitchFamily="34" charset="0"/>
+                      </a:endParaRPr>
+                    </a:p>
+                  </a:txBody>
+                  <a:tcPr/>
+                </a:tc>
+                <a:tc hMerge="1">
+                  <a:txBody>
+                    <a:bodyPr/>
+                    <a:lstStyle/>
+                    <a:p>
+                      <a:endParaRPr kumimoji="1" lang="ja-JP" altLang="en-US" dirty="0"/>
+                    </a:p>
+                  </a:txBody>
+                  <a:tcPr/>
+                </a:tc>
+                <a:tc hMerge="1">
+                  <a:txBody>
+                    <a:bodyPr/>
+                    <a:lstStyle/>
+                    <a:p>
+                      <a:endParaRPr kumimoji="1" lang="ja-JP" altLang="en-US" dirty="0"/>
+                    </a:p>
+                  </a:txBody>
+                  <a:tcPr/>
+                </a:tc>
+                <a:extLst>
+                  <a:ext uri="{0D108BD9-81ED-4DB2-BD59-A6C34878D82A}">
+                    <a16:rowId xmlns:a16="http://schemas.microsoft.com/office/drawing/2014/main" val="980146182"/>
+                  </a:ext>
+                </a:extLst>
+              </a:tr>
+              <a:tr h="370840">
+                <a:tc>
+                  <a:txBody>
+                    <a:bodyPr/>
+                    <a:lstStyle/>
+                    <a:p>
+                      <a:pPr algn="ctr"/>
+                      <a:endParaRPr kumimoji="1" lang="ja-JP" altLang="en-US" dirty="0">
+                        <a:latin typeface="Arial" panose="020B0604020202020204" pitchFamily="34" charset="0"/>
+                        <a:cs typeface="Arial" panose="020B0604020202020204" pitchFamily="34" charset="0"/>
+                      </a:endParaRPr>
+                    </a:p>
+                  </a:txBody>
+                  <a:tcPr/>
+                </a:tc>
+                <a:tc>
+                  <a:txBody>
+                    <a:bodyPr/>
+                    <a:lstStyle/>
+                    <a:p>
+                      <a:pPr algn="ctr"/>
+                      <a:endParaRPr kumimoji="1" lang="ja-JP" altLang="en-US" dirty="0">
+                        <a:latin typeface="Arial" panose="020B0604020202020204" pitchFamily="34" charset="0"/>
+                        <a:cs typeface="Arial" panose="020B0604020202020204" pitchFamily="34" charset="0"/>
+                      </a:endParaRPr>
+                    </a:p>
+                  </a:txBody>
+                  <a:tcPr/>
+                </a:tc>
+                <a:tc>
+                  <a:txBody>
+                    <a:bodyPr/>
+                    <a:lstStyle/>
+                    <a:p>
+                      <a:pPr algn="ctr"/>
+                      <a:endParaRPr kumimoji="1" lang="ja-JP" altLang="en-US" dirty="0">
+                        <a:latin typeface="Arial" panose="020B0604020202020204" pitchFamily="34" charset="0"/>
+                        <a:cs typeface="Arial" panose="020B0604020202020204" pitchFamily="34" charset="0"/>
+                      </a:endParaRPr>
+                    </a:p>
+                  </a:txBody>
+                  <a:tcPr/>
+                </a:tc>
+                <a:tc>
+                  <a:txBody>
+                    <a:bodyPr/>
+                    <a:lstStyle/>
+                    <a:p>
+                      <a:pPr algn="ctr"/>
+                      <a:r>
+                        <a:rPr kumimoji="1" lang="en-US" altLang="ja-JP">
+                          <a:latin typeface="Arial" panose="020B0604020202020204" pitchFamily="34" charset="0"/>
+                          <a:cs typeface="Arial" panose="020B0604020202020204" pitchFamily="34" charset="0"/>
+                        </a:rPr>
+                        <a:t>max</a:t>
+                      </a:r>
+                      <a:endParaRPr kumimoji="1" lang="ja-JP" altLang="en-US" dirty="0">
+                        <a:latin typeface="Arial" panose="020B0604020202020204" pitchFamily="34" charset="0"/>
+                        <a:cs typeface="Arial" panose="020B0604020202020204" pitchFamily="34" charset="0"/>
+                      </a:endParaRPr>
+                    </a:p>
+                  </a:txBody>
+                  <a:tcPr/>
+                </a:tc>
+                <a:tc>
+                  <a:txBody>
+                    <a:bodyPr/>
+                    <a:lstStyle/>
+                    <a:p>
+                      <a:pPr algn="ctr"/>
+                      <a:r>
+                        <a:rPr kumimoji="1" lang="en-US" altLang="ja-JP">
+                          <a:latin typeface="Arial" panose="020B0604020202020204" pitchFamily="34" charset="0"/>
+                          <a:cs typeface="Arial" panose="020B0604020202020204" pitchFamily="34" charset="0"/>
+                        </a:rPr>
+                        <a:t>mean</a:t>
+                      </a:r>
+                      <a:endParaRPr kumimoji="1" lang="ja-JP" altLang="en-US" dirty="0">
+                        <a:latin typeface="Arial" panose="020B0604020202020204" pitchFamily="34" charset="0"/>
+                        <a:cs typeface="Arial" panose="020B0604020202020204" pitchFamily="34" charset="0"/>
+                      </a:endParaRPr>
+                    </a:p>
+                  </a:txBody>
+                  <a:tcPr/>
+                </a:tc>
+                <a:tc>
+                  <a:txBody>
+                    <a:bodyPr/>
+                    <a:lstStyle/>
+                    <a:p>
+                      <a:pPr algn="ctr"/>
+                      <a:r>
+                        <a:rPr kumimoji="1" lang="en-US" altLang="ja-JP">
+                          <a:latin typeface="Arial" panose="020B0604020202020204" pitchFamily="34" charset="0"/>
+                          <a:cs typeface="Arial" panose="020B0604020202020204" pitchFamily="34" charset="0"/>
+                        </a:rPr>
+                        <a:t>min</a:t>
+                      </a:r>
+                      <a:endParaRPr kumimoji="1" lang="ja-JP" altLang="en-US" dirty="0">
+                        <a:latin typeface="Arial" panose="020B0604020202020204" pitchFamily="34" charset="0"/>
+                        <a:cs typeface="Arial" panose="020B0604020202020204" pitchFamily="34" charset="0"/>
+                      </a:endParaRPr>
+                    </a:p>
+                  </a:txBody>
+                  <a:tcPr/>
+                </a:tc>
+                <a:extLst>
+                  <a:ext uri="{0D108BD9-81ED-4DB2-BD59-A6C34878D82A}">
+                    <a16:rowId xmlns:a16="http://schemas.microsoft.com/office/drawing/2014/main" val="2388090810"/>
+                  </a:ext>
+                </a:extLst>
+              </a:tr>
+              <a:tr h="370840">
+                <a:tc>
+                  <a:txBody>
+                    <a:bodyPr/>
+                    <a:lstStyle/>
+                    <a:p>
+                      <a:pPr algn="ctr"/>
+                      <a:r>
+                        <a:rPr kumimoji="1" lang="en-US" altLang="ja-JP">
+                          <a:latin typeface="Arial" panose="020B0604020202020204" pitchFamily="34" charset="0"/>
+                          <a:cs typeface="Arial" panose="020B0604020202020204" pitchFamily="34" charset="0"/>
+                        </a:rPr>
+                        <a:t>1</a:t>
+                      </a:r>
+                      <a:endParaRPr kumimoji="1" lang="ja-JP" altLang="en-US" dirty="0">
+                        <a:latin typeface="Arial" panose="020B0604020202020204" pitchFamily="34" charset="0"/>
+                        <a:cs typeface="Arial" panose="020B0604020202020204" pitchFamily="34" charset="0"/>
+                      </a:endParaRPr>
+                    </a:p>
+                  </a:txBody>
+                  <a:tcPr/>
+                </a:tc>
+                <a:tc>
+                  <a:txBody>
+                    <a:bodyPr/>
+                    <a:lstStyle/>
+                    <a:p>
+                      <a:pPr algn="ctr"/>
+                      <a:r>
+                        <a:rPr kumimoji="1" lang="en-US" altLang="ja-JP">
+                          <a:latin typeface="Arial" panose="020B0604020202020204" pitchFamily="34" charset="0"/>
+                          <a:cs typeface="Arial" panose="020B0604020202020204" pitchFamily="34" charset="0"/>
+                        </a:rPr>
+                        <a:t>1~10</a:t>
+                      </a:r>
+                      <a:endParaRPr kumimoji="1" lang="ja-JP" altLang="en-US" dirty="0">
+                        <a:latin typeface="Arial" panose="020B0604020202020204" pitchFamily="34" charset="0"/>
+                        <a:cs typeface="Arial" panose="020B0604020202020204" pitchFamily="34" charset="0"/>
+                      </a:endParaRPr>
+                    </a:p>
+                  </a:txBody>
+                  <a:tcPr/>
+                </a:tc>
+                <a:tc>
+                  <a:txBody>
+                    <a:bodyPr/>
+                    <a:lstStyle/>
+                    <a:p>
+                      <a:pPr algn="ctr"/>
+                      <a:r>
+                        <a:rPr kumimoji="1" lang="en-US" altLang="ja-JP">
+                          <a:latin typeface="Arial" panose="020B0604020202020204" pitchFamily="34" charset="0"/>
+                          <a:cs typeface="Arial" panose="020B0604020202020204" pitchFamily="34" charset="0"/>
+                        </a:rPr>
+                        <a:t>49</a:t>
+                      </a:r>
+                      <a:endParaRPr kumimoji="1" lang="ja-JP" altLang="en-US" dirty="0">
+                        <a:latin typeface="Arial" panose="020B0604020202020204" pitchFamily="34" charset="0"/>
+                        <a:cs typeface="Arial" panose="020B0604020202020204" pitchFamily="34" charset="0"/>
+                      </a:endParaRPr>
+                    </a:p>
+                  </a:txBody>
+                  <a:tcPr/>
+                </a:tc>
+                <a:tc>
+                  <a:txBody>
+                    <a:bodyPr/>
+                    <a:lstStyle/>
+                    <a:p>
+                      <a:pPr algn="ctr"/>
+                      <a:r>
+                        <a:rPr kumimoji="1" lang="en-US" altLang="ja-JP" sz="1800" b="0" i="0" u="none" strike="noStrike" kern="1200" baseline="0">
+                          <a:solidFill>
+                            <a:schemeClr val="dk1"/>
+                          </a:solidFill>
+                          <a:latin typeface="Arial" panose="020B0604020202020204" pitchFamily="34" charset="0"/>
+                          <a:ea typeface="+mn-ea"/>
+                          <a:cs typeface="Arial" panose="020B0604020202020204" pitchFamily="34" charset="0"/>
+                        </a:rPr>
+                        <a:t>6962</a:t>
+                      </a:r>
+                      <a:endParaRPr kumimoji="1" lang="ja-JP" altLang="en-US" dirty="0">
+                        <a:latin typeface="Arial" panose="020B0604020202020204" pitchFamily="34" charset="0"/>
+                        <a:cs typeface="Arial" panose="020B0604020202020204" pitchFamily="34" charset="0"/>
+                      </a:endParaRPr>
+                    </a:p>
+                  </a:txBody>
+                  <a:tcPr/>
+                </a:tc>
+                <a:tc>
+                  <a:txBody>
+                    <a:bodyPr/>
+                    <a:lstStyle/>
+                    <a:p>
+                      <a:pPr algn="ctr"/>
+                      <a:r>
+                        <a:rPr kumimoji="1" lang="en-US" altLang="ja-JP">
+                          <a:latin typeface="Arial" panose="020B0604020202020204" pitchFamily="34" charset="0"/>
+                          <a:cs typeface="Arial" panose="020B0604020202020204" pitchFamily="34" charset="0"/>
+                        </a:rPr>
+                        <a:t>5818</a:t>
+                      </a:r>
+                      <a:endParaRPr kumimoji="1" lang="ja-JP" altLang="en-US" dirty="0">
+                        <a:latin typeface="Arial" panose="020B0604020202020204" pitchFamily="34" charset="0"/>
+                        <a:cs typeface="Arial" panose="020B0604020202020204" pitchFamily="34" charset="0"/>
+                      </a:endParaRPr>
+                    </a:p>
+                  </a:txBody>
+                  <a:tcPr/>
+                </a:tc>
+                <a:tc>
+                  <a:txBody>
+                    <a:bodyPr/>
+                    <a:lstStyle/>
+                    <a:p>
+                      <a:pPr algn="ctr"/>
+                      <a:r>
+                        <a:rPr kumimoji="1" lang="en-US" altLang="ja-JP" sz="1800" b="0" i="0" u="none" strike="noStrike" kern="1200" baseline="0">
+                          <a:solidFill>
+                            <a:schemeClr val="dk1"/>
+                          </a:solidFill>
+                          <a:latin typeface="Arial" panose="020B0604020202020204" pitchFamily="34" charset="0"/>
+                          <a:ea typeface="+mn-ea"/>
+                          <a:cs typeface="Arial" panose="020B0604020202020204" pitchFamily="34" charset="0"/>
+                        </a:rPr>
+                        <a:t>5516</a:t>
+                      </a:r>
+                      <a:endParaRPr kumimoji="1" lang="ja-JP" altLang="en-US" dirty="0">
+                        <a:latin typeface="Arial" panose="020B0604020202020204" pitchFamily="34" charset="0"/>
+                        <a:cs typeface="Arial" panose="020B0604020202020204" pitchFamily="34" charset="0"/>
+                      </a:endParaRPr>
+                    </a:p>
+                  </a:txBody>
+                  <a:tcPr/>
+                </a:tc>
+                <a:extLst>
+                  <a:ext uri="{0D108BD9-81ED-4DB2-BD59-A6C34878D82A}">
+                    <a16:rowId xmlns:a16="http://schemas.microsoft.com/office/drawing/2014/main" val="1516709146"/>
+                  </a:ext>
+                </a:extLst>
+              </a:tr>
+              <a:tr h="370840">
+                <a:tc>
+                  <a:txBody>
+                    <a:bodyPr/>
+                    <a:lstStyle/>
+                    <a:p>
+                      <a:pPr algn="ctr"/>
+                      <a:r>
+                        <a:rPr kumimoji="1" lang="en-US" altLang="ja-JP">
+                          <a:latin typeface="Arial" panose="020B0604020202020204" pitchFamily="34" charset="0"/>
+                          <a:cs typeface="Arial" panose="020B0604020202020204" pitchFamily="34" charset="0"/>
+                        </a:rPr>
+                        <a:t>2</a:t>
+                      </a:r>
+                      <a:endParaRPr kumimoji="1" lang="ja-JP" altLang="en-US" dirty="0">
+                        <a:latin typeface="Arial" panose="020B0604020202020204" pitchFamily="34" charset="0"/>
+                        <a:cs typeface="Arial" panose="020B0604020202020204" pitchFamily="34" charset="0"/>
+                      </a:endParaRPr>
+                    </a:p>
+                  </a:txBody>
+                  <a:tcPr/>
+                </a:tc>
+                <a:tc>
+                  <a:txBody>
+                    <a:bodyPr/>
+                    <a:lstStyle/>
+                    <a:p>
+                      <a:pPr algn="ctr"/>
+                      <a:r>
+                        <a:rPr kumimoji="1" lang="en-US" altLang="ja-JP">
+                          <a:latin typeface="Arial" panose="020B0604020202020204" pitchFamily="34" charset="0"/>
+                          <a:cs typeface="Arial" panose="020B0604020202020204" pitchFamily="34" charset="0"/>
+                        </a:rPr>
+                        <a:t>1~10</a:t>
+                      </a:r>
+                      <a:endParaRPr kumimoji="1" lang="ja-JP" altLang="en-US" dirty="0">
+                        <a:latin typeface="Arial" panose="020B0604020202020204" pitchFamily="34" charset="0"/>
+                        <a:cs typeface="Arial" panose="020B0604020202020204" pitchFamily="34" charset="0"/>
+                      </a:endParaRPr>
+                    </a:p>
+                  </a:txBody>
+                  <a:tcPr/>
+                </a:tc>
+                <a:tc>
+                  <a:txBody>
+                    <a:bodyPr/>
+                    <a:lstStyle/>
+                    <a:p>
+                      <a:pPr algn="ctr"/>
+                      <a:r>
+                        <a:rPr kumimoji="1" lang="en-US" altLang="ja-JP">
+                          <a:latin typeface="Arial" panose="020B0604020202020204" pitchFamily="34" charset="0"/>
+                          <a:cs typeface="Arial" panose="020B0604020202020204" pitchFamily="34" charset="0"/>
+                        </a:rPr>
+                        <a:t>52</a:t>
+                      </a:r>
+                      <a:endParaRPr kumimoji="1" lang="ja-JP" altLang="en-US" dirty="0">
+                        <a:latin typeface="Arial" panose="020B0604020202020204" pitchFamily="34" charset="0"/>
+                        <a:cs typeface="Arial" panose="020B0604020202020204" pitchFamily="34" charset="0"/>
+                      </a:endParaRPr>
+                    </a:p>
+                  </a:txBody>
+                  <a:tcPr/>
+                </a:tc>
+                <a:tc>
+                  <a:txBody>
+                    <a:bodyPr/>
+                    <a:lstStyle/>
+                    <a:p>
+                      <a:pPr algn="ctr"/>
+                      <a:r>
+                        <a:rPr kumimoji="1" lang="en-US" altLang="ja-JP" sz="1800" b="0" i="0" u="none" strike="noStrike" kern="1200" baseline="0">
+                          <a:solidFill>
+                            <a:schemeClr val="dk1"/>
+                          </a:solidFill>
+                          <a:latin typeface="Arial" panose="020B0604020202020204" pitchFamily="34" charset="0"/>
+                          <a:ea typeface="+mn-ea"/>
+                          <a:cs typeface="Arial" panose="020B0604020202020204" pitchFamily="34" charset="0"/>
+                        </a:rPr>
+                        <a:t>8441</a:t>
+                      </a:r>
+                      <a:endParaRPr kumimoji="1" lang="ja-JP" altLang="en-US" dirty="0">
+                        <a:latin typeface="Arial" panose="020B0604020202020204" pitchFamily="34" charset="0"/>
+                        <a:cs typeface="Arial" panose="020B0604020202020204" pitchFamily="34" charset="0"/>
+                      </a:endParaRPr>
+                    </a:p>
+                  </a:txBody>
+                  <a:tcPr/>
+                </a:tc>
+                <a:tc>
+                  <a:txBody>
+                    <a:bodyPr/>
+                    <a:lstStyle/>
+                    <a:p>
+                      <a:pPr algn="ctr"/>
+                      <a:r>
+                        <a:rPr kumimoji="1" lang="en-US" altLang="ja-JP">
+                          <a:latin typeface="Arial" panose="020B0604020202020204" pitchFamily="34" charset="0"/>
+                          <a:cs typeface="Arial" panose="020B0604020202020204" pitchFamily="34" charset="0"/>
+                        </a:rPr>
+                        <a:t>6303</a:t>
+                      </a:r>
+                      <a:endParaRPr kumimoji="1" lang="ja-JP" altLang="en-US" dirty="0">
+                        <a:latin typeface="Arial" panose="020B0604020202020204" pitchFamily="34" charset="0"/>
+                        <a:cs typeface="Arial" panose="020B0604020202020204" pitchFamily="34" charset="0"/>
+                      </a:endParaRPr>
+                    </a:p>
+                  </a:txBody>
+                  <a:tcPr/>
+                </a:tc>
+                <a:tc>
+                  <a:txBody>
+                    <a:bodyPr/>
+                    <a:lstStyle/>
+                    <a:p>
+                      <a:pPr algn="ctr"/>
+                      <a:r>
+                        <a:rPr kumimoji="1" lang="en-US" altLang="ja-JP" sz="1800" b="0" i="0" u="none" strike="noStrike" kern="1200" baseline="0">
+                          <a:solidFill>
+                            <a:schemeClr val="dk1"/>
+                          </a:solidFill>
+                          <a:latin typeface="Arial" panose="020B0604020202020204" pitchFamily="34" charset="0"/>
+                          <a:ea typeface="+mn-ea"/>
+                          <a:cs typeface="Arial" panose="020B0604020202020204" pitchFamily="34" charset="0"/>
+                        </a:rPr>
+                        <a:t>6343</a:t>
+                      </a:r>
+                      <a:endParaRPr kumimoji="1" lang="ja-JP" altLang="en-US" dirty="0">
+                        <a:latin typeface="Arial" panose="020B0604020202020204" pitchFamily="34" charset="0"/>
+                        <a:cs typeface="Arial" panose="020B0604020202020204" pitchFamily="34" charset="0"/>
+                      </a:endParaRPr>
+                    </a:p>
+                  </a:txBody>
+                  <a:tcPr/>
+                </a:tc>
+                <a:extLst>
+                  <a:ext uri="{0D108BD9-81ED-4DB2-BD59-A6C34878D82A}">
+                    <a16:rowId xmlns:a16="http://schemas.microsoft.com/office/drawing/2014/main" val="4124288893"/>
+                  </a:ext>
+                </a:extLst>
+              </a:tr>
+              <a:tr h="370840">
+                <a:tc>
+                  <a:txBody>
+                    <a:bodyPr/>
+                    <a:lstStyle/>
+                    <a:p>
+                      <a:pPr algn="ctr"/>
+                      <a:r>
+                        <a:rPr kumimoji="1" lang="en-US" altLang="ja-JP">
+                          <a:latin typeface="Arial" panose="020B0604020202020204" pitchFamily="34" charset="0"/>
+                          <a:cs typeface="Arial" panose="020B0604020202020204" pitchFamily="34" charset="0"/>
+                        </a:rPr>
+                        <a:t>3</a:t>
+                      </a:r>
+                      <a:endParaRPr kumimoji="1" lang="ja-JP" altLang="en-US" dirty="0">
+                        <a:latin typeface="Arial" panose="020B0604020202020204" pitchFamily="34" charset="0"/>
+                        <a:cs typeface="Arial" panose="020B0604020202020204" pitchFamily="34" charset="0"/>
+                      </a:endParaRPr>
+                    </a:p>
+                  </a:txBody>
+                  <a:tcPr/>
+                </a:tc>
+                <a:tc>
+                  <a:txBody>
+                    <a:bodyPr/>
+                    <a:lstStyle/>
+                    <a:p>
+                      <a:pPr algn="ctr"/>
+                      <a:r>
+                        <a:rPr kumimoji="1" lang="en-US" altLang="ja-JP">
+                          <a:latin typeface="Arial" panose="020B0604020202020204" pitchFamily="34" charset="0"/>
+                          <a:cs typeface="Arial" panose="020B0604020202020204" pitchFamily="34" charset="0"/>
+                        </a:rPr>
+                        <a:t>1~10</a:t>
+                      </a:r>
+                      <a:endParaRPr kumimoji="1" lang="ja-JP" altLang="en-US" dirty="0">
+                        <a:latin typeface="Arial" panose="020B0604020202020204" pitchFamily="34" charset="0"/>
+                        <a:cs typeface="Arial" panose="020B0604020202020204" pitchFamily="34" charset="0"/>
+                      </a:endParaRPr>
+                    </a:p>
+                  </a:txBody>
+                  <a:tcPr/>
+                </a:tc>
+                <a:tc>
+                  <a:txBody>
+                    <a:bodyPr/>
+                    <a:lstStyle/>
+                    <a:p>
+                      <a:pPr algn="ctr"/>
+                      <a:r>
+                        <a:rPr kumimoji="1" lang="en-US" altLang="ja-JP">
+                          <a:latin typeface="Arial" panose="020B0604020202020204" pitchFamily="34" charset="0"/>
+                          <a:cs typeface="Arial" panose="020B0604020202020204" pitchFamily="34" charset="0"/>
+                        </a:rPr>
+                        <a:t>50</a:t>
+                      </a:r>
+                      <a:endParaRPr kumimoji="1" lang="ja-JP" altLang="en-US" dirty="0">
+                        <a:latin typeface="Arial" panose="020B0604020202020204" pitchFamily="34" charset="0"/>
+                        <a:cs typeface="Arial" panose="020B0604020202020204" pitchFamily="34" charset="0"/>
+                      </a:endParaRPr>
+                    </a:p>
+                  </a:txBody>
+                  <a:tcPr/>
+                </a:tc>
+                <a:tc>
+                  <a:txBody>
+                    <a:bodyPr/>
+                    <a:lstStyle/>
+                    <a:p>
+                      <a:pPr algn="ctr"/>
+                      <a:r>
+                        <a:rPr kumimoji="1" lang="en-US" altLang="ja-JP" sz="1800" b="0" i="0" u="none" strike="noStrike" kern="1200" baseline="0">
+                          <a:solidFill>
+                            <a:schemeClr val="dk1"/>
+                          </a:solidFill>
+                          <a:latin typeface="Arial" panose="020B0604020202020204" pitchFamily="34" charset="0"/>
+                          <a:ea typeface="+mn-ea"/>
+                          <a:cs typeface="Arial" panose="020B0604020202020204" pitchFamily="34" charset="0"/>
+                        </a:rPr>
+                        <a:t>6337</a:t>
+                      </a:r>
+                      <a:endParaRPr kumimoji="1" lang="ja-JP" altLang="en-US" dirty="0">
+                        <a:latin typeface="Arial" panose="020B0604020202020204" pitchFamily="34" charset="0"/>
+                        <a:cs typeface="Arial" panose="020B0604020202020204" pitchFamily="34" charset="0"/>
+                      </a:endParaRPr>
+                    </a:p>
+                  </a:txBody>
+                  <a:tcPr/>
+                </a:tc>
+                <a:tc>
+                  <a:txBody>
+                    <a:bodyPr/>
+                    <a:lstStyle/>
+                    <a:p>
+                      <a:pPr algn="ctr"/>
+                      <a:r>
+                        <a:rPr kumimoji="1" lang="en-US" altLang="ja-JP">
+                          <a:latin typeface="Arial" panose="020B0604020202020204" pitchFamily="34" charset="0"/>
+                          <a:cs typeface="Arial" panose="020B0604020202020204" pitchFamily="34" charset="0"/>
+                        </a:rPr>
+                        <a:t>5514</a:t>
+                      </a:r>
+                      <a:endParaRPr kumimoji="1" lang="ja-JP" altLang="en-US" dirty="0">
+                        <a:latin typeface="Arial" panose="020B0604020202020204" pitchFamily="34" charset="0"/>
+                        <a:cs typeface="Arial" panose="020B0604020202020204" pitchFamily="34" charset="0"/>
+                      </a:endParaRPr>
+                    </a:p>
+                  </a:txBody>
+                  <a:tcPr/>
+                </a:tc>
+                <a:tc>
+                  <a:txBody>
+                    <a:bodyPr/>
+                    <a:lstStyle/>
+                    <a:p>
+                      <a:pPr algn="ctr"/>
+                      <a:r>
+                        <a:rPr kumimoji="1" lang="en-US" altLang="ja-JP" sz="1800" b="0" i="0" u="none" strike="noStrike" kern="1200" baseline="0">
+                          <a:solidFill>
+                            <a:schemeClr val="dk1"/>
+                          </a:solidFill>
+                          <a:latin typeface="Arial" panose="020B0604020202020204" pitchFamily="34" charset="0"/>
+                          <a:ea typeface="+mn-ea"/>
+                          <a:cs typeface="Arial" panose="020B0604020202020204" pitchFamily="34" charset="0"/>
+                        </a:rPr>
+                        <a:t>5459</a:t>
+                      </a:r>
+                      <a:endParaRPr kumimoji="1" lang="ja-JP" altLang="en-US" dirty="0">
+                        <a:latin typeface="Arial" panose="020B0604020202020204" pitchFamily="34" charset="0"/>
+                        <a:cs typeface="Arial" panose="020B0604020202020204" pitchFamily="34" charset="0"/>
+                      </a:endParaRPr>
+                    </a:p>
+                  </a:txBody>
+                  <a:tcPr/>
+                </a:tc>
+                <a:extLst>
+                  <a:ext uri="{0D108BD9-81ED-4DB2-BD59-A6C34878D82A}">
+                    <a16:rowId xmlns:a16="http://schemas.microsoft.com/office/drawing/2014/main" val="3645249972"/>
+                  </a:ext>
+                </a:extLst>
+              </a:tr>
+              <a:tr h="370840">
+                <a:tc>
+                  <a:txBody>
+                    <a:bodyPr/>
+                    <a:lstStyle/>
+                    <a:p>
+                      <a:pPr algn="ctr"/>
+                      <a:r>
+                        <a:rPr kumimoji="1" lang="en-US" altLang="ja-JP">
+                          <a:latin typeface="Arial" panose="020B0604020202020204" pitchFamily="34" charset="0"/>
+                          <a:cs typeface="Arial" panose="020B0604020202020204" pitchFamily="34" charset="0"/>
+                        </a:rPr>
+                        <a:t>4</a:t>
+                      </a:r>
+                      <a:endParaRPr kumimoji="1" lang="ja-JP" altLang="en-US" dirty="0">
+                        <a:latin typeface="Arial" panose="020B0604020202020204" pitchFamily="34" charset="0"/>
+                        <a:cs typeface="Arial" panose="020B0604020202020204" pitchFamily="34" charset="0"/>
+                      </a:endParaRPr>
+                    </a:p>
+                  </a:txBody>
+                  <a:tcPr/>
+                </a:tc>
+                <a:tc>
+                  <a:txBody>
+                    <a:bodyPr/>
+                    <a:lstStyle/>
+                    <a:p>
+                      <a:pPr algn="ctr"/>
+                      <a:r>
+                        <a:rPr kumimoji="1" lang="en-US" altLang="ja-JP" dirty="0">
+                          <a:latin typeface="Arial" panose="020B0604020202020204" pitchFamily="34" charset="0"/>
+                          <a:cs typeface="Arial" panose="020B0604020202020204" pitchFamily="34" charset="0"/>
+                        </a:rPr>
+                        <a:t>Unknown</a:t>
+                      </a:r>
+                      <a:endParaRPr kumimoji="1" lang="ja-JP" altLang="en-US" dirty="0">
+                        <a:latin typeface="Arial" panose="020B0604020202020204" pitchFamily="34" charset="0"/>
+                        <a:cs typeface="Arial" panose="020B0604020202020204" pitchFamily="34" charset="0"/>
+                      </a:endParaRPr>
+                    </a:p>
+                  </a:txBody>
+                  <a:tcPr/>
+                </a:tc>
+                <a:tc>
+                  <a:txBody>
+                    <a:bodyPr/>
+                    <a:lstStyle/>
+                    <a:p>
+                      <a:pPr algn="ctr"/>
+                      <a:r>
+                        <a:rPr kumimoji="1" lang="en-US" altLang="ja-JP">
+                          <a:latin typeface="Arial" panose="020B0604020202020204" pitchFamily="34" charset="0"/>
+                          <a:cs typeface="Arial" panose="020B0604020202020204" pitchFamily="34" charset="0"/>
+                        </a:rPr>
+                        <a:t>48</a:t>
+                      </a:r>
+                      <a:endParaRPr kumimoji="1" lang="ja-JP" altLang="en-US" dirty="0">
+                        <a:latin typeface="Arial" panose="020B0604020202020204" pitchFamily="34" charset="0"/>
+                        <a:cs typeface="Arial" panose="020B0604020202020204" pitchFamily="34" charset="0"/>
+                      </a:endParaRPr>
+                    </a:p>
+                  </a:txBody>
+                  <a:tcPr/>
+                </a:tc>
+                <a:tc>
+                  <a:txBody>
+                    <a:bodyPr/>
+                    <a:lstStyle/>
+                    <a:p>
+                      <a:pPr algn="ctr"/>
+                      <a:r>
+                        <a:rPr kumimoji="1" lang="en-US" altLang="ja-JP" sz="1800" b="0" i="0" u="none" strike="noStrike" kern="1200" baseline="0">
+                          <a:solidFill>
+                            <a:schemeClr val="dk1"/>
+                          </a:solidFill>
+                          <a:latin typeface="Arial" panose="020B0604020202020204" pitchFamily="34" charset="0"/>
+                          <a:ea typeface="+mn-ea"/>
+                          <a:cs typeface="Arial" panose="020B0604020202020204" pitchFamily="34" charset="0"/>
+                        </a:rPr>
+                        <a:t>5947</a:t>
+                      </a:r>
+                      <a:endParaRPr kumimoji="1" lang="ja-JP" altLang="en-US" dirty="0">
+                        <a:latin typeface="Arial" panose="020B0604020202020204" pitchFamily="34" charset="0"/>
+                        <a:cs typeface="Arial" panose="020B0604020202020204" pitchFamily="34" charset="0"/>
+                      </a:endParaRPr>
+                    </a:p>
+                  </a:txBody>
+                  <a:tcPr/>
+                </a:tc>
+                <a:tc>
+                  <a:txBody>
+                    <a:bodyPr/>
+                    <a:lstStyle/>
+                    <a:p>
+                      <a:pPr algn="ctr"/>
+                      <a:r>
+                        <a:rPr kumimoji="1" lang="en-US" altLang="ja-JP">
+                          <a:latin typeface="Arial" panose="020B0604020202020204" pitchFamily="34" charset="0"/>
+                          <a:cs typeface="Arial" panose="020B0604020202020204" pitchFamily="34" charset="0"/>
+                        </a:rPr>
+                        <a:t>5024</a:t>
+                      </a:r>
+                      <a:endParaRPr kumimoji="1" lang="ja-JP" altLang="en-US" dirty="0">
+                        <a:latin typeface="Arial" panose="020B0604020202020204" pitchFamily="34" charset="0"/>
+                        <a:cs typeface="Arial" panose="020B0604020202020204" pitchFamily="34" charset="0"/>
+                      </a:endParaRPr>
+                    </a:p>
+                  </a:txBody>
+                  <a:tcPr/>
+                </a:tc>
+                <a:tc>
+                  <a:txBody>
+                    <a:bodyPr/>
+                    <a:lstStyle/>
+                    <a:p>
+                      <a:pPr algn="ctr"/>
+                      <a:r>
+                        <a:rPr kumimoji="1" lang="en-US" altLang="ja-JP" sz="1800" b="0" i="0" u="none" strike="noStrike" kern="1200" baseline="0" dirty="0">
+                          <a:solidFill>
+                            <a:schemeClr val="dk1"/>
+                          </a:solidFill>
+                          <a:latin typeface="Arial" panose="020B0604020202020204" pitchFamily="34" charset="0"/>
+                          <a:ea typeface="+mn-ea"/>
+                          <a:cs typeface="Arial" panose="020B0604020202020204" pitchFamily="34" charset="0"/>
+                        </a:rPr>
+                        <a:t>5481</a:t>
+                      </a:r>
+                      <a:endParaRPr kumimoji="1" lang="ja-JP" altLang="en-US" dirty="0">
+                        <a:latin typeface="Arial" panose="020B0604020202020204" pitchFamily="34" charset="0"/>
+                        <a:cs typeface="Arial" panose="020B0604020202020204" pitchFamily="34" charset="0"/>
+                      </a:endParaRPr>
+                    </a:p>
+                  </a:txBody>
+                  <a:tcPr/>
+                </a:tc>
+                <a:extLst>
+                  <a:ext uri="{0D108BD9-81ED-4DB2-BD59-A6C34878D82A}">
+                    <a16:rowId xmlns:a16="http://schemas.microsoft.com/office/drawing/2014/main" val="2703362663"/>
+                  </a:ext>
+                </a:extLst>
+              </a:tr>
+            </a:tbl>
+          </a:graphicData>
+        </a:graphic>
+      </p:graphicFrame>
+    </p:spTree>
+    <p:extLst>
+      <p:ext uri="{BB962C8B-B14F-4D97-AF65-F5344CB8AC3E}">
+        <p14:creationId xmlns:p14="http://schemas.microsoft.com/office/powerpoint/2010/main" val="2433621144"/>
       </p:ext>
     </p:extLst>
   </p:cSld>

--- a/paper/ABC2021BentoChallenge/ABC2021.pptx
+++ b/paper/ABC2021BentoChallenge/ABC2021.pptx
@@ -5,13 +5,14 @@
     <p:sldMasterId id="2147483648" r:id="rId1"/>
   </p:sldMasterIdLst>
   <p:notesMasterIdLst>
-    <p:notesMasterId r:id="rId6"/>
+    <p:notesMasterId r:id="rId7"/>
   </p:notesMasterIdLst>
   <p:sldIdLst>
     <p:sldId id="256" r:id="rId2"/>
     <p:sldId id="257" r:id="rId3"/>
     <p:sldId id="258" r:id="rId4"/>
     <p:sldId id="259" r:id="rId5"/>
+    <p:sldId id="260" r:id="rId6"/>
   </p:sldIdLst>
   <p:sldSz cx="12192000" cy="6858000"/>
   <p:notesSz cx="6858000" cy="9144000"/>
@@ -451,7 +452,7 @@
           <a:p>
             <a:fld id="{4422507A-29CE-4FCB-8EEC-8E792EA02E35}" type="datetimeFigureOut">
               <a:rPr kumimoji="1" lang="ja-JP" altLang="en-US" smtClean="0"/>
-              <a:t>2021/9/1</a:t>
+              <a:t>2021/9/2</a:t>
             </a:fld>
             <a:endParaRPr kumimoji="1" lang="ja-JP" altLang="en-US"/>
           </a:p>
@@ -835,7 +836,7 @@
           <a:p>
             <a:fld id="{A98D3432-C38B-446E-969A-78567292025D}" type="datetime1">
               <a:rPr kumimoji="1" lang="ja-JP" altLang="en-US" smtClean="0"/>
-              <a:t>2021/9/1</a:t>
+              <a:t>2021/9/2</a:t>
             </a:fld>
             <a:endParaRPr kumimoji="1" lang="ja-JP" altLang="en-US"/>
           </a:p>
@@ -1336,7 +1337,7 @@
           <a:p>
             <a:fld id="{05B662BA-D465-4C44-BE2B-F2A8D4F2B289}" type="datetime1">
               <a:rPr kumimoji="1" lang="ja-JP" altLang="en-US" smtClean="0"/>
-              <a:t>2021/9/1</a:t>
+              <a:t>2021/9/2</a:t>
             </a:fld>
             <a:endParaRPr kumimoji="1" lang="ja-JP" altLang="en-US"/>
           </a:p>
@@ -1576,7 +1577,7 @@
           <a:p>
             <a:fld id="{A4B4DDCD-FB98-44E4-BDAA-3DB16A47270F}" type="datetime1">
               <a:rPr kumimoji="1" lang="ja-JP" altLang="en-US" smtClean="0"/>
-              <a:t>2021/9/1</a:t>
+              <a:t>2021/9/2</a:t>
             </a:fld>
             <a:endParaRPr kumimoji="1" lang="ja-JP" altLang="en-US"/>
           </a:p>
@@ -1859,7 +1860,7 @@
           <a:p>
             <a:fld id="{DFD2984D-04FA-418A-85DE-0DB3CB16783E}" type="datetime1">
               <a:rPr kumimoji="1" lang="ja-JP" altLang="en-US" smtClean="0"/>
-              <a:t>2021/9/1</a:t>
+              <a:t>2021/9/2</a:t>
             </a:fld>
             <a:endParaRPr kumimoji="1" lang="ja-JP" altLang="en-US"/>
           </a:p>
@@ -2308,7 +2309,7 @@
           <a:p>
             <a:fld id="{4CBACEDF-020F-4270-BF0A-980F8136E038}" type="datetime1">
               <a:rPr kumimoji="1" lang="ja-JP" altLang="en-US" smtClean="0"/>
-              <a:t>2021/9/1</a:t>
+              <a:t>2021/9/2</a:t>
             </a:fld>
             <a:endParaRPr kumimoji="1" lang="ja-JP" altLang="en-US"/>
           </a:p>
@@ -2637,7 +2638,7 @@
           <a:p>
             <a:fld id="{777E2237-9B3F-4231-B30C-59668B530BD1}" type="datetime1">
               <a:rPr kumimoji="1" lang="ja-JP" altLang="en-US" smtClean="0"/>
-              <a:t>2021/9/1</a:t>
+              <a:t>2021/9/2</a:t>
             </a:fld>
             <a:endParaRPr kumimoji="1" lang="ja-JP" altLang="en-US"/>
           </a:p>
@@ -3113,7 +3114,7 @@
           <a:p>
             <a:fld id="{FC32FA7D-BC1F-4F29-8624-3C079AC63AB5}" type="datetime1">
               <a:rPr kumimoji="1" lang="ja-JP" altLang="en-US" smtClean="0"/>
-              <a:t>2021/9/1</a:t>
+              <a:t>2021/9/2</a:t>
             </a:fld>
             <a:endParaRPr kumimoji="1" lang="ja-JP" altLang="en-US"/>
           </a:p>
@@ -3254,7 +3255,7 @@
           <a:p>
             <a:fld id="{3C84FD27-4E70-444C-BEAA-8F4375C442D0}" type="datetime1">
               <a:rPr kumimoji="1" lang="ja-JP" altLang="en-US" smtClean="0"/>
-              <a:t>2021/9/1</a:t>
+              <a:t>2021/9/2</a:t>
             </a:fld>
             <a:endParaRPr kumimoji="1" lang="ja-JP" altLang="en-US"/>
           </a:p>
@@ -3367,7 +3368,7 @@
           <a:p>
             <a:fld id="{948AA4EF-B642-4876-A0D8-C1A1222FECFF}" type="datetime1">
               <a:rPr kumimoji="1" lang="ja-JP" altLang="en-US" smtClean="0"/>
-              <a:t>2021/9/1</a:t>
+              <a:t>2021/9/2</a:t>
             </a:fld>
             <a:endParaRPr kumimoji="1" lang="ja-JP" altLang="en-US"/>
           </a:p>
@@ -3710,7 +3711,7 @@
           <a:p>
             <a:fld id="{11B8299D-EABC-4EEB-90B0-DD13FA256803}" type="datetime1">
               <a:rPr kumimoji="1" lang="ja-JP" altLang="en-US" smtClean="0"/>
-              <a:t>2021/9/1</a:t>
+              <a:t>2021/9/2</a:t>
             </a:fld>
             <a:endParaRPr kumimoji="1" lang="ja-JP" altLang="en-US"/>
           </a:p>
@@ -3998,7 +3999,7 @@
           <a:p>
             <a:fld id="{2CB9F4AB-19AE-4711-AA92-655F76F7355A}" type="datetime1">
               <a:rPr kumimoji="1" lang="ja-JP" altLang="en-US" smtClean="0"/>
-              <a:t>2021/9/1</a:t>
+              <a:t>2021/9/2</a:t>
             </a:fld>
             <a:endParaRPr kumimoji="1" lang="ja-JP" altLang="en-US"/>
           </a:p>
@@ -4271,7 +4272,7 @@
           <a:p>
             <a:fld id="{10A34200-B792-42A2-9C71-FE89F6DBFDEA}" type="datetime1">
               <a:rPr kumimoji="1" lang="ja-JP" altLang="en-US" smtClean="0"/>
-              <a:t>2021/9/1</a:t>
+              <a:t>2021/9/2</a:t>
             </a:fld>
             <a:endParaRPr kumimoji="1" lang="ja-JP" altLang="en-US"/>
           </a:p>
@@ -6846,6 +6847,134 @@
 </p:sld>
 </file>
 
+<file path=ppt/slides/slide5.xml><?xml version="1.0" encoding="utf-8"?>
+<p:sld xmlns:a="http://schemas.openxmlformats.org/drawingml/2006/main" xmlns:r="http://schemas.openxmlformats.org/officeDocument/2006/relationships" xmlns:p="http://schemas.openxmlformats.org/presentationml/2006/main">
+  <p:cSld>
+    <p:spTree>
+      <p:nvGrpSpPr>
+        <p:cNvPr id="1" name=""/>
+        <p:cNvGrpSpPr/>
+        <p:nvPr/>
+      </p:nvGrpSpPr>
+      <p:grpSpPr>
+        <a:xfrm>
+          <a:off x="0" y="0"/>
+          <a:ext cx="0" cy="0"/>
+          <a:chOff x="0" y="0"/>
+          <a:chExt cx="0" cy="0"/>
+        </a:xfrm>
+      </p:grpSpPr>
+      <p:sp>
+        <p:nvSpPr>
+          <p:cNvPr id="2" name="タイトル 1">
+            <a:extLst>
+              <a:ext uri="{FF2B5EF4-FFF2-40B4-BE49-F238E27FC236}">
+                <a16:creationId xmlns:a16="http://schemas.microsoft.com/office/drawing/2014/main" id="{B5E24E12-9EF1-4C89-B9F8-FA59707B93CB}"/>
+              </a:ext>
+            </a:extLst>
+          </p:cNvPr>
+          <p:cNvSpPr>
+            <a:spLocks noGrp="1"/>
+          </p:cNvSpPr>
+          <p:nvPr>
+            <p:ph type="title"/>
+          </p:nvPr>
+        </p:nvSpPr>
+        <p:spPr/>
+        <p:txBody>
+          <a:bodyPr/>
+          <a:lstStyle/>
+          <a:p>
+            <a:r>
+              <a:rPr kumimoji="1" lang="en-US" altLang="ja-JP" dirty="0"/>
+              <a:t>Method – Preprocessing (Overall)</a:t>
+            </a:r>
+            <a:endParaRPr kumimoji="1" lang="ja-JP" altLang="en-US" dirty="0"/>
+          </a:p>
+        </p:txBody>
+      </p:sp>
+      <p:sp>
+        <p:nvSpPr>
+          <p:cNvPr id="4" name="スライド番号プレースホルダー 3">
+            <a:extLst>
+              <a:ext uri="{FF2B5EF4-FFF2-40B4-BE49-F238E27FC236}">
+                <a16:creationId xmlns:a16="http://schemas.microsoft.com/office/drawing/2014/main" id="{4495D613-2D42-46FF-80C9-D454A82D46C5}"/>
+              </a:ext>
+            </a:extLst>
+          </p:cNvPr>
+          <p:cNvSpPr>
+            <a:spLocks noGrp="1"/>
+          </p:cNvSpPr>
+          <p:nvPr>
+            <p:ph type="sldNum" sz="quarter" idx="12"/>
+          </p:nvPr>
+        </p:nvSpPr>
+        <p:spPr/>
+        <p:txBody>
+          <a:bodyPr/>
+          <a:lstStyle/>
+          <a:p>
+            <a:fld id="{92084505-5355-43A2-B929-FD06D0DABC31}" type="slidenum">
+              <a:rPr lang="ja-JP" altLang="en-US" smtClean="0"/>
+              <a:pPr/>
+              <a:t>5</a:t>
+            </a:fld>
+            <a:endParaRPr lang="ja-JP" altLang="en-US" dirty="0"/>
+          </a:p>
+        </p:txBody>
+      </p:sp>
+      <p:pic>
+        <p:nvPicPr>
+          <p:cNvPr id="6" name="グラフィックス 5">
+            <a:extLst>
+              <a:ext uri="{FF2B5EF4-FFF2-40B4-BE49-F238E27FC236}">
+                <a16:creationId xmlns:a16="http://schemas.microsoft.com/office/drawing/2014/main" id="{0ED73B10-1DA9-48A8-BEDF-DC90C816C58C}"/>
+              </a:ext>
+            </a:extLst>
+          </p:cNvPr>
+          <p:cNvPicPr>
+            <a:picLocks noChangeAspect="1"/>
+          </p:cNvPicPr>
+          <p:nvPr/>
+        </p:nvPicPr>
+        <p:blipFill>
+          <a:blip r:embed="rId2">
+            <a:extLst>
+              <a:ext uri="{28A0092B-C50C-407E-A947-70E740481C1C}">
+                <a14:useLocalDpi xmlns:a14="http://schemas.microsoft.com/office/drawing/2010/main" val="0"/>
+              </a:ext>
+              <a:ext uri="{96DAC541-7B7A-43D3-8B79-37D633B846F1}">
+                <asvg:svgBlip xmlns:asvg="http://schemas.microsoft.com/office/drawing/2016/SVG/main" r:embed="rId3"/>
+              </a:ext>
+            </a:extLst>
+          </a:blip>
+          <a:stretch>
+            <a:fillRect/>
+          </a:stretch>
+        </p:blipFill>
+        <p:spPr>
+          <a:xfrm>
+            <a:off x="1361388" y="2019993"/>
+            <a:ext cx="9469224" cy="4284346"/>
+          </a:xfrm>
+          <a:prstGeom prst="rect">
+            <a:avLst/>
+          </a:prstGeom>
+        </p:spPr>
+      </p:pic>
+    </p:spTree>
+    <p:extLst>
+      <p:ext uri="{BB962C8B-B14F-4D97-AF65-F5344CB8AC3E}">
+        <p14:creationId xmlns:p14="http://schemas.microsoft.com/office/powerpoint/2010/main" val="689221538"/>
+      </p:ext>
+    </p:extLst>
+  </p:cSld>
+  <p:clrMapOvr>
+    <a:masterClrMapping/>
+  </p:clrMapOvr>
+</p:sld>
+</file>
+
 <file path=ppt/theme/theme1.xml><?xml version="1.0" encoding="utf-8"?>
 <a:theme xmlns:a="http://schemas.openxmlformats.org/drawingml/2006/main" name="Office テーマ">
   <a:themeElements>

--- a/paper/ABC2021BentoChallenge/ABC2021.pptx
+++ b/paper/ABC2021BentoChallenge/ABC2021.pptx
@@ -5,7 +5,7 @@
     <p:sldMasterId id="2147483648" r:id="rId1"/>
   </p:sldMasterIdLst>
   <p:notesMasterIdLst>
-    <p:notesMasterId r:id="rId7"/>
+    <p:notesMasterId r:id="rId8"/>
   </p:notesMasterIdLst>
   <p:sldIdLst>
     <p:sldId id="256" r:id="rId2"/>
@@ -13,6 +13,7 @@
     <p:sldId id="258" r:id="rId4"/>
     <p:sldId id="259" r:id="rId5"/>
     <p:sldId id="260" r:id="rId6"/>
+    <p:sldId id="261" r:id="rId7"/>
   </p:sldIdLst>
   <p:sldSz cx="12192000" cy="6858000"/>
   <p:notesSz cx="6858000" cy="9144000"/>
@@ -452,7 +453,7 @@
           <a:p>
             <a:fld id="{4422507A-29CE-4FCB-8EEC-8E792EA02E35}" type="datetimeFigureOut">
               <a:rPr kumimoji="1" lang="ja-JP" altLang="en-US" smtClean="0"/>
-              <a:t>2021/9/2</a:t>
+              <a:t>2021/9/5</a:t>
             </a:fld>
             <a:endParaRPr kumimoji="1" lang="ja-JP" altLang="en-US"/>
           </a:p>
@@ -836,7 +837,7 @@
           <a:p>
             <a:fld id="{A98D3432-C38B-446E-969A-78567292025D}" type="datetime1">
               <a:rPr kumimoji="1" lang="ja-JP" altLang="en-US" smtClean="0"/>
-              <a:t>2021/9/2</a:t>
+              <a:t>2021/9/5</a:t>
             </a:fld>
             <a:endParaRPr kumimoji="1" lang="ja-JP" altLang="en-US"/>
           </a:p>
@@ -1337,7 +1338,7 @@
           <a:p>
             <a:fld id="{05B662BA-D465-4C44-BE2B-F2A8D4F2B289}" type="datetime1">
               <a:rPr kumimoji="1" lang="ja-JP" altLang="en-US" smtClean="0"/>
-              <a:t>2021/9/2</a:t>
+              <a:t>2021/9/5</a:t>
             </a:fld>
             <a:endParaRPr kumimoji="1" lang="ja-JP" altLang="en-US"/>
           </a:p>
@@ -1577,7 +1578,7 @@
           <a:p>
             <a:fld id="{A4B4DDCD-FB98-44E4-BDAA-3DB16A47270F}" type="datetime1">
               <a:rPr kumimoji="1" lang="ja-JP" altLang="en-US" smtClean="0"/>
-              <a:t>2021/9/2</a:t>
+              <a:t>2021/9/5</a:t>
             </a:fld>
             <a:endParaRPr kumimoji="1" lang="ja-JP" altLang="en-US"/>
           </a:p>
@@ -1860,7 +1861,7 @@
           <a:p>
             <a:fld id="{DFD2984D-04FA-418A-85DE-0DB3CB16783E}" type="datetime1">
               <a:rPr kumimoji="1" lang="ja-JP" altLang="en-US" smtClean="0"/>
-              <a:t>2021/9/2</a:t>
+              <a:t>2021/9/5</a:t>
             </a:fld>
             <a:endParaRPr kumimoji="1" lang="ja-JP" altLang="en-US"/>
           </a:p>
@@ -2309,7 +2310,7 @@
           <a:p>
             <a:fld id="{4CBACEDF-020F-4270-BF0A-980F8136E038}" type="datetime1">
               <a:rPr kumimoji="1" lang="ja-JP" altLang="en-US" smtClean="0"/>
-              <a:t>2021/9/2</a:t>
+              <a:t>2021/9/5</a:t>
             </a:fld>
             <a:endParaRPr kumimoji="1" lang="ja-JP" altLang="en-US"/>
           </a:p>
@@ -2638,7 +2639,7 @@
           <a:p>
             <a:fld id="{777E2237-9B3F-4231-B30C-59668B530BD1}" type="datetime1">
               <a:rPr kumimoji="1" lang="ja-JP" altLang="en-US" smtClean="0"/>
-              <a:t>2021/9/2</a:t>
+              <a:t>2021/9/5</a:t>
             </a:fld>
             <a:endParaRPr kumimoji="1" lang="ja-JP" altLang="en-US"/>
           </a:p>
@@ -3114,7 +3115,7 @@
           <a:p>
             <a:fld id="{FC32FA7D-BC1F-4F29-8624-3C079AC63AB5}" type="datetime1">
               <a:rPr kumimoji="1" lang="ja-JP" altLang="en-US" smtClean="0"/>
-              <a:t>2021/9/2</a:t>
+              <a:t>2021/9/5</a:t>
             </a:fld>
             <a:endParaRPr kumimoji="1" lang="ja-JP" altLang="en-US"/>
           </a:p>
@@ -3255,7 +3256,7 @@
           <a:p>
             <a:fld id="{3C84FD27-4E70-444C-BEAA-8F4375C442D0}" type="datetime1">
               <a:rPr kumimoji="1" lang="ja-JP" altLang="en-US" smtClean="0"/>
-              <a:t>2021/9/2</a:t>
+              <a:t>2021/9/5</a:t>
             </a:fld>
             <a:endParaRPr kumimoji="1" lang="ja-JP" altLang="en-US"/>
           </a:p>
@@ -3368,7 +3369,7 @@
           <a:p>
             <a:fld id="{948AA4EF-B642-4876-A0D8-C1A1222FECFF}" type="datetime1">
               <a:rPr kumimoji="1" lang="ja-JP" altLang="en-US" smtClean="0"/>
-              <a:t>2021/9/2</a:t>
+              <a:t>2021/9/5</a:t>
             </a:fld>
             <a:endParaRPr kumimoji="1" lang="ja-JP" altLang="en-US"/>
           </a:p>
@@ -3711,7 +3712,7 @@
           <a:p>
             <a:fld id="{11B8299D-EABC-4EEB-90B0-DD13FA256803}" type="datetime1">
               <a:rPr kumimoji="1" lang="ja-JP" altLang="en-US" smtClean="0"/>
-              <a:t>2021/9/2</a:t>
+              <a:t>2021/9/5</a:t>
             </a:fld>
             <a:endParaRPr kumimoji="1" lang="ja-JP" altLang="en-US"/>
           </a:p>
@@ -3999,7 +4000,7 @@
           <a:p>
             <a:fld id="{2CB9F4AB-19AE-4711-AA92-655F76F7355A}" type="datetime1">
               <a:rPr kumimoji="1" lang="ja-JP" altLang="en-US" smtClean="0"/>
-              <a:t>2021/9/2</a:t>
+              <a:t>2021/9/5</a:t>
             </a:fld>
             <a:endParaRPr kumimoji="1" lang="ja-JP" altLang="en-US"/>
           </a:p>
@@ -4272,7 +4273,7 @@
           <a:p>
             <a:fld id="{10A34200-B792-42A2-9C71-FE89F6DBFDEA}" type="datetime1">
               <a:rPr kumimoji="1" lang="ja-JP" altLang="en-US" smtClean="0"/>
-              <a:t>2021/9/2</a:t>
+              <a:t>2021/9/5</a:t>
             </a:fld>
             <a:endParaRPr kumimoji="1" lang="ja-JP" altLang="en-US"/>
           </a:p>
@@ -6887,7 +6888,11 @@
           <a:p>
             <a:r>
               <a:rPr kumimoji="1" lang="en-US" altLang="ja-JP" dirty="0"/>
-              <a:t>Method – Preprocessing (Overall)</a:t>
+              <a:t>Method – Preprocessing </a:t>
+            </a:r>
+            <a:r>
+              <a:rPr kumimoji="1" lang="en-US" altLang="ja-JP" sz="2000" dirty="0"/>
+              <a:t>(Overall)</a:t>
             </a:r>
             <a:endParaRPr kumimoji="1" lang="ja-JP" altLang="en-US" dirty="0"/>
           </a:p>
@@ -6972,6 +6977,2073 @@
   <p:clrMapOvr>
     <a:masterClrMapping/>
   </p:clrMapOvr>
+</p:sld>
+</file>
+
+<file path=ppt/slides/slide6.xml><?xml version="1.0" encoding="utf-8"?>
+<p:sld xmlns:a="http://schemas.openxmlformats.org/drawingml/2006/main" xmlns:r="http://schemas.openxmlformats.org/officeDocument/2006/relationships" xmlns:p="http://schemas.openxmlformats.org/presentationml/2006/main">
+  <p:cSld>
+    <p:spTree>
+      <p:nvGrpSpPr>
+        <p:cNvPr id="1" name=""/>
+        <p:cNvGrpSpPr/>
+        <p:nvPr/>
+      </p:nvGrpSpPr>
+      <p:grpSpPr>
+        <a:xfrm>
+          <a:off x="0" y="0"/>
+          <a:ext cx="0" cy="0"/>
+          <a:chOff x="0" y="0"/>
+          <a:chExt cx="0" cy="0"/>
+        </a:xfrm>
+      </p:grpSpPr>
+      <p:sp>
+        <p:nvSpPr>
+          <p:cNvPr id="2" name="タイトル 1">
+            <a:extLst>
+              <a:ext uri="{FF2B5EF4-FFF2-40B4-BE49-F238E27FC236}">
+                <a16:creationId xmlns:a16="http://schemas.microsoft.com/office/drawing/2014/main" id="{D2308CA7-6A5F-4EA4-AECD-86ECD09DF557}"/>
+              </a:ext>
+            </a:extLst>
+          </p:cNvPr>
+          <p:cNvSpPr>
+            <a:spLocks noGrp="1"/>
+          </p:cNvSpPr>
+          <p:nvPr>
+            <p:ph type="title"/>
+          </p:nvPr>
+        </p:nvSpPr>
+        <p:spPr/>
+        <p:txBody>
+          <a:bodyPr/>
+          <a:lstStyle/>
+          <a:p>
+            <a:r>
+              <a:rPr kumimoji="1" lang="en-US" altLang="ja-JP" dirty="0"/>
+              <a:t>Method – Preprocessing </a:t>
+            </a:r>
+            <a:r>
+              <a:rPr kumimoji="1" lang="en-US" altLang="ja-JP" sz="2000" dirty="0"/>
+              <a:t>(Converting process)</a:t>
+            </a:r>
+            <a:endParaRPr kumimoji="1" lang="ja-JP" altLang="en-US" dirty="0"/>
+          </a:p>
+        </p:txBody>
+      </p:sp>
+      <p:sp>
+        <p:nvSpPr>
+          <p:cNvPr id="3" name="コンテンツ プレースホルダー 2">
+            <a:extLst>
+              <a:ext uri="{FF2B5EF4-FFF2-40B4-BE49-F238E27FC236}">
+                <a16:creationId xmlns:a16="http://schemas.microsoft.com/office/drawing/2014/main" id="{50BFC3EE-DBD8-449E-934C-E45E4C1B96EF}"/>
+              </a:ext>
+            </a:extLst>
+          </p:cNvPr>
+          <p:cNvSpPr>
+            <a:spLocks noGrp="1"/>
+          </p:cNvSpPr>
+          <p:nvPr>
+            <p:ph idx="1"/>
+          </p:nvPr>
+        </p:nvSpPr>
+        <p:spPr/>
+        <p:txBody>
+          <a:bodyPr/>
+          <a:lstStyle/>
+          <a:p>
+            <a:r>
+              <a:rPr kumimoji="1" lang="en-US" altLang="ja-JP" dirty="0"/>
+              <a:t>This process convert to velocity data from the raw data.</a:t>
+            </a:r>
+          </a:p>
+          <a:p>
+            <a:r>
+              <a:rPr kumimoji="1" lang="en-US" altLang="ja-JP" dirty="0"/>
+              <a:t>First, the process interpolate the missing values in the raw data.</a:t>
+            </a:r>
+          </a:p>
+          <a:p>
+            <a:endParaRPr lang="en-US" altLang="ja-JP" dirty="0"/>
+          </a:p>
+          <a:p>
+            <a:endParaRPr kumimoji="1" lang="en-US" altLang="ja-JP" dirty="0"/>
+          </a:p>
+          <a:p>
+            <a:endParaRPr lang="en-US" altLang="ja-JP" dirty="0"/>
+          </a:p>
+          <a:p>
+            <a:r>
+              <a:rPr lang="en-US" altLang="ja-JP" dirty="0"/>
+              <a:t>Next, the interpolated data was used to calculate the velocity data.</a:t>
+            </a:r>
+            <a:endParaRPr kumimoji="1" lang="ja-JP" altLang="en-US" dirty="0"/>
+          </a:p>
+        </p:txBody>
+      </p:sp>
+      <p:sp>
+        <p:nvSpPr>
+          <p:cNvPr id="4" name="スライド番号プレースホルダー 3">
+            <a:extLst>
+              <a:ext uri="{FF2B5EF4-FFF2-40B4-BE49-F238E27FC236}">
+                <a16:creationId xmlns:a16="http://schemas.microsoft.com/office/drawing/2014/main" id="{40B09C09-F32E-4BD2-B1CD-711869BDA96E}"/>
+              </a:ext>
+            </a:extLst>
+          </p:cNvPr>
+          <p:cNvSpPr>
+            <a:spLocks noGrp="1"/>
+          </p:cNvSpPr>
+          <p:nvPr>
+            <p:ph type="sldNum" sz="quarter" idx="12"/>
+          </p:nvPr>
+        </p:nvSpPr>
+        <p:spPr/>
+        <p:txBody>
+          <a:bodyPr/>
+          <a:lstStyle/>
+          <a:p>
+            <a:fld id="{92084505-5355-43A2-B929-FD06D0DABC31}" type="slidenum">
+              <a:rPr lang="ja-JP" altLang="en-US" smtClean="0"/>
+              <a:pPr/>
+              <a:t>6</a:t>
+            </a:fld>
+            <a:endParaRPr lang="ja-JP" altLang="en-US" dirty="0"/>
+          </a:p>
+        </p:txBody>
+      </p:sp>
+      <p:sp>
+        <p:nvSpPr>
+          <p:cNvPr id="31" name="テキスト ボックス 30">
+            <a:extLst>
+              <a:ext uri="{FF2B5EF4-FFF2-40B4-BE49-F238E27FC236}">
+                <a16:creationId xmlns:a16="http://schemas.microsoft.com/office/drawing/2014/main" id="{E5978E11-6ABC-43FC-950A-2FDE2AB4A638}"/>
+              </a:ext>
+            </a:extLst>
+          </p:cNvPr>
+          <p:cNvSpPr txBox="1"/>
+          <p:nvPr/>
+        </p:nvSpPr>
+        <p:spPr>
+          <a:xfrm>
+            <a:off x="7981246" y="3749043"/>
+            <a:ext cx="764767" cy="400110"/>
+          </a:xfrm>
+          <a:prstGeom prst="rect">
+            <a:avLst/>
+          </a:prstGeom>
+          <a:noFill/>
+        </p:spPr>
+        <p:txBody>
+          <a:bodyPr wrap="square" rtlCol="0">
+            <a:spAutoFit/>
+          </a:bodyPr>
+          <a:lstStyle/>
+          <a:p>
+            <a:pPr algn="ctr"/>
+            <a:r>
+              <a:rPr lang="en-US" altLang="ja-JP" sz="2000" dirty="0">
+                <a:latin typeface="Arial" panose="020B0604020202020204" pitchFamily="34" charset="0"/>
+                <a:cs typeface="Arial" panose="020B0604020202020204" pitchFamily="34" charset="0"/>
+              </a:rPr>
+              <a:t>5</a:t>
+            </a:r>
+            <a:r>
+              <a:rPr kumimoji="1" lang="en-US" altLang="ja-JP" sz="2000" dirty="0">
+                <a:latin typeface="Arial" panose="020B0604020202020204" pitchFamily="34" charset="0"/>
+                <a:cs typeface="Arial" panose="020B0604020202020204" pitchFamily="34" charset="0"/>
+              </a:rPr>
+              <a:t>00</a:t>
+            </a:r>
+            <a:endParaRPr kumimoji="1" lang="ja-JP" altLang="en-US" sz="2000" dirty="0">
+              <a:latin typeface="Arial" panose="020B0604020202020204" pitchFamily="34" charset="0"/>
+              <a:cs typeface="Arial" panose="020B0604020202020204" pitchFamily="34" charset="0"/>
+            </a:endParaRPr>
+          </a:p>
+        </p:txBody>
+      </p:sp>
+      <p:sp>
+        <p:nvSpPr>
+          <p:cNvPr id="39" name="テキスト ボックス 38">
+            <a:extLst>
+              <a:ext uri="{FF2B5EF4-FFF2-40B4-BE49-F238E27FC236}">
+                <a16:creationId xmlns:a16="http://schemas.microsoft.com/office/drawing/2014/main" id="{01439562-ADAC-4034-B6DE-1B11A08C2047}"/>
+              </a:ext>
+            </a:extLst>
+          </p:cNvPr>
+          <p:cNvSpPr txBox="1"/>
+          <p:nvPr/>
+        </p:nvSpPr>
+        <p:spPr>
+          <a:xfrm>
+            <a:off x="6791662" y="3767442"/>
+            <a:ext cx="764767" cy="400110"/>
+          </a:xfrm>
+          <a:prstGeom prst="rect">
+            <a:avLst/>
+          </a:prstGeom>
+          <a:noFill/>
+        </p:spPr>
+        <p:txBody>
+          <a:bodyPr wrap="square" rtlCol="0">
+            <a:spAutoFit/>
+          </a:bodyPr>
+          <a:lstStyle/>
+          <a:p>
+            <a:pPr algn="ctr"/>
+            <a:r>
+              <a:rPr kumimoji="1" lang="en-US" altLang="ja-JP" sz="2000" dirty="0">
+                <a:latin typeface="Arial" panose="020B0604020202020204" pitchFamily="34" charset="0"/>
+                <a:cs typeface="Arial" panose="020B0604020202020204" pitchFamily="34" charset="0"/>
+              </a:rPr>
+              <a:t>300</a:t>
+            </a:r>
+            <a:endParaRPr kumimoji="1" lang="ja-JP" altLang="en-US" sz="2000" dirty="0">
+              <a:latin typeface="Arial" panose="020B0604020202020204" pitchFamily="34" charset="0"/>
+              <a:cs typeface="Arial" panose="020B0604020202020204" pitchFamily="34" charset="0"/>
+            </a:endParaRPr>
+          </a:p>
+        </p:txBody>
+      </p:sp>
+      <p:grpSp>
+        <p:nvGrpSpPr>
+          <p:cNvPr id="45" name="グループ化 44">
+            <a:extLst>
+              <a:ext uri="{FF2B5EF4-FFF2-40B4-BE49-F238E27FC236}">
+                <a16:creationId xmlns:a16="http://schemas.microsoft.com/office/drawing/2014/main" id="{599EAF4B-AD26-45B5-AD58-6B9DD7D16483}"/>
+              </a:ext>
+            </a:extLst>
+          </p:cNvPr>
+          <p:cNvGrpSpPr/>
+          <p:nvPr/>
+        </p:nvGrpSpPr>
+        <p:grpSpPr>
+          <a:xfrm>
+            <a:off x="5345078" y="2995475"/>
+            <a:ext cx="6134792" cy="1153678"/>
+            <a:chOff x="5004256" y="2829217"/>
+            <a:chExt cx="6134792" cy="1153678"/>
+          </a:xfrm>
+        </p:grpSpPr>
+        <p:cxnSp>
+          <p:nvCxnSpPr>
+            <p:cNvPr id="6" name="直線矢印コネクタ 5">
+              <a:extLst>
+                <a:ext uri="{FF2B5EF4-FFF2-40B4-BE49-F238E27FC236}">
+                  <a16:creationId xmlns:a16="http://schemas.microsoft.com/office/drawing/2014/main" id="{BB159B8C-FDFE-4AA2-A187-8EC36E9E77E3}"/>
+                </a:ext>
+              </a:extLst>
+            </p:cNvPr>
+            <p:cNvCxnSpPr/>
+            <p:nvPr/>
+          </p:nvCxnSpPr>
+          <p:spPr>
+            <a:xfrm>
+              <a:off x="5004256" y="3429000"/>
+              <a:ext cx="6134792" cy="0"/>
+            </a:xfrm>
+            <a:prstGeom prst="straightConnector1">
+              <a:avLst/>
+            </a:prstGeom>
+            <a:ln w="38100">
+              <a:solidFill>
+                <a:schemeClr val="tx1"/>
+              </a:solidFill>
+              <a:tailEnd type="triangle"/>
+            </a:ln>
+          </p:spPr>
+          <p:style>
+            <a:lnRef idx="1">
+              <a:schemeClr val="accent1"/>
+            </a:lnRef>
+            <a:fillRef idx="0">
+              <a:schemeClr val="accent1"/>
+            </a:fillRef>
+            <a:effectRef idx="0">
+              <a:schemeClr val="accent1"/>
+            </a:effectRef>
+            <a:fontRef idx="minor">
+              <a:schemeClr val="tx1"/>
+            </a:fontRef>
+          </p:style>
+        </p:cxnSp>
+        <p:grpSp>
+          <p:nvGrpSpPr>
+            <p:cNvPr id="23" name="グループ化 22">
+              <a:extLst>
+                <a:ext uri="{FF2B5EF4-FFF2-40B4-BE49-F238E27FC236}">
+                  <a16:creationId xmlns:a16="http://schemas.microsoft.com/office/drawing/2014/main" id="{9DF56975-65A8-4F93-ABB7-F999F4F8F501}"/>
+                </a:ext>
+              </a:extLst>
+            </p:cNvPr>
+            <p:cNvGrpSpPr/>
+            <p:nvPr/>
+          </p:nvGrpSpPr>
+          <p:grpSpPr>
+            <a:xfrm>
+              <a:off x="5261260" y="2829217"/>
+              <a:ext cx="764768" cy="1153678"/>
+              <a:chOff x="2743200" y="2829217"/>
+              <a:chExt cx="764768" cy="1153678"/>
+            </a:xfrm>
+          </p:grpSpPr>
+          <p:cxnSp>
+            <p:nvCxnSpPr>
+              <p:cNvPr id="8" name="直線コネクタ 7">
+                <a:extLst>
+                  <a:ext uri="{FF2B5EF4-FFF2-40B4-BE49-F238E27FC236}">
+                    <a16:creationId xmlns:a16="http://schemas.microsoft.com/office/drawing/2014/main" id="{60C75171-2EA8-4DCD-9CB9-9EF48A2DE05E}"/>
+                  </a:ext>
+                </a:extLst>
+              </p:cNvPr>
+              <p:cNvCxnSpPr/>
+              <p:nvPr/>
+            </p:nvCxnSpPr>
+            <p:spPr>
+              <a:xfrm>
+                <a:off x="3125585" y="3258589"/>
+                <a:ext cx="0" cy="324196"/>
+              </a:xfrm>
+              <a:prstGeom prst="line">
+                <a:avLst/>
+              </a:prstGeom>
+              <a:ln w="28575">
+                <a:solidFill>
+                  <a:schemeClr val="tx1"/>
+                </a:solidFill>
+              </a:ln>
+            </p:spPr>
+            <p:style>
+              <a:lnRef idx="1">
+                <a:schemeClr val="accent1"/>
+              </a:lnRef>
+              <a:fillRef idx="0">
+                <a:schemeClr val="accent1"/>
+              </a:fillRef>
+              <a:effectRef idx="0">
+                <a:schemeClr val="accent1"/>
+              </a:effectRef>
+              <a:fontRef idx="minor">
+                <a:schemeClr val="tx1"/>
+              </a:fontRef>
+            </p:style>
+          </p:cxnSp>
+          <mc:AlternateContent xmlns:mc="http://schemas.openxmlformats.org/markup-compatibility/2006">
+            <mc:Choice xmlns:a14="http://schemas.microsoft.com/office/drawing/2010/main" Requires="a14">
+              <p:sp>
+                <p:nvSpPr>
+                  <p:cNvPr id="9" name="テキスト ボックス 8">
+                    <a:extLst>
+                      <a:ext uri="{FF2B5EF4-FFF2-40B4-BE49-F238E27FC236}">
+                        <a16:creationId xmlns:a16="http://schemas.microsoft.com/office/drawing/2014/main" id="{7C0CAD79-42A2-4F83-8DE0-73B5FB1AC337}"/>
+                      </a:ext>
+                    </a:extLst>
+                  </p:cNvPr>
+                  <p:cNvSpPr txBox="1"/>
+                  <p:nvPr/>
+                </p:nvSpPr>
+                <p:spPr>
+                  <a:xfrm>
+                    <a:off x="2743200" y="2829217"/>
+                    <a:ext cx="764767" cy="400110"/>
+                  </a:xfrm>
+                  <a:prstGeom prst="rect">
+                    <a:avLst/>
+                  </a:prstGeom>
+                  <a:noFill/>
+                </p:spPr>
+                <p:txBody>
+                  <a:bodyPr wrap="square" rtlCol="0">
+                    <a:spAutoFit/>
+                  </a:bodyPr>
+                  <a:lstStyle/>
+                  <a:p>
+                    <a:pPr/>
+                    <a14:m>
+                      <m:oMathPara xmlns:m="http://schemas.openxmlformats.org/officeDocument/2006/math">
+                        <m:oMathParaPr>
+                          <m:jc m:val="center"/>
+                        </m:oMathParaPr>
+                        <m:oMath xmlns:m="http://schemas.openxmlformats.org/officeDocument/2006/math">
+                          <m:r>
+                            <a:rPr kumimoji="1" lang="en-US" altLang="ja-JP" sz="2000" b="0" i="1" smtClean="0">
+                              <a:latin typeface="Cambria Math" panose="02040503050406030204" pitchFamily="18" charset="0"/>
+                            </a:rPr>
+                            <m:t>𝑡</m:t>
+                          </m:r>
+                        </m:oMath>
+                      </m:oMathPara>
+                    </a14:m>
+                    <a:endParaRPr kumimoji="1" lang="ja-JP" altLang="en-US" sz="2000" dirty="0"/>
+                  </a:p>
+                </p:txBody>
+              </p:sp>
+            </mc:Choice>
+            <mc:Fallback>
+              <p:sp>
+                <p:nvSpPr>
+                  <p:cNvPr id="9" name="テキスト ボックス 8">
+                    <a:extLst>
+                      <a:ext uri="{FF2B5EF4-FFF2-40B4-BE49-F238E27FC236}">
+                        <a16:creationId xmlns:a16="http://schemas.microsoft.com/office/drawing/2014/main" id="{7C0CAD79-42A2-4F83-8DE0-73B5FB1AC337}"/>
+                      </a:ext>
+                    </a:extLst>
+                  </p:cNvPr>
+                  <p:cNvSpPr txBox="1">
+                    <a:spLocks noRot="1" noChangeAspect="1" noMove="1" noResize="1" noEditPoints="1" noAdjustHandles="1" noChangeArrowheads="1" noChangeShapeType="1" noTextEdit="1"/>
+                  </p:cNvSpPr>
+                  <p:nvPr/>
+                </p:nvSpPr>
+                <p:spPr>
+                  <a:xfrm>
+                    <a:off x="2743200" y="2829217"/>
+                    <a:ext cx="764767" cy="400110"/>
+                  </a:xfrm>
+                  <a:prstGeom prst="rect">
+                    <a:avLst/>
+                  </a:prstGeom>
+                  <a:blipFill>
+                    <a:blip r:embed="rId2"/>
+                    <a:stretch>
+                      <a:fillRect/>
+                    </a:stretch>
+                  </a:blipFill>
+                </p:spPr>
+                <p:txBody>
+                  <a:bodyPr/>
+                  <a:lstStyle/>
+                  <a:p>
+                    <a:r>
+                      <a:rPr lang="ja-JP" altLang="en-US">
+                        <a:noFill/>
+                      </a:rPr>
+                      <a:t> </a:t>
+                    </a:r>
+                  </a:p>
+                </p:txBody>
+              </p:sp>
+            </mc:Fallback>
+          </mc:AlternateContent>
+          <p:sp>
+            <p:nvSpPr>
+              <p:cNvPr id="12" name="テキスト ボックス 11">
+                <a:extLst>
+                  <a:ext uri="{FF2B5EF4-FFF2-40B4-BE49-F238E27FC236}">
+                    <a16:creationId xmlns:a16="http://schemas.microsoft.com/office/drawing/2014/main" id="{74D44D82-4FF8-4830-B5C2-03694BAC0853}"/>
+                  </a:ext>
+                </a:extLst>
+              </p:cNvPr>
+              <p:cNvSpPr txBox="1"/>
+              <p:nvPr/>
+            </p:nvSpPr>
+            <p:spPr>
+              <a:xfrm>
+                <a:off x="2743201" y="3582785"/>
+                <a:ext cx="764767" cy="400110"/>
+              </a:xfrm>
+              <a:prstGeom prst="rect">
+                <a:avLst/>
+              </a:prstGeom>
+              <a:noFill/>
+            </p:spPr>
+            <p:txBody>
+              <a:bodyPr wrap="square" rtlCol="0">
+                <a:spAutoFit/>
+              </a:bodyPr>
+              <a:lstStyle/>
+              <a:p>
+                <a:pPr algn="ctr"/>
+                <a:r>
+                  <a:rPr kumimoji="1" lang="en-US" altLang="ja-JP" sz="2000" dirty="0">
+                    <a:latin typeface="Arial" panose="020B0604020202020204" pitchFamily="34" charset="0"/>
+                    <a:cs typeface="Arial" panose="020B0604020202020204" pitchFamily="34" charset="0"/>
+                  </a:rPr>
+                  <a:t>100</a:t>
+                </a:r>
+                <a:endParaRPr kumimoji="1" lang="ja-JP" altLang="en-US" sz="2000" dirty="0">
+                  <a:latin typeface="Arial" panose="020B0604020202020204" pitchFamily="34" charset="0"/>
+                  <a:cs typeface="Arial" panose="020B0604020202020204" pitchFamily="34" charset="0"/>
+                </a:endParaRPr>
+              </a:p>
+            </p:txBody>
+          </p:sp>
+        </p:grpSp>
+        <p:grpSp>
+          <p:nvGrpSpPr>
+            <p:cNvPr id="24" name="グループ化 23">
+              <a:extLst>
+                <a:ext uri="{FF2B5EF4-FFF2-40B4-BE49-F238E27FC236}">
+                  <a16:creationId xmlns:a16="http://schemas.microsoft.com/office/drawing/2014/main" id="{22ED11BF-F05B-4B15-810E-984090780C41}"/>
+                </a:ext>
+              </a:extLst>
+            </p:cNvPr>
+            <p:cNvGrpSpPr/>
+            <p:nvPr/>
+          </p:nvGrpSpPr>
+          <p:grpSpPr>
+            <a:xfrm>
+              <a:off x="10019590" y="2829217"/>
+              <a:ext cx="764768" cy="1153678"/>
+              <a:chOff x="2743200" y="2829217"/>
+              <a:chExt cx="764768" cy="1153678"/>
+            </a:xfrm>
+          </p:grpSpPr>
+          <p:cxnSp>
+            <p:nvCxnSpPr>
+              <p:cNvPr id="25" name="直線コネクタ 24">
+                <a:extLst>
+                  <a:ext uri="{FF2B5EF4-FFF2-40B4-BE49-F238E27FC236}">
+                    <a16:creationId xmlns:a16="http://schemas.microsoft.com/office/drawing/2014/main" id="{4F1EC107-5F0E-4391-BB13-38B4F599DD4A}"/>
+                  </a:ext>
+                </a:extLst>
+              </p:cNvPr>
+              <p:cNvCxnSpPr/>
+              <p:nvPr/>
+            </p:nvCxnSpPr>
+            <p:spPr>
+              <a:xfrm>
+                <a:off x="3125585" y="3258589"/>
+                <a:ext cx="0" cy="324196"/>
+              </a:xfrm>
+              <a:prstGeom prst="line">
+                <a:avLst/>
+              </a:prstGeom>
+              <a:ln w="28575">
+                <a:solidFill>
+                  <a:schemeClr val="tx1"/>
+                </a:solidFill>
+              </a:ln>
+            </p:spPr>
+            <p:style>
+              <a:lnRef idx="1">
+                <a:schemeClr val="accent1"/>
+              </a:lnRef>
+              <a:fillRef idx="0">
+                <a:schemeClr val="accent1"/>
+              </a:fillRef>
+              <a:effectRef idx="0">
+                <a:schemeClr val="accent1"/>
+              </a:effectRef>
+              <a:fontRef idx="minor">
+                <a:schemeClr val="tx1"/>
+              </a:fontRef>
+            </p:style>
+          </p:cxnSp>
+          <mc:AlternateContent xmlns:mc="http://schemas.openxmlformats.org/markup-compatibility/2006">
+            <mc:Choice xmlns:a14="http://schemas.microsoft.com/office/drawing/2010/main" Requires="a14">
+              <p:sp>
+                <p:nvSpPr>
+                  <p:cNvPr id="26" name="テキスト ボックス 25">
+                    <a:extLst>
+                      <a:ext uri="{FF2B5EF4-FFF2-40B4-BE49-F238E27FC236}">
+                        <a16:creationId xmlns:a16="http://schemas.microsoft.com/office/drawing/2014/main" id="{16608A9E-C52D-4E57-BAFA-80649379DC4E}"/>
+                      </a:ext>
+                    </a:extLst>
+                  </p:cNvPr>
+                  <p:cNvSpPr txBox="1"/>
+                  <p:nvPr/>
+                </p:nvSpPr>
+                <p:spPr>
+                  <a:xfrm>
+                    <a:off x="2743200" y="2829217"/>
+                    <a:ext cx="764767" cy="400110"/>
+                  </a:xfrm>
+                  <a:prstGeom prst="rect">
+                    <a:avLst/>
+                  </a:prstGeom>
+                  <a:noFill/>
+                </p:spPr>
+                <p:txBody>
+                  <a:bodyPr wrap="square" rtlCol="0">
+                    <a:spAutoFit/>
+                  </a:bodyPr>
+                  <a:lstStyle/>
+                  <a:p>
+                    <a:pPr/>
+                    <a14:m>
+                      <m:oMathPara xmlns:m="http://schemas.openxmlformats.org/officeDocument/2006/math">
+                        <m:oMathParaPr>
+                          <m:jc m:val="center"/>
+                        </m:oMathParaPr>
+                        <m:oMath xmlns:m="http://schemas.openxmlformats.org/officeDocument/2006/math">
+                          <m:r>
+                            <a:rPr kumimoji="1" lang="en-US" altLang="ja-JP" sz="2000" b="0" i="1" smtClean="0">
+                              <a:latin typeface="Cambria Math" panose="02040503050406030204" pitchFamily="18" charset="0"/>
+                            </a:rPr>
+                            <m:t>𝑡</m:t>
+                          </m:r>
+                          <m:r>
+                            <a:rPr kumimoji="1" lang="en-US" altLang="ja-JP" sz="2000" b="0" i="1" smtClean="0">
+                              <a:latin typeface="Cambria Math" panose="02040503050406030204" pitchFamily="18" charset="0"/>
+                            </a:rPr>
+                            <m:t>+</m:t>
+                          </m:r>
+                          <m:r>
+                            <a:rPr kumimoji="1" lang="en-US" altLang="ja-JP" sz="2000" b="0" i="1" smtClean="0">
+                              <a:latin typeface="Cambria Math" panose="02040503050406030204" pitchFamily="18" charset="0"/>
+                            </a:rPr>
+                            <m:t>𝑛</m:t>
+                          </m:r>
+                        </m:oMath>
+                      </m:oMathPara>
+                    </a14:m>
+                    <a:endParaRPr kumimoji="1" lang="ja-JP" altLang="en-US" sz="2000" dirty="0"/>
+                  </a:p>
+                </p:txBody>
+              </p:sp>
+            </mc:Choice>
+            <mc:Fallback>
+              <p:sp>
+                <p:nvSpPr>
+                  <p:cNvPr id="26" name="テキスト ボックス 25">
+                    <a:extLst>
+                      <a:ext uri="{FF2B5EF4-FFF2-40B4-BE49-F238E27FC236}">
+                        <a16:creationId xmlns:a16="http://schemas.microsoft.com/office/drawing/2014/main" id="{16608A9E-C52D-4E57-BAFA-80649379DC4E}"/>
+                      </a:ext>
+                    </a:extLst>
+                  </p:cNvPr>
+                  <p:cNvSpPr txBox="1">
+                    <a:spLocks noRot="1" noChangeAspect="1" noMove="1" noResize="1" noEditPoints="1" noAdjustHandles="1" noChangeArrowheads="1" noChangeShapeType="1" noTextEdit="1"/>
+                  </p:cNvSpPr>
+                  <p:nvPr/>
+                </p:nvSpPr>
+                <p:spPr>
+                  <a:xfrm>
+                    <a:off x="2743200" y="2829217"/>
+                    <a:ext cx="764767" cy="400110"/>
+                  </a:xfrm>
+                  <a:prstGeom prst="rect">
+                    <a:avLst/>
+                  </a:prstGeom>
+                  <a:blipFill>
+                    <a:blip r:embed="rId3"/>
+                    <a:stretch>
+                      <a:fillRect/>
+                    </a:stretch>
+                  </a:blipFill>
+                </p:spPr>
+                <p:txBody>
+                  <a:bodyPr/>
+                  <a:lstStyle/>
+                  <a:p>
+                    <a:r>
+                      <a:rPr lang="ja-JP" altLang="en-US">
+                        <a:noFill/>
+                      </a:rPr>
+                      <a:t> </a:t>
+                    </a:r>
+                  </a:p>
+                </p:txBody>
+              </p:sp>
+            </mc:Fallback>
+          </mc:AlternateContent>
+          <p:sp>
+            <p:nvSpPr>
+              <p:cNvPr id="27" name="テキスト ボックス 26">
+                <a:extLst>
+                  <a:ext uri="{FF2B5EF4-FFF2-40B4-BE49-F238E27FC236}">
+                    <a16:creationId xmlns:a16="http://schemas.microsoft.com/office/drawing/2014/main" id="{B1E6BADA-3B67-4B47-BA8D-92DA8327F8BD}"/>
+                  </a:ext>
+                </a:extLst>
+              </p:cNvPr>
+              <p:cNvSpPr txBox="1"/>
+              <p:nvPr/>
+            </p:nvSpPr>
+            <p:spPr>
+              <a:xfrm>
+                <a:off x="2743201" y="3582785"/>
+                <a:ext cx="764767" cy="400110"/>
+              </a:xfrm>
+              <a:prstGeom prst="rect">
+                <a:avLst/>
+              </a:prstGeom>
+              <a:noFill/>
+            </p:spPr>
+            <p:txBody>
+              <a:bodyPr wrap="square" rtlCol="0">
+                <a:spAutoFit/>
+              </a:bodyPr>
+              <a:lstStyle/>
+              <a:p>
+                <a:pPr algn="ctr"/>
+                <a:r>
+                  <a:rPr lang="en-US" altLang="ja-JP" sz="2000" dirty="0">
+                    <a:latin typeface="Arial" panose="020B0604020202020204" pitchFamily="34" charset="0"/>
+                    <a:cs typeface="Arial" panose="020B0604020202020204" pitchFamily="34" charset="0"/>
+                  </a:rPr>
+                  <a:t>9</a:t>
+                </a:r>
+                <a:r>
+                  <a:rPr kumimoji="1" lang="en-US" altLang="ja-JP" sz="2000" dirty="0">
+                    <a:latin typeface="Arial" panose="020B0604020202020204" pitchFamily="34" charset="0"/>
+                    <a:cs typeface="Arial" panose="020B0604020202020204" pitchFamily="34" charset="0"/>
+                  </a:rPr>
+                  <a:t>00</a:t>
+                </a:r>
+                <a:endParaRPr kumimoji="1" lang="ja-JP" altLang="en-US" sz="2000" dirty="0">
+                  <a:latin typeface="Arial" panose="020B0604020202020204" pitchFamily="34" charset="0"/>
+                  <a:cs typeface="Arial" panose="020B0604020202020204" pitchFamily="34" charset="0"/>
+                </a:endParaRPr>
+              </a:p>
+            </p:txBody>
+          </p:sp>
+        </p:grpSp>
+        <p:cxnSp>
+          <p:nvCxnSpPr>
+            <p:cNvPr id="29" name="直線コネクタ 28">
+              <a:extLst>
+                <a:ext uri="{FF2B5EF4-FFF2-40B4-BE49-F238E27FC236}">
+                  <a16:creationId xmlns:a16="http://schemas.microsoft.com/office/drawing/2014/main" id="{EBF24569-A2CB-4345-B3BD-984A78A37A1E}"/>
+                </a:ext>
+              </a:extLst>
+            </p:cNvPr>
+            <p:cNvCxnSpPr/>
+            <p:nvPr/>
+          </p:nvCxnSpPr>
+          <p:spPr>
+            <a:xfrm>
+              <a:off x="8022808" y="3258589"/>
+              <a:ext cx="0" cy="324196"/>
+            </a:xfrm>
+            <a:prstGeom prst="line">
+              <a:avLst/>
+            </a:prstGeom>
+            <a:ln w="28575">
+              <a:solidFill>
+                <a:schemeClr val="tx1"/>
+              </a:solidFill>
+            </a:ln>
+          </p:spPr>
+          <p:style>
+            <a:lnRef idx="1">
+              <a:schemeClr val="accent1"/>
+            </a:lnRef>
+            <a:fillRef idx="0">
+              <a:schemeClr val="accent1"/>
+            </a:fillRef>
+            <a:effectRef idx="0">
+              <a:schemeClr val="accent1"/>
+            </a:effectRef>
+            <a:fontRef idx="minor">
+              <a:schemeClr val="tx1"/>
+            </a:fontRef>
+          </p:style>
+        </p:cxnSp>
+        <mc:AlternateContent xmlns:mc="http://schemas.openxmlformats.org/markup-compatibility/2006">
+          <mc:Choice xmlns:a14="http://schemas.microsoft.com/office/drawing/2010/main" Requires="a14">
+            <p:sp>
+              <p:nvSpPr>
+                <p:cNvPr id="30" name="テキスト ボックス 29">
+                  <a:extLst>
+                    <a:ext uri="{FF2B5EF4-FFF2-40B4-BE49-F238E27FC236}">
+                      <a16:creationId xmlns:a16="http://schemas.microsoft.com/office/drawing/2014/main" id="{D99D9A4D-14E6-4557-B91A-3D9F07004494}"/>
+                    </a:ext>
+                  </a:extLst>
+                </p:cNvPr>
+                <p:cNvSpPr txBox="1"/>
+                <p:nvPr/>
+              </p:nvSpPr>
+              <p:spPr>
+                <a:xfrm>
+                  <a:off x="7640423" y="2829217"/>
+                  <a:ext cx="764767" cy="400110"/>
+                </a:xfrm>
+                <a:prstGeom prst="rect">
+                  <a:avLst/>
+                </a:prstGeom>
+                <a:noFill/>
+              </p:spPr>
+              <p:txBody>
+                <a:bodyPr wrap="square" rtlCol="0">
+                  <a:spAutoFit/>
+                </a:bodyPr>
+                <a:lstStyle/>
+                <a:p>
+                  <a:pPr/>
+                  <a14:m>
+                    <m:oMathPara xmlns:m="http://schemas.openxmlformats.org/officeDocument/2006/math">
+                      <m:oMathParaPr>
+                        <m:jc m:val="center"/>
+                      </m:oMathParaPr>
+                      <m:oMath xmlns:m="http://schemas.openxmlformats.org/officeDocument/2006/math">
+                        <m:r>
+                          <a:rPr kumimoji="1" lang="en-US" altLang="ja-JP" sz="2000" b="0" i="1" smtClean="0">
+                            <a:latin typeface="Cambria Math" panose="02040503050406030204" pitchFamily="18" charset="0"/>
+                          </a:rPr>
+                          <m:t>𝑡</m:t>
+                        </m:r>
+                        <m:r>
+                          <a:rPr kumimoji="1" lang="en-US" altLang="ja-JP" sz="2000" b="0" i="1" smtClean="0">
+                            <a:latin typeface="Cambria Math" panose="02040503050406030204" pitchFamily="18" charset="0"/>
+                          </a:rPr>
+                          <m:t>+2</m:t>
+                        </m:r>
+                      </m:oMath>
+                    </m:oMathPara>
+                  </a14:m>
+                  <a:endParaRPr kumimoji="1" lang="ja-JP" altLang="en-US" sz="2000" dirty="0"/>
+                </a:p>
+              </p:txBody>
+            </p:sp>
+          </mc:Choice>
+          <mc:Fallback>
+            <p:sp>
+              <p:nvSpPr>
+                <p:cNvPr id="30" name="テキスト ボックス 29">
+                  <a:extLst>
+                    <a:ext uri="{FF2B5EF4-FFF2-40B4-BE49-F238E27FC236}">
+                      <a16:creationId xmlns:a16="http://schemas.microsoft.com/office/drawing/2014/main" id="{D99D9A4D-14E6-4557-B91A-3D9F07004494}"/>
+                    </a:ext>
+                  </a:extLst>
+                </p:cNvPr>
+                <p:cNvSpPr txBox="1">
+                  <a:spLocks noRot="1" noChangeAspect="1" noMove="1" noResize="1" noEditPoints="1" noAdjustHandles="1" noChangeArrowheads="1" noChangeShapeType="1" noTextEdit="1"/>
+                </p:cNvSpPr>
+                <p:nvPr/>
+              </p:nvSpPr>
+              <p:spPr>
+                <a:xfrm>
+                  <a:off x="7640423" y="2829217"/>
+                  <a:ext cx="764767" cy="400110"/>
+                </a:xfrm>
+                <a:prstGeom prst="rect">
+                  <a:avLst/>
+                </a:prstGeom>
+                <a:blipFill>
+                  <a:blip r:embed="rId4"/>
+                  <a:stretch>
+                    <a:fillRect/>
+                  </a:stretch>
+                </a:blipFill>
+              </p:spPr>
+              <p:txBody>
+                <a:bodyPr/>
+                <a:lstStyle/>
+                <a:p>
+                  <a:r>
+                    <a:rPr lang="ja-JP" altLang="en-US">
+                      <a:noFill/>
+                    </a:rPr>
+                    <a:t> </a:t>
+                  </a:r>
+                </a:p>
+              </p:txBody>
+            </p:sp>
+          </mc:Fallback>
+        </mc:AlternateContent>
+        <p:cxnSp>
+          <p:nvCxnSpPr>
+            <p:cNvPr id="37" name="直線コネクタ 36">
+              <a:extLst>
+                <a:ext uri="{FF2B5EF4-FFF2-40B4-BE49-F238E27FC236}">
+                  <a16:creationId xmlns:a16="http://schemas.microsoft.com/office/drawing/2014/main" id="{FBD41417-96FB-47D5-8497-69FAB12135AC}"/>
+                </a:ext>
+              </a:extLst>
+            </p:cNvPr>
+            <p:cNvCxnSpPr/>
+            <p:nvPr/>
+          </p:nvCxnSpPr>
+          <p:spPr>
+            <a:xfrm>
+              <a:off x="6833224" y="3276988"/>
+              <a:ext cx="0" cy="324196"/>
+            </a:xfrm>
+            <a:prstGeom prst="line">
+              <a:avLst/>
+            </a:prstGeom>
+            <a:ln w="28575">
+              <a:solidFill>
+                <a:schemeClr val="tx1"/>
+              </a:solidFill>
+            </a:ln>
+          </p:spPr>
+          <p:style>
+            <a:lnRef idx="1">
+              <a:schemeClr val="accent1"/>
+            </a:lnRef>
+            <a:fillRef idx="0">
+              <a:schemeClr val="accent1"/>
+            </a:fillRef>
+            <a:effectRef idx="0">
+              <a:schemeClr val="accent1"/>
+            </a:effectRef>
+            <a:fontRef idx="minor">
+              <a:schemeClr val="tx1"/>
+            </a:fontRef>
+          </p:style>
+        </p:cxnSp>
+        <mc:AlternateContent xmlns:mc="http://schemas.openxmlformats.org/markup-compatibility/2006">
+          <mc:Choice xmlns:a14="http://schemas.microsoft.com/office/drawing/2010/main" Requires="a14">
+            <p:sp>
+              <p:nvSpPr>
+                <p:cNvPr id="38" name="テキスト ボックス 37">
+                  <a:extLst>
+                    <a:ext uri="{FF2B5EF4-FFF2-40B4-BE49-F238E27FC236}">
+                      <a16:creationId xmlns:a16="http://schemas.microsoft.com/office/drawing/2014/main" id="{7456E9BA-F12F-4E34-A13D-00A12F844EB8}"/>
+                    </a:ext>
+                  </a:extLst>
+                </p:cNvPr>
+                <p:cNvSpPr txBox="1"/>
+                <p:nvPr/>
+              </p:nvSpPr>
+              <p:spPr>
+                <a:xfrm>
+                  <a:off x="6450839" y="2847616"/>
+                  <a:ext cx="764767" cy="400110"/>
+                </a:xfrm>
+                <a:prstGeom prst="rect">
+                  <a:avLst/>
+                </a:prstGeom>
+                <a:noFill/>
+              </p:spPr>
+              <p:txBody>
+                <a:bodyPr wrap="square" rtlCol="0">
+                  <a:spAutoFit/>
+                </a:bodyPr>
+                <a:lstStyle/>
+                <a:p>
+                  <a:pPr/>
+                  <a14:m>
+                    <m:oMathPara xmlns:m="http://schemas.openxmlformats.org/officeDocument/2006/math">
+                      <m:oMathParaPr>
+                        <m:jc m:val="center"/>
+                      </m:oMathParaPr>
+                      <m:oMath xmlns:m="http://schemas.openxmlformats.org/officeDocument/2006/math">
+                        <m:r>
+                          <a:rPr kumimoji="1" lang="en-US" altLang="ja-JP" sz="2000" b="0" i="1" smtClean="0">
+                            <a:latin typeface="Cambria Math" panose="02040503050406030204" pitchFamily="18" charset="0"/>
+                          </a:rPr>
+                          <m:t>𝑡</m:t>
+                        </m:r>
+                        <m:r>
+                          <a:rPr kumimoji="1" lang="en-US" altLang="ja-JP" sz="2000" b="0" i="1" smtClean="0">
+                            <a:latin typeface="Cambria Math" panose="02040503050406030204" pitchFamily="18" charset="0"/>
+                          </a:rPr>
+                          <m:t>+1</m:t>
+                        </m:r>
+                      </m:oMath>
+                    </m:oMathPara>
+                  </a14:m>
+                  <a:endParaRPr kumimoji="1" lang="ja-JP" altLang="en-US" sz="2000" dirty="0"/>
+                </a:p>
+              </p:txBody>
+            </p:sp>
+          </mc:Choice>
+          <mc:Fallback>
+            <p:sp>
+              <p:nvSpPr>
+                <p:cNvPr id="38" name="テキスト ボックス 37">
+                  <a:extLst>
+                    <a:ext uri="{FF2B5EF4-FFF2-40B4-BE49-F238E27FC236}">
+                      <a16:creationId xmlns:a16="http://schemas.microsoft.com/office/drawing/2014/main" id="{7456E9BA-F12F-4E34-A13D-00A12F844EB8}"/>
+                    </a:ext>
+                  </a:extLst>
+                </p:cNvPr>
+                <p:cNvSpPr txBox="1">
+                  <a:spLocks noRot="1" noChangeAspect="1" noMove="1" noResize="1" noEditPoints="1" noAdjustHandles="1" noChangeArrowheads="1" noChangeShapeType="1" noTextEdit="1"/>
+                </p:cNvSpPr>
+                <p:nvPr/>
+              </p:nvSpPr>
+              <p:spPr>
+                <a:xfrm>
+                  <a:off x="6450839" y="2847616"/>
+                  <a:ext cx="764767" cy="400110"/>
+                </a:xfrm>
+                <a:prstGeom prst="rect">
+                  <a:avLst/>
+                </a:prstGeom>
+                <a:blipFill>
+                  <a:blip r:embed="rId5"/>
+                  <a:stretch>
+                    <a:fillRect/>
+                  </a:stretch>
+                </a:blipFill>
+              </p:spPr>
+              <p:txBody>
+                <a:bodyPr/>
+                <a:lstStyle/>
+                <a:p>
+                  <a:r>
+                    <a:rPr lang="ja-JP" altLang="en-US">
+                      <a:noFill/>
+                    </a:rPr>
+                    <a:t> </a:t>
+                  </a:r>
+                </a:p>
+              </p:txBody>
+            </p:sp>
+          </mc:Fallback>
+        </mc:AlternateContent>
+        <p:cxnSp>
+          <p:nvCxnSpPr>
+            <p:cNvPr id="41" name="直線コネクタ 40">
+              <a:extLst>
+                <a:ext uri="{FF2B5EF4-FFF2-40B4-BE49-F238E27FC236}">
+                  <a16:creationId xmlns:a16="http://schemas.microsoft.com/office/drawing/2014/main" id="{CEF6090F-17D5-408F-86F6-BA921F3EC220}"/>
+                </a:ext>
+              </a:extLst>
+            </p:cNvPr>
+            <p:cNvCxnSpPr/>
+            <p:nvPr/>
+          </p:nvCxnSpPr>
+          <p:spPr>
+            <a:xfrm>
+              <a:off x="9212387" y="3281533"/>
+              <a:ext cx="0" cy="324196"/>
+            </a:xfrm>
+            <a:prstGeom prst="line">
+              <a:avLst/>
+            </a:prstGeom>
+            <a:ln w="28575">
+              <a:solidFill>
+                <a:schemeClr val="tx1"/>
+              </a:solidFill>
+            </a:ln>
+          </p:spPr>
+          <p:style>
+            <a:lnRef idx="1">
+              <a:schemeClr val="accent1"/>
+            </a:lnRef>
+            <a:fillRef idx="0">
+              <a:schemeClr val="accent1"/>
+            </a:fillRef>
+            <a:effectRef idx="0">
+              <a:schemeClr val="accent1"/>
+            </a:effectRef>
+            <a:fontRef idx="minor">
+              <a:schemeClr val="tx1"/>
+            </a:fontRef>
+          </p:style>
+        </p:cxnSp>
+        <mc:AlternateContent xmlns:mc="http://schemas.openxmlformats.org/markup-compatibility/2006">
+          <mc:Choice xmlns:a14="http://schemas.microsoft.com/office/drawing/2010/main" Requires="a14">
+            <p:sp>
+              <p:nvSpPr>
+                <p:cNvPr id="42" name="テキスト ボックス 41">
+                  <a:extLst>
+                    <a:ext uri="{FF2B5EF4-FFF2-40B4-BE49-F238E27FC236}">
+                      <a16:creationId xmlns:a16="http://schemas.microsoft.com/office/drawing/2014/main" id="{FEECCCD2-9AA2-4D8B-97F8-BAC6A37A27A8}"/>
+                    </a:ext>
+                  </a:extLst>
+                </p:cNvPr>
+                <p:cNvSpPr txBox="1"/>
+                <p:nvPr/>
+              </p:nvSpPr>
+              <p:spPr>
+                <a:xfrm>
+                  <a:off x="8830002" y="2852161"/>
+                  <a:ext cx="764767" cy="400110"/>
+                </a:xfrm>
+                <a:prstGeom prst="rect">
+                  <a:avLst/>
+                </a:prstGeom>
+                <a:noFill/>
+              </p:spPr>
+              <p:txBody>
+                <a:bodyPr wrap="square" rtlCol="0">
+                  <a:spAutoFit/>
+                </a:bodyPr>
+                <a:lstStyle/>
+                <a:p>
+                  <a:pPr/>
+                  <a14:m>
+                    <m:oMathPara xmlns:m="http://schemas.openxmlformats.org/officeDocument/2006/math">
+                      <m:oMathParaPr>
+                        <m:jc m:val="center"/>
+                      </m:oMathParaPr>
+                      <m:oMath xmlns:m="http://schemas.openxmlformats.org/officeDocument/2006/math">
+                        <m:r>
+                          <a:rPr kumimoji="1" lang="en-US" altLang="ja-JP" sz="2000" b="0" i="1" smtClean="0">
+                            <a:latin typeface="Cambria Math" panose="02040503050406030204" pitchFamily="18" charset="0"/>
+                          </a:rPr>
+                          <m:t>𝑡</m:t>
+                        </m:r>
+                        <m:r>
+                          <a:rPr kumimoji="1" lang="en-US" altLang="ja-JP" sz="2000" b="0" i="1" smtClean="0">
+                            <a:latin typeface="Cambria Math" panose="02040503050406030204" pitchFamily="18" charset="0"/>
+                          </a:rPr>
+                          <m:t>+3</m:t>
+                        </m:r>
+                      </m:oMath>
+                    </m:oMathPara>
+                  </a14:m>
+                  <a:endParaRPr kumimoji="1" lang="ja-JP" altLang="en-US" sz="2000" dirty="0"/>
+                </a:p>
+              </p:txBody>
+            </p:sp>
+          </mc:Choice>
+          <mc:Fallback>
+            <p:sp>
+              <p:nvSpPr>
+                <p:cNvPr id="42" name="テキスト ボックス 41">
+                  <a:extLst>
+                    <a:ext uri="{FF2B5EF4-FFF2-40B4-BE49-F238E27FC236}">
+                      <a16:creationId xmlns:a16="http://schemas.microsoft.com/office/drawing/2014/main" id="{FEECCCD2-9AA2-4D8B-97F8-BAC6A37A27A8}"/>
+                    </a:ext>
+                  </a:extLst>
+                </p:cNvPr>
+                <p:cNvSpPr txBox="1">
+                  <a:spLocks noRot="1" noChangeAspect="1" noMove="1" noResize="1" noEditPoints="1" noAdjustHandles="1" noChangeArrowheads="1" noChangeShapeType="1" noTextEdit="1"/>
+                </p:cNvSpPr>
+                <p:nvPr/>
+              </p:nvSpPr>
+              <p:spPr>
+                <a:xfrm>
+                  <a:off x="8830002" y="2852161"/>
+                  <a:ext cx="764767" cy="400110"/>
+                </a:xfrm>
+                <a:prstGeom prst="rect">
+                  <a:avLst/>
+                </a:prstGeom>
+                <a:blipFill>
+                  <a:blip r:embed="rId6"/>
+                  <a:stretch>
+                    <a:fillRect/>
+                  </a:stretch>
+                </a:blipFill>
+              </p:spPr>
+              <p:txBody>
+                <a:bodyPr/>
+                <a:lstStyle/>
+                <a:p>
+                  <a:r>
+                    <a:rPr lang="ja-JP" altLang="en-US">
+                      <a:noFill/>
+                    </a:rPr>
+                    <a:t> </a:t>
+                  </a:r>
+                </a:p>
+              </p:txBody>
+            </p:sp>
+          </mc:Fallback>
+        </mc:AlternateContent>
+      </p:grpSp>
+      <p:sp>
+        <p:nvSpPr>
+          <p:cNvPr id="43" name="テキスト ボックス 42">
+            <a:extLst>
+              <a:ext uri="{FF2B5EF4-FFF2-40B4-BE49-F238E27FC236}">
+                <a16:creationId xmlns:a16="http://schemas.microsoft.com/office/drawing/2014/main" id="{01D7077F-C172-4C5C-A442-9F250EC400A5}"/>
+              </a:ext>
+            </a:extLst>
+          </p:cNvPr>
+          <p:cNvSpPr txBox="1"/>
+          <p:nvPr/>
+        </p:nvSpPr>
+        <p:spPr>
+          <a:xfrm>
+            <a:off x="9170825" y="3771987"/>
+            <a:ext cx="764767" cy="400110"/>
+          </a:xfrm>
+          <a:prstGeom prst="rect">
+            <a:avLst/>
+          </a:prstGeom>
+          <a:noFill/>
+        </p:spPr>
+        <p:txBody>
+          <a:bodyPr wrap="square" rtlCol="0">
+            <a:spAutoFit/>
+          </a:bodyPr>
+          <a:lstStyle/>
+          <a:p>
+            <a:pPr algn="ctr"/>
+            <a:r>
+              <a:rPr lang="en-US" altLang="ja-JP" sz="2000" dirty="0">
+                <a:latin typeface="Arial" panose="020B0604020202020204" pitchFamily="34" charset="0"/>
+                <a:cs typeface="Arial" panose="020B0604020202020204" pitchFamily="34" charset="0"/>
+              </a:rPr>
+              <a:t>7</a:t>
+            </a:r>
+            <a:r>
+              <a:rPr kumimoji="1" lang="en-US" altLang="ja-JP" sz="2000" dirty="0">
+                <a:latin typeface="Arial" panose="020B0604020202020204" pitchFamily="34" charset="0"/>
+                <a:cs typeface="Arial" panose="020B0604020202020204" pitchFamily="34" charset="0"/>
+              </a:rPr>
+              <a:t>00</a:t>
+            </a:r>
+            <a:endParaRPr kumimoji="1" lang="ja-JP" altLang="en-US" sz="2000" dirty="0">
+              <a:latin typeface="Arial" panose="020B0604020202020204" pitchFamily="34" charset="0"/>
+              <a:cs typeface="Arial" panose="020B0604020202020204" pitchFamily="34" charset="0"/>
+            </a:endParaRPr>
+          </a:p>
+        </p:txBody>
+      </p:sp>
+      <mc:AlternateContent xmlns:mc="http://schemas.openxmlformats.org/markup-compatibility/2006">
+        <mc:Choice xmlns:a14="http://schemas.microsoft.com/office/drawing/2010/main" Requires="a14">
+          <p:sp>
+            <p:nvSpPr>
+              <p:cNvPr id="44" name="テキスト ボックス 43">
+                <a:extLst>
+                  <a:ext uri="{FF2B5EF4-FFF2-40B4-BE49-F238E27FC236}">
+                    <a16:creationId xmlns:a16="http://schemas.microsoft.com/office/drawing/2014/main" id="{62ABA0D7-A2C4-4B60-8742-7CD1636CB030}"/>
+                  </a:ext>
+                </a:extLst>
+              </p:cNvPr>
+              <p:cNvSpPr txBox="1"/>
+              <p:nvPr/>
+            </p:nvSpPr>
+            <p:spPr>
+              <a:xfrm>
+                <a:off x="977645" y="3250420"/>
+                <a:ext cx="4334502" cy="689676"/>
+              </a:xfrm>
+              <a:prstGeom prst="rect">
+                <a:avLst/>
+              </a:prstGeom>
+              <a:noFill/>
+            </p:spPr>
+            <p:txBody>
+              <a:bodyPr wrap="square" rtlCol="0">
+                <a:spAutoFit/>
+              </a:bodyPr>
+              <a:lstStyle/>
+              <a:p>
+                <a:pPr/>
+                <a14:m>
+                  <m:oMathPara xmlns:m="http://schemas.openxmlformats.org/officeDocument/2006/math">
+                    <m:oMathParaPr>
+                      <m:jc m:val="center"/>
+                    </m:oMathParaPr>
+                    <m:oMath xmlns:m="http://schemas.openxmlformats.org/officeDocument/2006/math">
+                      <m:r>
+                        <a:rPr kumimoji="1" lang="en-US" altLang="ja-JP" sz="2000" b="0" i="1" smtClean="0">
+                          <a:latin typeface="Cambria Math" panose="02040503050406030204" pitchFamily="18" charset="0"/>
+                        </a:rPr>
+                        <m:t>𝐼</m:t>
+                      </m:r>
+                      <m:d>
+                        <m:dPr>
+                          <m:ctrlPr>
+                            <a:rPr kumimoji="1" lang="en-US" altLang="ja-JP" sz="2000" b="0" i="1" smtClean="0">
+                              <a:latin typeface="Cambria Math" panose="02040503050406030204" pitchFamily="18" charset="0"/>
+                            </a:rPr>
+                          </m:ctrlPr>
+                        </m:dPr>
+                        <m:e>
+                          <m:r>
+                            <a:rPr kumimoji="1" lang="en-US" altLang="ja-JP" sz="2000" b="0" i="1" smtClean="0">
+                              <a:latin typeface="Cambria Math" panose="02040503050406030204" pitchFamily="18" charset="0"/>
+                            </a:rPr>
+                            <m:t>𝑡</m:t>
+                          </m:r>
+                          <m:r>
+                            <a:rPr kumimoji="1" lang="en-US" altLang="ja-JP" sz="2000" b="0" i="1" smtClean="0">
+                              <a:latin typeface="Cambria Math" panose="02040503050406030204" pitchFamily="18" charset="0"/>
+                            </a:rPr>
+                            <m:t>+</m:t>
+                          </m:r>
+                          <m:r>
+                            <a:rPr kumimoji="1" lang="en-US" altLang="ja-JP" sz="2000" b="0" i="1" smtClean="0">
+                              <a:latin typeface="Cambria Math" panose="02040503050406030204" pitchFamily="18" charset="0"/>
+                            </a:rPr>
+                            <m:t>𝑖</m:t>
+                          </m:r>
+                        </m:e>
+                      </m:d>
+                      <m:r>
+                        <a:rPr kumimoji="1" lang="en-US" altLang="ja-JP" sz="2000" b="0" i="1" smtClean="0">
+                          <a:latin typeface="Cambria Math" panose="02040503050406030204" pitchFamily="18" charset="0"/>
+                        </a:rPr>
+                        <m:t>=</m:t>
+                      </m:r>
+                      <m:r>
+                        <a:rPr kumimoji="1" lang="en-US" altLang="ja-JP" sz="2000" b="0" i="1" smtClean="0">
+                          <a:latin typeface="Cambria Math" panose="02040503050406030204" pitchFamily="18" charset="0"/>
+                        </a:rPr>
+                        <m:t>𝑅</m:t>
+                      </m:r>
+                      <m:d>
+                        <m:dPr>
+                          <m:ctrlPr>
+                            <a:rPr kumimoji="1" lang="en-US" altLang="ja-JP" sz="2000" b="0" i="1" smtClean="0">
+                              <a:latin typeface="Cambria Math" panose="02040503050406030204" pitchFamily="18" charset="0"/>
+                            </a:rPr>
+                          </m:ctrlPr>
+                        </m:dPr>
+                        <m:e>
+                          <m:r>
+                            <a:rPr kumimoji="1" lang="en-US" altLang="ja-JP" sz="2000" b="0" i="1" smtClean="0">
+                              <a:latin typeface="Cambria Math" panose="02040503050406030204" pitchFamily="18" charset="0"/>
+                            </a:rPr>
+                            <m:t>𝑡</m:t>
+                          </m:r>
+                        </m:e>
+                      </m:d>
+                      <m:r>
+                        <a:rPr kumimoji="1" lang="en-US" altLang="ja-JP" sz="2000" b="0" i="1" smtClean="0">
+                          <a:latin typeface="Cambria Math" panose="02040503050406030204" pitchFamily="18" charset="0"/>
+                        </a:rPr>
+                        <m:t>+</m:t>
+                      </m:r>
+                      <m:f>
+                        <m:fPr>
+                          <m:ctrlPr>
+                            <a:rPr kumimoji="1" lang="en-US" altLang="ja-JP" sz="2000" b="0" i="1" smtClean="0">
+                              <a:latin typeface="Cambria Math" panose="02040503050406030204" pitchFamily="18" charset="0"/>
+                            </a:rPr>
+                          </m:ctrlPr>
+                        </m:fPr>
+                        <m:num>
+                          <m:r>
+                            <a:rPr kumimoji="1" lang="en-US" altLang="ja-JP" sz="2000" b="0" i="1" smtClean="0">
+                              <a:latin typeface="Cambria Math" panose="02040503050406030204" pitchFamily="18" charset="0"/>
+                            </a:rPr>
+                            <m:t>𝑅</m:t>
+                          </m:r>
+                          <m:d>
+                            <m:dPr>
+                              <m:ctrlPr>
+                                <a:rPr kumimoji="1" lang="en-US" altLang="ja-JP" sz="2000" b="0" i="1" smtClean="0">
+                                  <a:latin typeface="Cambria Math" panose="02040503050406030204" pitchFamily="18" charset="0"/>
+                                </a:rPr>
+                              </m:ctrlPr>
+                            </m:dPr>
+                            <m:e>
+                              <m:r>
+                                <a:rPr kumimoji="1" lang="en-US" altLang="ja-JP" sz="2000" b="0" i="1" smtClean="0">
+                                  <a:latin typeface="Cambria Math" panose="02040503050406030204" pitchFamily="18" charset="0"/>
+                                </a:rPr>
+                                <m:t>𝑡</m:t>
+                              </m:r>
+                              <m:r>
+                                <a:rPr kumimoji="1" lang="en-US" altLang="ja-JP" sz="2000" b="0" i="1" smtClean="0">
+                                  <a:latin typeface="Cambria Math" panose="02040503050406030204" pitchFamily="18" charset="0"/>
+                                </a:rPr>
+                                <m:t>+</m:t>
+                              </m:r>
+                              <m:r>
+                                <a:rPr kumimoji="1" lang="en-US" altLang="ja-JP" sz="2000" b="0" i="1" smtClean="0">
+                                  <a:latin typeface="Cambria Math" panose="02040503050406030204" pitchFamily="18" charset="0"/>
+                                </a:rPr>
+                                <m:t>𝑛</m:t>
+                              </m:r>
+                            </m:e>
+                          </m:d>
+                          <m:r>
+                            <a:rPr kumimoji="1" lang="en-US" altLang="ja-JP" sz="2000" b="0" i="1" smtClean="0">
+                              <a:latin typeface="Cambria Math" panose="02040503050406030204" pitchFamily="18" charset="0"/>
+                            </a:rPr>
+                            <m:t>−</m:t>
+                          </m:r>
+                          <m:r>
+                            <a:rPr kumimoji="1" lang="en-US" altLang="ja-JP" sz="2000" b="0" i="1" smtClean="0">
+                              <a:latin typeface="Cambria Math" panose="02040503050406030204" pitchFamily="18" charset="0"/>
+                            </a:rPr>
+                            <m:t>𝑅</m:t>
+                          </m:r>
+                          <m:r>
+                            <a:rPr kumimoji="1" lang="en-US" altLang="ja-JP" sz="2000" b="0" i="1" smtClean="0">
+                              <a:latin typeface="Cambria Math" panose="02040503050406030204" pitchFamily="18" charset="0"/>
+                            </a:rPr>
+                            <m:t>(</m:t>
+                          </m:r>
+                          <m:r>
+                            <a:rPr kumimoji="1" lang="en-US" altLang="ja-JP" sz="2000" b="0" i="1" smtClean="0">
+                              <a:latin typeface="Cambria Math" panose="02040503050406030204" pitchFamily="18" charset="0"/>
+                            </a:rPr>
+                            <m:t>𝑡</m:t>
+                          </m:r>
+                          <m:r>
+                            <a:rPr kumimoji="1" lang="en-US" altLang="ja-JP" sz="2000" b="0" i="1" smtClean="0">
+                              <a:latin typeface="Cambria Math" panose="02040503050406030204" pitchFamily="18" charset="0"/>
+                            </a:rPr>
+                            <m:t>)</m:t>
+                          </m:r>
+                        </m:num>
+                        <m:den>
+                          <m:r>
+                            <a:rPr kumimoji="1" lang="en-US" altLang="ja-JP" sz="2000" b="0" i="1" smtClean="0">
+                              <a:latin typeface="Cambria Math" panose="02040503050406030204" pitchFamily="18" charset="0"/>
+                            </a:rPr>
+                            <m:t>𝑛</m:t>
+                          </m:r>
+                        </m:den>
+                      </m:f>
+                      <m:r>
+                        <a:rPr kumimoji="1" lang="en-US" altLang="ja-JP" sz="2000" b="0" i="1" smtClean="0">
+                          <a:latin typeface="Cambria Math" panose="02040503050406030204" pitchFamily="18" charset="0"/>
+                        </a:rPr>
+                        <m:t>×</m:t>
+                      </m:r>
+                      <m:r>
+                        <a:rPr kumimoji="1" lang="en-US" altLang="ja-JP" sz="2000" b="0" i="1" smtClean="0">
+                          <a:latin typeface="Cambria Math" panose="02040503050406030204" pitchFamily="18" charset="0"/>
+                        </a:rPr>
+                        <m:t>𝑖</m:t>
+                      </m:r>
+                    </m:oMath>
+                  </m:oMathPara>
+                </a14:m>
+                <a:endParaRPr kumimoji="1" lang="ja-JP" altLang="en-US" sz="2000" dirty="0"/>
+              </a:p>
+            </p:txBody>
+          </p:sp>
+        </mc:Choice>
+        <mc:Fallback>
+          <p:sp>
+            <p:nvSpPr>
+              <p:cNvPr id="44" name="テキスト ボックス 43">
+                <a:extLst>
+                  <a:ext uri="{FF2B5EF4-FFF2-40B4-BE49-F238E27FC236}">
+                    <a16:creationId xmlns:a16="http://schemas.microsoft.com/office/drawing/2014/main" id="{62ABA0D7-A2C4-4B60-8742-7CD1636CB030}"/>
+                  </a:ext>
+                </a:extLst>
+              </p:cNvPr>
+              <p:cNvSpPr txBox="1">
+                <a:spLocks noRot="1" noChangeAspect="1" noMove="1" noResize="1" noEditPoints="1" noAdjustHandles="1" noChangeArrowheads="1" noChangeShapeType="1" noTextEdit="1"/>
+              </p:cNvSpPr>
+              <p:nvPr/>
+            </p:nvSpPr>
+            <p:spPr>
+              <a:xfrm>
+                <a:off x="977645" y="3250420"/>
+                <a:ext cx="4334502" cy="689676"/>
+              </a:xfrm>
+              <a:prstGeom prst="rect">
+                <a:avLst/>
+              </a:prstGeom>
+              <a:blipFill>
+                <a:blip r:embed="rId7"/>
+                <a:stretch>
+                  <a:fillRect/>
+                </a:stretch>
+              </a:blipFill>
+            </p:spPr>
+            <p:txBody>
+              <a:bodyPr/>
+              <a:lstStyle/>
+              <a:p>
+                <a:r>
+                  <a:rPr lang="ja-JP" altLang="en-US">
+                    <a:noFill/>
+                  </a:rPr>
+                  <a:t> </a:t>
+                </a:r>
+              </a:p>
+            </p:txBody>
+          </p:sp>
+        </mc:Fallback>
+      </mc:AlternateContent>
+      <mc:AlternateContent xmlns:mc="http://schemas.openxmlformats.org/markup-compatibility/2006">
+        <mc:Choice xmlns:a14="http://schemas.microsoft.com/office/drawing/2010/main" Requires="a14">
+          <p:sp>
+            <p:nvSpPr>
+              <p:cNvPr id="47" name="テキスト ボックス 46">
+                <a:extLst>
+                  <a:ext uri="{FF2B5EF4-FFF2-40B4-BE49-F238E27FC236}">
+                    <a16:creationId xmlns:a16="http://schemas.microsoft.com/office/drawing/2014/main" id="{02113CCF-8DA4-4A02-9334-B0F28D55E61A}"/>
+                  </a:ext>
+                </a:extLst>
+              </p:cNvPr>
+              <p:cNvSpPr txBox="1"/>
+              <p:nvPr/>
+            </p:nvSpPr>
+            <p:spPr>
+              <a:xfrm>
+                <a:off x="2368430" y="5233652"/>
+                <a:ext cx="4256117" cy="689676"/>
+              </a:xfrm>
+              <a:prstGeom prst="rect">
+                <a:avLst/>
+              </a:prstGeom>
+              <a:noFill/>
+            </p:spPr>
+            <p:txBody>
+              <a:bodyPr wrap="square" rtlCol="0">
+                <a:spAutoFit/>
+              </a:bodyPr>
+              <a:lstStyle/>
+              <a:p>
+                <a14:m>
+                  <m:oMathPara xmlns:m="http://schemas.openxmlformats.org/officeDocument/2006/math">
+                    <m:oMathParaPr>
+                      <m:jc m:val="centerGroup"/>
+                    </m:oMathParaPr>
+                    <m:oMath xmlns:m="http://schemas.openxmlformats.org/officeDocument/2006/math">
+                      <m:r>
+                        <a:rPr kumimoji="1" lang="en-US" altLang="ja-JP" sz="2000" b="0" i="1" smtClean="0">
+                          <a:latin typeface="Cambria Math" panose="02040503050406030204" pitchFamily="18" charset="0"/>
+                        </a:rPr>
+                        <m:t>𝑉</m:t>
+                      </m:r>
+                      <m:d>
+                        <m:dPr>
+                          <m:ctrlPr>
+                            <a:rPr kumimoji="1" lang="en-US" altLang="ja-JP" sz="2000" b="0" i="1" smtClean="0">
+                              <a:latin typeface="Cambria Math" panose="02040503050406030204" pitchFamily="18" charset="0"/>
+                            </a:rPr>
+                          </m:ctrlPr>
+                        </m:dPr>
+                        <m:e>
+                          <m:r>
+                            <a:rPr kumimoji="1" lang="en-US" altLang="ja-JP" sz="2000" b="0" i="1" smtClean="0">
+                              <a:latin typeface="Cambria Math" panose="02040503050406030204" pitchFamily="18" charset="0"/>
+                            </a:rPr>
+                            <m:t>𝑗</m:t>
+                          </m:r>
+                        </m:e>
+                      </m:d>
+                      <m:r>
+                        <a:rPr kumimoji="1" lang="en-US" altLang="ja-JP" sz="2000" b="0" i="1" smtClean="0">
+                          <a:latin typeface="Cambria Math" panose="02040503050406030204" pitchFamily="18" charset="0"/>
+                        </a:rPr>
+                        <m:t>=</m:t>
+                      </m:r>
+                      <m:f>
+                        <m:fPr>
+                          <m:ctrlPr>
+                            <a:rPr kumimoji="1" lang="en-US" altLang="ja-JP" sz="2000" b="0" i="1" smtClean="0">
+                              <a:latin typeface="Cambria Math" panose="02040503050406030204" pitchFamily="18" charset="0"/>
+                            </a:rPr>
+                          </m:ctrlPr>
+                        </m:fPr>
+                        <m:num>
+                          <m:r>
+                            <a:rPr kumimoji="1" lang="en-US" altLang="ja-JP" sz="2000" b="0" i="1" smtClean="0">
+                              <a:latin typeface="Cambria Math" panose="02040503050406030204" pitchFamily="18" charset="0"/>
+                            </a:rPr>
+                            <m:t>𝐼</m:t>
+                          </m:r>
+                          <m:d>
+                            <m:dPr>
+                              <m:ctrlPr>
+                                <a:rPr kumimoji="1" lang="en-US" altLang="ja-JP" sz="2000" b="0" i="1" smtClean="0">
+                                  <a:latin typeface="Cambria Math" panose="02040503050406030204" pitchFamily="18" charset="0"/>
+                                </a:rPr>
+                              </m:ctrlPr>
+                            </m:dPr>
+                            <m:e>
+                              <m:r>
+                                <a:rPr kumimoji="1" lang="en-US" altLang="ja-JP" sz="2000" b="0" i="1" smtClean="0">
+                                  <a:latin typeface="Cambria Math" panose="02040503050406030204" pitchFamily="18" charset="0"/>
+                                </a:rPr>
+                                <m:t>𝑗</m:t>
+                              </m:r>
+                            </m:e>
+                          </m:d>
+                          <m:r>
+                            <a:rPr kumimoji="1" lang="en-US" altLang="ja-JP" sz="2000" b="0" i="1" smtClean="0">
+                              <a:latin typeface="Cambria Math" panose="02040503050406030204" pitchFamily="18" charset="0"/>
+                            </a:rPr>
+                            <m:t>−</m:t>
+                          </m:r>
+                          <m:r>
+                            <a:rPr kumimoji="1" lang="en-US" altLang="ja-JP" sz="2000" b="0" i="1" smtClean="0">
+                              <a:latin typeface="Cambria Math" panose="02040503050406030204" pitchFamily="18" charset="0"/>
+                            </a:rPr>
+                            <m:t>𝐼</m:t>
+                          </m:r>
+                          <m:r>
+                            <a:rPr kumimoji="1" lang="en-US" altLang="ja-JP" sz="2000" b="0" i="1" smtClean="0">
+                              <a:latin typeface="Cambria Math" panose="02040503050406030204" pitchFamily="18" charset="0"/>
+                            </a:rPr>
+                            <m:t>(</m:t>
+                          </m:r>
+                          <m:r>
+                            <a:rPr kumimoji="1" lang="en-US" altLang="ja-JP" sz="2000" b="0" i="1" smtClean="0">
+                              <a:latin typeface="Cambria Math" panose="02040503050406030204" pitchFamily="18" charset="0"/>
+                            </a:rPr>
+                            <m:t>𝑗</m:t>
+                          </m:r>
+                          <m:r>
+                            <a:rPr kumimoji="1" lang="en-US" altLang="ja-JP" sz="2000" b="0" i="1" smtClean="0">
+                              <a:latin typeface="Cambria Math" panose="02040503050406030204" pitchFamily="18" charset="0"/>
+                            </a:rPr>
+                            <m:t>−1)</m:t>
+                          </m:r>
+                        </m:num>
+                        <m:den>
+                          <m:r>
+                            <a:rPr kumimoji="1" lang="en-US" altLang="ja-JP" sz="2000" b="0" i="1" smtClean="0">
+                              <a:latin typeface="Cambria Math" panose="02040503050406030204" pitchFamily="18" charset="0"/>
+                            </a:rPr>
+                            <m:t>0.01</m:t>
+                          </m:r>
+                        </m:den>
+                      </m:f>
+                    </m:oMath>
+                  </m:oMathPara>
+                </a14:m>
+                <a:endParaRPr kumimoji="1" lang="ja-JP" altLang="en-US" sz="2000" dirty="0"/>
+              </a:p>
+            </p:txBody>
+          </p:sp>
+        </mc:Choice>
+        <mc:Fallback>
+          <p:sp>
+            <p:nvSpPr>
+              <p:cNvPr id="47" name="テキスト ボックス 46">
+                <a:extLst>
+                  <a:ext uri="{FF2B5EF4-FFF2-40B4-BE49-F238E27FC236}">
+                    <a16:creationId xmlns:a16="http://schemas.microsoft.com/office/drawing/2014/main" id="{02113CCF-8DA4-4A02-9334-B0F28D55E61A}"/>
+                  </a:ext>
+                </a:extLst>
+              </p:cNvPr>
+              <p:cNvSpPr txBox="1">
+                <a:spLocks noRot="1" noChangeAspect="1" noMove="1" noResize="1" noEditPoints="1" noAdjustHandles="1" noChangeArrowheads="1" noChangeShapeType="1" noTextEdit="1"/>
+              </p:cNvSpPr>
+              <p:nvPr/>
+            </p:nvSpPr>
+            <p:spPr>
+              <a:xfrm>
+                <a:off x="2368430" y="5233652"/>
+                <a:ext cx="4256117" cy="689676"/>
+              </a:xfrm>
+              <a:prstGeom prst="rect">
+                <a:avLst/>
+              </a:prstGeom>
+              <a:blipFill>
+                <a:blip r:embed="rId8"/>
+                <a:stretch>
+                  <a:fillRect/>
+                </a:stretch>
+              </a:blipFill>
+            </p:spPr>
+            <p:txBody>
+              <a:bodyPr/>
+              <a:lstStyle/>
+              <a:p>
+                <a:r>
+                  <a:rPr lang="ja-JP" altLang="en-US">
+                    <a:noFill/>
+                  </a:rPr>
+                  <a:t> </a:t>
+                </a:r>
+              </a:p>
+            </p:txBody>
+          </p:sp>
+        </mc:Fallback>
+      </mc:AlternateContent>
+      <p:sp>
+        <p:nvSpPr>
+          <p:cNvPr id="48" name="テキスト ボックス 47">
+            <a:extLst>
+              <a:ext uri="{FF2B5EF4-FFF2-40B4-BE49-F238E27FC236}">
+                <a16:creationId xmlns:a16="http://schemas.microsoft.com/office/drawing/2014/main" id="{F733FA0F-0683-40C6-B340-5145857ECA56}"/>
+              </a:ext>
+            </a:extLst>
+          </p:cNvPr>
+          <p:cNvSpPr txBox="1"/>
+          <p:nvPr/>
+        </p:nvSpPr>
+        <p:spPr>
+          <a:xfrm>
+            <a:off x="6192987" y="5604653"/>
+            <a:ext cx="3742613" cy="369332"/>
+          </a:xfrm>
+          <a:prstGeom prst="rect">
+            <a:avLst/>
+          </a:prstGeom>
+          <a:noFill/>
+        </p:spPr>
+        <p:txBody>
+          <a:bodyPr wrap="square" rtlCol="0">
+            <a:spAutoFit/>
+          </a:bodyPr>
+          <a:lstStyle/>
+          <a:p>
+            <a:r>
+              <a:rPr kumimoji="1" lang="en-US" altLang="ja-JP" dirty="0">
+                <a:latin typeface="Arial" panose="020B0604020202020204" pitchFamily="34" charset="0"/>
+                <a:cs typeface="Arial" panose="020B0604020202020204" pitchFamily="34" charset="0"/>
+              </a:rPr>
+              <a:t>The dataset frequency was 100 Hz.</a:t>
+            </a:r>
+            <a:endParaRPr kumimoji="1" lang="ja-JP" altLang="en-US" dirty="0">
+              <a:latin typeface="Arial" panose="020B0604020202020204" pitchFamily="34" charset="0"/>
+              <a:cs typeface="Arial" panose="020B0604020202020204" pitchFamily="34" charset="0"/>
+            </a:endParaRPr>
+          </a:p>
+        </p:txBody>
+      </p:sp>
+      <p:cxnSp>
+        <p:nvCxnSpPr>
+          <p:cNvPr id="50" name="直線矢印コネクタ 49">
+            <a:extLst>
+              <a:ext uri="{FF2B5EF4-FFF2-40B4-BE49-F238E27FC236}">
+                <a16:creationId xmlns:a16="http://schemas.microsoft.com/office/drawing/2014/main" id="{2D308EA2-FD95-4545-A388-9C4A4BD189B1}"/>
+              </a:ext>
+            </a:extLst>
+          </p:cNvPr>
+          <p:cNvCxnSpPr>
+            <a:stCxn id="48" idx="1"/>
+          </p:cNvCxnSpPr>
+          <p:nvPr/>
+        </p:nvCxnSpPr>
+        <p:spPr>
+          <a:xfrm flipH="1">
+            <a:off x="5444841" y="5789319"/>
+            <a:ext cx="748146" cy="0"/>
+          </a:xfrm>
+          <a:prstGeom prst="straightConnector1">
+            <a:avLst/>
+          </a:prstGeom>
+          <a:ln w="28575">
+            <a:solidFill>
+              <a:schemeClr val="accent1"/>
+            </a:solidFill>
+            <a:tailEnd type="triangle"/>
+          </a:ln>
+        </p:spPr>
+        <p:style>
+          <a:lnRef idx="1">
+            <a:schemeClr val="accent1"/>
+          </a:lnRef>
+          <a:fillRef idx="0">
+            <a:schemeClr val="accent1"/>
+          </a:fillRef>
+          <a:effectRef idx="0">
+            <a:schemeClr val="accent1"/>
+          </a:effectRef>
+          <a:fontRef idx="minor">
+            <a:schemeClr val="tx1"/>
+          </a:fontRef>
+        </p:style>
+      </p:cxnSp>
+    </p:spTree>
+    <p:extLst>
+      <p:ext uri="{BB962C8B-B14F-4D97-AF65-F5344CB8AC3E}">
+        <p14:creationId xmlns:p14="http://schemas.microsoft.com/office/powerpoint/2010/main" val="3844608035"/>
+      </p:ext>
+    </p:extLst>
+  </p:cSld>
+  <p:clrMapOvr>
+    <a:masterClrMapping/>
+  </p:clrMapOvr>
+  <p:timing>
+    <p:tnLst>
+      <p:par>
+        <p:cTn id="1" dur="indefinite" restart="never" nodeType="tmRoot">
+          <p:childTnLst>
+            <p:seq concurrent="1" nextAc="seek">
+              <p:cTn id="2" dur="indefinite" nodeType="mainSeq">
+                <p:childTnLst>
+                  <p:par>
+                    <p:cTn id="3" fill="hold">
+                      <p:stCondLst>
+                        <p:cond delay="indefinite"/>
+                      </p:stCondLst>
+                      <p:childTnLst>
+                        <p:par>
+                          <p:cTn id="4" fill="hold">
+                            <p:stCondLst>
+                              <p:cond delay="0"/>
+                            </p:stCondLst>
+                            <p:childTnLst>
+                              <p:par>
+                                <p:cTn id="5" presetID="10" presetClass="entr" presetSubtype="0" fill="hold" nodeType="clickEffect">
+                                  <p:stCondLst>
+                                    <p:cond delay="0"/>
+                                  </p:stCondLst>
+                                  <p:childTnLst>
+                                    <p:set>
+                                      <p:cBhvr>
+                                        <p:cTn id="6" dur="1" fill="hold">
+                                          <p:stCondLst>
+                                            <p:cond delay="0"/>
+                                          </p:stCondLst>
+                                        </p:cTn>
+                                        <p:tgtEl>
+                                          <p:spTgt spid="45"/>
+                                        </p:tgtEl>
+                                        <p:attrNameLst>
+                                          <p:attrName>style.visibility</p:attrName>
+                                        </p:attrNameLst>
+                                      </p:cBhvr>
+                                      <p:to>
+                                        <p:strVal val="visible"/>
+                                      </p:to>
+                                    </p:set>
+                                    <p:animEffect transition="in" filter="fade">
+                                      <p:cBhvr>
+                                        <p:cTn id="7" dur="500"/>
+                                        <p:tgtEl>
+                                          <p:spTgt spid="45"/>
+                                        </p:tgtEl>
+                                      </p:cBhvr>
+                                    </p:animEffect>
+                                  </p:childTnLst>
+                                </p:cTn>
+                              </p:par>
+                            </p:childTnLst>
+                          </p:cTn>
+                        </p:par>
+                      </p:childTnLst>
+                    </p:cTn>
+                  </p:par>
+                  <p:par>
+                    <p:cTn id="8" fill="hold">
+                      <p:stCondLst>
+                        <p:cond delay="indefinite"/>
+                      </p:stCondLst>
+                      <p:childTnLst>
+                        <p:par>
+                          <p:cTn id="9" fill="hold">
+                            <p:stCondLst>
+                              <p:cond delay="0"/>
+                            </p:stCondLst>
+                            <p:childTnLst>
+                              <p:par>
+                                <p:cTn id="10" presetID="10" presetClass="entr" presetSubtype="0" fill="hold" grpId="0" nodeType="clickEffect">
+                                  <p:stCondLst>
+                                    <p:cond delay="0"/>
+                                  </p:stCondLst>
+                                  <p:childTnLst>
+                                    <p:set>
+                                      <p:cBhvr>
+                                        <p:cTn id="11" dur="1" fill="hold">
+                                          <p:stCondLst>
+                                            <p:cond delay="0"/>
+                                          </p:stCondLst>
+                                        </p:cTn>
+                                        <p:tgtEl>
+                                          <p:spTgt spid="39"/>
+                                        </p:tgtEl>
+                                        <p:attrNameLst>
+                                          <p:attrName>style.visibility</p:attrName>
+                                        </p:attrNameLst>
+                                      </p:cBhvr>
+                                      <p:to>
+                                        <p:strVal val="visible"/>
+                                      </p:to>
+                                    </p:set>
+                                    <p:animEffect transition="in" filter="fade">
+                                      <p:cBhvr>
+                                        <p:cTn id="12" dur="500"/>
+                                        <p:tgtEl>
+                                          <p:spTgt spid="39"/>
+                                        </p:tgtEl>
+                                      </p:cBhvr>
+                                    </p:animEffect>
+                                  </p:childTnLst>
+                                </p:cTn>
+                              </p:par>
+                            </p:childTnLst>
+                          </p:cTn>
+                        </p:par>
+                      </p:childTnLst>
+                    </p:cTn>
+                  </p:par>
+                  <p:par>
+                    <p:cTn id="13" fill="hold">
+                      <p:stCondLst>
+                        <p:cond delay="indefinite"/>
+                      </p:stCondLst>
+                      <p:childTnLst>
+                        <p:par>
+                          <p:cTn id="14" fill="hold">
+                            <p:stCondLst>
+                              <p:cond delay="0"/>
+                            </p:stCondLst>
+                            <p:childTnLst>
+                              <p:par>
+                                <p:cTn id="15" presetID="10" presetClass="entr" presetSubtype="0" fill="hold" grpId="0" nodeType="clickEffect">
+                                  <p:stCondLst>
+                                    <p:cond delay="0"/>
+                                  </p:stCondLst>
+                                  <p:childTnLst>
+                                    <p:set>
+                                      <p:cBhvr>
+                                        <p:cTn id="16" dur="1" fill="hold">
+                                          <p:stCondLst>
+                                            <p:cond delay="0"/>
+                                          </p:stCondLst>
+                                        </p:cTn>
+                                        <p:tgtEl>
+                                          <p:spTgt spid="31"/>
+                                        </p:tgtEl>
+                                        <p:attrNameLst>
+                                          <p:attrName>style.visibility</p:attrName>
+                                        </p:attrNameLst>
+                                      </p:cBhvr>
+                                      <p:to>
+                                        <p:strVal val="visible"/>
+                                      </p:to>
+                                    </p:set>
+                                    <p:animEffect transition="in" filter="fade">
+                                      <p:cBhvr>
+                                        <p:cTn id="17" dur="500"/>
+                                        <p:tgtEl>
+                                          <p:spTgt spid="31"/>
+                                        </p:tgtEl>
+                                      </p:cBhvr>
+                                    </p:animEffect>
+                                  </p:childTnLst>
+                                </p:cTn>
+                              </p:par>
+                            </p:childTnLst>
+                          </p:cTn>
+                        </p:par>
+                      </p:childTnLst>
+                    </p:cTn>
+                  </p:par>
+                  <p:par>
+                    <p:cTn id="18" fill="hold">
+                      <p:stCondLst>
+                        <p:cond delay="indefinite"/>
+                      </p:stCondLst>
+                      <p:childTnLst>
+                        <p:par>
+                          <p:cTn id="19" fill="hold">
+                            <p:stCondLst>
+                              <p:cond delay="0"/>
+                            </p:stCondLst>
+                            <p:childTnLst>
+                              <p:par>
+                                <p:cTn id="20" presetID="10" presetClass="entr" presetSubtype="0" fill="hold" grpId="0" nodeType="clickEffect">
+                                  <p:stCondLst>
+                                    <p:cond delay="0"/>
+                                  </p:stCondLst>
+                                  <p:childTnLst>
+                                    <p:set>
+                                      <p:cBhvr>
+                                        <p:cTn id="21" dur="1" fill="hold">
+                                          <p:stCondLst>
+                                            <p:cond delay="0"/>
+                                          </p:stCondLst>
+                                        </p:cTn>
+                                        <p:tgtEl>
+                                          <p:spTgt spid="43"/>
+                                        </p:tgtEl>
+                                        <p:attrNameLst>
+                                          <p:attrName>style.visibility</p:attrName>
+                                        </p:attrNameLst>
+                                      </p:cBhvr>
+                                      <p:to>
+                                        <p:strVal val="visible"/>
+                                      </p:to>
+                                    </p:set>
+                                    <p:animEffect transition="in" filter="fade">
+                                      <p:cBhvr>
+                                        <p:cTn id="22" dur="500"/>
+                                        <p:tgtEl>
+                                          <p:spTgt spid="43"/>
+                                        </p:tgtEl>
+                                      </p:cBhvr>
+                                    </p:animEffect>
+                                  </p:childTnLst>
+                                </p:cTn>
+                              </p:par>
+                            </p:childTnLst>
+                          </p:cTn>
+                        </p:par>
+                      </p:childTnLst>
+                    </p:cTn>
+                  </p:par>
+                  <p:par>
+                    <p:cTn id="23" fill="hold">
+                      <p:stCondLst>
+                        <p:cond delay="indefinite"/>
+                      </p:stCondLst>
+                      <p:childTnLst>
+                        <p:par>
+                          <p:cTn id="24" fill="hold">
+                            <p:stCondLst>
+                              <p:cond delay="0"/>
+                            </p:stCondLst>
+                            <p:childTnLst>
+                              <p:par>
+                                <p:cTn id="25" presetID="10" presetClass="entr" presetSubtype="0" fill="hold" grpId="0" nodeType="clickEffect">
+                                  <p:stCondLst>
+                                    <p:cond delay="0"/>
+                                  </p:stCondLst>
+                                  <p:childTnLst>
+                                    <p:set>
+                                      <p:cBhvr>
+                                        <p:cTn id="26" dur="1" fill="hold">
+                                          <p:stCondLst>
+                                            <p:cond delay="0"/>
+                                          </p:stCondLst>
+                                        </p:cTn>
+                                        <p:tgtEl>
+                                          <p:spTgt spid="48"/>
+                                        </p:tgtEl>
+                                        <p:attrNameLst>
+                                          <p:attrName>style.visibility</p:attrName>
+                                        </p:attrNameLst>
+                                      </p:cBhvr>
+                                      <p:to>
+                                        <p:strVal val="visible"/>
+                                      </p:to>
+                                    </p:set>
+                                    <p:animEffect transition="in" filter="fade">
+                                      <p:cBhvr>
+                                        <p:cTn id="27" dur="500"/>
+                                        <p:tgtEl>
+                                          <p:spTgt spid="48"/>
+                                        </p:tgtEl>
+                                      </p:cBhvr>
+                                    </p:animEffect>
+                                  </p:childTnLst>
+                                </p:cTn>
+                              </p:par>
+                              <p:par>
+                                <p:cTn id="28" presetID="10" presetClass="entr" presetSubtype="0" fill="hold" nodeType="withEffect">
+                                  <p:stCondLst>
+                                    <p:cond delay="0"/>
+                                  </p:stCondLst>
+                                  <p:childTnLst>
+                                    <p:set>
+                                      <p:cBhvr>
+                                        <p:cTn id="29" dur="1" fill="hold">
+                                          <p:stCondLst>
+                                            <p:cond delay="0"/>
+                                          </p:stCondLst>
+                                        </p:cTn>
+                                        <p:tgtEl>
+                                          <p:spTgt spid="50"/>
+                                        </p:tgtEl>
+                                        <p:attrNameLst>
+                                          <p:attrName>style.visibility</p:attrName>
+                                        </p:attrNameLst>
+                                      </p:cBhvr>
+                                      <p:to>
+                                        <p:strVal val="visible"/>
+                                      </p:to>
+                                    </p:set>
+                                    <p:animEffect transition="in" filter="fade">
+                                      <p:cBhvr>
+                                        <p:cTn id="30" dur="500"/>
+                                        <p:tgtEl>
+                                          <p:spTgt spid="50"/>
+                                        </p:tgtEl>
+                                      </p:cBhvr>
+                                    </p:animEffect>
+                                  </p:childTnLst>
+                                </p:cTn>
+                              </p:par>
+                            </p:childTnLst>
+                          </p:cTn>
+                        </p:par>
+                      </p:childTnLst>
+                    </p:cTn>
+                  </p:par>
+                </p:childTnLst>
+              </p:cTn>
+              <p:prevCondLst>
+                <p:cond evt="onPrev" delay="0">
+                  <p:tgtEl>
+                    <p:sldTgt/>
+                  </p:tgtEl>
+                </p:cond>
+              </p:prevCondLst>
+              <p:nextCondLst>
+                <p:cond evt="onNext" delay="0">
+                  <p:tgtEl>
+                    <p:sldTgt/>
+                  </p:tgtEl>
+                </p:cond>
+              </p:nextCondLst>
+            </p:seq>
+          </p:childTnLst>
+        </p:cTn>
+      </p:par>
+    </p:tnLst>
+    <p:bldLst>
+      <p:bldP spid="31" grpId="0"/>
+      <p:bldP spid="39" grpId="0"/>
+      <p:bldP spid="43" grpId="0"/>
+      <p:bldP spid="48" grpId="0"/>
+    </p:bldLst>
+  </p:timing>
 </p:sld>
 </file>
 

--- a/paper/ABC2021BentoChallenge/ABC2021.pptx
+++ b/paper/ABC2021BentoChallenge/ABC2021.pptx
@@ -5,7 +5,7 @@
     <p:sldMasterId id="2147483648" r:id="rId1"/>
   </p:sldMasterIdLst>
   <p:notesMasterIdLst>
-    <p:notesMasterId r:id="rId8"/>
+    <p:notesMasterId r:id="rId9"/>
   </p:notesMasterIdLst>
   <p:sldIdLst>
     <p:sldId id="256" r:id="rId2"/>
@@ -14,6 +14,7 @@
     <p:sldId id="259" r:id="rId5"/>
     <p:sldId id="260" r:id="rId6"/>
     <p:sldId id="261" r:id="rId7"/>
+    <p:sldId id="262" r:id="rId8"/>
   </p:sldIdLst>
   <p:sldSz cx="12192000" cy="6858000"/>
   <p:notesSz cx="6858000" cy="9144000"/>
@@ -453,7 +454,7 @@
           <a:p>
             <a:fld id="{4422507A-29CE-4FCB-8EEC-8E792EA02E35}" type="datetimeFigureOut">
               <a:rPr kumimoji="1" lang="ja-JP" altLang="en-US" smtClean="0"/>
-              <a:t>2021/9/5</a:t>
+              <a:t>2021/9/6</a:t>
             </a:fld>
             <a:endParaRPr kumimoji="1" lang="ja-JP" altLang="en-US"/>
           </a:p>
@@ -837,7 +838,7 @@
           <a:p>
             <a:fld id="{A98D3432-C38B-446E-969A-78567292025D}" type="datetime1">
               <a:rPr kumimoji="1" lang="ja-JP" altLang="en-US" smtClean="0"/>
-              <a:t>2021/9/5</a:t>
+              <a:t>2021/9/6</a:t>
             </a:fld>
             <a:endParaRPr kumimoji="1" lang="ja-JP" altLang="en-US"/>
           </a:p>
@@ -1338,7 +1339,7 @@
           <a:p>
             <a:fld id="{05B662BA-D465-4C44-BE2B-F2A8D4F2B289}" type="datetime1">
               <a:rPr kumimoji="1" lang="ja-JP" altLang="en-US" smtClean="0"/>
-              <a:t>2021/9/5</a:t>
+              <a:t>2021/9/6</a:t>
             </a:fld>
             <a:endParaRPr kumimoji="1" lang="ja-JP" altLang="en-US"/>
           </a:p>
@@ -1578,7 +1579,7 @@
           <a:p>
             <a:fld id="{A4B4DDCD-FB98-44E4-BDAA-3DB16A47270F}" type="datetime1">
               <a:rPr kumimoji="1" lang="ja-JP" altLang="en-US" smtClean="0"/>
-              <a:t>2021/9/5</a:t>
+              <a:t>2021/9/6</a:t>
             </a:fld>
             <a:endParaRPr kumimoji="1" lang="ja-JP" altLang="en-US"/>
           </a:p>
@@ -1861,7 +1862,7 @@
           <a:p>
             <a:fld id="{DFD2984D-04FA-418A-85DE-0DB3CB16783E}" type="datetime1">
               <a:rPr kumimoji="1" lang="ja-JP" altLang="en-US" smtClean="0"/>
-              <a:t>2021/9/5</a:t>
+              <a:t>2021/9/6</a:t>
             </a:fld>
             <a:endParaRPr kumimoji="1" lang="ja-JP" altLang="en-US"/>
           </a:p>
@@ -2310,7 +2311,7 @@
           <a:p>
             <a:fld id="{4CBACEDF-020F-4270-BF0A-980F8136E038}" type="datetime1">
               <a:rPr kumimoji="1" lang="ja-JP" altLang="en-US" smtClean="0"/>
-              <a:t>2021/9/5</a:t>
+              <a:t>2021/9/6</a:t>
             </a:fld>
             <a:endParaRPr kumimoji="1" lang="ja-JP" altLang="en-US"/>
           </a:p>
@@ -2639,7 +2640,7 @@
           <a:p>
             <a:fld id="{777E2237-9B3F-4231-B30C-59668B530BD1}" type="datetime1">
               <a:rPr kumimoji="1" lang="ja-JP" altLang="en-US" smtClean="0"/>
-              <a:t>2021/9/5</a:t>
+              <a:t>2021/9/6</a:t>
             </a:fld>
             <a:endParaRPr kumimoji="1" lang="ja-JP" altLang="en-US"/>
           </a:p>
@@ -3115,7 +3116,7 @@
           <a:p>
             <a:fld id="{FC32FA7D-BC1F-4F29-8624-3C079AC63AB5}" type="datetime1">
               <a:rPr kumimoji="1" lang="ja-JP" altLang="en-US" smtClean="0"/>
-              <a:t>2021/9/5</a:t>
+              <a:t>2021/9/6</a:t>
             </a:fld>
             <a:endParaRPr kumimoji="1" lang="ja-JP" altLang="en-US"/>
           </a:p>
@@ -3256,7 +3257,7 @@
           <a:p>
             <a:fld id="{3C84FD27-4E70-444C-BEAA-8F4375C442D0}" type="datetime1">
               <a:rPr kumimoji="1" lang="ja-JP" altLang="en-US" smtClean="0"/>
-              <a:t>2021/9/5</a:t>
+              <a:t>2021/9/6</a:t>
             </a:fld>
             <a:endParaRPr kumimoji="1" lang="ja-JP" altLang="en-US"/>
           </a:p>
@@ -3369,7 +3370,7 @@
           <a:p>
             <a:fld id="{948AA4EF-B642-4876-A0D8-C1A1222FECFF}" type="datetime1">
               <a:rPr kumimoji="1" lang="ja-JP" altLang="en-US" smtClean="0"/>
-              <a:t>2021/9/5</a:t>
+              <a:t>2021/9/6</a:t>
             </a:fld>
             <a:endParaRPr kumimoji="1" lang="ja-JP" altLang="en-US"/>
           </a:p>
@@ -3712,7 +3713,7 @@
           <a:p>
             <a:fld id="{11B8299D-EABC-4EEB-90B0-DD13FA256803}" type="datetime1">
               <a:rPr kumimoji="1" lang="ja-JP" altLang="en-US" smtClean="0"/>
-              <a:t>2021/9/5</a:t>
+              <a:t>2021/9/6</a:t>
             </a:fld>
             <a:endParaRPr kumimoji="1" lang="ja-JP" altLang="en-US"/>
           </a:p>
@@ -4000,7 +4001,7 @@
           <a:p>
             <a:fld id="{2CB9F4AB-19AE-4711-AA92-655F76F7355A}" type="datetime1">
               <a:rPr kumimoji="1" lang="ja-JP" altLang="en-US" smtClean="0"/>
-              <a:t>2021/9/5</a:t>
+              <a:t>2021/9/6</a:t>
             </a:fld>
             <a:endParaRPr kumimoji="1" lang="ja-JP" altLang="en-US"/>
           </a:p>
@@ -4273,7 +4274,7 @@
           <a:p>
             <a:fld id="{10A34200-B792-42A2-9C71-FE89F6DBFDEA}" type="datetime1">
               <a:rPr kumimoji="1" lang="ja-JP" altLang="en-US" smtClean="0"/>
-              <a:t>2021/9/5</a:t>
+              <a:t>2021/9/6</a:t>
             </a:fld>
             <a:endParaRPr kumimoji="1" lang="ja-JP" altLang="en-US"/>
           </a:p>
@@ -5126,7 +5127,7 @@
             <p:ph idx="1"/>
             <p:extLst>
               <p:ext uri="{D42A27DB-BD31-4B8C-83A1-F6EECF244321}">
-                <p14:modId xmlns:p14="http://schemas.microsoft.com/office/powerpoint/2010/main" val="3086488630"/>
+                <p14:modId xmlns:p14="http://schemas.microsoft.com/office/powerpoint/2010/main" val="1292989666"/>
               </p:ext>
             </p:extLst>
           </p:nvPr>
@@ -5172,10 +5173,16 @@
                     <a:p>
                       <a:pPr algn="ctr"/>
                       <a:r>
-                        <a:rPr kumimoji="1" lang="en-US" altLang="ja-JP" dirty="0"/>
+                        <a:rPr kumimoji="1" lang="en-US" altLang="ja-JP" dirty="0">
+                          <a:latin typeface="Arial" panose="020B0604020202020204" pitchFamily="34" charset="0"/>
+                          <a:cs typeface="Arial" panose="020B0604020202020204" pitchFamily="34" charset="0"/>
+                        </a:rPr>
                         <a:t>Activity name</a:t>
                       </a:r>
-                      <a:endParaRPr kumimoji="1" lang="ja-JP" altLang="en-US" dirty="0"/>
+                      <a:endParaRPr kumimoji="1" lang="ja-JP" altLang="en-US" dirty="0">
+                        <a:latin typeface="Arial" panose="020B0604020202020204" pitchFamily="34" charset="0"/>
+                        <a:cs typeface="Arial" panose="020B0604020202020204" pitchFamily="34" charset="0"/>
+                      </a:endParaRPr>
                     </a:p>
                   </a:txBody>
                   <a:tcPr/>
@@ -5187,10 +5194,16 @@
                     <a:p>
                       <a:pPr algn="ctr"/>
                       <a:r>
-                        <a:rPr kumimoji="1" lang="en-US" altLang="ja-JP" dirty="0"/>
+                        <a:rPr kumimoji="1" lang="en-US" altLang="ja-JP" dirty="0">
+                          <a:latin typeface="Arial" panose="020B0604020202020204" pitchFamily="34" charset="0"/>
+                          <a:cs typeface="Arial" panose="020B0604020202020204" pitchFamily="34" charset="0"/>
+                        </a:rPr>
                         <a:t>Movement direction pattern</a:t>
                       </a:r>
-                      <a:endParaRPr kumimoji="1" lang="ja-JP" altLang="en-US" dirty="0"/>
+                      <a:endParaRPr kumimoji="1" lang="ja-JP" altLang="en-US" dirty="0">
+                        <a:latin typeface="Arial" panose="020B0604020202020204" pitchFamily="34" charset="0"/>
+                        <a:cs typeface="Arial" panose="020B0604020202020204" pitchFamily="34" charset="0"/>
+                      </a:endParaRPr>
                     </a:p>
                   </a:txBody>
                   <a:tcPr/>
@@ -5202,10 +5215,16 @@
                     <a:p>
                       <a:pPr algn="ctr"/>
                       <a:r>
-                        <a:rPr kumimoji="1" lang="en-US" altLang="ja-JP" dirty="0"/>
+                        <a:rPr kumimoji="1" lang="en-US" altLang="ja-JP" dirty="0">
+                          <a:latin typeface="Arial" panose="020B0604020202020204" pitchFamily="34" charset="0"/>
+                          <a:cs typeface="Arial" panose="020B0604020202020204" pitchFamily="34" charset="0"/>
+                        </a:rPr>
                         <a:t>Activity label</a:t>
                       </a:r>
-                      <a:endParaRPr kumimoji="1" lang="ja-JP" altLang="en-US" dirty="0"/>
+                      <a:endParaRPr kumimoji="1" lang="ja-JP" altLang="en-US" dirty="0">
+                        <a:latin typeface="Arial" panose="020B0604020202020204" pitchFamily="34" charset="0"/>
+                        <a:cs typeface="Arial" panose="020B0604020202020204" pitchFamily="34" charset="0"/>
+                      </a:endParaRPr>
                     </a:p>
                   </a:txBody>
                   <a:tcPr/>
@@ -5245,10 +5264,16 @@
                     <a:p>
                       <a:pPr algn="ctr"/>
                       <a:r>
-                        <a:rPr kumimoji="1" lang="en-US" altLang="ja-JP" dirty="0"/>
+                        <a:rPr kumimoji="1" lang="en-US" altLang="ja-JP" dirty="0">
+                          <a:latin typeface="Arial" panose="020B0604020202020204" pitchFamily="34" charset="0"/>
+                          <a:cs typeface="Arial" panose="020B0604020202020204" pitchFamily="34" charset="0"/>
+                        </a:rPr>
                         <a:t>Inward</a:t>
                       </a:r>
-                      <a:endParaRPr kumimoji="1" lang="ja-JP" altLang="en-US" dirty="0"/>
+                      <a:endParaRPr kumimoji="1" lang="ja-JP" altLang="en-US" dirty="0">
+                        <a:latin typeface="Arial" panose="020B0604020202020204" pitchFamily="34" charset="0"/>
+                        <a:cs typeface="Arial" panose="020B0604020202020204" pitchFamily="34" charset="0"/>
+                      </a:endParaRPr>
                     </a:p>
                   </a:txBody>
                   <a:tcPr/>
@@ -5260,10 +5285,16 @@
                     <a:p>
                       <a:pPr algn="ctr"/>
                       <a:r>
-                        <a:rPr kumimoji="1" lang="en-US" altLang="ja-JP" dirty="0"/>
+                        <a:rPr kumimoji="1" lang="en-US" altLang="ja-JP" dirty="0">
+                          <a:latin typeface="Arial" panose="020B0604020202020204" pitchFamily="34" charset="0"/>
+                          <a:cs typeface="Arial" panose="020B0604020202020204" pitchFamily="34" charset="0"/>
+                        </a:rPr>
                         <a:t>1</a:t>
                       </a:r>
-                      <a:endParaRPr kumimoji="1" lang="ja-JP" altLang="en-US" dirty="0"/>
+                      <a:endParaRPr kumimoji="1" lang="ja-JP" altLang="en-US" dirty="0">
+                        <a:latin typeface="Arial" panose="020B0604020202020204" pitchFamily="34" charset="0"/>
+                        <a:cs typeface="Arial" panose="020B0604020202020204" pitchFamily="34" charset="0"/>
+                      </a:endParaRPr>
                     </a:p>
                   </a:txBody>
                   <a:tcPr/>
@@ -5296,13 +5327,16 @@
                           <a:solidFill>
                             <a:schemeClr val="dk1"/>
                           </a:solidFill>
-                          <a:latin typeface="+mn-lt"/>
+                          <a:latin typeface="Arial" panose="020B0604020202020204" pitchFamily="34" charset="0"/>
                           <a:ea typeface="+mn-ea"/>
-                          <a:cs typeface="+mn-cs"/>
+                          <a:cs typeface="Arial" panose="020B0604020202020204" pitchFamily="34" charset="0"/>
                         </a:rPr>
                         <a:t>Outward</a:t>
                       </a:r>
-                      <a:endParaRPr kumimoji="1" lang="ja-JP" altLang="en-US" dirty="0"/>
+                      <a:endParaRPr kumimoji="1" lang="ja-JP" altLang="en-US" dirty="0">
+                        <a:latin typeface="Arial" panose="020B0604020202020204" pitchFamily="34" charset="0"/>
+                        <a:cs typeface="Arial" panose="020B0604020202020204" pitchFamily="34" charset="0"/>
+                      </a:endParaRPr>
                     </a:p>
                   </a:txBody>
                   <a:tcPr/>
@@ -5314,10 +5348,16 @@
                     <a:p>
                       <a:pPr algn="ctr"/>
                       <a:r>
-                        <a:rPr kumimoji="1" lang="en-US" altLang="ja-JP" dirty="0"/>
+                        <a:rPr kumimoji="1" lang="en-US" altLang="ja-JP" dirty="0">
+                          <a:latin typeface="Arial" panose="020B0604020202020204" pitchFamily="34" charset="0"/>
+                          <a:cs typeface="Arial" panose="020B0604020202020204" pitchFamily="34" charset="0"/>
+                        </a:rPr>
                         <a:t>2</a:t>
                       </a:r>
-                      <a:endParaRPr kumimoji="1" lang="ja-JP" altLang="en-US" dirty="0"/>
+                      <a:endParaRPr kumimoji="1" lang="ja-JP" altLang="en-US" dirty="0">
+                        <a:latin typeface="Arial" panose="020B0604020202020204" pitchFamily="34" charset="0"/>
+                        <a:cs typeface="Arial" panose="020B0604020202020204" pitchFamily="34" charset="0"/>
+                      </a:endParaRPr>
                     </a:p>
                   </a:txBody>
                   <a:tcPr/>
@@ -5361,13 +5401,16 @@
                           <a:solidFill>
                             <a:schemeClr val="dk1"/>
                           </a:solidFill>
-                          <a:latin typeface="+mn-lt"/>
+                          <a:latin typeface="Arial" panose="020B0604020202020204" pitchFamily="34" charset="0"/>
                           <a:ea typeface="+mn-ea"/>
-                          <a:cs typeface="+mn-cs"/>
+                          <a:cs typeface="Arial" panose="020B0604020202020204" pitchFamily="34" charset="0"/>
                         </a:rPr>
                         <a:t>Inward</a:t>
                       </a:r>
-                      <a:endParaRPr kumimoji="1" lang="ja-JP" altLang="en-US" dirty="0"/>
+                      <a:endParaRPr kumimoji="1" lang="ja-JP" altLang="en-US" dirty="0">
+                        <a:latin typeface="Arial" panose="020B0604020202020204" pitchFamily="34" charset="0"/>
+                        <a:cs typeface="Arial" panose="020B0604020202020204" pitchFamily="34" charset="0"/>
+                      </a:endParaRPr>
                     </a:p>
                   </a:txBody>
                   <a:tcPr/>
@@ -5379,10 +5422,16 @@
                     <a:p>
                       <a:pPr algn="ctr"/>
                       <a:r>
-                        <a:rPr kumimoji="1" lang="en-US" altLang="ja-JP" dirty="0"/>
+                        <a:rPr kumimoji="1" lang="en-US" altLang="ja-JP" dirty="0">
+                          <a:latin typeface="Arial" panose="020B0604020202020204" pitchFamily="34" charset="0"/>
+                          <a:cs typeface="Arial" panose="020B0604020202020204" pitchFamily="34" charset="0"/>
+                        </a:rPr>
                         <a:t>3</a:t>
                       </a:r>
-                      <a:endParaRPr kumimoji="1" lang="ja-JP" altLang="en-US" dirty="0"/>
+                      <a:endParaRPr kumimoji="1" lang="ja-JP" altLang="en-US" dirty="0">
+                        <a:latin typeface="Arial" panose="020B0604020202020204" pitchFamily="34" charset="0"/>
+                        <a:cs typeface="Arial" panose="020B0604020202020204" pitchFamily="34" charset="0"/>
+                      </a:endParaRPr>
                     </a:p>
                   </a:txBody>
                   <a:tcPr/>
@@ -5415,13 +5464,16 @@
                           <a:solidFill>
                             <a:schemeClr val="dk1"/>
                           </a:solidFill>
-                          <a:latin typeface="+mn-lt"/>
+                          <a:latin typeface="Arial" panose="020B0604020202020204" pitchFamily="34" charset="0"/>
                           <a:ea typeface="+mn-ea"/>
-                          <a:cs typeface="+mn-cs"/>
+                          <a:cs typeface="Arial" panose="020B0604020202020204" pitchFamily="34" charset="0"/>
                         </a:rPr>
                         <a:t>Outward</a:t>
                       </a:r>
-                      <a:endParaRPr kumimoji="1" lang="ja-JP" altLang="en-US" dirty="0"/>
+                      <a:endParaRPr kumimoji="1" lang="ja-JP" altLang="en-US" dirty="0">
+                        <a:latin typeface="Arial" panose="020B0604020202020204" pitchFamily="34" charset="0"/>
+                        <a:cs typeface="Arial" panose="020B0604020202020204" pitchFamily="34" charset="0"/>
+                      </a:endParaRPr>
                     </a:p>
                   </a:txBody>
                   <a:tcPr/>
@@ -5433,10 +5485,16 @@
                     <a:p>
                       <a:pPr algn="ctr"/>
                       <a:r>
-                        <a:rPr kumimoji="1" lang="en-US" altLang="ja-JP" dirty="0"/>
+                        <a:rPr kumimoji="1" lang="en-US" altLang="ja-JP" dirty="0">
+                          <a:latin typeface="Arial" panose="020B0604020202020204" pitchFamily="34" charset="0"/>
+                          <a:cs typeface="Arial" panose="020B0604020202020204" pitchFamily="34" charset="0"/>
+                        </a:rPr>
                         <a:t>4</a:t>
                       </a:r>
-                      <a:endParaRPr kumimoji="1" lang="ja-JP" altLang="en-US" dirty="0"/>
+                      <a:endParaRPr kumimoji="1" lang="ja-JP" altLang="en-US" dirty="0">
+                        <a:latin typeface="Arial" panose="020B0604020202020204" pitchFamily="34" charset="0"/>
+                        <a:cs typeface="Arial" panose="020B0604020202020204" pitchFamily="34" charset="0"/>
+                      </a:endParaRPr>
                     </a:p>
                   </a:txBody>
                   <a:tcPr/>
@@ -5480,13 +5538,16 @@
                           <a:solidFill>
                             <a:schemeClr val="dk1"/>
                           </a:solidFill>
-                          <a:latin typeface="+mn-lt"/>
+                          <a:latin typeface="Arial" panose="020B0604020202020204" pitchFamily="34" charset="0"/>
                           <a:ea typeface="+mn-ea"/>
-                          <a:cs typeface="+mn-cs"/>
+                          <a:cs typeface="Arial" panose="020B0604020202020204" pitchFamily="34" charset="0"/>
                         </a:rPr>
                         <a:t>Inward</a:t>
                       </a:r>
-                      <a:endParaRPr kumimoji="1" lang="ja-JP" altLang="en-US" dirty="0"/>
+                      <a:endParaRPr kumimoji="1" lang="ja-JP" altLang="en-US" dirty="0">
+                        <a:latin typeface="Arial" panose="020B0604020202020204" pitchFamily="34" charset="0"/>
+                        <a:cs typeface="Arial" panose="020B0604020202020204" pitchFamily="34" charset="0"/>
+                      </a:endParaRPr>
                     </a:p>
                   </a:txBody>
                   <a:tcPr/>
@@ -5498,10 +5559,16 @@
                     <a:p>
                       <a:pPr algn="ctr"/>
                       <a:r>
-                        <a:rPr kumimoji="1" lang="en-US" altLang="ja-JP" dirty="0"/>
+                        <a:rPr kumimoji="1" lang="en-US" altLang="ja-JP" dirty="0">
+                          <a:latin typeface="Arial" panose="020B0604020202020204" pitchFamily="34" charset="0"/>
+                          <a:cs typeface="Arial" panose="020B0604020202020204" pitchFamily="34" charset="0"/>
+                        </a:rPr>
                         <a:t>5</a:t>
                       </a:r>
-                      <a:endParaRPr kumimoji="1" lang="ja-JP" altLang="en-US" dirty="0"/>
+                      <a:endParaRPr kumimoji="1" lang="ja-JP" altLang="en-US" dirty="0">
+                        <a:latin typeface="Arial" panose="020B0604020202020204" pitchFamily="34" charset="0"/>
+                        <a:cs typeface="Arial" panose="020B0604020202020204" pitchFamily="34" charset="0"/>
+                      </a:endParaRPr>
                     </a:p>
                   </a:txBody>
                   <a:tcPr/>
@@ -5534,13 +5601,16 @@
                           <a:solidFill>
                             <a:schemeClr val="dk1"/>
                           </a:solidFill>
-                          <a:latin typeface="+mn-lt"/>
+                          <a:latin typeface="Arial" panose="020B0604020202020204" pitchFamily="34" charset="0"/>
                           <a:ea typeface="+mn-ea"/>
-                          <a:cs typeface="+mn-cs"/>
+                          <a:cs typeface="Arial" panose="020B0604020202020204" pitchFamily="34" charset="0"/>
                         </a:rPr>
                         <a:t>Outward</a:t>
                       </a:r>
-                      <a:endParaRPr kumimoji="1" lang="ja-JP" altLang="en-US" dirty="0"/>
+                      <a:endParaRPr kumimoji="1" lang="ja-JP" altLang="en-US" dirty="0">
+                        <a:latin typeface="Arial" panose="020B0604020202020204" pitchFamily="34" charset="0"/>
+                        <a:cs typeface="Arial" panose="020B0604020202020204" pitchFamily="34" charset="0"/>
+                      </a:endParaRPr>
                     </a:p>
                   </a:txBody>
                   <a:tcPr/>
@@ -5552,10 +5622,16 @@
                     <a:p>
                       <a:pPr algn="ctr"/>
                       <a:r>
-                        <a:rPr kumimoji="1" lang="en-US" altLang="ja-JP" dirty="0"/>
+                        <a:rPr kumimoji="1" lang="en-US" altLang="ja-JP" dirty="0">
+                          <a:latin typeface="Arial" panose="020B0604020202020204" pitchFamily="34" charset="0"/>
+                          <a:cs typeface="Arial" panose="020B0604020202020204" pitchFamily="34" charset="0"/>
+                        </a:rPr>
                         <a:t>6</a:t>
                       </a:r>
-                      <a:endParaRPr kumimoji="1" lang="ja-JP" altLang="en-US" dirty="0"/>
+                      <a:endParaRPr kumimoji="1" lang="ja-JP" altLang="en-US" dirty="0">
+                        <a:latin typeface="Arial" panose="020B0604020202020204" pitchFamily="34" charset="0"/>
+                        <a:cs typeface="Arial" panose="020B0604020202020204" pitchFamily="34" charset="0"/>
+                      </a:endParaRPr>
                     </a:p>
                   </a:txBody>
                   <a:tcPr/>
@@ -5599,13 +5675,16 @@
                           <a:solidFill>
                             <a:schemeClr val="dk1"/>
                           </a:solidFill>
-                          <a:latin typeface="+mn-lt"/>
+                          <a:latin typeface="Arial" panose="020B0604020202020204" pitchFamily="34" charset="0"/>
                           <a:ea typeface="+mn-ea"/>
-                          <a:cs typeface="+mn-cs"/>
+                          <a:cs typeface="Arial" panose="020B0604020202020204" pitchFamily="34" charset="0"/>
                         </a:rPr>
                         <a:t>Inward</a:t>
                       </a:r>
-                      <a:endParaRPr kumimoji="1" lang="ja-JP" altLang="en-US" dirty="0"/>
+                      <a:endParaRPr kumimoji="1" lang="ja-JP" altLang="en-US" dirty="0">
+                        <a:latin typeface="Arial" panose="020B0604020202020204" pitchFamily="34" charset="0"/>
+                        <a:cs typeface="Arial" panose="020B0604020202020204" pitchFamily="34" charset="0"/>
+                      </a:endParaRPr>
                     </a:p>
                   </a:txBody>
                   <a:tcPr/>
@@ -5617,10 +5696,16 @@
                     <a:p>
                       <a:pPr algn="ctr"/>
                       <a:r>
-                        <a:rPr kumimoji="1" lang="en-US" altLang="ja-JP" dirty="0"/>
+                        <a:rPr kumimoji="1" lang="en-US" altLang="ja-JP" dirty="0">
+                          <a:latin typeface="Arial" panose="020B0604020202020204" pitchFamily="34" charset="0"/>
+                          <a:cs typeface="Arial" panose="020B0604020202020204" pitchFamily="34" charset="0"/>
+                        </a:rPr>
                         <a:t>7</a:t>
                       </a:r>
-                      <a:endParaRPr kumimoji="1" lang="ja-JP" altLang="en-US" dirty="0"/>
+                      <a:endParaRPr kumimoji="1" lang="ja-JP" altLang="en-US" dirty="0">
+                        <a:latin typeface="Arial" panose="020B0604020202020204" pitchFamily="34" charset="0"/>
+                        <a:cs typeface="Arial" panose="020B0604020202020204" pitchFamily="34" charset="0"/>
+                      </a:endParaRPr>
                     </a:p>
                   </a:txBody>
                   <a:tcPr/>
@@ -5653,13 +5738,16 @@
                           <a:solidFill>
                             <a:schemeClr val="dk1"/>
                           </a:solidFill>
-                          <a:latin typeface="+mn-lt"/>
+                          <a:latin typeface="Arial" panose="020B0604020202020204" pitchFamily="34" charset="0"/>
                           <a:ea typeface="+mn-ea"/>
-                          <a:cs typeface="+mn-cs"/>
+                          <a:cs typeface="Arial" panose="020B0604020202020204" pitchFamily="34" charset="0"/>
                         </a:rPr>
                         <a:t>Outward</a:t>
                       </a:r>
-                      <a:endParaRPr kumimoji="1" lang="ja-JP" altLang="en-US" dirty="0"/>
+                      <a:endParaRPr kumimoji="1" lang="ja-JP" altLang="en-US" dirty="0">
+                        <a:latin typeface="Arial" panose="020B0604020202020204" pitchFamily="34" charset="0"/>
+                        <a:cs typeface="Arial" panose="020B0604020202020204" pitchFamily="34" charset="0"/>
+                      </a:endParaRPr>
                     </a:p>
                   </a:txBody>
                   <a:tcPr/>
@@ -5671,10 +5759,16 @@
                     <a:p>
                       <a:pPr algn="ctr"/>
                       <a:r>
-                        <a:rPr kumimoji="1" lang="en-US" altLang="ja-JP" dirty="0"/>
+                        <a:rPr kumimoji="1" lang="en-US" altLang="ja-JP" dirty="0">
+                          <a:latin typeface="Arial" panose="020B0604020202020204" pitchFamily="34" charset="0"/>
+                          <a:cs typeface="Arial" panose="020B0604020202020204" pitchFamily="34" charset="0"/>
+                        </a:rPr>
                         <a:t>8</a:t>
                       </a:r>
-                      <a:endParaRPr kumimoji="1" lang="ja-JP" altLang="en-US" dirty="0"/>
+                      <a:endParaRPr kumimoji="1" lang="ja-JP" altLang="en-US" dirty="0">
+                        <a:latin typeface="Arial" panose="020B0604020202020204" pitchFamily="34" charset="0"/>
+                        <a:cs typeface="Arial" panose="020B0604020202020204" pitchFamily="34" charset="0"/>
+                      </a:endParaRPr>
                     </a:p>
                   </a:txBody>
                   <a:tcPr/>
@@ -5718,13 +5812,16 @@
                           <a:solidFill>
                             <a:schemeClr val="dk1"/>
                           </a:solidFill>
-                          <a:latin typeface="+mn-lt"/>
+                          <a:latin typeface="Arial" panose="020B0604020202020204" pitchFamily="34" charset="0"/>
                           <a:ea typeface="+mn-ea"/>
-                          <a:cs typeface="+mn-cs"/>
+                          <a:cs typeface="Arial" panose="020B0604020202020204" pitchFamily="34" charset="0"/>
                         </a:rPr>
                         <a:t>Inward</a:t>
                       </a:r>
-                      <a:endParaRPr kumimoji="1" lang="ja-JP" altLang="en-US" dirty="0"/>
+                      <a:endParaRPr kumimoji="1" lang="ja-JP" altLang="en-US" dirty="0">
+                        <a:latin typeface="Arial" panose="020B0604020202020204" pitchFamily="34" charset="0"/>
+                        <a:cs typeface="Arial" panose="020B0604020202020204" pitchFamily="34" charset="0"/>
+                      </a:endParaRPr>
                     </a:p>
                   </a:txBody>
                   <a:tcPr/>
@@ -5736,10 +5833,16 @@
                     <a:p>
                       <a:pPr algn="ctr"/>
                       <a:r>
-                        <a:rPr kumimoji="1" lang="en-US" altLang="ja-JP" dirty="0"/>
+                        <a:rPr kumimoji="1" lang="en-US" altLang="ja-JP" dirty="0">
+                          <a:latin typeface="Arial" panose="020B0604020202020204" pitchFamily="34" charset="0"/>
+                          <a:cs typeface="Arial" panose="020B0604020202020204" pitchFamily="34" charset="0"/>
+                        </a:rPr>
                         <a:t>9</a:t>
                       </a:r>
-                      <a:endParaRPr kumimoji="1" lang="ja-JP" altLang="en-US" dirty="0"/>
+                      <a:endParaRPr kumimoji="1" lang="ja-JP" altLang="en-US" dirty="0">
+                        <a:latin typeface="Arial" panose="020B0604020202020204" pitchFamily="34" charset="0"/>
+                        <a:cs typeface="Arial" panose="020B0604020202020204" pitchFamily="34" charset="0"/>
+                      </a:endParaRPr>
                     </a:p>
                   </a:txBody>
                   <a:tcPr/>
@@ -5772,13 +5875,16 @@
                           <a:solidFill>
                             <a:schemeClr val="dk1"/>
                           </a:solidFill>
-                          <a:latin typeface="+mn-lt"/>
+                          <a:latin typeface="Arial" panose="020B0604020202020204" pitchFamily="34" charset="0"/>
                           <a:ea typeface="+mn-ea"/>
-                          <a:cs typeface="+mn-cs"/>
+                          <a:cs typeface="Arial" panose="020B0604020202020204" pitchFamily="34" charset="0"/>
                         </a:rPr>
                         <a:t>Outward</a:t>
                       </a:r>
-                      <a:endParaRPr kumimoji="1" lang="ja-JP" altLang="en-US" dirty="0"/>
+                      <a:endParaRPr kumimoji="1" lang="ja-JP" altLang="en-US" dirty="0">
+                        <a:latin typeface="Arial" panose="020B0604020202020204" pitchFamily="34" charset="0"/>
+                        <a:cs typeface="Arial" panose="020B0604020202020204" pitchFamily="34" charset="0"/>
+                      </a:endParaRPr>
                     </a:p>
                   </a:txBody>
                   <a:tcPr/>
@@ -5790,10 +5896,16 @@
                     <a:p>
                       <a:pPr algn="ctr"/>
                       <a:r>
-                        <a:rPr kumimoji="1" lang="en-US" altLang="ja-JP" dirty="0"/>
+                        <a:rPr kumimoji="1" lang="en-US" altLang="ja-JP" dirty="0">
+                          <a:latin typeface="Arial" panose="020B0604020202020204" pitchFamily="34" charset="0"/>
+                          <a:cs typeface="Arial" panose="020B0604020202020204" pitchFamily="34" charset="0"/>
+                        </a:rPr>
                         <a:t>10</a:t>
                       </a:r>
-                      <a:endParaRPr kumimoji="1" lang="ja-JP" altLang="en-US" dirty="0"/>
+                      <a:endParaRPr kumimoji="1" lang="ja-JP" altLang="en-US" dirty="0">
+                        <a:latin typeface="Arial" panose="020B0604020202020204" pitchFamily="34" charset="0"/>
+                        <a:cs typeface="Arial" panose="020B0604020202020204" pitchFamily="34" charset="0"/>
+                      </a:endParaRPr>
                     </a:p>
                   </a:txBody>
                   <a:tcPr/>
@@ -7326,8 +7438,8 @@
               </a:fontRef>
             </p:style>
           </p:cxnSp>
-          <mc:AlternateContent xmlns:mc="http://schemas.openxmlformats.org/markup-compatibility/2006">
-            <mc:Choice xmlns:a14="http://schemas.microsoft.com/office/drawing/2010/main" Requires="a14">
+          <mc:AlternateContent xmlns:mc="http://schemas.openxmlformats.org/markup-compatibility/2006" xmlns:a14="http://schemas.microsoft.com/office/drawing/2010/main">
+            <mc:Choice Requires="a14">
               <p:sp>
                 <p:nvSpPr>
                   <p:cNvPr id="9" name="テキスト ボックス 8">
@@ -7377,7 +7489,7 @@
                 </p:txBody>
               </p:sp>
             </mc:Choice>
-            <mc:Fallback>
+            <mc:Fallback xmlns="">
               <p:sp>
                 <p:nvSpPr>
                   <p:cNvPr id="9" name="テキスト ボックス 8">
@@ -7527,8 +7639,8 @@
               </a:fontRef>
             </p:style>
           </p:cxnSp>
-          <mc:AlternateContent xmlns:mc="http://schemas.openxmlformats.org/markup-compatibility/2006">
-            <mc:Choice xmlns:a14="http://schemas.microsoft.com/office/drawing/2010/main" Requires="a14">
+          <mc:AlternateContent xmlns:mc="http://schemas.openxmlformats.org/markup-compatibility/2006" xmlns:a14="http://schemas.microsoft.com/office/drawing/2010/main">
+            <mc:Choice Requires="a14">
               <p:sp>
                 <p:nvSpPr>
                   <p:cNvPr id="26" name="テキスト ボックス 25">
@@ -7590,7 +7702,7 @@
                 </p:txBody>
               </p:sp>
             </mc:Choice>
-            <mc:Fallback>
+            <mc:Fallback xmlns="">
               <p:sp>
                 <p:nvSpPr>
                   <p:cNvPr id="26" name="テキスト ボックス 25">
@@ -7727,8 +7839,8 @@
             </a:fontRef>
           </p:style>
         </p:cxnSp>
-        <mc:AlternateContent xmlns:mc="http://schemas.openxmlformats.org/markup-compatibility/2006">
-          <mc:Choice xmlns:a14="http://schemas.microsoft.com/office/drawing/2010/main" Requires="a14">
+        <mc:AlternateContent xmlns:mc="http://schemas.openxmlformats.org/markup-compatibility/2006" xmlns:a14="http://schemas.microsoft.com/office/drawing/2010/main">
+          <mc:Choice Requires="a14">
             <p:sp>
               <p:nvSpPr>
                 <p:cNvPr id="30" name="テキスト ボックス 29">
@@ -7784,7 +7896,7 @@
               </p:txBody>
             </p:sp>
           </mc:Choice>
-          <mc:Fallback>
+          <mc:Fallback xmlns="">
             <p:sp>
               <p:nvSpPr>
                 <p:cNvPr id="30" name="テキスト ボックス 29">
@@ -7870,8 +7982,8 @@
             </a:fontRef>
           </p:style>
         </p:cxnSp>
-        <mc:AlternateContent xmlns:mc="http://schemas.openxmlformats.org/markup-compatibility/2006">
-          <mc:Choice xmlns:a14="http://schemas.microsoft.com/office/drawing/2010/main" Requires="a14">
+        <mc:AlternateContent xmlns:mc="http://schemas.openxmlformats.org/markup-compatibility/2006" xmlns:a14="http://schemas.microsoft.com/office/drawing/2010/main">
+          <mc:Choice Requires="a14">
             <p:sp>
               <p:nvSpPr>
                 <p:cNvPr id="38" name="テキスト ボックス 37">
@@ -7927,7 +8039,7 @@
               </p:txBody>
             </p:sp>
           </mc:Choice>
-          <mc:Fallback>
+          <mc:Fallback xmlns="">
             <p:sp>
               <p:nvSpPr>
                 <p:cNvPr id="38" name="テキスト ボックス 37">
@@ -8013,8 +8125,8 @@
             </a:fontRef>
           </p:style>
         </p:cxnSp>
-        <mc:AlternateContent xmlns:mc="http://schemas.openxmlformats.org/markup-compatibility/2006">
-          <mc:Choice xmlns:a14="http://schemas.microsoft.com/office/drawing/2010/main" Requires="a14">
+        <mc:AlternateContent xmlns:mc="http://schemas.openxmlformats.org/markup-compatibility/2006" xmlns:a14="http://schemas.microsoft.com/office/drawing/2010/main">
+          <mc:Choice Requires="a14">
             <p:sp>
               <p:nvSpPr>
                 <p:cNvPr id="42" name="テキスト ボックス 41">
@@ -8070,7 +8182,7 @@
               </p:txBody>
             </p:sp>
           </mc:Choice>
-          <mc:Fallback>
+          <mc:Fallback xmlns="">
             <p:sp>
               <p:nvSpPr>
                 <p:cNvPr id="42" name="テキスト ボックス 41">
@@ -8166,8 +8278,8 @@
           </a:p>
         </p:txBody>
       </p:sp>
-      <mc:AlternateContent xmlns:mc="http://schemas.openxmlformats.org/markup-compatibility/2006">
-        <mc:Choice xmlns:a14="http://schemas.microsoft.com/office/drawing/2010/main" Requires="a14">
+      <mc:AlternateContent xmlns:mc="http://schemas.openxmlformats.org/markup-compatibility/2006" xmlns:a14="http://schemas.microsoft.com/office/drawing/2010/main">
+        <mc:Choice Requires="a14">
           <p:sp>
             <p:nvSpPr>
               <p:cNvPr id="44" name="テキスト ボックス 43">
@@ -8377,7 +8489,7 @@
             </p:txBody>
           </p:sp>
         </mc:Choice>
-        <mc:Fallback>
+        <mc:Fallback xmlns="">
           <p:sp>
             <p:nvSpPr>
               <p:cNvPr id="44" name="テキスト ボックス 43">
@@ -8422,8 +8534,8 @@
           </p:sp>
         </mc:Fallback>
       </mc:AlternateContent>
-      <mc:AlternateContent xmlns:mc="http://schemas.openxmlformats.org/markup-compatibility/2006">
-        <mc:Choice xmlns:a14="http://schemas.microsoft.com/office/drawing/2010/main" Requires="a14">
+      <mc:AlternateContent xmlns:mc="http://schemas.openxmlformats.org/markup-compatibility/2006" xmlns:a14="http://schemas.microsoft.com/office/drawing/2010/main">
+        <mc:Choice Requires="a14">
           <p:sp>
             <p:nvSpPr>
               <p:cNvPr id="47" name="テキスト ボックス 46">
@@ -8452,6 +8564,7 @@
               </a:bodyPr>
               <a:lstStyle/>
               <a:p>
+                <a:pPr/>
                 <a14:m>
                   <m:oMathPara xmlns:m="http://schemas.openxmlformats.org/officeDocument/2006/math">
                     <m:oMathParaPr>
@@ -8567,7 +8680,7 @@
             </p:txBody>
           </p:sp>
         </mc:Choice>
-        <mc:Fallback>
+        <mc:Fallback xmlns="">
           <p:sp>
             <p:nvSpPr>
               <p:cNvPr id="47" name="テキスト ボックス 46">
@@ -9042,6 +9155,1469 @@
       <p:bldP spid="39" grpId="0"/>
       <p:bldP spid="43" grpId="0"/>
       <p:bldP spid="48" grpId="0"/>
+    </p:bldLst>
+  </p:timing>
+</p:sld>
+</file>
+
+<file path=ppt/slides/slide7.xml><?xml version="1.0" encoding="utf-8"?>
+<p:sld xmlns:a="http://schemas.openxmlformats.org/drawingml/2006/main" xmlns:r="http://schemas.openxmlformats.org/officeDocument/2006/relationships" xmlns:p="http://schemas.openxmlformats.org/presentationml/2006/main">
+  <p:cSld>
+    <p:spTree>
+      <p:nvGrpSpPr>
+        <p:cNvPr id="1" name=""/>
+        <p:cNvGrpSpPr/>
+        <p:nvPr/>
+      </p:nvGrpSpPr>
+      <p:grpSpPr>
+        <a:xfrm>
+          <a:off x="0" y="0"/>
+          <a:ext cx="0" cy="0"/>
+          <a:chOff x="0" y="0"/>
+          <a:chExt cx="0" cy="0"/>
+        </a:xfrm>
+      </p:grpSpPr>
+      <p:sp>
+        <p:nvSpPr>
+          <p:cNvPr id="2" name="タイトル 1">
+            <a:extLst>
+              <a:ext uri="{FF2B5EF4-FFF2-40B4-BE49-F238E27FC236}">
+                <a16:creationId xmlns:a16="http://schemas.microsoft.com/office/drawing/2014/main" id="{1D0145C6-C0DA-409B-A7E1-C9F84380AD35}"/>
+              </a:ext>
+            </a:extLst>
+          </p:cNvPr>
+          <p:cNvSpPr>
+            <a:spLocks noGrp="1"/>
+          </p:cNvSpPr>
+          <p:nvPr>
+            <p:ph type="title"/>
+          </p:nvPr>
+        </p:nvSpPr>
+        <p:spPr/>
+        <p:txBody>
+          <a:bodyPr/>
+          <a:lstStyle/>
+          <a:p>
+            <a:r>
+              <a:rPr kumimoji="1" lang="en-US" altLang="ja-JP" dirty="0"/>
+              <a:t>Method – Preprocessing </a:t>
+            </a:r>
+            <a:r>
+              <a:rPr kumimoji="1" lang="en-US" altLang="ja-JP" sz="2000" dirty="0"/>
+              <a:t>(Partitioning process)</a:t>
+            </a:r>
+            <a:endParaRPr kumimoji="1" lang="ja-JP" altLang="en-US" dirty="0"/>
+          </a:p>
+        </p:txBody>
+      </p:sp>
+      <p:sp>
+        <p:nvSpPr>
+          <p:cNvPr id="3" name="コンテンツ プレースホルダー 2">
+            <a:extLst>
+              <a:ext uri="{FF2B5EF4-FFF2-40B4-BE49-F238E27FC236}">
+                <a16:creationId xmlns:a16="http://schemas.microsoft.com/office/drawing/2014/main" id="{258CEA2E-7034-47DA-8CD3-5EB08A264B62}"/>
+              </a:ext>
+            </a:extLst>
+          </p:cNvPr>
+          <p:cNvSpPr>
+            <a:spLocks noGrp="1"/>
+          </p:cNvSpPr>
+          <p:nvPr>
+            <p:ph idx="1"/>
+          </p:nvPr>
+        </p:nvSpPr>
+        <p:spPr/>
+        <p:txBody>
+          <a:bodyPr/>
+          <a:lstStyle/>
+          <a:p>
+            <a:r>
+              <a:rPr kumimoji="1" lang="en-US" altLang="ja-JP" dirty="0"/>
+              <a:t>This process of divide the given data of approximately 60 s into data for one operation.</a:t>
+            </a:r>
+            <a:endParaRPr kumimoji="1" lang="ja-JP" altLang="en-US" dirty="0"/>
+          </a:p>
+        </p:txBody>
+      </p:sp>
+      <p:sp>
+        <p:nvSpPr>
+          <p:cNvPr id="4" name="スライド番号プレースホルダー 3">
+            <a:extLst>
+              <a:ext uri="{FF2B5EF4-FFF2-40B4-BE49-F238E27FC236}">
+                <a16:creationId xmlns:a16="http://schemas.microsoft.com/office/drawing/2014/main" id="{C50D577F-C0DE-4D8E-8E41-8F809833FF8E}"/>
+              </a:ext>
+            </a:extLst>
+          </p:cNvPr>
+          <p:cNvSpPr>
+            <a:spLocks noGrp="1"/>
+          </p:cNvSpPr>
+          <p:nvPr>
+            <p:ph type="sldNum" sz="quarter" idx="12"/>
+          </p:nvPr>
+        </p:nvSpPr>
+        <p:spPr/>
+        <p:txBody>
+          <a:bodyPr/>
+          <a:lstStyle/>
+          <a:p>
+            <a:fld id="{92084505-5355-43A2-B929-FD06D0DABC31}" type="slidenum">
+              <a:rPr lang="ja-JP" altLang="en-US" smtClean="0"/>
+              <a:pPr/>
+              <a:t>7</a:t>
+            </a:fld>
+            <a:endParaRPr lang="ja-JP" altLang="en-US" dirty="0"/>
+          </a:p>
+        </p:txBody>
+      </p:sp>
+      <p:cxnSp>
+        <p:nvCxnSpPr>
+          <p:cNvPr id="24" name="直線矢印コネクタ 23">
+            <a:extLst>
+              <a:ext uri="{FF2B5EF4-FFF2-40B4-BE49-F238E27FC236}">
+                <a16:creationId xmlns:a16="http://schemas.microsoft.com/office/drawing/2014/main" id="{3EFB327B-44B4-4F84-B498-0A70F1F2E172}"/>
+              </a:ext>
+            </a:extLst>
+          </p:cNvPr>
+          <p:cNvCxnSpPr>
+            <a:cxnSpLocks/>
+          </p:cNvCxnSpPr>
+          <p:nvPr/>
+        </p:nvCxnSpPr>
+        <p:spPr>
+          <a:xfrm>
+            <a:off x="2967645" y="4432794"/>
+            <a:ext cx="2327564" cy="0"/>
+          </a:xfrm>
+          <a:prstGeom prst="straightConnector1">
+            <a:avLst/>
+          </a:prstGeom>
+          <a:ln w="38100">
+            <a:solidFill>
+              <a:schemeClr val="tx1"/>
+            </a:solidFill>
+            <a:tailEnd type="triangle"/>
+          </a:ln>
+        </p:spPr>
+        <p:style>
+          <a:lnRef idx="1">
+            <a:schemeClr val="accent1"/>
+          </a:lnRef>
+          <a:fillRef idx="0">
+            <a:schemeClr val="accent1"/>
+          </a:fillRef>
+          <a:effectRef idx="0">
+            <a:schemeClr val="accent1"/>
+          </a:effectRef>
+          <a:fontRef idx="minor">
+            <a:schemeClr val="tx1"/>
+          </a:fontRef>
+        </p:style>
+      </p:cxnSp>
+      <p:sp>
+        <p:nvSpPr>
+          <p:cNvPr id="34" name="四角形: 角を丸くする 33">
+            <a:extLst>
+              <a:ext uri="{FF2B5EF4-FFF2-40B4-BE49-F238E27FC236}">
+                <a16:creationId xmlns:a16="http://schemas.microsoft.com/office/drawing/2014/main" id="{FD768AC9-EC64-48B2-AA06-44DC23254DD4}"/>
+              </a:ext>
+            </a:extLst>
+          </p:cNvPr>
+          <p:cNvSpPr/>
+          <p:nvPr/>
+        </p:nvSpPr>
+        <p:spPr>
+          <a:xfrm>
+            <a:off x="3269716" y="4123141"/>
+            <a:ext cx="1712422" cy="619303"/>
+          </a:xfrm>
+          <a:prstGeom prst="roundRect">
+            <a:avLst/>
+          </a:prstGeom>
+          <a:solidFill>
+            <a:schemeClr val="bg1"/>
+          </a:solidFill>
+          <a:ln w="28575">
+            <a:solidFill>
+              <a:schemeClr val="tx1"/>
+            </a:solidFill>
+          </a:ln>
+        </p:spPr>
+        <p:style>
+          <a:lnRef idx="2">
+            <a:schemeClr val="accent1">
+              <a:shade val="50000"/>
+            </a:schemeClr>
+          </a:lnRef>
+          <a:fillRef idx="1">
+            <a:schemeClr val="accent1"/>
+          </a:fillRef>
+          <a:effectRef idx="0">
+            <a:schemeClr val="accent1"/>
+          </a:effectRef>
+          <a:fontRef idx="minor">
+            <a:schemeClr val="lt1"/>
+          </a:fontRef>
+        </p:style>
+        <p:txBody>
+          <a:bodyPr rtlCol="0" anchor="ctr"/>
+          <a:lstStyle/>
+          <a:p>
+            <a:pPr algn="ctr"/>
+            <a:r>
+              <a:rPr lang="en-US" altLang="ja-JP" sz="1600" dirty="0">
+                <a:solidFill>
+                  <a:schemeClr val="tx1"/>
+                </a:solidFill>
+                <a:latin typeface="Arial" panose="020B0604020202020204" pitchFamily="34" charset="0"/>
+                <a:cs typeface="Arial" panose="020B0604020202020204" pitchFamily="34" charset="0"/>
+              </a:rPr>
+              <a:t>Sum</a:t>
+            </a:r>
+            <a:endParaRPr kumimoji="1" lang="ja-JP" altLang="en-US" sz="1600" dirty="0">
+              <a:solidFill>
+                <a:schemeClr val="tx1"/>
+              </a:solidFill>
+              <a:latin typeface="Arial" panose="020B0604020202020204" pitchFamily="34" charset="0"/>
+              <a:cs typeface="Arial" panose="020B0604020202020204" pitchFamily="34" charset="0"/>
+            </a:endParaRPr>
+          </a:p>
+        </p:txBody>
+      </p:sp>
+      <p:cxnSp>
+        <p:nvCxnSpPr>
+          <p:cNvPr id="35" name="直線矢印コネクタ 34">
+            <a:extLst>
+              <a:ext uri="{FF2B5EF4-FFF2-40B4-BE49-F238E27FC236}">
+                <a16:creationId xmlns:a16="http://schemas.microsoft.com/office/drawing/2014/main" id="{18BFFC0C-4D01-42B8-A673-B2BBEEA211F0}"/>
+              </a:ext>
+            </a:extLst>
+          </p:cNvPr>
+          <p:cNvCxnSpPr>
+            <a:cxnSpLocks/>
+          </p:cNvCxnSpPr>
+          <p:nvPr/>
+        </p:nvCxnSpPr>
+        <p:spPr>
+          <a:xfrm>
+            <a:off x="6479426" y="4430660"/>
+            <a:ext cx="2327564" cy="0"/>
+          </a:xfrm>
+          <a:prstGeom prst="straightConnector1">
+            <a:avLst/>
+          </a:prstGeom>
+          <a:ln w="38100">
+            <a:solidFill>
+              <a:schemeClr val="tx1"/>
+            </a:solidFill>
+            <a:tailEnd type="triangle"/>
+          </a:ln>
+        </p:spPr>
+        <p:style>
+          <a:lnRef idx="1">
+            <a:schemeClr val="accent1"/>
+          </a:lnRef>
+          <a:fillRef idx="0">
+            <a:schemeClr val="accent1"/>
+          </a:fillRef>
+          <a:effectRef idx="0">
+            <a:schemeClr val="accent1"/>
+          </a:effectRef>
+          <a:fontRef idx="minor">
+            <a:schemeClr val="tx1"/>
+          </a:fontRef>
+        </p:style>
+      </p:cxnSp>
+      <p:sp>
+        <p:nvSpPr>
+          <p:cNvPr id="36" name="四角形: 角を丸くする 35">
+            <a:extLst>
+              <a:ext uri="{FF2B5EF4-FFF2-40B4-BE49-F238E27FC236}">
+                <a16:creationId xmlns:a16="http://schemas.microsoft.com/office/drawing/2014/main" id="{725FF514-A537-4ADB-BCDE-D153A02BC874}"/>
+              </a:ext>
+            </a:extLst>
+          </p:cNvPr>
+          <p:cNvSpPr/>
+          <p:nvPr/>
+        </p:nvSpPr>
+        <p:spPr>
+          <a:xfrm>
+            <a:off x="6781497" y="4121007"/>
+            <a:ext cx="1712422" cy="619303"/>
+          </a:xfrm>
+          <a:prstGeom prst="roundRect">
+            <a:avLst/>
+          </a:prstGeom>
+          <a:solidFill>
+            <a:schemeClr val="bg1"/>
+          </a:solidFill>
+          <a:ln w="28575">
+            <a:solidFill>
+              <a:schemeClr val="tx1"/>
+            </a:solidFill>
+          </a:ln>
+        </p:spPr>
+        <p:style>
+          <a:lnRef idx="2">
+            <a:schemeClr val="accent1">
+              <a:shade val="50000"/>
+            </a:schemeClr>
+          </a:lnRef>
+          <a:fillRef idx="1">
+            <a:schemeClr val="accent1"/>
+          </a:fillRef>
+          <a:effectRef idx="0">
+            <a:schemeClr val="accent1"/>
+          </a:effectRef>
+          <a:fontRef idx="minor">
+            <a:schemeClr val="lt1"/>
+          </a:fontRef>
+        </p:style>
+        <p:txBody>
+          <a:bodyPr rtlCol="0" anchor="ctr"/>
+          <a:lstStyle/>
+          <a:p>
+            <a:pPr algn="ctr"/>
+            <a:r>
+              <a:rPr lang="en-US" altLang="ja-JP" sz="1600" dirty="0">
+                <a:solidFill>
+                  <a:schemeClr val="tx1"/>
+                </a:solidFill>
+                <a:latin typeface="Arial" panose="020B0604020202020204" pitchFamily="34" charset="0"/>
+                <a:cs typeface="Arial" panose="020B0604020202020204" pitchFamily="34" charset="0"/>
+              </a:rPr>
+              <a:t>A</a:t>
+            </a:r>
+            <a:r>
+              <a:rPr kumimoji="1" lang="en-US" altLang="ja-JP" sz="1600" dirty="0">
+                <a:solidFill>
+                  <a:schemeClr val="tx1"/>
+                </a:solidFill>
+                <a:latin typeface="Arial" panose="020B0604020202020204" pitchFamily="34" charset="0"/>
+                <a:cs typeface="Arial" panose="020B0604020202020204" pitchFamily="34" charset="0"/>
+              </a:rPr>
+              <a:t>utocorrelation</a:t>
+            </a:r>
+          </a:p>
+          <a:p>
+            <a:pPr algn="ctr"/>
+            <a:r>
+              <a:rPr kumimoji="1" lang="en-US" altLang="ja-JP" sz="1600" dirty="0">
+                <a:solidFill>
+                  <a:schemeClr val="tx1"/>
+                </a:solidFill>
+                <a:latin typeface="Arial" panose="020B0604020202020204" pitchFamily="34" charset="0"/>
+                <a:cs typeface="Arial" panose="020B0604020202020204" pitchFamily="34" charset="0"/>
+              </a:rPr>
+              <a:t>function</a:t>
+            </a:r>
+            <a:endParaRPr kumimoji="1" lang="ja-JP" altLang="en-US" sz="1600" dirty="0">
+              <a:solidFill>
+                <a:schemeClr val="tx1"/>
+              </a:solidFill>
+              <a:latin typeface="Arial" panose="020B0604020202020204" pitchFamily="34" charset="0"/>
+              <a:cs typeface="Arial" panose="020B0604020202020204" pitchFamily="34" charset="0"/>
+            </a:endParaRPr>
+          </a:p>
+        </p:txBody>
+      </p:sp>
+      <p:grpSp>
+        <p:nvGrpSpPr>
+          <p:cNvPr id="43" name="グループ化 42">
+            <a:extLst>
+              <a:ext uri="{FF2B5EF4-FFF2-40B4-BE49-F238E27FC236}">
+                <a16:creationId xmlns:a16="http://schemas.microsoft.com/office/drawing/2014/main" id="{2B7C00B3-6FEE-4E4E-B4C4-E0AD931384CE}"/>
+              </a:ext>
+            </a:extLst>
+          </p:cNvPr>
+          <p:cNvGrpSpPr/>
+          <p:nvPr/>
+        </p:nvGrpSpPr>
+        <p:grpSpPr>
+          <a:xfrm>
+            <a:off x="1387326" y="2819058"/>
+            <a:ext cx="2021434" cy="3379723"/>
+            <a:chOff x="1387326" y="2819058"/>
+            <a:chExt cx="2021434" cy="3379723"/>
+          </a:xfrm>
+        </p:grpSpPr>
+        <p:pic>
+          <p:nvPicPr>
+            <p:cNvPr id="18" name="グラフィックス 17">
+              <a:extLst>
+                <a:ext uri="{FF2B5EF4-FFF2-40B4-BE49-F238E27FC236}">
+                  <a16:creationId xmlns:a16="http://schemas.microsoft.com/office/drawing/2014/main" id="{2D923DFB-D21F-42E9-80D5-8472E82E5EDE}"/>
+                </a:ext>
+              </a:extLst>
+            </p:cNvPr>
+            <p:cNvPicPr>
+              <a:picLocks noChangeAspect="1"/>
+            </p:cNvPicPr>
+            <p:nvPr/>
+          </p:nvPicPr>
+          <p:blipFill>
+            <a:blip r:embed="rId2">
+              <a:extLst>
+                <a:ext uri="{28A0092B-C50C-407E-A947-70E740481C1C}">
+                  <a14:useLocalDpi xmlns:a14="http://schemas.microsoft.com/office/drawing/2010/main" val="0"/>
+                </a:ext>
+                <a:ext uri="{96DAC541-7B7A-43D3-8B79-37D633B846F1}">
+                  <asvg:svgBlip xmlns:asvg="http://schemas.microsoft.com/office/drawing/2016/SVG/main" r:embed="rId3"/>
+                </a:ext>
+              </a:extLst>
+            </a:blip>
+            <a:stretch>
+              <a:fillRect/>
+            </a:stretch>
+          </p:blipFill>
+          <p:spPr>
+            <a:xfrm rot="16200000">
+              <a:off x="1207210" y="4039802"/>
+              <a:ext cx="2381667" cy="785985"/>
+            </a:xfrm>
+            <a:prstGeom prst="rect">
+              <a:avLst/>
+            </a:prstGeom>
+          </p:spPr>
+        </p:pic>
+        <p:sp>
+          <p:nvSpPr>
+            <p:cNvPr id="37" name="テキスト ボックス 36">
+              <a:extLst>
+                <a:ext uri="{FF2B5EF4-FFF2-40B4-BE49-F238E27FC236}">
+                  <a16:creationId xmlns:a16="http://schemas.microsoft.com/office/drawing/2014/main" id="{395BEB57-D0DD-4171-8A65-905B90779D5C}"/>
+                </a:ext>
+              </a:extLst>
+            </p:cNvPr>
+            <p:cNvSpPr txBox="1"/>
+            <p:nvPr/>
+          </p:nvSpPr>
+          <p:spPr>
+            <a:xfrm>
+              <a:off x="1387326" y="5552450"/>
+              <a:ext cx="2021434" cy="646331"/>
+            </a:xfrm>
+            <a:prstGeom prst="rect">
+              <a:avLst/>
+            </a:prstGeom>
+            <a:noFill/>
+          </p:spPr>
+          <p:txBody>
+            <a:bodyPr wrap="square" rtlCol="0">
+              <a:spAutoFit/>
+            </a:bodyPr>
+            <a:lstStyle/>
+            <a:p>
+              <a:pPr algn="ctr"/>
+              <a:r>
+                <a:rPr lang="en-US" altLang="ja-JP" dirty="0">
+                  <a:latin typeface="Arial" panose="020B0604020202020204" pitchFamily="34" charset="0"/>
+                  <a:cs typeface="Arial" panose="020B0604020202020204" pitchFamily="34" charset="0"/>
+                </a:rPr>
+                <a:t>T</a:t>
+              </a:r>
+              <a:r>
+                <a:rPr kumimoji="1" lang="en-US" altLang="ja-JP" dirty="0">
+                  <a:latin typeface="Arial" panose="020B0604020202020204" pitchFamily="34" charset="0"/>
+                  <a:cs typeface="Arial" panose="020B0604020202020204" pitchFamily="34" charset="0"/>
+                </a:rPr>
+                <a:t>ime-series</a:t>
+              </a:r>
+            </a:p>
+            <a:p>
+              <a:pPr algn="ctr"/>
+              <a:r>
+                <a:rPr kumimoji="1" lang="en-US" altLang="ja-JP" dirty="0">
+                  <a:latin typeface="Arial" panose="020B0604020202020204" pitchFamily="34" charset="0"/>
+                  <a:cs typeface="Arial" panose="020B0604020202020204" pitchFamily="34" charset="0"/>
+                </a:rPr>
+                <a:t>velocity data</a:t>
+              </a:r>
+              <a:endParaRPr kumimoji="1" lang="ja-JP" altLang="en-US" dirty="0">
+                <a:latin typeface="Arial" panose="020B0604020202020204" pitchFamily="34" charset="0"/>
+                <a:cs typeface="Arial" panose="020B0604020202020204" pitchFamily="34" charset="0"/>
+              </a:endParaRPr>
+            </a:p>
+          </p:txBody>
+        </p:sp>
+        <p:sp>
+          <p:nvSpPr>
+            <p:cNvPr id="40" name="テキスト ボックス 39">
+              <a:extLst>
+                <a:ext uri="{FF2B5EF4-FFF2-40B4-BE49-F238E27FC236}">
+                  <a16:creationId xmlns:a16="http://schemas.microsoft.com/office/drawing/2014/main" id="{9051B928-2D60-4F0C-B582-1D15E0226BE4}"/>
+                </a:ext>
+              </a:extLst>
+            </p:cNvPr>
+            <p:cNvSpPr txBox="1"/>
+            <p:nvPr/>
+          </p:nvSpPr>
+          <p:spPr>
+            <a:xfrm>
+              <a:off x="1631654" y="2819058"/>
+              <a:ext cx="1532778" cy="369332"/>
+            </a:xfrm>
+            <a:prstGeom prst="rect">
+              <a:avLst/>
+            </a:prstGeom>
+            <a:noFill/>
+          </p:spPr>
+          <p:txBody>
+            <a:bodyPr wrap="square" rtlCol="0">
+              <a:spAutoFit/>
+            </a:bodyPr>
+            <a:lstStyle/>
+            <a:p>
+              <a:pPr algn="ctr"/>
+              <a:r>
+                <a:rPr lang="en-US" altLang="ja-JP" dirty="0">
+                  <a:latin typeface="Arial" panose="020B0604020202020204" pitchFamily="34" charset="0"/>
+                  <a:cs typeface="Arial" panose="020B0604020202020204" pitchFamily="34" charset="0"/>
+                </a:rPr>
+                <a:t>One file</a:t>
+              </a:r>
+              <a:endParaRPr kumimoji="1" lang="ja-JP" altLang="en-US" dirty="0">
+                <a:latin typeface="Arial" panose="020B0604020202020204" pitchFamily="34" charset="0"/>
+                <a:cs typeface="Arial" panose="020B0604020202020204" pitchFamily="34" charset="0"/>
+              </a:endParaRPr>
+            </a:p>
+          </p:txBody>
+        </p:sp>
+      </p:grpSp>
+      <p:grpSp>
+        <p:nvGrpSpPr>
+          <p:cNvPr id="44" name="グループ化 43">
+            <a:extLst>
+              <a:ext uri="{FF2B5EF4-FFF2-40B4-BE49-F238E27FC236}">
+                <a16:creationId xmlns:a16="http://schemas.microsoft.com/office/drawing/2014/main" id="{AECECC91-F8BF-4B3E-BEB7-456D8C62B0C6}"/>
+              </a:ext>
+            </a:extLst>
+          </p:cNvPr>
+          <p:cNvGrpSpPr/>
+          <p:nvPr/>
+        </p:nvGrpSpPr>
+        <p:grpSpPr>
+          <a:xfrm>
+            <a:off x="4904726" y="2815078"/>
+            <a:ext cx="2021434" cy="3106704"/>
+            <a:chOff x="4904726" y="2815078"/>
+            <a:chExt cx="2021434" cy="3106704"/>
+          </a:xfrm>
+        </p:grpSpPr>
+        <p:pic>
+          <p:nvPicPr>
+            <p:cNvPr id="22" name="グラフィックス 21">
+              <a:extLst>
+                <a:ext uri="{FF2B5EF4-FFF2-40B4-BE49-F238E27FC236}">
+                  <a16:creationId xmlns:a16="http://schemas.microsoft.com/office/drawing/2014/main" id="{C909EE0B-0C5E-4B12-A6E0-871785603780}"/>
+                </a:ext>
+              </a:extLst>
+            </p:cNvPr>
+            <p:cNvPicPr>
+              <a:picLocks noChangeAspect="1"/>
+            </p:cNvPicPr>
+            <p:nvPr/>
+          </p:nvPicPr>
+          <p:blipFill>
+            <a:blip r:embed="rId4">
+              <a:extLst>
+                <a:ext uri="{28A0092B-C50C-407E-A947-70E740481C1C}">
+                  <a14:useLocalDpi xmlns:a14="http://schemas.microsoft.com/office/drawing/2010/main" val="0"/>
+                </a:ext>
+                <a:ext uri="{96DAC541-7B7A-43D3-8B79-37D633B846F1}">
+                  <asvg:svgBlip xmlns:asvg="http://schemas.microsoft.com/office/drawing/2016/SVG/main" r:embed="rId5"/>
+                </a:ext>
+              </a:extLst>
+            </a:blip>
+            <a:stretch>
+              <a:fillRect/>
+            </a:stretch>
+          </p:blipFill>
+          <p:spPr>
+            <a:xfrm rot="16200000">
+              <a:off x="4724609" y="4039800"/>
+              <a:ext cx="2381669" cy="785987"/>
+            </a:xfrm>
+            <a:prstGeom prst="rect">
+              <a:avLst/>
+            </a:prstGeom>
+          </p:spPr>
+        </p:pic>
+        <p:sp>
+          <p:nvSpPr>
+            <p:cNvPr id="38" name="テキスト ボックス 37">
+              <a:extLst>
+                <a:ext uri="{FF2B5EF4-FFF2-40B4-BE49-F238E27FC236}">
+                  <a16:creationId xmlns:a16="http://schemas.microsoft.com/office/drawing/2014/main" id="{8AEC69C8-DE65-4087-B2AE-0B821A84B052}"/>
+                </a:ext>
+              </a:extLst>
+            </p:cNvPr>
+            <p:cNvSpPr txBox="1"/>
+            <p:nvPr/>
+          </p:nvSpPr>
+          <p:spPr>
+            <a:xfrm>
+              <a:off x="4904726" y="5552450"/>
+              <a:ext cx="2021434" cy="369332"/>
+            </a:xfrm>
+            <a:prstGeom prst="rect">
+              <a:avLst/>
+            </a:prstGeom>
+            <a:noFill/>
+          </p:spPr>
+          <p:txBody>
+            <a:bodyPr wrap="square" rtlCol="0">
+              <a:spAutoFit/>
+            </a:bodyPr>
+            <a:lstStyle/>
+            <a:p>
+              <a:pPr algn="ctr"/>
+              <a:r>
+                <a:rPr kumimoji="1" lang="en-US" altLang="ja-JP" dirty="0">
+                  <a:latin typeface="Arial" panose="020B0604020202020204" pitchFamily="34" charset="0"/>
+                  <a:cs typeface="Arial" panose="020B0604020202020204" pitchFamily="34" charset="0"/>
+                </a:rPr>
+                <a:t>Synthetic wave</a:t>
+              </a:r>
+              <a:endParaRPr kumimoji="1" lang="ja-JP" altLang="en-US" dirty="0">
+                <a:latin typeface="Arial" panose="020B0604020202020204" pitchFamily="34" charset="0"/>
+                <a:cs typeface="Arial" panose="020B0604020202020204" pitchFamily="34" charset="0"/>
+              </a:endParaRPr>
+            </a:p>
+          </p:txBody>
+        </p:sp>
+        <p:sp>
+          <p:nvSpPr>
+            <p:cNvPr id="41" name="テキスト ボックス 40">
+              <a:extLst>
+                <a:ext uri="{FF2B5EF4-FFF2-40B4-BE49-F238E27FC236}">
+                  <a16:creationId xmlns:a16="http://schemas.microsoft.com/office/drawing/2014/main" id="{B314718C-1434-405F-A473-10790418D646}"/>
+                </a:ext>
+              </a:extLst>
+            </p:cNvPr>
+            <p:cNvSpPr txBox="1"/>
+            <p:nvPr/>
+          </p:nvSpPr>
+          <p:spPr>
+            <a:xfrm>
+              <a:off x="5149054" y="2815078"/>
+              <a:ext cx="1532778" cy="369332"/>
+            </a:xfrm>
+            <a:prstGeom prst="rect">
+              <a:avLst/>
+            </a:prstGeom>
+            <a:noFill/>
+          </p:spPr>
+          <p:txBody>
+            <a:bodyPr wrap="square" rtlCol="0">
+              <a:spAutoFit/>
+            </a:bodyPr>
+            <a:lstStyle/>
+            <a:p>
+              <a:pPr algn="ctr"/>
+              <a:r>
+                <a:rPr lang="en-US" altLang="ja-JP" dirty="0">
+                  <a:latin typeface="Arial" panose="020B0604020202020204" pitchFamily="34" charset="0"/>
+                  <a:cs typeface="Arial" panose="020B0604020202020204" pitchFamily="34" charset="0"/>
+                </a:rPr>
+                <a:t>One file</a:t>
+              </a:r>
+              <a:endParaRPr kumimoji="1" lang="ja-JP" altLang="en-US" dirty="0">
+                <a:latin typeface="Arial" panose="020B0604020202020204" pitchFamily="34" charset="0"/>
+                <a:cs typeface="Arial" panose="020B0604020202020204" pitchFamily="34" charset="0"/>
+              </a:endParaRPr>
+            </a:p>
+          </p:txBody>
+        </p:sp>
+      </p:grpSp>
+      <p:grpSp>
+        <p:nvGrpSpPr>
+          <p:cNvPr id="45" name="グループ化 44">
+            <a:extLst>
+              <a:ext uri="{FF2B5EF4-FFF2-40B4-BE49-F238E27FC236}">
+                <a16:creationId xmlns:a16="http://schemas.microsoft.com/office/drawing/2014/main" id="{472FECB1-D8D4-416D-A2E1-728808BDD0BC}"/>
+              </a:ext>
+            </a:extLst>
+          </p:cNvPr>
+          <p:cNvGrpSpPr/>
+          <p:nvPr/>
+        </p:nvGrpSpPr>
+        <p:grpSpPr>
+          <a:xfrm>
+            <a:off x="8616370" y="2817245"/>
+            <a:ext cx="2021434" cy="3381536"/>
+            <a:chOff x="8616370" y="2817245"/>
+            <a:chExt cx="2021434" cy="3381536"/>
+          </a:xfrm>
+        </p:grpSpPr>
+        <p:grpSp>
+          <p:nvGrpSpPr>
+            <p:cNvPr id="14" name="グループ化 13">
+              <a:extLst>
+                <a:ext uri="{FF2B5EF4-FFF2-40B4-BE49-F238E27FC236}">
+                  <a16:creationId xmlns:a16="http://schemas.microsoft.com/office/drawing/2014/main" id="{382A86BA-0672-4BA0-9060-C5CE27AF3CCF}"/>
+                </a:ext>
+              </a:extLst>
+            </p:cNvPr>
+            <p:cNvGrpSpPr/>
+            <p:nvPr/>
+          </p:nvGrpSpPr>
+          <p:grpSpPr>
+            <a:xfrm>
+              <a:off x="9039851" y="3708947"/>
+              <a:ext cx="1106161" cy="1443421"/>
+              <a:chOff x="4889172" y="3071307"/>
+              <a:chExt cx="1106161" cy="1443421"/>
+            </a:xfrm>
+          </p:grpSpPr>
+          <p:pic>
+            <p:nvPicPr>
+              <p:cNvPr id="8" name="グラフィックス 7">
+                <a:extLst>
+                  <a:ext uri="{FF2B5EF4-FFF2-40B4-BE49-F238E27FC236}">
+                    <a16:creationId xmlns:a16="http://schemas.microsoft.com/office/drawing/2014/main" id="{D9F20248-2881-448F-ACD5-374A3F5E98A9}"/>
+                  </a:ext>
+                </a:extLst>
+              </p:cNvPr>
+              <p:cNvPicPr>
+                <a:picLocks noChangeAspect="1"/>
+              </p:cNvPicPr>
+              <p:nvPr/>
+            </p:nvPicPr>
+            <p:blipFill>
+              <a:blip r:embed="rId6">
+                <a:extLst>
+                  <a:ext uri="{28A0092B-C50C-407E-A947-70E740481C1C}">
+                    <a14:useLocalDpi xmlns:a14="http://schemas.microsoft.com/office/drawing/2010/main" val="0"/>
+                  </a:ext>
+                  <a:ext uri="{96DAC541-7B7A-43D3-8B79-37D633B846F1}">
+                    <asvg:svgBlip xmlns:asvg="http://schemas.microsoft.com/office/drawing/2016/SVG/main" r:embed="rId7"/>
+                  </a:ext>
+                </a:extLst>
+              </a:blip>
+              <a:stretch>
+                <a:fillRect/>
+              </a:stretch>
+            </p:blipFill>
+            <p:spPr>
+              <a:xfrm rot="16200000">
+                <a:off x="5269551" y="3280456"/>
+                <a:ext cx="934932" cy="516633"/>
+              </a:xfrm>
+              <a:prstGeom prst="rect">
+                <a:avLst/>
+              </a:prstGeom>
+            </p:spPr>
+          </p:pic>
+          <p:pic>
+            <p:nvPicPr>
+              <p:cNvPr id="9" name="グラフィックス 8">
+                <a:extLst>
+                  <a:ext uri="{FF2B5EF4-FFF2-40B4-BE49-F238E27FC236}">
+                    <a16:creationId xmlns:a16="http://schemas.microsoft.com/office/drawing/2014/main" id="{8DFABDC1-0224-4CA8-922E-115F09B849DB}"/>
+                  </a:ext>
+                </a:extLst>
+              </p:cNvPr>
+              <p:cNvPicPr>
+                <a:picLocks noChangeAspect="1"/>
+              </p:cNvPicPr>
+              <p:nvPr/>
+            </p:nvPicPr>
+            <p:blipFill>
+              <a:blip r:embed="rId6">
+                <a:extLst>
+                  <a:ext uri="{28A0092B-C50C-407E-A947-70E740481C1C}">
+                    <a14:useLocalDpi xmlns:a14="http://schemas.microsoft.com/office/drawing/2010/main" val="0"/>
+                  </a:ext>
+                  <a:ext uri="{96DAC541-7B7A-43D3-8B79-37D633B846F1}">
+                    <asvg:svgBlip xmlns:asvg="http://schemas.microsoft.com/office/drawing/2016/SVG/main" r:embed="rId7"/>
+                  </a:ext>
+                </a:extLst>
+              </a:blip>
+              <a:stretch>
+                <a:fillRect/>
+              </a:stretch>
+            </p:blipFill>
+            <p:spPr>
+              <a:xfrm rot="16200000">
+                <a:off x="5136622" y="3391262"/>
+                <a:ext cx="934932" cy="516633"/>
+              </a:xfrm>
+              <a:prstGeom prst="rect">
+                <a:avLst/>
+              </a:prstGeom>
+            </p:spPr>
+          </p:pic>
+          <p:pic>
+            <p:nvPicPr>
+              <p:cNvPr id="11" name="グラフィックス 10">
+                <a:extLst>
+                  <a:ext uri="{FF2B5EF4-FFF2-40B4-BE49-F238E27FC236}">
+                    <a16:creationId xmlns:a16="http://schemas.microsoft.com/office/drawing/2014/main" id="{B370F74D-E703-449F-8C97-5011F01FF833}"/>
+                  </a:ext>
+                </a:extLst>
+              </p:cNvPr>
+              <p:cNvPicPr>
+                <a:picLocks noChangeAspect="1"/>
+              </p:cNvPicPr>
+              <p:nvPr/>
+            </p:nvPicPr>
+            <p:blipFill>
+              <a:blip r:embed="rId6">
+                <a:extLst>
+                  <a:ext uri="{28A0092B-C50C-407E-A947-70E740481C1C}">
+                    <a14:useLocalDpi xmlns:a14="http://schemas.microsoft.com/office/drawing/2010/main" val="0"/>
+                  </a:ext>
+                  <a:ext uri="{96DAC541-7B7A-43D3-8B79-37D633B846F1}">
+                    <asvg:svgBlip xmlns:asvg="http://schemas.microsoft.com/office/drawing/2016/SVG/main" r:embed="rId7"/>
+                  </a:ext>
+                </a:extLst>
+              </a:blip>
+              <a:stretch>
+                <a:fillRect/>
+              </a:stretch>
+            </p:blipFill>
+            <p:spPr>
+              <a:xfrm rot="16200000">
+                <a:off x="4987530" y="3526199"/>
+                <a:ext cx="934932" cy="516633"/>
+              </a:xfrm>
+              <a:prstGeom prst="rect">
+                <a:avLst/>
+              </a:prstGeom>
+            </p:spPr>
+          </p:pic>
+          <p:pic>
+            <p:nvPicPr>
+              <p:cNvPr id="12" name="グラフィックス 11">
+                <a:extLst>
+                  <a:ext uri="{FF2B5EF4-FFF2-40B4-BE49-F238E27FC236}">
+                    <a16:creationId xmlns:a16="http://schemas.microsoft.com/office/drawing/2014/main" id="{256EB457-7493-40EF-AABB-5389175549C1}"/>
+                  </a:ext>
+                </a:extLst>
+              </p:cNvPr>
+              <p:cNvPicPr>
+                <a:picLocks noChangeAspect="1"/>
+              </p:cNvPicPr>
+              <p:nvPr/>
+            </p:nvPicPr>
+            <p:blipFill>
+              <a:blip r:embed="rId6">
+                <a:extLst>
+                  <a:ext uri="{28A0092B-C50C-407E-A947-70E740481C1C}">
+                    <a14:useLocalDpi xmlns:a14="http://schemas.microsoft.com/office/drawing/2010/main" val="0"/>
+                  </a:ext>
+                  <a:ext uri="{96DAC541-7B7A-43D3-8B79-37D633B846F1}">
+                    <asvg:svgBlip xmlns:asvg="http://schemas.microsoft.com/office/drawing/2016/SVG/main" r:embed="rId7"/>
+                  </a:ext>
+                </a:extLst>
+              </a:blip>
+              <a:stretch>
+                <a:fillRect/>
+              </a:stretch>
+            </p:blipFill>
+            <p:spPr>
+              <a:xfrm rot="16200000">
+                <a:off x="4828428" y="3657572"/>
+                <a:ext cx="934932" cy="516633"/>
+              </a:xfrm>
+              <a:prstGeom prst="rect">
+                <a:avLst/>
+              </a:prstGeom>
+            </p:spPr>
+          </p:pic>
+          <p:pic>
+            <p:nvPicPr>
+              <p:cNvPr id="13" name="グラフィックス 12">
+                <a:extLst>
+                  <a:ext uri="{FF2B5EF4-FFF2-40B4-BE49-F238E27FC236}">
+                    <a16:creationId xmlns:a16="http://schemas.microsoft.com/office/drawing/2014/main" id="{291C0B24-A91A-4096-8350-28B7DAC44C49}"/>
+                  </a:ext>
+                </a:extLst>
+              </p:cNvPr>
+              <p:cNvPicPr>
+                <a:picLocks noChangeAspect="1"/>
+              </p:cNvPicPr>
+              <p:nvPr/>
+            </p:nvPicPr>
+            <p:blipFill>
+              <a:blip r:embed="rId6">
+                <a:extLst>
+                  <a:ext uri="{28A0092B-C50C-407E-A947-70E740481C1C}">
+                    <a14:useLocalDpi xmlns:a14="http://schemas.microsoft.com/office/drawing/2010/main" val="0"/>
+                  </a:ext>
+                  <a:ext uri="{96DAC541-7B7A-43D3-8B79-37D633B846F1}">
+                    <asvg:svgBlip xmlns:asvg="http://schemas.microsoft.com/office/drawing/2016/SVG/main" r:embed="rId7"/>
+                  </a:ext>
+                </a:extLst>
+              </a:blip>
+              <a:stretch>
+                <a:fillRect/>
+              </a:stretch>
+            </p:blipFill>
+            <p:spPr>
+              <a:xfrm rot="16200000">
+                <a:off x="4680023" y="3788945"/>
+                <a:ext cx="934932" cy="516633"/>
+              </a:xfrm>
+              <a:prstGeom prst="rect">
+                <a:avLst/>
+              </a:prstGeom>
+            </p:spPr>
+          </p:pic>
+        </p:grpSp>
+        <p:sp>
+          <p:nvSpPr>
+            <p:cNvPr id="39" name="テキスト ボックス 38">
+              <a:extLst>
+                <a:ext uri="{FF2B5EF4-FFF2-40B4-BE49-F238E27FC236}">
+                  <a16:creationId xmlns:a16="http://schemas.microsoft.com/office/drawing/2014/main" id="{7E5D3C63-81BD-44A4-BF9D-9D703B8DF1A7}"/>
+                </a:ext>
+              </a:extLst>
+            </p:cNvPr>
+            <p:cNvSpPr txBox="1"/>
+            <p:nvPr/>
+          </p:nvSpPr>
+          <p:spPr>
+            <a:xfrm>
+              <a:off x="8616370" y="5275451"/>
+              <a:ext cx="2021434" cy="923330"/>
+            </a:xfrm>
+            <a:prstGeom prst="rect">
+              <a:avLst/>
+            </a:prstGeom>
+            <a:noFill/>
+          </p:spPr>
+          <p:txBody>
+            <a:bodyPr wrap="square" rtlCol="0">
+              <a:spAutoFit/>
+            </a:bodyPr>
+            <a:lstStyle/>
+            <a:p>
+              <a:pPr algn="ctr"/>
+              <a:r>
+                <a:rPr lang="en-US" altLang="ja-JP" dirty="0">
+                  <a:latin typeface="Arial" panose="020B0604020202020204" pitchFamily="34" charset="0"/>
+                  <a:cs typeface="Arial" panose="020B0604020202020204" pitchFamily="34" charset="0"/>
+                </a:rPr>
+                <a:t>O</a:t>
+              </a:r>
+              <a:r>
+                <a:rPr kumimoji="1" lang="en-US" altLang="ja-JP" dirty="0">
+                  <a:latin typeface="Arial" panose="020B0604020202020204" pitchFamily="34" charset="0"/>
+                  <a:cs typeface="Arial" panose="020B0604020202020204" pitchFamily="34" charset="0"/>
+                </a:rPr>
+                <a:t>ne operation</a:t>
+              </a:r>
+            </a:p>
+            <a:p>
+              <a:pPr algn="ctr"/>
+              <a:r>
+                <a:rPr kumimoji="1" lang="en-US" altLang="ja-JP" dirty="0">
+                  <a:latin typeface="Arial" panose="020B0604020202020204" pitchFamily="34" charset="0"/>
+                  <a:cs typeface="Arial" panose="020B0604020202020204" pitchFamily="34" charset="0"/>
+                </a:rPr>
+                <a:t>time-series</a:t>
+              </a:r>
+            </a:p>
+            <a:p>
+              <a:pPr algn="ctr"/>
+              <a:r>
+                <a:rPr kumimoji="1" lang="en-US" altLang="ja-JP" dirty="0">
+                  <a:latin typeface="Arial" panose="020B0604020202020204" pitchFamily="34" charset="0"/>
+                  <a:cs typeface="Arial" panose="020B0604020202020204" pitchFamily="34" charset="0"/>
+                </a:rPr>
+                <a:t>velocity data</a:t>
+              </a:r>
+            </a:p>
+          </p:txBody>
+        </p:sp>
+        <mc:AlternateContent xmlns:mc="http://schemas.openxmlformats.org/markup-compatibility/2006">
+          <mc:Choice xmlns:a14="http://schemas.microsoft.com/office/drawing/2010/main" Requires="a14">
+            <p:sp>
+              <p:nvSpPr>
+                <p:cNvPr id="42" name="テキスト ボックス 41">
+                  <a:extLst>
+                    <a:ext uri="{FF2B5EF4-FFF2-40B4-BE49-F238E27FC236}">
+                      <a16:creationId xmlns:a16="http://schemas.microsoft.com/office/drawing/2014/main" id="{5D895A4C-A20B-42A3-A1C7-FFBAE652ECE5}"/>
+                    </a:ext>
+                  </a:extLst>
+                </p:cNvPr>
+                <p:cNvSpPr txBox="1"/>
+                <p:nvPr/>
+              </p:nvSpPr>
+              <p:spPr>
+                <a:xfrm>
+                  <a:off x="8839286" y="2817245"/>
+                  <a:ext cx="1532778" cy="369332"/>
+                </a:xfrm>
+                <a:prstGeom prst="rect">
+                  <a:avLst/>
+                </a:prstGeom>
+                <a:noFill/>
+              </p:spPr>
+              <p:txBody>
+                <a:bodyPr wrap="square" rtlCol="0">
+                  <a:spAutoFit/>
+                </a:bodyPr>
+                <a:lstStyle/>
+                <a:p>
+                  <a:pPr algn="ctr"/>
+                  <a14:m>
+                    <m:oMath xmlns:m="http://schemas.openxmlformats.org/officeDocument/2006/math">
+                      <m:r>
+                        <a:rPr kumimoji="1" lang="en-US" altLang="ja-JP" b="0" i="1" smtClean="0">
+                          <a:latin typeface="Cambria Math" panose="02040503050406030204" pitchFamily="18" charset="0"/>
+                          <a:cs typeface="Arial" panose="020B0604020202020204" pitchFamily="34" charset="0"/>
+                        </a:rPr>
+                        <m:t>𝑅</m:t>
+                      </m:r>
+                    </m:oMath>
+                  </a14:m>
+                  <a:r>
+                    <a:rPr kumimoji="1" lang="ja-JP" altLang="en-US" dirty="0">
+                      <a:latin typeface="Arial" panose="020B0604020202020204" pitchFamily="34" charset="0"/>
+                      <a:cs typeface="Arial" panose="020B0604020202020204" pitchFamily="34" charset="0"/>
+                    </a:rPr>
+                    <a:t> </a:t>
+                  </a:r>
+                  <a:r>
+                    <a:rPr kumimoji="1" lang="en-US" altLang="ja-JP" dirty="0">
+                      <a:latin typeface="Arial" panose="020B0604020202020204" pitchFamily="34" charset="0"/>
+                      <a:cs typeface="Arial" panose="020B0604020202020204" pitchFamily="34" charset="0"/>
+                    </a:rPr>
+                    <a:t>files</a:t>
+                  </a:r>
+                  <a:endParaRPr kumimoji="1" lang="ja-JP" altLang="en-US" dirty="0">
+                    <a:latin typeface="Arial" panose="020B0604020202020204" pitchFamily="34" charset="0"/>
+                    <a:cs typeface="Arial" panose="020B0604020202020204" pitchFamily="34" charset="0"/>
+                  </a:endParaRPr>
+                </a:p>
+              </p:txBody>
+            </p:sp>
+          </mc:Choice>
+          <mc:Fallback>
+            <p:sp>
+              <p:nvSpPr>
+                <p:cNvPr id="42" name="テキスト ボックス 41">
+                  <a:extLst>
+                    <a:ext uri="{FF2B5EF4-FFF2-40B4-BE49-F238E27FC236}">
+                      <a16:creationId xmlns:a16="http://schemas.microsoft.com/office/drawing/2014/main" id="{5D895A4C-A20B-42A3-A1C7-FFBAE652ECE5}"/>
+                    </a:ext>
+                  </a:extLst>
+                </p:cNvPr>
+                <p:cNvSpPr txBox="1">
+                  <a:spLocks noRot="1" noChangeAspect="1" noMove="1" noResize="1" noEditPoints="1" noAdjustHandles="1" noChangeArrowheads="1" noChangeShapeType="1" noTextEdit="1"/>
+                </p:cNvSpPr>
+                <p:nvPr/>
+              </p:nvSpPr>
+              <p:spPr>
+                <a:xfrm>
+                  <a:off x="8839286" y="2817245"/>
+                  <a:ext cx="1532778" cy="369332"/>
+                </a:xfrm>
+                <a:prstGeom prst="rect">
+                  <a:avLst/>
+                </a:prstGeom>
+                <a:blipFill>
+                  <a:blip r:embed="rId8"/>
+                  <a:stretch>
+                    <a:fillRect t="-8197" b="-24590"/>
+                  </a:stretch>
+                </a:blipFill>
+              </p:spPr>
+              <p:txBody>
+                <a:bodyPr/>
+                <a:lstStyle/>
+                <a:p>
+                  <a:r>
+                    <a:rPr lang="ja-JP" altLang="en-US">
+                      <a:noFill/>
+                    </a:rPr>
+                    <a:t> </a:t>
+                  </a:r>
+                </a:p>
+              </p:txBody>
+            </p:sp>
+          </mc:Fallback>
+        </mc:AlternateContent>
+      </p:grpSp>
+    </p:spTree>
+    <p:extLst>
+      <p:ext uri="{BB962C8B-B14F-4D97-AF65-F5344CB8AC3E}">
+        <p14:creationId xmlns:p14="http://schemas.microsoft.com/office/powerpoint/2010/main" val="1601639143"/>
+      </p:ext>
+    </p:extLst>
+  </p:cSld>
+  <p:clrMapOvr>
+    <a:masterClrMapping/>
+  </p:clrMapOvr>
+  <p:timing>
+    <p:tnLst>
+      <p:par>
+        <p:cTn id="1" dur="indefinite" restart="never" nodeType="tmRoot">
+          <p:childTnLst>
+            <p:seq concurrent="1" nextAc="seek">
+              <p:cTn id="2" dur="indefinite" nodeType="mainSeq">
+                <p:childTnLst>
+                  <p:par>
+                    <p:cTn id="3" fill="hold">
+                      <p:stCondLst>
+                        <p:cond delay="indefinite"/>
+                      </p:stCondLst>
+                      <p:childTnLst>
+                        <p:par>
+                          <p:cTn id="4" fill="hold">
+                            <p:stCondLst>
+                              <p:cond delay="0"/>
+                            </p:stCondLst>
+                            <p:childTnLst>
+                              <p:par>
+                                <p:cTn id="5" presetID="10" presetClass="entr" presetSubtype="0" fill="hold" nodeType="clickEffect">
+                                  <p:stCondLst>
+                                    <p:cond delay="0"/>
+                                  </p:stCondLst>
+                                  <p:childTnLst>
+                                    <p:set>
+                                      <p:cBhvr>
+                                        <p:cTn id="6" dur="1" fill="hold">
+                                          <p:stCondLst>
+                                            <p:cond delay="0"/>
+                                          </p:stCondLst>
+                                        </p:cTn>
+                                        <p:tgtEl>
+                                          <p:spTgt spid="43"/>
+                                        </p:tgtEl>
+                                        <p:attrNameLst>
+                                          <p:attrName>style.visibility</p:attrName>
+                                        </p:attrNameLst>
+                                      </p:cBhvr>
+                                      <p:to>
+                                        <p:strVal val="visible"/>
+                                      </p:to>
+                                    </p:set>
+                                    <p:animEffect transition="in" filter="fade">
+                                      <p:cBhvr>
+                                        <p:cTn id="7" dur="500"/>
+                                        <p:tgtEl>
+                                          <p:spTgt spid="43"/>
+                                        </p:tgtEl>
+                                      </p:cBhvr>
+                                    </p:animEffect>
+                                  </p:childTnLst>
+                                </p:cTn>
+                              </p:par>
+                            </p:childTnLst>
+                          </p:cTn>
+                        </p:par>
+                      </p:childTnLst>
+                    </p:cTn>
+                  </p:par>
+                  <p:par>
+                    <p:cTn id="8" fill="hold">
+                      <p:stCondLst>
+                        <p:cond delay="indefinite"/>
+                      </p:stCondLst>
+                      <p:childTnLst>
+                        <p:par>
+                          <p:cTn id="9" fill="hold">
+                            <p:stCondLst>
+                              <p:cond delay="0"/>
+                            </p:stCondLst>
+                            <p:childTnLst>
+                              <p:par>
+                                <p:cTn id="10" presetID="10" presetClass="entr" presetSubtype="0" fill="hold" grpId="0" nodeType="clickEffect">
+                                  <p:stCondLst>
+                                    <p:cond delay="0"/>
+                                  </p:stCondLst>
+                                  <p:childTnLst>
+                                    <p:set>
+                                      <p:cBhvr>
+                                        <p:cTn id="11" dur="1" fill="hold">
+                                          <p:stCondLst>
+                                            <p:cond delay="0"/>
+                                          </p:stCondLst>
+                                        </p:cTn>
+                                        <p:tgtEl>
+                                          <p:spTgt spid="34"/>
+                                        </p:tgtEl>
+                                        <p:attrNameLst>
+                                          <p:attrName>style.visibility</p:attrName>
+                                        </p:attrNameLst>
+                                      </p:cBhvr>
+                                      <p:to>
+                                        <p:strVal val="visible"/>
+                                      </p:to>
+                                    </p:set>
+                                    <p:animEffect transition="in" filter="fade">
+                                      <p:cBhvr>
+                                        <p:cTn id="12" dur="500"/>
+                                        <p:tgtEl>
+                                          <p:spTgt spid="34"/>
+                                        </p:tgtEl>
+                                      </p:cBhvr>
+                                    </p:animEffect>
+                                  </p:childTnLst>
+                                </p:cTn>
+                              </p:par>
+                            </p:childTnLst>
+                          </p:cTn>
+                        </p:par>
+                        <p:par>
+                          <p:cTn id="13" fill="hold">
+                            <p:stCondLst>
+                              <p:cond delay="500"/>
+                            </p:stCondLst>
+                            <p:childTnLst>
+                              <p:par>
+                                <p:cTn id="14" presetID="22" presetClass="entr" presetSubtype="8" fill="hold" nodeType="afterEffect">
+                                  <p:stCondLst>
+                                    <p:cond delay="0"/>
+                                  </p:stCondLst>
+                                  <p:childTnLst>
+                                    <p:set>
+                                      <p:cBhvr>
+                                        <p:cTn id="15" dur="1" fill="hold">
+                                          <p:stCondLst>
+                                            <p:cond delay="0"/>
+                                          </p:stCondLst>
+                                        </p:cTn>
+                                        <p:tgtEl>
+                                          <p:spTgt spid="24"/>
+                                        </p:tgtEl>
+                                        <p:attrNameLst>
+                                          <p:attrName>style.visibility</p:attrName>
+                                        </p:attrNameLst>
+                                      </p:cBhvr>
+                                      <p:to>
+                                        <p:strVal val="visible"/>
+                                      </p:to>
+                                    </p:set>
+                                    <p:animEffect transition="in" filter="wipe(left)">
+                                      <p:cBhvr>
+                                        <p:cTn id="16" dur="500"/>
+                                        <p:tgtEl>
+                                          <p:spTgt spid="24"/>
+                                        </p:tgtEl>
+                                      </p:cBhvr>
+                                    </p:animEffect>
+                                  </p:childTnLst>
+                                </p:cTn>
+                              </p:par>
+                            </p:childTnLst>
+                          </p:cTn>
+                        </p:par>
+                        <p:par>
+                          <p:cTn id="17" fill="hold">
+                            <p:stCondLst>
+                              <p:cond delay="1000"/>
+                            </p:stCondLst>
+                            <p:childTnLst>
+                              <p:par>
+                                <p:cTn id="18" presetID="10" presetClass="entr" presetSubtype="0" fill="hold" nodeType="afterEffect">
+                                  <p:stCondLst>
+                                    <p:cond delay="0"/>
+                                  </p:stCondLst>
+                                  <p:childTnLst>
+                                    <p:set>
+                                      <p:cBhvr>
+                                        <p:cTn id="19" dur="1" fill="hold">
+                                          <p:stCondLst>
+                                            <p:cond delay="0"/>
+                                          </p:stCondLst>
+                                        </p:cTn>
+                                        <p:tgtEl>
+                                          <p:spTgt spid="44"/>
+                                        </p:tgtEl>
+                                        <p:attrNameLst>
+                                          <p:attrName>style.visibility</p:attrName>
+                                        </p:attrNameLst>
+                                      </p:cBhvr>
+                                      <p:to>
+                                        <p:strVal val="visible"/>
+                                      </p:to>
+                                    </p:set>
+                                    <p:animEffect transition="in" filter="fade">
+                                      <p:cBhvr>
+                                        <p:cTn id="20" dur="500"/>
+                                        <p:tgtEl>
+                                          <p:spTgt spid="44"/>
+                                        </p:tgtEl>
+                                      </p:cBhvr>
+                                    </p:animEffect>
+                                  </p:childTnLst>
+                                </p:cTn>
+                              </p:par>
+                            </p:childTnLst>
+                          </p:cTn>
+                        </p:par>
+                      </p:childTnLst>
+                    </p:cTn>
+                  </p:par>
+                  <p:par>
+                    <p:cTn id="21" fill="hold">
+                      <p:stCondLst>
+                        <p:cond delay="indefinite"/>
+                      </p:stCondLst>
+                      <p:childTnLst>
+                        <p:par>
+                          <p:cTn id="22" fill="hold">
+                            <p:stCondLst>
+                              <p:cond delay="0"/>
+                            </p:stCondLst>
+                            <p:childTnLst>
+                              <p:par>
+                                <p:cTn id="23" presetID="10" presetClass="entr" presetSubtype="0" fill="hold" grpId="0" nodeType="clickEffect">
+                                  <p:stCondLst>
+                                    <p:cond delay="0"/>
+                                  </p:stCondLst>
+                                  <p:childTnLst>
+                                    <p:set>
+                                      <p:cBhvr>
+                                        <p:cTn id="24" dur="1" fill="hold">
+                                          <p:stCondLst>
+                                            <p:cond delay="0"/>
+                                          </p:stCondLst>
+                                        </p:cTn>
+                                        <p:tgtEl>
+                                          <p:spTgt spid="36"/>
+                                        </p:tgtEl>
+                                        <p:attrNameLst>
+                                          <p:attrName>style.visibility</p:attrName>
+                                        </p:attrNameLst>
+                                      </p:cBhvr>
+                                      <p:to>
+                                        <p:strVal val="visible"/>
+                                      </p:to>
+                                    </p:set>
+                                    <p:animEffect transition="in" filter="fade">
+                                      <p:cBhvr>
+                                        <p:cTn id="25" dur="500"/>
+                                        <p:tgtEl>
+                                          <p:spTgt spid="36"/>
+                                        </p:tgtEl>
+                                      </p:cBhvr>
+                                    </p:animEffect>
+                                  </p:childTnLst>
+                                </p:cTn>
+                              </p:par>
+                            </p:childTnLst>
+                          </p:cTn>
+                        </p:par>
+                        <p:par>
+                          <p:cTn id="26" fill="hold">
+                            <p:stCondLst>
+                              <p:cond delay="500"/>
+                            </p:stCondLst>
+                            <p:childTnLst>
+                              <p:par>
+                                <p:cTn id="27" presetID="22" presetClass="entr" presetSubtype="8" fill="hold" nodeType="afterEffect">
+                                  <p:stCondLst>
+                                    <p:cond delay="0"/>
+                                  </p:stCondLst>
+                                  <p:childTnLst>
+                                    <p:set>
+                                      <p:cBhvr>
+                                        <p:cTn id="28" dur="1" fill="hold">
+                                          <p:stCondLst>
+                                            <p:cond delay="0"/>
+                                          </p:stCondLst>
+                                        </p:cTn>
+                                        <p:tgtEl>
+                                          <p:spTgt spid="35"/>
+                                        </p:tgtEl>
+                                        <p:attrNameLst>
+                                          <p:attrName>style.visibility</p:attrName>
+                                        </p:attrNameLst>
+                                      </p:cBhvr>
+                                      <p:to>
+                                        <p:strVal val="visible"/>
+                                      </p:to>
+                                    </p:set>
+                                    <p:animEffect transition="in" filter="wipe(left)">
+                                      <p:cBhvr>
+                                        <p:cTn id="29" dur="500"/>
+                                        <p:tgtEl>
+                                          <p:spTgt spid="35"/>
+                                        </p:tgtEl>
+                                      </p:cBhvr>
+                                    </p:animEffect>
+                                  </p:childTnLst>
+                                </p:cTn>
+                              </p:par>
+                            </p:childTnLst>
+                          </p:cTn>
+                        </p:par>
+                        <p:par>
+                          <p:cTn id="30" fill="hold">
+                            <p:stCondLst>
+                              <p:cond delay="1000"/>
+                            </p:stCondLst>
+                            <p:childTnLst>
+                              <p:par>
+                                <p:cTn id="31" presetID="10" presetClass="entr" presetSubtype="0" fill="hold" nodeType="afterEffect">
+                                  <p:stCondLst>
+                                    <p:cond delay="0"/>
+                                  </p:stCondLst>
+                                  <p:childTnLst>
+                                    <p:set>
+                                      <p:cBhvr>
+                                        <p:cTn id="32" dur="1" fill="hold">
+                                          <p:stCondLst>
+                                            <p:cond delay="0"/>
+                                          </p:stCondLst>
+                                        </p:cTn>
+                                        <p:tgtEl>
+                                          <p:spTgt spid="45"/>
+                                        </p:tgtEl>
+                                        <p:attrNameLst>
+                                          <p:attrName>style.visibility</p:attrName>
+                                        </p:attrNameLst>
+                                      </p:cBhvr>
+                                      <p:to>
+                                        <p:strVal val="visible"/>
+                                      </p:to>
+                                    </p:set>
+                                    <p:animEffect transition="in" filter="fade">
+                                      <p:cBhvr>
+                                        <p:cTn id="33" dur="500"/>
+                                        <p:tgtEl>
+                                          <p:spTgt spid="45"/>
+                                        </p:tgtEl>
+                                      </p:cBhvr>
+                                    </p:animEffect>
+                                  </p:childTnLst>
+                                </p:cTn>
+                              </p:par>
+                            </p:childTnLst>
+                          </p:cTn>
+                        </p:par>
+                      </p:childTnLst>
+                    </p:cTn>
+                  </p:par>
+                </p:childTnLst>
+              </p:cTn>
+              <p:prevCondLst>
+                <p:cond evt="onPrev" delay="0">
+                  <p:tgtEl>
+                    <p:sldTgt/>
+                  </p:tgtEl>
+                </p:cond>
+              </p:prevCondLst>
+              <p:nextCondLst>
+                <p:cond evt="onNext" delay="0">
+                  <p:tgtEl>
+                    <p:sldTgt/>
+                  </p:tgtEl>
+                </p:cond>
+              </p:nextCondLst>
+            </p:seq>
+          </p:childTnLst>
+        </p:cTn>
+      </p:par>
+    </p:tnLst>
+    <p:bldLst>
+      <p:bldP spid="34" grpId="0" animBg="1"/>
+      <p:bldP spid="36" grpId="0" animBg="1"/>
     </p:bldLst>
   </p:timing>
 </p:sld>

--- a/paper/ABC2021BentoChallenge/ABC2021.pptx
+++ b/paper/ABC2021BentoChallenge/ABC2021.pptx
@@ -5,7 +5,7 @@
     <p:sldMasterId id="2147483648" r:id="rId1"/>
   </p:sldMasterIdLst>
   <p:notesMasterIdLst>
-    <p:notesMasterId r:id="rId9"/>
+    <p:notesMasterId r:id="rId10"/>
   </p:notesMasterIdLst>
   <p:sldIdLst>
     <p:sldId id="256" r:id="rId2"/>
@@ -15,6 +15,7 @@
     <p:sldId id="260" r:id="rId6"/>
     <p:sldId id="261" r:id="rId7"/>
     <p:sldId id="262" r:id="rId8"/>
+    <p:sldId id="263" r:id="rId9"/>
   </p:sldIdLst>
   <p:sldSz cx="12192000" cy="6858000"/>
   <p:notesSz cx="6858000" cy="9144000"/>
@@ -454,7 +455,7 @@
           <a:p>
             <a:fld id="{4422507A-29CE-4FCB-8EEC-8E792EA02E35}" type="datetimeFigureOut">
               <a:rPr kumimoji="1" lang="ja-JP" altLang="en-US" smtClean="0"/>
-              <a:t>2021/9/6</a:t>
+              <a:t>2021/9/8</a:t>
             </a:fld>
             <a:endParaRPr kumimoji="1" lang="ja-JP" altLang="en-US"/>
           </a:p>
@@ -838,7 +839,7 @@
           <a:p>
             <a:fld id="{A98D3432-C38B-446E-969A-78567292025D}" type="datetime1">
               <a:rPr kumimoji="1" lang="ja-JP" altLang="en-US" smtClean="0"/>
-              <a:t>2021/9/6</a:t>
+              <a:t>2021/9/8</a:t>
             </a:fld>
             <a:endParaRPr kumimoji="1" lang="ja-JP" altLang="en-US"/>
           </a:p>
@@ -1339,7 +1340,7 @@
           <a:p>
             <a:fld id="{05B662BA-D465-4C44-BE2B-F2A8D4F2B289}" type="datetime1">
               <a:rPr kumimoji="1" lang="ja-JP" altLang="en-US" smtClean="0"/>
-              <a:t>2021/9/6</a:t>
+              <a:t>2021/9/8</a:t>
             </a:fld>
             <a:endParaRPr kumimoji="1" lang="ja-JP" altLang="en-US"/>
           </a:p>
@@ -1579,7 +1580,7 @@
           <a:p>
             <a:fld id="{A4B4DDCD-FB98-44E4-BDAA-3DB16A47270F}" type="datetime1">
               <a:rPr kumimoji="1" lang="ja-JP" altLang="en-US" smtClean="0"/>
-              <a:t>2021/9/6</a:t>
+              <a:t>2021/9/8</a:t>
             </a:fld>
             <a:endParaRPr kumimoji="1" lang="ja-JP" altLang="en-US"/>
           </a:p>
@@ -1862,7 +1863,7 @@
           <a:p>
             <a:fld id="{DFD2984D-04FA-418A-85DE-0DB3CB16783E}" type="datetime1">
               <a:rPr kumimoji="1" lang="ja-JP" altLang="en-US" smtClean="0"/>
-              <a:t>2021/9/6</a:t>
+              <a:t>2021/9/8</a:t>
             </a:fld>
             <a:endParaRPr kumimoji="1" lang="ja-JP" altLang="en-US"/>
           </a:p>
@@ -2311,7 +2312,7 @@
           <a:p>
             <a:fld id="{4CBACEDF-020F-4270-BF0A-980F8136E038}" type="datetime1">
               <a:rPr kumimoji="1" lang="ja-JP" altLang="en-US" smtClean="0"/>
-              <a:t>2021/9/6</a:t>
+              <a:t>2021/9/8</a:t>
             </a:fld>
             <a:endParaRPr kumimoji="1" lang="ja-JP" altLang="en-US"/>
           </a:p>
@@ -2640,7 +2641,7 @@
           <a:p>
             <a:fld id="{777E2237-9B3F-4231-B30C-59668B530BD1}" type="datetime1">
               <a:rPr kumimoji="1" lang="ja-JP" altLang="en-US" smtClean="0"/>
-              <a:t>2021/9/6</a:t>
+              <a:t>2021/9/8</a:t>
             </a:fld>
             <a:endParaRPr kumimoji="1" lang="ja-JP" altLang="en-US"/>
           </a:p>
@@ -3116,7 +3117,7 @@
           <a:p>
             <a:fld id="{FC32FA7D-BC1F-4F29-8624-3C079AC63AB5}" type="datetime1">
               <a:rPr kumimoji="1" lang="ja-JP" altLang="en-US" smtClean="0"/>
-              <a:t>2021/9/6</a:t>
+              <a:t>2021/9/8</a:t>
             </a:fld>
             <a:endParaRPr kumimoji="1" lang="ja-JP" altLang="en-US"/>
           </a:p>
@@ -3257,7 +3258,7 @@
           <a:p>
             <a:fld id="{3C84FD27-4E70-444C-BEAA-8F4375C442D0}" type="datetime1">
               <a:rPr kumimoji="1" lang="ja-JP" altLang="en-US" smtClean="0"/>
-              <a:t>2021/9/6</a:t>
+              <a:t>2021/9/8</a:t>
             </a:fld>
             <a:endParaRPr kumimoji="1" lang="ja-JP" altLang="en-US"/>
           </a:p>
@@ -3370,7 +3371,7 @@
           <a:p>
             <a:fld id="{948AA4EF-B642-4876-A0D8-C1A1222FECFF}" type="datetime1">
               <a:rPr kumimoji="1" lang="ja-JP" altLang="en-US" smtClean="0"/>
-              <a:t>2021/9/6</a:t>
+              <a:t>2021/9/8</a:t>
             </a:fld>
             <a:endParaRPr kumimoji="1" lang="ja-JP" altLang="en-US"/>
           </a:p>
@@ -3713,7 +3714,7 @@
           <a:p>
             <a:fld id="{11B8299D-EABC-4EEB-90B0-DD13FA256803}" type="datetime1">
               <a:rPr kumimoji="1" lang="ja-JP" altLang="en-US" smtClean="0"/>
-              <a:t>2021/9/6</a:t>
+              <a:t>2021/9/8</a:t>
             </a:fld>
             <a:endParaRPr kumimoji="1" lang="ja-JP" altLang="en-US"/>
           </a:p>
@@ -4001,7 +4002,7 @@
           <a:p>
             <a:fld id="{2CB9F4AB-19AE-4711-AA92-655F76F7355A}" type="datetime1">
               <a:rPr kumimoji="1" lang="ja-JP" altLang="en-US" smtClean="0"/>
-              <a:t>2021/9/6</a:t>
+              <a:t>2021/9/8</a:t>
             </a:fld>
             <a:endParaRPr kumimoji="1" lang="ja-JP" altLang="en-US"/>
           </a:p>
@@ -4274,7 +4275,7 @@
           <a:p>
             <a:fld id="{10A34200-B792-42A2-9C71-FE89F6DBFDEA}" type="datetime1">
               <a:rPr kumimoji="1" lang="ja-JP" altLang="en-US" smtClean="0"/>
-              <a:t>2021/9/6</a:t>
+              <a:t>2021/9/8</a:t>
             </a:fld>
             <a:endParaRPr kumimoji="1" lang="ja-JP" altLang="en-US"/>
           </a:p>
@@ -10131,8 +10132,8 @@
             </a:p>
           </p:txBody>
         </p:sp>
-        <mc:AlternateContent xmlns:mc="http://schemas.openxmlformats.org/markup-compatibility/2006">
-          <mc:Choice xmlns:a14="http://schemas.microsoft.com/office/drawing/2010/main" Requires="a14">
+        <mc:AlternateContent xmlns:mc="http://schemas.openxmlformats.org/markup-compatibility/2006" xmlns:a14="http://schemas.microsoft.com/office/drawing/2010/main">
+          <mc:Choice Requires="a14">
             <p:sp>
               <p:nvSpPr>
                 <p:cNvPr id="42" name="テキスト ボックス 41">
@@ -10195,7 +10196,7 @@
               </p:txBody>
             </p:sp>
           </mc:Choice>
-          <mc:Fallback>
+          <mc:Fallback xmlns="">
             <p:sp>
               <p:nvSpPr>
                 <p:cNvPr id="42" name="テキスト ボックス 41">
@@ -10618,6 +10619,3455 @@
     <p:bldLst>
       <p:bldP spid="34" grpId="0" animBg="1"/>
       <p:bldP spid="36" grpId="0" animBg="1"/>
+    </p:bldLst>
+  </p:timing>
+</p:sld>
+</file>
+
+<file path=ppt/slides/slide8.xml><?xml version="1.0" encoding="utf-8"?>
+<p:sld xmlns:a="http://schemas.openxmlformats.org/drawingml/2006/main" xmlns:r="http://schemas.openxmlformats.org/officeDocument/2006/relationships" xmlns:p="http://schemas.openxmlformats.org/presentationml/2006/main">
+  <p:cSld>
+    <p:spTree>
+      <p:nvGrpSpPr>
+        <p:cNvPr id="1" name=""/>
+        <p:cNvGrpSpPr/>
+        <p:nvPr/>
+      </p:nvGrpSpPr>
+      <p:grpSpPr>
+        <a:xfrm>
+          <a:off x="0" y="0"/>
+          <a:ext cx="0" cy="0"/>
+          <a:chOff x="0" y="0"/>
+          <a:chExt cx="0" cy="0"/>
+        </a:xfrm>
+      </p:grpSpPr>
+      <p:sp>
+        <p:nvSpPr>
+          <p:cNvPr id="2" name="タイトル 1">
+            <a:extLst>
+              <a:ext uri="{FF2B5EF4-FFF2-40B4-BE49-F238E27FC236}">
+                <a16:creationId xmlns:a16="http://schemas.microsoft.com/office/drawing/2014/main" id="{07ABF8D7-C99B-492D-B8BD-E23E1AD978ED}"/>
+              </a:ext>
+            </a:extLst>
+          </p:cNvPr>
+          <p:cNvSpPr>
+            <a:spLocks noGrp="1"/>
+          </p:cNvSpPr>
+          <p:nvPr>
+            <p:ph type="title"/>
+          </p:nvPr>
+        </p:nvSpPr>
+        <p:spPr/>
+        <p:txBody>
+          <a:bodyPr/>
+          <a:lstStyle/>
+          <a:p>
+            <a:r>
+              <a:rPr kumimoji="1" lang="en-US" altLang="ja-JP" dirty="0"/>
+              <a:t>Method – Preprocessing </a:t>
+            </a:r>
+            <a:r>
+              <a:rPr kumimoji="1" lang="en-US" altLang="ja-JP" sz="2000" dirty="0"/>
+              <a:t>(Feature extraction process)</a:t>
+            </a:r>
+            <a:endParaRPr kumimoji="1" lang="ja-JP" altLang="en-US" dirty="0"/>
+          </a:p>
+        </p:txBody>
+      </p:sp>
+      <p:sp>
+        <p:nvSpPr>
+          <p:cNvPr id="3" name="コンテンツ プレースホルダー 2">
+            <a:extLst>
+              <a:ext uri="{FF2B5EF4-FFF2-40B4-BE49-F238E27FC236}">
+                <a16:creationId xmlns:a16="http://schemas.microsoft.com/office/drawing/2014/main" id="{134519EE-2136-42A3-A6D5-02DD87092840}"/>
+              </a:ext>
+            </a:extLst>
+          </p:cNvPr>
+          <p:cNvSpPr>
+            <a:spLocks noGrp="1"/>
+          </p:cNvSpPr>
+          <p:nvPr>
+            <p:ph idx="1"/>
+          </p:nvPr>
+        </p:nvSpPr>
+        <p:spPr>
+          <a:xfrm>
+            <a:off x="838200" y="1825625"/>
+            <a:ext cx="10515600" cy="534048"/>
+          </a:xfrm>
+        </p:spPr>
+        <p:txBody>
+          <a:bodyPr/>
+          <a:lstStyle/>
+          <a:p>
+            <a:r>
+              <a:rPr kumimoji="1" lang="en-US" altLang="ja-JP" dirty="0"/>
+              <a:t>This process extract the feature data.</a:t>
+            </a:r>
+            <a:endParaRPr kumimoji="1" lang="ja-JP" altLang="en-US" dirty="0"/>
+          </a:p>
+        </p:txBody>
+      </p:sp>
+      <p:sp>
+        <p:nvSpPr>
+          <p:cNvPr id="4" name="スライド番号プレースホルダー 3">
+            <a:extLst>
+              <a:ext uri="{FF2B5EF4-FFF2-40B4-BE49-F238E27FC236}">
+                <a16:creationId xmlns:a16="http://schemas.microsoft.com/office/drawing/2014/main" id="{902CFDD5-A982-463A-BFBC-0AA73D9D5BEF}"/>
+              </a:ext>
+            </a:extLst>
+          </p:cNvPr>
+          <p:cNvSpPr>
+            <a:spLocks noGrp="1"/>
+          </p:cNvSpPr>
+          <p:nvPr>
+            <p:ph type="sldNum" sz="quarter" idx="12"/>
+          </p:nvPr>
+        </p:nvSpPr>
+        <p:spPr/>
+        <p:txBody>
+          <a:bodyPr/>
+          <a:lstStyle/>
+          <a:p>
+            <a:fld id="{92084505-5355-43A2-B929-FD06D0DABC31}" type="slidenum">
+              <a:rPr lang="ja-JP" altLang="en-US" smtClean="0"/>
+              <a:pPr/>
+              <a:t>8</a:t>
+            </a:fld>
+            <a:endParaRPr lang="ja-JP" altLang="en-US" dirty="0"/>
+          </a:p>
+        </p:txBody>
+      </p:sp>
+      <p:sp>
+        <p:nvSpPr>
+          <p:cNvPr id="6" name="正方形/長方形 5">
+            <a:extLst>
+              <a:ext uri="{FF2B5EF4-FFF2-40B4-BE49-F238E27FC236}">
+                <a16:creationId xmlns:a16="http://schemas.microsoft.com/office/drawing/2014/main" id="{7FD6CDDC-A819-49CC-B384-6BABDE06B071}"/>
+              </a:ext>
+            </a:extLst>
+          </p:cNvPr>
+          <p:cNvSpPr/>
+          <p:nvPr/>
+        </p:nvSpPr>
+        <p:spPr>
+          <a:xfrm>
+            <a:off x="1194063" y="2938314"/>
+            <a:ext cx="4463935" cy="461665"/>
+          </a:xfrm>
+          <a:prstGeom prst="rect">
+            <a:avLst/>
+          </a:prstGeom>
+          <a:noFill/>
+          <a:ln>
+            <a:solidFill>
+              <a:schemeClr val="tx1"/>
+            </a:solidFill>
+          </a:ln>
+        </p:spPr>
+        <p:style>
+          <a:lnRef idx="2">
+            <a:schemeClr val="accent1">
+              <a:shade val="50000"/>
+            </a:schemeClr>
+          </a:lnRef>
+          <a:fillRef idx="1">
+            <a:schemeClr val="accent1"/>
+          </a:fillRef>
+          <a:effectRef idx="0">
+            <a:schemeClr val="accent1"/>
+          </a:effectRef>
+          <a:fontRef idx="minor">
+            <a:schemeClr val="lt1"/>
+          </a:fontRef>
+        </p:style>
+        <p:txBody>
+          <a:bodyPr rtlCol="0" anchor="ctr"/>
+          <a:lstStyle/>
+          <a:p>
+            <a:pPr algn="ctr"/>
+            <a:endParaRPr kumimoji="1" lang="ja-JP" altLang="en-US">
+              <a:latin typeface="Arial" panose="020B0604020202020204" pitchFamily="34" charset="0"/>
+              <a:cs typeface="Arial" panose="020B0604020202020204" pitchFamily="34" charset="0"/>
+            </a:endParaRPr>
+          </a:p>
+        </p:txBody>
+      </p:sp>
+      <mc:AlternateContent xmlns:mc="http://schemas.openxmlformats.org/markup-compatibility/2006">
+        <mc:Choice xmlns:a14="http://schemas.microsoft.com/office/drawing/2010/main" Requires="a14">
+          <p:sp>
+            <p:nvSpPr>
+              <p:cNvPr id="7" name="テキスト ボックス 6">
+                <a:extLst>
+                  <a:ext uri="{FF2B5EF4-FFF2-40B4-BE49-F238E27FC236}">
+                    <a16:creationId xmlns:a16="http://schemas.microsoft.com/office/drawing/2014/main" id="{302EBCE3-62F4-4AE9-8F54-4183F81BBD91}"/>
+                  </a:ext>
+                </a:extLst>
+              </p:cNvPr>
+              <p:cNvSpPr txBox="1"/>
+              <p:nvPr/>
+            </p:nvSpPr>
+            <p:spPr>
+              <a:xfrm>
+                <a:off x="1194063" y="2938313"/>
+                <a:ext cx="4463935" cy="461665"/>
+              </a:xfrm>
+              <a:prstGeom prst="rect">
+                <a:avLst/>
+              </a:prstGeom>
+              <a:noFill/>
+            </p:spPr>
+            <p:txBody>
+              <a:bodyPr wrap="square" rtlCol="0">
+                <a:spAutoFit/>
+              </a:bodyPr>
+              <a:lstStyle/>
+              <a:p>
+                <a:pPr/>
+                <a14:m>
+                  <m:oMathPara xmlns:m="http://schemas.openxmlformats.org/officeDocument/2006/math">
+                    <m:oMathParaPr>
+                      <m:jc m:val="centerGroup"/>
+                    </m:oMathParaPr>
+                    <m:oMath xmlns:m="http://schemas.openxmlformats.org/officeDocument/2006/math">
+                      <m:r>
+                        <a:rPr kumimoji="1" lang="en-US" altLang="ja-JP" sz="2400" b="0" i="1" smtClean="0">
+                          <a:latin typeface="Cambria Math" panose="02040503050406030204" pitchFamily="18" charset="0"/>
+                        </a:rPr>
+                        <m:t>𝑥</m:t>
+                      </m:r>
+                    </m:oMath>
+                  </m:oMathPara>
+                </a14:m>
+                <a:endParaRPr kumimoji="1" lang="ja-JP" altLang="en-US" sz="2400" dirty="0">
+                  <a:latin typeface="Arial" panose="020B0604020202020204" pitchFamily="34" charset="0"/>
+                  <a:cs typeface="Arial" panose="020B0604020202020204" pitchFamily="34" charset="0"/>
+                </a:endParaRPr>
+              </a:p>
+            </p:txBody>
+          </p:sp>
+        </mc:Choice>
+        <mc:Fallback>
+          <p:sp>
+            <p:nvSpPr>
+              <p:cNvPr id="7" name="テキスト ボックス 6">
+                <a:extLst>
+                  <a:ext uri="{FF2B5EF4-FFF2-40B4-BE49-F238E27FC236}">
+                    <a16:creationId xmlns:a16="http://schemas.microsoft.com/office/drawing/2014/main" id="{302EBCE3-62F4-4AE9-8F54-4183F81BBD91}"/>
+                  </a:ext>
+                </a:extLst>
+              </p:cNvPr>
+              <p:cNvSpPr txBox="1">
+                <a:spLocks noRot="1" noChangeAspect="1" noMove="1" noResize="1" noEditPoints="1" noAdjustHandles="1" noChangeArrowheads="1" noChangeShapeType="1" noTextEdit="1"/>
+              </p:cNvSpPr>
+              <p:nvPr/>
+            </p:nvSpPr>
+            <p:spPr>
+              <a:xfrm>
+                <a:off x="1194063" y="2938313"/>
+                <a:ext cx="4463935" cy="461665"/>
+              </a:xfrm>
+              <a:prstGeom prst="rect">
+                <a:avLst/>
+              </a:prstGeom>
+              <a:blipFill>
+                <a:blip r:embed="rId2"/>
+                <a:stretch>
+                  <a:fillRect/>
+                </a:stretch>
+              </a:blipFill>
+            </p:spPr>
+            <p:txBody>
+              <a:bodyPr/>
+              <a:lstStyle/>
+              <a:p>
+                <a:r>
+                  <a:rPr lang="ja-JP" altLang="en-US">
+                    <a:noFill/>
+                  </a:rPr>
+                  <a:t> </a:t>
+                </a:r>
+              </a:p>
+            </p:txBody>
+          </p:sp>
+        </mc:Fallback>
+      </mc:AlternateContent>
+      <p:sp>
+        <p:nvSpPr>
+          <p:cNvPr id="8" name="円弧 7">
+            <a:extLst>
+              <a:ext uri="{FF2B5EF4-FFF2-40B4-BE49-F238E27FC236}">
+                <a16:creationId xmlns:a16="http://schemas.microsoft.com/office/drawing/2014/main" id="{768855EB-333C-4EC2-9D2D-9694CA2D0DC3}"/>
+              </a:ext>
+            </a:extLst>
+          </p:cNvPr>
+          <p:cNvSpPr/>
+          <p:nvPr/>
+        </p:nvSpPr>
+        <p:spPr>
+          <a:xfrm>
+            <a:off x="3683058" y="2672159"/>
+            <a:ext cx="1980000" cy="606972"/>
+          </a:xfrm>
+          <a:prstGeom prst="arc">
+            <a:avLst>
+              <a:gd name="adj1" fmla="val 16086873"/>
+              <a:gd name="adj2" fmla="val 0"/>
+            </a:avLst>
+          </a:prstGeom>
+        </p:spPr>
+        <p:style>
+          <a:lnRef idx="1">
+            <a:schemeClr val="dk1"/>
+          </a:lnRef>
+          <a:fillRef idx="0">
+            <a:schemeClr val="dk1"/>
+          </a:fillRef>
+          <a:effectRef idx="0">
+            <a:schemeClr val="dk1"/>
+          </a:effectRef>
+          <a:fontRef idx="minor">
+            <a:schemeClr val="tx1"/>
+          </a:fontRef>
+        </p:style>
+        <p:txBody>
+          <a:bodyPr rtlCol="0" anchor="ctr"/>
+          <a:lstStyle/>
+          <a:p>
+            <a:pPr algn="ctr"/>
+            <a:endParaRPr kumimoji="1" lang="ja-JP" altLang="en-US">
+              <a:latin typeface="Arial" panose="020B0604020202020204" pitchFamily="34" charset="0"/>
+              <a:cs typeface="Arial" panose="020B0604020202020204" pitchFamily="34" charset="0"/>
+            </a:endParaRPr>
+          </a:p>
+        </p:txBody>
+      </p:sp>
+      <p:sp>
+        <p:nvSpPr>
+          <p:cNvPr id="9" name="円弧 8">
+            <a:extLst>
+              <a:ext uri="{FF2B5EF4-FFF2-40B4-BE49-F238E27FC236}">
+                <a16:creationId xmlns:a16="http://schemas.microsoft.com/office/drawing/2014/main" id="{DB3D52A0-B3FA-4813-8089-A05053A82C04}"/>
+              </a:ext>
+            </a:extLst>
+          </p:cNvPr>
+          <p:cNvSpPr/>
+          <p:nvPr/>
+        </p:nvSpPr>
+        <p:spPr>
+          <a:xfrm flipH="1">
+            <a:off x="1194062" y="2634826"/>
+            <a:ext cx="1980000" cy="606972"/>
+          </a:xfrm>
+          <a:prstGeom prst="arc">
+            <a:avLst>
+              <a:gd name="adj1" fmla="val 16086873"/>
+              <a:gd name="adj2" fmla="val 0"/>
+            </a:avLst>
+          </a:prstGeom>
+        </p:spPr>
+        <p:style>
+          <a:lnRef idx="1">
+            <a:schemeClr val="dk1"/>
+          </a:lnRef>
+          <a:fillRef idx="0">
+            <a:schemeClr val="dk1"/>
+          </a:fillRef>
+          <a:effectRef idx="0">
+            <a:schemeClr val="dk1"/>
+          </a:effectRef>
+          <a:fontRef idx="minor">
+            <a:schemeClr val="tx1"/>
+          </a:fontRef>
+        </p:style>
+        <p:txBody>
+          <a:bodyPr rtlCol="0" anchor="ctr"/>
+          <a:lstStyle/>
+          <a:p>
+            <a:pPr algn="ctr"/>
+            <a:endParaRPr kumimoji="1" lang="ja-JP" altLang="en-US">
+              <a:latin typeface="Arial" panose="020B0604020202020204" pitchFamily="34" charset="0"/>
+              <a:cs typeface="Arial" panose="020B0604020202020204" pitchFamily="34" charset="0"/>
+            </a:endParaRPr>
+          </a:p>
+        </p:txBody>
+      </p:sp>
+      <p:sp>
+        <p:nvSpPr>
+          <p:cNvPr id="10" name="テキスト ボックス 9">
+            <a:extLst>
+              <a:ext uri="{FF2B5EF4-FFF2-40B4-BE49-F238E27FC236}">
+                <a16:creationId xmlns:a16="http://schemas.microsoft.com/office/drawing/2014/main" id="{56F8CF70-E1B5-491C-9C25-5DEFD1710246}"/>
+              </a:ext>
+            </a:extLst>
+          </p:cNvPr>
+          <p:cNvSpPr txBox="1"/>
+          <p:nvPr/>
+        </p:nvSpPr>
+        <p:spPr>
+          <a:xfrm>
+            <a:off x="2232813" y="2336888"/>
+            <a:ext cx="2391495" cy="584775"/>
+          </a:xfrm>
+          <a:prstGeom prst="rect">
+            <a:avLst/>
+          </a:prstGeom>
+          <a:noFill/>
+        </p:spPr>
+        <p:txBody>
+          <a:bodyPr wrap="square" rtlCol="0">
+            <a:spAutoFit/>
+          </a:bodyPr>
+          <a:lstStyle/>
+          <a:p>
+            <a:pPr algn="ctr"/>
+            <a:r>
+              <a:rPr kumimoji="1" lang="en-US" altLang="ja-JP" sz="1600" dirty="0">
+                <a:latin typeface="Arial" panose="020B0604020202020204" pitchFamily="34" charset="0"/>
+                <a:cs typeface="Arial" panose="020B0604020202020204" pitchFamily="34" charset="0"/>
+              </a:rPr>
+              <a:t>One operation</a:t>
+            </a:r>
+          </a:p>
+          <a:p>
+            <a:pPr algn="ctr"/>
+            <a:r>
+              <a:rPr kumimoji="1" lang="en-US" altLang="ja-JP" sz="1600" dirty="0">
+                <a:latin typeface="Arial" panose="020B0604020202020204" pitchFamily="34" charset="0"/>
+                <a:cs typeface="Arial" panose="020B0604020202020204" pitchFamily="34" charset="0"/>
+              </a:rPr>
+              <a:t>time-series velocity data</a:t>
+            </a:r>
+            <a:endParaRPr kumimoji="1" lang="ja-JP" altLang="en-US" sz="1600" dirty="0">
+              <a:latin typeface="Arial" panose="020B0604020202020204" pitchFamily="34" charset="0"/>
+              <a:cs typeface="Arial" panose="020B0604020202020204" pitchFamily="34" charset="0"/>
+            </a:endParaRPr>
+          </a:p>
+        </p:txBody>
+      </p:sp>
+      <p:cxnSp>
+        <p:nvCxnSpPr>
+          <p:cNvPr id="11" name="直線コネクタ 10">
+            <a:extLst>
+              <a:ext uri="{FF2B5EF4-FFF2-40B4-BE49-F238E27FC236}">
+                <a16:creationId xmlns:a16="http://schemas.microsoft.com/office/drawing/2014/main" id="{FB7CB52E-3483-4EFF-BC89-6F7007FB07FA}"/>
+              </a:ext>
+            </a:extLst>
+          </p:cNvPr>
+          <p:cNvCxnSpPr>
+            <a:cxnSpLocks/>
+          </p:cNvCxnSpPr>
+          <p:nvPr/>
+        </p:nvCxnSpPr>
+        <p:spPr>
+          <a:xfrm>
+            <a:off x="1194063" y="3505412"/>
+            <a:ext cx="0" cy="216000"/>
+          </a:xfrm>
+          <a:prstGeom prst="line">
+            <a:avLst/>
+          </a:prstGeom>
+          <a:ln w="12700"/>
+        </p:spPr>
+        <p:style>
+          <a:lnRef idx="1">
+            <a:schemeClr val="dk1"/>
+          </a:lnRef>
+          <a:fillRef idx="0">
+            <a:schemeClr val="dk1"/>
+          </a:fillRef>
+          <a:effectRef idx="0">
+            <a:schemeClr val="dk1"/>
+          </a:effectRef>
+          <a:fontRef idx="minor">
+            <a:schemeClr val="tx1"/>
+          </a:fontRef>
+        </p:style>
+      </p:cxnSp>
+      <p:cxnSp>
+        <p:nvCxnSpPr>
+          <p:cNvPr id="12" name="直線コネクタ 11">
+            <a:extLst>
+              <a:ext uri="{FF2B5EF4-FFF2-40B4-BE49-F238E27FC236}">
+                <a16:creationId xmlns:a16="http://schemas.microsoft.com/office/drawing/2014/main" id="{7ECDA748-945A-4043-ABF2-A63546B67161}"/>
+              </a:ext>
+            </a:extLst>
+          </p:cNvPr>
+          <p:cNvCxnSpPr>
+            <a:cxnSpLocks/>
+          </p:cNvCxnSpPr>
+          <p:nvPr/>
+        </p:nvCxnSpPr>
+        <p:spPr>
+          <a:xfrm>
+            <a:off x="1770412" y="3505412"/>
+            <a:ext cx="0" cy="224444"/>
+          </a:xfrm>
+          <a:prstGeom prst="line">
+            <a:avLst/>
+          </a:prstGeom>
+          <a:ln w="12700"/>
+        </p:spPr>
+        <p:style>
+          <a:lnRef idx="1">
+            <a:schemeClr val="dk1"/>
+          </a:lnRef>
+          <a:fillRef idx="0">
+            <a:schemeClr val="dk1"/>
+          </a:fillRef>
+          <a:effectRef idx="0">
+            <a:schemeClr val="dk1"/>
+          </a:effectRef>
+          <a:fontRef idx="minor">
+            <a:schemeClr val="tx1"/>
+          </a:fontRef>
+        </p:style>
+      </p:cxnSp>
+      <p:cxnSp>
+        <p:nvCxnSpPr>
+          <p:cNvPr id="13" name="直線コネクタ 12">
+            <a:extLst>
+              <a:ext uri="{FF2B5EF4-FFF2-40B4-BE49-F238E27FC236}">
+                <a16:creationId xmlns:a16="http://schemas.microsoft.com/office/drawing/2014/main" id="{956193B5-C983-4C96-A829-F6A941DAB704}"/>
+              </a:ext>
+            </a:extLst>
+          </p:cNvPr>
+          <p:cNvCxnSpPr/>
+          <p:nvPr/>
+        </p:nvCxnSpPr>
+        <p:spPr>
+          <a:xfrm>
+            <a:off x="1194062" y="3624212"/>
+            <a:ext cx="576350" cy="0"/>
+          </a:xfrm>
+          <a:prstGeom prst="line">
+            <a:avLst/>
+          </a:prstGeom>
+          <a:ln w="12700">
+            <a:prstDash val="dash"/>
+          </a:ln>
+        </p:spPr>
+        <p:style>
+          <a:lnRef idx="1">
+            <a:schemeClr val="dk1"/>
+          </a:lnRef>
+          <a:fillRef idx="0">
+            <a:schemeClr val="dk1"/>
+          </a:fillRef>
+          <a:effectRef idx="0">
+            <a:schemeClr val="dk1"/>
+          </a:effectRef>
+          <a:fontRef idx="minor">
+            <a:schemeClr val="tx1"/>
+          </a:fontRef>
+        </p:style>
+      </p:cxnSp>
+      <p:cxnSp>
+        <p:nvCxnSpPr>
+          <p:cNvPr id="14" name="直線コネクタ 13">
+            <a:extLst>
+              <a:ext uri="{FF2B5EF4-FFF2-40B4-BE49-F238E27FC236}">
+                <a16:creationId xmlns:a16="http://schemas.microsoft.com/office/drawing/2014/main" id="{DD39854A-D1B5-44F0-975E-C84E52FC0402}"/>
+              </a:ext>
+            </a:extLst>
+          </p:cNvPr>
+          <p:cNvCxnSpPr>
+            <a:cxnSpLocks/>
+          </p:cNvCxnSpPr>
+          <p:nvPr/>
+        </p:nvCxnSpPr>
+        <p:spPr>
+          <a:xfrm>
+            <a:off x="1346463" y="3657812"/>
+            <a:ext cx="0" cy="216000"/>
+          </a:xfrm>
+          <a:prstGeom prst="line">
+            <a:avLst/>
+          </a:prstGeom>
+          <a:ln w="12700"/>
+        </p:spPr>
+        <p:style>
+          <a:lnRef idx="1">
+            <a:schemeClr val="dk1"/>
+          </a:lnRef>
+          <a:fillRef idx="0">
+            <a:schemeClr val="dk1"/>
+          </a:fillRef>
+          <a:effectRef idx="0">
+            <a:schemeClr val="dk1"/>
+          </a:effectRef>
+          <a:fontRef idx="minor">
+            <a:schemeClr val="tx1"/>
+          </a:fontRef>
+        </p:style>
+      </p:cxnSp>
+      <p:cxnSp>
+        <p:nvCxnSpPr>
+          <p:cNvPr id="15" name="直線コネクタ 14">
+            <a:extLst>
+              <a:ext uri="{FF2B5EF4-FFF2-40B4-BE49-F238E27FC236}">
+                <a16:creationId xmlns:a16="http://schemas.microsoft.com/office/drawing/2014/main" id="{351A93F0-D326-46F5-A0FE-2A7FDFF72F9B}"/>
+              </a:ext>
+            </a:extLst>
+          </p:cNvPr>
+          <p:cNvCxnSpPr>
+            <a:cxnSpLocks/>
+          </p:cNvCxnSpPr>
+          <p:nvPr/>
+        </p:nvCxnSpPr>
+        <p:spPr>
+          <a:xfrm>
+            <a:off x="1922812" y="3657812"/>
+            <a:ext cx="0" cy="224444"/>
+          </a:xfrm>
+          <a:prstGeom prst="line">
+            <a:avLst/>
+          </a:prstGeom>
+          <a:ln w="12700"/>
+        </p:spPr>
+        <p:style>
+          <a:lnRef idx="1">
+            <a:schemeClr val="dk1"/>
+          </a:lnRef>
+          <a:fillRef idx="0">
+            <a:schemeClr val="dk1"/>
+          </a:fillRef>
+          <a:effectRef idx="0">
+            <a:schemeClr val="dk1"/>
+          </a:effectRef>
+          <a:fontRef idx="minor">
+            <a:schemeClr val="tx1"/>
+          </a:fontRef>
+        </p:style>
+      </p:cxnSp>
+      <p:cxnSp>
+        <p:nvCxnSpPr>
+          <p:cNvPr id="16" name="直線コネクタ 15">
+            <a:extLst>
+              <a:ext uri="{FF2B5EF4-FFF2-40B4-BE49-F238E27FC236}">
+                <a16:creationId xmlns:a16="http://schemas.microsoft.com/office/drawing/2014/main" id="{AACCA287-0E4F-496C-8472-9534A8E055D9}"/>
+              </a:ext>
+            </a:extLst>
+          </p:cNvPr>
+          <p:cNvCxnSpPr/>
+          <p:nvPr/>
+        </p:nvCxnSpPr>
+        <p:spPr>
+          <a:xfrm>
+            <a:off x="1346462" y="3776612"/>
+            <a:ext cx="576350" cy="0"/>
+          </a:xfrm>
+          <a:prstGeom prst="line">
+            <a:avLst/>
+          </a:prstGeom>
+          <a:ln w="12700">
+            <a:prstDash val="dash"/>
+          </a:ln>
+        </p:spPr>
+        <p:style>
+          <a:lnRef idx="1">
+            <a:schemeClr val="dk1"/>
+          </a:lnRef>
+          <a:fillRef idx="0">
+            <a:schemeClr val="dk1"/>
+          </a:fillRef>
+          <a:effectRef idx="0">
+            <a:schemeClr val="dk1"/>
+          </a:effectRef>
+          <a:fontRef idx="minor">
+            <a:schemeClr val="tx1"/>
+          </a:fontRef>
+        </p:style>
+      </p:cxnSp>
+      <p:cxnSp>
+        <p:nvCxnSpPr>
+          <p:cNvPr id="17" name="直線コネクタ 16">
+            <a:extLst>
+              <a:ext uri="{FF2B5EF4-FFF2-40B4-BE49-F238E27FC236}">
+                <a16:creationId xmlns:a16="http://schemas.microsoft.com/office/drawing/2014/main" id="{1DAC1B12-20BE-4063-8283-711B0584D2A6}"/>
+              </a:ext>
+            </a:extLst>
+          </p:cNvPr>
+          <p:cNvCxnSpPr>
+            <a:cxnSpLocks/>
+          </p:cNvCxnSpPr>
+          <p:nvPr/>
+        </p:nvCxnSpPr>
+        <p:spPr>
+          <a:xfrm>
+            <a:off x="1498863" y="3810212"/>
+            <a:ext cx="0" cy="216000"/>
+          </a:xfrm>
+          <a:prstGeom prst="line">
+            <a:avLst/>
+          </a:prstGeom>
+          <a:ln w="12700"/>
+        </p:spPr>
+        <p:style>
+          <a:lnRef idx="1">
+            <a:schemeClr val="dk1"/>
+          </a:lnRef>
+          <a:fillRef idx="0">
+            <a:schemeClr val="dk1"/>
+          </a:fillRef>
+          <a:effectRef idx="0">
+            <a:schemeClr val="dk1"/>
+          </a:effectRef>
+          <a:fontRef idx="minor">
+            <a:schemeClr val="tx1"/>
+          </a:fontRef>
+        </p:style>
+      </p:cxnSp>
+      <p:cxnSp>
+        <p:nvCxnSpPr>
+          <p:cNvPr id="18" name="直線コネクタ 17">
+            <a:extLst>
+              <a:ext uri="{FF2B5EF4-FFF2-40B4-BE49-F238E27FC236}">
+                <a16:creationId xmlns:a16="http://schemas.microsoft.com/office/drawing/2014/main" id="{AAE5F0CB-2834-4D06-A590-62FE5BBEE649}"/>
+              </a:ext>
+            </a:extLst>
+          </p:cNvPr>
+          <p:cNvCxnSpPr>
+            <a:cxnSpLocks/>
+          </p:cNvCxnSpPr>
+          <p:nvPr/>
+        </p:nvCxnSpPr>
+        <p:spPr>
+          <a:xfrm>
+            <a:off x="2075212" y="3810212"/>
+            <a:ext cx="0" cy="224444"/>
+          </a:xfrm>
+          <a:prstGeom prst="line">
+            <a:avLst/>
+          </a:prstGeom>
+          <a:ln w="12700"/>
+        </p:spPr>
+        <p:style>
+          <a:lnRef idx="1">
+            <a:schemeClr val="dk1"/>
+          </a:lnRef>
+          <a:fillRef idx="0">
+            <a:schemeClr val="dk1"/>
+          </a:fillRef>
+          <a:effectRef idx="0">
+            <a:schemeClr val="dk1"/>
+          </a:effectRef>
+          <a:fontRef idx="minor">
+            <a:schemeClr val="tx1"/>
+          </a:fontRef>
+        </p:style>
+      </p:cxnSp>
+      <p:cxnSp>
+        <p:nvCxnSpPr>
+          <p:cNvPr id="19" name="直線コネクタ 18">
+            <a:extLst>
+              <a:ext uri="{FF2B5EF4-FFF2-40B4-BE49-F238E27FC236}">
+                <a16:creationId xmlns:a16="http://schemas.microsoft.com/office/drawing/2014/main" id="{DE3684A4-C719-4046-BB00-04A362F78511}"/>
+              </a:ext>
+            </a:extLst>
+          </p:cNvPr>
+          <p:cNvCxnSpPr/>
+          <p:nvPr/>
+        </p:nvCxnSpPr>
+        <p:spPr>
+          <a:xfrm>
+            <a:off x="1498862" y="3929012"/>
+            <a:ext cx="576350" cy="0"/>
+          </a:xfrm>
+          <a:prstGeom prst="line">
+            <a:avLst/>
+          </a:prstGeom>
+          <a:ln w="12700">
+            <a:prstDash val="dash"/>
+          </a:ln>
+        </p:spPr>
+        <p:style>
+          <a:lnRef idx="1">
+            <a:schemeClr val="dk1"/>
+          </a:lnRef>
+          <a:fillRef idx="0">
+            <a:schemeClr val="dk1"/>
+          </a:fillRef>
+          <a:effectRef idx="0">
+            <a:schemeClr val="dk1"/>
+          </a:effectRef>
+          <a:fontRef idx="minor">
+            <a:schemeClr val="tx1"/>
+          </a:fontRef>
+        </p:style>
+      </p:cxnSp>
+      <p:cxnSp>
+        <p:nvCxnSpPr>
+          <p:cNvPr id="20" name="直線コネクタ 19">
+            <a:extLst>
+              <a:ext uri="{FF2B5EF4-FFF2-40B4-BE49-F238E27FC236}">
+                <a16:creationId xmlns:a16="http://schemas.microsoft.com/office/drawing/2014/main" id="{114CC796-8560-4AD9-A063-24044ED42D9B}"/>
+              </a:ext>
+            </a:extLst>
+          </p:cNvPr>
+          <p:cNvCxnSpPr>
+            <a:cxnSpLocks/>
+          </p:cNvCxnSpPr>
+          <p:nvPr/>
+        </p:nvCxnSpPr>
+        <p:spPr>
+          <a:xfrm>
+            <a:off x="4889417" y="3962612"/>
+            <a:ext cx="0" cy="216000"/>
+          </a:xfrm>
+          <a:prstGeom prst="line">
+            <a:avLst/>
+          </a:prstGeom>
+          <a:ln w="12700"/>
+        </p:spPr>
+        <p:style>
+          <a:lnRef idx="1">
+            <a:schemeClr val="dk1"/>
+          </a:lnRef>
+          <a:fillRef idx="0">
+            <a:schemeClr val="dk1"/>
+          </a:fillRef>
+          <a:effectRef idx="0">
+            <a:schemeClr val="dk1"/>
+          </a:effectRef>
+          <a:fontRef idx="minor">
+            <a:schemeClr val="tx1"/>
+          </a:fontRef>
+        </p:style>
+      </p:cxnSp>
+      <p:cxnSp>
+        <p:nvCxnSpPr>
+          <p:cNvPr id="21" name="直線コネクタ 20">
+            <a:extLst>
+              <a:ext uri="{FF2B5EF4-FFF2-40B4-BE49-F238E27FC236}">
+                <a16:creationId xmlns:a16="http://schemas.microsoft.com/office/drawing/2014/main" id="{B21DF189-A4CE-4BE8-906E-D05023460467}"/>
+              </a:ext>
+            </a:extLst>
+          </p:cNvPr>
+          <p:cNvCxnSpPr>
+            <a:cxnSpLocks/>
+          </p:cNvCxnSpPr>
+          <p:nvPr/>
+        </p:nvCxnSpPr>
+        <p:spPr>
+          <a:xfrm>
+            <a:off x="5465766" y="3962612"/>
+            <a:ext cx="0" cy="224444"/>
+          </a:xfrm>
+          <a:prstGeom prst="line">
+            <a:avLst/>
+          </a:prstGeom>
+          <a:ln w="12700"/>
+        </p:spPr>
+        <p:style>
+          <a:lnRef idx="1">
+            <a:schemeClr val="dk1"/>
+          </a:lnRef>
+          <a:fillRef idx="0">
+            <a:schemeClr val="dk1"/>
+          </a:fillRef>
+          <a:effectRef idx="0">
+            <a:schemeClr val="dk1"/>
+          </a:effectRef>
+          <a:fontRef idx="minor">
+            <a:schemeClr val="tx1"/>
+          </a:fontRef>
+        </p:style>
+      </p:cxnSp>
+      <p:cxnSp>
+        <p:nvCxnSpPr>
+          <p:cNvPr id="22" name="直線コネクタ 21">
+            <a:extLst>
+              <a:ext uri="{FF2B5EF4-FFF2-40B4-BE49-F238E27FC236}">
+                <a16:creationId xmlns:a16="http://schemas.microsoft.com/office/drawing/2014/main" id="{375B4F92-9AC4-4B6E-9A8C-32092C7F59E3}"/>
+              </a:ext>
+            </a:extLst>
+          </p:cNvPr>
+          <p:cNvCxnSpPr/>
+          <p:nvPr/>
+        </p:nvCxnSpPr>
+        <p:spPr>
+          <a:xfrm>
+            <a:off x="4889416" y="4081412"/>
+            <a:ext cx="576350" cy="0"/>
+          </a:xfrm>
+          <a:prstGeom prst="line">
+            <a:avLst/>
+          </a:prstGeom>
+          <a:ln w="12700">
+            <a:prstDash val="dash"/>
+          </a:ln>
+        </p:spPr>
+        <p:style>
+          <a:lnRef idx="1">
+            <a:schemeClr val="dk1"/>
+          </a:lnRef>
+          <a:fillRef idx="0">
+            <a:schemeClr val="dk1"/>
+          </a:fillRef>
+          <a:effectRef idx="0">
+            <a:schemeClr val="dk1"/>
+          </a:effectRef>
+          <a:fontRef idx="minor">
+            <a:schemeClr val="tx1"/>
+          </a:fontRef>
+        </p:style>
+      </p:cxnSp>
+      <p:cxnSp>
+        <p:nvCxnSpPr>
+          <p:cNvPr id="23" name="直線コネクタ 22">
+            <a:extLst>
+              <a:ext uri="{FF2B5EF4-FFF2-40B4-BE49-F238E27FC236}">
+                <a16:creationId xmlns:a16="http://schemas.microsoft.com/office/drawing/2014/main" id="{33292C08-24A1-4589-9588-E5209FA67DCD}"/>
+              </a:ext>
+            </a:extLst>
+          </p:cNvPr>
+          <p:cNvCxnSpPr>
+            <a:cxnSpLocks/>
+          </p:cNvCxnSpPr>
+          <p:nvPr/>
+        </p:nvCxnSpPr>
+        <p:spPr>
+          <a:xfrm>
+            <a:off x="5041817" y="4115012"/>
+            <a:ext cx="0" cy="216000"/>
+          </a:xfrm>
+          <a:prstGeom prst="line">
+            <a:avLst/>
+          </a:prstGeom>
+          <a:ln w="12700"/>
+        </p:spPr>
+        <p:style>
+          <a:lnRef idx="1">
+            <a:schemeClr val="dk1"/>
+          </a:lnRef>
+          <a:fillRef idx="0">
+            <a:schemeClr val="dk1"/>
+          </a:fillRef>
+          <a:effectRef idx="0">
+            <a:schemeClr val="dk1"/>
+          </a:effectRef>
+          <a:fontRef idx="minor">
+            <a:schemeClr val="tx1"/>
+          </a:fontRef>
+        </p:style>
+      </p:cxnSp>
+      <p:cxnSp>
+        <p:nvCxnSpPr>
+          <p:cNvPr id="24" name="直線コネクタ 23">
+            <a:extLst>
+              <a:ext uri="{FF2B5EF4-FFF2-40B4-BE49-F238E27FC236}">
+                <a16:creationId xmlns:a16="http://schemas.microsoft.com/office/drawing/2014/main" id="{80929B5E-9CEE-429D-83CC-A0BDC4F41E77}"/>
+              </a:ext>
+            </a:extLst>
+          </p:cNvPr>
+          <p:cNvCxnSpPr>
+            <a:cxnSpLocks/>
+          </p:cNvCxnSpPr>
+          <p:nvPr/>
+        </p:nvCxnSpPr>
+        <p:spPr>
+          <a:xfrm>
+            <a:off x="5618166" y="4115012"/>
+            <a:ext cx="0" cy="224444"/>
+          </a:xfrm>
+          <a:prstGeom prst="line">
+            <a:avLst/>
+          </a:prstGeom>
+          <a:ln w="12700"/>
+        </p:spPr>
+        <p:style>
+          <a:lnRef idx="1">
+            <a:schemeClr val="dk1"/>
+          </a:lnRef>
+          <a:fillRef idx="0">
+            <a:schemeClr val="dk1"/>
+          </a:fillRef>
+          <a:effectRef idx="0">
+            <a:schemeClr val="dk1"/>
+          </a:effectRef>
+          <a:fontRef idx="minor">
+            <a:schemeClr val="tx1"/>
+          </a:fontRef>
+        </p:style>
+      </p:cxnSp>
+      <p:cxnSp>
+        <p:nvCxnSpPr>
+          <p:cNvPr id="25" name="直線コネクタ 24">
+            <a:extLst>
+              <a:ext uri="{FF2B5EF4-FFF2-40B4-BE49-F238E27FC236}">
+                <a16:creationId xmlns:a16="http://schemas.microsoft.com/office/drawing/2014/main" id="{FFCDFF17-F1C0-42D9-87E8-C855F5233FE2}"/>
+              </a:ext>
+            </a:extLst>
+          </p:cNvPr>
+          <p:cNvCxnSpPr/>
+          <p:nvPr/>
+        </p:nvCxnSpPr>
+        <p:spPr>
+          <a:xfrm>
+            <a:off x="5041816" y="4233812"/>
+            <a:ext cx="576350" cy="0"/>
+          </a:xfrm>
+          <a:prstGeom prst="line">
+            <a:avLst/>
+          </a:prstGeom>
+          <a:ln w="12700">
+            <a:prstDash val="dash"/>
+          </a:ln>
+        </p:spPr>
+        <p:style>
+          <a:lnRef idx="1">
+            <a:schemeClr val="dk1"/>
+          </a:lnRef>
+          <a:fillRef idx="0">
+            <a:schemeClr val="dk1"/>
+          </a:fillRef>
+          <a:effectRef idx="0">
+            <a:schemeClr val="dk1"/>
+          </a:effectRef>
+          <a:fontRef idx="minor">
+            <a:schemeClr val="tx1"/>
+          </a:fontRef>
+        </p:style>
+      </p:cxnSp>
+      <p:sp>
+        <p:nvSpPr>
+          <p:cNvPr id="26" name="テキスト ボックス 25">
+            <a:extLst>
+              <a:ext uri="{FF2B5EF4-FFF2-40B4-BE49-F238E27FC236}">
+                <a16:creationId xmlns:a16="http://schemas.microsoft.com/office/drawing/2014/main" id="{CECEC352-A32F-4D09-AFA6-C3BF9D93D53F}"/>
+              </a:ext>
+            </a:extLst>
+          </p:cNvPr>
+          <p:cNvSpPr txBox="1"/>
+          <p:nvPr/>
+        </p:nvSpPr>
+        <p:spPr>
+          <a:xfrm>
+            <a:off x="2583717" y="3794689"/>
+            <a:ext cx="1729250" cy="369332"/>
+          </a:xfrm>
+          <a:prstGeom prst="rect">
+            <a:avLst/>
+          </a:prstGeom>
+          <a:noFill/>
+        </p:spPr>
+        <p:txBody>
+          <a:bodyPr wrap="square" rtlCol="0">
+            <a:spAutoFit/>
+          </a:bodyPr>
+          <a:lstStyle/>
+          <a:p>
+            <a:pPr algn="ctr"/>
+            <a:r>
+              <a:rPr kumimoji="1" lang="ja-JP" altLang="en-US" dirty="0">
+                <a:latin typeface="Arial" panose="020B0604020202020204" pitchFamily="34" charset="0"/>
+                <a:cs typeface="Arial" panose="020B0604020202020204" pitchFamily="34" charset="0"/>
+              </a:rPr>
+              <a:t>・・・・・・</a:t>
+            </a:r>
+          </a:p>
+        </p:txBody>
+      </p:sp>
+      <p:sp>
+        <p:nvSpPr>
+          <p:cNvPr id="27" name="円弧 26">
+            <a:extLst>
+              <a:ext uri="{FF2B5EF4-FFF2-40B4-BE49-F238E27FC236}">
+                <a16:creationId xmlns:a16="http://schemas.microsoft.com/office/drawing/2014/main" id="{3A846620-C83D-4528-9952-AED6E0B88FC1}"/>
+              </a:ext>
+            </a:extLst>
+          </p:cNvPr>
+          <p:cNvSpPr/>
+          <p:nvPr/>
+        </p:nvSpPr>
+        <p:spPr>
+          <a:xfrm rot="16200000" flipH="1">
+            <a:off x="1558438" y="3802958"/>
+            <a:ext cx="288173" cy="410444"/>
+          </a:xfrm>
+          <a:prstGeom prst="arc">
+            <a:avLst>
+              <a:gd name="adj1" fmla="val 16200000"/>
+              <a:gd name="adj2" fmla="val 18638483"/>
+            </a:avLst>
+          </a:prstGeom>
+        </p:spPr>
+        <p:style>
+          <a:lnRef idx="1">
+            <a:schemeClr val="dk1"/>
+          </a:lnRef>
+          <a:fillRef idx="0">
+            <a:schemeClr val="dk1"/>
+          </a:fillRef>
+          <a:effectRef idx="0">
+            <a:schemeClr val="dk1"/>
+          </a:effectRef>
+          <a:fontRef idx="minor">
+            <a:schemeClr val="tx1"/>
+          </a:fontRef>
+        </p:style>
+        <p:txBody>
+          <a:bodyPr rtlCol="0" anchor="ctr"/>
+          <a:lstStyle/>
+          <a:p>
+            <a:pPr algn="ctr"/>
+            <a:endParaRPr kumimoji="1" lang="ja-JP" altLang="en-US">
+              <a:latin typeface="Arial" panose="020B0604020202020204" pitchFamily="34" charset="0"/>
+              <a:cs typeface="Arial" panose="020B0604020202020204" pitchFamily="34" charset="0"/>
+            </a:endParaRPr>
+          </a:p>
+        </p:txBody>
+      </p:sp>
+      <p:sp>
+        <p:nvSpPr>
+          <p:cNvPr id="28" name="テキスト ボックス 27">
+            <a:extLst>
+              <a:ext uri="{FF2B5EF4-FFF2-40B4-BE49-F238E27FC236}">
+                <a16:creationId xmlns:a16="http://schemas.microsoft.com/office/drawing/2014/main" id="{039567AB-9364-4688-B42D-052B2EEE400A}"/>
+              </a:ext>
+            </a:extLst>
+          </p:cNvPr>
+          <p:cNvSpPr txBox="1"/>
+          <p:nvPr/>
+        </p:nvSpPr>
+        <p:spPr>
+          <a:xfrm>
+            <a:off x="1376245" y="4050722"/>
+            <a:ext cx="867299" cy="338554"/>
+          </a:xfrm>
+          <a:prstGeom prst="rect">
+            <a:avLst/>
+          </a:prstGeom>
+          <a:noFill/>
+        </p:spPr>
+        <p:txBody>
+          <a:bodyPr wrap="square" rtlCol="0">
+            <a:spAutoFit/>
+          </a:bodyPr>
+          <a:lstStyle/>
+          <a:p>
+            <a:pPr algn="ctr"/>
+            <a:r>
+              <a:rPr kumimoji="1" lang="en-US" altLang="ja-JP" sz="1600" dirty="0">
+                <a:latin typeface="Arial" panose="020B0604020202020204" pitchFamily="34" charset="0"/>
+                <a:cs typeface="Arial" panose="020B0604020202020204" pitchFamily="34" charset="0"/>
+              </a:rPr>
+              <a:t>400 </a:t>
+            </a:r>
+            <a:r>
+              <a:rPr kumimoji="1" lang="en-US" altLang="ja-JP" sz="1600" dirty="0" err="1">
+                <a:latin typeface="Arial" panose="020B0604020202020204" pitchFamily="34" charset="0"/>
+                <a:cs typeface="Arial" panose="020B0604020202020204" pitchFamily="34" charset="0"/>
+              </a:rPr>
+              <a:t>ms</a:t>
+            </a:r>
+            <a:endParaRPr kumimoji="1" lang="ja-JP" altLang="en-US" sz="1600" dirty="0">
+              <a:latin typeface="Arial" panose="020B0604020202020204" pitchFamily="34" charset="0"/>
+              <a:cs typeface="Arial" panose="020B0604020202020204" pitchFamily="34" charset="0"/>
+            </a:endParaRPr>
+          </a:p>
+        </p:txBody>
+      </p:sp>
+      <p:sp>
+        <p:nvSpPr>
+          <p:cNvPr id="29" name="円弧 28">
+            <a:extLst>
+              <a:ext uri="{FF2B5EF4-FFF2-40B4-BE49-F238E27FC236}">
+                <a16:creationId xmlns:a16="http://schemas.microsoft.com/office/drawing/2014/main" id="{6784B70D-6931-48C7-807D-24688721DA57}"/>
+              </a:ext>
+            </a:extLst>
+          </p:cNvPr>
+          <p:cNvSpPr/>
+          <p:nvPr/>
+        </p:nvSpPr>
+        <p:spPr>
+          <a:xfrm rot="5400000">
+            <a:off x="1729024" y="3803938"/>
+            <a:ext cx="288173" cy="410444"/>
+          </a:xfrm>
+          <a:prstGeom prst="arc">
+            <a:avLst>
+              <a:gd name="adj1" fmla="val 16200000"/>
+              <a:gd name="adj2" fmla="val 18638483"/>
+            </a:avLst>
+          </a:prstGeom>
+        </p:spPr>
+        <p:style>
+          <a:lnRef idx="1">
+            <a:schemeClr val="dk1"/>
+          </a:lnRef>
+          <a:fillRef idx="0">
+            <a:schemeClr val="dk1"/>
+          </a:fillRef>
+          <a:effectRef idx="0">
+            <a:schemeClr val="dk1"/>
+          </a:effectRef>
+          <a:fontRef idx="minor">
+            <a:schemeClr val="tx1"/>
+          </a:fontRef>
+        </p:style>
+        <p:txBody>
+          <a:bodyPr rtlCol="0" anchor="ctr"/>
+          <a:lstStyle/>
+          <a:p>
+            <a:pPr algn="ctr"/>
+            <a:endParaRPr kumimoji="1" lang="ja-JP" altLang="en-US">
+              <a:latin typeface="Arial" panose="020B0604020202020204" pitchFamily="34" charset="0"/>
+              <a:cs typeface="Arial" panose="020B0604020202020204" pitchFamily="34" charset="0"/>
+            </a:endParaRPr>
+          </a:p>
+        </p:txBody>
+      </p:sp>
+      <p:cxnSp>
+        <p:nvCxnSpPr>
+          <p:cNvPr id="30" name="直線コネクタ 29">
+            <a:extLst>
+              <a:ext uri="{FF2B5EF4-FFF2-40B4-BE49-F238E27FC236}">
+                <a16:creationId xmlns:a16="http://schemas.microsoft.com/office/drawing/2014/main" id="{4E8B100C-9D92-429B-8945-7793C8E4D26C}"/>
+              </a:ext>
+            </a:extLst>
+          </p:cNvPr>
+          <p:cNvCxnSpPr>
+            <a:cxnSpLocks/>
+          </p:cNvCxnSpPr>
+          <p:nvPr/>
+        </p:nvCxnSpPr>
+        <p:spPr>
+          <a:xfrm flipH="1">
+            <a:off x="1194060" y="3721412"/>
+            <a:ext cx="2" cy="1665000"/>
+          </a:xfrm>
+          <a:prstGeom prst="line">
+            <a:avLst/>
+          </a:prstGeom>
+          <a:ln w="12700">
+            <a:prstDash val="lgDashDotDot"/>
+          </a:ln>
+        </p:spPr>
+        <p:style>
+          <a:lnRef idx="1">
+            <a:schemeClr val="dk1"/>
+          </a:lnRef>
+          <a:fillRef idx="0">
+            <a:schemeClr val="dk1"/>
+          </a:fillRef>
+          <a:effectRef idx="0">
+            <a:schemeClr val="dk1"/>
+          </a:effectRef>
+          <a:fontRef idx="minor">
+            <a:schemeClr val="tx1"/>
+          </a:fontRef>
+        </p:style>
+      </p:cxnSp>
+      <p:cxnSp>
+        <p:nvCxnSpPr>
+          <p:cNvPr id="31" name="直線コネクタ 30">
+            <a:extLst>
+              <a:ext uri="{FF2B5EF4-FFF2-40B4-BE49-F238E27FC236}">
+                <a16:creationId xmlns:a16="http://schemas.microsoft.com/office/drawing/2014/main" id="{33DBC43A-3DD7-4801-A132-BF270FBDFB52}"/>
+              </a:ext>
+            </a:extLst>
+          </p:cNvPr>
+          <p:cNvCxnSpPr>
+            <a:cxnSpLocks/>
+          </p:cNvCxnSpPr>
+          <p:nvPr/>
+        </p:nvCxnSpPr>
+        <p:spPr>
+          <a:xfrm>
+            <a:off x="1346462" y="3810212"/>
+            <a:ext cx="0" cy="952635"/>
+          </a:xfrm>
+          <a:prstGeom prst="line">
+            <a:avLst/>
+          </a:prstGeom>
+          <a:ln w="12700">
+            <a:prstDash val="lgDashDotDot"/>
+          </a:ln>
+        </p:spPr>
+        <p:style>
+          <a:lnRef idx="1">
+            <a:schemeClr val="dk1"/>
+          </a:lnRef>
+          <a:fillRef idx="0">
+            <a:schemeClr val="dk1"/>
+          </a:fillRef>
+          <a:effectRef idx="0">
+            <a:schemeClr val="dk1"/>
+          </a:effectRef>
+          <a:fontRef idx="minor">
+            <a:schemeClr val="tx1"/>
+          </a:fontRef>
+        </p:style>
+      </p:cxnSp>
+      <p:sp>
+        <p:nvSpPr>
+          <p:cNvPr id="32" name="円弧 31">
+            <a:extLst>
+              <a:ext uri="{FF2B5EF4-FFF2-40B4-BE49-F238E27FC236}">
+                <a16:creationId xmlns:a16="http://schemas.microsoft.com/office/drawing/2014/main" id="{98BF7C55-7B92-4685-A041-298D51772B41}"/>
+              </a:ext>
+            </a:extLst>
+          </p:cNvPr>
+          <p:cNvSpPr/>
+          <p:nvPr/>
+        </p:nvSpPr>
+        <p:spPr>
+          <a:xfrm rot="5400000">
+            <a:off x="1162259" y="4655560"/>
+            <a:ext cx="215999" cy="152396"/>
+          </a:xfrm>
+          <a:prstGeom prst="arc">
+            <a:avLst>
+              <a:gd name="adj1" fmla="val 16200000"/>
+              <a:gd name="adj2" fmla="val 5913712"/>
+            </a:avLst>
+          </a:prstGeom>
+        </p:spPr>
+        <p:style>
+          <a:lnRef idx="1">
+            <a:schemeClr val="dk1"/>
+          </a:lnRef>
+          <a:fillRef idx="0">
+            <a:schemeClr val="dk1"/>
+          </a:fillRef>
+          <a:effectRef idx="0">
+            <a:schemeClr val="dk1"/>
+          </a:effectRef>
+          <a:fontRef idx="minor">
+            <a:schemeClr val="tx1"/>
+          </a:fontRef>
+        </p:style>
+        <p:txBody>
+          <a:bodyPr rtlCol="0" anchor="ctr"/>
+          <a:lstStyle/>
+          <a:p>
+            <a:pPr algn="ctr"/>
+            <a:endParaRPr kumimoji="1" lang="ja-JP" altLang="en-US">
+              <a:latin typeface="Arial" panose="020B0604020202020204" pitchFamily="34" charset="0"/>
+              <a:cs typeface="Arial" panose="020B0604020202020204" pitchFamily="34" charset="0"/>
+            </a:endParaRPr>
+          </a:p>
+        </p:txBody>
+      </p:sp>
+      <p:sp>
+        <p:nvSpPr>
+          <p:cNvPr id="33" name="テキスト ボックス 32">
+            <a:extLst>
+              <a:ext uri="{FF2B5EF4-FFF2-40B4-BE49-F238E27FC236}">
+                <a16:creationId xmlns:a16="http://schemas.microsoft.com/office/drawing/2014/main" id="{CCFF7BAD-CBDC-4F4E-AFF4-65F1C25C1169}"/>
+              </a:ext>
+            </a:extLst>
+          </p:cNvPr>
+          <p:cNvSpPr txBox="1"/>
+          <p:nvPr/>
+        </p:nvSpPr>
+        <p:spPr>
+          <a:xfrm>
+            <a:off x="1240481" y="5190367"/>
+            <a:ext cx="746943" cy="338554"/>
+          </a:xfrm>
+          <a:prstGeom prst="rect">
+            <a:avLst/>
+          </a:prstGeom>
+          <a:noFill/>
+        </p:spPr>
+        <p:txBody>
+          <a:bodyPr wrap="square" rtlCol="0">
+            <a:spAutoFit/>
+          </a:bodyPr>
+          <a:lstStyle/>
+          <a:p>
+            <a:pPr algn="ctr"/>
+            <a:r>
+              <a:rPr kumimoji="1" lang="en-US" altLang="ja-JP" sz="1600" dirty="0">
+                <a:latin typeface="Arial" panose="020B0604020202020204" pitchFamily="34" charset="0"/>
+                <a:cs typeface="Arial" panose="020B0604020202020204" pitchFamily="34" charset="0"/>
+              </a:rPr>
+              <a:t>50 </a:t>
+            </a:r>
+            <a:r>
+              <a:rPr kumimoji="1" lang="en-US" altLang="ja-JP" sz="1600" dirty="0" err="1">
+                <a:latin typeface="Arial" panose="020B0604020202020204" pitchFamily="34" charset="0"/>
+                <a:cs typeface="Arial" panose="020B0604020202020204" pitchFamily="34" charset="0"/>
+              </a:rPr>
+              <a:t>ms</a:t>
+            </a:r>
+            <a:endParaRPr kumimoji="1" lang="ja-JP" altLang="en-US" sz="1600" dirty="0">
+              <a:latin typeface="Arial" panose="020B0604020202020204" pitchFamily="34" charset="0"/>
+              <a:cs typeface="Arial" panose="020B0604020202020204" pitchFamily="34" charset="0"/>
+            </a:endParaRPr>
+          </a:p>
+        </p:txBody>
+      </p:sp>
+      <p:cxnSp>
+        <p:nvCxnSpPr>
+          <p:cNvPr id="34" name="直線コネクタ 33">
+            <a:extLst>
+              <a:ext uri="{FF2B5EF4-FFF2-40B4-BE49-F238E27FC236}">
+                <a16:creationId xmlns:a16="http://schemas.microsoft.com/office/drawing/2014/main" id="{B76FC132-78D8-4B74-ABAE-1246927508B6}"/>
+              </a:ext>
+            </a:extLst>
+          </p:cNvPr>
+          <p:cNvCxnSpPr>
+            <a:cxnSpLocks/>
+          </p:cNvCxnSpPr>
+          <p:nvPr/>
+        </p:nvCxnSpPr>
+        <p:spPr>
+          <a:xfrm>
+            <a:off x="5618166" y="4331012"/>
+            <a:ext cx="0" cy="1055400"/>
+          </a:xfrm>
+          <a:prstGeom prst="line">
+            <a:avLst/>
+          </a:prstGeom>
+          <a:ln w="12700">
+            <a:prstDash val="lgDashDotDot"/>
+          </a:ln>
+        </p:spPr>
+        <p:style>
+          <a:lnRef idx="1">
+            <a:schemeClr val="dk1"/>
+          </a:lnRef>
+          <a:fillRef idx="0">
+            <a:schemeClr val="dk1"/>
+          </a:fillRef>
+          <a:effectRef idx="0">
+            <a:schemeClr val="dk1"/>
+          </a:effectRef>
+          <a:fontRef idx="minor">
+            <a:schemeClr val="tx1"/>
+          </a:fontRef>
+        </p:style>
+      </p:cxnSp>
+      <p:sp>
+        <p:nvSpPr>
+          <p:cNvPr id="35" name="円弧 34">
+            <a:extLst>
+              <a:ext uri="{FF2B5EF4-FFF2-40B4-BE49-F238E27FC236}">
+                <a16:creationId xmlns:a16="http://schemas.microsoft.com/office/drawing/2014/main" id="{4643A55B-21B0-4C2E-9306-D55400CFECD7}"/>
+              </a:ext>
+            </a:extLst>
+          </p:cNvPr>
+          <p:cNvSpPr/>
+          <p:nvPr/>
+        </p:nvSpPr>
+        <p:spPr>
+          <a:xfrm rot="10800000">
+            <a:off x="1194055" y="4593753"/>
+            <a:ext cx="1729250" cy="1485193"/>
+          </a:xfrm>
+          <a:prstGeom prst="arc">
+            <a:avLst/>
+          </a:prstGeom>
+        </p:spPr>
+        <p:style>
+          <a:lnRef idx="1">
+            <a:schemeClr val="dk1"/>
+          </a:lnRef>
+          <a:fillRef idx="0">
+            <a:schemeClr val="dk1"/>
+          </a:fillRef>
+          <a:effectRef idx="0">
+            <a:schemeClr val="dk1"/>
+          </a:effectRef>
+          <a:fontRef idx="minor">
+            <a:schemeClr val="tx1"/>
+          </a:fontRef>
+        </p:style>
+        <p:txBody>
+          <a:bodyPr rtlCol="0" anchor="ctr"/>
+          <a:lstStyle/>
+          <a:p>
+            <a:pPr algn="ctr"/>
+            <a:endParaRPr kumimoji="1" lang="ja-JP" altLang="en-US">
+              <a:latin typeface="Arial" panose="020B0604020202020204" pitchFamily="34" charset="0"/>
+              <a:cs typeface="Arial" panose="020B0604020202020204" pitchFamily="34" charset="0"/>
+            </a:endParaRPr>
+          </a:p>
+        </p:txBody>
+      </p:sp>
+      <p:sp>
+        <p:nvSpPr>
+          <p:cNvPr id="36" name="円弧 35">
+            <a:extLst>
+              <a:ext uri="{FF2B5EF4-FFF2-40B4-BE49-F238E27FC236}">
+                <a16:creationId xmlns:a16="http://schemas.microsoft.com/office/drawing/2014/main" id="{4E27FC30-01E8-4F84-8E30-8EF1337B00C7}"/>
+              </a:ext>
+            </a:extLst>
+          </p:cNvPr>
+          <p:cNvSpPr/>
+          <p:nvPr/>
+        </p:nvSpPr>
+        <p:spPr>
+          <a:xfrm rot="10800000" flipH="1">
+            <a:off x="3888910" y="4593752"/>
+            <a:ext cx="1729250" cy="1485193"/>
+          </a:xfrm>
+          <a:prstGeom prst="arc">
+            <a:avLst/>
+          </a:prstGeom>
+        </p:spPr>
+        <p:style>
+          <a:lnRef idx="1">
+            <a:schemeClr val="dk1"/>
+          </a:lnRef>
+          <a:fillRef idx="0">
+            <a:schemeClr val="dk1"/>
+          </a:fillRef>
+          <a:effectRef idx="0">
+            <a:schemeClr val="dk1"/>
+          </a:effectRef>
+          <a:fontRef idx="minor">
+            <a:schemeClr val="tx1"/>
+          </a:fontRef>
+        </p:style>
+        <p:txBody>
+          <a:bodyPr rtlCol="0" anchor="ctr"/>
+          <a:lstStyle/>
+          <a:p>
+            <a:pPr algn="ctr"/>
+            <a:endParaRPr kumimoji="1" lang="ja-JP" altLang="en-US">
+              <a:latin typeface="Arial" panose="020B0604020202020204" pitchFamily="34" charset="0"/>
+              <a:cs typeface="Arial" panose="020B0604020202020204" pitchFamily="34" charset="0"/>
+            </a:endParaRPr>
+          </a:p>
+        </p:txBody>
+      </p:sp>
+      <mc:AlternateContent xmlns:mc="http://schemas.openxmlformats.org/markup-compatibility/2006">
+        <mc:Choice xmlns:a14="http://schemas.microsoft.com/office/drawing/2010/main" Requires="a14">
+          <p:sp>
+            <p:nvSpPr>
+              <p:cNvPr id="37" name="テキスト ボックス 36">
+                <a:extLst>
+                  <a:ext uri="{FF2B5EF4-FFF2-40B4-BE49-F238E27FC236}">
+                    <a16:creationId xmlns:a16="http://schemas.microsoft.com/office/drawing/2014/main" id="{40FBA4FE-EC40-4532-B2CE-85C5D7A1FC77}"/>
+                  </a:ext>
+                </a:extLst>
+              </p:cNvPr>
+              <p:cNvSpPr txBox="1"/>
+              <p:nvPr/>
+            </p:nvSpPr>
+            <p:spPr>
+              <a:xfrm>
+                <a:off x="2583717" y="5848113"/>
+                <a:ext cx="1729250" cy="461665"/>
+              </a:xfrm>
+              <a:prstGeom prst="rect">
+                <a:avLst/>
+              </a:prstGeom>
+              <a:noFill/>
+            </p:spPr>
+            <p:txBody>
+              <a:bodyPr wrap="square" rtlCol="0">
+                <a:spAutoFit/>
+              </a:bodyPr>
+              <a:lstStyle/>
+              <a:p>
+                <a:pPr/>
+                <a14:m>
+                  <m:oMathPara xmlns:m="http://schemas.openxmlformats.org/officeDocument/2006/math">
+                    <m:oMathParaPr>
+                      <m:jc m:val="centerGroup"/>
+                    </m:oMathParaPr>
+                    <m:oMath xmlns:m="http://schemas.openxmlformats.org/officeDocument/2006/math">
+                      <m:r>
+                        <a:rPr kumimoji="1" lang="en-US" altLang="ja-JP" sz="2400" b="0" i="1" smtClean="0">
+                          <a:latin typeface="Cambria Math" panose="02040503050406030204" pitchFamily="18" charset="0"/>
+                          <a:cs typeface="Arial" panose="020B0604020202020204" pitchFamily="34" charset="0"/>
+                        </a:rPr>
+                        <m:t>𝐿</m:t>
+                      </m:r>
+                    </m:oMath>
+                  </m:oMathPara>
+                </a14:m>
+                <a:endParaRPr kumimoji="1" lang="ja-JP" altLang="en-US" sz="2400" dirty="0">
+                  <a:latin typeface="Arial" panose="020B0604020202020204" pitchFamily="34" charset="0"/>
+                  <a:cs typeface="Arial" panose="020B0604020202020204" pitchFamily="34" charset="0"/>
+                </a:endParaRPr>
+              </a:p>
+            </p:txBody>
+          </p:sp>
+        </mc:Choice>
+        <mc:Fallback>
+          <p:sp>
+            <p:nvSpPr>
+              <p:cNvPr id="37" name="テキスト ボックス 36">
+                <a:extLst>
+                  <a:ext uri="{FF2B5EF4-FFF2-40B4-BE49-F238E27FC236}">
+                    <a16:creationId xmlns:a16="http://schemas.microsoft.com/office/drawing/2014/main" id="{40FBA4FE-EC40-4532-B2CE-85C5D7A1FC77}"/>
+                  </a:ext>
+                </a:extLst>
+              </p:cNvPr>
+              <p:cNvSpPr txBox="1">
+                <a:spLocks noRot="1" noChangeAspect="1" noMove="1" noResize="1" noEditPoints="1" noAdjustHandles="1" noChangeArrowheads="1" noChangeShapeType="1" noTextEdit="1"/>
+              </p:cNvSpPr>
+              <p:nvPr/>
+            </p:nvSpPr>
+            <p:spPr>
+              <a:xfrm>
+                <a:off x="2583717" y="5848113"/>
+                <a:ext cx="1729250" cy="461665"/>
+              </a:xfrm>
+              <a:prstGeom prst="rect">
+                <a:avLst/>
+              </a:prstGeom>
+              <a:blipFill>
+                <a:blip r:embed="rId3"/>
+                <a:stretch>
+                  <a:fillRect/>
+                </a:stretch>
+              </a:blipFill>
+            </p:spPr>
+            <p:txBody>
+              <a:bodyPr/>
+              <a:lstStyle/>
+              <a:p>
+                <a:r>
+                  <a:rPr lang="ja-JP" altLang="en-US">
+                    <a:noFill/>
+                  </a:rPr>
+                  <a:t> </a:t>
+                </a:r>
+              </a:p>
+            </p:txBody>
+          </p:sp>
+        </mc:Fallback>
+      </mc:AlternateContent>
+      <p:sp>
+        <p:nvSpPr>
+          <p:cNvPr id="41" name="矢印: 右 40">
+            <a:extLst>
+              <a:ext uri="{FF2B5EF4-FFF2-40B4-BE49-F238E27FC236}">
+                <a16:creationId xmlns:a16="http://schemas.microsoft.com/office/drawing/2014/main" id="{5473D643-188F-4B5A-82AA-83BA933BC1FB}"/>
+              </a:ext>
+            </a:extLst>
+          </p:cNvPr>
+          <p:cNvSpPr/>
+          <p:nvPr/>
+        </p:nvSpPr>
+        <p:spPr>
+          <a:xfrm>
+            <a:off x="5858323" y="5106394"/>
+            <a:ext cx="629171" cy="397763"/>
+          </a:xfrm>
+          <a:prstGeom prst="rightArrow">
+            <a:avLst/>
+          </a:prstGeom>
+        </p:spPr>
+        <p:style>
+          <a:lnRef idx="2">
+            <a:schemeClr val="dk1">
+              <a:shade val="50000"/>
+            </a:schemeClr>
+          </a:lnRef>
+          <a:fillRef idx="1">
+            <a:schemeClr val="dk1"/>
+          </a:fillRef>
+          <a:effectRef idx="0">
+            <a:schemeClr val="dk1"/>
+          </a:effectRef>
+          <a:fontRef idx="minor">
+            <a:schemeClr val="lt1"/>
+          </a:fontRef>
+        </p:style>
+        <p:txBody>
+          <a:bodyPr rtlCol="0" anchor="ctr"/>
+          <a:lstStyle/>
+          <a:p>
+            <a:pPr algn="ctr"/>
+            <a:endParaRPr kumimoji="1" lang="ja-JP" altLang="en-US">
+              <a:latin typeface="Arial" panose="020B0604020202020204" pitchFamily="34" charset="0"/>
+              <a:cs typeface="Arial" panose="020B0604020202020204" pitchFamily="34" charset="0"/>
+            </a:endParaRPr>
+          </a:p>
+        </p:txBody>
+      </p:sp>
+      <mc:AlternateContent xmlns:mc="http://schemas.openxmlformats.org/markup-compatibility/2006">
+        <mc:Choice xmlns:a14="http://schemas.microsoft.com/office/drawing/2010/main" Requires="a14">
+          <p:sp>
+            <p:nvSpPr>
+              <p:cNvPr id="39" name="正方形/長方形 38">
+                <a:extLst>
+                  <a:ext uri="{FF2B5EF4-FFF2-40B4-BE49-F238E27FC236}">
+                    <a16:creationId xmlns:a16="http://schemas.microsoft.com/office/drawing/2014/main" id="{DE5FEA27-FD50-445A-98B4-7F392FC49C5F}"/>
+                  </a:ext>
+                </a:extLst>
+              </p:cNvPr>
+              <p:cNvSpPr/>
+              <p:nvPr/>
+            </p:nvSpPr>
+            <p:spPr>
+              <a:xfrm>
+                <a:off x="6727666" y="2933576"/>
+                <a:ext cx="3701990" cy="948680"/>
+              </a:xfrm>
+              <a:prstGeom prst="rect">
+                <a:avLst/>
+              </a:prstGeom>
+              <a:noFill/>
+              <a:ln>
+                <a:solidFill>
+                  <a:schemeClr val="tx1"/>
+                </a:solidFill>
+              </a:ln>
+            </p:spPr>
+            <p:style>
+              <a:lnRef idx="2">
+                <a:schemeClr val="accent1">
+                  <a:shade val="50000"/>
+                </a:schemeClr>
+              </a:lnRef>
+              <a:fillRef idx="1">
+                <a:schemeClr val="accent1"/>
+              </a:fillRef>
+              <a:effectRef idx="0">
+                <a:schemeClr val="accent1"/>
+              </a:effectRef>
+              <a:fontRef idx="minor">
+                <a:schemeClr val="lt1"/>
+              </a:fontRef>
+            </p:style>
+            <p:txBody>
+              <a:bodyPr rtlCol="0" anchor="ctr"/>
+              <a:lstStyle/>
+              <a:p>
+                <a:pPr algn="ctr"/>
+                <a14:m>
+                  <m:oMath xmlns:m="http://schemas.openxmlformats.org/officeDocument/2006/math">
+                    <m:r>
+                      <a:rPr kumimoji="1" lang="en-US" altLang="ja-JP" sz="2400" b="0" i="1" smtClean="0">
+                        <a:solidFill>
+                          <a:schemeClr val="tx1"/>
+                        </a:solidFill>
+                        <a:latin typeface="Cambria Math" panose="02040503050406030204" pitchFamily="18" charset="0"/>
+                      </a:rPr>
+                      <m:t>𝑧</m:t>
+                    </m:r>
+                  </m:oMath>
+                </a14:m>
+                <a:r>
+                  <a:rPr kumimoji="1" lang="ja-JP" altLang="en-US" sz="2400" dirty="0">
+                    <a:solidFill>
+                      <a:schemeClr val="tx1"/>
+                    </a:solidFill>
+                    <a:latin typeface="Arial" panose="020B0604020202020204" pitchFamily="34" charset="0"/>
+                    <a:cs typeface="Arial" panose="020B0604020202020204" pitchFamily="34" charset="0"/>
+                  </a:rPr>
+                  <a:t> </a:t>
+                </a:r>
+                <a:r>
+                  <a:rPr kumimoji="1" lang="en-US" altLang="ja-JP" sz="2400" dirty="0">
+                    <a:solidFill>
+                      <a:schemeClr val="tx1"/>
+                    </a:solidFill>
+                    <a:latin typeface="Arial" panose="020B0604020202020204" pitchFamily="34" charset="0"/>
+                    <a:cs typeface="Arial" panose="020B0604020202020204" pitchFamily="34" charset="0"/>
+                  </a:rPr>
+                  <a:t>features</a:t>
+                </a:r>
+                <a:endParaRPr kumimoji="1" lang="ja-JP" altLang="en-US" sz="2400" dirty="0">
+                  <a:solidFill>
+                    <a:schemeClr val="tx1"/>
+                  </a:solidFill>
+                  <a:latin typeface="Arial" panose="020B0604020202020204" pitchFamily="34" charset="0"/>
+                  <a:cs typeface="Arial" panose="020B0604020202020204" pitchFamily="34" charset="0"/>
+                </a:endParaRPr>
+              </a:p>
+            </p:txBody>
+          </p:sp>
+        </mc:Choice>
+        <mc:Fallback>
+          <p:sp>
+            <p:nvSpPr>
+              <p:cNvPr id="39" name="正方形/長方形 38">
+                <a:extLst>
+                  <a:ext uri="{FF2B5EF4-FFF2-40B4-BE49-F238E27FC236}">
+                    <a16:creationId xmlns:a16="http://schemas.microsoft.com/office/drawing/2014/main" id="{DE5FEA27-FD50-445A-98B4-7F392FC49C5F}"/>
+                  </a:ext>
+                </a:extLst>
+              </p:cNvPr>
+              <p:cNvSpPr>
+                <a:spLocks noRot="1" noChangeAspect="1" noMove="1" noResize="1" noEditPoints="1" noAdjustHandles="1" noChangeArrowheads="1" noChangeShapeType="1" noTextEdit="1"/>
+              </p:cNvSpPr>
+              <p:nvPr/>
+            </p:nvSpPr>
+            <p:spPr>
+              <a:xfrm>
+                <a:off x="6727666" y="2933576"/>
+                <a:ext cx="3701990" cy="948680"/>
+              </a:xfrm>
+              <a:prstGeom prst="rect">
+                <a:avLst/>
+              </a:prstGeom>
+              <a:blipFill>
+                <a:blip r:embed="rId4"/>
+                <a:stretch>
+                  <a:fillRect/>
+                </a:stretch>
+              </a:blipFill>
+              <a:ln>
+                <a:solidFill>
+                  <a:schemeClr val="tx1"/>
+                </a:solidFill>
+              </a:ln>
+            </p:spPr>
+            <p:txBody>
+              <a:bodyPr/>
+              <a:lstStyle/>
+              <a:p>
+                <a:r>
+                  <a:rPr lang="ja-JP" altLang="en-US">
+                    <a:noFill/>
+                  </a:rPr>
+                  <a:t> </a:t>
+                </a:r>
+              </a:p>
+            </p:txBody>
+          </p:sp>
+        </mc:Fallback>
+      </mc:AlternateContent>
+      <mc:AlternateContent xmlns:mc="http://schemas.openxmlformats.org/markup-compatibility/2006">
+        <mc:Choice xmlns:a14="http://schemas.microsoft.com/office/drawing/2010/main" Requires="a14">
+          <p:sp>
+            <p:nvSpPr>
+              <p:cNvPr id="40" name="正方形/長方形 39">
+                <a:extLst>
+                  <a:ext uri="{FF2B5EF4-FFF2-40B4-BE49-F238E27FC236}">
+                    <a16:creationId xmlns:a16="http://schemas.microsoft.com/office/drawing/2014/main" id="{1419A28A-5CF3-4F3F-8948-06384A4B2FAE}"/>
+                  </a:ext>
+                </a:extLst>
+              </p:cNvPr>
+              <p:cNvSpPr/>
+              <p:nvPr/>
+            </p:nvSpPr>
+            <p:spPr>
+              <a:xfrm>
+                <a:off x="6727666" y="3882256"/>
+                <a:ext cx="3701990" cy="948680"/>
+              </a:xfrm>
+              <a:prstGeom prst="rect">
+                <a:avLst/>
+              </a:prstGeom>
+              <a:noFill/>
+              <a:ln>
+                <a:solidFill>
+                  <a:schemeClr val="tx1"/>
+                </a:solidFill>
+              </a:ln>
+            </p:spPr>
+            <p:style>
+              <a:lnRef idx="2">
+                <a:schemeClr val="accent1">
+                  <a:shade val="50000"/>
+                </a:schemeClr>
+              </a:lnRef>
+              <a:fillRef idx="1">
+                <a:schemeClr val="accent1"/>
+              </a:fillRef>
+              <a:effectRef idx="0">
+                <a:schemeClr val="accent1"/>
+              </a:effectRef>
+              <a:fontRef idx="minor">
+                <a:schemeClr val="lt1"/>
+              </a:fontRef>
+            </p:style>
+            <p:txBody>
+              <a:bodyPr rtlCol="0" anchor="ctr"/>
+              <a:lstStyle/>
+              <a:p>
+                <a:pPr algn="ctr"/>
+                <a14:m>
+                  <m:oMath xmlns:m="http://schemas.openxmlformats.org/officeDocument/2006/math">
+                    <m:r>
+                      <a:rPr kumimoji="1" lang="en-US" altLang="ja-JP" sz="2400" b="0" i="1" smtClean="0">
+                        <a:solidFill>
+                          <a:schemeClr val="tx1"/>
+                        </a:solidFill>
+                        <a:latin typeface="Cambria Math" panose="02040503050406030204" pitchFamily="18" charset="0"/>
+                      </a:rPr>
+                      <m:t>𝑦</m:t>
+                    </m:r>
+                  </m:oMath>
+                </a14:m>
+                <a:r>
+                  <a:rPr kumimoji="1" lang="ja-JP" altLang="en-US" sz="2400" dirty="0">
+                    <a:solidFill>
+                      <a:schemeClr val="tx1"/>
+                    </a:solidFill>
+                    <a:latin typeface="Arial" panose="020B0604020202020204" pitchFamily="34" charset="0"/>
+                    <a:cs typeface="Arial" panose="020B0604020202020204" pitchFamily="34" charset="0"/>
+                  </a:rPr>
+                  <a:t> </a:t>
+                </a:r>
+                <a:r>
+                  <a:rPr kumimoji="1" lang="en-US" altLang="ja-JP" sz="2400" dirty="0">
+                    <a:solidFill>
+                      <a:schemeClr val="tx1"/>
+                    </a:solidFill>
+                    <a:latin typeface="Arial" panose="020B0604020202020204" pitchFamily="34" charset="0"/>
+                    <a:cs typeface="Arial" panose="020B0604020202020204" pitchFamily="34" charset="0"/>
+                  </a:rPr>
+                  <a:t>features</a:t>
+                </a:r>
+                <a:endParaRPr kumimoji="1" lang="ja-JP" altLang="en-US" sz="2400" dirty="0">
+                  <a:solidFill>
+                    <a:schemeClr val="tx1"/>
+                  </a:solidFill>
+                  <a:latin typeface="Arial" panose="020B0604020202020204" pitchFamily="34" charset="0"/>
+                  <a:cs typeface="Arial" panose="020B0604020202020204" pitchFamily="34" charset="0"/>
+                </a:endParaRPr>
+              </a:p>
+            </p:txBody>
+          </p:sp>
+        </mc:Choice>
+        <mc:Fallback>
+          <p:sp>
+            <p:nvSpPr>
+              <p:cNvPr id="40" name="正方形/長方形 39">
+                <a:extLst>
+                  <a:ext uri="{FF2B5EF4-FFF2-40B4-BE49-F238E27FC236}">
+                    <a16:creationId xmlns:a16="http://schemas.microsoft.com/office/drawing/2014/main" id="{1419A28A-5CF3-4F3F-8948-06384A4B2FAE}"/>
+                  </a:ext>
+                </a:extLst>
+              </p:cNvPr>
+              <p:cNvSpPr>
+                <a:spLocks noRot="1" noChangeAspect="1" noMove="1" noResize="1" noEditPoints="1" noAdjustHandles="1" noChangeArrowheads="1" noChangeShapeType="1" noTextEdit="1"/>
+              </p:cNvSpPr>
+              <p:nvPr/>
+            </p:nvSpPr>
+            <p:spPr>
+              <a:xfrm>
+                <a:off x="6727666" y="3882256"/>
+                <a:ext cx="3701990" cy="948680"/>
+              </a:xfrm>
+              <a:prstGeom prst="rect">
+                <a:avLst/>
+              </a:prstGeom>
+              <a:blipFill>
+                <a:blip r:embed="rId5"/>
+                <a:stretch>
+                  <a:fillRect/>
+                </a:stretch>
+              </a:blipFill>
+              <a:ln>
+                <a:solidFill>
+                  <a:schemeClr val="tx1"/>
+                </a:solidFill>
+              </a:ln>
+            </p:spPr>
+            <p:txBody>
+              <a:bodyPr/>
+              <a:lstStyle/>
+              <a:p>
+                <a:r>
+                  <a:rPr lang="ja-JP" altLang="en-US">
+                    <a:noFill/>
+                  </a:rPr>
+                  <a:t> </a:t>
+                </a:r>
+              </a:p>
+            </p:txBody>
+          </p:sp>
+        </mc:Fallback>
+      </mc:AlternateContent>
+      <p:grpSp>
+        <p:nvGrpSpPr>
+          <p:cNvPr id="60" name="グループ化 59">
+            <a:extLst>
+              <a:ext uri="{FF2B5EF4-FFF2-40B4-BE49-F238E27FC236}">
+                <a16:creationId xmlns:a16="http://schemas.microsoft.com/office/drawing/2014/main" id="{40849F7F-DAB9-44A0-A030-51442F355AAF}"/>
+              </a:ext>
+            </a:extLst>
+          </p:cNvPr>
+          <p:cNvGrpSpPr/>
+          <p:nvPr/>
+        </p:nvGrpSpPr>
+        <p:grpSpPr>
+          <a:xfrm>
+            <a:off x="6727649" y="4830936"/>
+            <a:ext cx="3702006" cy="1478841"/>
+            <a:chOff x="6727649" y="4830936"/>
+            <a:chExt cx="3702006" cy="1478841"/>
+          </a:xfrm>
+        </p:grpSpPr>
+        <mc:AlternateContent xmlns:mc="http://schemas.openxmlformats.org/markup-compatibility/2006">
+          <mc:Choice xmlns:a14="http://schemas.microsoft.com/office/drawing/2010/main" Requires="a14">
+            <p:sp>
+              <p:nvSpPr>
+                <p:cNvPr id="38" name="正方形/長方形 37">
+                  <a:extLst>
+                    <a:ext uri="{FF2B5EF4-FFF2-40B4-BE49-F238E27FC236}">
+                      <a16:creationId xmlns:a16="http://schemas.microsoft.com/office/drawing/2014/main" id="{226ECFFF-5856-4E4D-8459-BD9C3970027C}"/>
+                    </a:ext>
+                  </a:extLst>
+                </p:cNvPr>
+                <p:cNvSpPr/>
+                <p:nvPr/>
+              </p:nvSpPr>
+              <p:spPr>
+                <a:xfrm>
+                  <a:off x="6727665" y="4830936"/>
+                  <a:ext cx="3701990" cy="948680"/>
+                </a:xfrm>
+                <a:prstGeom prst="rect">
+                  <a:avLst/>
+                </a:prstGeom>
+                <a:noFill/>
+                <a:ln>
+                  <a:solidFill>
+                    <a:schemeClr val="tx1"/>
+                  </a:solidFill>
+                </a:ln>
+              </p:spPr>
+              <p:style>
+                <a:lnRef idx="2">
+                  <a:schemeClr val="accent1">
+                    <a:shade val="50000"/>
+                  </a:schemeClr>
+                </a:lnRef>
+                <a:fillRef idx="1">
+                  <a:schemeClr val="accent1"/>
+                </a:fillRef>
+                <a:effectRef idx="0">
+                  <a:schemeClr val="accent1"/>
+                </a:effectRef>
+                <a:fontRef idx="minor">
+                  <a:schemeClr val="lt1"/>
+                </a:fontRef>
+              </p:style>
+              <p:txBody>
+                <a:bodyPr rtlCol="0" anchor="ctr"/>
+                <a:lstStyle/>
+                <a:p>
+                  <a:pPr algn="ctr"/>
+                  <a14:m>
+                    <m:oMath xmlns:m="http://schemas.openxmlformats.org/officeDocument/2006/math">
+                      <m:r>
+                        <a:rPr kumimoji="1" lang="en-US" altLang="ja-JP" sz="2400" b="0" i="1" smtClean="0">
+                          <a:solidFill>
+                            <a:schemeClr val="tx1"/>
+                          </a:solidFill>
+                          <a:latin typeface="Cambria Math" panose="02040503050406030204" pitchFamily="18" charset="0"/>
+                        </a:rPr>
+                        <m:t>𝑥</m:t>
+                      </m:r>
+                    </m:oMath>
+                  </a14:m>
+                  <a:r>
+                    <a:rPr kumimoji="1" lang="ja-JP" altLang="en-US" sz="2400" dirty="0">
+                      <a:solidFill>
+                        <a:schemeClr val="tx1"/>
+                      </a:solidFill>
+                      <a:latin typeface="Arial" panose="020B0604020202020204" pitchFamily="34" charset="0"/>
+                      <a:cs typeface="Arial" panose="020B0604020202020204" pitchFamily="34" charset="0"/>
+                    </a:rPr>
+                    <a:t> </a:t>
+                  </a:r>
+                  <a:r>
+                    <a:rPr kumimoji="1" lang="en-US" altLang="ja-JP" sz="2400" dirty="0">
+                      <a:solidFill>
+                        <a:schemeClr val="tx1"/>
+                      </a:solidFill>
+                      <a:latin typeface="Arial" panose="020B0604020202020204" pitchFamily="34" charset="0"/>
+                      <a:cs typeface="Arial" panose="020B0604020202020204" pitchFamily="34" charset="0"/>
+                    </a:rPr>
+                    <a:t>features</a:t>
+                  </a:r>
+                  <a:endParaRPr kumimoji="1" lang="ja-JP" altLang="en-US" sz="2400" dirty="0">
+                    <a:solidFill>
+                      <a:schemeClr val="tx1"/>
+                    </a:solidFill>
+                    <a:latin typeface="Arial" panose="020B0604020202020204" pitchFamily="34" charset="0"/>
+                    <a:cs typeface="Arial" panose="020B0604020202020204" pitchFamily="34" charset="0"/>
+                  </a:endParaRPr>
+                </a:p>
+              </p:txBody>
+            </p:sp>
+          </mc:Choice>
+          <mc:Fallback>
+            <p:sp>
+              <p:nvSpPr>
+                <p:cNvPr id="38" name="正方形/長方形 37">
+                  <a:extLst>
+                    <a:ext uri="{FF2B5EF4-FFF2-40B4-BE49-F238E27FC236}">
+                      <a16:creationId xmlns:a16="http://schemas.microsoft.com/office/drawing/2014/main" id="{226ECFFF-5856-4E4D-8459-BD9C3970027C}"/>
+                    </a:ext>
+                  </a:extLst>
+                </p:cNvPr>
+                <p:cNvSpPr>
+                  <a:spLocks noRot="1" noChangeAspect="1" noMove="1" noResize="1" noEditPoints="1" noAdjustHandles="1" noChangeArrowheads="1" noChangeShapeType="1" noTextEdit="1"/>
+                </p:cNvSpPr>
+                <p:nvPr/>
+              </p:nvSpPr>
+              <p:spPr>
+                <a:xfrm>
+                  <a:off x="6727665" y="4830936"/>
+                  <a:ext cx="3701990" cy="948680"/>
+                </a:xfrm>
+                <a:prstGeom prst="rect">
+                  <a:avLst/>
+                </a:prstGeom>
+                <a:blipFill>
+                  <a:blip r:embed="rId6"/>
+                  <a:stretch>
+                    <a:fillRect/>
+                  </a:stretch>
+                </a:blipFill>
+                <a:ln>
+                  <a:solidFill>
+                    <a:schemeClr val="tx1"/>
+                  </a:solidFill>
+                </a:ln>
+              </p:spPr>
+              <p:txBody>
+                <a:bodyPr/>
+                <a:lstStyle/>
+                <a:p>
+                  <a:r>
+                    <a:rPr lang="ja-JP" altLang="en-US">
+                      <a:noFill/>
+                    </a:rPr>
+                    <a:t> </a:t>
+                  </a:r>
+                </a:p>
+              </p:txBody>
+            </p:sp>
+          </mc:Fallback>
+        </mc:AlternateContent>
+        <p:sp>
+          <p:nvSpPr>
+            <p:cNvPr id="42" name="円弧 41">
+              <a:extLst>
+                <a:ext uri="{FF2B5EF4-FFF2-40B4-BE49-F238E27FC236}">
+                  <a16:creationId xmlns:a16="http://schemas.microsoft.com/office/drawing/2014/main" id="{105D9F6E-43C6-4E57-8995-698836F8B288}"/>
+                </a:ext>
+              </a:extLst>
+            </p:cNvPr>
+            <p:cNvSpPr/>
+            <p:nvPr/>
+          </p:nvSpPr>
+          <p:spPr>
+            <a:xfrm flipH="1" flipV="1">
+              <a:off x="6727649" y="5471974"/>
+              <a:ext cx="1845903" cy="606972"/>
+            </a:xfrm>
+            <a:prstGeom prst="arc">
+              <a:avLst>
+                <a:gd name="adj1" fmla="val 16086873"/>
+                <a:gd name="adj2" fmla="val 0"/>
+              </a:avLst>
+            </a:prstGeom>
+          </p:spPr>
+          <p:style>
+            <a:lnRef idx="1">
+              <a:schemeClr val="dk1"/>
+            </a:lnRef>
+            <a:fillRef idx="0">
+              <a:schemeClr val="dk1"/>
+            </a:fillRef>
+            <a:effectRef idx="0">
+              <a:schemeClr val="dk1"/>
+            </a:effectRef>
+            <a:fontRef idx="minor">
+              <a:schemeClr val="tx1"/>
+            </a:fontRef>
+          </p:style>
+          <p:txBody>
+            <a:bodyPr rtlCol="0" anchor="ctr"/>
+            <a:lstStyle/>
+            <a:p>
+              <a:pPr algn="ctr"/>
+              <a:endParaRPr kumimoji="1" lang="ja-JP" altLang="en-US">
+                <a:latin typeface="Arial" panose="020B0604020202020204" pitchFamily="34" charset="0"/>
+                <a:cs typeface="Arial" panose="020B0604020202020204" pitchFamily="34" charset="0"/>
+              </a:endParaRPr>
+            </a:p>
+          </p:txBody>
+        </p:sp>
+        <p:sp>
+          <p:nvSpPr>
+            <p:cNvPr id="43" name="円弧 42">
+              <a:extLst>
+                <a:ext uri="{FF2B5EF4-FFF2-40B4-BE49-F238E27FC236}">
+                  <a16:creationId xmlns:a16="http://schemas.microsoft.com/office/drawing/2014/main" id="{683EDD0F-6B00-4F66-8E97-CECD7F77D8B6}"/>
+                </a:ext>
+              </a:extLst>
+            </p:cNvPr>
+            <p:cNvSpPr/>
+            <p:nvPr/>
+          </p:nvSpPr>
+          <p:spPr>
+            <a:xfrm flipV="1">
+              <a:off x="8583752" y="5471974"/>
+              <a:ext cx="1845903" cy="606972"/>
+            </a:xfrm>
+            <a:prstGeom prst="arc">
+              <a:avLst>
+                <a:gd name="adj1" fmla="val 16086873"/>
+                <a:gd name="adj2" fmla="val 0"/>
+              </a:avLst>
+            </a:prstGeom>
+          </p:spPr>
+          <p:style>
+            <a:lnRef idx="1">
+              <a:schemeClr val="dk1"/>
+            </a:lnRef>
+            <a:fillRef idx="0">
+              <a:schemeClr val="dk1"/>
+            </a:fillRef>
+            <a:effectRef idx="0">
+              <a:schemeClr val="dk1"/>
+            </a:effectRef>
+            <a:fontRef idx="minor">
+              <a:schemeClr val="tx1"/>
+            </a:fontRef>
+          </p:style>
+          <p:txBody>
+            <a:bodyPr rtlCol="0" anchor="ctr"/>
+            <a:lstStyle/>
+            <a:p>
+              <a:pPr algn="ctr"/>
+              <a:endParaRPr kumimoji="1" lang="ja-JP" altLang="en-US">
+                <a:latin typeface="Arial" panose="020B0604020202020204" pitchFamily="34" charset="0"/>
+                <a:cs typeface="Arial" panose="020B0604020202020204" pitchFamily="34" charset="0"/>
+              </a:endParaRPr>
+            </a:p>
+          </p:txBody>
+        </p:sp>
+        <mc:AlternateContent xmlns:mc="http://schemas.openxmlformats.org/markup-compatibility/2006">
+          <mc:Choice xmlns:a14="http://schemas.microsoft.com/office/drawing/2010/main" Requires="a14">
+            <p:sp>
+              <p:nvSpPr>
+                <p:cNvPr id="44" name="テキスト ボックス 43">
+                  <a:extLst>
+                    <a:ext uri="{FF2B5EF4-FFF2-40B4-BE49-F238E27FC236}">
+                      <a16:creationId xmlns:a16="http://schemas.microsoft.com/office/drawing/2014/main" id="{A25FE366-FD6C-4F65-9DA0-B264304938E6}"/>
+                    </a:ext>
+                  </a:extLst>
+                </p:cNvPr>
+                <p:cNvSpPr txBox="1"/>
+                <p:nvPr/>
+              </p:nvSpPr>
+              <p:spPr>
+                <a:xfrm>
+                  <a:off x="8055245" y="5848112"/>
+                  <a:ext cx="1057013" cy="461665"/>
+                </a:xfrm>
+                <a:prstGeom prst="rect">
+                  <a:avLst/>
+                </a:prstGeom>
+                <a:noFill/>
+              </p:spPr>
+              <p:txBody>
+                <a:bodyPr wrap="square" rtlCol="0">
+                  <a:spAutoFit/>
+                </a:bodyPr>
+                <a:lstStyle/>
+                <a:p>
+                  <a:pPr algn="ctr"/>
+                  <a14:m>
+                    <m:oMathPara xmlns:m="http://schemas.openxmlformats.org/officeDocument/2006/math">
+                      <m:oMathParaPr>
+                        <m:jc m:val="centerGroup"/>
+                      </m:oMathParaPr>
+                      <m:oMath xmlns:m="http://schemas.openxmlformats.org/officeDocument/2006/math">
+                        <m:r>
+                          <a:rPr kumimoji="1" lang="en-US" altLang="ja-JP" sz="2400" b="0" i="1" smtClean="0">
+                            <a:latin typeface="Cambria Math" panose="02040503050406030204" pitchFamily="18" charset="0"/>
+                            <a:cs typeface="Arial" panose="020B0604020202020204" pitchFamily="34" charset="0"/>
+                          </a:rPr>
+                          <m:t>𝐿</m:t>
+                        </m:r>
+                        <m:r>
+                          <a:rPr kumimoji="1" lang="en-US" altLang="ja-JP" sz="2400" b="0" i="1" smtClean="0">
+                            <a:latin typeface="Cambria Math" panose="02040503050406030204" pitchFamily="18" charset="0"/>
+                            <a:cs typeface="Arial" panose="020B0604020202020204" pitchFamily="34" charset="0"/>
+                          </a:rPr>
+                          <m:t>′</m:t>
+                        </m:r>
+                      </m:oMath>
+                    </m:oMathPara>
+                  </a14:m>
+                  <a:endParaRPr kumimoji="1" lang="ja-JP" altLang="en-US" sz="2400" dirty="0">
+                    <a:latin typeface="Arial" panose="020B0604020202020204" pitchFamily="34" charset="0"/>
+                    <a:cs typeface="Arial" panose="020B0604020202020204" pitchFamily="34" charset="0"/>
+                  </a:endParaRPr>
+                </a:p>
+              </p:txBody>
+            </p:sp>
+          </mc:Choice>
+          <mc:Fallback>
+            <p:sp>
+              <p:nvSpPr>
+                <p:cNvPr id="44" name="テキスト ボックス 43">
+                  <a:extLst>
+                    <a:ext uri="{FF2B5EF4-FFF2-40B4-BE49-F238E27FC236}">
+                      <a16:creationId xmlns:a16="http://schemas.microsoft.com/office/drawing/2014/main" id="{A25FE366-FD6C-4F65-9DA0-B264304938E6}"/>
+                    </a:ext>
+                  </a:extLst>
+                </p:cNvPr>
+                <p:cNvSpPr txBox="1">
+                  <a:spLocks noRot="1" noChangeAspect="1" noMove="1" noResize="1" noEditPoints="1" noAdjustHandles="1" noChangeArrowheads="1" noChangeShapeType="1" noTextEdit="1"/>
+                </p:cNvSpPr>
+                <p:nvPr/>
+              </p:nvSpPr>
+              <p:spPr>
+                <a:xfrm>
+                  <a:off x="8055245" y="5848112"/>
+                  <a:ext cx="1057013" cy="461665"/>
+                </a:xfrm>
+                <a:prstGeom prst="rect">
+                  <a:avLst/>
+                </a:prstGeom>
+                <a:blipFill>
+                  <a:blip r:embed="rId7"/>
+                  <a:stretch>
+                    <a:fillRect/>
+                  </a:stretch>
+                </a:blipFill>
+              </p:spPr>
+              <p:txBody>
+                <a:bodyPr/>
+                <a:lstStyle/>
+                <a:p>
+                  <a:r>
+                    <a:rPr lang="ja-JP" altLang="en-US">
+                      <a:noFill/>
+                    </a:rPr>
+                    <a:t> </a:t>
+                  </a:r>
+                </a:p>
+              </p:txBody>
+            </p:sp>
+          </mc:Fallback>
+        </mc:AlternateContent>
+      </p:grpSp>
+      <p:grpSp>
+        <p:nvGrpSpPr>
+          <p:cNvPr id="61" name="グループ化 60">
+            <a:extLst>
+              <a:ext uri="{FF2B5EF4-FFF2-40B4-BE49-F238E27FC236}">
+                <a16:creationId xmlns:a16="http://schemas.microsoft.com/office/drawing/2014/main" id="{D6195EE7-918F-4BC4-A362-E0D446544F0A}"/>
+              </a:ext>
+            </a:extLst>
+          </p:cNvPr>
+          <p:cNvGrpSpPr/>
+          <p:nvPr/>
+        </p:nvGrpSpPr>
+        <p:grpSpPr>
+          <a:xfrm>
+            <a:off x="10116797" y="2927520"/>
+            <a:ext cx="850370" cy="2847940"/>
+            <a:chOff x="10116797" y="2927520"/>
+            <a:chExt cx="850370" cy="2847940"/>
+          </a:xfrm>
+        </p:grpSpPr>
+        <p:sp>
+          <p:nvSpPr>
+            <p:cNvPr id="45" name="円弧 44">
+              <a:extLst>
+                <a:ext uri="{FF2B5EF4-FFF2-40B4-BE49-F238E27FC236}">
+                  <a16:creationId xmlns:a16="http://schemas.microsoft.com/office/drawing/2014/main" id="{2C0A1BA7-40C1-4758-850A-37A0C9C479FD}"/>
+                </a:ext>
+              </a:extLst>
+            </p:cNvPr>
+            <p:cNvSpPr/>
+            <p:nvPr/>
+          </p:nvSpPr>
+          <p:spPr>
+            <a:xfrm rot="16200000" flipV="1">
+              <a:off x="10131337" y="2912980"/>
+              <a:ext cx="577892" cy="606972"/>
+            </a:xfrm>
+            <a:prstGeom prst="arc">
+              <a:avLst>
+                <a:gd name="adj1" fmla="val 16086873"/>
+                <a:gd name="adj2" fmla="val 0"/>
+              </a:avLst>
+            </a:prstGeom>
+          </p:spPr>
+          <p:style>
+            <a:lnRef idx="1">
+              <a:schemeClr val="dk1"/>
+            </a:lnRef>
+            <a:fillRef idx="0">
+              <a:schemeClr val="dk1"/>
+            </a:fillRef>
+            <a:effectRef idx="0">
+              <a:schemeClr val="dk1"/>
+            </a:effectRef>
+            <a:fontRef idx="minor">
+              <a:schemeClr val="tx1"/>
+            </a:fontRef>
+          </p:style>
+          <p:txBody>
+            <a:bodyPr rtlCol="0" anchor="ctr"/>
+            <a:lstStyle/>
+            <a:p>
+              <a:pPr algn="ctr"/>
+              <a:endParaRPr kumimoji="1" lang="ja-JP" altLang="en-US">
+                <a:latin typeface="Arial" panose="020B0604020202020204" pitchFamily="34" charset="0"/>
+                <a:cs typeface="Arial" panose="020B0604020202020204" pitchFamily="34" charset="0"/>
+              </a:endParaRPr>
+            </a:p>
+          </p:txBody>
+        </p:sp>
+        <p:sp>
+          <p:nvSpPr>
+            <p:cNvPr id="46" name="テキスト ボックス 45">
+              <a:extLst>
+                <a:ext uri="{FF2B5EF4-FFF2-40B4-BE49-F238E27FC236}">
+                  <a16:creationId xmlns:a16="http://schemas.microsoft.com/office/drawing/2014/main" id="{F929FA7F-3D22-4C50-8DD5-6CA424C023B6}"/>
+                </a:ext>
+              </a:extLst>
+            </p:cNvPr>
+            <p:cNvSpPr txBox="1"/>
+            <p:nvPr/>
+          </p:nvSpPr>
+          <p:spPr>
+            <a:xfrm rot="5400000">
+              <a:off x="9710099" y="4156541"/>
+              <a:ext cx="2114026" cy="400110"/>
+            </a:xfrm>
+            <a:prstGeom prst="rect">
+              <a:avLst/>
+            </a:prstGeom>
+            <a:noFill/>
+          </p:spPr>
+          <p:txBody>
+            <a:bodyPr wrap="square" rtlCol="0">
+              <a:spAutoFit/>
+            </a:bodyPr>
+            <a:lstStyle/>
+            <a:p>
+              <a:pPr marL="0" marR="0" lvl="0" indent="0" algn="ctr" defTabSz="914400" rtl="0" eaLnBrk="1" fontAlgn="auto" latinLnBrk="0" hangingPunct="1">
+                <a:lnSpc>
+                  <a:spcPct val="100000"/>
+                </a:lnSpc>
+                <a:spcBef>
+                  <a:spcPts val="0"/>
+                </a:spcBef>
+                <a:spcAft>
+                  <a:spcPts val="0"/>
+                </a:spcAft>
+                <a:buClrTx/>
+                <a:buSzTx/>
+                <a:buFontTx/>
+                <a:buNone/>
+                <a:tabLst/>
+                <a:defRPr/>
+              </a:pPr>
+              <a:r>
+                <a:rPr kumimoji="1" lang="en-US" altLang="ja-JP" sz="2000" i="0" u="none" strike="noStrike" kern="1200" cap="none" spc="0" normalizeH="0" baseline="0" noProof="0" dirty="0">
+                  <a:ln>
+                    <a:noFill/>
+                  </a:ln>
+                  <a:solidFill>
+                    <a:srgbClr val="FF0000"/>
+                  </a:solidFill>
+                  <a:effectLst/>
+                  <a:uLnTx/>
+                  <a:uFillTx/>
+                  <a:latin typeface="Arial" panose="020B0604020202020204" pitchFamily="34" charset="0"/>
+                  <a:ea typeface="ＭＳ Ｐゴシック"/>
+                  <a:cs typeface="Arial" panose="020B0604020202020204" pitchFamily="34" charset="0"/>
+                </a:rPr>
+                <a:t>21 dimensions</a:t>
+              </a:r>
+              <a:endParaRPr kumimoji="1" lang="ja-JP" altLang="en-US" sz="2000" i="0" u="none" strike="noStrike" kern="1200" cap="none" spc="0" normalizeH="0" baseline="0" noProof="0" dirty="0">
+                <a:ln>
+                  <a:noFill/>
+                </a:ln>
+                <a:solidFill>
+                  <a:srgbClr val="FF0000"/>
+                </a:solidFill>
+                <a:effectLst/>
+                <a:uLnTx/>
+                <a:uFillTx/>
+                <a:latin typeface="Arial" panose="020B0604020202020204" pitchFamily="34" charset="0"/>
+                <a:ea typeface="ＭＳ Ｐゴシック"/>
+                <a:cs typeface="Arial" panose="020B0604020202020204" pitchFamily="34" charset="0"/>
+              </a:endParaRPr>
+            </a:p>
+          </p:txBody>
+        </p:sp>
+        <p:sp>
+          <p:nvSpPr>
+            <p:cNvPr id="47" name="円弧 46">
+              <a:extLst>
+                <a:ext uri="{FF2B5EF4-FFF2-40B4-BE49-F238E27FC236}">
+                  <a16:creationId xmlns:a16="http://schemas.microsoft.com/office/drawing/2014/main" id="{9977BEF3-1CC5-4C2E-90E8-3370DBBB4E49}"/>
+                </a:ext>
+              </a:extLst>
+            </p:cNvPr>
+            <p:cNvSpPr/>
+            <p:nvPr/>
+          </p:nvSpPr>
+          <p:spPr>
+            <a:xfrm rot="16200000" flipH="1" flipV="1">
+              <a:off x="10131337" y="5183028"/>
+              <a:ext cx="577892" cy="606972"/>
+            </a:xfrm>
+            <a:prstGeom prst="arc">
+              <a:avLst>
+                <a:gd name="adj1" fmla="val 16086873"/>
+                <a:gd name="adj2" fmla="val 0"/>
+              </a:avLst>
+            </a:prstGeom>
+          </p:spPr>
+          <p:style>
+            <a:lnRef idx="1">
+              <a:schemeClr val="dk1"/>
+            </a:lnRef>
+            <a:fillRef idx="0">
+              <a:schemeClr val="dk1"/>
+            </a:fillRef>
+            <a:effectRef idx="0">
+              <a:schemeClr val="dk1"/>
+            </a:effectRef>
+            <a:fontRef idx="minor">
+              <a:schemeClr val="tx1"/>
+            </a:fontRef>
+          </p:style>
+          <p:txBody>
+            <a:bodyPr rtlCol="0" anchor="ctr"/>
+            <a:lstStyle/>
+            <a:p>
+              <a:pPr algn="ctr"/>
+              <a:endParaRPr kumimoji="1" lang="ja-JP" altLang="en-US">
+                <a:latin typeface="Arial" panose="020B0604020202020204" pitchFamily="34" charset="0"/>
+                <a:cs typeface="Arial" panose="020B0604020202020204" pitchFamily="34" charset="0"/>
+              </a:endParaRPr>
+            </a:p>
+          </p:txBody>
+        </p:sp>
+      </p:grpSp>
+      <p:grpSp>
+        <p:nvGrpSpPr>
+          <p:cNvPr id="58" name="グループ化 57">
+            <a:extLst>
+              <a:ext uri="{FF2B5EF4-FFF2-40B4-BE49-F238E27FC236}">
+                <a16:creationId xmlns:a16="http://schemas.microsoft.com/office/drawing/2014/main" id="{7A7DF5F9-FF55-4115-8641-6FFD412820F3}"/>
+              </a:ext>
+            </a:extLst>
+          </p:cNvPr>
+          <p:cNvGrpSpPr/>
+          <p:nvPr/>
+        </p:nvGrpSpPr>
+        <p:grpSpPr>
+          <a:xfrm>
+            <a:off x="2394091" y="4097191"/>
+            <a:ext cx="2935901" cy="1529650"/>
+            <a:chOff x="2394091" y="4097191"/>
+            <a:chExt cx="2935901" cy="1529650"/>
+          </a:xfrm>
+        </p:grpSpPr>
+        <mc:AlternateContent xmlns:mc="http://schemas.openxmlformats.org/markup-compatibility/2006">
+          <mc:Choice xmlns:a14="http://schemas.microsoft.com/office/drawing/2010/main" Requires="a14">
+            <p:sp>
+              <p:nvSpPr>
+                <p:cNvPr id="53" name="テキスト ボックス 52">
+                  <a:extLst>
+                    <a:ext uri="{FF2B5EF4-FFF2-40B4-BE49-F238E27FC236}">
+                      <a16:creationId xmlns:a16="http://schemas.microsoft.com/office/drawing/2014/main" id="{70517F8E-D0E5-4171-B4BE-A0BC0048C005}"/>
+                    </a:ext>
+                  </a:extLst>
+                </p:cNvPr>
+                <p:cNvSpPr txBox="1"/>
+                <p:nvPr/>
+              </p:nvSpPr>
+              <p:spPr>
+                <a:xfrm>
+                  <a:off x="3062037" y="4097191"/>
+                  <a:ext cx="1596021" cy="461665"/>
+                </a:xfrm>
+                <a:prstGeom prst="rect">
+                  <a:avLst/>
+                </a:prstGeom>
+                <a:noFill/>
+              </p:spPr>
+              <p:txBody>
+                <a:bodyPr wrap="square" rtlCol="0">
+                  <a:spAutoFit/>
+                </a:bodyPr>
+                <a:lstStyle/>
+                <a:p>
+                  <a:pPr lvl="0" algn="ctr"/>
+                  <a14:m>
+                    <m:oMath xmlns:m="http://schemas.openxmlformats.org/officeDocument/2006/math">
+                      <m:r>
+                        <a:rPr lang="en-US" altLang="ja-JP" sz="2400" i="1">
+                          <a:solidFill>
+                            <a:prstClr val="black"/>
+                          </a:solidFill>
+                          <a:latin typeface="Cambria Math" panose="02040503050406030204" pitchFamily="18" charset="0"/>
+                        </a:rPr>
+                        <m:t>𝑥</m:t>
+                      </m:r>
+                    </m:oMath>
+                  </a14:m>
+                  <a:r>
+                    <a:rPr lang="ja-JP" altLang="en-US" sz="2400" dirty="0">
+                      <a:solidFill>
+                        <a:prstClr val="black"/>
+                      </a:solidFill>
+                      <a:latin typeface="Arial" panose="020B0604020202020204" pitchFamily="34" charset="0"/>
+                      <a:cs typeface="Arial" panose="020B0604020202020204" pitchFamily="34" charset="0"/>
+                    </a:rPr>
+                    <a:t> </a:t>
+                  </a:r>
+                  <a:r>
+                    <a:rPr lang="en-US" altLang="ja-JP" sz="2400" dirty="0">
+                      <a:solidFill>
+                        <a:prstClr val="black"/>
+                      </a:solidFill>
+                      <a:latin typeface="Arial" panose="020B0604020202020204" pitchFamily="34" charset="0"/>
+                      <a:cs typeface="Arial" panose="020B0604020202020204" pitchFamily="34" charset="0"/>
+                    </a:rPr>
+                    <a:t>features</a:t>
+                  </a:r>
+                  <a:endParaRPr lang="ja-JP" altLang="en-US" sz="2400" dirty="0">
+                    <a:solidFill>
+                      <a:prstClr val="black"/>
+                    </a:solidFill>
+                    <a:latin typeface="Arial" panose="020B0604020202020204" pitchFamily="34" charset="0"/>
+                    <a:cs typeface="Arial" panose="020B0604020202020204" pitchFamily="34" charset="0"/>
+                  </a:endParaRPr>
+                </a:p>
+              </p:txBody>
+            </p:sp>
+          </mc:Choice>
+          <mc:Fallback>
+            <p:sp>
+              <p:nvSpPr>
+                <p:cNvPr id="53" name="テキスト ボックス 52">
+                  <a:extLst>
+                    <a:ext uri="{FF2B5EF4-FFF2-40B4-BE49-F238E27FC236}">
+                      <a16:creationId xmlns:a16="http://schemas.microsoft.com/office/drawing/2014/main" id="{70517F8E-D0E5-4171-B4BE-A0BC0048C005}"/>
+                    </a:ext>
+                  </a:extLst>
+                </p:cNvPr>
+                <p:cNvSpPr txBox="1">
+                  <a:spLocks noRot="1" noChangeAspect="1" noMove="1" noResize="1" noEditPoints="1" noAdjustHandles="1" noChangeArrowheads="1" noChangeShapeType="1" noTextEdit="1"/>
+                </p:cNvSpPr>
+                <p:nvPr/>
+              </p:nvSpPr>
+              <p:spPr>
+                <a:xfrm>
+                  <a:off x="3062037" y="4097191"/>
+                  <a:ext cx="1596021" cy="461665"/>
+                </a:xfrm>
+                <a:prstGeom prst="rect">
+                  <a:avLst/>
+                </a:prstGeom>
+                <a:blipFill>
+                  <a:blip r:embed="rId8"/>
+                  <a:stretch>
+                    <a:fillRect t="-9211" r="-4580" b="-30263"/>
+                  </a:stretch>
+                </a:blipFill>
+              </p:spPr>
+              <p:txBody>
+                <a:bodyPr/>
+                <a:lstStyle/>
+                <a:p>
+                  <a:r>
+                    <a:rPr lang="ja-JP" altLang="en-US">
+                      <a:noFill/>
+                    </a:rPr>
+                    <a:t> </a:t>
+                  </a:r>
+                </a:p>
+              </p:txBody>
+            </p:sp>
+          </mc:Fallback>
+        </mc:AlternateContent>
+        <p:grpSp>
+          <p:nvGrpSpPr>
+            <p:cNvPr id="48" name="グループ化 47">
+              <a:extLst>
+                <a:ext uri="{FF2B5EF4-FFF2-40B4-BE49-F238E27FC236}">
+                  <a16:creationId xmlns:a16="http://schemas.microsoft.com/office/drawing/2014/main" id="{CD28FCAB-C22B-47E9-806F-FAFC00FF78BD}"/>
+                </a:ext>
+              </a:extLst>
+            </p:cNvPr>
+            <p:cNvGrpSpPr/>
+            <p:nvPr/>
+          </p:nvGrpSpPr>
+          <p:grpSpPr>
+            <a:xfrm>
+              <a:off x="2394091" y="4523960"/>
+              <a:ext cx="2935901" cy="1102881"/>
+              <a:chOff x="987827" y="5092867"/>
+              <a:chExt cx="3473337" cy="1200329"/>
+            </a:xfrm>
+          </p:grpSpPr>
+          <mc:AlternateContent xmlns:mc="http://schemas.openxmlformats.org/markup-compatibility/2006">
+            <mc:Choice xmlns:a14="http://schemas.microsoft.com/office/drawing/2010/main" Requires="a14">
+              <p:sp>
+                <p:nvSpPr>
+                  <p:cNvPr id="50" name="テキスト ボックス 49">
+                    <a:extLst>
+                      <a:ext uri="{FF2B5EF4-FFF2-40B4-BE49-F238E27FC236}">
+                        <a16:creationId xmlns:a16="http://schemas.microsoft.com/office/drawing/2014/main" id="{6097EE4D-14B4-4111-9B65-0304B8D53C2B}"/>
+                      </a:ext>
+                    </a:extLst>
+                  </p:cNvPr>
+                  <p:cNvSpPr txBox="1"/>
+                  <p:nvPr/>
+                </p:nvSpPr>
+                <p:spPr>
+                  <a:xfrm>
+                    <a:off x="987827" y="5092867"/>
+                    <a:ext cx="3473336" cy="1172399"/>
+                  </a:xfrm>
+                  <a:prstGeom prst="rect">
+                    <a:avLst/>
+                  </a:prstGeom>
+                  <a:noFill/>
+                </p:spPr>
+                <p:txBody>
+                  <a:bodyPr wrap="square" rtlCol="0">
+                    <a:spAutoFit/>
+                  </a:bodyPr>
+                  <a:lstStyle/>
+                  <a:p>
+                    <a:pPr algn="ctr"/>
+                    <a14:m>
+                      <m:oMath xmlns:m="http://schemas.openxmlformats.org/officeDocument/2006/math">
+                        <m:r>
+                          <a:rPr kumimoji="1" lang="en-US" altLang="ja-JP" sz="1600" b="0" i="1" smtClean="0">
+                            <a:solidFill>
+                              <a:schemeClr val="tx1"/>
+                            </a:solidFill>
+                            <a:latin typeface="Cambria Math" panose="02040503050406030204" pitchFamily="18" charset="0"/>
+                          </a:rPr>
+                          <m:t>𝑥</m:t>
+                        </m:r>
+                        <m:r>
+                          <a:rPr kumimoji="1" lang="en-US" altLang="ja-JP" sz="1600" b="0" i="1" smtClean="0">
+                            <a:solidFill>
+                              <a:schemeClr val="tx1"/>
+                            </a:solidFill>
+                            <a:latin typeface="Cambria Math" panose="02040503050406030204" pitchFamily="18" charset="0"/>
+                          </a:rPr>
+                          <m:t> </m:t>
+                        </m:r>
+                      </m:oMath>
+                    </a14:m>
+                    <a:r>
+                      <a:rPr kumimoji="1" lang="en-US" altLang="ja-JP" sz="1600" dirty="0">
+                        <a:latin typeface="Arial" panose="020B0604020202020204" pitchFamily="34" charset="0"/>
+                        <a:cs typeface="Arial" panose="020B0604020202020204" pitchFamily="34" charset="0"/>
+                      </a:rPr>
+                      <a:t>mean, </a:t>
+                    </a:r>
+                    <a14:m>
+                      <m:oMath xmlns:m="http://schemas.openxmlformats.org/officeDocument/2006/math">
+                        <m:r>
+                          <a:rPr lang="en-US" altLang="ja-JP" sz="1600" i="1">
+                            <a:latin typeface="Cambria Math" panose="02040503050406030204" pitchFamily="18" charset="0"/>
+                          </a:rPr>
+                          <m:t>𝑥</m:t>
+                        </m:r>
+                        <m:r>
+                          <a:rPr lang="en-US" altLang="ja-JP" sz="1600" i="1">
+                            <a:latin typeface="Cambria Math" panose="02040503050406030204" pitchFamily="18" charset="0"/>
+                          </a:rPr>
+                          <m:t> </m:t>
+                        </m:r>
+                      </m:oMath>
+                    </a14:m>
+                    <a:r>
+                      <a:rPr kumimoji="1" lang="en-US" altLang="ja-JP" sz="1600" dirty="0">
+                        <a:latin typeface="Arial" panose="020B0604020202020204" pitchFamily="34" charset="0"/>
+                        <a:cs typeface="Arial" panose="020B0604020202020204" pitchFamily="34" charset="0"/>
+                      </a:rPr>
+                      <a:t>variance, </a:t>
+                    </a:r>
+                    <a14:m>
+                      <m:oMath xmlns:m="http://schemas.openxmlformats.org/officeDocument/2006/math">
+                        <m:r>
+                          <a:rPr lang="en-US" altLang="ja-JP" sz="1600" i="1">
+                            <a:latin typeface="Cambria Math" panose="02040503050406030204" pitchFamily="18" charset="0"/>
+                          </a:rPr>
+                          <m:t>𝑥</m:t>
+                        </m:r>
+                        <m:r>
+                          <a:rPr lang="en-US" altLang="ja-JP" sz="1600" i="1">
+                            <a:latin typeface="Cambria Math" panose="02040503050406030204" pitchFamily="18" charset="0"/>
+                          </a:rPr>
+                          <m:t> </m:t>
+                        </m:r>
+                      </m:oMath>
+                    </a14:m>
+                    <a:r>
+                      <a:rPr kumimoji="1" lang="en-US" altLang="ja-JP" sz="1600" dirty="0">
+                        <a:latin typeface="Arial" panose="020B0604020202020204" pitchFamily="34" charset="0"/>
+                        <a:cs typeface="Arial" panose="020B0604020202020204" pitchFamily="34" charset="0"/>
+                      </a:rPr>
+                      <a:t>max, </a:t>
+                    </a:r>
+                    <a14:m>
+                      <m:oMath xmlns:m="http://schemas.openxmlformats.org/officeDocument/2006/math">
+                        <m:r>
+                          <a:rPr lang="en-US" altLang="ja-JP" sz="1600" i="1">
+                            <a:latin typeface="Cambria Math" panose="02040503050406030204" pitchFamily="18" charset="0"/>
+                          </a:rPr>
+                          <m:t>𝑥</m:t>
+                        </m:r>
+                        <m:r>
+                          <a:rPr lang="en-US" altLang="ja-JP" sz="1600" i="1">
+                            <a:latin typeface="Cambria Math" panose="02040503050406030204" pitchFamily="18" charset="0"/>
+                          </a:rPr>
+                          <m:t> </m:t>
+                        </m:r>
+                      </m:oMath>
+                    </a14:m>
+                    <a:r>
+                      <a:rPr kumimoji="1" lang="en-US" altLang="ja-JP" sz="1600" dirty="0">
+                        <a:latin typeface="Arial" panose="020B0604020202020204" pitchFamily="34" charset="0"/>
+                        <a:cs typeface="Arial" panose="020B0604020202020204" pitchFamily="34" charset="0"/>
+                      </a:rPr>
+                      <a:t>min, </a:t>
+                    </a:r>
+                    <a14:m>
+                      <m:oMath xmlns:m="http://schemas.openxmlformats.org/officeDocument/2006/math">
+                        <m:r>
+                          <a:rPr lang="en-US" altLang="ja-JP" sz="1600" i="1">
+                            <a:latin typeface="Cambria Math" panose="02040503050406030204" pitchFamily="18" charset="0"/>
+                          </a:rPr>
+                          <m:t>𝑥</m:t>
+                        </m:r>
+                        <m:r>
+                          <a:rPr lang="en-US" altLang="ja-JP" sz="1600" i="1">
+                            <a:latin typeface="Cambria Math" panose="02040503050406030204" pitchFamily="18" charset="0"/>
+                          </a:rPr>
+                          <m:t> </m:t>
+                        </m:r>
+                      </m:oMath>
+                    </a14:m>
+                    <a:r>
+                      <a:rPr kumimoji="1" lang="en-US" altLang="ja-JP" sz="1600" dirty="0">
+                        <a:latin typeface="Arial" panose="020B0604020202020204" pitchFamily="34" charset="0"/>
+                        <a:cs typeface="Arial" panose="020B0604020202020204" pitchFamily="34" charset="0"/>
+                      </a:rPr>
+                      <a:t>root mean square,</a:t>
+                    </a:r>
+                  </a:p>
+                  <a:p>
+                    <a:pPr algn="ctr"/>
+                    <a14:m>
+                      <m:oMath xmlns:m="http://schemas.openxmlformats.org/officeDocument/2006/math">
+                        <m:r>
+                          <a:rPr lang="en-US" altLang="ja-JP" sz="1600" i="1">
+                            <a:latin typeface="Cambria Math" panose="02040503050406030204" pitchFamily="18" charset="0"/>
+                          </a:rPr>
+                          <m:t>𝑥</m:t>
+                        </m:r>
+                        <m:r>
+                          <a:rPr lang="en-US" altLang="ja-JP" sz="1600" i="1">
+                            <a:latin typeface="Cambria Math" panose="02040503050406030204" pitchFamily="18" charset="0"/>
+                          </a:rPr>
+                          <m:t> </m:t>
+                        </m:r>
+                      </m:oMath>
+                    </a14:m>
+                    <a:r>
+                      <a:rPr kumimoji="1" lang="en-US" altLang="ja-JP" sz="1600" dirty="0">
+                        <a:latin typeface="Arial" panose="020B0604020202020204" pitchFamily="34" charset="0"/>
+                        <a:cs typeface="Arial" panose="020B0604020202020204" pitchFamily="34" charset="0"/>
+                      </a:rPr>
+                      <a:t>interquartile range,</a:t>
+                    </a:r>
+                  </a:p>
+                  <a:p>
+                    <a:pPr algn="ctr"/>
+                    <a14:m>
+                      <m:oMath xmlns:m="http://schemas.openxmlformats.org/officeDocument/2006/math">
+                        <m:r>
+                          <a:rPr lang="en-US" altLang="ja-JP" sz="1600" i="1">
+                            <a:latin typeface="Cambria Math" panose="02040503050406030204" pitchFamily="18" charset="0"/>
+                          </a:rPr>
+                          <m:t>𝑥</m:t>
+                        </m:r>
+                        <m:r>
+                          <a:rPr lang="en-US" altLang="ja-JP" sz="1600" i="1">
+                            <a:latin typeface="Cambria Math" panose="02040503050406030204" pitchFamily="18" charset="0"/>
+                          </a:rPr>
+                          <m:t> </m:t>
+                        </m:r>
+                      </m:oMath>
+                    </a14:m>
+                    <a:r>
+                      <a:rPr kumimoji="1" lang="en-US" altLang="ja-JP" sz="1600" dirty="0">
+                        <a:latin typeface="Arial" panose="020B0604020202020204" pitchFamily="34" charset="0"/>
+                        <a:cs typeface="Arial" panose="020B0604020202020204" pitchFamily="34" charset="0"/>
+                      </a:rPr>
+                      <a:t>zero crossing rate</a:t>
+                    </a:r>
+                    <a:endParaRPr kumimoji="1" lang="ja-JP" altLang="en-US" sz="1600" dirty="0">
+                      <a:latin typeface="Arial" panose="020B0604020202020204" pitchFamily="34" charset="0"/>
+                      <a:cs typeface="Arial" panose="020B0604020202020204" pitchFamily="34" charset="0"/>
+                    </a:endParaRPr>
+                  </a:p>
+                </p:txBody>
+              </p:sp>
+            </mc:Choice>
+            <mc:Fallback>
+              <p:sp>
+                <p:nvSpPr>
+                  <p:cNvPr id="50" name="テキスト ボックス 49">
+                    <a:extLst>
+                      <a:ext uri="{FF2B5EF4-FFF2-40B4-BE49-F238E27FC236}">
+                        <a16:creationId xmlns:a16="http://schemas.microsoft.com/office/drawing/2014/main" id="{6097EE4D-14B4-4111-9B65-0304B8D53C2B}"/>
+                      </a:ext>
+                    </a:extLst>
+                  </p:cNvPr>
+                  <p:cNvSpPr txBox="1">
+                    <a:spLocks noRot="1" noChangeAspect="1" noMove="1" noResize="1" noEditPoints="1" noAdjustHandles="1" noChangeArrowheads="1" noChangeShapeType="1" noTextEdit="1"/>
+                  </p:cNvSpPr>
+                  <p:nvPr/>
+                </p:nvSpPr>
+                <p:spPr>
+                  <a:xfrm>
+                    <a:off x="987827" y="5092867"/>
+                    <a:ext cx="3473336" cy="1172399"/>
+                  </a:xfrm>
+                  <a:prstGeom prst="rect">
+                    <a:avLst/>
+                  </a:prstGeom>
+                  <a:blipFill>
+                    <a:blip r:embed="rId9"/>
+                    <a:stretch>
+                      <a:fillRect t="-1695" b="-6215"/>
+                    </a:stretch>
+                  </a:blipFill>
+                </p:spPr>
+                <p:txBody>
+                  <a:bodyPr/>
+                  <a:lstStyle/>
+                  <a:p>
+                    <a:r>
+                      <a:rPr lang="ja-JP" altLang="en-US">
+                        <a:noFill/>
+                      </a:rPr>
+                      <a:t> </a:t>
+                    </a:r>
+                  </a:p>
+                </p:txBody>
+              </p:sp>
+            </mc:Fallback>
+          </mc:AlternateContent>
+          <p:sp>
+            <p:nvSpPr>
+              <p:cNvPr id="51" name="正方形/長方形 50">
+                <a:extLst>
+                  <a:ext uri="{FF2B5EF4-FFF2-40B4-BE49-F238E27FC236}">
+                    <a16:creationId xmlns:a16="http://schemas.microsoft.com/office/drawing/2014/main" id="{3E1BDE89-8AB7-410C-A114-DF97206F2CA6}"/>
+                  </a:ext>
+                </a:extLst>
+              </p:cNvPr>
+              <p:cNvSpPr/>
+              <p:nvPr/>
+            </p:nvSpPr>
+            <p:spPr>
+              <a:xfrm>
+                <a:off x="987828" y="5095417"/>
+                <a:ext cx="3473336" cy="1197779"/>
+              </a:xfrm>
+              <a:prstGeom prst="rect">
+                <a:avLst/>
+              </a:prstGeom>
+              <a:noFill/>
+              <a:ln>
+                <a:solidFill>
+                  <a:schemeClr val="tx1"/>
+                </a:solidFill>
+              </a:ln>
+            </p:spPr>
+            <p:style>
+              <a:lnRef idx="2">
+                <a:schemeClr val="accent1">
+                  <a:shade val="50000"/>
+                </a:schemeClr>
+              </a:lnRef>
+              <a:fillRef idx="1">
+                <a:schemeClr val="accent1"/>
+              </a:fillRef>
+              <a:effectRef idx="0">
+                <a:schemeClr val="accent1"/>
+              </a:effectRef>
+              <a:fontRef idx="minor">
+                <a:schemeClr val="lt1"/>
+              </a:fontRef>
+            </p:style>
+            <p:txBody>
+              <a:bodyPr rtlCol="0" anchor="ctr"/>
+              <a:lstStyle/>
+              <a:p>
+                <a:pPr algn="ctr"/>
+                <a:endParaRPr kumimoji="1" lang="ja-JP" altLang="en-US">
+                  <a:latin typeface="Arial" panose="020B0604020202020204" pitchFamily="34" charset="0"/>
+                  <a:cs typeface="Arial" panose="020B0604020202020204" pitchFamily="34" charset="0"/>
+                </a:endParaRPr>
+              </a:p>
+            </p:txBody>
+          </p:sp>
+        </p:grpSp>
+      </p:grpSp>
+      <p:cxnSp>
+        <p:nvCxnSpPr>
+          <p:cNvPr id="49" name="直線矢印コネクタ 48">
+            <a:extLst>
+              <a:ext uri="{FF2B5EF4-FFF2-40B4-BE49-F238E27FC236}">
+                <a16:creationId xmlns:a16="http://schemas.microsoft.com/office/drawing/2014/main" id="{F608325B-6316-401B-8EA0-6029E11C4A00}"/>
+              </a:ext>
+            </a:extLst>
+          </p:cNvPr>
+          <p:cNvCxnSpPr/>
+          <p:nvPr/>
+        </p:nvCxnSpPr>
+        <p:spPr>
+          <a:xfrm flipH="1" flipV="1">
+            <a:off x="1300046" y="4909474"/>
+            <a:ext cx="76199" cy="264827"/>
+          </a:xfrm>
+          <a:prstGeom prst="straightConnector1">
+            <a:avLst/>
+          </a:prstGeom>
+          <a:ln>
+            <a:tailEnd type="triangle"/>
+          </a:ln>
+        </p:spPr>
+        <p:style>
+          <a:lnRef idx="1">
+            <a:schemeClr val="dk1"/>
+          </a:lnRef>
+          <a:fillRef idx="0">
+            <a:schemeClr val="dk1"/>
+          </a:fillRef>
+          <a:effectRef idx="0">
+            <a:schemeClr val="dk1"/>
+          </a:effectRef>
+          <a:fontRef idx="minor">
+            <a:schemeClr val="tx1"/>
+          </a:fontRef>
+        </p:style>
+      </p:cxnSp>
+      <p:cxnSp>
+        <p:nvCxnSpPr>
+          <p:cNvPr id="52" name="直線矢印コネクタ 51">
+            <a:extLst>
+              <a:ext uri="{FF2B5EF4-FFF2-40B4-BE49-F238E27FC236}">
+                <a16:creationId xmlns:a16="http://schemas.microsoft.com/office/drawing/2014/main" id="{B0538B62-0FF1-457D-BE91-A182461B0552}"/>
+              </a:ext>
+            </a:extLst>
+          </p:cNvPr>
+          <p:cNvCxnSpPr>
+            <a:cxnSpLocks/>
+          </p:cNvCxnSpPr>
+          <p:nvPr/>
+        </p:nvCxnSpPr>
+        <p:spPr>
+          <a:xfrm>
+            <a:off x="2144472" y="4081412"/>
+            <a:ext cx="205572" cy="360897"/>
+          </a:xfrm>
+          <a:prstGeom prst="straightConnector1">
+            <a:avLst/>
+          </a:prstGeom>
+          <a:ln>
+            <a:tailEnd type="triangle"/>
+          </a:ln>
+        </p:spPr>
+        <p:style>
+          <a:lnRef idx="1">
+            <a:schemeClr val="dk1"/>
+          </a:lnRef>
+          <a:fillRef idx="0">
+            <a:schemeClr val="dk1"/>
+          </a:fillRef>
+          <a:effectRef idx="0">
+            <a:schemeClr val="dk1"/>
+          </a:effectRef>
+          <a:fontRef idx="minor">
+            <a:schemeClr val="tx1"/>
+          </a:fontRef>
+        </p:style>
+      </p:cxnSp>
+    </p:spTree>
+    <p:extLst>
+      <p:ext uri="{BB962C8B-B14F-4D97-AF65-F5344CB8AC3E}">
+        <p14:creationId xmlns:p14="http://schemas.microsoft.com/office/powerpoint/2010/main" val="406357143"/>
+      </p:ext>
+    </p:extLst>
+  </p:cSld>
+  <p:clrMapOvr>
+    <a:masterClrMapping/>
+  </p:clrMapOvr>
+  <p:timing>
+    <p:tnLst>
+      <p:par>
+        <p:cTn id="1" dur="indefinite" restart="never" nodeType="tmRoot">
+          <p:childTnLst>
+            <p:seq concurrent="1" nextAc="seek">
+              <p:cTn id="2" dur="indefinite" nodeType="mainSeq">
+                <p:childTnLst>
+                  <p:par>
+                    <p:cTn id="3" fill="hold">
+                      <p:stCondLst>
+                        <p:cond delay="indefinite"/>
+                      </p:stCondLst>
+                      <p:childTnLst>
+                        <p:par>
+                          <p:cTn id="4" fill="hold">
+                            <p:stCondLst>
+                              <p:cond delay="0"/>
+                            </p:stCondLst>
+                            <p:childTnLst>
+                              <p:par>
+                                <p:cTn id="5" presetID="22" presetClass="entr" presetSubtype="1" fill="hold" nodeType="clickEffect">
+                                  <p:stCondLst>
+                                    <p:cond delay="0"/>
+                                  </p:stCondLst>
+                                  <p:childTnLst>
+                                    <p:set>
+                                      <p:cBhvr>
+                                        <p:cTn id="6" dur="1" fill="hold">
+                                          <p:stCondLst>
+                                            <p:cond delay="0"/>
+                                          </p:stCondLst>
+                                        </p:cTn>
+                                        <p:tgtEl>
+                                          <p:spTgt spid="52"/>
+                                        </p:tgtEl>
+                                        <p:attrNameLst>
+                                          <p:attrName>style.visibility</p:attrName>
+                                        </p:attrNameLst>
+                                      </p:cBhvr>
+                                      <p:to>
+                                        <p:strVal val="visible"/>
+                                      </p:to>
+                                    </p:set>
+                                    <p:animEffect transition="in" filter="wipe(up)">
+                                      <p:cBhvr>
+                                        <p:cTn id="7" dur="500"/>
+                                        <p:tgtEl>
+                                          <p:spTgt spid="52"/>
+                                        </p:tgtEl>
+                                      </p:cBhvr>
+                                    </p:animEffect>
+                                  </p:childTnLst>
+                                </p:cTn>
+                              </p:par>
+                            </p:childTnLst>
+                          </p:cTn>
+                        </p:par>
+                        <p:par>
+                          <p:cTn id="8" fill="hold">
+                            <p:stCondLst>
+                              <p:cond delay="500"/>
+                            </p:stCondLst>
+                            <p:childTnLst>
+                              <p:par>
+                                <p:cTn id="9" presetID="10" presetClass="entr" presetSubtype="0" fill="hold" nodeType="afterEffect">
+                                  <p:stCondLst>
+                                    <p:cond delay="0"/>
+                                  </p:stCondLst>
+                                  <p:childTnLst>
+                                    <p:set>
+                                      <p:cBhvr>
+                                        <p:cTn id="10" dur="1" fill="hold">
+                                          <p:stCondLst>
+                                            <p:cond delay="0"/>
+                                          </p:stCondLst>
+                                        </p:cTn>
+                                        <p:tgtEl>
+                                          <p:spTgt spid="58"/>
+                                        </p:tgtEl>
+                                        <p:attrNameLst>
+                                          <p:attrName>style.visibility</p:attrName>
+                                        </p:attrNameLst>
+                                      </p:cBhvr>
+                                      <p:to>
+                                        <p:strVal val="visible"/>
+                                      </p:to>
+                                    </p:set>
+                                    <p:animEffect transition="in" filter="fade">
+                                      <p:cBhvr>
+                                        <p:cTn id="11" dur="500"/>
+                                        <p:tgtEl>
+                                          <p:spTgt spid="58"/>
+                                        </p:tgtEl>
+                                      </p:cBhvr>
+                                    </p:animEffect>
+                                  </p:childTnLst>
+                                </p:cTn>
+                              </p:par>
+                            </p:childTnLst>
+                          </p:cTn>
+                        </p:par>
+                      </p:childTnLst>
+                    </p:cTn>
+                  </p:par>
+                  <p:par>
+                    <p:cTn id="12" fill="hold">
+                      <p:stCondLst>
+                        <p:cond delay="indefinite"/>
+                      </p:stCondLst>
+                      <p:childTnLst>
+                        <p:par>
+                          <p:cTn id="13" fill="hold">
+                            <p:stCondLst>
+                              <p:cond delay="0"/>
+                            </p:stCondLst>
+                            <p:childTnLst>
+                              <p:par>
+                                <p:cTn id="14" presetID="22" presetClass="entr" presetSubtype="8" fill="hold" grpId="0" nodeType="clickEffect">
+                                  <p:stCondLst>
+                                    <p:cond delay="0"/>
+                                  </p:stCondLst>
+                                  <p:childTnLst>
+                                    <p:set>
+                                      <p:cBhvr>
+                                        <p:cTn id="15" dur="1" fill="hold">
+                                          <p:stCondLst>
+                                            <p:cond delay="0"/>
+                                          </p:stCondLst>
+                                        </p:cTn>
+                                        <p:tgtEl>
+                                          <p:spTgt spid="41"/>
+                                        </p:tgtEl>
+                                        <p:attrNameLst>
+                                          <p:attrName>style.visibility</p:attrName>
+                                        </p:attrNameLst>
+                                      </p:cBhvr>
+                                      <p:to>
+                                        <p:strVal val="visible"/>
+                                      </p:to>
+                                    </p:set>
+                                    <p:animEffect transition="in" filter="wipe(left)">
+                                      <p:cBhvr>
+                                        <p:cTn id="16" dur="500"/>
+                                        <p:tgtEl>
+                                          <p:spTgt spid="41"/>
+                                        </p:tgtEl>
+                                      </p:cBhvr>
+                                    </p:animEffect>
+                                  </p:childTnLst>
+                                </p:cTn>
+                              </p:par>
+                            </p:childTnLst>
+                          </p:cTn>
+                        </p:par>
+                        <p:par>
+                          <p:cTn id="17" fill="hold">
+                            <p:stCondLst>
+                              <p:cond delay="500"/>
+                            </p:stCondLst>
+                            <p:childTnLst>
+                              <p:par>
+                                <p:cTn id="18" presetID="10" presetClass="entr" presetSubtype="0" fill="hold" nodeType="afterEffect">
+                                  <p:stCondLst>
+                                    <p:cond delay="0"/>
+                                  </p:stCondLst>
+                                  <p:childTnLst>
+                                    <p:set>
+                                      <p:cBhvr>
+                                        <p:cTn id="19" dur="1" fill="hold">
+                                          <p:stCondLst>
+                                            <p:cond delay="0"/>
+                                          </p:stCondLst>
+                                        </p:cTn>
+                                        <p:tgtEl>
+                                          <p:spTgt spid="60"/>
+                                        </p:tgtEl>
+                                        <p:attrNameLst>
+                                          <p:attrName>style.visibility</p:attrName>
+                                        </p:attrNameLst>
+                                      </p:cBhvr>
+                                      <p:to>
+                                        <p:strVal val="visible"/>
+                                      </p:to>
+                                    </p:set>
+                                    <p:animEffect transition="in" filter="fade">
+                                      <p:cBhvr>
+                                        <p:cTn id="20" dur="500"/>
+                                        <p:tgtEl>
+                                          <p:spTgt spid="60"/>
+                                        </p:tgtEl>
+                                      </p:cBhvr>
+                                    </p:animEffect>
+                                  </p:childTnLst>
+                                </p:cTn>
+                              </p:par>
+                            </p:childTnLst>
+                          </p:cTn>
+                        </p:par>
+                        <p:par>
+                          <p:cTn id="21" fill="hold">
+                            <p:stCondLst>
+                              <p:cond delay="1000"/>
+                            </p:stCondLst>
+                            <p:childTnLst>
+                              <p:par>
+                                <p:cTn id="22" presetID="10" presetClass="entr" presetSubtype="0" fill="hold" grpId="0" nodeType="afterEffect">
+                                  <p:stCondLst>
+                                    <p:cond delay="0"/>
+                                  </p:stCondLst>
+                                  <p:childTnLst>
+                                    <p:set>
+                                      <p:cBhvr>
+                                        <p:cTn id="23" dur="1" fill="hold">
+                                          <p:stCondLst>
+                                            <p:cond delay="0"/>
+                                          </p:stCondLst>
+                                        </p:cTn>
+                                        <p:tgtEl>
+                                          <p:spTgt spid="40"/>
+                                        </p:tgtEl>
+                                        <p:attrNameLst>
+                                          <p:attrName>style.visibility</p:attrName>
+                                        </p:attrNameLst>
+                                      </p:cBhvr>
+                                      <p:to>
+                                        <p:strVal val="visible"/>
+                                      </p:to>
+                                    </p:set>
+                                    <p:animEffect transition="in" filter="fade">
+                                      <p:cBhvr>
+                                        <p:cTn id="24" dur="500"/>
+                                        <p:tgtEl>
+                                          <p:spTgt spid="40"/>
+                                        </p:tgtEl>
+                                      </p:cBhvr>
+                                    </p:animEffect>
+                                  </p:childTnLst>
+                                </p:cTn>
+                              </p:par>
+                            </p:childTnLst>
+                          </p:cTn>
+                        </p:par>
+                        <p:par>
+                          <p:cTn id="25" fill="hold">
+                            <p:stCondLst>
+                              <p:cond delay="1500"/>
+                            </p:stCondLst>
+                            <p:childTnLst>
+                              <p:par>
+                                <p:cTn id="26" presetID="10" presetClass="entr" presetSubtype="0" fill="hold" grpId="0" nodeType="afterEffect">
+                                  <p:stCondLst>
+                                    <p:cond delay="0"/>
+                                  </p:stCondLst>
+                                  <p:childTnLst>
+                                    <p:set>
+                                      <p:cBhvr>
+                                        <p:cTn id="27" dur="1" fill="hold">
+                                          <p:stCondLst>
+                                            <p:cond delay="0"/>
+                                          </p:stCondLst>
+                                        </p:cTn>
+                                        <p:tgtEl>
+                                          <p:spTgt spid="39"/>
+                                        </p:tgtEl>
+                                        <p:attrNameLst>
+                                          <p:attrName>style.visibility</p:attrName>
+                                        </p:attrNameLst>
+                                      </p:cBhvr>
+                                      <p:to>
+                                        <p:strVal val="visible"/>
+                                      </p:to>
+                                    </p:set>
+                                    <p:animEffect transition="in" filter="fade">
+                                      <p:cBhvr>
+                                        <p:cTn id="28" dur="500"/>
+                                        <p:tgtEl>
+                                          <p:spTgt spid="39"/>
+                                        </p:tgtEl>
+                                      </p:cBhvr>
+                                    </p:animEffect>
+                                  </p:childTnLst>
+                                </p:cTn>
+                              </p:par>
+                            </p:childTnLst>
+                          </p:cTn>
+                        </p:par>
+                        <p:par>
+                          <p:cTn id="29" fill="hold">
+                            <p:stCondLst>
+                              <p:cond delay="2000"/>
+                            </p:stCondLst>
+                            <p:childTnLst>
+                              <p:par>
+                                <p:cTn id="30" presetID="10" presetClass="entr" presetSubtype="0" fill="hold" nodeType="afterEffect">
+                                  <p:stCondLst>
+                                    <p:cond delay="0"/>
+                                  </p:stCondLst>
+                                  <p:childTnLst>
+                                    <p:set>
+                                      <p:cBhvr>
+                                        <p:cTn id="31" dur="1" fill="hold">
+                                          <p:stCondLst>
+                                            <p:cond delay="0"/>
+                                          </p:stCondLst>
+                                        </p:cTn>
+                                        <p:tgtEl>
+                                          <p:spTgt spid="61"/>
+                                        </p:tgtEl>
+                                        <p:attrNameLst>
+                                          <p:attrName>style.visibility</p:attrName>
+                                        </p:attrNameLst>
+                                      </p:cBhvr>
+                                      <p:to>
+                                        <p:strVal val="visible"/>
+                                      </p:to>
+                                    </p:set>
+                                    <p:animEffect transition="in" filter="fade">
+                                      <p:cBhvr>
+                                        <p:cTn id="32" dur="500"/>
+                                        <p:tgtEl>
+                                          <p:spTgt spid="61"/>
+                                        </p:tgtEl>
+                                      </p:cBhvr>
+                                    </p:animEffect>
+                                  </p:childTnLst>
+                                </p:cTn>
+                              </p:par>
+                            </p:childTnLst>
+                          </p:cTn>
+                        </p:par>
+                      </p:childTnLst>
+                    </p:cTn>
+                  </p:par>
+                </p:childTnLst>
+              </p:cTn>
+              <p:prevCondLst>
+                <p:cond evt="onPrev" delay="0">
+                  <p:tgtEl>
+                    <p:sldTgt/>
+                  </p:tgtEl>
+                </p:cond>
+              </p:prevCondLst>
+              <p:nextCondLst>
+                <p:cond evt="onNext" delay="0">
+                  <p:tgtEl>
+                    <p:sldTgt/>
+                  </p:tgtEl>
+                </p:cond>
+              </p:nextCondLst>
+            </p:seq>
+          </p:childTnLst>
+        </p:cTn>
+      </p:par>
+    </p:tnLst>
+    <p:bldLst>
+      <p:bldP spid="41" grpId="0" animBg="1"/>
+      <p:bldP spid="39" grpId="0" animBg="1"/>
+      <p:bldP spid="40" grpId="0" animBg="1"/>
     </p:bldLst>
   </p:timing>
 </p:sld>

--- a/paper/ABC2021BentoChallenge/ABC2021.pptx
+++ b/paper/ABC2021BentoChallenge/ABC2021.pptx
@@ -5,7 +5,7 @@
     <p:sldMasterId id="2147483648" r:id="rId1"/>
   </p:sldMasterIdLst>
   <p:notesMasterIdLst>
-    <p:notesMasterId r:id="rId10"/>
+    <p:notesMasterId r:id="rId11"/>
   </p:notesMasterIdLst>
   <p:sldIdLst>
     <p:sldId id="256" r:id="rId2"/>
@@ -16,6 +16,7 @@
     <p:sldId id="261" r:id="rId7"/>
     <p:sldId id="262" r:id="rId8"/>
     <p:sldId id="263" r:id="rId9"/>
+    <p:sldId id="264" r:id="rId10"/>
   </p:sldIdLst>
   <p:sldSz cx="12192000" cy="6858000"/>
   <p:notesSz cx="6858000" cy="9144000"/>
@@ -455,7 +456,7 @@
           <a:p>
             <a:fld id="{4422507A-29CE-4FCB-8EEC-8E792EA02E35}" type="datetimeFigureOut">
               <a:rPr kumimoji="1" lang="ja-JP" altLang="en-US" smtClean="0"/>
-              <a:t>2021/9/8</a:t>
+              <a:t>2021/10/12</a:t>
             </a:fld>
             <a:endParaRPr kumimoji="1" lang="ja-JP" altLang="en-US"/>
           </a:p>
@@ -839,7 +840,7 @@
           <a:p>
             <a:fld id="{A98D3432-C38B-446E-969A-78567292025D}" type="datetime1">
               <a:rPr kumimoji="1" lang="ja-JP" altLang="en-US" smtClean="0"/>
-              <a:t>2021/9/8</a:t>
+              <a:t>2021/10/12</a:t>
             </a:fld>
             <a:endParaRPr kumimoji="1" lang="ja-JP" altLang="en-US"/>
           </a:p>
@@ -1340,7 +1341,7 @@
           <a:p>
             <a:fld id="{05B662BA-D465-4C44-BE2B-F2A8D4F2B289}" type="datetime1">
               <a:rPr kumimoji="1" lang="ja-JP" altLang="en-US" smtClean="0"/>
-              <a:t>2021/9/8</a:t>
+              <a:t>2021/10/12</a:t>
             </a:fld>
             <a:endParaRPr kumimoji="1" lang="ja-JP" altLang="en-US"/>
           </a:p>
@@ -1580,7 +1581,7 @@
           <a:p>
             <a:fld id="{A4B4DDCD-FB98-44E4-BDAA-3DB16A47270F}" type="datetime1">
               <a:rPr kumimoji="1" lang="ja-JP" altLang="en-US" smtClean="0"/>
-              <a:t>2021/9/8</a:t>
+              <a:t>2021/10/12</a:t>
             </a:fld>
             <a:endParaRPr kumimoji="1" lang="ja-JP" altLang="en-US"/>
           </a:p>
@@ -1863,7 +1864,7 @@
           <a:p>
             <a:fld id="{DFD2984D-04FA-418A-85DE-0DB3CB16783E}" type="datetime1">
               <a:rPr kumimoji="1" lang="ja-JP" altLang="en-US" smtClean="0"/>
-              <a:t>2021/9/8</a:t>
+              <a:t>2021/10/12</a:t>
             </a:fld>
             <a:endParaRPr kumimoji="1" lang="ja-JP" altLang="en-US"/>
           </a:p>
@@ -2312,7 +2313,7 @@
           <a:p>
             <a:fld id="{4CBACEDF-020F-4270-BF0A-980F8136E038}" type="datetime1">
               <a:rPr kumimoji="1" lang="ja-JP" altLang="en-US" smtClean="0"/>
-              <a:t>2021/9/8</a:t>
+              <a:t>2021/10/12</a:t>
             </a:fld>
             <a:endParaRPr kumimoji="1" lang="ja-JP" altLang="en-US"/>
           </a:p>
@@ -2641,7 +2642,7 @@
           <a:p>
             <a:fld id="{777E2237-9B3F-4231-B30C-59668B530BD1}" type="datetime1">
               <a:rPr kumimoji="1" lang="ja-JP" altLang="en-US" smtClean="0"/>
-              <a:t>2021/9/8</a:t>
+              <a:t>2021/10/12</a:t>
             </a:fld>
             <a:endParaRPr kumimoji="1" lang="ja-JP" altLang="en-US"/>
           </a:p>
@@ -3117,7 +3118,7 @@
           <a:p>
             <a:fld id="{FC32FA7D-BC1F-4F29-8624-3C079AC63AB5}" type="datetime1">
               <a:rPr kumimoji="1" lang="ja-JP" altLang="en-US" smtClean="0"/>
-              <a:t>2021/9/8</a:t>
+              <a:t>2021/10/12</a:t>
             </a:fld>
             <a:endParaRPr kumimoji="1" lang="ja-JP" altLang="en-US"/>
           </a:p>
@@ -3258,7 +3259,7 @@
           <a:p>
             <a:fld id="{3C84FD27-4E70-444C-BEAA-8F4375C442D0}" type="datetime1">
               <a:rPr kumimoji="1" lang="ja-JP" altLang="en-US" smtClean="0"/>
-              <a:t>2021/9/8</a:t>
+              <a:t>2021/10/12</a:t>
             </a:fld>
             <a:endParaRPr kumimoji="1" lang="ja-JP" altLang="en-US"/>
           </a:p>
@@ -3371,7 +3372,7 @@
           <a:p>
             <a:fld id="{948AA4EF-B642-4876-A0D8-C1A1222FECFF}" type="datetime1">
               <a:rPr kumimoji="1" lang="ja-JP" altLang="en-US" smtClean="0"/>
-              <a:t>2021/9/8</a:t>
+              <a:t>2021/10/12</a:t>
             </a:fld>
             <a:endParaRPr kumimoji="1" lang="ja-JP" altLang="en-US"/>
           </a:p>
@@ -3714,7 +3715,7 @@
           <a:p>
             <a:fld id="{11B8299D-EABC-4EEB-90B0-DD13FA256803}" type="datetime1">
               <a:rPr kumimoji="1" lang="ja-JP" altLang="en-US" smtClean="0"/>
-              <a:t>2021/9/8</a:t>
+              <a:t>2021/10/12</a:t>
             </a:fld>
             <a:endParaRPr kumimoji="1" lang="ja-JP" altLang="en-US"/>
           </a:p>
@@ -4002,7 +4003,7 @@
           <a:p>
             <a:fld id="{2CB9F4AB-19AE-4711-AA92-655F76F7355A}" type="datetime1">
               <a:rPr kumimoji="1" lang="ja-JP" altLang="en-US" smtClean="0"/>
-              <a:t>2021/9/8</a:t>
+              <a:t>2021/10/12</a:t>
             </a:fld>
             <a:endParaRPr kumimoji="1" lang="ja-JP" altLang="en-US"/>
           </a:p>
@@ -4275,7 +4276,7 @@
           <a:p>
             <a:fld id="{10A34200-B792-42A2-9C71-FE89F6DBFDEA}" type="datetime1">
               <a:rPr kumimoji="1" lang="ja-JP" altLang="en-US" smtClean="0"/>
-              <a:t>2021/9/8</a:t>
+              <a:t>2021/10/12</a:t>
             </a:fld>
             <a:endParaRPr kumimoji="1" lang="ja-JP" altLang="en-US"/>
           </a:p>
@@ -4829,6 +4830,36 @@
           </a:p>
         </p:txBody>
       </p:sp>
+      <p:pic>
+        <p:nvPicPr>
+          <p:cNvPr id="11" name="図 10">
+            <a:extLst>
+              <a:ext uri="{FF2B5EF4-FFF2-40B4-BE49-F238E27FC236}">
+                <a16:creationId xmlns:a16="http://schemas.microsoft.com/office/drawing/2014/main" id="{C6077FB5-61FB-4D6B-988E-A8C60525D031}"/>
+              </a:ext>
+            </a:extLst>
+          </p:cNvPr>
+          <p:cNvPicPr>
+            <a:picLocks noChangeAspect="1"/>
+          </p:cNvPicPr>
+          <p:nvPr/>
+        </p:nvPicPr>
+        <p:blipFill>
+          <a:blip r:embed="rId2"/>
+          <a:stretch>
+            <a:fillRect/>
+          </a:stretch>
+        </p:blipFill>
+        <p:spPr>
+          <a:xfrm>
+            <a:off x="2173247" y="2637708"/>
+            <a:ext cx="7843513" cy="3777492"/>
+          </a:xfrm>
+          <a:prstGeom prst="rect">
+            <a:avLst/>
+          </a:prstGeom>
+        </p:spPr>
+      </p:pic>
     </p:spTree>
     <p:extLst>
       <p:ext uri="{BB962C8B-B14F-4D97-AF65-F5344CB8AC3E}">
@@ -7080,6 +7111,451 @@
           </a:prstGeom>
         </p:spPr>
       </p:pic>
+      <p:sp>
+        <p:nvSpPr>
+          <p:cNvPr id="5" name="四角形: 角を丸くする 4">
+            <a:extLst>
+              <a:ext uri="{FF2B5EF4-FFF2-40B4-BE49-F238E27FC236}">
+                <a16:creationId xmlns:a16="http://schemas.microsoft.com/office/drawing/2014/main" id="{8A2835CF-09B2-4A7F-846D-EE509D7048AD}"/>
+              </a:ext>
+            </a:extLst>
+          </p:cNvPr>
+          <p:cNvSpPr/>
+          <p:nvPr/>
+        </p:nvSpPr>
+        <p:spPr>
+          <a:xfrm>
+            <a:off x="1845424" y="2019993"/>
+            <a:ext cx="1679172" cy="4164676"/>
+          </a:xfrm>
+          <a:prstGeom prst="roundRect">
+            <a:avLst/>
+          </a:prstGeom>
+          <a:noFill/>
+          <a:ln w="57150">
+            <a:solidFill>
+              <a:srgbClr val="FF0000"/>
+            </a:solidFill>
+          </a:ln>
+        </p:spPr>
+        <p:style>
+          <a:lnRef idx="2">
+            <a:schemeClr val="accent1">
+              <a:shade val="50000"/>
+            </a:schemeClr>
+          </a:lnRef>
+          <a:fillRef idx="1">
+            <a:schemeClr val="accent1"/>
+          </a:fillRef>
+          <a:effectRef idx="0">
+            <a:schemeClr val="accent1"/>
+          </a:effectRef>
+          <a:fontRef idx="minor">
+            <a:schemeClr val="lt1"/>
+          </a:fontRef>
+        </p:style>
+        <p:txBody>
+          <a:bodyPr rtlCol="0" anchor="ctr"/>
+          <a:lstStyle/>
+          <a:p>
+            <a:pPr algn="ctr"/>
+            <a:endParaRPr kumimoji="1" lang="ja-JP" altLang="en-US"/>
+          </a:p>
+        </p:txBody>
+      </p:sp>
+      <p:sp>
+        <p:nvSpPr>
+          <p:cNvPr id="8" name="四角形: 角を丸くする 7">
+            <a:extLst>
+              <a:ext uri="{FF2B5EF4-FFF2-40B4-BE49-F238E27FC236}">
+                <a16:creationId xmlns:a16="http://schemas.microsoft.com/office/drawing/2014/main" id="{15239DAA-FFAB-48BB-AEEF-26F5FB724360}"/>
+              </a:ext>
+            </a:extLst>
+          </p:cNvPr>
+          <p:cNvSpPr/>
+          <p:nvPr/>
+        </p:nvSpPr>
+        <p:spPr>
+          <a:xfrm>
+            <a:off x="6422968" y="2019993"/>
+            <a:ext cx="1377143" cy="4164676"/>
+          </a:xfrm>
+          <a:prstGeom prst="roundRect">
+            <a:avLst/>
+          </a:prstGeom>
+          <a:noFill/>
+          <a:ln w="57150">
+            <a:solidFill>
+              <a:srgbClr val="FF0000"/>
+            </a:solidFill>
+          </a:ln>
+        </p:spPr>
+        <p:style>
+          <a:lnRef idx="2">
+            <a:schemeClr val="accent1">
+              <a:shade val="50000"/>
+            </a:schemeClr>
+          </a:lnRef>
+          <a:fillRef idx="1">
+            <a:schemeClr val="accent1"/>
+          </a:fillRef>
+          <a:effectRef idx="0">
+            <a:schemeClr val="accent1"/>
+          </a:effectRef>
+          <a:fontRef idx="minor">
+            <a:schemeClr val="lt1"/>
+          </a:fontRef>
+        </p:style>
+        <p:txBody>
+          <a:bodyPr rtlCol="0" anchor="ctr"/>
+          <a:lstStyle/>
+          <a:p>
+            <a:pPr algn="ctr"/>
+            <a:endParaRPr kumimoji="1" lang="ja-JP" altLang="en-US"/>
+          </a:p>
+        </p:txBody>
+      </p:sp>
+      <p:sp>
+        <p:nvSpPr>
+          <p:cNvPr id="9" name="四角形: 角を丸くする 8">
+            <a:extLst>
+              <a:ext uri="{FF2B5EF4-FFF2-40B4-BE49-F238E27FC236}">
+                <a16:creationId xmlns:a16="http://schemas.microsoft.com/office/drawing/2014/main" id="{55953DA3-3D68-46E6-A359-406B1BAF93E7}"/>
+              </a:ext>
+            </a:extLst>
+          </p:cNvPr>
+          <p:cNvSpPr/>
+          <p:nvPr/>
+        </p:nvSpPr>
+        <p:spPr>
+          <a:xfrm>
+            <a:off x="8237913" y="2019993"/>
+            <a:ext cx="2186247" cy="4164676"/>
+          </a:xfrm>
+          <a:prstGeom prst="roundRect">
+            <a:avLst/>
+          </a:prstGeom>
+          <a:noFill/>
+          <a:ln w="57150">
+            <a:solidFill>
+              <a:srgbClr val="FF0000"/>
+            </a:solidFill>
+          </a:ln>
+        </p:spPr>
+        <p:style>
+          <a:lnRef idx="2">
+            <a:schemeClr val="accent1">
+              <a:shade val="50000"/>
+            </a:schemeClr>
+          </a:lnRef>
+          <a:fillRef idx="1">
+            <a:schemeClr val="accent1"/>
+          </a:fillRef>
+          <a:effectRef idx="0">
+            <a:schemeClr val="accent1"/>
+          </a:effectRef>
+          <a:fontRef idx="minor">
+            <a:schemeClr val="lt1"/>
+          </a:fontRef>
+        </p:style>
+        <p:txBody>
+          <a:bodyPr rtlCol="0" anchor="ctr"/>
+          <a:lstStyle/>
+          <a:p>
+            <a:pPr algn="ctr"/>
+            <a:endParaRPr kumimoji="1" lang="ja-JP" altLang="en-US"/>
+          </a:p>
+        </p:txBody>
+      </p:sp>
+      <p:sp>
+        <p:nvSpPr>
+          <p:cNvPr id="12" name="正方形/長方形 11">
+            <a:extLst>
+              <a:ext uri="{FF2B5EF4-FFF2-40B4-BE49-F238E27FC236}">
+                <a16:creationId xmlns:a16="http://schemas.microsoft.com/office/drawing/2014/main" id="{E4282896-3373-4F2B-B50A-51F878968100}"/>
+              </a:ext>
+            </a:extLst>
+          </p:cNvPr>
+          <p:cNvSpPr/>
+          <p:nvPr/>
+        </p:nvSpPr>
+        <p:spPr>
+          <a:xfrm>
+            <a:off x="4139738" y="3490023"/>
+            <a:ext cx="230351" cy="919047"/>
+          </a:xfrm>
+          <a:prstGeom prst="rect">
+            <a:avLst/>
+          </a:prstGeom>
+          <a:solidFill>
+            <a:schemeClr val="bg1"/>
+          </a:solidFill>
+          <a:ln>
+            <a:noFill/>
+          </a:ln>
+        </p:spPr>
+        <p:style>
+          <a:lnRef idx="2">
+            <a:schemeClr val="accent1">
+              <a:shade val="50000"/>
+            </a:schemeClr>
+          </a:lnRef>
+          <a:fillRef idx="1">
+            <a:schemeClr val="accent1"/>
+          </a:fillRef>
+          <a:effectRef idx="0">
+            <a:schemeClr val="accent1"/>
+          </a:effectRef>
+          <a:fontRef idx="minor">
+            <a:schemeClr val="lt1"/>
+          </a:fontRef>
+        </p:style>
+        <p:txBody>
+          <a:bodyPr rtlCol="0" anchor="ctr"/>
+          <a:lstStyle/>
+          <a:p>
+            <a:pPr algn="ctr"/>
+            <a:endParaRPr kumimoji="1" lang="ja-JP" altLang="en-US"/>
+          </a:p>
+        </p:txBody>
+      </p:sp>
+      <p:sp>
+        <p:nvSpPr>
+          <p:cNvPr id="10" name="正方形/長方形 9">
+            <a:extLst>
+              <a:ext uri="{FF2B5EF4-FFF2-40B4-BE49-F238E27FC236}">
+                <a16:creationId xmlns:a16="http://schemas.microsoft.com/office/drawing/2014/main" id="{D3ACAD82-DE32-46F0-9217-06AACB12AACE}"/>
+              </a:ext>
+            </a:extLst>
+          </p:cNvPr>
+          <p:cNvSpPr/>
+          <p:nvPr/>
+        </p:nvSpPr>
+        <p:spPr>
+          <a:xfrm rot="16200000">
+            <a:off x="3486673" y="3748209"/>
+            <a:ext cx="1788272" cy="452555"/>
+          </a:xfrm>
+          <a:prstGeom prst="rect">
+            <a:avLst/>
+          </a:prstGeom>
+          <a:noFill/>
+          <a:ln>
+            <a:noFill/>
+          </a:ln>
+        </p:spPr>
+        <p:style>
+          <a:lnRef idx="2">
+            <a:schemeClr val="accent1">
+              <a:shade val="50000"/>
+            </a:schemeClr>
+          </a:lnRef>
+          <a:fillRef idx="1">
+            <a:schemeClr val="accent1"/>
+          </a:fillRef>
+          <a:effectRef idx="0">
+            <a:schemeClr val="accent1"/>
+          </a:effectRef>
+          <a:fontRef idx="minor">
+            <a:schemeClr val="lt1"/>
+          </a:fontRef>
+        </p:style>
+        <p:txBody>
+          <a:bodyPr rtlCol="0" anchor="ctr"/>
+          <a:lstStyle/>
+          <a:p>
+            <a:pPr algn="ctr">
+              <a:defRPr/>
+            </a:pPr>
+            <a:r>
+              <a:rPr kumimoji="1" lang="en-US" altLang="ja-JP" sz="2800" b="1" i="0" u="none" strike="noStrike" kern="1200" cap="none" spc="0" normalizeH="0" baseline="0" noProof="0" dirty="0">
+                <a:ln>
+                  <a:noFill/>
+                </a:ln>
+                <a:solidFill>
+                  <a:prstClr val="black"/>
+                </a:solidFill>
+                <a:effectLst/>
+                <a:uLnTx/>
+                <a:uFillTx/>
+                <a:latin typeface="游ゴシック" panose="020F0502020204030204"/>
+                <a:ea typeface="游ゴシック" panose="020B0400000000000000" pitchFamily="50" charset="-128"/>
+                <a:cs typeface="Arial" panose="020B0604020202020204" pitchFamily="34" charset="0"/>
+              </a:rPr>
+              <a:t>…………</a:t>
+            </a:r>
+            <a:endParaRPr kumimoji="1" lang="ja-JP" altLang="en-US" sz="2800" b="1" i="0" u="none" strike="noStrike" kern="1200" cap="none" spc="0" normalizeH="0" baseline="0" noProof="0" dirty="0">
+              <a:ln>
+                <a:noFill/>
+              </a:ln>
+              <a:solidFill>
+                <a:prstClr val="black"/>
+              </a:solidFill>
+              <a:effectLst/>
+              <a:uLnTx/>
+              <a:uFillTx/>
+              <a:latin typeface="游ゴシック" panose="020F0502020204030204"/>
+              <a:ea typeface="游ゴシック" panose="020B0400000000000000" pitchFamily="50" charset="-128"/>
+              <a:cs typeface="Arial" panose="020B0604020202020204" pitchFamily="34" charset="0"/>
+            </a:endParaRPr>
+          </a:p>
+        </p:txBody>
+      </p:sp>
+      <p:sp>
+        <p:nvSpPr>
+          <p:cNvPr id="11" name="正方形/長方形 10">
+            <a:extLst>
+              <a:ext uri="{FF2B5EF4-FFF2-40B4-BE49-F238E27FC236}">
+                <a16:creationId xmlns:a16="http://schemas.microsoft.com/office/drawing/2014/main" id="{65EF05A6-A31B-435B-BB27-054F67244C47}"/>
+              </a:ext>
+            </a:extLst>
+          </p:cNvPr>
+          <p:cNvSpPr/>
+          <p:nvPr/>
+        </p:nvSpPr>
+        <p:spPr>
+          <a:xfrm>
+            <a:off x="3815001" y="3514962"/>
+            <a:ext cx="1330037" cy="919047"/>
+          </a:xfrm>
+          <a:prstGeom prst="rect">
+            <a:avLst/>
+          </a:prstGeom>
+          <a:solidFill>
+            <a:schemeClr val="bg1"/>
+          </a:solidFill>
+          <a:ln>
+            <a:noFill/>
+          </a:ln>
+        </p:spPr>
+        <p:style>
+          <a:lnRef idx="2">
+            <a:schemeClr val="accent1">
+              <a:shade val="50000"/>
+            </a:schemeClr>
+          </a:lnRef>
+          <a:fillRef idx="1">
+            <a:schemeClr val="accent1"/>
+          </a:fillRef>
+          <a:effectRef idx="0">
+            <a:schemeClr val="accent1"/>
+          </a:effectRef>
+          <a:fontRef idx="minor">
+            <a:schemeClr val="lt1"/>
+          </a:fontRef>
+        </p:style>
+        <p:txBody>
+          <a:bodyPr rtlCol="0" anchor="ctr"/>
+          <a:lstStyle/>
+          <a:p>
+            <a:r>
+              <a:rPr lang="en-US" altLang="ja-JP" sz="1400" dirty="0">
+                <a:solidFill>
+                  <a:schemeClr val="tx1"/>
+                </a:solidFill>
+                <a:latin typeface="Arial" panose="020B0604020202020204" pitchFamily="34" charset="0"/>
+                <a:cs typeface="Arial" panose="020B0604020202020204" pitchFamily="34" charset="0"/>
+              </a:rPr>
+              <a:t>Right Elbow</a:t>
+            </a:r>
+          </a:p>
+          <a:p>
+            <a:r>
+              <a:rPr lang="en-US" altLang="ja-JP" sz="1400" dirty="0">
+                <a:solidFill>
+                  <a:schemeClr val="tx1"/>
+                </a:solidFill>
+                <a:latin typeface="Arial" panose="020B0604020202020204" pitchFamily="34" charset="0"/>
+                <a:cs typeface="Arial" panose="020B0604020202020204" pitchFamily="34" charset="0"/>
+              </a:rPr>
+              <a:t>Right Wrist</a:t>
+            </a:r>
+          </a:p>
+          <a:p>
+            <a:r>
+              <a:rPr lang="en-US" altLang="ja-JP" sz="1400" dirty="0">
+                <a:solidFill>
+                  <a:schemeClr val="tx1"/>
+                </a:solidFill>
+                <a:latin typeface="Arial" panose="020B0604020202020204" pitchFamily="34" charset="0"/>
+                <a:cs typeface="Arial" panose="020B0604020202020204" pitchFamily="34" charset="0"/>
+              </a:rPr>
+              <a:t>Left Shoulder</a:t>
+            </a:r>
+          </a:p>
+          <a:p>
+            <a:r>
+              <a:rPr lang="en-US" altLang="ja-JP" sz="1400" dirty="0">
+                <a:solidFill>
+                  <a:schemeClr val="tx1"/>
+                </a:solidFill>
+                <a:latin typeface="Arial" panose="020B0604020202020204" pitchFamily="34" charset="0"/>
+                <a:cs typeface="Arial" panose="020B0604020202020204" pitchFamily="34" charset="0"/>
+              </a:rPr>
+              <a:t>Left Elbow</a:t>
+            </a:r>
+            <a:endParaRPr kumimoji="1" lang="ja-JP" altLang="en-US" sz="1400" dirty="0">
+              <a:solidFill>
+                <a:schemeClr val="tx1"/>
+              </a:solidFill>
+              <a:latin typeface="Arial" panose="020B0604020202020204" pitchFamily="34" charset="0"/>
+              <a:cs typeface="Arial" panose="020B0604020202020204" pitchFamily="34" charset="0"/>
+            </a:endParaRPr>
+          </a:p>
+        </p:txBody>
+      </p:sp>
+      <p:sp>
+        <p:nvSpPr>
+          <p:cNvPr id="7" name="四角形: 角を丸くする 6">
+            <a:extLst>
+              <a:ext uri="{FF2B5EF4-FFF2-40B4-BE49-F238E27FC236}">
+                <a16:creationId xmlns:a16="http://schemas.microsoft.com/office/drawing/2014/main" id="{A00B2C56-B8EF-45FE-9605-F5C950C10FF8}"/>
+              </a:ext>
+            </a:extLst>
+          </p:cNvPr>
+          <p:cNvSpPr/>
+          <p:nvPr/>
+        </p:nvSpPr>
+        <p:spPr>
+          <a:xfrm>
+            <a:off x="4258881" y="2019993"/>
+            <a:ext cx="1377143" cy="4164676"/>
+          </a:xfrm>
+          <a:prstGeom prst="roundRect">
+            <a:avLst/>
+          </a:prstGeom>
+          <a:noFill/>
+          <a:ln w="57150">
+            <a:solidFill>
+              <a:srgbClr val="FF0000"/>
+            </a:solidFill>
+          </a:ln>
+        </p:spPr>
+        <p:style>
+          <a:lnRef idx="2">
+            <a:schemeClr val="accent1">
+              <a:shade val="50000"/>
+            </a:schemeClr>
+          </a:lnRef>
+          <a:fillRef idx="1">
+            <a:schemeClr val="accent1"/>
+          </a:fillRef>
+          <a:effectRef idx="0">
+            <a:schemeClr val="accent1"/>
+          </a:effectRef>
+          <a:fontRef idx="minor">
+            <a:schemeClr val="lt1"/>
+          </a:fontRef>
+        </p:style>
+        <p:txBody>
+          <a:bodyPr rtlCol="0" anchor="ctr"/>
+          <a:lstStyle/>
+          <a:p>
+            <a:pPr algn="ctr"/>
+            <a:endParaRPr kumimoji="1" lang="ja-JP" altLang="en-US"/>
+          </a:p>
+        </p:txBody>
+      </p:sp>
     </p:spTree>
     <p:extLst>
       <p:ext uri="{BB962C8B-B14F-4D97-AF65-F5344CB8AC3E}">
@@ -7090,6 +7566,389 @@
   <p:clrMapOvr>
     <a:masterClrMapping/>
   </p:clrMapOvr>
+  <p:timing>
+    <p:tnLst>
+      <p:par>
+        <p:cTn id="1" dur="indefinite" restart="never" nodeType="tmRoot">
+          <p:childTnLst>
+            <p:seq concurrent="1" nextAc="seek">
+              <p:cTn id="2" dur="indefinite" nodeType="mainSeq">
+                <p:childTnLst>
+                  <p:par>
+                    <p:cTn id="3" fill="hold">
+                      <p:stCondLst>
+                        <p:cond delay="indefinite"/>
+                      </p:stCondLst>
+                      <p:childTnLst>
+                        <p:par>
+                          <p:cTn id="4" fill="hold">
+                            <p:stCondLst>
+                              <p:cond delay="0"/>
+                            </p:stCondLst>
+                            <p:childTnLst>
+                              <p:par>
+                                <p:cTn id="5" presetID="22" presetClass="entr" presetSubtype="8" fill="hold" grpId="0" nodeType="clickEffect">
+                                  <p:stCondLst>
+                                    <p:cond delay="0"/>
+                                  </p:stCondLst>
+                                  <p:childTnLst>
+                                    <p:set>
+                                      <p:cBhvr>
+                                        <p:cTn id="6" dur="1" fill="hold">
+                                          <p:stCondLst>
+                                            <p:cond delay="0"/>
+                                          </p:stCondLst>
+                                        </p:cTn>
+                                        <p:tgtEl>
+                                          <p:spTgt spid="5"/>
+                                        </p:tgtEl>
+                                        <p:attrNameLst>
+                                          <p:attrName>style.visibility</p:attrName>
+                                        </p:attrNameLst>
+                                      </p:cBhvr>
+                                      <p:to>
+                                        <p:strVal val="visible"/>
+                                      </p:to>
+                                    </p:set>
+                                    <p:animEffect transition="in" filter="wipe(left)">
+                                      <p:cBhvr>
+                                        <p:cTn id="7" dur="500"/>
+                                        <p:tgtEl>
+                                          <p:spTgt spid="5"/>
+                                        </p:tgtEl>
+                                      </p:cBhvr>
+                                    </p:animEffect>
+                                  </p:childTnLst>
+                                </p:cTn>
+                              </p:par>
+                            </p:childTnLst>
+                          </p:cTn>
+                        </p:par>
+                      </p:childTnLst>
+                    </p:cTn>
+                  </p:par>
+                  <p:par>
+                    <p:cTn id="8" fill="hold">
+                      <p:stCondLst>
+                        <p:cond delay="indefinite"/>
+                      </p:stCondLst>
+                      <p:childTnLst>
+                        <p:par>
+                          <p:cTn id="9" fill="hold">
+                            <p:stCondLst>
+                              <p:cond delay="0"/>
+                            </p:stCondLst>
+                            <p:childTnLst>
+                              <p:par>
+                                <p:cTn id="10" presetID="22" presetClass="exit" presetSubtype="8" fill="hold" grpId="1" nodeType="clickEffect">
+                                  <p:stCondLst>
+                                    <p:cond delay="0"/>
+                                  </p:stCondLst>
+                                  <p:childTnLst>
+                                    <p:animEffect transition="out" filter="wipe(left)">
+                                      <p:cBhvr>
+                                        <p:cTn id="11" dur="500"/>
+                                        <p:tgtEl>
+                                          <p:spTgt spid="5"/>
+                                        </p:tgtEl>
+                                      </p:cBhvr>
+                                    </p:animEffect>
+                                    <p:set>
+                                      <p:cBhvr>
+                                        <p:cTn id="12" dur="1" fill="hold">
+                                          <p:stCondLst>
+                                            <p:cond delay="499"/>
+                                          </p:stCondLst>
+                                        </p:cTn>
+                                        <p:tgtEl>
+                                          <p:spTgt spid="5"/>
+                                        </p:tgtEl>
+                                        <p:attrNameLst>
+                                          <p:attrName>style.visibility</p:attrName>
+                                        </p:attrNameLst>
+                                      </p:cBhvr>
+                                      <p:to>
+                                        <p:strVal val="hidden"/>
+                                      </p:to>
+                                    </p:set>
+                                  </p:childTnLst>
+                                </p:cTn>
+                              </p:par>
+                            </p:childTnLst>
+                          </p:cTn>
+                        </p:par>
+                        <p:par>
+                          <p:cTn id="13" fill="hold">
+                            <p:stCondLst>
+                              <p:cond delay="500"/>
+                            </p:stCondLst>
+                            <p:childTnLst>
+                              <p:par>
+                                <p:cTn id="14" presetID="22" presetClass="entr" presetSubtype="8" fill="hold" grpId="0" nodeType="afterEffect">
+                                  <p:stCondLst>
+                                    <p:cond delay="0"/>
+                                  </p:stCondLst>
+                                  <p:childTnLst>
+                                    <p:set>
+                                      <p:cBhvr>
+                                        <p:cTn id="15" dur="1" fill="hold">
+                                          <p:stCondLst>
+                                            <p:cond delay="0"/>
+                                          </p:stCondLst>
+                                        </p:cTn>
+                                        <p:tgtEl>
+                                          <p:spTgt spid="7"/>
+                                        </p:tgtEl>
+                                        <p:attrNameLst>
+                                          <p:attrName>style.visibility</p:attrName>
+                                        </p:attrNameLst>
+                                      </p:cBhvr>
+                                      <p:to>
+                                        <p:strVal val="visible"/>
+                                      </p:to>
+                                    </p:set>
+                                    <p:animEffect transition="in" filter="wipe(left)">
+                                      <p:cBhvr>
+                                        <p:cTn id="16" dur="500"/>
+                                        <p:tgtEl>
+                                          <p:spTgt spid="7"/>
+                                        </p:tgtEl>
+                                      </p:cBhvr>
+                                    </p:animEffect>
+                                  </p:childTnLst>
+                                </p:cTn>
+                              </p:par>
+                            </p:childTnLst>
+                          </p:cTn>
+                        </p:par>
+                      </p:childTnLst>
+                    </p:cTn>
+                  </p:par>
+                  <p:par>
+                    <p:cTn id="17" fill="hold">
+                      <p:stCondLst>
+                        <p:cond delay="indefinite"/>
+                      </p:stCondLst>
+                      <p:childTnLst>
+                        <p:par>
+                          <p:cTn id="18" fill="hold">
+                            <p:stCondLst>
+                              <p:cond delay="0"/>
+                            </p:stCondLst>
+                            <p:childTnLst>
+                              <p:par>
+                                <p:cTn id="19" presetID="22" presetClass="exit" presetSubtype="8" fill="hold" grpId="1" nodeType="clickEffect">
+                                  <p:stCondLst>
+                                    <p:cond delay="0"/>
+                                  </p:stCondLst>
+                                  <p:childTnLst>
+                                    <p:animEffect transition="out" filter="wipe(left)">
+                                      <p:cBhvr>
+                                        <p:cTn id="20" dur="500"/>
+                                        <p:tgtEl>
+                                          <p:spTgt spid="7"/>
+                                        </p:tgtEl>
+                                      </p:cBhvr>
+                                    </p:animEffect>
+                                    <p:set>
+                                      <p:cBhvr>
+                                        <p:cTn id="21" dur="1" fill="hold">
+                                          <p:stCondLst>
+                                            <p:cond delay="499"/>
+                                          </p:stCondLst>
+                                        </p:cTn>
+                                        <p:tgtEl>
+                                          <p:spTgt spid="7"/>
+                                        </p:tgtEl>
+                                        <p:attrNameLst>
+                                          <p:attrName>style.visibility</p:attrName>
+                                        </p:attrNameLst>
+                                      </p:cBhvr>
+                                      <p:to>
+                                        <p:strVal val="hidden"/>
+                                      </p:to>
+                                    </p:set>
+                                  </p:childTnLst>
+                                </p:cTn>
+                              </p:par>
+                            </p:childTnLst>
+                          </p:cTn>
+                        </p:par>
+                        <p:par>
+                          <p:cTn id="22" fill="hold">
+                            <p:stCondLst>
+                              <p:cond delay="500"/>
+                            </p:stCondLst>
+                            <p:childTnLst>
+                              <p:par>
+                                <p:cTn id="23" presetID="22" presetClass="entr" presetSubtype="8" fill="hold" grpId="0" nodeType="afterEffect">
+                                  <p:stCondLst>
+                                    <p:cond delay="0"/>
+                                  </p:stCondLst>
+                                  <p:childTnLst>
+                                    <p:set>
+                                      <p:cBhvr>
+                                        <p:cTn id="24" dur="1" fill="hold">
+                                          <p:stCondLst>
+                                            <p:cond delay="0"/>
+                                          </p:stCondLst>
+                                        </p:cTn>
+                                        <p:tgtEl>
+                                          <p:spTgt spid="8"/>
+                                        </p:tgtEl>
+                                        <p:attrNameLst>
+                                          <p:attrName>style.visibility</p:attrName>
+                                        </p:attrNameLst>
+                                      </p:cBhvr>
+                                      <p:to>
+                                        <p:strVal val="visible"/>
+                                      </p:to>
+                                    </p:set>
+                                    <p:animEffect transition="in" filter="wipe(left)">
+                                      <p:cBhvr>
+                                        <p:cTn id="25" dur="500"/>
+                                        <p:tgtEl>
+                                          <p:spTgt spid="8"/>
+                                        </p:tgtEl>
+                                      </p:cBhvr>
+                                    </p:animEffect>
+                                  </p:childTnLst>
+                                </p:cTn>
+                              </p:par>
+                            </p:childTnLst>
+                          </p:cTn>
+                        </p:par>
+                      </p:childTnLst>
+                    </p:cTn>
+                  </p:par>
+                  <p:par>
+                    <p:cTn id="26" fill="hold">
+                      <p:stCondLst>
+                        <p:cond delay="indefinite"/>
+                      </p:stCondLst>
+                      <p:childTnLst>
+                        <p:par>
+                          <p:cTn id="27" fill="hold">
+                            <p:stCondLst>
+                              <p:cond delay="0"/>
+                            </p:stCondLst>
+                            <p:childTnLst>
+                              <p:par>
+                                <p:cTn id="28" presetID="22" presetClass="exit" presetSubtype="8" fill="hold" grpId="1" nodeType="clickEffect">
+                                  <p:stCondLst>
+                                    <p:cond delay="0"/>
+                                  </p:stCondLst>
+                                  <p:childTnLst>
+                                    <p:animEffect transition="out" filter="wipe(left)">
+                                      <p:cBhvr>
+                                        <p:cTn id="29" dur="500"/>
+                                        <p:tgtEl>
+                                          <p:spTgt spid="8"/>
+                                        </p:tgtEl>
+                                      </p:cBhvr>
+                                    </p:animEffect>
+                                    <p:set>
+                                      <p:cBhvr>
+                                        <p:cTn id="30" dur="1" fill="hold">
+                                          <p:stCondLst>
+                                            <p:cond delay="499"/>
+                                          </p:stCondLst>
+                                        </p:cTn>
+                                        <p:tgtEl>
+                                          <p:spTgt spid="8"/>
+                                        </p:tgtEl>
+                                        <p:attrNameLst>
+                                          <p:attrName>style.visibility</p:attrName>
+                                        </p:attrNameLst>
+                                      </p:cBhvr>
+                                      <p:to>
+                                        <p:strVal val="hidden"/>
+                                      </p:to>
+                                    </p:set>
+                                  </p:childTnLst>
+                                </p:cTn>
+                              </p:par>
+                            </p:childTnLst>
+                          </p:cTn>
+                        </p:par>
+                        <p:par>
+                          <p:cTn id="31" fill="hold">
+                            <p:stCondLst>
+                              <p:cond delay="500"/>
+                            </p:stCondLst>
+                            <p:childTnLst>
+                              <p:par>
+                                <p:cTn id="32" presetID="22" presetClass="entr" presetSubtype="8" fill="hold" grpId="0" nodeType="afterEffect">
+                                  <p:stCondLst>
+                                    <p:cond delay="0"/>
+                                  </p:stCondLst>
+                                  <p:childTnLst>
+                                    <p:set>
+                                      <p:cBhvr>
+                                        <p:cTn id="33" dur="1" fill="hold">
+                                          <p:stCondLst>
+                                            <p:cond delay="0"/>
+                                          </p:stCondLst>
+                                        </p:cTn>
+                                        <p:tgtEl>
+                                          <p:spTgt spid="9"/>
+                                        </p:tgtEl>
+                                        <p:attrNameLst>
+                                          <p:attrName>style.visibility</p:attrName>
+                                        </p:attrNameLst>
+                                      </p:cBhvr>
+                                      <p:to>
+                                        <p:strVal val="visible"/>
+                                      </p:to>
+                                    </p:set>
+                                    <p:animEffect transition="in" filter="wipe(left)">
+                                      <p:cBhvr>
+                                        <p:cTn id="34" dur="500"/>
+                                        <p:tgtEl>
+                                          <p:spTgt spid="9"/>
+                                        </p:tgtEl>
+                                      </p:cBhvr>
+                                    </p:animEffect>
+                                  </p:childTnLst>
+                                </p:cTn>
+                              </p:par>
+                            </p:childTnLst>
+                          </p:cTn>
+                        </p:par>
+                      </p:childTnLst>
+                    </p:cTn>
+                  </p:par>
+                </p:childTnLst>
+              </p:cTn>
+              <p:prevCondLst>
+                <p:cond evt="onPrev" delay="0">
+                  <p:tgtEl>
+                    <p:sldTgt/>
+                  </p:tgtEl>
+                </p:cond>
+              </p:prevCondLst>
+              <p:nextCondLst>
+                <p:cond evt="onNext" delay="0">
+                  <p:tgtEl>
+                    <p:sldTgt/>
+                  </p:tgtEl>
+                </p:cond>
+              </p:nextCondLst>
+            </p:seq>
+          </p:childTnLst>
+        </p:cTn>
+      </p:par>
+    </p:tnLst>
+    <p:bldLst>
+      <p:bldP spid="5" grpId="0" animBg="1"/>
+      <p:bldP spid="5" grpId="1" animBg="1"/>
+      <p:bldP spid="8" grpId="0" animBg="1"/>
+      <p:bldP spid="8" grpId="1" animBg="1"/>
+      <p:bldP spid="9" grpId="0" animBg="1"/>
+      <p:bldP spid="7" grpId="0" animBg="1"/>
+      <p:bldP spid="7" grpId="1" animBg="1"/>
+    </p:bldLst>
+  </p:timing>
 </p:sld>
 </file>
 
@@ -10793,8 +11652,8 @@
           </a:p>
         </p:txBody>
       </p:sp>
-      <mc:AlternateContent xmlns:mc="http://schemas.openxmlformats.org/markup-compatibility/2006">
-        <mc:Choice xmlns:a14="http://schemas.microsoft.com/office/drawing/2010/main" Requires="a14">
+      <mc:AlternateContent xmlns:mc="http://schemas.openxmlformats.org/markup-compatibility/2006" xmlns:a14="http://schemas.microsoft.com/office/drawing/2010/main">
+        <mc:Choice Requires="a14">
           <p:sp>
             <p:nvSpPr>
               <p:cNvPr id="7" name="テキスト ボックス 6">
@@ -10847,7 +11706,7 @@
             </p:txBody>
           </p:sp>
         </mc:Choice>
-        <mc:Fallback>
+        <mc:Fallback xmlns="">
           <p:sp>
             <p:nvSpPr>
               <p:cNvPr id="7" name="テキスト ボックス 6">
@@ -12136,8 +12995,8 @@
           </a:p>
         </p:txBody>
       </p:sp>
-      <mc:AlternateContent xmlns:mc="http://schemas.openxmlformats.org/markup-compatibility/2006">
-        <mc:Choice xmlns:a14="http://schemas.microsoft.com/office/drawing/2010/main" Requires="a14">
+      <mc:AlternateContent xmlns:mc="http://schemas.openxmlformats.org/markup-compatibility/2006" xmlns:a14="http://schemas.microsoft.com/office/drawing/2010/main">
+        <mc:Choice Requires="a14">
           <p:sp>
             <p:nvSpPr>
               <p:cNvPr id="37" name="テキスト ボックス 36">
@@ -12191,7 +13050,7 @@
             </p:txBody>
           </p:sp>
         </mc:Choice>
-        <mc:Fallback>
+        <mc:Fallback xmlns="">
           <p:sp>
             <p:nvSpPr>
               <p:cNvPr id="37" name="テキスト ボックス 36">
@@ -12285,8 +13144,8 @@
           </a:p>
         </p:txBody>
       </p:sp>
-      <mc:AlternateContent xmlns:mc="http://schemas.openxmlformats.org/markup-compatibility/2006">
-        <mc:Choice xmlns:a14="http://schemas.microsoft.com/office/drawing/2010/main" Requires="a14">
+      <mc:AlternateContent xmlns:mc="http://schemas.openxmlformats.org/markup-compatibility/2006" xmlns:a14="http://schemas.microsoft.com/office/drawing/2010/main">
+        <mc:Choice Requires="a14">
           <p:sp>
             <p:nvSpPr>
               <p:cNvPr id="39" name="正方形/長方形 38">
@@ -12379,7 +13238,7 @@
             </p:txBody>
           </p:sp>
         </mc:Choice>
-        <mc:Fallback>
+        <mc:Fallback xmlns="">
           <p:sp>
             <p:nvSpPr>
               <p:cNvPr id="39" name="正方形/長方形 38">
@@ -12429,8 +13288,8 @@
           </p:sp>
         </mc:Fallback>
       </mc:AlternateContent>
-      <mc:AlternateContent xmlns:mc="http://schemas.openxmlformats.org/markup-compatibility/2006">
-        <mc:Choice xmlns:a14="http://schemas.microsoft.com/office/drawing/2010/main" Requires="a14">
+      <mc:AlternateContent xmlns:mc="http://schemas.openxmlformats.org/markup-compatibility/2006" xmlns:a14="http://schemas.microsoft.com/office/drawing/2010/main">
+        <mc:Choice Requires="a14">
           <p:sp>
             <p:nvSpPr>
               <p:cNvPr id="40" name="正方形/長方形 39">
@@ -12523,7 +13382,7 @@
             </p:txBody>
           </p:sp>
         </mc:Choice>
-        <mc:Fallback>
+        <mc:Fallback xmlns="">
           <p:sp>
             <p:nvSpPr>
               <p:cNvPr id="40" name="正方形/長方形 39">
@@ -12593,8 +13452,8 @@
             <a:chExt cx="3702006" cy="1478841"/>
           </a:xfrm>
         </p:grpSpPr>
-        <mc:AlternateContent xmlns:mc="http://schemas.openxmlformats.org/markup-compatibility/2006">
-          <mc:Choice xmlns:a14="http://schemas.microsoft.com/office/drawing/2010/main" Requires="a14">
+        <mc:AlternateContent xmlns:mc="http://schemas.openxmlformats.org/markup-compatibility/2006" xmlns:a14="http://schemas.microsoft.com/office/drawing/2010/main">
+          <mc:Choice Requires="a14">
             <p:sp>
               <p:nvSpPr>
                 <p:cNvPr id="38" name="正方形/長方形 37">
@@ -12687,7 +13546,7 @@
               </p:txBody>
             </p:sp>
           </mc:Choice>
-          <mc:Fallback>
+          <mc:Fallback xmlns="">
             <p:sp>
               <p:nvSpPr>
                 <p:cNvPr id="38" name="正方形/長方形 37">
@@ -12837,8 +13696,8 @@
             </a:p>
           </p:txBody>
         </p:sp>
-        <mc:AlternateContent xmlns:mc="http://schemas.openxmlformats.org/markup-compatibility/2006">
-          <mc:Choice xmlns:a14="http://schemas.microsoft.com/office/drawing/2010/main" Requires="a14">
+        <mc:AlternateContent xmlns:mc="http://schemas.openxmlformats.org/markup-compatibility/2006" xmlns:a14="http://schemas.microsoft.com/office/drawing/2010/main">
+          <mc:Choice Requires="a14">
             <p:sp>
               <p:nvSpPr>
                 <p:cNvPr id="44" name="テキスト ボックス 43">
@@ -12899,7 +13758,7 @@
               </p:txBody>
             </p:sp>
           </mc:Choice>
-          <mc:Fallback>
+          <mc:Fallback xmlns="">
             <p:sp>
               <p:nvSpPr>
                 <p:cNvPr id="44" name="テキスト ボックス 43">
@@ -13165,8 +14024,8 @@
             <a:chExt cx="2935901" cy="1529650"/>
           </a:xfrm>
         </p:grpSpPr>
-        <mc:AlternateContent xmlns:mc="http://schemas.openxmlformats.org/markup-compatibility/2006">
-          <mc:Choice xmlns:a14="http://schemas.microsoft.com/office/drawing/2010/main" Requires="a14">
+        <mc:AlternateContent xmlns:mc="http://schemas.openxmlformats.org/markup-compatibility/2006" xmlns:a14="http://schemas.microsoft.com/office/drawing/2010/main">
+          <mc:Choice Requires="a14">
             <p:sp>
               <p:nvSpPr>
                 <p:cNvPr id="53" name="テキスト ボックス 52">
@@ -13240,7 +14099,7 @@
               </p:txBody>
             </p:sp>
           </mc:Choice>
-          <mc:Fallback>
+          <mc:Fallback xmlns="">
             <p:sp>
               <p:nvSpPr>
                 <p:cNvPr id="53" name="テキスト ボックス 52">
@@ -13305,8 +14164,8 @@
               <a:chExt cx="3473337" cy="1200329"/>
             </a:xfrm>
           </p:grpSpPr>
-          <mc:AlternateContent xmlns:mc="http://schemas.openxmlformats.org/markup-compatibility/2006">
-            <mc:Choice xmlns:a14="http://schemas.microsoft.com/office/drawing/2010/main" Requires="a14">
+          <mc:AlternateContent xmlns:mc="http://schemas.openxmlformats.org/markup-compatibility/2006" xmlns:a14="http://schemas.microsoft.com/office/drawing/2010/main">
+            <mc:Choice Requires="a14">
               <p:sp>
                 <p:nvSpPr>
                   <p:cNvPr id="50" name="テキスト ボックス 49">
@@ -13517,7 +14376,7 @@
                 </p:txBody>
               </p:sp>
             </mc:Choice>
-            <mc:Fallback>
+            <mc:Fallback xmlns="">
               <p:sp>
                 <p:nvSpPr>
                   <p:cNvPr id="50" name="テキスト ボックス 49">
@@ -14068,6 +14927,1583 @@
       <p:bldP spid="41" grpId="0" animBg="1"/>
       <p:bldP spid="39" grpId="0" animBg="1"/>
       <p:bldP spid="40" grpId="0" animBg="1"/>
+    </p:bldLst>
+  </p:timing>
+</p:sld>
+</file>
+
+<file path=ppt/slides/slide9.xml><?xml version="1.0" encoding="utf-8"?>
+<p:sld xmlns:a="http://schemas.openxmlformats.org/drawingml/2006/main" xmlns:r="http://schemas.openxmlformats.org/officeDocument/2006/relationships" xmlns:p="http://schemas.openxmlformats.org/presentationml/2006/main">
+  <p:cSld>
+    <p:spTree>
+      <p:nvGrpSpPr>
+        <p:cNvPr id="1" name=""/>
+        <p:cNvGrpSpPr/>
+        <p:nvPr/>
+      </p:nvGrpSpPr>
+      <p:grpSpPr>
+        <a:xfrm>
+          <a:off x="0" y="0"/>
+          <a:ext cx="0" cy="0"/>
+          <a:chOff x="0" y="0"/>
+          <a:chExt cx="0" cy="0"/>
+        </a:xfrm>
+      </p:grpSpPr>
+      <p:sp>
+        <p:nvSpPr>
+          <p:cNvPr id="2" name="タイトル 1">
+            <a:extLst>
+              <a:ext uri="{FF2B5EF4-FFF2-40B4-BE49-F238E27FC236}">
+                <a16:creationId xmlns:a16="http://schemas.microsoft.com/office/drawing/2014/main" id="{26A17009-3960-4F93-984A-96067266A0B7}"/>
+              </a:ext>
+            </a:extLst>
+          </p:cNvPr>
+          <p:cNvSpPr>
+            <a:spLocks noGrp="1"/>
+          </p:cNvSpPr>
+          <p:nvPr>
+            <p:ph type="title"/>
+          </p:nvPr>
+        </p:nvSpPr>
+        <p:spPr/>
+        <p:txBody>
+          <a:bodyPr/>
+          <a:lstStyle/>
+          <a:p>
+            <a:r>
+              <a:rPr kumimoji="1" lang="en-US" altLang="ja-JP" dirty="0"/>
+              <a:t>Method – Model</a:t>
+            </a:r>
+            <a:endParaRPr kumimoji="1" lang="ja-JP" altLang="en-US" dirty="0"/>
+          </a:p>
+        </p:txBody>
+      </p:sp>
+      <p:pic>
+        <p:nvPicPr>
+          <p:cNvPr id="6" name="コンテンツ プレースホルダー 5">
+            <a:extLst>
+              <a:ext uri="{FF2B5EF4-FFF2-40B4-BE49-F238E27FC236}">
+                <a16:creationId xmlns:a16="http://schemas.microsoft.com/office/drawing/2014/main" id="{76945921-08BD-4779-B6F5-F4FD0133F244}"/>
+              </a:ext>
+            </a:extLst>
+          </p:cNvPr>
+          <p:cNvPicPr>
+            <a:picLocks noGrp="1" noChangeAspect="1"/>
+          </p:cNvPicPr>
+          <p:nvPr>
+            <p:ph idx="1"/>
+          </p:nvPr>
+        </p:nvPicPr>
+        <p:blipFill>
+          <a:blip r:embed="rId2">
+            <a:extLst>
+              <a:ext uri="{28A0092B-C50C-407E-A947-70E740481C1C}">
+                <a14:useLocalDpi xmlns:a14="http://schemas.microsoft.com/office/drawing/2010/main" val="0"/>
+              </a:ext>
+              <a:ext uri="{96DAC541-7B7A-43D3-8B79-37D633B846F1}">
+                <asvg:svgBlip xmlns:asvg="http://schemas.microsoft.com/office/drawing/2016/SVG/main" r:embed="rId3"/>
+              </a:ext>
+            </a:extLst>
+          </a:blip>
+          <a:stretch>
+            <a:fillRect/>
+          </a:stretch>
+        </p:blipFill>
+        <p:spPr>
+          <a:xfrm>
+            <a:off x="888921" y="1992592"/>
+            <a:ext cx="10414157" cy="4353459"/>
+          </a:xfrm>
+        </p:spPr>
+      </p:pic>
+      <p:sp>
+        <p:nvSpPr>
+          <p:cNvPr id="4" name="スライド番号プレースホルダー 3">
+            <a:extLst>
+              <a:ext uri="{FF2B5EF4-FFF2-40B4-BE49-F238E27FC236}">
+                <a16:creationId xmlns:a16="http://schemas.microsoft.com/office/drawing/2014/main" id="{82A7F975-33ED-4F92-8366-83ECCF9BAF7A}"/>
+              </a:ext>
+            </a:extLst>
+          </p:cNvPr>
+          <p:cNvSpPr>
+            <a:spLocks noGrp="1"/>
+          </p:cNvSpPr>
+          <p:nvPr>
+            <p:ph type="sldNum" sz="quarter" idx="12"/>
+          </p:nvPr>
+        </p:nvSpPr>
+        <p:spPr/>
+        <p:txBody>
+          <a:bodyPr/>
+          <a:lstStyle/>
+          <a:p>
+            <a:fld id="{92084505-5355-43A2-B929-FD06D0DABC31}" type="slidenum">
+              <a:rPr lang="ja-JP" altLang="en-US" smtClean="0"/>
+              <a:pPr/>
+              <a:t>9</a:t>
+            </a:fld>
+            <a:endParaRPr lang="ja-JP" altLang="en-US" dirty="0"/>
+          </a:p>
+        </p:txBody>
+      </p:sp>
+      <p:sp>
+        <p:nvSpPr>
+          <p:cNvPr id="8" name="楕円 7">
+            <a:extLst>
+              <a:ext uri="{FF2B5EF4-FFF2-40B4-BE49-F238E27FC236}">
+                <a16:creationId xmlns:a16="http://schemas.microsoft.com/office/drawing/2014/main" id="{76D4239F-9897-48E4-896C-65BD8FB1968D}"/>
+              </a:ext>
+            </a:extLst>
+          </p:cNvPr>
+          <p:cNvSpPr/>
+          <p:nvPr/>
+        </p:nvSpPr>
+        <p:spPr>
+          <a:xfrm>
+            <a:off x="6981570" y="1166367"/>
+            <a:ext cx="1684962" cy="759693"/>
+          </a:xfrm>
+          <a:prstGeom prst="ellipse">
+            <a:avLst/>
+          </a:prstGeom>
+          <a:solidFill>
+            <a:schemeClr val="bg1"/>
+          </a:solidFill>
+          <a:ln w="15875">
+            <a:solidFill>
+              <a:schemeClr val="tx1"/>
+            </a:solidFill>
+          </a:ln>
+        </p:spPr>
+        <p:style>
+          <a:lnRef idx="2">
+            <a:schemeClr val="accent1">
+              <a:shade val="50000"/>
+            </a:schemeClr>
+          </a:lnRef>
+          <a:fillRef idx="1">
+            <a:schemeClr val="accent1"/>
+          </a:fillRef>
+          <a:effectRef idx="0">
+            <a:schemeClr val="accent1"/>
+          </a:effectRef>
+          <a:fontRef idx="minor">
+            <a:schemeClr val="lt1"/>
+          </a:fontRef>
+        </p:style>
+        <p:txBody>
+          <a:bodyPr rtlCol="0" anchor="ctr"/>
+          <a:lstStyle/>
+          <a:p>
+            <a:pPr algn="ctr"/>
+            <a:r>
+              <a:rPr lang="en-US" altLang="ja-JP" sz="1400" b="1" dirty="0" err="1">
+                <a:solidFill>
+                  <a:schemeClr val="tx1"/>
+                </a:solidFill>
+                <a:latin typeface="Arial" panose="020B0604020202020204" pitchFamily="34" charset="0"/>
+                <a:cs typeface="Arial" panose="020B0604020202020204" pitchFamily="34" charset="0"/>
+              </a:rPr>
+              <a:t>BCEWith</a:t>
+            </a:r>
+            <a:endParaRPr lang="en-US" altLang="ja-JP" sz="1400" b="1" dirty="0">
+              <a:solidFill>
+                <a:schemeClr val="tx1"/>
+              </a:solidFill>
+              <a:latin typeface="Arial" panose="020B0604020202020204" pitchFamily="34" charset="0"/>
+              <a:cs typeface="Arial" panose="020B0604020202020204" pitchFamily="34" charset="0"/>
+            </a:endParaRPr>
+          </a:p>
+          <a:p>
+            <a:pPr algn="ctr"/>
+            <a:r>
+              <a:rPr lang="en-US" altLang="ja-JP" sz="1400" b="1" dirty="0" err="1">
+                <a:solidFill>
+                  <a:schemeClr val="tx1"/>
+                </a:solidFill>
+                <a:latin typeface="Arial" panose="020B0604020202020204" pitchFamily="34" charset="0"/>
+                <a:cs typeface="Arial" panose="020B0604020202020204" pitchFamily="34" charset="0"/>
+              </a:rPr>
+              <a:t>LogitsLoss</a:t>
+            </a:r>
+            <a:endParaRPr kumimoji="1" lang="ja-JP" altLang="en-US" sz="1400" b="1" dirty="0">
+              <a:solidFill>
+                <a:schemeClr val="tx1"/>
+              </a:solidFill>
+              <a:latin typeface="Arial" panose="020B0604020202020204" pitchFamily="34" charset="0"/>
+              <a:cs typeface="Arial" panose="020B0604020202020204" pitchFamily="34" charset="0"/>
+            </a:endParaRPr>
+          </a:p>
+        </p:txBody>
+      </p:sp>
+      <p:cxnSp>
+        <p:nvCxnSpPr>
+          <p:cNvPr id="10" name="直線矢印コネクタ 9">
+            <a:extLst>
+              <a:ext uri="{FF2B5EF4-FFF2-40B4-BE49-F238E27FC236}">
+                <a16:creationId xmlns:a16="http://schemas.microsoft.com/office/drawing/2014/main" id="{6F8175D6-1813-4C4D-8512-F02E6EB05FA7}"/>
+              </a:ext>
+            </a:extLst>
+          </p:cNvPr>
+          <p:cNvCxnSpPr>
+            <a:cxnSpLocks/>
+          </p:cNvCxnSpPr>
+          <p:nvPr/>
+        </p:nvCxnSpPr>
+        <p:spPr>
+          <a:xfrm flipV="1">
+            <a:off x="7115695" y="1992592"/>
+            <a:ext cx="415636" cy="750608"/>
+          </a:xfrm>
+          <a:prstGeom prst="straightConnector1">
+            <a:avLst/>
+          </a:prstGeom>
+          <a:ln w="31750">
+            <a:solidFill>
+              <a:schemeClr val="tx1"/>
+            </a:solidFill>
+            <a:tailEnd type="triangle"/>
+          </a:ln>
+        </p:spPr>
+        <p:style>
+          <a:lnRef idx="1">
+            <a:schemeClr val="accent1"/>
+          </a:lnRef>
+          <a:fillRef idx="0">
+            <a:schemeClr val="accent1"/>
+          </a:fillRef>
+          <a:effectRef idx="0">
+            <a:schemeClr val="accent1"/>
+          </a:effectRef>
+          <a:fontRef idx="minor">
+            <a:schemeClr val="tx1"/>
+          </a:fontRef>
+        </p:style>
+      </p:cxnSp>
+      <p:sp>
+        <p:nvSpPr>
+          <p:cNvPr id="12" name="正方形/長方形 11">
+            <a:extLst>
+              <a:ext uri="{FF2B5EF4-FFF2-40B4-BE49-F238E27FC236}">
+                <a16:creationId xmlns:a16="http://schemas.microsoft.com/office/drawing/2014/main" id="{9542B60C-B684-4368-A0A1-CAF083369594}"/>
+              </a:ext>
+            </a:extLst>
+          </p:cNvPr>
+          <p:cNvSpPr/>
+          <p:nvPr/>
+        </p:nvSpPr>
+        <p:spPr>
+          <a:xfrm rot="16200000">
+            <a:off x="610471" y="3764834"/>
+            <a:ext cx="1788272" cy="452555"/>
+          </a:xfrm>
+          <a:prstGeom prst="rect">
+            <a:avLst/>
+          </a:prstGeom>
+          <a:solidFill>
+            <a:schemeClr val="bg1"/>
+          </a:solidFill>
+          <a:ln>
+            <a:noFill/>
+          </a:ln>
+        </p:spPr>
+        <p:style>
+          <a:lnRef idx="2">
+            <a:schemeClr val="accent1">
+              <a:shade val="50000"/>
+            </a:schemeClr>
+          </a:lnRef>
+          <a:fillRef idx="1">
+            <a:schemeClr val="accent1"/>
+          </a:fillRef>
+          <a:effectRef idx="0">
+            <a:schemeClr val="accent1"/>
+          </a:effectRef>
+          <a:fontRef idx="minor">
+            <a:schemeClr val="lt1"/>
+          </a:fontRef>
+        </p:style>
+        <p:txBody>
+          <a:bodyPr rtlCol="0" anchor="ctr"/>
+          <a:lstStyle/>
+          <a:p>
+            <a:pPr algn="ctr">
+              <a:defRPr/>
+            </a:pPr>
+            <a:r>
+              <a:rPr kumimoji="1" lang="en-US" altLang="ja-JP" sz="2800" b="1" i="0" u="none" strike="noStrike" kern="1200" cap="none" spc="0" normalizeH="0" baseline="0" noProof="0" dirty="0">
+                <a:ln>
+                  <a:noFill/>
+                </a:ln>
+                <a:solidFill>
+                  <a:prstClr val="black"/>
+                </a:solidFill>
+                <a:effectLst/>
+                <a:uLnTx/>
+                <a:uFillTx/>
+                <a:latin typeface="游ゴシック" panose="020F0502020204030204"/>
+                <a:ea typeface="游ゴシック" panose="020B0400000000000000" pitchFamily="50" charset="-128"/>
+                <a:cs typeface="Arial" panose="020B0604020202020204" pitchFamily="34" charset="0"/>
+              </a:rPr>
+              <a:t>…………</a:t>
+            </a:r>
+            <a:endParaRPr kumimoji="1" lang="ja-JP" altLang="en-US" sz="2800" b="1" i="0" u="none" strike="noStrike" kern="1200" cap="none" spc="0" normalizeH="0" baseline="0" noProof="0" dirty="0">
+              <a:ln>
+                <a:noFill/>
+              </a:ln>
+              <a:solidFill>
+                <a:prstClr val="black"/>
+              </a:solidFill>
+              <a:effectLst/>
+              <a:uLnTx/>
+              <a:uFillTx/>
+              <a:latin typeface="游ゴシック" panose="020F0502020204030204"/>
+              <a:ea typeface="游ゴシック" panose="020B0400000000000000" pitchFamily="50" charset="-128"/>
+              <a:cs typeface="Arial" panose="020B0604020202020204" pitchFamily="34" charset="0"/>
+            </a:endParaRPr>
+          </a:p>
+        </p:txBody>
+      </p:sp>
+      <p:sp>
+        <p:nvSpPr>
+          <p:cNvPr id="7" name="正方形/長方形 6">
+            <a:extLst>
+              <a:ext uri="{FF2B5EF4-FFF2-40B4-BE49-F238E27FC236}">
+                <a16:creationId xmlns:a16="http://schemas.microsoft.com/office/drawing/2014/main" id="{B062230D-3712-4B3F-B781-CE160C12CEE2}"/>
+              </a:ext>
+            </a:extLst>
+          </p:cNvPr>
+          <p:cNvSpPr/>
+          <p:nvPr/>
+        </p:nvSpPr>
+        <p:spPr>
+          <a:xfrm>
+            <a:off x="938799" y="3531587"/>
+            <a:ext cx="1330037" cy="919047"/>
+          </a:xfrm>
+          <a:prstGeom prst="rect">
+            <a:avLst/>
+          </a:prstGeom>
+          <a:solidFill>
+            <a:schemeClr val="bg1"/>
+          </a:solidFill>
+          <a:ln>
+            <a:noFill/>
+          </a:ln>
+        </p:spPr>
+        <p:style>
+          <a:lnRef idx="2">
+            <a:schemeClr val="accent1">
+              <a:shade val="50000"/>
+            </a:schemeClr>
+          </a:lnRef>
+          <a:fillRef idx="1">
+            <a:schemeClr val="accent1"/>
+          </a:fillRef>
+          <a:effectRef idx="0">
+            <a:schemeClr val="accent1"/>
+          </a:effectRef>
+          <a:fontRef idx="minor">
+            <a:schemeClr val="lt1"/>
+          </a:fontRef>
+        </p:style>
+        <p:txBody>
+          <a:bodyPr rtlCol="0" anchor="ctr"/>
+          <a:lstStyle/>
+          <a:p>
+            <a:r>
+              <a:rPr lang="en-US" altLang="ja-JP" sz="1400" dirty="0">
+                <a:solidFill>
+                  <a:schemeClr val="tx1"/>
+                </a:solidFill>
+                <a:latin typeface="Arial" panose="020B0604020202020204" pitchFamily="34" charset="0"/>
+                <a:cs typeface="Arial" panose="020B0604020202020204" pitchFamily="34" charset="0"/>
+              </a:rPr>
+              <a:t>Right Elbow</a:t>
+            </a:r>
+          </a:p>
+          <a:p>
+            <a:r>
+              <a:rPr lang="en-US" altLang="ja-JP" sz="1400" dirty="0">
+                <a:solidFill>
+                  <a:schemeClr val="tx1"/>
+                </a:solidFill>
+                <a:latin typeface="Arial" panose="020B0604020202020204" pitchFamily="34" charset="0"/>
+                <a:cs typeface="Arial" panose="020B0604020202020204" pitchFamily="34" charset="0"/>
+              </a:rPr>
+              <a:t>Right Wrist</a:t>
+            </a:r>
+          </a:p>
+          <a:p>
+            <a:r>
+              <a:rPr lang="en-US" altLang="ja-JP" sz="1400" dirty="0">
+                <a:solidFill>
+                  <a:schemeClr val="tx1"/>
+                </a:solidFill>
+                <a:latin typeface="Arial" panose="020B0604020202020204" pitchFamily="34" charset="0"/>
+                <a:cs typeface="Arial" panose="020B0604020202020204" pitchFamily="34" charset="0"/>
+              </a:rPr>
+              <a:t>Left Shoulder</a:t>
+            </a:r>
+          </a:p>
+          <a:p>
+            <a:r>
+              <a:rPr lang="en-US" altLang="ja-JP" sz="1400" dirty="0">
+                <a:solidFill>
+                  <a:schemeClr val="tx1"/>
+                </a:solidFill>
+                <a:latin typeface="Arial" panose="020B0604020202020204" pitchFamily="34" charset="0"/>
+                <a:cs typeface="Arial" panose="020B0604020202020204" pitchFamily="34" charset="0"/>
+              </a:rPr>
+              <a:t>Left Elbow</a:t>
+            </a:r>
+            <a:endParaRPr kumimoji="1" lang="ja-JP" altLang="en-US" sz="1400" dirty="0">
+              <a:solidFill>
+                <a:schemeClr val="tx1"/>
+              </a:solidFill>
+              <a:latin typeface="Arial" panose="020B0604020202020204" pitchFamily="34" charset="0"/>
+              <a:cs typeface="Arial" panose="020B0604020202020204" pitchFamily="34" charset="0"/>
+            </a:endParaRPr>
+          </a:p>
+        </p:txBody>
+      </p:sp>
+      <p:sp>
+        <p:nvSpPr>
+          <p:cNvPr id="16" name="四角形: 角を丸くする 15">
+            <a:extLst>
+              <a:ext uri="{FF2B5EF4-FFF2-40B4-BE49-F238E27FC236}">
+                <a16:creationId xmlns:a16="http://schemas.microsoft.com/office/drawing/2014/main" id="{E2822741-F23A-47B0-BD7E-DA67BCED8C1B}"/>
+              </a:ext>
+            </a:extLst>
+          </p:cNvPr>
+          <p:cNvSpPr/>
+          <p:nvPr/>
+        </p:nvSpPr>
+        <p:spPr>
+          <a:xfrm>
+            <a:off x="1969673" y="1992591"/>
+            <a:ext cx="1047848" cy="4250267"/>
+          </a:xfrm>
+          <a:prstGeom prst="roundRect">
+            <a:avLst/>
+          </a:prstGeom>
+          <a:noFill/>
+          <a:ln w="57150">
+            <a:solidFill>
+              <a:srgbClr val="FF0000"/>
+            </a:solidFill>
+          </a:ln>
+        </p:spPr>
+        <p:style>
+          <a:lnRef idx="2">
+            <a:schemeClr val="accent1">
+              <a:shade val="50000"/>
+            </a:schemeClr>
+          </a:lnRef>
+          <a:fillRef idx="1">
+            <a:schemeClr val="accent1"/>
+          </a:fillRef>
+          <a:effectRef idx="0">
+            <a:schemeClr val="accent1"/>
+          </a:effectRef>
+          <a:fontRef idx="minor">
+            <a:schemeClr val="lt1"/>
+          </a:fontRef>
+        </p:style>
+        <p:txBody>
+          <a:bodyPr rtlCol="0" anchor="ctr"/>
+          <a:lstStyle/>
+          <a:p>
+            <a:pPr algn="ctr"/>
+            <a:endParaRPr kumimoji="1" lang="ja-JP" altLang="en-US"/>
+          </a:p>
+        </p:txBody>
+      </p:sp>
+      <p:sp>
+        <p:nvSpPr>
+          <p:cNvPr id="17" name="四角形: 角を丸くする 16">
+            <a:extLst>
+              <a:ext uri="{FF2B5EF4-FFF2-40B4-BE49-F238E27FC236}">
+                <a16:creationId xmlns:a16="http://schemas.microsoft.com/office/drawing/2014/main" id="{61EC2015-BF91-40F2-93F5-FD79C20C5396}"/>
+              </a:ext>
+            </a:extLst>
+          </p:cNvPr>
+          <p:cNvSpPr/>
+          <p:nvPr/>
+        </p:nvSpPr>
+        <p:spPr>
+          <a:xfrm>
+            <a:off x="3274230" y="1992590"/>
+            <a:ext cx="1530525" cy="4250267"/>
+          </a:xfrm>
+          <a:prstGeom prst="roundRect">
+            <a:avLst/>
+          </a:prstGeom>
+          <a:noFill/>
+          <a:ln w="57150">
+            <a:solidFill>
+              <a:srgbClr val="FF0000"/>
+            </a:solidFill>
+          </a:ln>
+        </p:spPr>
+        <p:style>
+          <a:lnRef idx="2">
+            <a:schemeClr val="accent1">
+              <a:shade val="50000"/>
+            </a:schemeClr>
+          </a:lnRef>
+          <a:fillRef idx="1">
+            <a:schemeClr val="accent1"/>
+          </a:fillRef>
+          <a:effectRef idx="0">
+            <a:schemeClr val="accent1"/>
+          </a:effectRef>
+          <a:fontRef idx="minor">
+            <a:schemeClr val="lt1"/>
+          </a:fontRef>
+        </p:style>
+        <p:txBody>
+          <a:bodyPr rtlCol="0" anchor="ctr"/>
+          <a:lstStyle/>
+          <a:p>
+            <a:pPr algn="ctr"/>
+            <a:endParaRPr kumimoji="1" lang="ja-JP" altLang="en-US"/>
+          </a:p>
+        </p:txBody>
+      </p:sp>
+      <p:sp>
+        <p:nvSpPr>
+          <p:cNvPr id="18" name="四角形: 角を丸くする 17">
+            <a:extLst>
+              <a:ext uri="{FF2B5EF4-FFF2-40B4-BE49-F238E27FC236}">
+                <a16:creationId xmlns:a16="http://schemas.microsoft.com/office/drawing/2014/main" id="{5C673C12-7177-4339-96FC-44F9CD4C7624}"/>
+              </a:ext>
+            </a:extLst>
+          </p:cNvPr>
+          <p:cNvSpPr/>
+          <p:nvPr/>
+        </p:nvSpPr>
+        <p:spPr>
+          <a:xfrm>
+            <a:off x="5025984" y="1992590"/>
+            <a:ext cx="834489" cy="4250267"/>
+          </a:xfrm>
+          <a:prstGeom prst="roundRect">
+            <a:avLst/>
+          </a:prstGeom>
+          <a:noFill/>
+          <a:ln w="57150">
+            <a:solidFill>
+              <a:srgbClr val="FF0000"/>
+            </a:solidFill>
+          </a:ln>
+        </p:spPr>
+        <p:style>
+          <a:lnRef idx="2">
+            <a:schemeClr val="accent1">
+              <a:shade val="50000"/>
+            </a:schemeClr>
+          </a:lnRef>
+          <a:fillRef idx="1">
+            <a:schemeClr val="accent1"/>
+          </a:fillRef>
+          <a:effectRef idx="0">
+            <a:schemeClr val="accent1"/>
+          </a:effectRef>
+          <a:fontRef idx="minor">
+            <a:schemeClr val="lt1"/>
+          </a:fontRef>
+        </p:style>
+        <p:txBody>
+          <a:bodyPr rtlCol="0" anchor="ctr"/>
+          <a:lstStyle/>
+          <a:p>
+            <a:pPr algn="ctr"/>
+            <a:endParaRPr kumimoji="1" lang="ja-JP" altLang="en-US"/>
+          </a:p>
+        </p:txBody>
+      </p:sp>
+      <p:sp>
+        <p:nvSpPr>
+          <p:cNvPr id="23" name="四角形: 角を丸くする 22">
+            <a:extLst>
+              <a:ext uri="{FF2B5EF4-FFF2-40B4-BE49-F238E27FC236}">
+                <a16:creationId xmlns:a16="http://schemas.microsoft.com/office/drawing/2014/main" id="{3A02FB8E-9599-4BD2-9515-5434AEBF6E3B}"/>
+              </a:ext>
+            </a:extLst>
+          </p:cNvPr>
+          <p:cNvSpPr/>
+          <p:nvPr/>
+        </p:nvSpPr>
+        <p:spPr>
+          <a:xfrm>
+            <a:off x="6317497" y="1996746"/>
+            <a:ext cx="834489" cy="4250267"/>
+          </a:xfrm>
+          <a:prstGeom prst="roundRect">
+            <a:avLst/>
+          </a:prstGeom>
+          <a:noFill/>
+          <a:ln w="57150">
+            <a:solidFill>
+              <a:srgbClr val="FF0000"/>
+            </a:solidFill>
+          </a:ln>
+        </p:spPr>
+        <p:style>
+          <a:lnRef idx="2">
+            <a:schemeClr val="accent1">
+              <a:shade val="50000"/>
+            </a:schemeClr>
+          </a:lnRef>
+          <a:fillRef idx="1">
+            <a:schemeClr val="accent1"/>
+          </a:fillRef>
+          <a:effectRef idx="0">
+            <a:schemeClr val="accent1"/>
+          </a:effectRef>
+          <a:fontRef idx="minor">
+            <a:schemeClr val="lt1"/>
+          </a:fontRef>
+        </p:style>
+        <p:txBody>
+          <a:bodyPr rtlCol="0" anchor="ctr"/>
+          <a:lstStyle/>
+          <a:p>
+            <a:pPr algn="ctr"/>
+            <a:endParaRPr kumimoji="1" lang="ja-JP" altLang="en-US"/>
+          </a:p>
+        </p:txBody>
+      </p:sp>
+      <p:sp>
+        <p:nvSpPr>
+          <p:cNvPr id="24" name="四角形: 角を丸くする 23">
+            <a:extLst>
+              <a:ext uri="{FF2B5EF4-FFF2-40B4-BE49-F238E27FC236}">
+                <a16:creationId xmlns:a16="http://schemas.microsoft.com/office/drawing/2014/main" id="{5C023482-AD4F-427B-938B-06C974CCB247}"/>
+              </a:ext>
+            </a:extLst>
+          </p:cNvPr>
+          <p:cNvSpPr/>
+          <p:nvPr/>
+        </p:nvSpPr>
+        <p:spPr>
+          <a:xfrm>
+            <a:off x="7611608" y="1992590"/>
+            <a:ext cx="834489" cy="4250267"/>
+          </a:xfrm>
+          <a:prstGeom prst="roundRect">
+            <a:avLst/>
+          </a:prstGeom>
+          <a:noFill/>
+          <a:ln w="57150">
+            <a:solidFill>
+              <a:srgbClr val="FF0000"/>
+            </a:solidFill>
+          </a:ln>
+        </p:spPr>
+        <p:style>
+          <a:lnRef idx="2">
+            <a:schemeClr val="accent1">
+              <a:shade val="50000"/>
+            </a:schemeClr>
+          </a:lnRef>
+          <a:fillRef idx="1">
+            <a:schemeClr val="accent1"/>
+          </a:fillRef>
+          <a:effectRef idx="0">
+            <a:schemeClr val="accent1"/>
+          </a:effectRef>
+          <a:fontRef idx="minor">
+            <a:schemeClr val="lt1"/>
+          </a:fontRef>
+        </p:style>
+        <p:txBody>
+          <a:bodyPr rtlCol="0" anchor="ctr"/>
+          <a:lstStyle/>
+          <a:p>
+            <a:pPr algn="ctr"/>
+            <a:endParaRPr kumimoji="1" lang="ja-JP" altLang="en-US"/>
+          </a:p>
+        </p:txBody>
+      </p:sp>
+      <p:sp>
+        <p:nvSpPr>
+          <p:cNvPr id="26" name="四角形: 角を丸くする 25">
+            <a:extLst>
+              <a:ext uri="{FF2B5EF4-FFF2-40B4-BE49-F238E27FC236}">
+                <a16:creationId xmlns:a16="http://schemas.microsoft.com/office/drawing/2014/main" id="{BE4CB817-867C-40F0-A288-63E5E57B6F10}"/>
+              </a:ext>
+            </a:extLst>
+          </p:cNvPr>
+          <p:cNvSpPr/>
+          <p:nvPr/>
+        </p:nvSpPr>
+        <p:spPr>
+          <a:xfrm>
+            <a:off x="9418323" y="4929448"/>
+            <a:ext cx="435668" cy="340822"/>
+          </a:xfrm>
+          <a:prstGeom prst="roundRect">
+            <a:avLst/>
+          </a:prstGeom>
+          <a:noFill/>
+          <a:ln w="57150">
+            <a:solidFill>
+              <a:srgbClr val="FF0000"/>
+            </a:solidFill>
+          </a:ln>
+        </p:spPr>
+        <p:style>
+          <a:lnRef idx="2">
+            <a:schemeClr val="accent1">
+              <a:shade val="50000"/>
+            </a:schemeClr>
+          </a:lnRef>
+          <a:fillRef idx="1">
+            <a:schemeClr val="accent1"/>
+          </a:fillRef>
+          <a:effectRef idx="0">
+            <a:schemeClr val="accent1"/>
+          </a:effectRef>
+          <a:fontRef idx="minor">
+            <a:schemeClr val="lt1"/>
+          </a:fontRef>
+        </p:style>
+        <p:txBody>
+          <a:bodyPr rtlCol="0" anchor="ctr"/>
+          <a:lstStyle/>
+          <a:p>
+            <a:pPr algn="ctr"/>
+            <a:endParaRPr kumimoji="1" lang="ja-JP" altLang="en-US"/>
+          </a:p>
+        </p:txBody>
+      </p:sp>
+      <p:sp>
+        <p:nvSpPr>
+          <p:cNvPr id="27" name="テキスト ボックス 26">
+            <a:extLst>
+              <a:ext uri="{FF2B5EF4-FFF2-40B4-BE49-F238E27FC236}">
+                <a16:creationId xmlns:a16="http://schemas.microsoft.com/office/drawing/2014/main" id="{4D9EF9BF-F21E-414D-B44B-E34E69D551DE}"/>
+              </a:ext>
+            </a:extLst>
+          </p:cNvPr>
+          <p:cNvSpPr txBox="1"/>
+          <p:nvPr/>
+        </p:nvSpPr>
+        <p:spPr>
+          <a:xfrm>
+            <a:off x="10217684" y="4311318"/>
+            <a:ext cx="1441550" cy="738664"/>
+          </a:xfrm>
+          <a:prstGeom prst="rect">
+            <a:avLst/>
+          </a:prstGeom>
+          <a:noFill/>
+        </p:spPr>
+        <p:txBody>
+          <a:bodyPr wrap="square" rtlCol="0">
+            <a:spAutoFit/>
+          </a:bodyPr>
+          <a:lstStyle/>
+          <a:p>
+            <a:pPr algn="ctr"/>
+            <a:r>
+              <a:rPr kumimoji="1" lang="en-US" altLang="ja-JP" sz="1400" dirty="0">
+                <a:latin typeface="Arial" panose="020B0604020202020204" pitchFamily="34" charset="0"/>
+                <a:cs typeface="Arial" panose="020B0604020202020204" pitchFamily="34" charset="0"/>
+              </a:rPr>
+              <a:t>Fix/rearranging</a:t>
+            </a:r>
+          </a:p>
+          <a:p>
+            <a:pPr algn="ctr"/>
+            <a:r>
+              <a:rPr kumimoji="1" lang="en-US" altLang="ja-JP" sz="1400" dirty="0">
+                <a:latin typeface="Arial" panose="020B0604020202020204" pitchFamily="34" charset="0"/>
+                <a:cs typeface="Arial" panose="020B0604020202020204" pitchFamily="34" charset="0"/>
+              </a:rPr>
+              <a:t>ingredients</a:t>
+            </a:r>
+          </a:p>
+          <a:p>
+            <a:pPr algn="ctr"/>
+            <a:r>
+              <a:rPr lang="en-US" altLang="ja-JP" sz="1400" dirty="0">
+                <a:latin typeface="Arial" panose="020B0604020202020204" pitchFamily="34" charset="0"/>
+                <a:cs typeface="Arial" panose="020B0604020202020204" pitchFamily="34" charset="0"/>
+              </a:rPr>
+              <a:t>(</a:t>
+            </a:r>
+            <a:r>
+              <a:rPr kumimoji="1" lang="en-US" altLang="ja-JP" sz="1400" b="0" i="0" u="none" strike="noStrike" kern="1200" baseline="0" dirty="0">
+                <a:solidFill>
+                  <a:schemeClr val="dk1"/>
+                </a:solidFill>
+                <a:latin typeface="Arial" panose="020B0604020202020204" pitchFamily="34" charset="0"/>
+                <a:ea typeface="+mn-ea"/>
+                <a:cs typeface="Arial" panose="020B0604020202020204" pitchFamily="34" charset="0"/>
+              </a:rPr>
+              <a:t>Inward</a:t>
+            </a:r>
+            <a:r>
+              <a:rPr lang="en-US" altLang="ja-JP" sz="1400" b="0" i="0" u="none" strike="noStrike" kern="1200" baseline="0" dirty="0">
+                <a:solidFill>
+                  <a:schemeClr val="dk1"/>
+                </a:solidFill>
+                <a:latin typeface="Arial" panose="020B0604020202020204" pitchFamily="34" charset="0"/>
+                <a:ea typeface="+mn-ea"/>
+                <a:cs typeface="Arial" panose="020B0604020202020204" pitchFamily="34" charset="0"/>
+              </a:rPr>
+              <a:t>)</a:t>
+            </a:r>
+            <a:endParaRPr kumimoji="1" lang="en-US" altLang="ja-JP" sz="1400" dirty="0">
+              <a:latin typeface="Arial" panose="020B0604020202020204" pitchFamily="34" charset="0"/>
+              <a:cs typeface="Arial" panose="020B0604020202020204" pitchFamily="34" charset="0"/>
+            </a:endParaRPr>
+          </a:p>
+        </p:txBody>
+      </p:sp>
+      <p:sp>
+        <p:nvSpPr>
+          <p:cNvPr id="29" name="四角形: 角を丸くする 28">
+            <a:extLst>
+              <a:ext uri="{FF2B5EF4-FFF2-40B4-BE49-F238E27FC236}">
+                <a16:creationId xmlns:a16="http://schemas.microsoft.com/office/drawing/2014/main" id="{F9956DB0-F8EC-4B51-86B4-A602206D6F66}"/>
+              </a:ext>
+            </a:extLst>
+          </p:cNvPr>
+          <p:cNvSpPr/>
+          <p:nvPr/>
+        </p:nvSpPr>
+        <p:spPr>
+          <a:xfrm>
+            <a:off x="10254918" y="3632662"/>
+            <a:ext cx="1345721" cy="1409007"/>
+          </a:xfrm>
+          <a:prstGeom prst="roundRect">
+            <a:avLst/>
+          </a:prstGeom>
+          <a:noFill/>
+          <a:ln w="57150">
+            <a:solidFill>
+              <a:srgbClr val="FF0000"/>
+            </a:solidFill>
+          </a:ln>
+        </p:spPr>
+        <p:style>
+          <a:lnRef idx="2">
+            <a:schemeClr val="accent1">
+              <a:shade val="50000"/>
+            </a:schemeClr>
+          </a:lnRef>
+          <a:fillRef idx="1">
+            <a:schemeClr val="accent1"/>
+          </a:fillRef>
+          <a:effectRef idx="0">
+            <a:schemeClr val="accent1"/>
+          </a:effectRef>
+          <a:fontRef idx="minor">
+            <a:schemeClr val="lt1"/>
+          </a:fontRef>
+        </p:style>
+        <p:txBody>
+          <a:bodyPr rtlCol="0" anchor="ctr"/>
+          <a:lstStyle/>
+          <a:p>
+            <a:pPr algn="ctr"/>
+            <a:endParaRPr kumimoji="1" lang="ja-JP" altLang="en-US"/>
+          </a:p>
+        </p:txBody>
+      </p:sp>
+    </p:spTree>
+    <p:extLst>
+      <p:ext uri="{BB962C8B-B14F-4D97-AF65-F5344CB8AC3E}">
+        <p14:creationId xmlns:p14="http://schemas.microsoft.com/office/powerpoint/2010/main" val="1157053960"/>
+      </p:ext>
+    </p:extLst>
+  </p:cSld>
+  <p:clrMapOvr>
+    <a:masterClrMapping/>
+  </p:clrMapOvr>
+  <p:timing>
+    <p:tnLst>
+      <p:par>
+        <p:cTn id="1" dur="indefinite" restart="never" nodeType="tmRoot">
+          <p:childTnLst>
+            <p:seq concurrent="1" nextAc="seek">
+              <p:cTn id="2" dur="indefinite" nodeType="mainSeq">
+                <p:childTnLst>
+                  <p:par>
+                    <p:cTn id="3" fill="hold">
+                      <p:stCondLst>
+                        <p:cond delay="indefinite"/>
+                      </p:stCondLst>
+                      <p:childTnLst>
+                        <p:par>
+                          <p:cTn id="4" fill="hold">
+                            <p:stCondLst>
+                              <p:cond delay="0"/>
+                            </p:stCondLst>
+                            <p:childTnLst>
+                              <p:par>
+                                <p:cTn id="5" presetID="22" presetClass="entr" presetSubtype="8" fill="hold" grpId="0" nodeType="clickEffect">
+                                  <p:stCondLst>
+                                    <p:cond delay="0"/>
+                                  </p:stCondLst>
+                                  <p:childTnLst>
+                                    <p:set>
+                                      <p:cBhvr>
+                                        <p:cTn id="6" dur="1" fill="hold">
+                                          <p:stCondLst>
+                                            <p:cond delay="0"/>
+                                          </p:stCondLst>
+                                        </p:cTn>
+                                        <p:tgtEl>
+                                          <p:spTgt spid="16"/>
+                                        </p:tgtEl>
+                                        <p:attrNameLst>
+                                          <p:attrName>style.visibility</p:attrName>
+                                        </p:attrNameLst>
+                                      </p:cBhvr>
+                                      <p:to>
+                                        <p:strVal val="visible"/>
+                                      </p:to>
+                                    </p:set>
+                                    <p:animEffect transition="in" filter="wipe(left)">
+                                      <p:cBhvr>
+                                        <p:cTn id="7" dur="500"/>
+                                        <p:tgtEl>
+                                          <p:spTgt spid="16"/>
+                                        </p:tgtEl>
+                                      </p:cBhvr>
+                                    </p:animEffect>
+                                  </p:childTnLst>
+                                </p:cTn>
+                              </p:par>
+                            </p:childTnLst>
+                          </p:cTn>
+                        </p:par>
+                      </p:childTnLst>
+                    </p:cTn>
+                  </p:par>
+                  <p:par>
+                    <p:cTn id="8" fill="hold">
+                      <p:stCondLst>
+                        <p:cond delay="indefinite"/>
+                      </p:stCondLst>
+                      <p:childTnLst>
+                        <p:par>
+                          <p:cTn id="9" fill="hold">
+                            <p:stCondLst>
+                              <p:cond delay="0"/>
+                            </p:stCondLst>
+                            <p:childTnLst>
+                              <p:par>
+                                <p:cTn id="10" presetID="22" presetClass="exit" presetSubtype="8" fill="hold" grpId="1" nodeType="clickEffect">
+                                  <p:stCondLst>
+                                    <p:cond delay="0"/>
+                                  </p:stCondLst>
+                                  <p:childTnLst>
+                                    <p:animEffect transition="out" filter="wipe(left)">
+                                      <p:cBhvr>
+                                        <p:cTn id="11" dur="500"/>
+                                        <p:tgtEl>
+                                          <p:spTgt spid="16"/>
+                                        </p:tgtEl>
+                                      </p:cBhvr>
+                                    </p:animEffect>
+                                    <p:set>
+                                      <p:cBhvr>
+                                        <p:cTn id="12" dur="1" fill="hold">
+                                          <p:stCondLst>
+                                            <p:cond delay="499"/>
+                                          </p:stCondLst>
+                                        </p:cTn>
+                                        <p:tgtEl>
+                                          <p:spTgt spid="16"/>
+                                        </p:tgtEl>
+                                        <p:attrNameLst>
+                                          <p:attrName>style.visibility</p:attrName>
+                                        </p:attrNameLst>
+                                      </p:cBhvr>
+                                      <p:to>
+                                        <p:strVal val="hidden"/>
+                                      </p:to>
+                                    </p:set>
+                                  </p:childTnLst>
+                                </p:cTn>
+                              </p:par>
+                            </p:childTnLst>
+                          </p:cTn>
+                        </p:par>
+                        <p:par>
+                          <p:cTn id="13" fill="hold">
+                            <p:stCondLst>
+                              <p:cond delay="500"/>
+                            </p:stCondLst>
+                            <p:childTnLst>
+                              <p:par>
+                                <p:cTn id="14" presetID="22" presetClass="entr" presetSubtype="8" fill="hold" grpId="0" nodeType="afterEffect">
+                                  <p:stCondLst>
+                                    <p:cond delay="0"/>
+                                  </p:stCondLst>
+                                  <p:childTnLst>
+                                    <p:set>
+                                      <p:cBhvr>
+                                        <p:cTn id="15" dur="1" fill="hold">
+                                          <p:stCondLst>
+                                            <p:cond delay="0"/>
+                                          </p:stCondLst>
+                                        </p:cTn>
+                                        <p:tgtEl>
+                                          <p:spTgt spid="17"/>
+                                        </p:tgtEl>
+                                        <p:attrNameLst>
+                                          <p:attrName>style.visibility</p:attrName>
+                                        </p:attrNameLst>
+                                      </p:cBhvr>
+                                      <p:to>
+                                        <p:strVal val="visible"/>
+                                      </p:to>
+                                    </p:set>
+                                    <p:animEffect transition="in" filter="wipe(left)">
+                                      <p:cBhvr>
+                                        <p:cTn id="16" dur="500"/>
+                                        <p:tgtEl>
+                                          <p:spTgt spid="17"/>
+                                        </p:tgtEl>
+                                      </p:cBhvr>
+                                    </p:animEffect>
+                                  </p:childTnLst>
+                                </p:cTn>
+                              </p:par>
+                            </p:childTnLst>
+                          </p:cTn>
+                        </p:par>
+                      </p:childTnLst>
+                    </p:cTn>
+                  </p:par>
+                  <p:par>
+                    <p:cTn id="17" fill="hold">
+                      <p:stCondLst>
+                        <p:cond delay="indefinite"/>
+                      </p:stCondLst>
+                      <p:childTnLst>
+                        <p:par>
+                          <p:cTn id="18" fill="hold">
+                            <p:stCondLst>
+                              <p:cond delay="0"/>
+                            </p:stCondLst>
+                            <p:childTnLst>
+                              <p:par>
+                                <p:cTn id="19" presetID="22" presetClass="exit" presetSubtype="8" fill="hold" grpId="1" nodeType="clickEffect">
+                                  <p:stCondLst>
+                                    <p:cond delay="0"/>
+                                  </p:stCondLst>
+                                  <p:childTnLst>
+                                    <p:animEffect transition="out" filter="wipe(left)">
+                                      <p:cBhvr>
+                                        <p:cTn id="20" dur="500"/>
+                                        <p:tgtEl>
+                                          <p:spTgt spid="17"/>
+                                        </p:tgtEl>
+                                      </p:cBhvr>
+                                    </p:animEffect>
+                                    <p:set>
+                                      <p:cBhvr>
+                                        <p:cTn id="21" dur="1" fill="hold">
+                                          <p:stCondLst>
+                                            <p:cond delay="499"/>
+                                          </p:stCondLst>
+                                        </p:cTn>
+                                        <p:tgtEl>
+                                          <p:spTgt spid="17"/>
+                                        </p:tgtEl>
+                                        <p:attrNameLst>
+                                          <p:attrName>style.visibility</p:attrName>
+                                        </p:attrNameLst>
+                                      </p:cBhvr>
+                                      <p:to>
+                                        <p:strVal val="hidden"/>
+                                      </p:to>
+                                    </p:set>
+                                  </p:childTnLst>
+                                </p:cTn>
+                              </p:par>
+                            </p:childTnLst>
+                          </p:cTn>
+                        </p:par>
+                        <p:par>
+                          <p:cTn id="22" fill="hold">
+                            <p:stCondLst>
+                              <p:cond delay="500"/>
+                            </p:stCondLst>
+                            <p:childTnLst>
+                              <p:par>
+                                <p:cTn id="23" presetID="22" presetClass="entr" presetSubtype="8" fill="hold" grpId="0" nodeType="afterEffect">
+                                  <p:stCondLst>
+                                    <p:cond delay="0"/>
+                                  </p:stCondLst>
+                                  <p:childTnLst>
+                                    <p:set>
+                                      <p:cBhvr>
+                                        <p:cTn id="24" dur="1" fill="hold">
+                                          <p:stCondLst>
+                                            <p:cond delay="0"/>
+                                          </p:stCondLst>
+                                        </p:cTn>
+                                        <p:tgtEl>
+                                          <p:spTgt spid="18"/>
+                                        </p:tgtEl>
+                                        <p:attrNameLst>
+                                          <p:attrName>style.visibility</p:attrName>
+                                        </p:attrNameLst>
+                                      </p:cBhvr>
+                                      <p:to>
+                                        <p:strVal val="visible"/>
+                                      </p:to>
+                                    </p:set>
+                                    <p:animEffect transition="in" filter="wipe(left)">
+                                      <p:cBhvr>
+                                        <p:cTn id="25" dur="500"/>
+                                        <p:tgtEl>
+                                          <p:spTgt spid="18"/>
+                                        </p:tgtEl>
+                                      </p:cBhvr>
+                                    </p:animEffect>
+                                  </p:childTnLst>
+                                </p:cTn>
+                              </p:par>
+                            </p:childTnLst>
+                          </p:cTn>
+                        </p:par>
+                      </p:childTnLst>
+                    </p:cTn>
+                  </p:par>
+                  <p:par>
+                    <p:cTn id="26" fill="hold">
+                      <p:stCondLst>
+                        <p:cond delay="indefinite"/>
+                      </p:stCondLst>
+                      <p:childTnLst>
+                        <p:par>
+                          <p:cTn id="27" fill="hold">
+                            <p:stCondLst>
+                              <p:cond delay="0"/>
+                            </p:stCondLst>
+                            <p:childTnLst>
+                              <p:par>
+                                <p:cTn id="28" presetID="22" presetClass="exit" presetSubtype="8" fill="hold" grpId="1" nodeType="clickEffect">
+                                  <p:stCondLst>
+                                    <p:cond delay="0"/>
+                                  </p:stCondLst>
+                                  <p:childTnLst>
+                                    <p:animEffect transition="out" filter="wipe(left)">
+                                      <p:cBhvr>
+                                        <p:cTn id="29" dur="500"/>
+                                        <p:tgtEl>
+                                          <p:spTgt spid="18"/>
+                                        </p:tgtEl>
+                                      </p:cBhvr>
+                                    </p:animEffect>
+                                    <p:set>
+                                      <p:cBhvr>
+                                        <p:cTn id="30" dur="1" fill="hold">
+                                          <p:stCondLst>
+                                            <p:cond delay="499"/>
+                                          </p:stCondLst>
+                                        </p:cTn>
+                                        <p:tgtEl>
+                                          <p:spTgt spid="18"/>
+                                        </p:tgtEl>
+                                        <p:attrNameLst>
+                                          <p:attrName>style.visibility</p:attrName>
+                                        </p:attrNameLst>
+                                      </p:cBhvr>
+                                      <p:to>
+                                        <p:strVal val="hidden"/>
+                                      </p:to>
+                                    </p:set>
+                                  </p:childTnLst>
+                                </p:cTn>
+                              </p:par>
+                            </p:childTnLst>
+                          </p:cTn>
+                        </p:par>
+                        <p:par>
+                          <p:cTn id="31" fill="hold">
+                            <p:stCondLst>
+                              <p:cond delay="500"/>
+                            </p:stCondLst>
+                            <p:childTnLst>
+                              <p:par>
+                                <p:cTn id="32" presetID="22" presetClass="entr" presetSubtype="8" fill="hold" grpId="0" nodeType="afterEffect">
+                                  <p:stCondLst>
+                                    <p:cond delay="0"/>
+                                  </p:stCondLst>
+                                  <p:childTnLst>
+                                    <p:set>
+                                      <p:cBhvr>
+                                        <p:cTn id="33" dur="1" fill="hold">
+                                          <p:stCondLst>
+                                            <p:cond delay="0"/>
+                                          </p:stCondLst>
+                                        </p:cTn>
+                                        <p:tgtEl>
+                                          <p:spTgt spid="23"/>
+                                        </p:tgtEl>
+                                        <p:attrNameLst>
+                                          <p:attrName>style.visibility</p:attrName>
+                                        </p:attrNameLst>
+                                      </p:cBhvr>
+                                      <p:to>
+                                        <p:strVal val="visible"/>
+                                      </p:to>
+                                    </p:set>
+                                    <p:animEffect transition="in" filter="wipe(left)">
+                                      <p:cBhvr>
+                                        <p:cTn id="34" dur="500"/>
+                                        <p:tgtEl>
+                                          <p:spTgt spid="23"/>
+                                        </p:tgtEl>
+                                      </p:cBhvr>
+                                    </p:animEffect>
+                                  </p:childTnLst>
+                                </p:cTn>
+                              </p:par>
+                            </p:childTnLst>
+                          </p:cTn>
+                        </p:par>
+                      </p:childTnLst>
+                    </p:cTn>
+                  </p:par>
+                  <p:par>
+                    <p:cTn id="35" fill="hold">
+                      <p:stCondLst>
+                        <p:cond delay="indefinite"/>
+                      </p:stCondLst>
+                      <p:childTnLst>
+                        <p:par>
+                          <p:cTn id="36" fill="hold">
+                            <p:stCondLst>
+                              <p:cond delay="0"/>
+                            </p:stCondLst>
+                            <p:childTnLst>
+                              <p:par>
+                                <p:cTn id="37" presetID="22" presetClass="exit" presetSubtype="8" fill="hold" grpId="1" nodeType="clickEffect">
+                                  <p:stCondLst>
+                                    <p:cond delay="0"/>
+                                  </p:stCondLst>
+                                  <p:childTnLst>
+                                    <p:animEffect transition="out" filter="wipe(left)">
+                                      <p:cBhvr>
+                                        <p:cTn id="38" dur="500"/>
+                                        <p:tgtEl>
+                                          <p:spTgt spid="23"/>
+                                        </p:tgtEl>
+                                      </p:cBhvr>
+                                    </p:animEffect>
+                                    <p:set>
+                                      <p:cBhvr>
+                                        <p:cTn id="39" dur="1" fill="hold">
+                                          <p:stCondLst>
+                                            <p:cond delay="499"/>
+                                          </p:stCondLst>
+                                        </p:cTn>
+                                        <p:tgtEl>
+                                          <p:spTgt spid="23"/>
+                                        </p:tgtEl>
+                                        <p:attrNameLst>
+                                          <p:attrName>style.visibility</p:attrName>
+                                        </p:attrNameLst>
+                                      </p:cBhvr>
+                                      <p:to>
+                                        <p:strVal val="hidden"/>
+                                      </p:to>
+                                    </p:set>
+                                  </p:childTnLst>
+                                </p:cTn>
+                              </p:par>
+                            </p:childTnLst>
+                          </p:cTn>
+                        </p:par>
+                        <p:par>
+                          <p:cTn id="40" fill="hold">
+                            <p:stCondLst>
+                              <p:cond delay="500"/>
+                            </p:stCondLst>
+                            <p:childTnLst>
+                              <p:par>
+                                <p:cTn id="41" presetID="22" presetClass="entr" presetSubtype="8" fill="hold" grpId="0" nodeType="afterEffect">
+                                  <p:stCondLst>
+                                    <p:cond delay="0"/>
+                                  </p:stCondLst>
+                                  <p:childTnLst>
+                                    <p:set>
+                                      <p:cBhvr>
+                                        <p:cTn id="42" dur="1" fill="hold">
+                                          <p:stCondLst>
+                                            <p:cond delay="0"/>
+                                          </p:stCondLst>
+                                        </p:cTn>
+                                        <p:tgtEl>
+                                          <p:spTgt spid="24"/>
+                                        </p:tgtEl>
+                                        <p:attrNameLst>
+                                          <p:attrName>style.visibility</p:attrName>
+                                        </p:attrNameLst>
+                                      </p:cBhvr>
+                                      <p:to>
+                                        <p:strVal val="visible"/>
+                                      </p:to>
+                                    </p:set>
+                                    <p:animEffect transition="in" filter="wipe(left)">
+                                      <p:cBhvr>
+                                        <p:cTn id="43" dur="500"/>
+                                        <p:tgtEl>
+                                          <p:spTgt spid="24"/>
+                                        </p:tgtEl>
+                                      </p:cBhvr>
+                                    </p:animEffect>
+                                  </p:childTnLst>
+                                </p:cTn>
+                              </p:par>
+                            </p:childTnLst>
+                          </p:cTn>
+                        </p:par>
+                      </p:childTnLst>
+                    </p:cTn>
+                  </p:par>
+                  <p:par>
+                    <p:cTn id="44" fill="hold">
+                      <p:stCondLst>
+                        <p:cond delay="indefinite"/>
+                      </p:stCondLst>
+                      <p:childTnLst>
+                        <p:par>
+                          <p:cTn id="45" fill="hold">
+                            <p:stCondLst>
+                              <p:cond delay="0"/>
+                            </p:stCondLst>
+                            <p:childTnLst>
+                              <p:par>
+                                <p:cTn id="46" presetID="22" presetClass="exit" presetSubtype="8" fill="hold" grpId="1" nodeType="clickEffect">
+                                  <p:stCondLst>
+                                    <p:cond delay="0"/>
+                                  </p:stCondLst>
+                                  <p:childTnLst>
+                                    <p:animEffect transition="out" filter="wipe(left)">
+                                      <p:cBhvr>
+                                        <p:cTn id="47" dur="500"/>
+                                        <p:tgtEl>
+                                          <p:spTgt spid="24"/>
+                                        </p:tgtEl>
+                                      </p:cBhvr>
+                                    </p:animEffect>
+                                    <p:set>
+                                      <p:cBhvr>
+                                        <p:cTn id="48" dur="1" fill="hold">
+                                          <p:stCondLst>
+                                            <p:cond delay="499"/>
+                                          </p:stCondLst>
+                                        </p:cTn>
+                                        <p:tgtEl>
+                                          <p:spTgt spid="24"/>
+                                        </p:tgtEl>
+                                        <p:attrNameLst>
+                                          <p:attrName>style.visibility</p:attrName>
+                                        </p:attrNameLst>
+                                      </p:cBhvr>
+                                      <p:to>
+                                        <p:strVal val="hidden"/>
+                                      </p:to>
+                                    </p:set>
+                                  </p:childTnLst>
+                                </p:cTn>
+                              </p:par>
+                            </p:childTnLst>
+                          </p:cTn>
+                        </p:par>
+                        <p:par>
+                          <p:cTn id="49" fill="hold">
+                            <p:stCondLst>
+                              <p:cond delay="500"/>
+                            </p:stCondLst>
+                            <p:childTnLst>
+                              <p:par>
+                                <p:cTn id="50" presetID="22" presetClass="entr" presetSubtype="8" fill="hold" grpId="0" nodeType="afterEffect">
+                                  <p:stCondLst>
+                                    <p:cond delay="0"/>
+                                  </p:stCondLst>
+                                  <p:childTnLst>
+                                    <p:set>
+                                      <p:cBhvr>
+                                        <p:cTn id="51" dur="1" fill="hold">
+                                          <p:stCondLst>
+                                            <p:cond delay="0"/>
+                                          </p:stCondLst>
+                                        </p:cTn>
+                                        <p:tgtEl>
+                                          <p:spTgt spid="26"/>
+                                        </p:tgtEl>
+                                        <p:attrNameLst>
+                                          <p:attrName>style.visibility</p:attrName>
+                                        </p:attrNameLst>
+                                      </p:cBhvr>
+                                      <p:to>
+                                        <p:strVal val="visible"/>
+                                      </p:to>
+                                    </p:set>
+                                    <p:animEffect transition="in" filter="wipe(left)">
+                                      <p:cBhvr>
+                                        <p:cTn id="52" dur="500"/>
+                                        <p:tgtEl>
+                                          <p:spTgt spid="26"/>
+                                        </p:tgtEl>
+                                      </p:cBhvr>
+                                    </p:animEffect>
+                                  </p:childTnLst>
+                                </p:cTn>
+                              </p:par>
+                            </p:childTnLst>
+                          </p:cTn>
+                        </p:par>
+                      </p:childTnLst>
+                    </p:cTn>
+                  </p:par>
+                  <p:par>
+                    <p:cTn id="53" fill="hold">
+                      <p:stCondLst>
+                        <p:cond delay="indefinite"/>
+                      </p:stCondLst>
+                      <p:childTnLst>
+                        <p:par>
+                          <p:cTn id="54" fill="hold">
+                            <p:stCondLst>
+                              <p:cond delay="0"/>
+                            </p:stCondLst>
+                            <p:childTnLst>
+                              <p:par>
+                                <p:cTn id="55" presetID="22" presetClass="exit" presetSubtype="8" fill="hold" grpId="1" nodeType="clickEffect">
+                                  <p:stCondLst>
+                                    <p:cond delay="0"/>
+                                  </p:stCondLst>
+                                  <p:childTnLst>
+                                    <p:animEffect transition="out" filter="wipe(left)">
+                                      <p:cBhvr>
+                                        <p:cTn id="56" dur="500"/>
+                                        <p:tgtEl>
+                                          <p:spTgt spid="26"/>
+                                        </p:tgtEl>
+                                      </p:cBhvr>
+                                    </p:animEffect>
+                                    <p:set>
+                                      <p:cBhvr>
+                                        <p:cTn id="57" dur="1" fill="hold">
+                                          <p:stCondLst>
+                                            <p:cond delay="499"/>
+                                          </p:stCondLst>
+                                        </p:cTn>
+                                        <p:tgtEl>
+                                          <p:spTgt spid="26"/>
+                                        </p:tgtEl>
+                                        <p:attrNameLst>
+                                          <p:attrName>style.visibility</p:attrName>
+                                        </p:attrNameLst>
+                                      </p:cBhvr>
+                                      <p:to>
+                                        <p:strVal val="hidden"/>
+                                      </p:to>
+                                    </p:set>
+                                  </p:childTnLst>
+                                </p:cTn>
+                              </p:par>
+                            </p:childTnLst>
+                          </p:cTn>
+                        </p:par>
+                        <p:par>
+                          <p:cTn id="58" fill="hold">
+                            <p:stCondLst>
+                              <p:cond delay="500"/>
+                            </p:stCondLst>
+                            <p:childTnLst>
+                              <p:par>
+                                <p:cTn id="59" presetID="22" presetClass="entr" presetSubtype="8" fill="hold" grpId="0" nodeType="afterEffect">
+                                  <p:stCondLst>
+                                    <p:cond delay="0"/>
+                                  </p:stCondLst>
+                                  <p:childTnLst>
+                                    <p:set>
+                                      <p:cBhvr>
+                                        <p:cTn id="60" dur="1" fill="hold">
+                                          <p:stCondLst>
+                                            <p:cond delay="0"/>
+                                          </p:stCondLst>
+                                        </p:cTn>
+                                        <p:tgtEl>
+                                          <p:spTgt spid="29"/>
+                                        </p:tgtEl>
+                                        <p:attrNameLst>
+                                          <p:attrName>style.visibility</p:attrName>
+                                        </p:attrNameLst>
+                                      </p:cBhvr>
+                                      <p:to>
+                                        <p:strVal val="visible"/>
+                                      </p:to>
+                                    </p:set>
+                                    <p:animEffect transition="in" filter="wipe(left)">
+                                      <p:cBhvr>
+                                        <p:cTn id="61" dur="500"/>
+                                        <p:tgtEl>
+                                          <p:spTgt spid="29"/>
+                                        </p:tgtEl>
+                                      </p:cBhvr>
+                                    </p:animEffect>
+                                  </p:childTnLst>
+                                </p:cTn>
+                              </p:par>
+                            </p:childTnLst>
+                          </p:cTn>
+                        </p:par>
+                      </p:childTnLst>
+                    </p:cTn>
+                  </p:par>
+                </p:childTnLst>
+              </p:cTn>
+              <p:prevCondLst>
+                <p:cond evt="onPrev" delay="0">
+                  <p:tgtEl>
+                    <p:sldTgt/>
+                  </p:tgtEl>
+                </p:cond>
+              </p:prevCondLst>
+              <p:nextCondLst>
+                <p:cond evt="onNext" delay="0">
+                  <p:tgtEl>
+                    <p:sldTgt/>
+                  </p:tgtEl>
+                </p:cond>
+              </p:nextCondLst>
+            </p:seq>
+          </p:childTnLst>
+        </p:cTn>
+      </p:par>
+    </p:tnLst>
+    <p:bldLst>
+      <p:bldP spid="16" grpId="0" animBg="1"/>
+      <p:bldP spid="16" grpId="1" animBg="1"/>
+      <p:bldP spid="17" grpId="0" animBg="1"/>
+      <p:bldP spid="17" grpId="1" animBg="1"/>
+      <p:bldP spid="18" grpId="0" animBg="1"/>
+      <p:bldP spid="18" grpId="1" animBg="1"/>
+      <p:bldP spid="23" grpId="0" animBg="1"/>
+      <p:bldP spid="23" grpId="1" animBg="1"/>
+      <p:bldP spid="24" grpId="0" animBg="1"/>
+      <p:bldP spid="24" grpId="1" animBg="1"/>
+      <p:bldP spid="26" grpId="0" animBg="1"/>
+      <p:bldP spid="26" grpId="1" animBg="1"/>
+      <p:bldP spid="29" grpId="0" animBg="1"/>
     </p:bldLst>
   </p:timing>
 </p:sld>

--- a/paper/ABC2021BentoChallenge/ABC2021.pptx
+++ b/paper/ABC2021BentoChallenge/ABC2021.pptx
@@ -5,7 +5,7 @@
     <p:sldMasterId id="2147483648" r:id="rId1"/>
   </p:sldMasterIdLst>
   <p:notesMasterIdLst>
-    <p:notesMasterId r:id="rId11"/>
+    <p:notesMasterId r:id="rId13"/>
   </p:notesMasterIdLst>
   <p:sldIdLst>
     <p:sldId id="256" r:id="rId2"/>
@@ -17,6 +17,8 @@
     <p:sldId id="262" r:id="rId8"/>
     <p:sldId id="263" r:id="rId9"/>
     <p:sldId id="264" r:id="rId10"/>
+    <p:sldId id="265" r:id="rId11"/>
+    <p:sldId id="266" r:id="rId12"/>
   </p:sldIdLst>
   <p:sldSz cx="12192000" cy="6858000"/>
   <p:notesSz cx="6858000" cy="9144000"/>
@@ -456,7 +458,7 @@
           <a:p>
             <a:fld id="{4422507A-29CE-4FCB-8EEC-8E792EA02E35}" type="datetimeFigureOut">
               <a:rPr kumimoji="1" lang="ja-JP" altLang="en-US" smtClean="0"/>
-              <a:t>2021/10/12</a:t>
+              <a:t>2021/10/13</a:t>
             </a:fld>
             <a:endParaRPr kumimoji="1" lang="ja-JP" altLang="en-US"/>
           </a:p>
@@ -840,7 +842,7 @@
           <a:p>
             <a:fld id="{A98D3432-C38B-446E-969A-78567292025D}" type="datetime1">
               <a:rPr kumimoji="1" lang="ja-JP" altLang="en-US" smtClean="0"/>
-              <a:t>2021/10/12</a:t>
+              <a:t>2021/10/13</a:t>
             </a:fld>
             <a:endParaRPr kumimoji="1" lang="ja-JP" altLang="en-US"/>
           </a:p>
@@ -1341,7 +1343,7 @@
           <a:p>
             <a:fld id="{05B662BA-D465-4C44-BE2B-F2A8D4F2B289}" type="datetime1">
               <a:rPr kumimoji="1" lang="ja-JP" altLang="en-US" smtClean="0"/>
-              <a:t>2021/10/12</a:t>
+              <a:t>2021/10/13</a:t>
             </a:fld>
             <a:endParaRPr kumimoji="1" lang="ja-JP" altLang="en-US"/>
           </a:p>
@@ -1581,7 +1583,7 @@
           <a:p>
             <a:fld id="{A4B4DDCD-FB98-44E4-BDAA-3DB16A47270F}" type="datetime1">
               <a:rPr kumimoji="1" lang="ja-JP" altLang="en-US" smtClean="0"/>
-              <a:t>2021/10/12</a:t>
+              <a:t>2021/10/13</a:t>
             </a:fld>
             <a:endParaRPr kumimoji="1" lang="ja-JP" altLang="en-US"/>
           </a:p>
@@ -1864,7 +1866,7 @@
           <a:p>
             <a:fld id="{DFD2984D-04FA-418A-85DE-0DB3CB16783E}" type="datetime1">
               <a:rPr kumimoji="1" lang="ja-JP" altLang="en-US" smtClean="0"/>
-              <a:t>2021/10/12</a:t>
+              <a:t>2021/10/13</a:t>
             </a:fld>
             <a:endParaRPr kumimoji="1" lang="ja-JP" altLang="en-US"/>
           </a:p>
@@ -2313,7 +2315,7 @@
           <a:p>
             <a:fld id="{4CBACEDF-020F-4270-BF0A-980F8136E038}" type="datetime1">
               <a:rPr kumimoji="1" lang="ja-JP" altLang="en-US" smtClean="0"/>
-              <a:t>2021/10/12</a:t>
+              <a:t>2021/10/13</a:t>
             </a:fld>
             <a:endParaRPr kumimoji="1" lang="ja-JP" altLang="en-US"/>
           </a:p>
@@ -2642,7 +2644,7 @@
           <a:p>
             <a:fld id="{777E2237-9B3F-4231-B30C-59668B530BD1}" type="datetime1">
               <a:rPr kumimoji="1" lang="ja-JP" altLang="en-US" smtClean="0"/>
-              <a:t>2021/10/12</a:t>
+              <a:t>2021/10/13</a:t>
             </a:fld>
             <a:endParaRPr kumimoji="1" lang="ja-JP" altLang="en-US"/>
           </a:p>
@@ -3118,7 +3120,7 @@
           <a:p>
             <a:fld id="{FC32FA7D-BC1F-4F29-8624-3C079AC63AB5}" type="datetime1">
               <a:rPr kumimoji="1" lang="ja-JP" altLang="en-US" smtClean="0"/>
-              <a:t>2021/10/12</a:t>
+              <a:t>2021/10/13</a:t>
             </a:fld>
             <a:endParaRPr kumimoji="1" lang="ja-JP" altLang="en-US"/>
           </a:p>
@@ -3259,7 +3261,7 @@
           <a:p>
             <a:fld id="{3C84FD27-4E70-444C-BEAA-8F4375C442D0}" type="datetime1">
               <a:rPr kumimoji="1" lang="ja-JP" altLang="en-US" smtClean="0"/>
-              <a:t>2021/10/12</a:t>
+              <a:t>2021/10/13</a:t>
             </a:fld>
             <a:endParaRPr kumimoji="1" lang="ja-JP" altLang="en-US"/>
           </a:p>
@@ -3372,7 +3374,7 @@
           <a:p>
             <a:fld id="{948AA4EF-B642-4876-A0D8-C1A1222FECFF}" type="datetime1">
               <a:rPr kumimoji="1" lang="ja-JP" altLang="en-US" smtClean="0"/>
-              <a:t>2021/10/12</a:t>
+              <a:t>2021/10/13</a:t>
             </a:fld>
             <a:endParaRPr kumimoji="1" lang="ja-JP" altLang="en-US"/>
           </a:p>
@@ -3715,7 +3717,7 @@
           <a:p>
             <a:fld id="{11B8299D-EABC-4EEB-90B0-DD13FA256803}" type="datetime1">
               <a:rPr kumimoji="1" lang="ja-JP" altLang="en-US" smtClean="0"/>
-              <a:t>2021/10/12</a:t>
+              <a:t>2021/10/13</a:t>
             </a:fld>
             <a:endParaRPr kumimoji="1" lang="ja-JP" altLang="en-US"/>
           </a:p>
@@ -4003,7 +4005,7 @@
           <a:p>
             <a:fld id="{2CB9F4AB-19AE-4711-AA92-655F76F7355A}" type="datetime1">
               <a:rPr kumimoji="1" lang="ja-JP" altLang="en-US" smtClean="0"/>
-              <a:t>2021/10/12</a:t>
+              <a:t>2021/10/13</a:t>
             </a:fld>
             <a:endParaRPr kumimoji="1" lang="ja-JP" altLang="en-US"/>
           </a:p>
@@ -4276,7 +4278,7 @@
           <a:p>
             <a:fld id="{10A34200-B792-42A2-9C71-FE89F6DBFDEA}" type="datetime1">
               <a:rPr kumimoji="1" lang="ja-JP" altLang="en-US" smtClean="0"/>
-              <a:t>2021/10/12</a:t>
+              <a:t>2021/10/13</a:t>
             </a:fld>
             <a:endParaRPr kumimoji="1" lang="ja-JP" altLang="en-US"/>
           </a:p>
@@ -4864,6 +4866,2836 @@
     <p:extLst>
       <p:ext uri="{BB962C8B-B14F-4D97-AF65-F5344CB8AC3E}">
         <p14:creationId xmlns:p14="http://schemas.microsoft.com/office/powerpoint/2010/main" val="2681219381"/>
+      </p:ext>
+    </p:extLst>
+  </p:cSld>
+  <p:clrMapOvr>
+    <a:masterClrMapping/>
+  </p:clrMapOvr>
+</p:sld>
+</file>
+
+<file path=ppt/slides/slide10.xml><?xml version="1.0" encoding="utf-8"?>
+<p:sld xmlns:a="http://schemas.openxmlformats.org/drawingml/2006/main" xmlns:r="http://schemas.openxmlformats.org/officeDocument/2006/relationships" xmlns:p="http://schemas.openxmlformats.org/presentationml/2006/main">
+  <p:cSld>
+    <p:spTree>
+      <p:nvGrpSpPr>
+        <p:cNvPr id="1" name=""/>
+        <p:cNvGrpSpPr/>
+        <p:nvPr/>
+      </p:nvGrpSpPr>
+      <p:grpSpPr>
+        <a:xfrm>
+          <a:off x="0" y="0"/>
+          <a:ext cx="0" cy="0"/>
+          <a:chOff x="0" y="0"/>
+          <a:chExt cx="0" cy="0"/>
+        </a:xfrm>
+      </p:grpSpPr>
+      <p:sp>
+        <p:nvSpPr>
+          <p:cNvPr id="2" name="タイトル 1">
+            <a:extLst>
+              <a:ext uri="{FF2B5EF4-FFF2-40B4-BE49-F238E27FC236}">
+                <a16:creationId xmlns:a16="http://schemas.microsoft.com/office/drawing/2014/main" id="{97B07896-8A01-4E47-90F9-C8A6499934C7}"/>
+              </a:ext>
+            </a:extLst>
+          </p:cNvPr>
+          <p:cNvSpPr>
+            <a:spLocks noGrp="1"/>
+          </p:cNvSpPr>
+          <p:nvPr>
+            <p:ph type="title"/>
+          </p:nvPr>
+        </p:nvSpPr>
+        <p:spPr/>
+        <p:txBody>
+          <a:bodyPr/>
+          <a:lstStyle/>
+          <a:p>
+            <a:r>
+              <a:rPr kumimoji="1" lang="en-US" altLang="ja-JP" dirty="0"/>
+              <a:t>Evaluation</a:t>
+            </a:r>
+            <a:endParaRPr kumimoji="1" lang="ja-JP" altLang="en-US" dirty="0"/>
+          </a:p>
+        </p:txBody>
+      </p:sp>
+      <p:graphicFrame>
+        <p:nvGraphicFramePr>
+          <p:cNvPr id="5" name="表 5">
+            <a:extLst>
+              <a:ext uri="{FF2B5EF4-FFF2-40B4-BE49-F238E27FC236}">
+                <a16:creationId xmlns:a16="http://schemas.microsoft.com/office/drawing/2014/main" id="{370B6FBD-B05A-4CAF-8627-90AA3B9B3ADB}"/>
+              </a:ext>
+            </a:extLst>
+          </p:cNvPr>
+          <p:cNvGraphicFramePr>
+            <a:graphicFrameLocks noGrp="1"/>
+          </p:cNvGraphicFramePr>
+          <p:nvPr>
+            <p:ph idx="1"/>
+            <p:extLst>
+              <p:ext uri="{D42A27DB-BD31-4B8C-83A1-F6EECF244321}">
+                <p14:modId xmlns:p14="http://schemas.microsoft.com/office/powerpoint/2010/main" val="4067505745"/>
+              </p:ext>
+            </p:extLst>
+          </p:nvPr>
+        </p:nvGraphicFramePr>
+        <p:xfrm>
+          <a:off x="1763337" y="1460503"/>
+          <a:ext cx="8665325" cy="4777740"/>
+        </p:xfrm>
+        <a:graphic>
+          <a:graphicData uri="http://schemas.openxmlformats.org/drawingml/2006/table">
+            <a:tbl>
+              <a:tblPr firstRow="1" bandRow="1">
+                <a:tableStyleId>{5C22544A-7EE6-4342-B048-85BDC9FD1C3A}</a:tableStyleId>
+              </a:tblPr>
+              <a:tblGrid>
+                <a:gridCol w="1733065">
+                  <a:extLst>
+                    <a:ext uri="{9D8B030D-6E8A-4147-A177-3AD203B41FA5}">
+                      <a16:colId xmlns:a16="http://schemas.microsoft.com/office/drawing/2014/main" val="3451544334"/>
+                    </a:ext>
+                  </a:extLst>
+                </a:gridCol>
+                <a:gridCol w="1733065">
+                  <a:extLst>
+                    <a:ext uri="{9D8B030D-6E8A-4147-A177-3AD203B41FA5}">
+                      <a16:colId xmlns:a16="http://schemas.microsoft.com/office/drawing/2014/main" val="261411378"/>
+                    </a:ext>
+                  </a:extLst>
+                </a:gridCol>
+                <a:gridCol w="1733065">
+                  <a:extLst>
+                    <a:ext uri="{9D8B030D-6E8A-4147-A177-3AD203B41FA5}">
+                      <a16:colId xmlns:a16="http://schemas.microsoft.com/office/drawing/2014/main" val="3729077830"/>
+                    </a:ext>
+                  </a:extLst>
+                </a:gridCol>
+                <a:gridCol w="1733065">
+                  <a:extLst>
+                    <a:ext uri="{9D8B030D-6E8A-4147-A177-3AD203B41FA5}">
+                      <a16:colId xmlns:a16="http://schemas.microsoft.com/office/drawing/2014/main" val="2329757800"/>
+                    </a:ext>
+                  </a:extLst>
+                </a:gridCol>
+                <a:gridCol w="1733065">
+                  <a:extLst>
+                    <a:ext uri="{9D8B030D-6E8A-4147-A177-3AD203B41FA5}">
+                      <a16:colId xmlns:a16="http://schemas.microsoft.com/office/drawing/2014/main" val="2323043840"/>
+                    </a:ext>
+                  </a:extLst>
+                </a:gridCol>
+              </a:tblGrid>
+              <a:tr h="245140">
+                <a:tc>
+                  <a:txBody>
+                    <a:bodyPr/>
+                    <a:lstStyle/>
+                    <a:p>
+                      <a:pPr algn="ctr"/>
+                      <a:r>
+                        <a:rPr kumimoji="1" lang="en-US" altLang="ja-JP" sz="1050" dirty="0">
+                          <a:latin typeface="Arial" panose="020B0604020202020204" pitchFamily="34" charset="0"/>
+                          <a:cs typeface="Arial" panose="020B0604020202020204" pitchFamily="34" charset="0"/>
+                        </a:rPr>
+                        <a:t>Training data</a:t>
+                      </a:r>
+                      <a:endParaRPr kumimoji="1" lang="ja-JP" altLang="en-US" sz="1050" dirty="0">
+                        <a:latin typeface="Arial" panose="020B0604020202020204" pitchFamily="34" charset="0"/>
+                        <a:cs typeface="Arial" panose="020B0604020202020204" pitchFamily="34" charset="0"/>
+                      </a:endParaRPr>
+                    </a:p>
+                  </a:txBody>
+                  <a:tcPr anchor="ctr"/>
+                </a:tc>
+                <a:tc>
+                  <a:txBody>
+                    <a:bodyPr/>
+                    <a:lstStyle/>
+                    <a:p>
+                      <a:pPr algn="ctr"/>
+                      <a:r>
+                        <a:rPr kumimoji="1" lang="en-US" altLang="ja-JP" sz="1050" dirty="0">
+                          <a:latin typeface="Arial" panose="020B0604020202020204" pitchFamily="34" charset="0"/>
+                          <a:cs typeface="Arial" panose="020B0604020202020204" pitchFamily="34" charset="0"/>
+                        </a:rPr>
+                        <a:t>Test data</a:t>
+                      </a:r>
+                      <a:endParaRPr kumimoji="1" lang="ja-JP" altLang="en-US" sz="1050" dirty="0">
+                        <a:latin typeface="Arial" panose="020B0604020202020204" pitchFamily="34" charset="0"/>
+                        <a:cs typeface="Arial" panose="020B0604020202020204" pitchFamily="34" charset="0"/>
+                      </a:endParaRPr>
+                    </a:p>
+                  </a:txBody>
+                  <a:tcPr anchor="ctr"/>
+                </a:tc>
+                <a:tc>
+                  <a:txBody>
+                    <a:bodyPr/>
+                    <a:lstStyle/>
+                    <a:p>
+                      <a:pPr algn="ctr"/>
+                      <a:r>
+                        <a:rPr kumimoji="1" lang="en-US" altLang="ja-JP" sz="1050" dirty="0">
+                          <a:latin typeface="Arial" panose="020B0604020202020204" pitchFamily="34" charset="0"/>
+                          <a:cs typeface="Arial" panose="020B0604020202020204" pitchFamily="34" charset="0"/>
+                        </a:rPr>
+                        <a:t>Sensor position</a:t>
+                      </a:r>
+                      <a:endParaRPr kumimoji="1" lang="ja-JP" altLang="en-US" sz="1050" dirty="0">
+                        <a:latin typeface="Arial" panose="020B0604020202020204" pitchFamily="34" charset="0"/>
+                        <a:cs typeface="Arial" panose="020B0604020202020204" pitchFamily="34" charset="0"/>
+                      </a:endParaRPr>
+                    </a:p>
+                  </a:txBody>
+                  <a:tcPr anchor="ctr"/>
+                </a:tc>
+                <a:tc>
+                  <a:txBody>
+                    <a:bodyPr/>
+                    <a:lstStyle/>
+                    <a:p>
+                      <a:pPr algn="ctr"/>
+                      <a:r>
+                        <a:rPr kumimoji="1" lang="en-US" altLang="ja-JP" sz="1050" dirty="0">
+                          <a:latin typeface="Arial" panose="020B0604020202020204" pitchFamily="34" charset="0"/>
+                          <a:cs typeface="Arial" panose="020B0604020202020204" pitchFamily="34" charset="0"/>
+                        </a:rPr>
+                        <a:t>Accuracy</a:t>
+                      </a:r>
+                      <a:endParaRPr kumimoji="1" lang="ja-JP" altLang="en-US" sz="1050" dirty="0">
+                        <a:latin typeface="Arial" panose="020B0604020202020204" pitchFamily="34" charset="0"/>
+                        <a:cs typeface="Arial" panose="020B0604020202020204" pitchFamily="34" charset="0"/>
+                      </a:endParaRPr>
+                    </a:p>
+                  </a:txBody>
+                  <a:tcPr anchor="ctr"/>
+                </a:tc>
+                <a:tc>
+                  <a:txBody>
+                    <a:bodyPr/>
+                    <a:lstStyle/>
+                    <a:p>
+                      <a:pPr algn="ctr"/>
+                      <a:r>
+                        <a:rPr kumimoji="1" lang="en-US" altLang="ja-JP" sz="1050" dirty="0">
+                          <a:latin typeface="Arial" panose="020B0604020202020204" pitchFamily="34" charset="0"/>
+                          <a:cs typeface="Arial" panose="020B0604020202020204" pitchFamily="34" charset="0"/>
+                        </a:rPr>
+                        <a:t>Loss</a:t>
+                      </a:r>
+                      <a:endParaRPr kumimoji="1" lang="ja-JP" altLang="en-US" sz="1050" dirty="0">
+                        <a:latin typeface="Arial" panose="020B0604020202020204" pitchFamily="34" charset="0"/>
+                        <a:cs typeface="Arial" panose="020B0604020202020204" pitchFamily="34" charset="0"/>
+                      </a:endParaRPr>
+                    </a:p>
+                  </a:txBody>
+                  <a:tcPr anchor="ctr"/>
+                </a:tc>
+                <a:extLst>
+                  <a:ext uri="{0D108BD9-81ED-4DB2-BD59-A6C34878D82A}">
+                    <a16:rowId xmlns:a16="http://schemas.microsoft.com/office/drawing/2014/main" val="1155534761"/>
+                  </a:ext>
+                </a:extLst>
+              </a:tr>
+              <a:tr h="245140">
+                <a:tc rowSpan="6">
+                  <a:txBody>
+                    <a:bodyPr/>
+                    <a:lstStyle/>
+                    <a:p>
+                      <a:pPr algn="ctr"/>
+                      <a:r>
+                        <a:rPr kumimoji="1" lang="en-US" altLang="ja-JP" sz="1050" dirty="0">
+                          <a:latin typeface="Arial" panose="020B0604020202020204" pitchFamily="34" charset="0"/>
+                          <a:cs typeface="Arial" panose="020B0604020202020204" pitchFamily="34" charset="0"/>
+                        </a:rPr>
+                        <a:t>Subject 1, 2</a:t>
+                      </a:r>
+                      <a:endParaRPr kumimoji="1" lang="ja-JP" altLang="en-US" sz="1050" dirty="0">
+                        <a:latin typeface="Arial" panose="020B0604020202020204" pitchFamily="34" charset="0"/>
+                        <a:cs typeface="Arial" panose="020B0604020202020204" pitchFamily="34" charset="0"/>
+                      </a:endParaRPr>
+                    </a:p>
+                  </a:txBody>
+                  <a:tcPr anchor="ctr">
+                    <a:lnB w="38100" cap="flat" cmpd="sng" algn="ctr">
+                      <a:solidFill>
+                        <a:schemeClr val="bg1"/>
+                      </a:solidFill>
+                      <a:prstDash val="solid"/>
+                      <a:round/>
+                      <a:headEnd type="none" w="med" len="med"/>
+                      <a:tailEnd type="none" w="med" len="med"/>
+                    </a:lnB>
+                  </a:tcPr>
+                </a:tc>
+                <a:tc rowSpan="6">
+                  <a:txBody>
+                    <a:bodyPr/>
+                    <a:lstStyle/>
+                    <a:p>
+                      <a:pPr algn="ctr"/>
+                      <a:r>
+                        <a:rPr kumimoji="1" lang="en-US" altLang="ja-JP" sz="1050" dirty="0">
+                          <a:latin typeface="Arial" panose="020B0604020202020204" pitchFamily="34" charset="0"/>
+                          <a:cs typeface="Arial" panose="020B0604020202020204" pitchFamily="34" charset="0"/>
+                        </a:rPr>
+                        <a:t>Subject 3</a:t>
+                      </a:r>
+                      <a:endParaRPr kumimoji="1" lang="ja-JP" altLang="en-US" sz="1050" dirty="0">
+                        <a:latin typeface="Arial" panose="020B0604020202020204" pitchFamily="34" charset="0"/>
+                        <a:cs typeface="Arial" panose="020B0604020202020204" pitchFamily="34" charset="0"/>
+                      </a:endParaRPr>
+                    </a:p>
+                  </a:txBody>
+                  <a:tcPr anchor="ctr">
+                    <a:lnR w="38100" cap="flat" cmpd="sng" algn="ctr">
+                      <a:solidFill>
+                        <a:schemeClr val="bg1"/>
+                      </a:solidFill>
+                      <a:prstDash val="solid"/>
+                      <a:round/>
+                      <a:headEnd type="none" w="med" len="med"/>
+                      <a:tailEnd type="none" w="med" len="med"/>
+                    </a:lnR>
+                    <a:lnB w="38100" cap="flat" cmpd="sng" algn="ctr">
+                      <a:solidFill>
+                        <a:schemeClr val="bg1"/>
+                      </a:solidFill>
+                      <a:prstDash val="solid"/>
+                      <a:round/>
+                      <a:headEnd type="none" w="med" len="med"/>
+                      <a:tailEnd type="none" w="med" len="med"/>
+                    </a:lnB>
+                  </a:tcPr>
+                </a:tc>
+                <a:tc>
+                  <a:txBody>
+                    <a:bodyPr/>
+                    <a:lstStyle/>
+                    <a:p>
+                      <a:pPr algn="ctr"/>
+                      <a:r>
+                        <a:rPr kumimoji="1" lang="en-US" altLang="ja-JP" sz="1050" dirty="0">
+                          <a:latin typeface="Arial" panose="020B0604020202020204" pitchFamily="34" charset="0"/>
+                          <a:cs typeface="Arial" panose="020B0604020202020204" pitchFamily="34" charset="0"/>
+                        </a:rPr>
+                        <a:t>Right Shoulder</a:t>
+                      </a:r>
+                    </a:p>
+                  </a:txBody>
+                  <a:tcPr anchor="ctr">
+                    <a:lnL w="38100" cap="flat" cmpd="sng" algn="ctr">
+                      <a:solidFill>
+                        <a:schemeClr val="bg1"/>
+                      </a:solidFill>
+                      <a:prstDash val="solid"/>
+                      <a:round/>
+                      <a:headEnd type="none" w="med" len="med"/>
+                      <a:tailEnd type="none" w="med" len="med"/>
+                    </a:lnL>
+                  </a:tcPr>
+                </a:tc>
+                <a:tc>
+                  <a:txBody>
+                    <a:bodyPr/>
+                    <a:lstStyle/>
+                    <a:p>
+                      <a:pPr algn="ctr"/>
+                      <a:r>
+                        <a:rPr kumimoji="1" lang="en-US" altLang="ja-JP" sz="1050" dirty="0">
+                          <a:latin typeface="Arial" panose="020B0604020202020204" pitchFamily="34" charset="0"/>
+                          <a:cs typeface="Arial" panose="020B0604020202020204" pitchFamily="34" charset="0"/>
+                        </a:rPr>
+                        <a:t>0.135</a:t>
+                      </a:r>
+                      <a:endParaRPr kumimoji="1" lang="ja-JP" altLang="en-US" sz="1050" dirty="0">
+                        <a:latin typeface="Arial" panose="020B0604020202020204" pitchFamily="34" charset="0"/>
+                        <a:cs typeface="Arial" panose="020B0604020202020204" pitchFamily="34" charset="0"/>
+                      </a:endParaRPr>
+                    </a:p>
+                  </a:txBody>
+                  <a:tcPr anchor="ctr"/>
+                </a:tc>
+                <a:tc>
+                  <a:txBody>
+                    <a:bodyPr/>
+                    <a:lstStyle/>
+                    <a:p>
+                      <a:pPr algn="ctr"/>
+                      <a:r>
+                        <a:rPr kumimoji="1" lang="en-US" altLang="ja-JP" sz="1050" dirty="0">
+                          <a:latin typeface="Arial" panose="020B0604020202020204" pitchFamily="34" charset="0"/>
+                          <a:cs typeface="Arial" panose="020B0604020202020204" pitchFamily="34" charset="0"/>
+                        </a:rPr>
+                        <a:t>0.238</a:t>
+                      </a:r>
+                      <a:endParaRPr kumimoji="1" lang="ja-JP" altLang="en-US" sz="1050" dirty="0">
+                        <a:latin typeface="Arial" panose="020B0604020202020204" pitchFamily="34" charset="0"/>
+                        <a:cs typeface="Arial" panose="020B0604020202020204" pitchFamily="34" charset="0"/>
+                      </a:endParaRPr>
+                    </a:p>
+                  </a:txBody>
+                  <a:tcPr anchor="ctr"/>
+                </a:tc>
+                <a:extLst>
+                  <a:ext uri="{0D108BD9-81ED-4DB2-BD59-A6C34878D82A}">
+                    <a16:rowId xmlns:a16="http://schemas.microsoft.com/office/drawing/2014/main" val="2545978113"/>
+                  </a:ext>
+                </a:extLst>
+              </a:tr>
+              <a:tr h="245140">
+                <a:tc vMerge="1">
+                  <a:txBody>
+                    <a:bodyPr/>
+                    <a:lstStyle/>
+                    <a:p>
+                      <a:endParaRPr kumimoji="1" lang="ja-JP" altLang="en-US" dirty="0"/>
+                    </a:p>
+                  </a:txBody>
+                  <a:tcPr/>
+                </a:tc>
+                <a:tc vMerge="1">
+                  <a:txBody>
+                    <a:bodyPr/>
+                    <a:lstStyle/>
+                    <a:p>
+                      <a:endParaRPr kumimoji="1" lang="ja-JP" altLang="en-US" dirty="0"/>
+                    </a:p>
+                  </a:txBody>
+                  <a:tcPr/>
+                </a:tc>
+                <a:tc>
+                  <a:txBody>
+                    <a:bodyPr/>
+                    <a:lstStyle/>
+                    <a:p>
+                      <a:pPr algn="ctr"/>
+                      <a:r>
+                        <a:rPr kumimoji="1" lang="en-US" altLang="ja-JP" sz="1050" dirty="0">
+                          <a:latin typeface="Arial" panose="020B0604020202020204" pitchFamily="34" charset="0"/>
+                          <a:cs typeface="Arial" panose="020B0604020202020204" pitchFamily="34" charset="0"/>
+                        </a:rPr>
+                        <a:t>Right Elbow</a:t>
+                      </a:r>
+                      <a:endParaRPr kumimoji="1" lang="ja-JP" altLang="en-US" sz="1050" dirty="0">
+                        <a:latin typeface="Arial" panose="020B0604020202020204" pitchFamily="34" charset="0"/>
+                        <a:cs typeface="Arial" panose="020B0604020202020204" pitchFamily="34" charset="0"/>
+                      </a:endParaRPr>
+                    </a:p>
+                  </a:txBody>
+                  <a:tcPr anchor="ctr">
+                    <a:lnL w="38100" cap="flat" cmpd="sng" algn="ctr">
+                      <a:solidFill>
+                        <a:schemeClr val="bg1"/>
+                      </a:solidFill>
+                      <a:prstDash val="solid"/>
+                      <a:round/>
+                      <a:headEnd type="none" w="med" len="med"/>
+                      <a:tailEnd type="none" w="med" len="med"/>
+                    </a:lnL>
+                  </a:tcPr>
+                </a:tc>
+                <a:tc>
+                  <a:txBody>
+                    <a:bodyPr/>
+                    <a:lstStyle/>
+                    <a:p>
+                      <a:pPr algn="ctr"/>
+                      <a:r>
+                        <a:rPr kumimoji="1" lang="en-US" altLang="ja-JP" sz="1050" dirty="0">
+                          <a:latin typeface="Arial" panose="020B0604020202020204" pitchFamily="34" charset="0"/>
+                          <a:cs typeface="Arial" panose="020B0604020202020204" pitchFamily="34" charset="0"/>
+                        </a:rPr>
+                        <a:t>0.137</a:t>
+                      </a:r>
+                      <a:endParaRPr kumimoji="1" lang="ja-JP" altLang="en-US" sz="1050" dirty="0">
+                        <a:latin typeface="Arial" panose="020B0604020202020204" pitchFamily="34" charset="0"/>
+                        <a:cs typeface="Arial" panose="020B0604020202020204" pitchFamily="34" charset="0"/>
+                      </a:endParaRPr>
+                    </a:p>
+                  </a:txBody>
+                  <a:tcPr anchor="ctr"/>
+                </a:tc>
+                <a:tc>
+                  <a:txBody>
+                    <a:bodyPr/>
+                    <a:lstStyle/>
+                    <a:p>
+                      <a:pPr algn="ctr"/>
+                      <a:r>
+                        <a:rPr kumimoji="1" lang="en-US" altLang="ja-JP" sz="1050" dirty="0">
+                          <a:latin typeface="Arial" panose="020B0604020202020204" pitchFamily="34" charset="0"/>
+                          <a:cs typeface="Arial" panose="020B0604020202020204" pitchFamily="34" charset="0"/>
+                        </a:rPr>
+                        <a:t>0.266</a:t>
+                      </a:r>
+                      <a:endParaRPr kumimoji="1" lang="ja-JP" altLang="en-US" sz="1050" dirty="0">
+                        <a:latin typeface="Arial" panose="020B0604020202020204" pitchFamily="34" charset="0"/>
+                        <a:cs typeface="Arial" panose="020B0604020202020204" pitchFamily="34" charset="0"/>
+                      </a:endParaRPr>
+                    </a:p>
+                  </a:txBody>
+                  <a:tcPr anchor="ctr"/>
+                </a:tc>
+                <a:extLst>
+                  <a:ext uri="{0D108BD9-81ED-4DB2-BD59-A6C34878D82A}">
+                    <a16:rowId xmlns:a16="http://schemas.microsoft.com/office/drawing/2014/main" val="3074363442"/>
+                  </a:ext>
+                </a:extLst>
+              </a:tr>
+              <a:tr h="245140">
+                <a:tc vMerge="1">
+                  <a:txBody>
+                    <a:bodyPr/>
+                    <a:lstStyle/>
+                    <a:p>
+                      <a:endParaRPr kumimoji="1" lang="ja-JP" altLang="en-US" dirty="0"/>
+                    </a:p>
+                  </a:txBody>
+                  <a:tcPr/>
+                </a:tc>
+                <a:tc vMerge="1">
+                  <a:txBody>
+                    <a:bodyPr/>
+                    <a:lstStyle/>
+                    <a:p>
+                      <a:endParaRPr kumimoji="1" lang="ja-JP" altLang="en-US" dirty="0"/>
+                    </a:p>
+                  </a:txBody>
+                  <a:tcPr/>
+                </a:tc>
+                <a:tc>
+                  <a:txBody>
+                    <a:bodyPr/>
+                    <a:lstStyle/>
+                    <a:p>
+                      <a:pPr algn="ctr"/>
+                      <a:r>
+                        <a:rPr kumimoji="1" lang="en-US" altLang="ja-JP" sz="1050" dirty="0">
+                          <a:latin typeface="Arial" panose="020B0604020202020204" pitchFamily="34" charset="0"/>
+                          <a:cs typeface="Arial" panose="020B0604020202020204" pitchFamily="34" charset="0"/>
+                        </a:rPr>
+                        <a:t>Right Wrist</a:t>
+                      </a:r>
+                      <a:endParaRPr kumimoji="1" lang="ja-JP" altLang="en-US" sz="1050" dirty="0">
+                        <a:latin typeface="Arial" panose="020B0604020202020204" pitchFamily="34" charset="0"/>
+                        <a:cs typeface="Arial" panose="020B0604020202020204" pitchFamily="34" charset="0"/>
+                      </a:endParaRPr>
+                    </a:p>
+                  </a:txBody>
+                  <a:tcPr anchor="ctr">
+                    <a:lnL w="38100" cap="flat" cmpd="sng" algn="ctr">
+                      <a:solidFill>
+                        <a:schemeClr val="bg1"/>
+                      </a:solidFill>
+                      <a:prstDash val="solid"/>
+                      <a:round/>
+                      <a:headEnd type="none" w="med" len="med"/>
+                      <a:tailEnd type="none" w="med" len="med"/>
+                    </a:lnL>
+                  </a:tcPr>
+                </a:tc>
+                <a:tc>
+                  <a:txBody>
+                    <a:bodyPr/>
+                    <a:lstStyle/>
+                    <a:p>
+                      <a:pPr algn="ctr"/>
+                      <a:r>
+                        <a:rPr kumimoji="1" lang="en-US" altLang="ja-JP" sz="1050" dirty="0">
+                          <a:latin typeface="Arial" panose="020B0604020202020204" pitchFamily="34" charset="0"/>
+                          <a:cs typeface="Arial" panose="020B0604020202020204" pitchFamily="34" charset="0"/>
+                        </a:rPr>
+                        <a:t>0.127</a:t>
+                      </a:r>
+                      <a:endParaRPr kumimoji="1" lang="ja-JP" altLang="en-US" sz="1050" dirty="0">
+                        <a:latin typeface="Arial" panose="020B0604020202020204" pitchFamily="34" charset="0"/>
+                        <a:cs typeface="Arial" panose="020B0604020202020204" pitchFamily="34" charset="0"/>
+                      </a:endParaRPr>
+                    </a:p>
+                  </a:txBody>
+                  <a:tcPr anchor="ctr"/>
+                </a:tc>
+                <a:tc>
+                  <a:txBody>
+                    <a:bodyPr/>
+                    <a:lstStyle/>
+                    <a:p>
+                      <a:pPr algn="ctr"/>
+                      <a:r>
+                        <a:rPr kumimoji="1" lang="en-US" altLang="ja-JP" sz="1050" dirty="0">
+                          <a:latin typeface="Arial" panose="020B0604020202020204" pitchFamily="34" charset="0"/>
+                          <a:cs typeface="Arial" panose="020B0604020202020204" pitchFamily="34" charset="0"/>
+                        </a:rPr>
+                        <a:t>0.272</a:t>
+                      </a:r>
+                      <a:endParaRPr kumimoji="1" lang="ja-JP" altLang="en-US" sz="1050" dirty="0">
+                        <a:latin typeface="Arial" panose="020B0604020202020204" pitchFamily="34" charset="0"/>
+                        <a:cs typeface="Arial" panose="020B0604020202020204" pitchFamily="34" charset="0"/>
+                      </a:endParaRPr>
+                    </a:p>
+                  </a:txBody>
+                  <a:tcPr anchor="ctr"/>
+                </a:tc>
+                <a:extLst>
+                  <a:ext uri="{0D108BD9-81ED-4DB2-BD59-A6C34878D82A}">
+                    <a16:rowId xmlns:a16="http://schemas.microsoft.com/office/drawing/2014/main" val="2891626762"/>
+                  </a:ext>
+                </a:extLst>
+              </a:tr>
+              <a:tr h="245140">
+                <a:tc vMerge="1">
+                  <a:txBody>
+                    <a:bodyPr/>
+                    <a:lstStyle/>
+                    <a:p>
+                      <a:endParaRPr kumimoji="1" lang="ja-JP" altLang="en-US" dirty="0"/>
+                    </a:p>
+                  </a:txBody>
+                  <a:tcPr/>
+                </a:tc>
+                <a:tc vMerge="1">
+                  <a:txBody>
+                    <a:bodyPr/>
+                    <a:lstStyle/>
+                    <a:p>
+                      <a:endParaRPr kumimoji="1" lang="ja-JP" altLang="en-US" dirty="0"/>
+                    </a:p>
+                  </a:txBody>
+                  <a:tcPr/>
+                </a:tc>
+                <a:tc>
+                  <a:txBody>
+                    <a:bodyPr/>
+                    <a:lstStyle/>
+                    <a:p>
+                      <a:pPr algn="ctr"/>
+                      <a:r>
+                        <a:rPr kumimoji="1" lang="en-US" altLang="ja-JP" sz="1050" dirty="0">
+                          <a:latin typeface="Arial" panose="020B0604020202020204" pitchFamily="34" charset="0"/>
+                          <a:cs typeface="Arial" panose="020B0604020202020204" pitchFamily="34" charset="0"/>
+                        </a:rPr>
+                        <a:t>Left Shoulder</a:t>
+                      </a:r>
+                      <a:endParaRPr kumimoji="1" lang="ja-JP" altLang="en-US" sz="1050" dirty="0">
+                        <a:latin typeface="Arial" panose="020B0604020202020204" pitchFamily="34" charset="0"/>
+                        <a:cs typeface="Arial" panose="020B0604020202020204" pitchFamily="34" charset="0"/>
+                      </a:endParaRPr>
+                    </a:p>
+                  </a:txBody>
+                  <a:tcPr anchor="ctr">
+                    <a:lnL w="38100" cap="flat" cmpd="sng" algn="ctr">
+                      <a:solidFill>
+                        <a:schemeClr val="bg1"/>
+                      </a:solidFill>
+                      <a:prstDash val="solid"/>
+                      <a:round/>
+                      <a:headEnd type="none" w="med" len="med"/>
+                      <a:tailEnd type="none" w="med" len="med"/>
+                    </a:lnL>
+                  </a:tcPr>
+                </a:tc>
+                <a:tc>
+                  <a:txBody>
+                    <a:bodyPr/>
+                    <a:lstStyle/>
+                    <a:p>
+                      <a:pPr algn="ctr"/>
+                      <a:r>
+                        <a:rPr kumimoji="1" lang="en-US" altLang="ja-JP" sz="1050" dirty="0">
+                          <a:latin typeface="Arial" panose="020B0604020202020204" pitchFamily="34" charset="0"/>
+                          <a:cs typeface="Arial" panose="020B0604020202020204" pitchFamily="34" charset="0"/>
+                        </a:rPr>
+                        <a:t>0.118</a:t>
+                      </a:r>
+                      <a:endParaRPr kumimoji="1" lang="ja-JP" altLang="en-US" sz="1050" dirty="0">
+                        <a:latin typeface="Arial" panose="020B0604020202020204" pitchFamily="34" charset="0"/>
+                        <a:cs typeface="Arial" panose="020B0604020202020204" pitchFamily="34" charset="0"/>
+                      </a:endParaRPr>
+                    </a:p>
+                  </a:txBody>
+                  <a:tcPr anchor="ctr"/>
+                </a:tc>
+                <a:tc>
+                  <a:txBody>
+                    <a:bodyPr/>
+                    <a:lstStyle/>
+                    <a:p>
+                      <a:pPr algn="ctr"/>
+                      <a:r>
+                        <a:rPr kumimoji="1" lang="en-US" altLang="ja-JP" sz="1050" dirty="0">
+                          <a:latin typeface="Arial" panose="020B0604020202020204" pitchFamily="34" charset="0"/>
+                          <a:cs typeface="Arial" panose="020B0604020202020204" pitchFamily="34" charset="0"/>
+                        </a:rPr>
+                        <a:t>0.265</a:t>
+                      </a:r>
+                      <a:endParaRPr kumimoji="1" lang="ja-JP" altLang="en-US" sz="1050" dirty="0">
+                        <a:latin typeface="Arial" panose="020B0604020202020204" pitchFamily="34" charset="0"/>
+                        <a:cs typeface="Arial" panose="020B0604020202020204" pitchFamily="34" charset="0"/>
+                      </a:endParaRPr>
+                    </a:p>
+                  </a:txBody>
+                  <a:tcPr anchor="ctr"/>
+                </a:tc>
+                <a:extLst>
+                  <a:ext uri="{0D108BD9-81ED-4DB2-BD59-A6C34878D82A}">
+                    <a16:rowId xmlns:a16="http://schemas.microsoft.com/office/drawing/2014/main" val="3828590035"/>
+                  </a:ext>
+                </a:extLst>
+              </a:tr>
+              <a:tr h="245140">
+                <a:tc vMerge="1">
+                  <a:txBody>
+                    <a:bodyPr/>
+                    <a:lstStyle/>
+                    <a:p>
+                      <a:endParaRPr kumimoji="1" lang="ja-JP" altLang="en-US" dirty="0"/>
+                    </a:p>
+                  </a:txBody>
+                  <a:tcPr/>
+                </a:tc>
+                <a:tc vMerge="1">
+                  <a:txBody>
+                    <a:bodyPr/>
+                    <a:lstStyle/>
+                    <a:p>
+                      <a:endParaRPr kumimoji="1" lang="ja-JP" altLang="en-US" dirty="0"/>
+                    </a:p>
+                  </a:txBody>
+                  <a:tcPr/>
+                </a:tc>
+                <a:tc>
+                  <a:txBody>
+                    <a:bodyPr/>
+                    <a:lstStyle/>
+                    <a:p>
+                      <a:pPr algn="ctr"/>
+                      <a:r>
+                        <a:rPr kumimoji="1" lang="en-US" altLang="ja-JP" sz="1050" dirty="0">
+                          <a:latin typeface="Arial" panose="020B0604020202020204" pitchFamily="34" charset="0"/>
+                          <a:cs typeface="Arial" panose="020B0604020202020204" pitchFamily="34" charset="0"/>
+                        </a:rPr>
+                        <a:t>Left Elbow</a:t>
+                      </a:r>
+                      <a:endParaRPr kumimoji="1" lang="ja-JP" altLang="en-US" sz="1050" dirty="0">
+                        <a:latin typeface="Arial" panose="020B0604020202020204" pitchFamily="34" charset="0"/>
+                        <a:cs typeface="Arial" panose="020B0604020202020204" pitchFamily="34" charset="0"/>
+                      </a:endParaRPr>
+                    </a:p>
+                  </a:txBody>
+                  <a:tcPr anchor="ctr">
+                    <a:lnL w="38100" cap="flat" cmpd="sng" algn="ctr">
+                      <a:solidFill>
+                        <a:schemeClr val="bg1"/>
+                      </a:solidFill>
+                      <a:prstDash val="solid"/>
+                      <a:round/>
+                      <a:headEnd type="none" w="med" len="med"/>
+                      <a:tailEnd type="none" w="med" len="med"/>
+                    </a:lnL>
+                  </a:tcPr>
+                </a:tc>
+                <a:tc>
+                  <a:txBody>
+                    <a:bodyPr/>
+                    <a:lstStyle/>
+                    <a:p>
+                      <a:pPr algn="ctr"/>
+                      <a:r>
+                        <a:rPr kumimoji="1" lang="en-US" altLang="ja-JP" sz="1050" dirty="0">
+                          <a:latin typeface="Arial" panose="020B0604020202020204" pitchFamily="34" charset="0"/>
+                          <a:cs typeface="Arial" panose="020B0604020202020204" pitchFamily="34" charset="0"/>
+                        </a:rPr>
+                        <a:t>0.119</a:t>
+                      </a:r>
+                      <a:endParaRPr kumimoji="1" lang="ja-JP" altLang="en-US" sz="1050" dirty="0">
+                        <a:latin typeface="Arial" panose="020B0604020202020204" pitchFamily="34" charset="0"/>
+                        <a:cs typeface="Arial" panose="020B0604020202020204" pitchFamily="34" charset="0"/>
+                      </a:endParaRPr>
+                    </a:p>
+                  </a:txBody>
+                  <a:tcPr anchor="ctr"/>
+                </a:tc>
+                <a:tc>
+                  <a:txBody>
+                    <a:bodyPr/>
+                    <a:lstStyle/>
+                    <a:p>
+                      <a:pPr algn="ctr"/>
+                      <a:r>
+                        <a:rPr kumimoji="1" lang="en-US" altLang="ja-JP" sz="1050" dirty="0">
+                          <a:latin typeface="Arial" panose="020B0604020202020204" pitchFamily="34" charset="0"/>
+                          <a:cs typeface="Arial" panose="020B0604020202020204" pitchFamily="34" charset="0"/>
+                        </a:rPr>
+                        <a:t>0.261</a:t>
+                      </a:r>
+                      <a:endParaRPr kumimoji="1" lang="ja-JP" altLang="en-US" sz="1050" dirty="0">
+                        <a:latin typeface="Arial" panose="020B0604020202020204" pitchFamily="34" charset="0"/>
+                        <a:cs typeface="Arial" panose="020B0604020202020204" pitchFamily="34" charset="0"/>
+                      </a:endParaRPr>
+                    </a:p>
+                  </a:txBody>
+                  <a:tcPr anchor="ctr"/>
+                </a:tc>
+                <a:extLst>
+                  <a:ext uri="{0D108BD9-81ED-4DB2-BD59-A6C34878D82A}">
+                    <a16:rowId xmlns:a16="http://schemas.microsoft.com/office/drawing/2014/main" val="232297383"/>
+                  </a:ext>
+                </a:extLst>
+              </a:tr>
+              <a:tr h="245140">
+                <a:tc vMerge="1">
+                  <a:txBody>
+                    <a:bodyPr/>
+                    <a:lstStyle/>
+                    <a:p>
+                      <a:endParaRPr kumimoji="1" lang="ja-JP" altLang="en-US" dirty="0"/>
+                    </a:p>
+                  </a:txBody>
+                  <a:tcPr/>
+                </a:tc>
+                <a:tc vMerge="1">
+                  <a:txBody>
+                    <a:bodyPr/>
+                    <a:lstStyle/>
+                    <a:p>
+                      <a:endParaRPr kumimoji="1" lang="ja-JP" altLang="en-US" dirty="0"/>
+                    </a:p>
+                  </a:txBody>
+                  <a:tcPr/>
+                </a:tc>
+                <a:tc>
+                  <a:txBody>
+                    <a:bodyPr/>
+                    <a:lstStyle/>
+                    <a:p>
+                      <a:pPr algn="ctr"/>
+                      <a:r>
+                        <a:rPr kumimoji="1" lang="en-US" altLang="ja-JP" sz="1050" dirty="0">
+                          <a:latin typeface="Arial" panose="020B0604020202020204" pitchFamily="34" charset="0"/>
+                          <a:cs typeface="Arial" panose="020B0604020202020204" pitchFamily="34" charset="0"/>
+                        </a:rPr>
+                        <a:t>Left Wrist</a:t>
+                      </a:r>
+                      <a:endParaRPr kumimoji="1" lang="ja-JP" altLang="en-US" sz="1050" dirty="0">
+                        <a:latin typeface="Arial" panose="020B0604020202020204" pitchFamily="34" charset="0"/>
+                        <a:cs typeface="Arial" panose="020B0604020202020204" pitchFamily="34" charset="0"/>
+                      </a:endParaRPr>
+                    </a:p>
+                  </a:txBody>
+                  <a:tcPr anchor="ctr">
+                    <a:lnL w="38100" cap="flat" cmpd="sng" algn="ctr">
+                      <a:solidFill>
+                        <a:schemeClr val="bg1"/>
+                      </a:solidFill>
+                      <a:prstDash val="solid"/>
+                      <a:round/>
+                      <a:headEnd type="none" w="med" len="med"/>
+                      <a:tailEnd type="none" w="med" len="med"/>
+                    </a:lnL>
+                    <a:lnB w="38100" cap="flat" cmpd="sng" algn="ctr">
+                      <a:solidFill>
+                        <a:schemeClr val="bg1"/>
+                      </a:solidFill>
+                      <a:prstDash val="solid"/>
+                      <a:round/>
+                      <a:headEnd type="none" w="med" len="med"/>
+                      <a:tailEnd type="none" w="med" len="med"/>
+                    </a:lnB>
+                  </a:tcPr>
+                </a:tc>
+                <a:tc>
+                  <a:txBody>
+                    <a:bodyPr/>
+                    <a:lstStyle/>
+                    <a:p>
+                      <a:pPr algn="ctr"/>
+                      <a:r>
+                        <a:rPr kumimoji="1" lang="en-US" altLang="ja-JP" sz="1050" dirty="0">
+                          <a:latin typeface="Arial" panose="020B0604020202020204" pitchFamily="34" charset="0"/>
+                          <a:cs typeface="Arial" panose="020B0604020202020204" pitchFamily="34" charset="0"/>
+                        </a:rPr>
+                        <a:t>0.136</a:t>
+                      </a:r>
+                      <a:endParaRPr kumimoji="1" lang="ja-JP" altLang="en-US" sz="1050" dirty="0">
+                        <a:latin typeface="Arial" panose="020B0604020202020204" pitchFamily="34" charset="0"/>
+                        <a:cs typeface="Arial" panose="020B0604020202020204" pitchFamily="34" charset="0"/>
+                      </a:endParaRPr>
+                    </a:p>
+                  </a:txBody>
+                  <a:tcPr anchor="ctr">
+                    <a:lnB w="38100" cap="flat" cmpd="sng" algn="ctr">
+                      <a:solidFill>
+                        <a:schemeClr val="bg1"/>
+                      </a:solidFill>
+                      <a:prstDash val="solid"/>
+                      <a:round/>
+                      <a:headEnd type="none" w="med" len="med"/>
+                      <a:tailEnd type="none" w="med" len="med"/>
+                    </a:lnB>
+                  </a:tcPr>
+                </a:tc>
+                <a:tc>
+                  <a:txBody>
+                    <a:bodyPr/>
+                    <a:lstStyle/>
+                    <a:p>
+                      <a:pPr algn="ctr"/>
+                      <a:r>
+                        <a:rPr kumimoji="1" lang="en-US" altLang="ja-JP" sz="1050" dirty="0">
+                          <a:latin typeface="Arial" panose="020B0604020202020204" pitchFamily="34" charset="0"/>
+                          <a:cs typeface="Arial" panose="020B0604020202020204" pitchFamily="34" charset="0"/>
+                        </a:rPr>
+                        <a:t>0.270</a:t>
+                      </a:r>
+                      <a:endParaRPr kumimoji="1" lang="ja-JP" altLang="en-US" sz="1050" dirty="0">
+                        <a:latin typeface="Arial" panose="020B0604020202020204" pitchFamily="34" charset="0"/>
+                        <a:cs typeface="Arial" panose="020B0604020202020204" pitchFamily="34" charset="0"/>
+                      </a:endParaRPr>
+                    </a:p>
+                  </a:txBody>
+                  <a:tcPr anchor="ctr">
+                    <a:lnB w="38100" cap="flat" cmpd="sng" algn="ctr">
+                      <a:solidFill>
+                        <a:schemeClr val="bg1"/>
+                      </a:solidFill>
+                      <a:prstDash val="solid"/>
+                      <a:round/>
+                      <a:headEnd type="none" w="med" len="med"/>
+                      <a:tailEnd type="none" w="med" len="med"/>
+                    </a:lnB>
+                  </a:tcPr>
+                </a:tc>
+                <a:extLst>
+                  <a:ext uri="{0D108BD9-81ED-4DB2-BD59-A6C34878D82A}">
+                    <a16:rowId xmlns:a16="http://schemas.microsoft.com/office/drawing/2014/main" val="1006473451"/>
+                  </a:ext>
+                </a:extLst>
+              </a:tr>
+              <a:tr h="245140">
+                <a:tc rowSpan="6">
+                  <a:txBody>
+                    <a:bodyPr/>
+                    <a:lstStyle/>
+                    <a:p>
+                      <a:pPr algn="ctr"/>
+                      <a:r>
+                        <a:rPr kumimoji="1" lang="en-US" altLang="ja-JP" sz="1050" dirty="0">
+                          <a:latin typeface="Arial" panose="020B0604020202020204" pitchFamily="34" charset="0"/>
+                          <a:cs typeface="Arial" panose="020B0604020202020204" pitchFamily="34" charset="0"/>
+                        </a:rPr>
+                        <a:t>Subject 1, 3</a:t>
+                      </a:r>
+                      <a:endParaRPr kumimoji="1" lang="ja-JP" altLang="en-US" sz="1050" dirty="0">
+                        <a:latin typeface="Arial" panose="020B0604020202020204" pitchFamily="34" charset="0"/>
+                        <a:cs typeface="Arial" panose="020B0604020202020204" pitchFamily="34" charset="0"/>
+                      </a:endParaRPr>
+                    </a:p>
+                  </a:txBody>
+                  <a:tcPr anchor="ctr">
+                    <a:lnT w="38100" cap="flat" cmpd="sng" algn="ctr">
+                      <a:solidFill>
+                        <a:schemeClr val="bg1"/>
+                      </a:solidFill>
+                      <a:prstDash val="solid"/>
+                      <a:round/>
+                      <a:headEnd type="none" w="med" len="med"/>
+                      <a:tailEnd type="none" w="med" len="med"/>
+                    </a:lnT>
+                    <a:lnB w="38100" cap="flat" cmpd="sng" algn="ctr">
+                      <a:solidFill>
+                        <a:schemeClr val="bg1"/>
+                      </a:solidFill>
+                      <a:prstDash val="solid"/>
+                      <a:round/>
+                      <a:headEnd type="none" w="med" len="med"/>
+                      <a:tailEnd type="none" w="med" len="med"/>
+                    </a:lnB>
+                  </a:tcPr>
+                </a:tc>
+                <a:tc rowSpan="6">
+                  <a:txBody>
+                    <a:bodyPr/>
+                    <a:lstStyle/>
+                    <a:p>
+                      <a:pPr algn="ctr"/>
+                      <a:r>
+                        <a:rPr kumimoji="1" lang="en-US" altLang="ja-JP" sz="1050" dirty="0">
+                          <a:latin typeface="Arial" panose="020B0604020202020204" pitchFamily="34" charset="0"/>
+                          <a:cs typeface="Arial" panose="020B0604020202020204" pitchFamily="34" charset="0"/>
+                        </a:rPr>
+                        <a:t>Subject 2</a:t>
+                      </a:r>
+                      <a:endParaRPr kumimoji="1" lang="ja-JP" altLang="en-US" sz="1050" dirty="0">
+                        <a:latin typeface="Arial" panose="020B0604020202020204" pitchFamily="34" charset="0"/>
+                        <a:cs typeface="Arial" panose="020B0604020202020204" pitchFamily="34" charset="0"/>
+                      </a:endParaRPr>
+                    </a:p>
+                  </a:txBody>
+                  <a:tcPr anchor="ctr">
+                    <a:lnR w="38100" cap="flat" cmpd="sng" algn="ctr">
+                      <a:solidFill>
+                        <a:schemeClr val="bg1"/>
+                      </a:solidFill>
+                      <a:prstDash val="solid"/>
+                      <a:round/>
+                      <a:headEnd type="none" w="med" len="med"/>
+                      <a:tailEnd type="none" w="med" len="med"/>
+                    </a:lnR>
+                    <a:lnT w="38100" cap="flat" cmpd="sng" algn="ctr">
+                      <a:solidFill>
+                        <a:schemeClr val="bg1"/>
+                      </a:solidFill>
+                      <a:prstDash val="solid"/>
+                      <a:round/>
+                      <a:headEnd type="none" w="med" len="med"/>
+                      <a:tailEnd type="none" w="med" len="med"/>
+                    </a:lnT>
+                    <a:lnB w="38100" cap="flat" cmpd="sng" algn="ctr">
+                      <a:solidFill>
+                        <a:schemeClr val="bg1"/>
+                      </a:solidFill>
+                      <a:prstDash val="solid"/>
+                      <a:round/>
+                      <a:headEnd type="none" w="med" len="med"/>
+                      <a:tailEnd type="none" w="med" len="med"/>
+                    </a:lnB>
+                  </a:tcPr>
+                </a:tc>
+                <a:tc>
+                  <a:txBody>
+                    <a:bodyPr/>
+                    <a:lstStyle/>
+                    <a:p>
+                      <a:pPr algn="ctr"/>
+                      <a:r>
+                        <a:rPr kumimoji="1" lang="en-US" altLang="ja-JP" sz="1050" dirty="0">
+                          <a:latin typeface="Arial" panose="020B0604020202020204" pitchFamily="34" charset="0"/>
+                          <a:cs typeface="Arial" panose="020B0604020202020204" pitchFamily="34" charset="0"/>
+                        </a:rPr>
+                        <a:t>Right Shoulder</a:t>
+                      </a:r>
+                    </a:p>
+                  </a:txBody>
+                  <a:tcPr anchor="ctr">
+                    <a:lnL w="38100" cap="flat" cmpd="sng" algn="ctr">
+                      <a:solidFill>
+                        <a:schemeClr val="bg1"/>
+                      </a:solidFill>
+                      <a:prstDash val="solid"/>
+                      <a:round/>
+                      <a:headEnd type="none" w="med" len="med"/>
+                      <a:tailEnd type="none" w="med" len="med"/>
+                    </a:lnL>
+                    <a:lnT w="38100" cap="flat" cmpd="sng" algn="ctr">
+                      <a:solidFill>
+                        <a:schemeClr val="bg1"/>
+                      </a:solidFill>
+                      <a:prstDash val="solid"/>
+                      <a:round/>
+                      <a:headEnd type="none" w="med" len="med"/>
+                      <a:tailEnd type="none" w="med" len="med"/>
+                    </a:lnT>
+                  </a:tcPr>
+                </a:tc>
+                <a:tc>
+                  <a:txBody>
+                    <a:bodyPr/>
+                    <a:lstStyle/>
+                    <a:p>
+                      <a:pPr algn="ctr"/>
+                      <a:r>
+                        <a:rPr kumimoji="1" lang="en-US" altLang="ja-JP" sz="1050" dirty="0">
+                          <a:latin typeface="Arial" panose="020B0604020202020204" pitchFamily="34" charset="0"/>
+                          <a:cs typeface="Arial" panose="020B0604020202020204" pitchFamily="34" charset="0"/>
+                        </a:rPr>
+                        <a:t>0.136</a:t>
+                      </a:r>
+                      <a:endParaRPr kumimoji="1" lang="ja-JP" altLang="en-US" sz="1050" dirty="0">
+                        <a:latin typeface="Arial" panose="020B0604020202020204" pitchFamily="34" charset="0"/>
+                        <a:cs typeface="Arial" panose="020B0604020202020204" pitchFamily="34" charset="0"/>
+                      </a:endParaRPr>
+                    </a:p>
+                  </a:txBody>
+                  <a:tcPr anchor="ctr">
+                    <a:lnT w="38100" cap="flat" cmpd="sng" algn="ctr">
+                      <a:solidFill>
+                        <a:schemeClr val="bg1"/>
+                      </a:solidFill>
+                      <a:prstDash val="solid"/>
+                      <a:round/>
+                      <a:headEnd type="none" w="med" len="med"/>
+                      <a:tailEnd type="none" w="med" len="med"/>
+                    </a:lnT>
+                  </a:tcPr>
+                </a:tc>
+                <a:tc>
+                  <a:txBody>
+                    <a:bodyPr/>
+                    <a:lstStyle/>
+                    <a:p>
+                      <a:pPr algn="ctr"/>
+                      <a:r>
+                        <a:rPr kumimoji="1" lang="en-US" altLang="ja-JP" sz="1050" dirty="0">
+                          <a:latin typeface="Arial" panose="020B0604020202020204" pitchFamily="34" charset="0"/>
+                          <a:cs typeface="Arial" panose="020B0604020202020204" pitchFamily="34" charset="0"/>
+                        </a:rPr>
+                        <a:t>0.250</a:t>
+                      </a:r>
+                      <a:endParaRPr kumimoji="1" lang="ja-JP" altLang="en-US" sz="1050" dirty="0">
+                        <a:latin typeface="Arial" panose="020B0604020202020204" pitchFamily="34" charset="0"/>
+                        <a:cs typeface="Arial" panose="020B0604020202020204" pitchFamily="34" charset="0"/>
+                      </a:endParaRPr>
+                    </a:p>
+                  </a:txBody>
+                  <a:tcPr anchor="ctr">
+                    <a:lnT w="38100" cap="flat" cmpd="sng" algn="ctr">
+                      <a:solidFill>
+                        <a:schemeClr val="bg1"/>
+                      </a:solidFill>
+                      <a:prstDash val="solid"/>
+                      <a:round/>
+                      <a:headEnd type="none" w="med" len="med"/>
+                      <a:tailEnd type="none" w="med" len="med"/>
+                    </a:lnT>
+                  </a:tcPr>
+                </a:tc>
+                <a:extLst>
+                  <a:ext uri="{0D108BD9-81ED-4DB2-BD59-A6C34878D82A}">
+                    <a16:rowId xmlns:a16="http://schemas.microsoft.com/office/drawing/2014/main" val="2487282922"/>
+                  </a:ext>
+                </a:extLst>
+              </a:tr>
+              <a:tr h="245140">
+                <a:tc vMerge="1">
+                  <a:txBody>
+                    <a:bodyPr/>
+                    <a:lstStyle/>
+                    <a:p>
+                      <a:endParaRPr kumimoji="1" lang="ja-JP" altLang="en-US" dirty="0"/>
+                    </a:p>
+                  </a:txBody>
+                  <a:tcPr/>
+                </a:tc>
+                <a:tc vMerge="1">
+                  <a:txBody>
+                    <a:bodyPr/>
+                    <a:lstStyle/>
+                    <a:p>
+                      <a:endParaRPr kumimoji="1" lang="ja-JP" altLang="en-US" dirty="0"/>
+                    </a:p>
+                  </a:txBody>
+                  <a:tcPr/>
+                </a:tc>
+                <a:tc>
+                  <a:txBody>
+                    <a:bodyPr/>
+                    <a:lstStyle/>
+                    <a:p>
+                      <a:pPr algn="ctr"/>
+                      <a:r>
+                        <a:rPr kumimoji="1" lang="en-US" altLang="ja-JP" sz="1050" dirty="0">
+                          <a:latin typeface="Arial" panose="020B0604020202020204" pitchFamily="34" charset="0"/>
+                          <a:cs typeface="Arial" panose="020B0604020202020204" pitchFamily="34" charset="0"/>
+                        </a:rPr>
+                        <a:t>Right Elbow</a:t>
+                      </a:r>
+                      <a:endParaRPr kumimoji="1" lang="ja-JP" altLang="en-US" sz="1050" dirty="0">
+                        <a:latin typeface="Arial" panose="020B0604020202020204" pitchFamily="34" charset="0"/>
+                        <a:cs typeface="Arial" panose="020B0604020202020204" pitchFamily="34" charset="0"/>
+                      </a:endParaRPr>
+                    </a:p>
+                  </a:txBody>
+                  <a:tcPr anchor="ctr">
+                    <a:lnL w="38100" cap="flat" cmpd="sng" algn="ctr">
+                      <a:solidFill>
+                        <a:schemeClr val="bg1"/>
+                      </a:solidFill>
+                      <a:prstDash val="solid"/>
+                      <a:round/>
+                      <a:headEnd type="none" w="med" len="med"/>
+                      <a:tailEnd type="none" w="med" len="med"/>
+                    </a:lnL>
+                  </a:tcPr>
+                </a:tc>
+                <a:tc>
+                  <a:txBody>
+                    <a:bodyPr/>
+                    <a:lstStyle/>
+                    <a:p>
+                      <a:pPr algn="ctr"/>
+                      <a:r>
+                        <a:rPr kumimoji="1" lang="en-US" altLang="ja-JP" sz="1050" dirty="0">
+                          <a:latin typeface="Arial" panose="020B0604020202020204" pitchFamily="34" charset="0"/>
+                          <a:cs typeface="Arial" panose="020B0604020202020204" pitchFamily="34" charset="0"/>
+                        </a:rPr>
+                        <a:t>0.121</a:t>
+                      </a:r>
+                      <a:endParaRPr kumimoji="1" lang="ja-JP" altLang="en-US" sz="1050" dirty="0">
+                        <a:latin typeface="Arial" panose="020B0604020202020204" pitchFamily="34" charset="0"/>
+                        <a:cs typeface="Arial" panose="020B0604020202020204" pitchFamily="34" charset="0"/>
+                      </a:endParaRPr>
+                    </a:p>
+                  </a:txBody>
+                  <a:tcPr anchor="ctr"/>
+                </a:tc>
+                <a:tc>
+                  <a:txBody>
+                    <a:bodyPr/>
+                    <a:lstStyle/>
+                    <a:p>
+                      <a:pPr algn="ctr"/>
+                      <a:r>
+                        <a:rPr kumimoji="1" lang="en-US" altLang="ja-JP" sz="1050" dirty="0">
+                          <a:latin typeface="Arial" panose="020B0604020202020204" pitchFamily="34" charset="0"/>
+                          <a:cs typeface="Arial" panose="020B0604020202020204" pitchFamily="34" charset="0"/>
+                        </a:rPr>
+                        <a:t>0.290</a:t>
+                      </a:r>
+                      <a:endParaRPr kumimoji="1" lang="ja-JP" altLang="en-US" sz="1050" dirty="0">
+                        <a:latin typeface="Arial" panose="020B0604020202020204" pitchFamily="34" charset="0"/>
+                        <a:cs typeface="Arial" panose="020B0604020202020204" pitchFamily="34" charset="0"/>
+                      </a:endParaRPr>
+                    </a:p>
+                  </a:txBody>
+                  <a:tcPr anchor="ctr"/>
+                </a:tc>
+                <a:extLst>
+                  <a:ext uri="{0D108BD9-81ED-4DB2-BD59-A6C34878D82A}">
+                    <a16:rowId xmlns:a16="http://schemas.microsoft.com/office/drawing/2014/main" val="4134719376"/>
+                  </a:ext>
+                </a:extLst>
+              </a:tr>
+              <a:tr h="245140">
+                <a:tc vMerge="1">
+                  <a:txBody>
+                    <a:bodyPr/>
+                    <a:lstStyle/>
+                    <a:p>
+                      <a:endParaRPr kumimoji="1" lang="ja-JP" altLang="en-US" dirty="0"/>
+                    </a:p>
+                  </a:txBody>
+                  <a:tcPr/>
+                </a:tc>
+                <a:tc vMerge="1">
+                  <a:txBody>
+                    <a:bodyPr/>
+                    <a:lstStyle/>
+                    <a:p>
+                      <a:endParaRPr kumimoji="1" lang="ja-JP" altLang="en-US" dirty="0"/>
+                    </a:p>
+                  </a:txBody>
+                  <a:tcPr/>
+                </a:tc>
+                <a:tc>
+                  <a:txBody>
+                    <a:bodyPr/>
+                    <a:lstStyle/>
+                    <a:p>
+                      <a:pPr algn="ctr"/>
+                      <a:r>
+                        <a:rPr kumimoji="1" lang="en-US" altLang="ja-JP" sz="1050" dirty="0">
+                          <a:latin typeface="Arial" panose="020B0604020202020204" pitchFamily="34" charset="0"/>
+                          <a:cs typeface="Arial" panose="020B0604020202020204" pitchFamily="34" charset="0"/>
+                        </a:rPr>
+                        <a:t>Right Wrist</a:t>
+                      </a:r>
+                      <a:endParaRPr kumimoji="1" lang="ja-JP" altLang="en-US" sz="1050" dirty="0">
+                        <a:latin typeface="Arial" panose="020B0604020202020204" pitchFamily="34" charset="0"/>
+                        <a:cs typeface="Arial" panose="020B0604020202020204" pitchFamily="34" charset="0"/>
+                      </a:endParaRPr>
+                    </a:p>
+                  </a:txBody>
+                  <a:tcPr anchor="ctr">
+                    <a:lnL w="38100" cap="flat" cmpd="sng" algn="ctr">
+                      <a:solidFill>
+                        <a:schemeClr val="bg1"/>
+                      </a:solidFill>
+                      <a:prstDash val="solid"/>
+                      <a:round/>
+                      <a:headEnd type="none" w="med" len="med"/>
+                      <a:tailEnd type="none" w="med" len="med"/>
+                    </a:lnL>
+                  </a:tcPr>
+                </a:tc>
+                <a:tc>
+                  <a:txBody>
+                    <a:bodyPr/>
+                    <a:lstStyle/>
+                    <a:p>
+                      <a:pPr algn="ctr"/>
+                      <a:r>
+                        <a:rPr kumimoji="1" lang="en-US" altLang="ja-JP" sz="1050" dirty="0">
+                          <a:latin typeface="Arial" panose="020B0604020202020204" pitchFamily="34" charset="0"/>
+                          <a:cs typeface="Arial" panose="020B0604020202020204" pitchFamily="34" charset="0"/>
+                        </a:rPr>
+                        <a:t>0.133</a:t>
+                      </a:r>
+                      <a:endParaRPr kumimoji="1" lang="ja-JP" altLang="en-US" sz="1050" dirty="0">
+                        <a:latin typeface="Arial" panose="020B0604020202020204" pitchFamily="34" charset="0"/>
+                        <a:cs typeface="Arial" panose="020B0604020202020204" pitchFamily="34" charset="0"/>
+                      </a:endParaRPr>
+                    </a:p>
+                  </a:txBody>
+                  <a:tcPr anchor="ctr"/>
+                </a:tc>
+                <a:tc>
+                  <a:txBody>
+                    <a:bodyPr/>
+                    <a:lstStyle/>
+                    <a:p>
+                      <a:pPr algn="ctr"/>
+                      <a:r>
+                        <a:rPr kumimoji="1" lang="en-US" altLang="ja-JP" sz="1050" dirty="0">
+                          <a:latin typeface="Arial" panose="020B0604020202020204" pitchFamily="34" charset="0"/>
+                          <a:cs typeface="Arial" panose="020B0604020202020204" pitchFamily="34" charset="0"/>
+                        </a:rPr>
+                        <a:t>0.284</a:t>
+                      </a:r>
+                      <a:endParaRPr kumimoji="1" lang="ja-JP" altLang="en-US" sz="1050" dirty="0">
+                        <a:latin typeface="Arial" panose="020B0604020202020204" pitchFamily="34" charset="0"/>
+                        <a:cs typeface="Arial" panose="020B0604020202020204" pitchFamily="34" charset="0"/>
+                      </a:endParaRPr>
+                    </a:p>
+                  </a:txBody>
+                  <a:tcPr anchor="ctr"/>
+                </a:tc>
+                <a:extLst>
+                  <a:ext uri="{0D108BD9-81ED-4DB2-BD59-A6C34878D82A}">
+                    <a16:rowId xmlns:a16="http://schemas.microsoft.com/office/drawing/2014/main" val="1301422038"/>
+                  </a:ext>
+                </a:extLst>
+              </a:tr>
+              <a:tr h="245140">
+                <a:tc vMerge="1">
+                  <a:txBody>
+                    <a:bodyPr/>
+                    <a:lstStyle/>
+                    <a:p>
+                      <a:endParaRPr kumimoji="1" lang="ja-JP" altLang="en-US" dirty="0"/>
+                    </a:p>
+                  </a:txBody>
+                  <a:tcPr/>
+                </a:tc>
+                <a:tc vMerge="1">
+                  <a:txBody>
+                    <a:bodyPr/>
+                    <a:lstStyle/>
+                    <a:p>
+                      <a:endParaRPr kumimoji="1" lang="ja-JP" altLang="en-US" dirty="0"/>
+                    </a:p>
+                  </a:txBody>
+                  <a:tcPr/>
+                </a:tc>
+                <a:tc>
+                  <a:txBody>
+                    <a:bodyPr/>
+                    <a:lstStyle/>
+                    <a:p>
+                      <a:pPr algn="ctr"/>
+                      <a:r>
+                        <a:rPr kumimoji="1" lang="en-US" altLang="ja-JP" sz="1050" dirty="0">
+                          <a:latin typeface="Arial" panose="020B0604020202020204" pitchFamily="34" charset="0"/>
+                          <a:cs typeface="Arial" panose="020B0604020202020204" pitchFamily="34" charset="0"/>
+                        </a:rPr>
+                        <a:t>Left Shoulder</a:t>
+                      </a:r>
+                      <a:endParaRPr kumimoji="1" lang="ja-JP" altLang="en-US" sz="1050" dirty="0">
+                        <a:latin typeface="Arial" panose="020B0604020202020204" pitchFamily="34" charset="0"/>
+                        <a:cs typeface="Arial" panose="020B0604020202020204" pitchFamily="34" charset="0"/>
+                      </a:endParaRPr>
+                    </a:p>
+                  </a:txBody>
+                  <a:tcPr anchor="ctr">
+                    <a:lnL w="38100" cap="flat" cmpd="sng" algn="ctr">
+                      <a:solidFill>
+                        <a:schemeClr val="bg1"/>
+                      </a:solidFill>
+                      <a:prstDash val="solid"/>
+                      <a:round/>
+                      <a:headEnd type="none" w="med" len="med"/>
+                      <a:tailEnd type="none" w="med" len="med"/>
+                    </a:lnL>
+                  </a:tcPr>
+                </a:tc>
+                <a:tc>
+                  <a:txBody>
+                    <a:bodyPr/>
+                    <a:lstStyle/>
+                    <a:p>
+                      <a:pPr algn="ctr"/>
+                      <a:r>
+                        <a:rPr kumimoji="1" lang="en-US" altLang="ja-JP" sz="1050" dirty="0">
+                          <a:latin typeface="Arial" panose="020B0604020202020204" pitchFamily="34" charset="0"/>
+                          <a:cs typeface="Arial" panose="020B0604020202020204" pitchFamily="34" charset="0"/>
+                        </a:rPr>
+                        <a:t>0.097</a:t>
+                      </a:r>
+                      <a:endParaRPr kumimoji="1" lang="ja-JP" altLang="en-US" sz="1050" dirty="0">
+                        <a:latin typeface="Arial" panose="020B0604020202020204" pitchFamily="34" charset="0"/>
+                        <a:cs typeface="Arial" panose="020B0604020202020204" pitchFamily="34" charset="0"/>
+                      </a:endParaRPr>
+                    </a:p>
+                  </a:txBody>
+                  <a:tcPr anchor="ctr"/>
+                </a:tc>
+                <a:tc>
+                  <a:txBody>
+                    <a:bodyPr/>
+                    <a:lstStyle/>
+                    <a:p>
+                      <a:pPr algn="ctr"/>
+                      <a:r>
+                        <a:rPr kumimoji="1" lang="en-US" altLang="ja-JP" sz="1050" dirty="0">
+                          <a:latin typeface="Arial" panose="020B0604020202020204" pitchFamily="34" charset="0"/>
+                          <a:cs typeface="Arial" panose="020B0604020202020204" pitchFamily="34" charset="0"/>
+                        </a:rPr>
+                        <a:t>0.280</a:t>
+                      </a:r>
+                      <a:endParaRPr kumimoji="1" lang="ja-JP" altLang="en-US" sz="1050" dirty="0">
+                        <a:latin typeface="Arial" panose="020B0604020202020204" pitchFamily="34" charset="0"/>
+                        <a:cs typeface="Arial" panose="020B0604020202020204" pitchFamily="34" charset="0"/>
+                      </a:endParaRPr>
+                    </a:p>
+                  </a:txBody>
+                  <a:tcPr anchor="ctr"/>
+                </a:tc>
+                <a:extLst>
+                  <a:ext uri="{0D108BD9-81ED-4DB2-BD59-A6C34878D82A}">
+                    <a16:rowId xmlns:a16="http://schemas.microsoft.com/office/drawing/2014/main" val="4076026024"/>
+                  </a:ext>
+                </a:extLst>
+              </a:tr>
+              <a:tr h="245140">
+                <a:tc vMerge="1">
+                  <a:txBody>
+                    <a:bodyPr/>
+                    <a:lstStyle/>
+                    <a:p>
+                      <a:endParaRPr kumimoji="1" lang="ja-JP" altLang="en-US" dirty="0"/>
+                    </a:p>
+                  </a:txBody>
+                  <a:tcPr/>
+                </a:tc>
+                <a:tc vMerge="1">
+                  <a:txBody>
+                    <a:bodyPr/>
+                    <a:lstStyle/>
+                    <a:p>
+                      <a:endParaRPr kumimoji="1" lang="ja-JP" altLang="en-US" dirty="0"/>
+                    </a:p>
+                  </a:txBody>
+                  <a:tcPr/>
+                </a:tc>
+                <a:tc>
+                  <a:txBody>
+                    <a:bodyPr/>
+                    <a:lstStyle/>
+                    <a:p>
+                      <a:pPr algn="ctr"/>
+                      <a:r>
+                        <a:rPr kumimoji="1" lang="en-US" altLang="ja-JP" sz="1050" dirty="0">
+                          <a:latin typeface="Arial" panose="020B0604020202020204" pitchFamily="34" charset="0"/>
+                          <a:cs typeface="Arial" panose="020B0604020202020204" pitchFamily="34" charset="0"/>
+                        </a:rPr>
+                        <a:t>Left Elbow</a:t>
+                      </a:r>
+                      <a:endParaRPr kumimoji="1" lang="ja-JP" altLang="en-US" sz="1050" dirty="0">
+                        <a:latin typeface="Arial" panose="020B0604020202020204" pitchFamily="34" charset="0"/>
+                        <a:cs typeface="Arial" panose="020B0604020202020204" pitchFamily="34" charset="0"/>
+                      </a:endParaRPr>
+                    </a:p>
+                  </a:txBody>
+                  <a:tcPr anchor="ctr">
+                    <a:lnL w="38100" cap="flat" cmpd="sng" algn="ctr">
+                      <a:solidFill>
+                        <a:schemeClr val="bg1"/>
+                      </a:solidFill>
+                      <a:prstDash val="solid"/>
+                      <a:round/>
+                      <a:headEnd type="none" w="med" len="med"/>
+                      <a:tailEnd type="none" w="med" len="med"/>
+                    </a:lnL>
+                  </a:tcPr>
+                </a:tc>
+                <a:tc>
+                  <a:txBody>
+                    <a:bodyPr/>
+                    <a:lstStyle/>
+                    <a:p>
+                      <a:pPr algn="ctr"/>
+                      <a:r>
+                        <a:rPr kumimoji="1" lang="en-US" altLang="ja-JP" sz="1050" dirty="0">
+                          <a:latin typeface="Arial" panose="020B0604020202020204" pitchFamily="34" charset="0"/>
+                          <a:cs typeface="Arial" panose="020B0604020202020204" pitchFamily="34" charset="0"/>
+                        </a:rPr>
+                        <a:t>0.092</a:t>
+                      </a:r>
+                      <a:endParaRPr kumimoji="1" lang="ja-JP" altLang="en-US" sz="1050" dirty="0">
+                        <a:latin typeface="Arial" panose="020B0604020202020204" pitchFamily="34" charset="0"/>
+                        <a:cs typeface="Arial" panose="020B0604020202020204" pitchFamily="34" charset="0"/>
+                      </a:endParaRPr>
+                    </a:p>
+                  </a:txBody>
+                  <a:tcPr anchor="ctr"/>
+                </a:tc>
+                <a:tc>
+                  <a:txBody>
+                    <a:bodyPr/>
+                    <a:lstStyle/>
+                    <a:p>
+                      <a:pPr algn="ctr"/>
+                      <a:r>
+                        <a:rPr kumimoji="1" lang="en-US" altLang="ja-JP" sz="1050" dirty="0">
+                          <a:latin typeface="Arial" panose="020B0604020202020204" pitchFamily="34" charset="0"/>
+                          <a:cs typeface="Arial" panose="020B0604020202020204" pitchFamily="34" charset="0"/>
+                        </a:rPr>
+                        <a:t>0.282</a:t>
+                      </a:r>
+                      <a:endParaRPr kumimoji="1" lang="ja-JP" altLang="en-US" sz="1050" dirty="0">
+                        <a:latin typeface="Arial" panose="020B0604020202020204" pitchFamily="34" charset="0"/>
+                        <a:cs typeface="Arial" panose="020B0604020202020204" pitchFamily="34" charset="0"/>
+                      </a:endParaRPr>
+                    </a:p>
+                  </a:txBody>
+                  <a:tcPr anchor="ctr"/>
+                </a:tc>
+                <a:extLst>
+                  <a:ext uri="{0D108BD9-81ED-4DB2-BD59-A6C34878D82A}">
+                    <a16:rowId xmlns:a16="http://schemas.microsoft.com/office/drawing/2014/main" val="1915396985"/>
+                  </a:ext>
+                </a:extLst>
+              </a:tr>
+              <a:tr h="245140">
+                <a:tc vMerge="1">
+                  <a:txBody>
+                    <a:bodyPr/>
+                    <a:lstStyle/>
+                    <a:p>
+                      <a:endParaRPr kumimoji="1" lang="ja-JP" altLang="en-US" dirty="0"/>
+                    </a:p>
+                  </a:txBody>
+                  <a:tcPr/>
+                </a:tc>
+                <a:tc vMerge="1">
+                  <a:txBody>
+                    <a:bodyPr/>
+                    <a:lstStyle/>
+                    <a:p>
+                      <a:endParaRPr kumimoji="1" lang="ja-JP" altLang="en-US" dirty="0"/>
+                    </a:p>
+                  </a:txBody>
+                  <a:tcPr/>
+                </a:tc>
+                <a:tc>
+                  <a:txBody>
+                    <a:bodyPr/>
+                    <a:lstStyle/>
+                    <a:p>
+                      <a:pPr algn="ctr"/>
+                      <a:r>
+                        <a:rPr kumimoji="1" lang="en-US" altLang="ja-JP" sz="1050" dirty="0">
+                          <a:latin typeface="Arial" panose="020B0604020202020204" pitchFamily="34" charset="0"/>
+                          <a:cs typeface="Arial" panose="020B0604020202020204" pitchFamily="34" charset="0"/>
+                        </a:rPr>
+                        <a:t>Left Wrist</a:t>
+                      </a:r>
+                      <a:endParaRPr kumimoji="1" lang="ja-JP" altLang="en-US" sz="1050" dirty="0">
+                        <a:latin typeface="Arial" panose="020B0604020202020204" pitchFamily="34" charset="0"/>
+                        <a:cs typeface="Arial" panose="020B0604020202020204" pitchFamily="34" charset="0"/>
+                      </a:endParaRPr>
+                    </a:p>
+                  </a:txBody>
+                  <a:tcPr anchor="ctr">
+                    <a:lnL w="38100" cap="flat" cmpd="sng" algn="ctr">
+                      <a:solidFill>
+                        <a:schemeClr val="bg1"/>
+                      </a:solidFill>
+                      <a:prstDash val="solid"/>
+                      <a:round/>
+                      <a:headEnd type="none" w="med" len="med"/>
+                      <a:tailEnd type="none" w="med" len="med"/>
+                    </a:lnL>
+                    <a:lnB w="38100" cap="flat" cmpd="sng" algn="ctr">
+                      <a:solidFill>
+                        <a:schemeClr val="bg1"/>
+                      </a:solidFill>
+                      <a:prstDash val="solid"/>
+                      <a:round/>
+                      <a:headEnd type="none" w="med" len="med"/>
+                      <a:tailEnd type="none" w="med" len="med"/>
+                    </a:lnB>
+                  </a:tcPr>
+                </a:tc>
+                <a:tc>
+                  <a:txBody>
+                    <a:bodyPr/>
+                    <a:lstStyle/>
+                    <a:p>
+                      <a:pPr algn="ctr"/>
+                      <a:r>
+                        <a:rPr kumimoji="1" lang="en-US" altLang="ja-JP" sz="1050" dirty="0">
+                          <a:latin typeface="Arial" panose="020B0604020202020204" pitchFamily="34" charset="0"/>
+                          <a:cs typeface="Arial" panose="020B0604020202020204" pitchFamily="34" charset="0"/>
+                        </a:rPr>
+                        <a:t>0.134</a:t>
+                      </a:r>
+                      <a:endParaRPr kumimoji="1" lang="ja-JP" altLang="en-US" sz="1050" dirty="0">
+                        <a:latin typeface="Arial" panose="020B0604020202020204" pitchFamily="34" charset="0"/>
+                        <a:cs typeface="Arial" panose="020B0604020202020204" pitchFamily="34" charset="0"/>
+                      </a:endParaRPr>
+                    </a:p>
+                  </a:txBody>
+                  <a:tcPr anchor="ctr">
+                    <a:lnB w="38100" cap="flat" cmpd="sng" algn="ctr">
+                      <a:solidFill>
+                        <a:schemeClr val="bg1"/>
+                      </a:solidFill>
+                      <a:prstDash val="solid"/>
+                      <a:round/>
+                      <a:headEnd type="none" w="med" len="med"/>
+                      <a:tailEnd type="none" w="med" len="med"/>
+                    </a:lnB>
+                  </a:tcPr>
+                </a:tc>
+                <a:tc>
+                  <a:txBody>
+                    <a:bodyPr/>
+                    <a:lstStyle/>
+                    <a:p>
+                      <a:pPr algn="ctr"/>
+                      <a:r>
+                        <a:rPr kumimoji="1" lang="en-US" altLang="ja-JP" sz="1050" dirty="0">
+                          <a:latin typeface="Arial" panose="020B0604020202020204" pitchFamily="34" charset="0"/>
+                          <a:cs typeface="Arial" panose="020B0604020202020204" pitchFamily="34" charset="0"/>
+                        </a:rPr>
+                        <a:t>0.279</a:t>
+                      </a:r>
+                      <a:endParaRPr kumimoji="1" lang="ja-JP" altLang="en-US" sz="1050" dirty="0">
+                        <a:latin typeface="Arial" panose="020B0604020202020204" pitchFamily="34" charset="0"/>
+                        <a:cs typeface="Arial" panose="020B0604020202020204" pitchFamily="34" charset="0"/>
+                      </a:endParaRPr>
+                    </a:p>
+                  </a:txBody>
+                  <a:tcPr anchor="ctr">
+                    <a:lnB w="38100" cap="flat" cmpd="sng" algn="ctr">
+                      <a:solidFill>
+                        <a:schemeClr val="bg1"/>
+                      </a:solidFill>
+                      <a:prstDash val="solid"/>
+                      <a:round/>
+                      <a:headEnd type="none" w="med" len="med"/>
+                      <a:tailEnd type="none" w="med" len="med"/>
+                    </a:lnB>
+                  </a:tcPr>
+                </a:tc>
+                <a:extLst>
+                  <a:ext uri="{0D108BD9-81ED-4DB2-BD59-A6C34878D82A}">
+                    <a16:rowId xmlns:a16="http://schemas.microsoft.com/office/drawing/2014/main" val="499591713"/>
+                  </a:ext>
+                </a:extLst>
+              </a:tr>
+              <a:tr h="245140">
+                <a:tc rowSpan="6">
+                  <a:txBody>
+                    <a:bodyPr/>
+                    <a:lstStyle/>
+                    <a:p>
+                      <a:pPr algn="ctr"/>
+                      <a:r>
+                        <a:rPr kumimoji="1" lang="en-US" altLang="ja-JP" sz="1050" dirty="0">
+                          <a:latin typeface="Arial" panose="020B0604020202020204" pitchFamily="34" charset="0"/>
+                          <a:cs typeface="Arial" panose="020B0604020202020204" pitchFamily="34" charset="0"/>
+                        </a:rPr>
+                        <a:t>Subject 2, 3</a:t>
+                      </a:r>
+                      <a:endParaRPr kumimoji="1" lang="ja-JP" altLang="en-US" sz="1050" dirty="0">
+                        <a:latin typeface="Arial" panose="020B0604020202020204" pitchFamily="34" charset="0"/>
+                        <a:cs typeface="Arial" panose="020B0604020202020204" pitchFamily="34" charset="0"/>
+                      </a:endParaRPr>
+                    </a:p>
+                  </a:txBody>
+                  <a:tcPr anchor="ctr">
+                    <a:lnT w="38100" cap="flat" cmpd="sng" algn="ctr">
+                      <a:solidFill>
+                        <a:schemeClr val="bg1"/>
+                      </a:solidFill>
+                      <a:prstDash val="solid"/>
+                      <a:round/>
+                      <a:headEnd type="none" w="med" len="med"/>
+                      <a:tailEnd type="none" w="med" len="med"/>
+                    </a:lnT>
+                  </a:tcPr>
+                </a:tc>
+                <a:tc rowSpan="6">
+                  <a:txBody>
+                    <a:bodyPr/>
+                    <a:lstStyle/>
+                    <a:p>
+                      <a:pPr algn="ctr"/>
+                      <a:r>
+                        <a:rPr kumimoji="1" lang="en-US" altLang="ja-JP" sz="1050" dirty="0">
+                          <a:latin typeface="Arial" panose="020B0604020202020204" pitchFamily="34" charset="0"/>
+                          <a:cs typeface="Arial" panose="020B0604020202020204" pitchFamily="34" charset="0"/>
+                        </a:rPr>
+                        <a:t>Subject 1</a:t>
+                      </a:r>
+                      <a:endParaRPr kumimoji="1" lang="ja-JP" altLang="en-US" sz="1050" dirty="0">
+                        <a:latin typeface="Arial" panose="020B0604020202020204" pitchFamily="34" charset="0"/>
+                        <a:cs typeface="Arial" panose="020B0604020202020204" pitchFamily="34" charset="0"/>
+                      </a:endParaRPr>
+                    </a:p>
+                  </a:txBody>
+                  <a:tcPr anchor="ctr">
+                    <a:lnR w="38100" cap="flat" cmpd="sng" algn="ctr">
+                      <a:solidFill>
+                        <a:schemeClr val="bg1"/>
+                      </a:solidFill>
+                      <a:prstDash val="solid"/>
+                      <a:round/>
+                      <a:headEnd type="none" w="med" len="med"/>
+                      <a:tailEnd type="none" w="med" len="med"/>
+                    </a:lnR>
+                    <a:lnT w="38100" cap="flat" cmpd="sng" algn="ctr">
+                      <a:solidFill>
+                        <a:schemeClr val="bg1"/>
+                      </a:solidFill>
+                      <a:prstDash val="solid"/>
+                      <a:round/>
+                      <a:headEnd type="none" w="med" len="med"/>
+                      <a:tailEnd type="none" w="med" len="med"/>
+                    </a:lnT>
+                  </a:tcPr>
+                </a:tc>
+                <a:tc>
+                  <a:txBody>
+                    <a:bodyPr/>
+                    <a:lstStyle/>
+                    <a:p>
+                      <a:pPr algn="ctr"/>
+                      <a:r>
+                        <a:rPr kumimoji="1" lang="en-US" altLang="ja-JP" sz="1050" dirty="0">
+                          <a:latin typeface="Arial" panose="020B0604020202020204" pitchFamily="34" charset="0"/>
+                          <a:cs typeface="Arial" panose="020B0604020202020204" pitchFamily="34" charset="0"/>
+                        </a:rPr>
+                        <a:t>Right Shoulder</a:t>
+                      </a:r>
+                    </a:p>
+                  </a:txBody>
+                  <a:tcPr anchor="ctr">
+                    <a:lnL w="38100" cap="flat" cmpd="sng" algn="ctr">
+                      <a:solidFill>
+                        <a:schemeClr val="bg1"/>
+                      </a:solidFill>
+                      <a:prstDash val="solid"/>
+                      <a:round/>
+                      <a:headEnd type="none" w="med" len="med"/>
+                      <a:tailEnd type="none" w="med" len="med"/>
+                    </a:lnL>
+                    <a:lnT w="38100" cap="flat" cmpd="sng" algn="ctr">
+                      <a:solidFill>
+                        <a:schemeClr val="bg1"/>
+                      </a:solidFill>
+                      <a:prstDash val="solid"/>
+                      <a:round/>
+                      <a:headEnd type="none" w="med" len="med"/>
+                      <a:tailEnd type="none" w="med" len="med"/>
+                    </a:lnT>
+                  </a:tcPr>
+                </a:tc>
+                <a:tc>
+                  <a:txBody>
+                    <a:bodyPr/>
+                    <a:lstStyle/>
+                    <a:p>
+                      <a:pPr algn="ctr"/>
+                      <a:r>
+                        <a:rPr kumimoji="1" lang="en-US" altLang="ja-JP" sz="1050" dirty="0">
+                          <a:latin typeface="Arial" panose="020B0604020202020204" pitchFamily="34" charset="0"/>
+                          <a:cs typeface="Arial" panose="020B0604020202020204" pitchFamily="34" charset="0"/>
+                        </a:rPr>
+                        <a:t>0.142</a:t>
+                      </a:r>
+                      <a:endParaRPr kumimoji="1" lang="ja-JP" altLang="en-US" sz="1050" dirty="0">
+                        <a:latin typeface="Arial" panose="020B0604020202020204" pitchFamily="34" charset="0"/>
+                        <a:cs typeface="Arial" panose="020B0604020202020204" pitchFamily="34" charset="0"/>
+                      </a:endParaRPr>
+                    </a:p>
+                  </a:txBody>
+                  <a:tcPr anchor="ctr">
+                    <a:lnT w="38100" cap="flat" cmpd="sng" algn="ctr">
+                      <a:solidFill>
+                        <a:schemeClr val="bg1"/>
+                      </a:solidFill>
+                      <a:prstDash val="solid"/>
+                      <a:round/>
+                      <a:headEnd type="none" w="med" len="med"/>
+                      <a:tailEnd type="none" w="med" len="med"/>
+                    </a:lnT>
+                  </a:tcPr>
+                </a:tc>
+                <a:tc>
+                  <a:txBody>
+                    <a:bodyPr/>
+                    <a:lstStyle/>
+                    <a:p>
+                      <a:pPr algn="ctr"/>
+                      <a:r>
+                        <a:rPr kumimoji="1" lang="en-US" altLang="ja-JP" sz="1050" dirty="0">
+                          <a:latin typeface="Arial" panose="020B0604020202020204" pitchFamily="34" charset="0"/>
+                          <a:cs typeface="Arial" panose="020B0604020202020204" pitchFamily="34" charset="0"/>
+                        </a:rPr>
+                        <a:t>0.236</a:t>
+                      </a:r>
+                      <a:endParaRPr kumimoji="1" lang="ja-JP" altLang="en-US" sz="1050" dirty="0">
+                        <a:latin typeface="Arial" panose="020B0604020202020204" pitchFamily="34" charset="0"/>
+                        <a:cs typeface="Arial" panose="020B0604020202020204" pitchFamily="34" charset="0"/>
+                      </a:endParaRPr>
+                    </a:p>
+                  </a:txBody>
+                  <a:tcPr anchor="ctr">
+                    <a:lnT w="38100" cap="flat" cmpd="sng" algn="ctr">
+                      <a:solidFill>
+                        <a:schemeClr val="bg1"/>
+                      </a:solidFill>
+                      <a:prstDash val="solid"/>
+                      <a:round/>
+                      <a:headEnd type="none" w="med" len="med"/>
+                      <a:tailEnd type="none" w="med" len="med"/>
+                    </a:lnT>
+                  </a:tcPr>
+                </a:tc>
+                <a:extLst>
+                  <a:ext uri="{0D108BD9-81ED-4DB2-BD59-A6C34878D82A}">
+                    <a16:rowId xmlns:a16="http://schemas.microsoft.com/office/drawing/2014/main" val="2110084298"/>
+                  </a:ext>
+                </a:extLst>
+              </a:tr>
+              <a:tr h="245140">
+                <a:tc vMerge="1">
+                  <a:txBody>
+                    <a:bodyPr/>
+                    <a:lstStyle/>
+                    <a:p>
+                      <a:endParaRPr kumimoji="1" lang="ja-JP" altLang="en-US" dirty="0"/>
+                    </a:p>
+                  </a:txBody>
+                  <a:tcPr/>
+                </a:tc>
+                <a:tc vMerge="1">
+                  <a:txBody>
+                    <a:bodyPr/>
+                    <a:lstStyle/>
+                    <a:p>
+                      <a:endParaRPr kumimoji="1" lang="ja-JP" altLang="en-US" dirty="0"/>
+                    </a:p>
+                  </a:txBody>
+                  <a:tcPr/>
+                </a:tc>
+                <a:tc>
+                  <a:txBody>
+                    <a:bodyPr/>
+                    <a:lstStyle/>
+                    <a:p>
+                      <a:pPr algn="ctr"/>
+                      <a:r>
+                        <a:rPr kumimoji="1" lang="en-US" altLang="ja-JP" sz="1050" dirty="0">
+                          <a:latin typeface="Arial" panose="020B0604020202020204" pitchFamily="34" charset="0"/>
+                          <a:cs typeface="Arial" panose="020B0604020202020204" pitchFamily="34" charset="0"/>
+                        </a:rPr>
+                        <a:t>Right Elbow</a:t>
+                      </a:r>
+                      <a:endParaRPr kumimoji="1" lang="ja-JP" altLang="en-US" sz="1050" dirty="0">
+                        <a:latin typeface="Arial" panose="020B0604020202020204" pitchFamily="34" charset="0"/>
+                        <a:cs typeface="Arial" panose="020B0604020202020204" pitchFamily="34" charset="0"/>
+                      </a:endParaRPr>
+                    </a:p>
+                  </a:txBody>
+                  <a:tcPr anchor="ctr">
+                    <a:lnL w="38100" cap="flat" cmpd="sng" algn="ctr">
+                      <a:solidFill>
+                        <a:schemeClr val="bg1"/>
+                      </a:solidFill>
+                      <a:prstDash val="solid"/>
+                      <a:round/>
+                      <a:headEnd type="none" w="med" len="med"/>
+                      <a:tailEnd type="none" w="med" len="med"/>
+                    </a:lnL>
+                  </a:tcPr>
+                </a:tc>
+                <a:tc>
+                  <a:txBody>
+                    <a:bodyPr/>
+                    <a:lstStyle/>
+                    <a:p>
+                      <a:pPr algn="ctr"/>
+                      <a:r>
+                        <a:rPr kumimoji="1" lang="en-US" altLang="ja-JP" sz="1050" dirty="0">
+                          <a:latin typeface="Arial" panose="020B0604020202020204" pitchFamily="34" charset="0"/>
+                          <a:cs typeface="Arial" panose="020B0604020202020204" pitchFamily="34" charset="0"/>
+                        </a:rPr>
+                        <a:t>0.130</a:t>
+                      </a:r>
+                      <a:endParaRPr kumimoji="1" lang="ja-JP" altLang="en-US" sz="1050" dirty="0">
+                        <a:latin typeface="Arial" panose="020B0604020202020204" pitchFamily="34" charset="0"/>
+                        <a:cs typeface="Arial" panose="020B0604020202020204" pitchFamily="34" charset="0"/>
+                      </a:endParaRPr>
+                    </a:p>
+                  </a:txBody>
+                  <a:tcPr anchor="ctr"/>
+                </a:tc>
+                <a:tc>
+                  <a:txBody>
+                    <a:bodyPr/>
+                    <a:lstStyle/>
+                    <a:p>
+                      <a:pPr algn="ctr"/>
+                      <a:r>
+                        <a:rPr kumimoji="1" lang="en-US" altLang="ja-JP" sz="1050" dirty="0">
+                          <a:latin typeface="Arial" panose="020B0604020202020204" pitchFamily="34" charset="0"/>
+                          <a:cs typeface="Arial" panose="020B0604020202020204" pitchFamily="34" charset="0"/>
+                        </a:rPr>
+                        <a:t>0.276</a:t>
+                      </a:r>
+                      <a:endParaRPr kumimoji="1" lang="ja-JP" altLang="en-US" sz="1050" dirty="0">
+                        <a:latin typeface="Arial" panose="020B0604020202020204" pitchFamily="34" charset="0"/>
+                        <a:cs typeface="Arial" panose="020B0604020202020204" pitchFamily="34" charset="0"/>
+                      </a:endParaRPr>
+                    </a:p>
+                  </a:txBody>
+                  <a:tcPr anchor="ctr"/>
+                </a:tc>
+                <a:extLst>
+                  <a:ext uri="{0D108BD9-81ED-4DB2-BD59-A6C34878D82A}">
+                    <a16:rowId xmlns:a16="http://schemas.microsoft.com/office/drawing/2014/main" val="4237896831"/>
+                  </a:ext>
+                </a:extLst>
+              </a:tr>
+              <a:tr h="245140">
+                <a:tc vMerge="1">
+                  <a:txBody>
+                    <a:bodyPr/>
+                    <a:lstStyle/>
+                    <a:p>
+                      <a:endParaRPr kumimoji="1" lang="ja-JP" altLang="en-US" dirty="0"/>
+                    </a:p>
+                  </a:txBody>
+                  <a:tcPr/>
+                </a:tc>
+                <a:tc vMerge="1">
+                  <a:txBody>
+                    <a:bodyPr/>
+                    <a:lstStyle/>
+                    <a:p>
+                      <a:endParaRPr kumimoji="1" lang="ja-JP" altLang="en-US" dirty="0"/>
+                    </a:p>
+                  </a:txBody>
+                  <a:tcPr/>
+                </a:tc>
+                <a:tc>
+                  <a:txBody>
+                    <a:bodyPr/>
+                    <a:lstStyle/>
+                    <a:p>
+                      <a:pPr algn="ctr"/>
+                      <a:r>
+                        <a:rPr kumimoji="1" lang="en-US" altLang="ja-JP" sz="1050" dirty="0">
+                          <a:latin typeface="Arial" panose="020B0604020202020204" pitchFamily="34" charset="0"/>
+                          <a:cs typeface="Arial" panose="020B0604020202020204" pitchFamily="34" charset="0"/>
+                        </a:rPr>
+                        <a:t>Right Wrist</a:t>
+                      </a:r>
+                      <a:endParaRPr kumimoji="1" lang="ja-JP" altLang="en-US" sz="1050" dirty="0">
+                        <a:latin typeface="Arial" panose="020B0604020202020204" pitchFamily="34" charset="0"/>
+                        <a:cs typeface="Arial" panose="020B0604020202020204" pitchFamily="34" charset="0"/>
+                      </a:endParaRPr>
+                    </a:p>
+                  </a:txBody>
+                  <a:tcPr anchor="ctr">
+                    <a:lnL w="38100" cap="flat" cmpd="sng" algn="ctr">
+                      <a:solidFill>
+                        <a:schemeClr val="bg1"/>
+                      </a:solidFill>
+                      <a:prstDash val="solid"/>
+                      <a:round/>
+                      <a:headEnd type="none" w="med" len="med"/>
+                      <a:tailEnd type="none" w="med" len="med"/>
+                    </a:lnL>
+                  </a:tcPr>
+                </a:tc>
+                <a:tc>
+                  <a:txBody>
+                    <a:bodyPr/>
+                    <a:lstStyle/>
+                    <a:p>
+                      <a:pPr algn="ctr"/>
+                      <a:r>
+                        <a:rPr kumimoji="1" lang="en-US" altLang="ja-JP" sz="1050" dirty="0">
+                          <a:latin typeface="Arial" panose="020B0604020202020204" pitchFamily="34" charset="0"/>
+                          <a:cs typeface="Arial" panose="020B0604020202020204" pitchFamily="34" charset="0"/>
+                        </a:rPr>
+                        <a:t>0.115</a:t>
+                      </a:r>
+                      <a:endParaRPr kumimoji="1" lang="ja-JP" altLang="en-US" sz="1050" dirty="0">
+                        <a:latin typeface="Arial" panose="020B0604020202020204" pitchFamily="34" charset="0"/>
+                        <a:cs typeface="Arial" panose="020B0604020202020204" pitchFamily="34" charset="0"/>
+                      </a:endParaRPr>
+                    </a:p>
+                  </a:txBody>
+                  <a:tcPr anchor="ctr"/>
+                </a:tc>
+                <a:tc>
+                  <a:txBody>
+                    <a:bodyPr/>
+                    <a:lstStyle/>
+                    <a:p>
+                      <a:pPr algn="ctr"/>
+                      <a:r>
+                        <a:rPr kumimoji="1" lang="en-US" altLang="ja-JP" sz="1050" dirty="0">
+                          <a:latin typeface="Arial" panose="020B0604020202020204" pitchFamily="34" charset="0"/>
+                          <a:cs typeface="Arial" panose="020B0604020202020204" pitchFamily="34" charset="0"/>
+                        </a:rPr>
+                        <a:t>0.282</a:t>
+                      </a:r>
+                      <a:endParaRPr kumimoji="1" lang="ja-JP" altLang="en-US" sz="1050" dirty="0">
+                        <a:latin typeface="Arial" panose="020B0604020202020204" pitchFamily="34" charset="0"/>
+                        <a:cs typeface="Arial" panose="020B0604020202020204" pitchFamily="34" charset="0"/>
+                      </a:endParaRPr>
+                    </a:p>
+                  </a:txBody>
+                  <a:tcPr anchor="ctr"/>
+                </a:tc>
+                <a:extLst>
+                  <a:ext uri="{0D108BD9-81ED-4DB2-BD59-A6C34878D82A}">
+                    <a16:rowId xmlns:a16="http://schemas.microsoft.com/office/drawing/2014/main" val="1187896587"/>
+                  </a:ext>
+                </a:extLst>
+              </a:tr>
+              <a:tr h="245140">
+                <a:tc vMerge="1">
+                  <a:txBody>
+                    <a:bodyPr/>
+                    <a:lstStyle/>
+                    <a:p>
+                      <a:endParaRPr kumimoji="1" lang="ja-JP" altLang="en-US" dirty="0"/>
+                    </a:p>
+                  </a:txBody>
+                  <a:tcPr/>
+                </a:tc>
+                <a:tc vMerge="1">
+                  <a:txBody>
+                    <a:bodyPr/>
+                    <a:lstStyle/>
+                    <a:p>
+                      <a:endParaRPr kumimoji="1" lang="ja-JP" altLang="en-US" dirty="0"/>
+                    </a:p>
+                  </a:txBody>
+                  <a:tcPr/>
+                </a:tc>
+                <a:tc>
+                  <a:txBody>
+                    <a:bodyPr/>
+                    <a:lstStyle/>
+                    <a:p>
+                      <a:pPr algn="ctr"/>
+                      <a:r>
+                        <a:rPr kumimoji="1" lang="en-US" altLang="ja-JP" sz="1050" dirty="0">
+                          <a:latin typeface="Arial" panose="020B0604020202020204" pitchFamily="34" charset="0"/>
+                          <a:cs typeface="Arial" panose="020B0604020202020204" pitchFamily="34" charset="0"/>
+                        </a:rPr>
+                        <a:t>Left Shoulder</a:t>
+                      </a:r>
+                      <a:endParaRPr kumimoji="1" lang="ja-JP" altLang="en-US" sz="1050" dirty="0">
+                        <a:latin typeface="Arial" panose="020B0604020202020204" pitchFamily="34" charset="0"/>
+                        <a:cs typeface="Arial" panose="020B0604020202020204" pitchFamily="34" charset="0"/>
+                      </a:endParaRPr>
+                    </a:p>
+                  </a:txBody>
+                  <a:tcPr anchor="ctr">
+                    <a:lnL w="38100" cap="flat" cmpd="sng" algn="ctr">
+                      <a:solidFill>
+                        <a:schemeClr val="bg1"/>
+                      </a:solidFill>
+                      <a:prstDash val="solid"/>
+                      <a:round/>
+                      <a:headEnd type="none" w="med" len="med"/>
+                      <a:tailEnd type="none" w="med" len="med"/>
+                    </a:lnL>
+                  </a:tcPr>
+                </a:tc>
+                <a:tc>
+                  <a:txBody>
+                    <a:bodyPr/>
+                    <a:lstStyle/>
+                    <a:p>
+                      <a:pPr algn="ctr"/>
+                      <a:r>
+                        <a:rPr kumimoji="1" lang="en-US" altLang="ja-JP" sz="1050" dirty="0">
+                          <a:latin typeface="Arial" panose="020B0604020202020204" pitchFamily="34" charset="0"/>
+                          <a:cs typeface="Arial" panose="020B0604020202020204" pitchFamily="34" charset="0"/>
+                        </a:rPr>
+                        <a:t>0.110</a:t>
+                      </a:r>
+                      <a:endParaRPr kumimoji="1" lang="ja-JP" altLang="en-US" sz="1050" dirty="0">
+                        <a:latin typeface="Arial" panose="020B0604020202020204" pitchFamily="34" charset="0"/>
+                        <a:cs typeface="Arial" panose="020B0604020202020204" pitchFamily="34" charset="0"/>
+                      </a:endParaRPr>
+                    </a:p>
+                  </a:txBody>
+                  <a:tcPr anchor="ctr"/>
+                </a:tc>
+                <a:tc>
+                  <a:txBody>
+                    <a:bodyPr/>
+                    <a:lstStyle/>
+                    <a:p>
+                      <a:pPr algn="ctr"/>
+                      <a:r>
+                        <a:rPr kumimoji="1" lang="en-US" altLang="ja-JP" sz="1050" dirty="0">
+                          <a:latin typeface="Arial" panose="020B0604020202020204" pitchFamily="34" charset="0"/>
+                          <a:cs typeface="Arial" panose="020B0604020202020204" pitchFamily="34" charset="0"/>
+                        </a:rPr>
+                        <a:t>0.278</a:t>
+                      </a:r>
+                      <a:endParaRPr kumimoji="1" lang="ja-JP" altLang="en-US" sz="1050" dirty="0">
+                        <a:latin typeface="Arial" panose="020B0604020202020204" pitchFamily="34" charset="0"/>
+                        <a:cs typeface="Arial" panose="020B0604020202020204" pitchFamily="34" charset="0"/>
+                      </a:endParaRPr>
+                    </a:p>
+                  </a:txBody>
+                  <a:tcPr anchor="ctr"/>
+                </a:tc>
+                <a:extLst>
+                  <a:ext uri="{0D108BD9-81ED-4DB2-BD59-A6C34878D82A}">
+                    <a16:rowId xmlns:a16="http://schemas.microsoft.com/office/drawing/2014/main" val="1777735505"/>
+                  </a:ext>
+                </a:extLst>
+              </a:tr>
+              <a:tr h="245140">
+                <a:tc vMerge="1">
+                  <a:txBody>
+                    <a:bodyPr/>
+                    <a:lstStyle/>
+                    <a:p>
+                      <a:endParaRPr kumimoji="1" lang="ja-JP" altLang="en-US" dirty="0"/>
+                    </a:p>
+                  </a:txBody>
+                  <a:tcPr/>
+                </a:tc>
+                <a:tc vMerge="1">
+                  <a:txBody>
+                    <a:bodyPr/>
+                    <a:lstStyle/>
+                    <a:p>
+                      <a:endParaRPr kumimoji="1" lang="ja-JP" altLang="en-US" dirty="0"/>
+                    </a:p>
+                  </a:txBody>
+                  <a:tcPr/>
+                </a:tc>
+                <a:tc>
+                  <a:txBody>
+                    <a:bodyPr/>
+                    <a:lstStyle/>
+                    <a:p>
+                      <a:pPr algn="ctr"/>
+                      <a:r>
+                        <a:rPr kumimoji="1" lang="en-US" altLang="ja-JP" sz="1050" dirty="0">
+                          <a:latin typeface="Arial" panose="020B0604020202020204" pitchFamily="34" charset="0"/>
+                          <a:cs typeface="Arial" panose="020B0604020202020204" pitchFamily="34" charset="0"/>
+                        </a:rPr>
+                        <a:t>Left Elbow</a:t>
+                      </a:r>
+                      <a:endParaRPr kumimoji="1" lang="ja-JP" altLang="en-US" sz="1050" dirty="0">
+                        <a:latin typeface="Arial" panose="020B0604020202020204" pitchFamily="34" charset="0"/>
+                        <a:cs typeface="Arial" panose="020B0604020202020204" pitchFamily="34" charset="0"/>
+                      </a:endParaRPr>
+                    </a:p>
+                  </a:txBody>
+                  <a:tcPr anchor="ctr">
+                    <a:lnL w="38100" cap="flat" cmpd="sng" algn="ctr">
+                      <a:solidFill>
+                        <a:schemeClr val="bg1"/>
+                      </a:solidFill>
+                      <a:prstDash val="solid"/>
+                      <a:round/>
+                      <a:headEnd type="none" w="med" len="med"/>
+                      <a:tailEnd type="none" w="med" len="med"/>
+                    </a:lnL>
+                  </a:tcPr>
+                </a:tc>
+                <a:tc>
+                  <a:txBody>
+                    <a:bodyPr/>
+                    <a:lstStyle/>
+                    <a:p>
+                      <a:pPr algn="ctr"/>
+                      <a:r>
+                        <a:rPr kumimoji="1" lang="en-US" altLang="ja-JP" sz="1050" dirty="0">
+                          <a:latin typeface="Arial" panose="020B0604020202020204" pitchFamily="34" charset="0"/>
+                          <a:cs typeface="Arial" panose="020B0604020202020204" pitchFamily="34" charset="0"/>
+                        </a:rPr>
+                        <a:t>0.127</a:t>
+                      </a:r>
+                      <a:endParaRPr kumimoji="1" lang="ja-JP" altLang="en-US" sz="1050" dirty="0">
+                        <a:latin typeface="Arial" panose="020B0604020202020204" pitchFamily="34" charset="0"/>
+                        <a:cs typeface="Arial" panose="020B0604020202020204" pitchFamily="34" charset="0"/>
+                      </a:endParaRPr>
+                    </a:p>
+                  </a:txBody>
+                  <a:tcPr anchor="ctr"/>
+                </a:tc>
+                <a:tc>
+                  <a:txBody>
+                    <a:bodyPr/>
+                    <a:lstStyle/>
+                    <a:p>
+                      <a:pPr algn="ctr"/>
+                      <a:r>
+                        <a:rPr kumimoji="1" lang="en-US" altLang="ja-JP" sz="1050" dirty="0">
+                          <a:latin typeface="Arial" panose="020B0604020202020204" pitchFamily="34" charset="0"/>
+                          <a:cs typeface="Arial" panose="020B0604020202020204" pitchFamily="34" charset="0"/>
+                        </a:rPr>
+                        <a:t>0.267</a:t>
+                      </a:r>
+                      <a:endParaRPr kumimoji="1" lang="ja-JP" altLang="en-US" sz="1050" dirty="0">
+                        <a:latin typeface="Arial" panose="020B0604020202020204" pitchFamily="34" charset="0"/>
+                        <a:cs typeface="Arial" panose="020B0604020202020204" pitchFamily="34" charset="0"/>
+                      </a:endParaRPr>
+                    </a:p>
+                  </a:txBody>
+                  <a:tcPr anchor="ctr"/>
+                </a:tc>
+                <a:extLst>
+                  <a:ext uri="{0D108BD9-81ED-4DB2-BD59-A6C34878D82A}">
+                    <a16:rowId xmlns:a16="http://schemas.microsoft.com/office/drawing/2014/main" val="2686313143"/>
+                  </a:ext>
+                </a:extLst>
+              </a:tr>
+              <a:tr h="245140">
+                <a:tc vMerge="1">
+                  <a:txBody>
+                    <a:bodyPr/>
+                    <a:lstStyle/>
+                    <a:p>
+                      <a:endParaRPr kumimoji="1" lang="ja-JP" altLang="en-US" dirty="0"/>
+                    </a:p>
+                  </a:txBody>
+                  <a:tcPr/>
+                </a:tc>
+                <a:tc vMerge="1">
+                  <a:txBody>
+                    <a:bodyPr/>
+                    <a:lstStyle/>
+                    <a:p>
+                      <a:endParaRPr kumimoji="1" lang="ja-JP" altLang="en-US" dirty="0"/>
+                    </a:p>
+                  </a:txBody>
+                  <a:tcPr/>
+                </a:tc>
+                <a:tc>
+                  <a:txBody>
+                    <a:bodyPr/>
+                    <a:lstStyle/>
+                    <a:p>
+                      <a:pPr algn="ctr"/>
+                      <a:r>
+                        <a:rPr kumimoji="1" lang="en-US" altLang="ja-JP" sz="1050" dirty="0">
+                          <a:latin typeface="Arial" panose="020B0604020202020204" pitchFamily="34" charset="0"/>
+                          <a:cs typeface="Arial" panose="020B0604020202020204" pitchFamily="34" charset="0"/>
+                        </a:rPr>
+                        <a:t>Left Wrist</a:t>
+                      </a:r>
+                      <a:endParaRPr kumimoji="1" lang="ja-JP" altLang="en-US" sz="1050" dirty="0">
+                        <a:latin typeface="Arial" panose="020B0604020202020204" pitchFamily="34" charset="0"/>
+                        <a:cs typeface="Arial" panose="020B0604020202020204" pitchFamily="34" charset="0"/>
+                      </a:endParaRPr>
+                    </a:p>
+                  </a:txBody>
+                  <a:tcPr anchor="ctr">
+                    <a:lnL w="38100" cap="flat" cmpd="sng" algn="ctr">
+                      <a:solidFill>
+                        <a:schemeClr val="bg1"/>
+                      </a:solidFill>
+                      <a:prstDash val="solid"/>
+                      <a:round/>
+                      <a:headEnd type="none" w="med" len="med"/>
+                      <a:tailEnd type="none" w="med" len="med"/>
+                    </a:lnL>
+                  </a:tcPr>
+                </a:tc>
+                <a:tc>
+                  <a:txBody>
+                    <a:bodyPr/>
+                    <a:lstStyle/>
+                    <a:p>
+                      <a:pPr algn="ctr"/>
+                      <a:r>
+                        <a:rPr kumimoji="1" lang="en-US" altLang="ja-JP" sz="1050" dirty="0">
+                          <a:latin typeface="Arial" panose="020B0604020202020204" pitchFamily="34" charset="0"/>
+                          <a:cs typeface="Arial" panose="020B0604020202020204" pitchFamily="34" charset="0"/>
+                        </a:rPr>
+                        <a:t>0.110</a:t>
+                      </a:r>
+                      <a:endParaRPr kumimoji="1" lang="ja-JP" altLang="en-US" sz="1050" dirty="0">
+                        <a:latin typeface="Arial" panose="020B0604020202020204" pitchFamily="34" charset="0"/>
+                        <a:cs typeface="Arial" panose="020B0604020202020204" pitchFamily="34" charset="0"/>
+                      </a:endParaRPr>
+                    </a:p>
+                  </a:txBody>
+                  <a:tcPr anchor="ctr"/>
+                </a:tc>
+                <a:tc>
+                  <a:txBody>
+                    <a:bodyPr/>
+                    <a:lstStyle/>
+                    <a:p>
+                      <a:pPr algn="ctr"/>
+                      <a:r>
+                        <a:rPr kumimoji="1" lang="en-US" altLang="ja-JP" sz="1050" dirty="0">
+                          <a:latin typeface="Arial" panose="020B0604020202020204" pitchFamily="34" charset="0"/>
+                          <a:cs typeface="Arial" panose="020B0604020202020204" pitchFamily="34" charset="0"/>
+                        </a:rPr>
+                        <a:t>0.280</a:t>
+                      </a:r>
+                      <a:endParaRPr kumimoji="1" lang="ja-JP" altLang="en-US" sz="1050" dirty="0">
+                        <a:latin typeface="Arial" panose="020B0604020202020204" pitchFamily="34" charset="0"/>
+                        <a:cs typeface="Arial" panose="020B0604020202020204" pitchFamily="34" charset="0"/>
+                      </a:endParaRPr>
+                    </a:p>
+                  </a:txBody>
+                  <a:tcPr anchor="ctr"/>
+                </a:tc>
+                <a:extLst>
+                  <a:ext uri="{0D108BD9-81ED-4DB2-BD59-A6C34878D82A}">
+                    <a16:rowId xmlns:a16="http://schemas.microsoft.com/office/drawing/2014/main" val="1619989722"/>
+                  </a:ext>
+                </a:extLst>
+              </a:tr>
+            </a:tbl>
+          </a:graphicData>
+        </a:graphic>
+      </p:graphicFrame>
+      <p:sp>
+        <p:nvSpPr>
+          <p:cNvPr id="4" name="スライド番号プレースホルダー 3">
+            <a:extLst>
+              <a:ext uri="{FF2B5EF4-FFF2-40B4-BE49-F238E27FC236}">
+                <a16:creationId xmlns:a16="http://schemas.microsoft.com/office/drawing/2014/main" id="{68AB0D92-A66F-40F3-B9B9-FCF5C3CFEEB0}"/>
+              </a:ext>
+            </a:extLst>
+          </p:cNvPr>
+          <p:cNvSpPr>
+            <a:spLocks noGrp="1"/>
+          </p:cNvSpPr>
+          <p:nvPr>
+            <p:ph type="sldNum" sz="quarter" idx="12"/>
+          </p:nvPr>
+        </p:nvSpPr>
+        <p:spPr/>
+        <p:txBody>
+          <a:bodyPr/>
+          <a:lstStyle/>
+          <a:p>
+            <a:fld id="{92084505-5355-43A2-B929-FD06D0DABC31}" type="slidenum">
+              <a:rPr lang="ja-JP" altLang="en-US" smtClean="0"/>
+              <a:pPr/>
+              <a:t>10</a:t>
+            </a:fld>
+            <a:endParaRPr lang="ja-JP" altLang="en-US" dirty="0"/>
+          </a:p>
+        </p:txBody>
+      </p:sp>
+    </p:spTree>
+    <p:extLst>
+      <p:ext uri="{BB962C8B-B14F-4D97-AF65-F5344CB8AC3E}">
+        <p14:creationId xmlns:p14="http://schemas.microsoft.com/office/powerpoint/2010/main" val="79034255"/>
+      </p:ext>
+    </p:extLst>
+  </p:cSld>
+  <p:clrMapOvr>
+    <a:masterClrMapping/>
+  </p:clrMapOvr>
+</p:sld>
+</file>
+
+<file path=ppt/slides/slide11.xml><?xml version="1.0" encoding="utf-8"?>
+<p:sld xmlns:a="http://schemas.openxmlformats.org/drawingml/2006/main" xmlns:r="http://schemas.openxmlformats.org/officeDocument/2006/relationships" xmlns:p="http://schemas.openxmlformats.org/presentationml/2006/main">
+  <p:cSld>
+    <p:spTree>
+      <p:nvGrpSpPr>
+        <p:cNvPr id="1" name=""/>
+        <p:cNvGrpSpPr/>
+        <p:nvPr/>
+      </p:nvGrpSpPr>
+      <p:grpSpPr>
+        <a:xfrm>
+          <a:off x="0" y="0"/>
+          <a:ext cx="0" cy="0"/>
+          <a:chOff x="0" y="0"/>
+          <a:chExt cx="0" cy="0"/>
+        </a:xfrm>
+      </p:grpSpPr>
+      <p:sp>
+        <p:nvSpPr>
+          <p:cNvPr id="2" name="タイトル 1">
+            <a:extLst>
+              <a:ext uri="{FF2B5EF4-FFF2-40B4-BE49-F238E27FC236}">
+                <a16:creationId xmlns:a16="http://schemas.microsoft.com/office/drawing/2014/main" id="{DEA795BB-415C-4895-B66C-805C5AA21FE9}"/>
+              </a:ext>
+            </a:extLst>
+          </p:cNvPr>
+          <p:cNvSpPr>
+            <a:spLocks noGrp="1"/>
+          </p:cNvSpPr>
+          <p:nvPr>
+            <p:ph type="title"/>
+          </p:nvPr>
+        </p:nvSpPr>
+        <p:spPr/>
+        <p:txBody>
+          <a:bodyPr/>
+          <a:lstStyle/>
+          <a:p>
+            <a:r>
+              <a:rPr kumimoji="1" lang="en-US" altLang="ja-JP" dirty="0"/>
+              <a:t>Conclusion</a:t>
+            </a:r>
+            <a:endParaRPr kumimoji="1" lang="ja-JP" altLang="en-US" dirty="0"/>
+          </a:p>
+        </p:txBody>
+      </p:sp>
+      <p:sp>
+        <p:nvSpPr>
+          <p:cNvPr id="3" name="コンテンツ プレースホルダー 2">
+            <a:extLst>
+              <a:ext uri="{FF2B5EF4-FFF2-40B4-BE49-F238E27FC236}">
+                <a16:creationId xmlns:a16="http://schemas.microsoft.com/office/drawing/2014/main" id="{D84C5BB0-50AE-44B3-858E-C12E6CF262A0}"/>
+              </a:ext>
+            </a:extLst>
+          </p:cNvPr>
+          <p:cNvSpPr>
+            <a:spLocks noGrp="1"/>
+          </p:cNvSpPr>
+          <p:nvPr>
+            <p:ph idx="1"/>
+          </p:nvPr>
+        </p:nvSpPr>
+        <p:spPr>
+          <a:xfrm>
+            <a:off x="838199" y="1825625"/>
+            <a:ext cx="10758055" cy="4351338"/>
+          </a:xfrm>
+        </p:spPr>
+        <p:txBody>
+          <a:bodyPr/>
+          <a:lstStyle/>
+          <a:p>
+            <a:r>
+              <a:rPr lang="en-US" altLang="ja-JP" dirty="0"/>
+              <a:t>Our</a:t>
+            </a:r>
+            <a:r>
+              <a:rPr kumimoji="1" lang="en-US" altLang="ja-JP" dirty="0"/>
+              <a:t> method used the autocorrelation function in a preprocessing.</a:t>
+            </a:r>
+          </a:p>
+          <a:p>
+            <a:r>
+              <a:rPr kumimoji="1" lang="en-US" altLang="ja-JP" dirty="0"/>
+              <a:t>The model consisted of Convolution layer and LSTM.</a:t>
+            </a:r>
+          </a:p>
+          <a:p>
+            <a:r>
+              <a:rPr kumimoji="1" lang="en-US" altLang="ja-JP" dirty="0"/>
+              <a:t>The accuracy was approximately 0.12.</a:t>
+            </a:r>
+            <a:endParaRPr kumimoji="1" lang="ja-JP" altLang="en-US" dirty="0"/>
+          </a:p>
+        </p:txBody>
+      </p:sp>
+      <p:sp>
+        <p:nvSpPr>
+          <p:cNvPr id="4" name="スライド番号プレースホルダー 3">
+            <a:extLst>
+              <a:ext uri="{FF2B5EF4-FFF2-40B4-BE49-F238E27FC236}">
+                <a16:creationId xmlns:a16="http://schemas.microsoft.com/office/drawing/2014/main" id="{443855A9-8780-41F8-8573-63617204C917}"/>
+              </a:ext>
+            </a:extLst>
+          </p:cNvPr>
+          <p:cNvSpPr>
+            <a:spLocks noGrp="1"/>
+          </p:cNvSpPr>
+          <p:nvPr>
+            <p:ph type="sldNum" sz="quarter" idx="12"/>
+          </p:nvPr>
+        </p:nvSpPr>
+        <p:spPr/>
+        <p:txBody>
+          <a:bodyPr/>
+          <a:lstStyle/>
+          <a:p>
+            <a:fld id="{92084505-5355-43A2-B929-FD06D0DABC31}" type="slidenum">
+              <a:rPr lang="ja-JP" altLang="en-US" smtClean="0"/>
+              <a:pPr/>
+              <a:t>11</a:t>
+            </a:fld>
+            <a:endParaRPr lang="ja-JP" altLang="en-US" dirty="0"/>
+          </a:p>
+        </p:txBody>
+      </p:sp>
+      <p:graphicFrame>
+        <p:nvGraphicFramePr>
+          <p:cNvPr id="8" name="表 8">
+            <a:extLst>
+              <a:ext uri="{FF2B5EF4-FFF2-40B4-BE49-F238E27FC236}">
+                <a16:creationId xmlns:a16="http://schemas.microsoft.com/office/drawing/2014/main" id="{D2C3DFF1-C8B7-4DFA-B9B4-C10D2B08A6D4}"/>
+              </a:ext>
+            </a:extLst>
+          </p:cNvPr>
+          <p:cNvGraphicFramePr>
+            <a:graphicFrameLocks noGrp="1"/>
+          </p:cNvGraphicFramePr>
+          <p:nvPr>
+            <p:extLst>
+              <p:ext uri="{D42A27DB-BD31-4B8C-83A1-F6EECF244321}">
+                <p14:modId xmlns:p14="http://schemas.microsoft.com/office/powerpoint/2010/main" val="1614085743"/>
+              </p:ext>
+            </p:extLst>
+          </p:nvPr>
+        </p:nvGraphicFramePr>
+        <p:xfrm>
+          <a:off x="1197960" y="4123108"/>
+          <a:ext cx="4230252" cy="1288628"/>
+        </p:xfrm>
+        <a:graphic>
+          <a:graphicData uri="http://schemas.openxmlformats.org/drawingml/2006/table">
+            <a:tbl>
+              <a:tblPr bandRow="1">
+                <a:tableStyleId>{5C22544A-7EE6-4342-B048-85BDC9FD1C3A}</a:tableStyleId>
+              </a:tblPr>
+              <a:tblGrid>
+                <a:gridCol w="2933465">
+                  <a:extLst>
+                    <a:ext uri="{9D8B030D-6E8A-4147-A177-3AD203B41FA5}">
+                      <a16:colId xmlns:a16="http://schemas.microsoft.com/office/drawing/2014/main" val="1022860680"/>
+                    </a:ext>
+                  </a:extLst>
+                </a:gridCol>
+                <a:gridCol w="1296787">
+                  <a:extLst>
+                    <a:ext uri="{9D8B030D-6E8A-4147-A177-3AD203B41FA5}">
+                      <a16:colId xmlns:a16="http://schemas.microsoft.com/office/drawing/2014/main" val="2530445329"/>
+                    </a:ext>
+                  </a:extLst>
+                </a:gridCol>
+              </a:tblGrid>
+              <a:tr h="322157">
+                <a:tc>
+                  <a:txBody>
+                    <a:bodyPr/>
+                    <a:lstStyle/>
+                    <a:p>
+                      <a:r>
+                        <a:rPr kumimoji="1" lang="en-US" altLang="ja-JP" sz="1400" dirty="0">
+                          <a:latin typeface="Arial" panose="020B0604020202020204" pitchFamily="34" charset="0"/>
+                          <a:cs typeface="Arial" panose="020B0604020202020204" pitchFamily="34" charset="0"/>
+                        </a:rPr>
+                        <a:t>CPU memory</a:t>
+                      </a:r>
+                      <a:endParaRPr kumimoji="1" lang="ja-JP" altLang="en-US" sz="1400" dirty="0">
+                        <a:latin typeface="Arial" panose="020B0604020202020204" pitchFamily="34" charset="0"/>
+                        <a:cs typeface="Arial" panose="020B0604020202020204" pitchFamily="34" charset="0"/>
+                      </a:endParaRPr>
+                    </a:p>
+                  </a:txBody>
+                  <a:tcPr/>
+                </a:tc>
+                <a:tc>
+                  <a:txBody>
+                    <a:bodyPr/>
+                    <a:lstStyle/>
+                    <a:p>
+                      <a:r>
+                        <a:rPr kumimoji="1" lang="en-US" altLang="ja-JP" sz="1400" dirty="0">
+                          <a:latin typeface="Arial" panose="020B0604020202020204" pitchFamily="34" charset="0"/>
+                          <a:cs typeface="Arial" panose="020B0604020202020204" pitchFamily="34" charset="0"/>
+                        </a:rPr>
+                        <a:t>3,043MB</a:t>
+                      </a:r>
+                      <a:endParaRPr kumimoji="1" lang="ja-JP" altLang="en-US" sz="1400" dirty="0">
+                        <a:latin typeface="Arial" panose="020B0604020202020204" pitchFamily="34" charset="0"/>
+                        <a:cs typeface="Arial" panose="020B0604020202020204" pitchFamily="34" charset="0"/>
+                      </a:endParaRPr>
+                    </a:p>
+                  </a:txBody>
+                  <a:tcPr/>
+                </a:tc>
+                <a:extLst>
+                  <a:ext uri="{0D108BD9-81ED-4DB2-BD59-A6C34878D82A}">
+                    <a16:rowId xmlns:a16="http://schemas.microsoft.com/office/drawing/2014/main" val="3479486729"/>
+                  </a:ext>
+                </a:extLst>
+              </a:tr>
+              <a:tr h="322157">
+                <a:tc>
+                  <a:txBody>
+                    <a:bodyPr/>
+                    <a:lstStyle/>
+                    <a:p>
+                      <a:r>
+                        <a:rPr kumimoji="1" lang="en-US" altLang="ja-JP" sz="1400" dirty="0">
+                          <a:latin typeface="Arial" panose="020B0604020202020204" pitchFamily="34" charset="0"/>
+                          <a:cs typeface="Arial" panose="020B0604020202020204" pitchFamily="34" charset="0"/>
+                        </a:rPr>
+                        <a:t>GPU memory</a:t>
+                      </a:r>
+                      <a:endParaRPr kumimoji="1" lang="ja-JP" altLang="en-US" sz="1400" dirty="0">
+                        <a:latin typeface="Arial" panose="020B0604020202020204" pitchFamily="34" charset="0"/>
+                        <a:cs typeface="Arial" panose="020B0604020202020204" pitchFamily="34" charset="0"/>
+                      </a:endParaRPr>
+                    </a:p>
+                  </a:txBody>
+                  <a:tcPr/>
+                </a:tc>
+                <a:tc>
+                  <a:txBody>
+                    <a:bodyPr/>
+                    <a:lstStyle/>
+                    <a:p>
+                      <a:r>
+                        <a:rPr kumimoji="1" lang="en-US" altLang="ja-JP" sz="1400" dirty="0">
+                          <a:latin typeface="Arial" panose="020B0604020202020204" pitchFamily="34" charset="0"/>
+                          <a:cs typeface="Arial" panose="020B0604020202020204" pitchFamily="34" charset="0"/>
+                        </a:rPr>
+                        <a:t>271MB</a:t>
+                      </a:r>
+                      <a:endParaRPr kumimoji="1" lang="ja-JP" altLang="en-US" sz="1400" dirty="0">
+                        <a:latin typeface="Arial" panose="020B0604020202020204" pitchFamily="34" charset="0"/>
+                        <a:cs typeface="Arial" panose="020B0604020202020204" pitchFamily="34" charset="0"/>
+                      </a:endParaRPr>
+                    </a:p>
+                  </a:txBody>
+                  <a:tcPr/>
+                </a:tc>
+                <a:extLst>
+                  <a:ext uri="{0D108BD9-81ED-4DB2-BD59-A6C34878D82A}">
+                    <a16:rowId xmlns:a16="http://schemas.microsoft.com/office/drawing/2014/main" val="1249846257"/>
+                  </a:ext>
+                </a:extLst>
+              </a:tr>
+              <a:tr h="322157">
+                <a:tc>
+                  <a:txBody>
+                    <a:bodyPr/>
+                    <a:lstStyle/>
+                    <a:p>
+                      <a:r>
+                        <a:rPr kumimoji="1" lang="en-US" altLang="ja-JP" sz="1400" dirty="0">
+                          <a:latin typeface="Arial" panose="020B0604020202020204" pitchFamily="34" charset="0"/>
+                          <a:cs typeface="Arial" panose="020B0604020202020204" pitchFamily="34" charset="0"/>
+                        </a:rPr>
+                        <a:t>Training time (during 5,000 epoch)</a:t>
+                      </a:r>
+                      <a:endParaRPr kumimoji="1" lang="ja-JP" altLang="en-US" sz="1400" dirty="0">
+                        <a:latin typeface="Arial" panose="020B0604020202020204" pitchFamily="34" charset="0"/>
+                        <a:cs typeface="Arial" panose="020B0604020202020204" pitchFamily="34" charset="0"/>
+                      </a:endParaRPr>
+                    </a:p>
+                  </a:txBody>
+                  <a:tcPr/>
+                </a:tc>
+                <a:tc>
+                  <a:txBody>
+                    <a:bodyPr/>
+                    <a:lstStyle/>
+                    <a:p>
+                      <a:r>
+                        <a:rPr kumimoji="1" lang="en-US" altLang="ja-JP" sz="1400" dirty="0">
+                          <a:latin typeface="Arial" panose="020B0604020202020204" pitchFamily="34" charset="0"/>
+                          <a:cs typeface="Arial" panose="020B0604020202020204" pitchFamily="34" charset="0"/>
+                        </a:rPr>
+                        <a:t>1,112.233 sec</a:t>
+                      </a:r>
+                      <a:endParaRPr kumimoji="1" lang="ja-JP" altLang="en-US" sz="1400" dirty="0">
+                        <a:latin typeface="Arial" panose="020B0604020202020204" pitchFamily="34" charset="0"/>
+                        <a:cs typeface="Arial" panose="020B0604020202020204" pitchFamily="34" charset="0"/>
+                      </a:endParaRPr>
+                    </a:p>
+                  </a:txBody>
+                  <a:tcPr/>
+                </a:tc>
+                <a:extLst>
+                  <a:ext uri="{0D108BD9-81ED-4DB2-BD59-A6C34878D82A}">
+                    <a16:rowId xmlns:a16="http://schemas.microsoft.com/office/drawing/2014/main" val="1134374017"/>
+                  </a:ext>
+                </a:extLst>
+              </a:tr>
+              <a:tr h="322157">
+                <a:tc>
+                  <a:txBody>
+                    <a:bodyPr/>
+                    <a:lstStyle/>
+                    <a:p>
+                      <a:r>
+                        <a:rPr kumimoji="1" lang="en-US" altLang="ja-JP" sz="1400" dirty="0">
+                          <a:latin typeface="Arial" panose="020B0604020202020204" pitchFamily="34" charset="0"/>
+                          <a:cs typeface="Arial" panose="020B0604020202020204" pitchFamily="34" charset="0"/>
+                        </a:rPr>
+                        <a:t>Testing time (at 5,000 epoch)</a:t>
+                      </a:r>
+                      <a:endParaRPr kumimoji="1" lang="ja-JP" altLang="en-US" sz="1400" dirty="0">
+                        <a:latin typeface="Arial" panose="020B0604020202020204" pitchFamily="34" charset="0"/>
+                        <a:cs typeface="Arial" panose="020B0604020202020204" pitchFamily="34" charset="0"/>
+                      </a:endParaRPr>
+                    </a:p>
+                  </a:txBody>
+                  <a:tcPr/>
+                </a:tc>
+                <a:tc>
+                  <a:txBody>
+                    <a:bodyPr/>
+                    <a:lstStyle/>
+                    <a:p>
+                      <a:r>
+                        <a:rPr kumimoji="1" lang="en-US" altLang="ja-JP" sz="1400" dirty="0">
+                          <a:latin typeface="Arial" panose="020B0604020202020204" pitchFamily="34" charset="0"/>
+                          <a:cs typeface="Arial" panose="020B0604020202020204" pitchFamily="34" charset="0"/>
+                        </a:rPr>
+                        <a:t>5.577 sec</a:t>
+                      </a:r>
+                      <a:endParaRPr kumimoji="1" lang="ja-JP" altLang="en-US" sz="1400" dirty="0">
+                        <a:latin typeface="Arial" panose="020B0604020202020204" pitchFamily="34" charset="0"/>
+                        <a:cs typeface="Arial" panose="020B0604020202020204" pitchFamily="34" charset="0"/>
+                      </a:endParaRPr>
+                    </a:p>
+                  </a:txBody>
+                  <a:tcPr/>
+                </a:tc>
+                <a:extLst>
+                  <a:ext uri="{0D108BD9-81ED-4DB2-BD59-A6C34878D82A}">
+                    <a16:rowId xmlns:a16="http://schemas.microsoft.com/office/drawing/2014/main" val="3816649193"/>
+                  </a:ext>
+                </a:extLst>
+              </a:tr>
+            </a:tbl>
+          </a:graphicData>
+        </a:graphic>
+      </p:graphicFrame>
+      <p:sp>
+        <p:nvSpPr>
+          <p:cNvPr id="9" name="正方形/長方形 8">
+            <a:extLst>
+              <a:ext uri="{FF2B5EF4-FFF2-40B4-BE49-F238E27FC236}">
+                <a16:creationId xmlns:a16="http://schemas.microsoft.com/office/drawing/2014/main" id="{E8288A1E-7938-431F-89D7-97AF0D1CB755}"/>
+              </a:ext>
+            </a:extLst>
+          </p:cNvPr>
+          <p:cNvSpPr/>
+          <p:nvPr/>
+        </p:nvSpPr>
+        <p:spPr>
+          <a:xfrm>
+            <a:off x="5823522" y="4123108"/>
+            <a:ext cx="5170518" cy="1288628"/>
+          </a:xfrm>
+          <a:prstGeom prst="rect">
+            <a:avLst/>
+          </a:prstGeom>
+          <a:solidFill>
+            <a:schemeClr val="bg1"/>
+          </a:solidFill>
+          <a:ln>
+            <a:solidFill>
+              <a:schemeClr val="tx1"/>
+            </a:solidFill>
+          </a:ln>
+        </p:spPr>
+        <p:style>
+          <a:lnRef idx="2">
+            <a:schemeClr val="accent1">
+              <a:shade val="50000"/>
+            </a:schemeClr>
+          </a:lnRef>
+          <a:fillRef idx="1">
+            <a:schemeClr val="accent1"/>
+          </a:fillRef>
+          <a:effectRef idx="0">
+            <a:schemeClr val="accent1"/>
+          </a:effectRef>
+          <a:fontRef idx="minor">
+            <a:schemeClr val="lt1"/>
+          </a:fontRef>
+        </p:style>
+        <p:txBody>
+          <a:bodyPr rtlCol="0" anchor="ctr"/>
+          <a:lstStyle/>
+          <a:p>
+            <a:r>
+              <a:rPr kumimoji="1" lang="en-US" altLang="ja-JP" dirty="0">
+                <a:solidFill>
+                  <a:schemeClr val="tx1"/>
+                </a:solidFill>
+                <a:latin typeface="Arial" panose="020B0604020202020204" pitchFamily="34" charset="0"/>
+                <a:cs typeface="Arial" panose="020B0604020202020204" pitchFamily="34" charset="0"/>
+              </a:rPr>
+              <a:t>OS: Windows 10 Pro</a:t>
+            </a:r>
+          </a:p>
+          <a:p>
+            <a:r>
+              <a:rPr kumimoji="1" lang="en-US" altLang="ja-JP" dirty="0">
+                <a:solidFill>
+                  <a:schemeClr val="tx1"/>
+                </a:solidFill>
+                <a:latin typeface="Arial" panose="020B0604020202020204" pitchFamily="34" charset="0"/>
+                <a:cs typeface="Arial" panose="020B0604020202020204" pitchFamily="34" charset="0"/>
+              </a:rPr>
+              <a:t>CPU: Intel Core i9-10900K 3.70GHz</a:t>
+            </a:r>
+          </a:p>
+          <a:p>
+            <a:r>
+              <a:rPr kumimoji="1" lang="en-US" altLang="ja-JP" dirty="0">
+                <a:solidFill>
+                  <a:schemeClr val="tx1"/>
+                </a:solidFill>
+                <a:latin typeface="Arial" panose="020B0604020202020204" pitchFamily="34" charset="0"/>
+                <a:cs typeface="Arial" panose="020B0604020202020204" pitchFamily="34" charset="0"/>
+              </a:rPr>
+              <a:t>RAM: DDR4 128GB</a:t>
+            </a:r>
+          </a:p>
+          <a:p>
+            <a:r>
+              <a:rPr kumimoji="1" lang="en-US" altLang="ja-JP" dirty="0">
+                <a:solidFill>
+                  <a:schemeClr val="tx1"/>
+                </a:solidFill>
+                <a:latin typeface="Arial" panose="020B0604020202020204" pitchFamily="34" charset="0"/>
+                <a:cs typeface="Arial" panose="020B0604020202020204" pitchFamily="34" charset="0"/>
+              </a:rPr>
+              <a:t>GPU: NVIDIA GeForce RTX 3060 GDDR6 12GB</a:t>
+            </a:r>
+            <a:endParaRPr kumimoji="1" lang="ja-JP" altLang="en-US" dirty="0">
+              <a:solidFill>
+                <a:schemeClr val="tx1"/>
+              </a:solidFill>
+              <a:latin typeface="Arial" panose="020B0604020202020204" pitchFamily="34" charset="0"/>
+              <a:cs typeface="Arial" panose="020B0604020202020204" pitchFamily="34" charset="0"/>
+            </a:endParaRPr>
+          </a:p>
+        </p:txBody>
+      </p:sp>
+    </p:spTree>
+    <p:extLst>
+      <p:ext uri="{BB962C8B-B14F-4D97-AF65-F5344CB8AC3E}">
+        <p14:creationId xmlns:p14="http://schemas.microsoft.com/office/powerpoint/2010/main" val="3958252849"/>
       </p:ext>
     </p:extLst>
   </p:cSld>
@@ -6129,7 +8961,7 @@
           <p:nvPr>
             <p:extLst>
               <p:ext uri="{D42A27DB-BD31-4B8C-83A1-F6EECF244321}">
-                <p14:modId xmlns:p14="http://schemas.microsoft.com/office/powerpoint/2010/main" val="1339545363"/>
+                <p14:modId xmlns:p14="http://schemas.microsoft.com/office/powerpoint/2010/main" val="2056500657"/>
               </p:ext>
             </p:extLst>
           </p:nvPr>
@@ -6349,7 +9181,7 @@
                     <a:p>
                       <a:pPr algn="ctr"/>
                       <a:r>
-                        <a:rPr kumimoji="1" lang="en-US" altLang="ja-JP">
+                        <a:rPr kumimoji="1" lang="en-US" altLang="ja-JP" dirty="0">
                           <a:latin typeface="Arial" panose="020B0604020202020204" pitchFamily="34" charset="0"/>
                           <a:cs typeface="Arial" panose="020B0604020202020204" pitchFamily="34" charset="0"/>
                         </a:rPr>
@@ -6361,7 +9193,17 @@
                       </a:endParaRPr>
                     </a:p>
                   </a:txBody>
-                  <a:tcPr/>
+                  <a:tcPr>
+                    <a:lnB w="38100" cap="flat" cmpd="sng" algn="ctr">
+                      <a:solidFill>
+                        <a:schemeClr val="bg1"/>
+                      </a:solidFill>
+                      <a:prstDash val="solid"/>
+                      <a:round/>
+                      <a:headEnd type="none" w="med" len="med"/>
+                      <a:tailEnd type="none" w="med" len="med"/>
+                    </a:lnB>
+                  </a:tcPr>
                 </a:tc>
                 <a:tc>
                   <a:txBody>
@@ -6382,7 +9224,17 @@
                       </a:endParaRPr>
                     </a:p>
                   </a:txBody>
-                  <a:tcPr/>
+                  <a:tcPr>
+                    <a:lnB w="38100" cap="flat" cmpd="sng" algn="ctr">
+                      <a:solidFill>
+                        <a:schemeClr val="bg1"/>
+                      </a:solidFill>
+                      <a:prstDash val="solid"/>
+                      <a:round/>
+                      <a:headEnd type="none" w="med" len="med"/>
+                      <a:tailEnd type="none" w="med" len="med"/>
+                    </a:lnB>
+                  </a:tcPr>
                 </a:tc>
                 <a:tc>
                   <a:txBody>
@@ -6403,7 +9255,17 @@
                       </a:endParaRPr>
                     </a:p>
                   </a:txBody>
-                  <a:tcPr/>
+                  <a:tcPr>
+                    <a:lnB w="38100" cap="flat" cmpd="sng" algn="ctr">
+                      <a:solidFill>
+                        <a:schemeClr val="bg1"/>
+                      </a:solidFill>
+                      <a:prstDash val="solid"/>
+                      <a:round/>
+                      <a:headEnd type="none" w="med" len="med"/>
+                      <a:tailEnd type="none" w="med" len="med"/>
+                    </a:lnB>
+                  </a:tcPr>
                 </a:tc>
                 <a:extLst>
                   <a:ext uri="{0D108BD9-81ED-4DB2-BD59-A6C34878D82A}">
@@ -6498,7 +9360,17 @@
                       </a:endParaRPr>
                     </a:p>
                   </a:txBody>
-                  <a:tcPr/>
+                  <a:tcPr>
+                    <a:lnT w="38100" cap="flat" cmpd="sng" algn="ctr">
+                      <a:solidFill>
+                        <a:schemeClr val="bg1"/>
+                      </a:solidFill>
+                      <a:prstDash val="solid"/>
+                      <a:round/>
+                      <a:headEnd type="none" w="med" len="med"/>
+                      <a:tailEnd type="none" w="med" len="med"/>
+                    </a:lnT>
+                  </a:tcPr>
                 </a:tc>
                 <a:tc>
                   <a:txBody>
@@ -6519,7 +9391,17 @@
                       </a:endParaRPr>
                     </a:p>
                   </a:txBody>
-                  <a:tcPr/>
+                  <a:tcPr>
+                    <a:lnT w="38100" cap="flat" cmpd="sng" algn="ctr">
+                      <a:solidFill>
+                        <a:schemeClr val="bg1"/>
+                      </a:solidFill>
+                      <a:prstDash val="solid"/>
+                      <a:round/>
+                      <a:headEnd type="none" w="med" len="med"/>
+                      <a:tailEnd type="none" w="med" len="med"/>
+                    </a:lnT>
+                  </a:tcPr>
                 </a:tc>
                 <a:tc>
                   <a:txBody>
@@ -6544,7 +9426,17 @@
                       </a:endParaRPr>
                     </a:p>
                   </a:txBody>
-                  <a:tcPr/>
+                  <a:tcPr>
+                    <a:lnT w="38100" cap="flat" cmpd="sng" algn="ctr">
+                      <a:solidFill>
+                        <a:schemeClr val="bg1"/>
+                      </a:solidFill>
+                      <a:prstDash val="solid"/>
+                      <a:round/>
+                      <a:headEnd type="none" w="med" len="med"/>
+                      <a:tailEnd type="none" w="med" len="med"/>
+                    </a:lnT>
+                  </a:tcPr>
                 </a:tc>
                 <a:extLst>
                   <a:ext uri="{0D108BD9-81ED-4DB2-BD59-A6C34878D82A}">

--- a/paper/ABC2021BentoChallenge/ABC2021.pptx
+++ b/paper/ABC2021BentoChallenge/ABC2021.pptx
@@ -458,7 +458,7 @@
           <a:p>
             <a:fld id="{4422507A-29CE-4FCB-8EEC-8E792EA02E35}" type="datetimeFigureOut">
               <a:rPr kumimoji="1" lang="ja-JP" altLang="en-US" smtClean="0"/>
-              <a:t>2021/10/13</a:t>
+              <a:t>2021/10/15</a:t>
             </a:fld>
             <a:endParaRPr kumimoji="1" lang="ja-JP" altLang="en-US"/>
           </a:p>
@@ -757,6 +757,438 @@
 </p:notesMaster>
 </file>
 
+<file path=ppt/notesSlides/notesSlide1.xml><?xml version="1.0" encoding="utf-8"?>
+<p:notes xmlns:a="http://schemas.openxmlformats.org/drawingml/2006/main" xmlns:r="http://schemas.openxmlformats.org/officeDocument/2006/relationships" xmlns:p="http://schemas.openxmlformats.org/presentationml/2006/main">
+  <p:cSld>
+    <p:spTree>
+      <p:nvGrpSpPr>
+        <p:cNvPr id="1" name=""/>
+        <p:cNvGrpSpPr/>
+        <p:nvPr/>
+      </p:nvGrpSpPr>
+      <p:grpSpPr>
+        <a:xfrm>
+          <a:off x="0" y="0"/>
+          <a:ext cx="0" cy="0"/>
+          <a:chOff x="0" y="0"/>
+          <a:chExt cx="0" cy="0"/>
+        </a:xfrm>
+      </p:grpSpPr>
+      <p:sp>
+        <p:nvSpPr>
+          <p:cNvPr id="2" name="スライド イメージ プレースホルダー 1"/>
+          <p:cNvSpPr>
+            <a:spLocks noGrp="1" noRot="1" noChangeAspect="1"/>
+          </p:cNvSpPr>
+          <p:nvPr>
+            <p:ph type="sldImg"/>
+          </p:nvPr>
+        </p:nvSpPr>
+        <p:spPr/>
+      </p:sp>
+      <p:sp>
+        <p:nvSpPr>
+          <p:cNvPr id="3" name="ノート プレースホルダー 2"/>
+          <p:cNvSpPr>
+            <a:spLocks noGrp="1"/>
+          </p:cNvSpPr>
+          <p:nvPr>
+            <p:ph type="body" idx="1"/>
+          </p:nvPr>
+        </p:nvSpPr>
+        <p:spPr/>
+        <p:txBody>
+          <a:bodyPr/>
+          <a:lstStyle/>
+          <a:p>
+            <a:r>
+              <a:rPr kumimoji="1" lang="en-US" altLang="ja-JP" dirty="0"/>
+              <a:t>Hello everyone.</a:t>
+            </a:r>
+          </a:p>
+          <a:p>
+            <a:r>
+              <a:rPr kumimoji="1" lang="en-US" altLang="ja-JP" dirty="0"/>
+              <a:t>My name is </a:t>
+            </a:r>
+            <a:r>
+              <a:rPr kumimoji="1" lang="en-US" altLang="ja-JP" dirty="0" err="1"/>
+              <a:t>Atsuhiro</a:t>
+            </a:r>
+            <a:r>
+              <a:rPr kumimoji="1" lang="en-US" altLang="ja-JP" dirty="0"/>
+              <a:t> </a:t>
+            </a:r>
+            <a:r>
+              <a:rPr kumimoji="1" lang="en-US" altLang="ja-JP" dirty="0" err="1"/>
+              <a:t>Fujii</a:t>
+            </a:r>
+            <a:r>
+              <a:rPr kumimoji="1" lang="en-US" altLang="ja-JP" dirty="0"/>
+              <a:t> from </a:t>
+            </a:r>
+            <a:r>
+              <a:rPr kumimoji="1" lang="en-US" altLang="ja-JP" dirty="0" err="1"/>
+              <a:t>Ritsumeikan</a:t>
+            </a:r>
+            <a:r>
+              <a:rPr kumimoji="1" lang="en-US" altLang="ja-JP" dirty="0"/>
+              <a:t> University in Japan.</a:t>
+            </a:r>
+          </a:p>
+          <a:p>
+            <a:endParaRPr kumimoji="1" lang="en-US" altLang="ja-JP" dirty="0"/>
+          </a:p>
+          <a:p>
+            <a:r>
+              <a:rPr kumimoji="1" lang="en-US" altLang="ja-JP" dirty="0"/>
+              <a:t>Now, I will talk about our Bento Packaging Activity Recognition method.</a:t>
+            </a:r>
+          </a:p>
+        </p:txBody>
+      </p:sp>
+      <p:sp>
+        <p:nvSpPr>
+          <p:cNvPr id="4" name="スライド番号プレースホルダー 3"/>
+          <p:cNvSpPr>
+            <a:spLocks noGrp="1"/>
+          </p:cNvSpPr>
+          <p:nvPr>
+            <p:ph type="sldNum" sz="quarter" idx="5"/>
+          </p:nvPr>
+        </p:nvSpPr>
+        <p:spPr/>
+        <p:txBody>
+          <a:bodyPr/>
+          <a:lstStyle/>
+          <a:p>
+            <a:fld id="{7AF2A3DA-E210-4C99-BA06-04F6F8F036F3}" type="slidenum">
+              <a:rPr kumimoji="1" lang="ja-JP" altLang="en-US" smtClean="0"/>
+              <a:t>1</a:t>
+            </a:fld>
+            <a:endParaRPr kumimoji="1" lang="ja-JP" altLang="en-US"/>
+          </a:p>
+        </p:txBody>
+      </p:sp>
+    </p:spTree>
+    <p:extLst>
+      <p:ext uri="{BB962C8B-B14F-4D97-AF65-F5344CB8AC3E}">
+        <p14:creationId xmlns:p14="http://schemas.microsoft.com/office/powerpoint/2010/main" val="1944702207"/>
+      </p:ext>
+    </p:extLst>
+  </p:cSld>
+  <p:clrMapOvr>
+    <a:masterClrMapping/>
+  </p:clrMapOvr>
+</p:notes>
+</file>
+
+<file path=ppt/notesSlides/notesSlide2.xml><?xml version="1.0" encoding="utf-8"?>
+<p:notes xmlns:a="http://schemas.openxmlformats.org/drawingml/2006/main" xmlns:r="http://schemas.openxmlformats.org/officeDocument/2006/relationships" xmlns:p="http://schemas.openxmlformats.org/presentationml/2006/main">
+  <p:cSld>
+    <p:spTree>
+      <p:nvGrpSpPr>
+        <p:cNvPr id="1" name=""/>
+        <p:cNvGrpSpPr/>
+        <p:nvPr/>
+      </p:nvGrpSpPr>
+      <p:grpSpPr>
+        <a:xfrm>
+          <a:off x="0" y="0"/>
+          <a:ext cx="0" cy="0"/>
+          <a:chOff x="0" y="0"/>
+          <a:chExt cx="0" cy="0"/>
+        </a:xfrm>
+      </p:grpSpPr>
+      <p:sp>
+        <p:nvSpPr>
+          <p:cNvPr id="2" name="スライド イメージ プレースホルダー 1"/>
+          <p:cNvSpPr>
+            <a:spLocks noGrp="1" noRot="1" noChangeAspect="1"/>
+          </p:cNvSpPr>
+          <p:nvPr>
+            <p:ph type="sldImg"/>
+          </p:nvPr>
+        </p:nvSpPr>
+        <p:spPr/>
+      </p:sp>
+      <p:sp>
+        <p:nvSpPr>
+          <p:cNvPr id="3" name="ノート プレースホルダー 2"/>
+          <p:cNvSpPr>
+            <a:spLocks noGrp="1"/>
+          </p:cNvSpPr>
+          <p:nvPr>
+            <p:ph type="body" idx="1"/>
+          </p:nvPr>
+        </p:nvSpPr>
+        <p:spPr/>
+        <p:txBody>
+          <a:bodyPr/>
+          <a:lstStyle/>
+          <a:p>
+            <a:pPr marL="0" marR="0" lvl="0" indent="0" algn="l" defTabSz="914400" rtl="0" eaLnBrk="1" fontAlgn="auto" latinLnBrk="0" hangingPunct="1">
+              <a:lnSpc>
+                <a:spcPct val="100000"/>
+              </a:lnSpc>
+              <a:spcBef>
+                <a:spcPts val="0"/>
+              </a:spcBef>
+              <a:spcAft>
+                <a:spcPts val="0"/>
+              </a:spcAft>
+              <a:buClrTx/>
+              <a:buSzTx/>
+              <a:buFontTx/>
+              <a:buNone/>
+              <a:tabLst/>
+              <a:defRPr/>
+            </a:pPr>
+            <a:r>
+              <a:rPr lang="en-US" altLang="ja-JP" dirty="0"/>
+              <a:t>I will explain about the given dataset.</a:t>
+            </a:r>
+          </a:p>
+          <a:p>
+            <a:pPr marL="0" marR="0" lvl="0" indent="0" algn="l" defTabSz="914400" rtl="0" eaLnBrk="1" fontAlgn="auto" latinLnBrk="0" hangingPunct="1">
+              <a:lnSpc>
+                <a:spcPct val="100000"/>
+              </a:lnSpc>
+              <a:spcBef>
+                <a:spcPts val="0"/>
+              </a:spcBef>
+              <a:spcAft>
+                <a:spcPts val="0"/>
+              </a:spcAft>
+              <a:buClrTx/>
+              <a:buSzTx/>
+              <a:buFontTx/>
+              <a:buNone/>
+              <a:tabLst/>
+              <a:defRPr/>
+            </a:pPr>
+            <a:r>
+              <a:rPr lang="en-US" altLang="ja-JP" dirty="0"/>
+              <a:t>We were given train dataset and test dataset.</a:t>
+            </a:r>
+            <a:endParaRPr lang="en-US" altLang="ja-JP" sz="1200" b="0" i="0" u="none" strike="noStrike" baseline="0" dirty="0">
+              <a:latin typeface="TeXGyreTermes-Regular"/>
+            </a:endParaRPr>
+          </a:p>
+          <a:p>
+            <a:pPr marL="0" marR="0" lvl="0" indent="0" algn="l" defTabSz="914400" rtl="0" eaLnBrk="1" fontAlgn="auto" latinLnBrk="0" hangingPunct="1">
+              <a:lnSpc>
+                <a:spcPct val="100000"/>
+              </a:lnSpc>
+              <a:spcBef>
+                <a:spcPts val="0"/>
+              </a:spcBef>
+              <a:spcAft>
+                <a:spcPts val="0"/>
+              </a:spcAft>
+              <a:buClrTx/>
+              <a:buSzTx/>
+              <a:buFontTx/>
+              <a:buNone/>
+              <a:tabLst/>
+              <a:defRPr/>
+            </a:pPr>
+            <a:r>
+              <a:rPr kumimoji="1" lang="en-US" altLang="ja-JP" dirty="0"/>
+              <a:t>Four subjects had attached one motion capture system with 29 markers.</a:t>
+            </a:r>
+          </a:p>
+          <a:p>
+            <a:r>
+              <a:rPr kumimoji="1" lang="en-US" altLang="ja-JP" dirty="0"/>
+              <a:t>Three subjects' data were given as training data, and one subject's data was given as test data.</a:t>
+            </a:r>
+          </a:p>
+          <a:p>
+            <a:pPr marL="0" marR="0" lvl="0" indent="0" algn="l" defTabSz="914400" rtl="0" eaLnBrk="1" fontAlgn="auto" latinLnBrk="0" hangingPunct="1">
+              <a:lnSpc>
+                <a:spcPct val="100000"/>
+              </a:lnSpc>
+              <a:spcBef>
+                <a:spcPts val="0"/>
+              </a:spcBef>
+              <a:spcAft>
+                <a:spcPts val="0"/>
+              </a:spcAft>
+              <a:buClrTx/>
+              <a:buSzTx/>
+              <a:buFontTx/>
+              <a:buNone/>
+              <a:tabLst/>
+              <a:defRPr/>
+            </a:pPr>
+            <a:r>
+              <a:rPr kumimoji="1" lang="en-US" altLang="ja-JP" dirty="0"/>
+              <a:t>The markers may be labeled incorrectly in some cases due to the complex setting.</a:t>
+            </a:r>
+            <a:endParaRPr kumimoji="1" lang="ja-JP" altLang="en-US" dirty="0"/>
+          </a:p>
+        </p:txBody>
+      </p:sp>
+      <p:sp>
+        <p:nvSpPr>
+          <p:cNvPr id="4" name="スライド番号プレースホルダー 3"/>
+          <p:cNvSpPr>
+            <a:spLocks noGrp="1"/>
+          </p:cNvSpPr>
+          <p:nvPr>
+            <p:ph type="sldNum" sz="quarter" idx="5"/>
+          </p:nvPr>
+        </p:nvSpPr>
+        <p:spPr/>
+        <p:txBody>
+          <a:bodyPr/>
+          <a:lstStyle/>
+          <a:p>
+            <a:fld id="{7AF2A3DA-E210-4C99-BA06-04F6F8F036F3}" type="slidenum">
+              <a:rPr kumimoji="1" lang="ja-JP" altLang="en-US" smtClean="0"/>
+              <a:t>2</a:t>
+            </a:fld>
+            <a:endParaRPr kumimoji="1" lang="ja-JP" altLang="en-US"/>
+          </a:p>
+        </p:txBody>
+      </p:sp>
+    </p:spTree>
+    <p:extLst>
+      <p:ext uri="{BB962C8B-B14F-4D97-AF65-F5344CB8AC3E}">
+        <p14:creationId xmlns:p14="http://schemas.microsoft.com/office/powerpoint/2010/main" val="1339116419"/>
+      </p:ext>
+    </p:extLst>
+  </p:cSld>
+  <p:clrMapOvr>
+    <a:masterClrMapping/>
+  </p:clrMapOvr>
+</p:notes>
+</file>
+
+<file path=ppt/notesSlides/notesSlide3.xml><?xml version="1.0" encoding="utf-8"?>
+<p:notes xmlns:a="http://schemas.openxmlformats.org/drawingml/2006/main" xmlns:r="http://schemas.openxmlformats.org/officeDocument/2006/relationships" xmlns:p="http://schemas.openxmlformats.org/presentationml/2006/main">
+  <p:cSld>
+    <p:spTree>
+      <p:nvGrpSpPr>
+        <p:cNvPr id="1" name=""/>
+        <p:cNvGrpSpPr/>
+        <p:nvPr/>
+      </p:nvGrpSpPr>
+      <p:grpSpPr>
+        <a:xfrm>
+          <a:off x="0" y="0"/>
+          <a:ext cx="0" cy="0"/>
+          <a:chOff x="0" y="0"/>
+          <a:chExt cx="0" cy="0"/>
+        </a:xfrm>
+      </p:grpSpPr>
+      <p:sp>
+        <p:nvSpPr>
+          <p:cNvPr id="2" name="スライド イメージ プレースホルダー 1"/>
+          <p:cNvSpPr>
+            <a:spLocks noGrp="1" noRot="1" noChangeAspect="1"/>
+          </p:cNvSpPr>
+          <p:nvPr>
+            <p:ph type="sldImg"/>
+          </p:nvPr>
+        </p:nvSpPr>
+        <p:spPr/>
+      </p:sp>
+      <p:sp>
+        <p:nvSpPr>
+          <p:cNvPr id="3" name="ノート プレースホルダー 2"/>
+          <p:cNvSpPr>
+            <a:spLocks noGrp="1"/>
+          </p:cNvSpPr>
+          <p:nvPr>
+            <p:ph type="body" idx="1"/>
+          </p:nvPr>
+        </p:nvSpPr>
+        <p:spPr/>
+        <p:txBody>
+          <a:bodyPr/>
+          <a:lstStyle/>
+          <a:p>
+            <a:r>
+              <a:rPr kumimoji="1" lang="en-US" altLang="ja-JP" dirty="0"/>
+              <a:t>The five activities to be identified are Normal, Forgot to put ingredients, Failed to put ingredients, Turn over bento-box, Fix/rearranging ingredients.</a:t>
+            </a:r>
+          </a:p>
+          <a:p>
+            <a:r>
+              <a:rPr kumimoji="1" lang="en-US" altLang="ja-JP" dirty="0"/>
+              <a:t>Then, these activities are classified into a total of 10 labels because of the orientation of their actions.</a:t>
+            </a:r>
+          </a:p>
+          <a:p>
+            <a:pPr marL="0" marR="0" lvl="0" indent="0" algn="l" defTabSz="914400" rtl="0" eaLnBrk="1" fontAlgn="auto" latinLnBrk="0" hangingPunct="1">
+              <a:lnSpc>
+                <a:spcPct val="100000"/>
+              </a:lnSpc>
+              <a:spcBef>
+                <a:spcPts val="0"/>
+              </a:spcBef>
+              <a:spcAft>
+                <a:spcPts val="0"/>
+              </a:spcAft>
+              <a:buClrTx/>
+              <a:buSzTx/>
+              <a:buFontTx/>
+              <a:buNone/>
+              <a:tabLst/>
+              <a:defRPr/>
+            </a:pPr>
+            <a:r>
+              <a:rPr kumimoji="1" lang="en-US" altLang="ja-JP" sz="1200" dirty="0">
+                <a:latin typeface="Arial" panose="020B0604020202020204" pitchFamily="34" charset="0"/>
+                <a:cs typeface="Arial" panose="020B0604020202020204" pitchFamily="34" charset="0"/>
+              </a:rPr>
+              <a:t>The measurement time for each file ranges from 50 to 70 s.</a:t>
+            </a:r>
+            <a:endParaRPr kumimoji="1" lang="ja-JP" altLang="en-US" sz="1200" dirty="0">
+              <a:latin typeface="Arial" panose="020B0604020202020204" pitchFamily="34" charset="0"/>
+              <a:cs typeface="Arial" panose="020B0604020202020204" pitchFamily="34" charset="0"/>
+            </a:endParaRPr>
+          </a:p>
+        </p:txBody>
+      </p:sp>
+      <p:sp>
+        <p:nvSpPr>
+          <p:cNvPr id="4" name="スライド番号プレースホルダー 3"/>
+          <p:cNvSpPr>
+            <a:spLocks noGrp="1"/>
+          </p:cNvSpPr>
+          <p:nvPr>
+            <p:ph type="sldNum" sz="quarter" idx="5"/>
+          </p:nvPr>
+        </p:nvSpPr>
+        <p:spPr/>
+        <p:txBody>
+          <a:bodyPr/>
+          <a:lstStyle/>
+          <a:p>
+            <a:fld id="{7AF2A3DA-E210-4C99-BA06-04F6F8F036F3}" type="slidenum">
+              <a:rPr kumimoji="1" lang="ja-JP" altLang="en-US" smtClean="0"/>
+              <a:t>3</a:t>
+            </a:fld>
+            <a:endParaRPr kumimoji="1" lang="ja-JP" altLang="en-US"/>
+          </a:p>
+        </p:txBody>
+      </p:sp>
+    </p:spTree>
+    <p:extLst>
+      <p:ext uri="{BB962C8B-B14F-4D97-AF65-F5344CB8AC3E}">
+        <p14:creationId xmlns:p14="http://schemas.microsoft.com/office/powerpoint/2010/main" val="2662589242"/>
+      </p:ext>
+    </p:extLst>
+  </p:cSld>
+  <p:clrMapOvr>
+    <a:masterClrMapping/>
+  </p:clrMapOvr>
+</p:notes>
+</file>
+
 <file path=ppt/slideLayouts/slideLayout1.xml><?xml version="1.0" encoding="utf-8"?>
 <p:sldLayout xmlns:a="http://schemas.openxmlformats.org/drawingml/2006/main" xmlns:r="http://schemas.openxmlformats.org/officeDocument/2006/relationships" xmlns:p="http://schemas.openxmlformats.org/presentationml/2006/main" preserve="1" userDrawn="1">
   <p:cSld name="タイトル スライド">
@@ -842,7 +1274,7 @@
           <a:p>
             <a:fld id="{A98D3432-C38B-446E-969A-78567292025D}" type="datetime1">
               <a:rPr kumimoji="1" lang="ja-JP" altLang="en-US" smtClean="0"/>
-              <a:t>2021/10/13</a:t>
+              <a:t>2021/10/15</a:t>
             </a:fld>
             <a:endParaRPr kumimoji="1" lang="ja-JP" altLang="en-US"/>
           </a:p>
@@ -1343,7 +1775,7 @@
           <a:p>
             <a:fld id="{05B662BA-D465-4C44-BE2B-F2A8D4F2B289}" type="datetime1">
               <a:rPr kumimoji="1" lang="ja-JP" altLang="en-US" smtClean="0"/>
-              <a:t>2021/10/13</a:t>
+              <a:t>2021/10/15</a:t>
             </a:fld>
             <a:endParaRPr kumimoji="1" lang="ja-JP" altLang="en-US"/>
           </a:p>
@@ -1583,7 +2015,7 @@
           <a:p>
             <a:fld id="{A4B4DDCD-FB98-44E4-BDAA-3DB16A47270F}" type="datetime1">
               <a:rPr kumimoji="1" lang="ja-JP" altLang="en-US" smtClean="0"/>
-              <a:t>2021/10/13</a:t>
+              <a:t>2021/10/15</a:t>
             </a:fld>
             <a:endParaRPr kumimoji="1" lang="ja-JP" altLang="en-US"/>
           </a:p>
@@ -1866,7 +2298,7 @@
           <a:p>
             <a:fld id="{DFD2984D-04FA-418A-85DE-0DB3CB16783E}" type="datetime1">
               <a:rPr kumimoji="1" lang="ja-JP" altLang="en-US" smtClean="0"/>
-              <a:t>2021/10/13</a:t>
+              <a:t>2021/10/15</a:t>
             </a:fld>
             <a:endParaRPr kumimoji="1" lang="ja-JP" altLang="en-US"/>
           </a:p>
@@ -2315,7 +2747,7 @@
           <a:p>
             <a:fld id="{4CBACEDF-020F-4270-BF0A-980F8136E038}" type="datetime1">
               <a:rPr kumimoji="1" lang="ja-JP" altLang="en-US" smtClean="0"/>
-              <a:t>2021/10/13</a:t>
+              <a:t>2021/10/15</a:t>
             </a:fld>
             <a:endParaRPr kumimoji="1" lang="ja-JP" altLang="en-US"/>
           </a:p>
@@ -2644,7 +3076,7 @@
           <a:p>
             <a:fld id="{777E2237-9B3F-4231-B30C-59668B530BD1}" type="datetime1">
               <a:rPr kumimoji="1" lang="ja-JP" altLang="en-US" smtClean="0"/>
-              <a:t>2021/10/13</a:t>
+              <a:t>2021/10/15</a:t>
             </a:fld>
             <a:endParaRPr kumimoji="1" lang="ja-JP" altLang="en-US"/>
           </a:p>
@@ -3120,7 +3552,7 @@
           <a:p>
             <a:fld id="{FC32FA7D-BC1F-4F29-8624-3C079AC63AB5}" type="datetime1">
               <a:rPr kumimoji="1" lang="ja-JP" altLang="en-US" smtClean="0"/>
-              <a:t>2021/10/13</a:t>
+              <a:t>2021/10/15</a:t>
             </a:fld>
             <a:endParaRPr kumimoji="1" lang="ja-JP" altLang="en-US"/>
           </a:p>
@@ -3261,7 +3693,7 @@
           <a:p>
             <a:fld id="{3C84FD27-4E70-444C-BEAA-8F4375C442D0}" type="datetime1">
               <a:rPr kumimoji="1" lang="ja-JP" altLang="en-US" smtClean="0"/>
-              <a:t>2021/10/13</a:t>
+              <a:t>2021/10/15</a:t>
             </a:fld>
             <a:endParaRPr kumimoji="1" lang="ja-JP" altLang="en-US"/>
           </a:p>
@@ -3374,7 +3806,7 @@
           <a:p>
             <a:fld id="{948AA4EF-B642-4876-A0D8-C1A1222FECFF}" type="datetime1">
               <a:rPr kumimoji="1" lang="ja-JP" altLang="en-US" smtClean="0"/>
-              <a:t>2021/10/13</a:t>
+              <a:t>2021/10/15</a:t>
             </a:fld>
             <a:endParaRPr kumimoji="1" lang="ja-JP" altLang="en-US"/>
           </a:p>
@@ -3717,7 +4149,7 @@
           <a:p>
             <a:fld id="{11B8299D-EABC-4EEB-90B0-DD13FA256803}" type="datetime1">
               <a:rPr kumimoji="1" lang="ja-JP" altLang="en-US" smtClean="0"/>
-              <a:t>2021/10/13</a:t>
+              <a:t>2021/10/15</a:t>
             </a:fld>
             <a:endParaRPr kumimoji="1" lang="ja-JP" altLang="en-US"/>
           </a:p>
@@ -4005,7 +4437,7 @@
           <a:p>
             <a:fld id="{2CB9F4AB-19AE-4711-AA92-655F76F7355A}" type="datetime1">
               <a:rPr kumimoji="1" lang="ja-JP" altLang="en-US" smtClean="0"/>
-              <a:t>2021/10/13</a:t>
+              <a:t>2021/10/15</a:t>
             </a:fld>
             <a:endParaRPr kumimoji="1" lang="ja-JP" altLang="en-US"/>
           </a:p>
@@ -4278,7 +4710,7 @@
           <a:p>
             <a:fld id="{10A34200-B792-42A2-9C71-FE89F6DBFDEA}" type="datetime1">
               <a:rPr kumimoji="1" lang="ja-JP" altLang="en-US" smtClean="0"/>
-              <a:t>2021/10/13</a:t>
+              <a:t>2021/10/15</a:t>
             </a:fld>
             <a:endParaRPr kumimoji="1" lang="ja-JP" altLang="en-US"/>
           </a:p>
@@ -4847,7 +5279,7 @@
           <p:nvPr/>
         </p:nvPicPr>
         <p:blipFill>
-          <a:blip r:embed="rId2"/>
+          <a:blip r:embed="rId3"/>
           <a:stretch>
             <a:fillRect/>
           </a:stretch>
@@ -7851,7 +8283,7 @@
             <p:nvPr/>
           </p:nvPicPr>
           <p:blipFill>
-            <a:blip r:embed="rId2">
+            <a:blip r:embed="rId3">
               <a:extLst>
                 <a:ext uri="{28A0092B-C50C-407E-A947-70E740481C1C}">
                   <a14:useLocalDpi xmlns:a14="http://schemas.microsoft.com/office/drawing/2010/main" val="0"/>

--- a/paper/ABC2021BentoChallenge/ABC2021.pptx
+++ b/paper/ABC2021BentoChallenge/ABC2021.pptx
@@ -458,7 +458,7 @@
           <a:p>
             <a:fld id="{4422507A-29CE-4FCB-8EEC-8E792EA02E35}" type="datetimeFigureOut">
               <a:rPr kumimoji="1" lang="ja-JP" altLang="en-US" smtClean="0"/>
-              <a:t>2021/10/15</a:t>
+              <a:t>2021/10/18</a:t>
             </a:fld>
             <a:endParaRPr kumimoji="1" lang="ja-JP" altLang="en-US"/>
           </a:p>
@@ -845,6 +845,15 @@
               <a:t>Now, I will talk about our Bento Packaging Activity Recognition method.</a:t>
             </a:r>
           </a:p>
+          <a:p>
+            <a:endParaRPr kumimoji="1" lang="en-US" altLang="ja-JP" dirty="0"/>
+          </a:p>
+          <a:p>
+            <a:r>
+              <a:rPr kumimoji="1" lang="en-US" altLang="ja-JP" dirty="0"/>
+              <a:t>(00:15)</a:t>
+            </a:r>
+          </a:p>
         </p:txBody>
       </p:sp>
       <p:sp>
@@ -999,12 +1008,6 @@
             </a:r>
           </a:p>
           <a:p>
-            <a:r>
-              <a:rPr kumimoji="1" lang="en-US" altLang="ja-JP" dirty="0"/>
-              <a:t>Three subjects' data were given as training data, and one subject's data was given as test data.</a:t>
-            </a:r>
-          </a:p>
-          <a:p>
             <a:pPr marL="0" marR="0" lvl="0" indent="0" algn="l" defTabSz="914400" rtl="0" eaLnBrk="1" fontAlgn="auto" latinLnBrk="0" hangingPunct="1">
               <a:lnSpc>
                 <a:spcPct val="100000"/>
@@ -1025,6 +1028,49 @@
             <a:r>
               <a:rPr kumimoji="1" lang="en-US" altLang="ja-JP" dirty="0"/>
               <a:t>The markers may be labeled incorrectly in some cases due to the complex setting.</a:t>
+            </a:r>
+          </a:p>
+          <a:p>
+            <a:pPr marL="0" marR="0" lvl="0" indent="0" algn="l" defTabSz="914400" rtl="0" eaLnBrk="1" fontAlgn="auto" latinLnBrk="0" hangingPunct="1">
+              <a:lnSpc>
+                <a:spcPct val="100000"/>
+              </a:lnSpc>
+              <a:spcBef>
+                <a:spcPts val="0"/>
+              </a:spcBef>
+              <a:spcAft>
+                <a:spcPts val="0"/>
+              </a:spcAft>
+              <a:buClrTx/>
+              <a:buSzTx/>
+              <a:buFontTx/>
+              <a:buNone/>
+              <a:tabLst/>
+              <a:defRPr/>
+            </a:pPr>
+            <a:endParaRPr kumimoji="1" lang="en-US" altLang="ja-JP" dirty="0"/>
+          </a:p>
+          <a:p>
+            <a:pPr marL="0" marR="0" lvl="0" indent="0" algn="l" defTabSz="914400" rtl="0" eaLnBrk="1" fontAlgn="auto" latinLnBrk="0" hangingPunct="1">
+              <a:lnSpc>
+                <a:spcPct val="100000"/>
+              </a:lnSpc>
+              <a:spcBef>
+                <a:spcPts val="0"/>
+              </a:spcBef>
+              <a:spcAft>
+                <a:spcPts val="0"/>
+              </a:spcAft>
+              <a:buClrTx/>
+              <a:buSzTx/>
+              <a:buFontTx/>
+              <a:buNone/>
+              <a:tabLst/>
+              <a:defRPr/>
+            </a:pPr>
+            <a:r>
+              <a:rPr kumimoji="1" lang="en-US" altLang="ja-JP" dirty="0"/>
+              <a:t>(00:35)</a:t>
             </a:r>
             <a:endParaRPr kumimoji="1" lang="ja-JP" altLang="en-US" dirty="0"/>
           </a:p>
@@ -1146,6 +1192,55 @@
               </a:rPr>
               <a:t>The measurement time for each file ranges from 50 to 70 s.</a:t>
             </a:r>
+          </a:p>
+          <a:p>
+            <a:pPr marL="0" marR="0" lvl="0" indent="0" algn="l" defTabSz="914400" rtl="0" eaLnBrk="1" fontAlgn="auto" latinLnBrk="0" hangingPunct="1">
+              <a:lnSpc>
+                <a:spcPct val="100000"/>
+              </a:lnSpc>
+              <a:spcBef>
+                <a:spcPts val="0"/>
+              </a:spcBef>
+              <a:spcAft>
+                <a:spcPts val="0"/>
+              </a:spcAft>
+              <a:buClrTx/>
+              <a:buSzTx/>
+              <a:buFontTx/>
+              <a:buNone/>
+              <a:tabLst/>
+              <a:defRPr/>
+            </a:pPr>
+            <a:endParaRPr kumimoji="1" lang="en-US" altLang="ja-JP" sz="1200" dirty="0">
+              <a:latin typeface="Arial" panose="020B0604020202020204" pitchFamily="34" charset="0"/>
+              <a:cs typeface="Arial" panose="020B0604020202020204" pitchFamily="34" charset="0"/>
+            </a:endParaRPr>
+          </a:p>
+          <a:p>
+            <a:pPr marL="0" marR="0" lvl="0" indent="0" algn="l" defTabSz="914400" rtl="0" eaLnBrk="1" fontAlgn="auto" latinLnBrk="0" hangingPunct="1">
+              <a:lnSpc>
+                <a:spcPct val="100000"/>
+              </a:lnSpc>
+              <a:spcBef>
+                <a:spcPts val="0"/>
+              </a:spcBef>
+              <a:spcAft>
+                <a:spcPts val="0"/>
+              </a:spcAft>
+              <a:buClrTx/>
+              <a:buSzTx/>
+              <a:buFontTx/>
+              <a:buNone/>
+              <a:tabLst/>
+              <a:defRPr/>
+            </a:pPr>
+            <a:r>
+              <a:rPr kumimoji="1" lang="en-US" altLang="ja-JP" sz="1200" dirty="0">
+                <a:latin typeface="Arial" panose="020B0604020202020204" pitchFamily="34" charset="0"/>
+                <a:cs typeface="Arial" panose="020B0604020202020204" pitchFamily="34" charset="0"/>
+              </a:rPr>
+              <a:t>(00:55)</a:t>
+            </a:r>
             <a:endParaRPr kumimoji="1" lang="ja-JP" altLang="en-US" sz="1200" dirty="0">
               <a:latin typeface="Arial" panose="020B0604020202020204" pitchFamily="34" charset="0"/>
               <a:cs typeface="Arial" panose="020B0604020202020204" pitchFamily="34" charset="0"/>
@@ -1180,6 +1275,592 @@
     <p:extLst>
       <p:ext uri="{BB962C8B-B14F-4D97-AF65-F5344CB8AC3E}">
         <p14:creationId xmlns:p14="http://schemas.microsoft.com/office/powerpoint/2010/main" val="2662589242"/>
+      </p:ext>
+    </p:extLst>
+  </p:cSld>
+  <p:clrMapOvr>
+    <a:masterClrMapping/>
+  </p:clrMapOvr>
+</p:notes>
+</file>
+
+<file path=ppt/notesSlides/notesSlide4.xml><?xml version="1.0" encoding="utf-8"?>
+<p:notes xmlns:a="http://schemas.openxmlformats.org/drawingml/2006/main" xmlns:r="http://schemas.openxmlformats.org/officeDocument/2006/relationships" xmlns:p="http://schemas.openxmlformats.org/presentationml/2006/main">
+  <p:cSld>
+    <p:spTree>
+      <p:nvGrpSpPr>
+        <p:cNvPr id="1" name=""/>
+        <p:cNvGrpSpPr/>
+        <p:nvPr/>
+      </p:nvGrpSpPr>
+      <p:grpSpPr>
+        <a:xfrm>
+          <a:off x="0" y="0"/>
+          <a:ext cx="0" cy="0"/>
+          <a:chOff x="0" y="0"/>
+          <a:chExt cx="0" cy="0"/>
+        </a:xfrm>
+      </p:grpSpPr>
+      <p:sp>
+        <p:nvSpPr>
+          <p:cNvPr id="2" name="スライド イメージ プレースホルダー 1"/>
+          <p:cNvSpPr>
+            <a:spLocks noGrp="1" noRot="1" noChangeAspect="1"/>
+          </p:cNvSpPr>
+          <p:nvPr>
+            <p:ph type="sldImg"/>
+          </p:nvPr>
+        </p:nvSpPr>
+        <p:spPr/>
+      </p:sp>
+      <p:sp>
+        <p:nvSpPr>
+          <p:cNvPr id="3" name="ノート プレースホルダー 2"/>
+          <p:cNvSpPr>
+            <a:spLocks noGrp="1"/>
+          </p:cNvSpPr>
+          <p:nvPr>
+            <p:ph type="body" idx="1"/>
+          </p:nvPr>
+        </p:nvSpPr>
+        <p:spPr/>
+        <p:txBody>
+          <a:bodyPr/>
+          <a:lstStyle/>
+          <a:p>
+            <a:pPr marL="0" marR="0" lvl="0" indent="0" algn="l" defTabSz="914400" rtl="0" eaLnBrk="1" fontAlgn="auto" latinLnBrk="0" hangingPunct="1">
+              <a:lnSpc>
+                <a:spcPct val="100000"/>
+              </a:lnSpc>
+              <a:spcBef>
+                <a:spcPts val="0"/>
+              </a:spcBef>
+              <a:spcAft>
+                <a:spcPts val="0"/>
+              </a:spcAft>
+              <a:buClrTx/>
+              <a:buSzTx/>
+              <a:buFontTx/>
+              <a:buNone/>
+              <a:tabLst/>
+              <a:defRPr/>
+            </a:pPr>
+            <a:r>
+              <a:rPr kumimoji="1" lang="en-US" altLang="ja-JP" dirty="0"/>
+              <a:t>!! Three subjects' data were given as training data, !! and one subject's data was given as test data.</a:t>
+            </a:r>
+          </a:p>
+          <a:p>
+            <a:pPr marL="0" marR="0" lvl="0" indent="0" algn="l" defTabSz="914400" rtl="0" eaLnBrk="1" fontAlgn="auto" latinLnBrk="0" hangingPunct="1">
+              <a:lnSpc>
+                <a:spcPct val="100000"/>
+              </a:lnSpc>
+              <a:spcBef>
+                <a:spcPts val="0"/>
+              </a:spcBef>
+              <a:spcAft>
+                <a:spcPts val="0"/>
+              </a:spcAft>
+              <a:buClrTx/>
+              <a:buSzTx/>
+              <a:buFontTx/>
+              <a:buNone/>
+              <a:tabLst/>
+              <a:defRPr/>
+            </a:pPr>
+            <a:r>
+              <a:rPr kumimoji="1" lang="en-US" altLang="ja-JP" dirty="0"/>
+              <a:t>We need to classify what activities are included in the 48 segments of subject 4. !!</a:t>
+            </a:r>
+          </a:p>
+          <a:p>
+            <a:r>
+              <a:rPr kumimoji="1" lang="en-US" altLang="ja-JP" dirty="0"/>
+              <a:t>Each segment contains one activity.</a:t>
+            </a:r>
+          </a:p>
+          <a:p>
+            <a:r>
+              <a:rPr kumimoji="1" lang="en-US" altLang="ja-JP" dirty="0"/>
+              <a:t>The length of the data is approximately 6000.</a:t>
+            </a:r>
+          </a:p>
+          <a:p>
+            <a:endParaRPr kumimoji="1" lang="en-US" altLang="ja-JP" dirty="0"/>
+          </a:p>
+          <a:p>
+            <a:r>
+              <a:rPr kumimoji="1" lang="en-US" altLang="ja-JP" dirty="0"/>
+              <a:t>(01:15)</a:t>
+            </a:r>
+          </a:p>
+        </p:txBody>
+      </p:sp>
+      <p:sp>
+        <p:nvSpPr>
+          <p:cNvPr id="4" name="スライド番号プレースホルダー 3"/>
+          <p:cNvSpPr>
+            <a:spLocks noGrp="1"/>
+          </p:cNvSpPr>
+          <p:nvPr>
+            <p:ph type="sldNum" sz="quarter" idx="5"/>
+          </p:nvPr>
+        </p:nvSpPr>
+        <p:spPr/>
+        <p:txBody>
+          <a:bodyPr/>
+          <a:lstStyle/>
+          <a:p>
+            <a:fld id="{7AF2A3DA-E210-4C99-BA06-04F6F8F036F3}" type="slidenum">
+              <a:rPr kumimoji="1" lang="ja-JP" altLang="en-US" smtClean="0"/>
+              <a:t>4</a:t>
+            </a:fld>
+            <a:endParaRPr kumimoji="1" lang="ja-JP" altLang="en-US"/>
+          </a:p>
+        </p:txBody>
+      </p:sp>
+    </p:spTree>
+    <p:extLst>
+      <p:ext uri="{BB962C8B-B14F-4D97-AF65-F5344CB8AC3E}">
+        <p14:creationId xmlns:p14="http://schemas.microsoft.com/office/powerpoint/2010/main" val="1407313493"/>
+      </p:ext>
+    </p:extLst>
+  </p:cSld>
+  <p:clrMapOvr>
+    <a:masterClrMapping/>
+  </p:clrMapOvr>
+</p:notes>
+</file>
+
+<file path=ppt/notesSlides/notesSlide5.xml><?xml version="1.0" encoding="utf-8"?>
+<p:notes xmlns:a="http://schemas.openxmlformats.org/drawingml/2006/main" xmlns:r="http://schemas.openxmlformats.org/officeDocument/2006/relationships" xmlns:p="http://schemas.openxmlformats.org/presentationml/2006/main">
+  <p:cSld>
+    <p:spTree>
+      <p:nvGrpSpPr>
+        <p:cNvPr id="1" name=""/>
+        <p:cNvGrpSpPr/>
+        <p:nvPr/>
+      </p:nvGrpSpPr>
+      <p:grpSpPr>
+        <a:xfrm>
+          <a:off x="0" y="0"/>
+          <a:ext cx="0" cy="0"/>
+          <a:chOff x="0" y="0"/>
+          <a:chExt cx="0" cy="0"/>
+        </a:xfrm>
+      </p:grpSpPr>
+      <p:sp>
+        <p:nvSpPr>
+          <p:cNvPr id="2" name="スライド イメージ プレースホルダー 1"/>
+          <p:cNvSpPr>
+            <a:spLocks noGrp="1" noRot="1" noChangeAspect="1"/>
+          </p:cNvSpPr>
+          <p:nvPr>
+            <p:ph type="sldImg"/>
+          </p:nvPr>
+        </p:nvSpPr>
+        <p:spPr/>
+      </p:sp>
+      <p:sp>
+        <p:nvSpPr>
+          <p:cNvPr id="3" name="ノート プレースホルダー 2"/>
+          <p:cNvSpPr>
+            <a:spLocks noGrp="1"/>
+          </p:cNvSpPr>
+          <p:nvPr>
+            <p:ph type="body" idx="1"/>
+          </p:nvPr>
+        </p:nvSpPr>
+        <p:spPr/>
+        <p:txBody>
+          <a:bodyPr/>
+          <a:lstStyle/>
+          <a:p>
+            <a:r>
+              <a:rPr kumimoji="1" lang="en-US" altLang="ja-JP" dirty="0"/>
+              <a:t>In the proposed method, preprocessing is performed before feeding the data into the classification model.</a:t>
+            </a:r>
+          </a:p>
+          <a:p>
+            <a:r>
+              <a:rPr kumimoji="1" lang="en-US" altLang="ja-JP" dirty="0"/>
+              <a:t>After explaining the overall flow, each process will be explained in detail. !!</a:t>
+            </a:r>
+          </a:p>
+          <a:p>
+            <a:endParaRPr kumimoji="1" lang="en-US" altLang="ja-JP" dirty="0"/>
+          </a:p>
+          <a:p>
+            <a:r>
+              <a:rPr kumimoji="1" lang="en-US" altLang="ja-JP" dirty="0"/>
+              <a:t>First, Reading data process reads the motion capture data from the file for each part. !!</a:t>
+            </a:r>
+          </a:p>
+          <a:p>
+            <a:r>
+              <a:rPr kumimoji="1" lang="en-US" altLang="ja-JP" dirty="0"/>
+              <a:t>Converting process converts motion capture data to velocity data. !!</a:t>
+            </a:r>
+          </a:p>
+          <a:p>
+            <a:r>
+              <a:rPr kumimoji="1" lang="en-US" altLang="ja-JP" dirty="0"/>
+              <a:t>This velocity data contains repetitive behaviors, so it is divided into files for each motion by Partitioning process. !!</a:t>
+            </a:r>
+          </a:p>
+          <a:p>
+            <a:r>
+              <a:rPr kumimoji="1" lang="en-US" altLang="ja-JP" dirty="0"/>
+              <a:t>Finally, feature values are extracted from each velocity data.</a:t>
+            </a:r>
+          </a:p>
+          <a:p>
+            <a:endParaRPr kumimoji="1" lang="en-US" altLang="ja-JP" dirty="0"/>
+          </a:p>
+          <a:p>
+            <a:r>
+              <a:rPr kumimoji="1" lang="en-US" altLang="ja-JP" dirty="0"/>
+              <a:t>(02:00)</a:t>
+            </a:r>
+          </a:p>
+        </p:txBody>
+      </p:sp>
+      <p:sp>
+        <p:nvSpPr>
+          <p:cNvPr id="4" name="スライド番号プレースホルダー 3"/>
+          <p:cNvSpPr>
+            <a:spLocks noGrp="1"/>
+          </p:cNvSpPr>
+          <p:nvPr>
+            <p:ph type="sldNum" sz="quarter" idx="5"/>
+          </p:nvPr>
+        </p:nvSpPr>
+        <p:spPr/>
+        <p:txBody>
+          <a:bodyPr/>
+          <a:lstStyle/>
+          <a:p>
+            <a:fld id="{7AF2A3DA-E210-4C99-BA06-04F6F8F036F3}" type="slidenum">
+              <a:rPr kumimoji="1" lang="ja-JP" altLang="en-US" smtClean="0"/>
+              <a:t>5</a:t>
+            </a:fld>
+            <a:endParaRPr kumimoji="1" lang="ja-JP" altLang="en-US"/>
+          </a:p>
+        </p:txBody>
+      </p:sp>
+    </p:spTree>
+    <p:extLst>
+      <p:ext uri="{BB962C8B-B14F-4D97-AF65-F5344CB8AC3E}">
+        <p14:creationId xmlns:p14="http://schemas.microsoft.com/office/powerpoint/2010/main" val="2840410106"/>
+      </p:ext>
+    </p:extLst>
+  </p:cSld>
+  <p:clrMapOvr>
+    <a:masterClrMapping/>
+  </p:clrMapOvr>
+</p:notes>
+</file>
+
+<file path=ppt/notesSlides/notesSlide6.xml><?xml version="1.0" encoding="utf-8"?>
+<p:notes xmlns:a="http://schemas.openxmlformats.org/drawingml/2006/main" xmlns:r="http://schemas.openxmlformats.org/officeDocument/2006/relationships" xmlns:p="http://schemas.openxmlformats.org/presentationml/2006/main">
+  <p:cSld>
+    <p:spTree>
+      <p:nvGrpSpPr>
+        <p:cNvPr id="1" name=""/>
+        <p:cNvGrpSpPr/>
+        <p:nvPr/>
+      </p:nvGrpSpPr>
+      <p:grpSpPr>
+        <a:xfrm>
+          <a:off x="0" y="0"/>
+          <a:ext cx="0" cy="0"/>
+          <a:chOff x="0" y="0"/>
+          <a:chExt cx="0" cy="0"/>
+        </a:xfrm>
+      </p:grpSpPr>
+      <p:sp>
+        <p:nvSpPr>
+          <p:cNvPr id="2" name="スライド イメージ プレースホルダー 1"/>
+          <p:cNvSpPr>
+            <a:spLocks noGrp="1" noRot="1" noChangeAspect="1"/>
+          </p:cNvSpPr>
+          <p:nvPr>
+            <p:ph type="sldImg"/>
+          </p:nvPr>
+        </p:nvSpPr>
+        <p:spPr/>
+      </p:sp>
+      <p:sp>
+        <p:nvSpPr>
+          <p:cNvPr id="3" name="ノート プレースホルダー 2"/>
+          <p:cNvSpPr>
+            <a:spLocks noGrp="1"/>
+          </p:cNvSpPr>
+          <p:nvPr>
+            <p:ph type="body" idx="1"/>
+          </p:nvPr>
+        </p:nvSpPr>
+        <p:spPr/>
+        <p:txBody>
+          <a:bodyPr/>
+          <a:lstStyle/>
+          <a:p>
+            <a:r>
+              <a:rPr kumimoji="1" lang="en-US" altLang="ja-JP" dirty="0"/>
+              <a:t>I will explain the detail of Converting process.</a:t>
+            </a:r>
+          </a:p>
+          <a:p>
+            <a:pPr marL="0" marR="0" lvl="0" indent="0" algn="l" defTabSz="914400" rtl="0" eaLnBrk="1" fontAlgn="auto" latinLnBrk="0" hangingPunct="1">
+              <a:lnSpc>
+                <a:spcPct val="100000"/>
+              </a:lnSpc>
+              <a:spcBef>
+                <a:spcPts val="0"/>
+              </a:spcBef>
+              <a:spcAft>
+                <a:spcPts val="0"/>
+              </a:spcAft>
+              <a:buClrTx/>
+              <a:buSzTx/>
+              <a:buFontTx/>
+              <a:buNone/>
+              <a:tabLst/>
+              <a:defRPr/>
+            </a:pPr>
+            <a:r>
+              <a:rPr kumimoji="1" lang="en-US" altLang="ja-JP" dirty="0"/>
+              <a:t>This process convert to velocity data from the raw data.</a:t>
+            </a:r>
+          </a:p>
+          <a:p>
+            <a:pPr marL="0" marR="0" lvl="0" indent="0" algn="l" defTabSz="914400" rtl="0" eaLnBrk="1" fontAlgn="auto" latinLnBrk="0" hangingPunct="1">
+              <a:lnSpc>
+                <a:spcPct val="100000"/>
+              </a:lnSpc>
+              <a:spcBef>
+                <a:spcPts val="0"/>
+              </a:spcBef>
+              <a:spcAft>
+                <a:spcPts val="0"/>
+              </a:spcAft>
+              <a:buClrTx/>
+              <a:buSzTx/>
+              <a:buFontTx/>
+              <a:buNone/>
+              <a:tabLst/>
+              <a:defRPr/>
+            </a:pPr>
+            <a:endParaRPr kumimoji="1" lang="en-US" altLang="ja-JP" dirty="0"/>
+          </a:p>
+          <a:p>
+            <a:pPr marL="0" marR="0" lvl="0" indent="0" algn="l" defTabSz="914400" rtl="0" eaLnBrk="1" fontAlgn="auto" latinLnBrk="0" hangingPunct="1">
+              <a:lnSpc>
+                <a:spcPct val="100000"/>
+              </a:lnSpc>
+              <a:spcBef>
+                <a:spcPts val="0"/>
+              </a:spcBef>
+              <a:spcAft>
+                <a:spcPts val="0"/>
+              </a:spcAft>
+              <a:buClrTx/>
+              <a:buSzTx/>
+              <a:buFontTx/>
+              <a:buNone/>
+              <a:tabLst/>
+              <a:defRPr/>
+            </a:pPr>
+            <a:r>
+              <a:rPr kumimoji="1" lang="en-US" altLang="ja-JP" dirty="0"/>
+              <a:t>First, the process interpolate the missing values in the raw data. !!</a:t>
+            </a:r>
+          </a:p>
+          <a:p>
+            <a:pPr marL="0" marR="0" lvl="0" indent="0" algn="l" defTabSz="914400" rtl="0" eaLnBrk="1" fontAlgn="auto" latinLnBrk="0" hangingPunct="1">
+              <a:lnSpc>
+                <a:spcPct val="100000"/>
+              </a:lnSpc>
+              <a:spcBef>
+                <a:spcPts val="0"/>
+              </a:spcBef>
+              <a:spcAft>
+                <a:spcPts val="0"/>
+              </a:spcAft>
+              <a:buClrTx/>
+              <a:buSzTx/>
+              <a:buFontTx/>
+              <a:buNone/>
+              <a:tabLst/>
+              <a:defRPr/>
+            </a:pPr>
+            <a:r>
+              <a:rPr kumimoji="1" lang="en-US" altLang="ja-JP" dirty="0"/>
+              <a:t>The interpolation algorithm is represented by this equation. !!</a:t>
+            </a:r>
+          </a:p>
+          <a:p>
+            <a:pPr marL="0" marR="0" lvl="0" indent="0" algn="l" defTabSz="914400" rtl="0" eaLnBrk="1" fontAlgn="auto" latinLnBrk="0" hangingPunct="1">
+              <a:lnSpc>
+                <a:spcPct val="100000"/>
+              </a:lnSpc>
+              <a:spcBef>
+                <a:spcPts val="0"/>
+              </a:spcBef>
+              <a:spcAft>
+                <a:spcPts val="0"/>
+              </a:spcAft>
+              <a:buClrTx/>
+              <a:buSzTx/>
+              <a:buFontTx/>
+              <a:buNone/>
+              <a:tabLst/>
+              <a:defRPr/>
+            </a:pPr>
+            <a:r>
+              <a:rPr kumimoji="1" lang="en-US" altLang="ja-JP" dirty="0"/>
+              <a:t>If t is 100 and t+4 is 900, increasing by 200, !! then t+1 is 300, !! t+2 is 500, !! and t+3 is 700.</a:t>
+            </a:r>
+          </a:p>
+          <a:p>
+            <a:pPr marL="0" marR="0" lvl="0" indent="0" algn="l" defTabSz="914400" rtl="0" eaLnBrk="1" fontAlgn="auto" latinLnBrk="0" hangingPunct="1">
+              <a:lnSpc>
+                <a:spcPct val="100000"/>
+              </a:lnSpc>
+              <a:spcBef>
+                <a:spcPts val="0"/>
+              </a:spcBef>
+              <a:spcAft>
+                <a:spcPts val="0"/>
+              </a:spcAft>
+              <a:buClrTx/>
+              <a:buSzTx/>
+              <a:buFontTx/>
+              <a:buNone/>
+              <a:tabLst/>
+              <a:defRPr/>
+            </a:pPr>
+            <a:endParaRPr kumimoji="1" lang="en-US" altLang="ja-JP" dirty="0"/>
+          </a:p>
+          <a:p>
+            <a:pPr marL="0" marR="0" lvl="0" indent="0" algn="l" defTabSz="914400" rtl="0" eaLnBrk="1" fontAlgn="auto" latinLnBrk="0" hangingPunct="1">
+              <a:lnSpc>
+                <a:spcPct val="100000"/>
+              </a:lnSpc>
+              <a:spcBef>
+                <a:spcPts val="0"/>
+              </a:spcBef>
+              <a:spcAft>
+                <a:spcPts val="0"/>
+              </a:spcAft>
+              <a:buClrTx/>
+              <a:buSzTx/>
+              <a:buFontTx/>
+              <a:buNone/>
+              <a:tabLst/>
+              <a:defRPr/>
+            </a:pPr>
+            <a:r>
+              <a:rPr lang="en-US" altLang="ja-JP" dirty="0"/>
+              <a:t>Next, the interpolated data was used to calculate the velocity data.</a:t>
+            </a:r>
+            <a:endParaRPr kumimoji="1" lang="en-US" altLang="ja-JP" dirty="0"/>
+          </a:p>
+          <a:p>
+            <a:pPr marL="0" marR="0" lvl="0" indent="0" algn="l" defTabSz="914400" rtl="0" eaLnBrk="1" fontAlgn="auto" latinLnBrk="0" hangingPunct="1">
+              <a:lnSpc>
+                <a:spcPct val="100000"/>
+              </a:lnSpc>
+              <a:spcBef>
+                <a:spcPts val="0"/>
+              </a:spcBef>
+              <a:spcAft>
+                <a:spcPts val="0"/>
+              </a:spcAft>
+              <a:buClrTx/>
+              <a:buSzTx/>
+              <a:buFontTx/>
+              <a:buNone/>
+              <a:tabLst/>
+              <a:defRPr/>
+            </a:pPr>
+            <a:r>
+              <a:rPr lang="en-US" altLang="ja-JP" dirty="0"/>
+              <a:t>The method calculates the difference between adjacent values, !! and then divides by 0.01 to calculate the velocity data.</a:t>
+            </a:r>
+          </a:p>
+          <a:p>
+            <a:pPr marL="0" marR="0" lvl="0" indent="0" algn="l" defTabSz="914400" rtl="0" eaLnBrk="1" fontAlgn="auto" latinLnBrk="0" hangingPunct="1">
+              <a:lnSpc>
+                <a:spcPct val="100000"/>
+              </a:lnSpc>
+              <a:spcBef>
+                <a:spcPts val="0"/>
+              </a:spcBef>
+              <a:spcAft>
+                <a:spcPts val="0"/>
+              </a:spcAft>
+              <a:buClrTx/>
+              <a:buSzTx/>
+              <a:buFontTx/>
+              <a:buNone/>
+              <a:tabLst/>
+              <a:defRPr/>
+            </a:pPr>
+            <a:endParaRPr lang="en-US" altLang="ja-JP" dirty="0"/>
+          </a:p>
+          <a:p>
+            <a:pPr marL="0" marR="0" lvl="0" indent="0" algn="l" defTabSz="914400" rtl="0" eaLnBrk="1" fontAlgn="auto" latinLnBrk="0" hangingPunct="1">
+              <a:lnSpc>
+                <a:spcPct val="100000"/>
+              </a:lnSpc>
+              <a:spcBef>
+                <a:spcPts val="0"/>
+              </a:spcBef>
+              <a:spcAft>
+                <a:spcPts val="0"/>
+              </a:spcAft>
+              <a:buClrTx/>
+              <a:buSzTx/>
+              <a:buFontTx/>
+              <a:buNone/>
+              <a:tabLst/>
+              <a:defRPr/>
+            </a:pPr>
+            <a:r>
+              <a:rPr lang="en-US" altLang="ja-JP"/>
+              <a:t>(03:00)</a:t>
+            </a:r>
+          </a:p>
+        </p:txBody>
+      </p:sp>
+      <p:sp>
+        <p:nvSpPr>
+          <p:cNvPr id="4" name="スライド番号プレースホルダー 3"/>
+          <p:cNvSpPr>
+            <a:spLocks noGrp="1"/>
+          </p:cNvSpPr>
+          <p:nvPr>
+            <p:ph type="sldNum" sz="quarter" idx="5"/>
+          </p:nvPr>
+        </p:nvSpPr>
+        <p:spPr/>
+        <p:txBody>
+          <a:bodyPr/>
+          <a:lstStyle/>
+          <a:p>
+            <a:fld id="{7AF2A3DA-E210-4C99-BA06-04F6F8F036F3}" type="slidenum">
+              <a:rPr kumimoji="1" lang="ja-JP" altLang="en-US" smtClean="0"/>
+              <a:t>6</a:t>
+            </a:fld>
+            <a:endParaRPr kumimoji="1" lang="ja-JP" altLang="en-US"/>
+          </a:p>
+        </p:txBody>
+      </p:sp>
+    </p:spTree>
+    <p:extLst>
+      <p:ext uri="{BB962C8B-B14F-4D97-AF65-F5344CB8AC3E}">
+        <p14:creationId xmlns:p14="http://schemas.microsoft.com/office/powerpoint/2010/main" val="1616362032"/>
       </p:ext>
     </p:extLst>
   </p:cSld>
@@ -1274,7 +1955,7 @@
           <a:p>
             <a:fld id="{A98D3432-C38B-446E-969A-78567292025D}" type="datetime1">
               <a:rPr kumimoji="1" lang="ja-JP" altLang="en-US" smtClean="0"/>
-              <a:t>2021/10/15</a:t>
+              <a:t>2021/10/18</a:t>
             </a:fld>
             <a:endParaRPr kumimoji="1" lang="ja-JP" altLang="en-US"/>
           </a:p>
@@ -1775,7 +2456,7 @@
           <a:p>
             <a:fld id="{05B662BA-D465-4C44-BE2B-F2A8D4F2B289}" type="datetime1">
               <a:rPr kumimoji="1" lang="ja-JP" altLang="en-US" smtClean="0"/>
-              <a:t>2021/10/15</a:t>
+              <a:t>2021/10/18</a:t>
             </a:fld>
             <a:endParaRPr kumimoji="1" lang="ja-JP" altLang="en-US"/>
           </a:p>
@@ -2015,7 +2696,7 @@
           <a:p>
             <a:fld id="{A4B4DDCD-FB98-44E4-BDAA-3DB16A47270F}" type="datetime1">
               <a:rPr kumimoji="1" lang="ja-JP" altLang="en-US" smtClean="0"/>
-              <a:t>2021/10/15</a:t>
+              <a:t>2021/10/18</a:t>
             </a:fld>
             <a:endParaRPr kumimoji="1" lang="ja-JP" altLang="en-US"/>
           </a:p>
@@ -2298,7 +2979,7 @@
           <a:p>
             <a:fld id="{DFD2984D-04FA-418A-85DE-0DB3CB16783E}" type="datetime1">
               <a:rPr kumimoji="1" lang="ja-JP" altLang="en-US" smtClean="0"/>
-              <a:t>2021/10/15</a:t>
+              <a:t>2021/10/18</a:t>
             </a:fld>
             <a:endParaRPr kumimoji="1" lang="ja-JP" altLang="en-US"/>
           </a:p>
@@ -2747,7 +3428,7 @@
           <a:p>
             <a:fld id="{4CBACEDF-020F-4270-BF0A-980F8136E038}" type="datetime1">
               <a:rPr kumimoji="1" lang="ja-JP" altLang="en-US" smtClean="0"/>
-              <a:t>2021/10/15</a:t>
+              <a:t>2021/10/18</a:t>
             </a:fld>
             <a:endParaRPr kumimoji="1" lang="ja-JP" altLang="en-US"/>
           </a:p>
@@ -3076,7 +3757,7 @@
           <a:p>
             <a:fld id="{777E2237-9B3F-4231-B30C-59668B530BD1}" type="datetime1">
               <a:rPr kumimoji="1" lang="ja-JP" altLang="en-US" smtClean="0"/>
-              <a:t>2021/10/15</a:t>
+              <a:t>2021/10/18</a:t>
             </a:fld>
             <a:endParaRPr kumimoji="1" lang="ja-JP" altLang="en-US"/>
           </a:p>
@@ -3552,7 +4233,7 @@
           <a:p>
             <a:fld id="{FC32FA7D-BC1F-4F29-8624-3C079AC63AB5}" type="datetime1">
               <a:rPr kumimoji="1" lang="ja-JP" altLang="en-US" smtClean="0"/>
-              <a:t>2021/10/15</a:t>
+              <a:t>2021/10/18</a:t>
             </a:fld>
             <a:endParaRPr kumimoji="1" lang="ja-JP" altLang="en-US"/>
           </a:p>
@@ -3693,7 +4374,7 @@
           <a:p>
             <a:fld id="{3C84FD27-4E70-444C-BEAA-8F4375C442D0}" type="datetime1">
               <a:rPr kumimoji="1" lang="ja-JP" altLang="en-US" smtClean="0"/>
-              <a:t>2021/10/15</a:t>
+              <a:t>2021/10/18</a:t>
             </a:fld>
             <a:endParaRPr kumimoji="1" lang="ja-JP" altLang="en-US"/>
           </a:p>
@@ -3806,7 +4487,7 @@
           <a:p>
             <a:fld id="{948AA4EF-B642-4876-A0D8-C1A1222FECFF}" type="datetime1">
               <a:rPr kumimoji="1" lang="ja-JP" altLang="en-US" smtClean="0"/>
-              <a:t>2021/10/15</a:t>
+              <a:t>2021/10/18</a:t>
             </a:fld>
             <a:endParaRPr kumimoji="1" lang="ja-JP" altLang="en-US"/>
           </a:p>
@@ -4149,7 +4830,7 @@
           <a:p>
             <a:fld id="{11B8299D-EABC-4EEB-90B0-DD13FA256803}" type="datetime1">
               <a:rPr kumimoji="1" lang="ja-JP" altLang="en-US" smtClean="0"/>
-              <a:t>2021/10/15</a:t>
+              <a:t>2021/10/18</a:t>
             </a:fld>
             <a:endParaRPr kumimoji="1" lang="ja-JP" altLang="en-US"/>
           </a:p>
@@ -4437,7 +5118,7 @@
           <a:p>
             <a:fld id="{2CB9F4AB-19AE-4711-AA92-655F76F7355A}" type="datetime1">
               <a:rPr kumimoji="1" lang="ja-JP" altLang="en-US" smtClean="0"/>
-              <a:t>2021/10/15</a:t>
+              <a:t>2021/10/18</a:t>
             </a:fld>
             <a:endParaRPr kumimoji="1" lang="ja-JP" altLang="en-US"/>
           </a:p>
@@ -4710,7 +5391,7 @@
           <a:p>
             <a:fld id="{10A34200-B792-42A2-9C71-FE89F6DBFDEA}" type="datetime1">
               <a:rPr kumimoji="1" lang="ja-JP" altLang="en-US" smtClean="0"/>
-              <a:t>2021/10/15</a:t>
+              <a:t>2021/10/18</a:t>
             </a:fld>
             <a:endParaRPr kumimoji="1" lang="ja-JP" altLang="en-US"/>
           </a:p>
@@ -10303,6 +10984,112 @@
           </a:graphicData>
         </a:graphic>
       </p:graphicFrame>
+      <p:sp>
+        <p:nvSpPr>
+          <p:cNvPr id="5" name="四角形: 角を丸くする 4">
+            <a:extLst>
+              <a:ext uri="{FF2B5EF4-FFF2-40B4-BE49-F238E27FC236}">
+                <a16:creationId xmlns:a16="http://schemas.microsoft.com/office/drawing/2014/main" id="{44A075EE-D116-4ED1-935A-4F0D024231D0}"/>
+              </a:ext>
+            </a:extLst>
+          </p:cNvPr>
+          <p:cNvSpPr/>
+          <p:nvPr/>
+        </p:nvSpPr>
+        <p:spPr>
+          <a:xfrm>
+            <a:off x="2582910" y="3428999"/>
+            <a:ext cx="7026177" cy="1116497"/>
+          </a:xfrm>
+          <a:prstGeom prst="roundRect">
+            <a:avLst>
+              <a:gd name="adj" fmla="val 7172"/>
+            </a:avLst>
+          </a:prstGeom>
+          <a:noFill/>
+          <a:ln w="57150">
+            <a:solidFill>
+              <a:srgbClr val="FF0000"/>
+            </a:solidFill>
+          </a:ln>
+        </p:spPr>
+        <p:style>
+          <a:lnRef idx="2">
+            <a:schemeClr val="accent1">
+              <a:shade val="50000"/>
+            </a:schemeClr>
+          </a:lnRef>
+          <a:fillRef idx="1">
+            <a:schemeClr val="accent1"/>
+          </a:fillRef>
+          <a:effectRef idx="0">
+            <a:schemeClr val="accent1"/>
+          </a:effectRef>
+          <a:fontRef idx="minor">
+            <a:schemeClr val="lt1"/>
+          </a:fontRef>
+        </p:style>
+        <p:txBody>
+          <a:bodyPr rtlCol="0" anchor="ctr"/>
+          <a:lstStyle/>
+          <a:p>
+            <a:pPr algn="ctr"/>
+            <a:endParaRPr kumimoji="1" lang="ja-JP" altLang="en-US" dirty="0"/>
+          </a:p>
+        </p:txBody>
+      </p:sp>
+      <p:sp>
+        <p:nvSpPr>
+          <p:cNvPr id="9" name="四角形: 角を丸くする 8">
+            <a:extLst>
+              <a:ext uri="{FF2B5EF4-FFF2-40B4-BE49-F238E27FC236}">
+                <a16:creationId xmlns:a16="http://schemas.microsoft.com/office/drawing/2014/main" id="{7B860611-7C92-423F-B3F5-F2CB5BE307AF}"/>
+              </a:ext>
+            </a:extLst>
+          </p:cNvPr>
+          <p:cNvSpPr/>
+          <p:nvPr/>
+        </p:nvSpPr>
+        <p:spPr>
+          <a:xfrm>
+            <a:off x="2582910" y="4545496"/>
+            <a:ext cx="7026177" cy="351844"/>
+          </a:xfrm>
+          <a:prstGeom prst="roundRect">
+            <a:avLst/>
+          </a:prstGeom>
+          <a:noFill/>
+          <a:ln w="57150">
+            <a:solidFill>
+              <a:srgbClr val="FF0000"/>
+            </a:solidFill>
+          </a:ln>
+        </p:spPr>
+        <p:style>
+          <a:lnRef idx="2">
+            <a:schemeClr val="accent1">
+              <a:shade val="50000"/>
+            </a:schemeClr>
+          </a:lnRef>
+          <a:fillRef idx="1">
+            <a:schemeClr val="accent1"/>
+          </a:fillRef>
+          <a:effectRef idx="0">
+            <a:schemeClr val="accent1"/>
+          </a:effectRef>
+          <a:fontRef idx="minor">
+            <a:schemeClr val="lt1"/>
+          </a:fontRef>
+        </p:style>
+        <p:txBody>
+          <a:bodyPr rtlCol="0" anchor="ctr"/>
+          <a:lstStyle/>
+          <a:p>
+            <a:pPr algn="ctr"/>
+            <a:endParaRPr kumimoji="1" lang="ja-JP" altLang="en-US" dirty="0"/>
+          </a:p>
+        </p:txBody>
+      </p:sp>
     </p:spTree>
     <p:extLst>
       <p:ext uri="{BB962C8B-B14F-4D97-AF65-F5344CB8AC3E}">
@@ -10313,6 +11100,245 @@
   <p:clrMapOvr>
     <a:masterClrMapping/>
   </p:clrMapOvr>
+  <p:timing>
+    <p:tnLst>
+      <p:par>
+        <p:cTn id="1" dur="indefinite" restart="never" nodeType="tmRoot">
+          <p:childTnLst>
+            <p:seq concurrent="1" nextAc="seek">
+              <p:cTn id="2" dur="indefinite" nodeType="mainSeq">
+                <p:childTnLst>
+                  <p:par>
+                    <p:cTn id="3" fill="hold">
+                      <p:stCondLst>
+                        <p:cond delay="indefinite"/>
+                      </p:stCondLst>
+                      <p:childTnLst>
+                        <p:par>
+                          <p:cTn id="4" fill="hold">
+                            <p:stCondLst>
+                              <p:cond delay="0"/>
+                            </p:stCondLst>
+                            <p:childTnLst>
+                              <p:par>
+                                <p:cTn id="5" presetID="10" presetClass="entr" presetSubtype="0" fill="hold" grpId="0" nodeType="clickEffect">
+                                  <p:stCondLst>
+                                    <p:cond delay="0"/>
+                                  </p:stCondLst>
+                                  <p:childTnLst>
+                                    <p:set>
+                                      <p:cBhvr>
+                                        <p:cTn id="6" dur="1" fill="hold">
+                                          <p:stCondLst>
+                                            <p:cond delay="0"/>
+                                          </p:stCondLst>
+                                        </p:cTn>
+                                        <p:tgtEl>
+                                          <p:spTgt spid="5"/>
+                                        </p:tgtEl>
+                                        <p:attrNameLst>
+                                          <p:attrName>style.visibility</p:attrName>
+                                        </p:attrNameLst>
+                                      </p:cBhvr>
+                                      <p:to>
+                                        <p:strVal val="visible"/>
+                                      </p:to>
+                                    </p:set>
+                                    <p:animEffect transition="in" filter="fade">
+                                      <p:cBhvr>
+                                        <p:cTn id="7" dur="500"/>
+                                        <p:tgtEl>
+                                          <p:spTgt spid="5"/>
+                                        </p:tgtEl>
+                                      </p:cBhvr>
+                                    </p:animEffect>
+                                  </p:childTnLst>
+                                </p:cTn>
+                              </p:par>
+                            </p:childTnLst>
+                          </p:cTn>
+                        </p:par>
+                      </p:childTnLst>
+                    </p:cTn>
+                  </p:par>
+                  <p:par>
+                    <p:cTn id="8" fill="hold">
+                      <p:stCondLst>
+                        <p:cond delay="indefinite"/>
+                      </p:stCondLst>
+                      <p:childTnLst>
+                        <p:par>
+                          <p:cTn id="9" fill="hold">
+                            <p:stCondLst>
+                              <p:cond delay="0"/>
+                            </p:stCondLst>
+                            <p:childTnLst>
+                              <p:par>
+                                <p:cTn id="10" presetID="10" presetClass="exit" presetSubtype="0" fill="hold" grpId="1" nodeType="clickEffect">
+                                  <p:stCondLst>
+                                    <p:cond delay="0"/>
+                                  </p:stCondLst>
+                                  <p:childTnLst>
+                                    <p:animEffect transition="out" filter="fade">
+                                      <p:cBhvr>
+                                        <p:cTn id="11" dur="500"/>
+                                        <p:tgtEl>
+                                          <p:spTgt spid="5"/>
+                                        </p:tgtEl>
+                                      </p:cBhvr>
+                                    </p:animEffect>
+                                    <p:set>
+                                      <p:cBhvr>
+                                        <p:cTn id="12" dur="1" fill="hold">
+                                          <p:stCondLst>
+                                            <p:cond delay="499"/>
+                                          </p:stCondLst>
+                                        </p:cTn>
+                                        <p:tgtEl>
+                                          <p:spTgt spid="5"/>
+                                        </p:tgtEl>
+                                        <p:attrNameLst>
+                                          <p:attrName>style.visibility</p:attrName>
+                                        </p:attrNameLst>
+                                      </p:cBhvr>
+                                      <p:to>
+                                        <p:strVal val="hidden"/>
+                                      </p:to>
+                                    </p:set>
+                                  </p:childTnLst>
+                                </p:cTn>
+                              </p:par>
+                            </p:childTnLst>
+                          </p:cTn>
+                        </p:par>
+                        <p:par>
+                          <p:cTn id="13" fill="hold">
+                            <p:stCondLst>
+                              <p:cond delay="500"/>
+                            </p:stCondLst>
+                            <p:childTnLst>
+                              <p:par>
+                                <p:cTn id="14" presetID="10" presetClass="entr" presetSubtype="0" fill="hold" grpId="0" nodeType="afterEffect">
+                                  <p:stCondLst>
+                                    <p:cond delay="0"/>
+                                  </p:stCondLst>
+                                  <p:childTnLst>
+                                    <p:set>
+                                      <p:cBhvr>
+                                        <p:cTn id="15" dur="1" fill="hold">
+                                          <p:stCondLst>
+                                            <p:cond delay="0"/>
+                                          </p:stCondLst>
+                                        </p:cTn>
+                                        <p:tgtEl>
+                                          <p:spTgt spid="9"/>
+                                        </p:tgtEl>
+                                        <p:attrNameLst>
+                                          <p:attrName>style.visibility</p:attrName>
+                                        </p:attrNameLst>
+                                      </p:cBhvr>
+                                      <p:to>
+                                        <p:strVal val="visible"/>
+                                      </p:to>
+                                    </p:set>
+                                    <p:animEffect transition="in" filter="fade">
+                                      <p:cBhvr>
+                                        <p:cTn id="16" dur="500"/>
+                                        <p:tgtEl>
+                                          <p:spTgt spid="9"/>
+                                        </p:tgtEl>
+                                      </p:cBhvr>
+                                    </p:animEffect>
+                                  </p:childTnLst>
+                                </p:cTn>
+                              </p:par>
+                            </p:childTnLst>
+                          </p:cTn>
+                        </p:par>
+                      </p:childTnLst>
+                    </p:cTn>
+                  </p:par>
+                  <p:par>
+                    <p:cTn id="17" fill="hold">
+                      <p:stCondLst>
+                        <p:cond delay="indefinite"/>
+                      </p:stCondLst>
+                      <p:childTnLst>
+                        <p:par>
+                          <p:cTn id="18" fill="hold">
+                            <p:stCondLst>
+                              <p:cond delay="0"/>
+                            </p:stCondLst>
+                            <p:childTnLst>
+                              <p:par>
+                                <p:cTn id="19" presetID="10" presetClass="exit" presetSubtype="0" fill="hold" grpId="1" nodeType="clickEffect">
+                                  <p:stCondLst>
+                                    <p:cond delay="0"/>
+                                  </p:stCondLst>
+                                  <p:childTnLst>
+                                    <p:animEffect transition="out" filter="fade">
+                                      <p:cBhvr>
+                                        <p:cTn id="20" dur="500"/>
+                                        <p:tgtEl>
+                                          <p:spTgt spid="9"/>
+                                        </p:tgtEl>
+                                      </p:cBhvr>
+                                    </p:animEffect>
+                                    <p:set>
+                                      <p:cBhvr>
+                                        <p:cTn id="21" dur="1" fill="hold">
+                                          <p:stCondLst>
+                                            <p:cond delay="499"/>
+                                          </p:stCondLst>
+                                        </p:cTn>
+                                        <p:tgtEl>
+                                          <p:spTgt spid="9"/>
+                                        </p:tgtEl>
+                                        <p:attrNameLst>
+                                          <p:attrName>style.visibility</p:attrName>
+                                        </p:attrNameLst>
+                                      </p:cBhvr>
+                                      <p:to>
+                                        <p:strVal val="hidden"/>
+                                      </p:to>
+                                    </p:set>
+                                  </p:childTnLst>
+                                </p:cTn>
+                              </p:par>
+                            </p:childTnLst>
+                          </p:cTn>
+                        </p:par>
+                      </p:childTnLst>
+                    </p:cTn>
+                  </p:par>
+                </p:childTnLst>
+              </p:cTn>
+              <p:prevCondLst>
+                <p:cond evt="onPrev" delay="0">
+                  <p:tgtEl>
+                    <p:sldTgt/>
+                  </p:tgtEl>
+                </p:cond>
+              </p:prevCondLst>
+              <p:nextCondLst>
+                <p:cond evt="onNext" delay="0">
+                  <p:tgtEl>
+                    <p:sldTgt/>
+                  </p:tgtEl>
+                </p:cond>
+              </p:nextCondLst>
+            </p:seq>
+          </p:childTnLst>
+        </p:cTn>
+      </p:par>
+    </p:tnLst>
+    <p:bldLst>
+      <p:bldP spid="5" grpId="0" animBg="1"/>
+      <p:bldP spid="5" grpId="1" animBg="1"/>
+      <p:bldP spid="9" grpId="0" animBg="1"/>
+      <p:bldP spid="9" grpId="1" animBg="1"/>
+    </p:bldLst>
+  </p:timing>
 </p:sld>
 </file>
 
@@ -10411,13 +11437,13 @@
           <p:nvPr/>
         </p:nvPicPr>
         <p:blipFill>
-          <a:blip r:embed="rId2">
+          <a:blip r:embed="rId3">
             <a:extLst>
               <a:ext uri="{28A0092B-C50C-407E-A947-70E740481C1C}">
                 <a14:useLocalDpi xmlns:a14="http://schemas.microsoft.com/office/drawing/2010/main" val="0"/>
               </a:ext>
               <a:ext uri="{96DAC541-7B7A-43D3-8B79-37D633B846F1}">
-                <asvg:svgBlip xmlns:asvg="http://schemas.microsoft.com/office/drawing/2016/SVG/main" r:embed="rId3"/>
+                <asvg:svgBlip xmlns:asvg="http://schemas.microsoft.com/office/drawing/2016/SVG/main" r:embed="rId4"/>
               </a:ext>
             </a:extLst>
           </a:blip>
@@ -11348,14 +12374,22 @@
           <a:lstStyle/>
           <a:p>
             <a:r>
+              <a:rPr lang="en-US" altLang="ja-JP" dirty="0"/>
+              <a:t>C</a:t>
+            </a:r>
+            <a:r>
               <a:rPr kumimoji="1" lang="en-US" altLang="ja-JP" dirty="0"/>
-              <a:t>This process convert to velocity data from the raw data.</a:t>
-            </a:r>
-          </a:p>
-          <a:p>
+              <a:t>onverting to velocity data from the raw data.</a:t>
+            </a:r>
+          </a:p>
+          <a:p>
+            <a:r>
+              <a:rPr lang="en-US" altLang="ja-JP" dirty="0"/>
+              <a:t>T</a:t>
+            </a:r>
             <a:r>
               <a:rPr kumimoji="1" lang="en-US" altLang="ja-JP" dirty="0"/>
-              <a:t>First, the process interpolate the missing values in the raw data.</a:t>
+              <a:t>he process interpolate the missing values in the raw data.</a:t>
             </a:r>
           </a:p>
           <a:p>
@@ -11370,7 +12404,7 @@
           <a:p>
             <a:r>
               <a:rPr lang="en-US" altLang="ja-JP" dirty="0"/>
-              <a:t>Next, the interpolated data was used to calculate the velocity data.</a:t>
+              <a:t>The interpolated data was used to calculate the velocity data.</a:t>
             </a:r>
             <a:endParaRPr kumimoji="1" lang="ja-JP" altLang="en-US" dirty="0"/>
           </a:p>
@@ -11697,7 +12731,7 @@
                     <a:avLst/>
                   </a:prstGeom>
                   <a:blipFill>
-                    <a:blip r:embed="rId2"/>
+                    <a:blip r:embed="rId3"/>
                     <a:stretch>
                       <a:fillRect/>
                     </a:stretch>
@@ -11823,8 +12857,8 @@
               </a:fontRef>
             </p:style>
           </p:cxnSp>
-          <mc:AlternateContent xmlns:mc="http://schemas.openxmlformats.org/markup-compatibility/2006" xmlns:a14="http://schemas.microsoft.com/office/drawing/2010/main">
-            <mc:Choice Requires="a14">
+          <mc:AlternateContent xmlns:mc="http://schemas.openxmlformats.org/markup-compatibility/2006">
+            <mc:Choice xmlns:a14="http://schemas.microsoft.com/office/drawing/2010/main" Requires="a14">
               <p:sp>
                 <p:nvSpPr>
                   <p:cNvPr id="26" name="テキスト ボックス 25">
@@ -11870,13 +12904,7 @@
                             <a:rPr kumimoji="1" lang="en-US" altLang="ja-JP" sz="2000" b="0" i="1" smtClean="0">
                               <a:latin typeface="Cambria Math" panose="02040503050406030204" pitchFamily="18" charset="0"/>
                             </a:rPr>
-                            <m:t>+</m:t>
-                          </m:r>
-                          <m:r>
-                            <a:rPr kumimoji="1" lang="en-US" altLang="ja-JP" sz="2000" b="0" i="1" smtClean="0">
-                              <a:latin typeface="Cambria Math" panose="02040503050406030204" pitchFamily="18" charset="0"/>
-                            </a:rPr>
-                            <m:t>𝑛</m:t>
+                            <m:t>+4</m:t>
                           </m:r>
                         </m:oMath>
                       </m:oMathPara>
@@ -11886,7 +12914,7 @@
                 </p:txBody>
               </p:sp>
             </mc:Choice>
-            <mc:Fallback xmlns="">
+            <mc:Fallback>
               <p:sp>
                 <p:nvSpPr>
                   <p:cNvPr id="26" name="テキスト ボックス 25">
@@ -11910,7 +12938,7 @@
                     <a:avLst/>
                   </a:prstGeom>
                   <a:blipFill>
-                    <a:blip r:embed="rId3"/>
+                    <a:blip r:embed="rId4"/>
                     <a:stretch>
                       <a:fillRect/>
                     </a:stretch>
@@ -12104,7 +13132,7 @@
                   <a:avLst/>
                 </a:prstGeom>
                 <a:blipFill>
-                  <a:blip r:embed="rId4"/>
+                  <a:blip r:embed="rId5"/>
                   <a:stretch>
                     <a:fillRect/>
                   </a:stretch>
@@ -12247,7 +13275,7 @@
                   <a:avLst/>
                 </a:prstGeom>
                 <a:blipFill>
-                  <a:blip r:embed="rId5"/>
+                  <a:blip r:embed="rId6"/>
                   <a:stretch>
                     <a:fillRect/>
                   </a:stretch>
@@ -12390,7 +13418,7 @@
                   <a:avLst/>
                 </a:prstGeom>
                 <a:blipFill>
-                  <a:blip r:embed="rId6"/>
+                  <a:blip r:embed="rId7"/>
                   <a:stretch>
                     <a:fillRect/>
                   </a:stretch>
@@ -12697,7 +13725,7 @@
                 <a:avLst/>
               </a:prstGeom>
               <a:blipFill>
-                <a:blip r:embed="rId7"/>
+                <a:blip r:embed="rId8"/>
                 <a:stretch>
                   <a:fillRect/>
                 </a:stretch>
@@ -12718,8 +13746,8 @@
           </p:sp>
         </mc:Fallback>
       </mc:AlternateContent>
-      <mc:AlternateContent xmlns:mc="http://schemas.openxmlformats.org/markup-compatibility/2006" xmlns:a14="http://schemas.microsoft.com/office/drawing/2010/main">
-        <mc:Choice Requires="a14">
+      <mc:AlternateContent xmlns:mc="http://schemas.openxmlformats.org/markup-compatibility/2006">
+        <mc:Choice xmlns:a14="http://schemas.microsoft.com/office/drawing/2010/main" Requires="a14">
           <p:sp>
             <p:nvSpPr>
               <p:cNvPr id="47" name="テキスト ボックス 46">
@@ -12734,7 +13762,7 @@
             </p:nvSpPr>
             <p:spPr>
               <a:xfrm>
-                <a:off x="2368430" y="5233652"/>
+                <a:off x="2368430" y="5074628"/>
                 <a:ext cx="4256117" cy="689676"/>
               </a:xfrm>
               <a:prstGeom prst="rect">
@@ -12864,7 +13892,7 @@
             </p:txBody>
           </p:sp>
         </mc:Choice>
-        <mc:Fallback xmlns="">
+        <mc:Fallback>
           <p:sp>
             <p:nvSpPr>
               <p:cNvPr id="47" name="テキスト ボックス 46">
@@ -12881,14 +13909,14 @@
             </p:nvSpPr>
             <p:spPr>
               <a:xfrm>
-                <a:off x="2368430" y="5233652"/>
+                <a:off x="2368430" y="5074628"/>
                 <a:ext cx="4256117" cy="689676"/>
               </a:xfrm>
               <a:prstGeom prst="rect">
                 <a:avLst/>
               </a:prstGeom>
               <a:blipFill>
-                <a:blip r:embed="rId8"/>
+                <a:blip r:embed="rId9"/>
                 <a:stretch>
                   <a:fillRect/>
                 </a:stretch>
@@ -12923,7 +13951,7 @@
         </p:nvSpPr>
         <p:spPr>
           <a:xfrm>
-            <a:off x="6192987" y="5604653"/>
+            <a:off x="6192987" y="5445629"/>
             <a:ext cx="3742613" cy="369332"/>
           </a:xfrm>
           <a:prstGeom prst="rect">
@@ -12967,7 +13995,7 @@
         </p:nvCxnSpPr>
         <p:spPr>
           <a:xfrm flipH="1">
-            <a:off x="5444841" y="5789319"/>
+            <a:off x="5444841" y="5630295"/>
             <a:ext cx="748146" cy="0"/>
           </a:xfrm>
           <a:prstGeom prst="straightConnector1">
@@ -12995,6 +14023,58 @@
           </a:fontRef>
         </p:style>
       </p:cxnSp>
+      <p:sp>
+        <p:nvSpPr>
+          <p:cNvPr id="28" name="四角形: 角を丸くする 27">
+            <a:extLst>
+              <a:ext uri="{FF2B5EF4-FFF2-40B4-BE49-F238E27FC236}">
+                <a16:creationId xmlns:a16="http://schemas.microsoft.com/office/drawing/2014/main" id="{3BB28890-571A-4707-8500-E97C44D7A3A2}"/>
+              </a:ext>
+            </a:extLst>
+          </p:cNvPr>
+          <p:cNvSpPr/>
+          <p:nvPr/>
+        </p:nvSpPr>
+        <p:spPr>
+          <a:xfrm>
+            <a:off x="1056029" y="3276924"/>
+            <a:ext cx="4162979" cy="689675"/>
+          </a:xfrm>
+          <a:prstGeom prst="roundRect">
+            <a:avLst/>
+          </a:prstGeom>
+          <a:noFill/>
+          <a:ln w="57150">
+            <a:solidFill>
+              <a:srgbClr val="FF0000"/>
+            </a:solidFill>
+          </a:ln>
+        </p:spPr>
+        <p:style>
+          <a:lnRef idx="2">
+            <a:schemeClr val="accent1">
+              <a:shade val="50000"/>
+            </a:schemeClr>
+          </a:lnRef>
+          <a:fillRef idx="1">
+            <a:schemeClr val="accent1"/>
+          </a:fillRef>
+          <a:effectRef idx="0">
+            <a:schemeClr val="accent1"/>
+          </a:effectRef>
+          <a:fontRef idx="minor">
+            <a:schemeClr val="lt1"/>
+          </a:fontRef>
+        </p:style>
+        <p:txBody>
+          <a:bodyPr rtlCol="0" anchor="ctr"/>
+          <a:lstStyle/>
+          <a:p>
+            <a:pPr algn="ctr"/>
+            <a:endParaRPr kumimoji="1" lang="ja-JP" altLang="en-US"/>
+          </a:p>
+        </p:txBody>
+      </p:sp>
     </p:spTree>
     <p:extLst>
       <p:ext uri="{BB962C8B-B14F-4D97-AF65-F5344CB8AC3E}">
@@ -13026,7 +14106,7 @@
                             </p:stCondLst>
                             <p:childTnLst>
                               <p:par>
-                                <p:cTn id="5" presetID="10" presetClass="entr" presetSubtype="0" fill="hold" nodeType="clickEffect">
+                                <p:cTn id="5" presetID="10" presetClass="entr" presetSubtype="0" fill="hold" grpId="0" nodeType="clickEffect">
                                   <p:stCondLst>
                                     <p:cond delay="0"/>
                                   </p:stCondLst>
@@ -13039,7 +14119,7 @@
                                           </p:stCondLst>
                                         </p:cTn>
                                         <p:tgtEl>
-                                          <p:spTgt spid="45"/>
+                                          <p:spTgt spid="28"/>
                                         </p:tgtEl>
                                         <p:attrNameLst>
                                           <p:attrName>style.visibility</p:attrName>
@@ -13053,7 +14133,7 @@
                                       <p:cBhvr>
                                         <p:cTn id="7" dur="500"/>
                                         <p:tgtEl>
-                                          <p:spTgt spid="45"/>
+                                          <p:spTgt spid="28"/>
                                         </p:tgtEl>
                                       </p:cBhvr>
                                     </p:animEffect>
@@ -13079,14 +14159,111 @@
                             </p:stCondLst>
                             <p:childTnLst>
                               <p:par>
-                                <p:cTn id="10" presetID="10" presetClass="entr" presetSubtype="0" fill="hold" grpId="0" nodeType="clickEffect">
+                                <p:cTn id="10" presetID="10" presetClass="exit" presetSubtype="0" fill="hold" grpId="1" nodeType="clickEffect">
+                                  <p:stCondLst>
+                                    <p:cond delay="0"/>
+                                  </p:stCondLst>
+                                  <p:childTnLst>
+                                    <p:animEffect transition="out" filter="fade">
+                                      <p:cBhvr>
+                                        <p:cTn id="11" dur="500"/>
+                                        <p:tgtEl>
+                                          <p:spTgt spid="28"/>
+                                        </p:tgtEl>
+                                      </p:cBhvr>
+                                    </p:animEffect>
+                                    <p:set>
+                                      <p:cBhvr>
+                                        <p:cTn id="12" dur="1" fill="hold">
+                                          <p:stCondLst>
+                                            <p:cond delay="499"/>
+                                          </p:stCondLst>
+                                        </p:cTn>
+                                        <p:tgtEl>
+                                          <p:spTgt spid="28"/>
+                                        </p:tgtEl>
+                                        <p:attrNameLst>
+                                          <p:attrName>style.visibility</p:attrName>
+                                        </p:attrNameLst>
+                                      </p:cBhvr>
+                                      <p:to>
+                                        <p:strVal val="hidden"/>
+                                      </p:to>
+                                    </p:set>
+                                  </p:childTnLst>
+                                </p:cTn>
+                              </p:par>
+                            </p:childTnLst>
+                          </p:cTn>
+                        </p:par>
+                        <p:par>
+                          <p:cTn id="13" fill="hold">
+                            <p:stCondLst>
+                              <p:cond delay="500"/>
+                            </p:stCondLst>
+                            <p:childTnLst>
+                              <p:par>
+                                <p:cTn id="14" presetID="10" presetClass="entr" presetSubtype="0" fill="hold" nodeType="afterEffect">
                                   <p:stCondLst>
                                     <p:cond delay="0"/>
                                   </p:stCondLst>
                                   <p:childTnLst>
                                     <p:set>
                                       <p:cBhvr>
-                                        <p:cTn id="11" dur="1" fill="hold">
+                                        <p:cTn id="15" dur="1" fill="hold">
+                                          <p:stCondLst>
+                                            <p:cond delay="0"/>
+                                          </p:stCondLst>
+                                        </p:cTn>
+                                        <p:tgtEl>
+                                          <p:spTgt spid="45"/>
+                                        </p:tgtEl>
+                                        <p:attrNameLst>
+                                          <p:attrName>style.visibility</p:attrName>
+                                        </p:attrNameLst>
+                                      </p:cBhvr>
+                                      <p:to>
+                                        <p:strVal val="visible"/>
+                                      </p:to>
+                                    </p:set>
+                                    <p:animEffect transition="in" filter="fade">
+                                      <p:cBhvr>
+                                        <p:cTn id="16" dur="500"/>
+                                        <p:tgtEl>
+                                          <p:spTgt spid="45"/>
+                                        </p:tgtEl>
+                                      </p:cBhvr>
+                                    </p:animEffect>
+                                  </p:childTnLst>
+                                </p:cTn>
+                              </p:par>
+                            </p:childTnLst>
+                          </p:cTn>
+                        </p:par>
+                      </p:childTnLst>
+                    </p:cTn>
+                  </p:par>
+                  <p:par>
+                    <p:cTn id="17" fill="hold">
+                      <p:stCondLst>
+                        <p:cond delay="indefinite"/>
+                      </p:stCondLst>
+                      <p:childTnLst>
+                        <p:par>
+                          <p:cTn id="18" fill="hold">
+                            <p:stCondLst>
+                              <p:cond delay="0"/>
+                            </p:stCondLst>
+                            <p:childTnLst>
+                              <p:par>
+                                <p:cTn id="19" presetID="10" presetClass="entr" presetSubtype="0" fill="hold" grpId="0" nodeType="clickEffect">
+                                  <p:stCondLst>
+                                    <p:cond delay="0"/>
+                                  </p:stCondLst>
+                                  <p:childTnLst>
+                                    <p:set>
+                                      <p:cBhvr>
+                                        <p:cTn id="20" dur="1" fill="hold">
                                           <p:stCondLst>
                                             <p:cond delay="0"/>
                                           </p:stCondLst>
@@ -13104,7 +14281,7 @@
                                     </p:set>
                                     <p:animEffect transition="in" filter="fade">
                                       <p:cBhvr>
-                                        <p:cTn id="12" dur="500"/>
+                                        <p:cTn id="21" dur="500"/>
                                         <p:tgtEl>
                                           <p:spTgt spid="39"/>
                                         </p:tgtEl>
@@ -13120,26 +14297,26 @@
                     </p:cTn>
                   </p:par>
                   <p:par>
-                    <p:cTn id="13" fill="hold">
+                    <p:cTn id="22" fill="hold">
                       <p:stCondLst>
                         <p:cond delay="indefinite"/>
                       </p:stCondLst>
                       <p:childTnLst>
                         <p:par>
-                          <p:cTn id="14" fill="hold">
+                          <p:cTn id="23" fill="hold">
                             <p:stCondLst>
                               <p:cond delay="0"/>
                             </p:stCondLst>
                             <p:childTnLst>
                               <p:par>
-                                <p:cTn id="15" presetID="10" presetClass="entr" presetSubtype="0" fill="hold" grpId="0" nodeType="clickEffect">
+                                <p:cTn id="24" presetID="10" presetClass="entr" presetSubtype="0" fill="hold" grpId="0" nodeType="clickEffect">
                                   <p:stCondLst>
                                     <p:cond delay="0"/>
                                   </p:stCondLst>
                                   <p:childTnLst>
                                     <p:set>
                                       <p:cBhvr>
-                                        <p:cTn id="16" dur="1" fill="hold">
+                                        <p:cTn id="25" dur="1" fill="hold">
                                           <p:stCondLst>
                                             <p:cond delay="0"/>
                                           </p:stCondLst>
@@ -13157,7 +14334,7 @@
                                     </p:set>
                                     <p:animEffect transition="in" filter="fade">
                                       <p:cBhvr>
-                                        <p:cTn id="17" dur="500"/>
+                                        <p:cTn id="26" dur="500"/>
                                         <p:tgtEl>
                                           <p:spTgt spid="31"/>
                                         </p:tgtEl>
@@ -13173,26 +14350,26 @@
                     </p:cTn>
                   </p:par>
                   <p:par>
-                    <p:cTn id="18" fill="hold">
+                    <p:cTn id="27" fill="hold">
                       <p:stCondLst>
                         <p:cond delay="indefinite"/>
                       </p:stCondLst>
                       <p:childTnLst>
                         <p:par>
-                          <p:cTn id="19" fill="hold">
+                          <p:cTn id="28" fill="hold">
                             <p:stCondLst>
                               <p:cond delay="0"/>
                             </p:stCondLst>
                             <p:childTnLst>
                               <p:par>
-                                <p:cTn id="20" presetID="10" presetClass="entr" presetSubtype="0" fill="hold" grpId="0" nodeType="clickEffect">
+                                <p:cTn id="29" presetID="10" presetClass="entr" presetSubtype="0" fill="hold" grpId="0" nodeType="clickEffect">
                                   <p:stCondLst>
                                     <p:cond delay="0"/>
                                   </p:stCondLst>
                                   <p:childTnLst>
                                     <p:set>
                                       <p:cBhvr>
-                                        <p:cTn id="21" dur="1" fill="hold">
+                                        <p:cTn id="30" dur="1" fill="hold">
                                           <p:stCondLst>
                                             <p:cond delay="0"/>
                                           </p:stCondLst>
@@ -13210,7 +14387,7 @@
                                     </p:set>
                                     <p:animEffect transition="in" filter="fade">
                                       <p:cBhvr>
-                                        <p:cTn id="22" dur="500"/>
+                                        <p:cTn id="31" dur="500"/>
                                         <p:tgtEl>
                                           <p:spTgt spid="43"/>
                                         </p:tgtEl>
@@ -13226,26 +14403,26 @@
                     </p:cTn>
                   </p:par>
                   <p:par>
-                    <p:cTn id="23" fill="hold">
+                    <p:cTn id="32" fill="hold">
                       <p:stCondLst>
                         <p:cond delay="indefinite"/>
                       </p:stCondLst>
                       <p:childTnLst>
                         <p:par>
-                          <p:cTn id="24" fill="hold">
+                          <p:cTn id="33" fill="hold">
                             <p:stCondLst>
                               <p:cond delay="0"/>
                             </p:stCondLst>
                             <p:childTnLst>
                               <p:par>
-                                <p:cTn id="25" presetID="10" presetClass="entr" presetSubtype="0" fill="hold" grpId="0" nodeType="clickEffect">
+                                <p:cTn id="34" presetID="10" presetClass="entr" presetSubtype="0" fill="hold" grpId="0" nodeType="clickEffect">
                                   <p:stCondLst>
                                     <p:cond delay="0"/>
                                   </p:stCondLst>
                                   <p:childTnLst>
                                     <p:set>
                                       <p:cBhvr>
-                                        <p:cTn id="26" dur="1" fill="hold">
+                                        <p:cTn id="35" dur="1" fill="hold">
                                           <p:stCondLst>
                                             <p:cond delay="0"/>
                                           </p:stCondLst>
@@ -13263,7 +14440,7 @@
                                     </p:set>
                                     <p:animEffect transition="in" filter="fade">
                                       <p:cBhvr>
-                                        <p:cTn id="27" dur="500"/>
+                                        <p:cTn id="36" dur="500"/>
                                         <p:tgtEl>
                                           <p:spTgt spid="48"/>
                                         </p:tgtEl>
@@ -13273,14 +14450,14 @@
                                 </p:cTn>
                               </p:par>
                               <p:par>
-                                <p:cTn id="28" presetID="10" presetClass="entr" presetSubtype="0" fill="hold" nodeType="withEffect">
+                                <p:cTn id="37" presetID="10" presetClass="entr" presetSubtype="0" fill="hold" nodeType="withEffect">
                                   <p:stCondLst>
                                     <p:cond delay="0"/>
                                   </p:stCondLst>
                                   <p:childTnLst>
                                     <p:set>
                                       <p:cBhvr>
-                                        <p:cTn id="29" dur="1" fill="hold">
+                                        <p:cTn id="38" dur="1" fill="hold">
                                           <p:stCondLst>
                                             <p:cond delay="0"/>
                                           </p:stCondLst>
@@ -13298,7 +14475,7 @@
                                     </p:set>
                                     <p:animEffect transition="in" filter="fade">
                                       <p:cBhvr>
-                                        <p:cTn id="30" dur="500"/>
+                                        <p:cTn id="39" dur="500"/>
                                         <p:tgtEl>
                                           <p:spTgt spid="50"/>
                                         </p:tgtEl>
@@ -13339,6 +14516,8 @@
       <p:bldP spid="39" grpId="0"/>
       <p:bldP spid="43" grpId="0"/>
       <p:bldP spid="48" grpId="0"/>
+      <p:bldP spid="28" grpId="0" animBg="1"/>
+      <p:bldP spid="28" grpId="1" animBg="1"/>
     </p:bldLst>
   </p:timing>
 </p:sld>

--- a/paper/ABC2021BentoChallenge/ABC2021.pptx
+++ b/paper/ABC2021BentoChallenge/ABC2021.pptx
@@ -458,7 +458,7 @@
           <a:p>
             <a:fld id="{4422507A-29CE-4FCB-8EEC-8E792EA02E35}" type="datetimeFigureOut">
               <a:rPr kumimoji="1" lang="ja-JP" altLang="en-US" smtClean="0"/>
-              <a:t>2021/10/18</a:t>
+              <a:t>2021/10/19</a:t>
             </a:fld>
             <a:endParaRPr kumimoji="1" lang="ja-JP" altLang="en-US"/>
           </a:p>
@@ -892,6 +892,106 @@
 </p:notes>
 </file>
 
+<file path=ppt/notesSlides/notesSlide10.xml><?xml version="1.0" encoding="utf-8"?>
+<p:notes xmlns:a="http://schemas.openxmlformats.org/drawingml/2006/main" xmlns:r="http://schemas.openxmlformats.org/officeDocument/2006/relationships" xmlns:p="http://schemas.openxmlformats.org/presentationml/2006/main">
+  <p:cSld>
+    <p:spTree>
+      <p:nvGrpSpPr>
+        <p:cNvPr id="1" name=""/>
+        <p:cNvGrpSpPr/>
+        <p:nvPr/>
+      </p:nvGrpSpPr>
+      <p:grpSpPr>
+        <a:xfrm>
+          <a:off x="0" y="0"/>
+          <a:ext cx="0" cy="0"/>
+          <a:chOff x="0" y="0"/>
+          <a:chExt cx="0" cy="0"/>
+        </a:xfrm>
+      </p:grpSpPr>
+      <p:sp>
+        <p:nvSpPr>
+          <p:cNvPr id="2" name="スライド イメージ プレースホルダー 1"/>
+          <p:cNvSpPr>
+            <a:spLocks noGrp="1" noRot="1" noChangeAspect="1"/>
+          </p:cNvSpPr>
+          <p:nvPr>
+            <p:ph type="sldImg"/>
+          </p:nvPr>
+        </p:nvSpPr>
+        <p:spPr/>
+      </p:sp>
+      <p:sp>
+        <p:nvSpPr>
+          <p:cNvPr id="3" name="ノート プレースホルダー 2"/>
+          <p:cNvSpPr>
+            <a:spLocks noGrp="1"/>
+          </p:cNvSpPr>
+          <p:nvPr>
+            <p:ph type="body" idx="1"/>
+          </p:nvPr>
+        </p:nvSpPr>
+        <p:spPr/>
+        <p:txBody>
+          <a:bodyPr/>
+          <a:lstStyle/>
+          <a:p>
+            <a:r>
+              <a:rPr kumimoji="1" lang="en-US" altLang="ja-JP" dirty="0"/>
+              <a:t>In order to confirm the effectiveness of the proposed method, we conducted the evaluation experiment with subjects 1, 2, and 3 in leave-one-subject-out manner.</a:t>
+            </a:r>
+          </a:p>
+          <a:p>
+            <a:r>
+              <a:rPr kumimoji="1" lang="en-US" altLang="ja-JP" dirty="0"/>
+              <a:t>The result shown the accuracy of approximately 0.1.</a:t>
+            </a:r>
+          </a:p>
+          <a:p>
+            <a:r>
+              <a:rPr kumimoji="1" lang="en-US" altLang="ja-JP"/>
+              <a:t>Even if we take into account the fact that it is a classification of 10 labels, this accuracy is not high.</a:t>
+            </a:r>
+            <a:endParaRPr kumimoji="1" lang="ja-JP" altLang="en-US"/>
+          </a:p>
+        </p:txBody>
+      </p:sp>
+      <p:sp>
+        <p:nvSpPr>
+          <p:cNvPr id="4" name="スライド番号プレースホルダー 3"/>
+          <p:cNvSpPr>
+            <a:spLocks noGrp="1"/>
+          </p:cNvSpPr>
+          <p:nvPr>
+            <p:ph type="sldNum" sz="quarter" idx="5"/>
+          </p:nvPr>
+        </p:nvSpPr>
+        <p:spPr/>
+        <p:txBody>
+          <a:bodyPr/>
+          <a:lstStyle/>
+          <a:p>
+            <a:fld id="{7AF2A3DA-E210-4C99-BA06-04F6F8F036F3}" type="slidenum">
+              <a:rPr kumimoji="1" lang="ja-JP" altLang="en-US" smtClean="0"/>
+              <a:t>10</a:t>
+            </a:fld>
+            <a:endParaRPr kumimoji="1" lang="ja-JP" altLang="en-US"/>
+          </a:p>
+        </p:txBody>
+      </p:sp>
+    </p:spTree>
+    <p:extLst>
+      <p:ext uri="{BB962C8B-B14F-4D97-AF65-F5344CB8AC3E}">
+        <p14:creationId xmlns:p14="http://schemas.microsoft.com/office/powerpoint/2010/main" val="1248405072"/>
+      </p:ext>
+    </p:extLst>
+  </p:cSld>
+  <p:clrMapOvr>
+    <a:masterClrMapping/>
+  </p:clrMapOvr>
+</p:notes>
+</file>
+
 <file path=ppt/notesSlides/notesSlide2.xml><?xml version="1.0" encoding="utf-8"?>
 <p:notes xmlns:a="http://schemas.openxmlformats.org/drawingml/2006/main" xmlns:r="http://schemas.openxmlformats.org/officeDocument/2006/relationships" xmlns:p="http://schemas.openxmlformats.org/presentationml/2006/main">
   <p:cSld>
@@ -1070,7 +1170,7 @@
             </a:pPr>
             <a:r>
               <a:rPr kumimoji="1" lang="en-US" altLang="ja-JP" dirty="0"/>
-              <a:t>(00:35)</a:t>
+              <a:t>(00:40)</a:t>
             </a:r>
             <a:endParaRPr kumimoji="1" lang="ja-JP" altLang="en-US" dirty="0"/>
           </a:p>
@@ -1239,7 +1339,7 @@
                 <a:latin typeface="Arial" panose="020B0604020202020204" pitchFamily="34" charset="0"/>
                 <a:cs typeface="Arial" panose="020B0604020202020204" pitchFamily="34" charset="0"/>
               </a:rPr>
-              <a:t>(00:55)</a:t>
+              <a:t>(01:10)</a:t>
             </a:r>
             <a:endParaRPr kumimoji="1" lang="ja-JP" altLang="en-US" sz="1200" dirty="0">
               <a:latin typeface="Arial" panose="020B0604020202020204" pitchFamily="34" charset="0"/>
@@ -1391,7 +1491,7 @@
           <a:p>
             <a:r>
               <a:rPr kumimoji="1" lang="en-US" altLang="ja-JP" dirty="0"/>
-              <a:t>(01:15)</a:t>
+              <a:t>(01:35)</a:t>
             </a:r>
           </a:p>
         </p:txBody>
@@ -1520,7 +1620,7 @@
           <a:p>
             <a:r>
               <a:rPr kumimoji="1" lang="en-US" altLang="ja-JP" dirty="0"/>
-              <a:t>(02:00)</a:t>
+              <a:t>(02:20)</a:t>
             </a:r>
           </a:p>
         </p:txBody>
@@ -1828,8 +1928,8 @@
               <a:defRPr/>
             </a:pPr>
             <a:r>
-              <a:rPr lang="en-US" altLang="ja-JP"/>
-              <a:t>(03:00)</a:t>
+              <a:rPr lang="en-US" altLang="ja-JP" dirty="0"/>
+              <a:t>(03:20)</a:t>
             </a:r>
           </a:p>
         </p:txBody>
@@ -1861,6 +1961,525 @@
     <p:extLst>
       <p:ext uri="{BB962C8B-B14F-4D97-AF65-F5344CB8AC3E}">
         <p14:creationId xmlns:p14="http://schemas.microsoft.com/office/powerpoint/2010/main" val="1616362032"/>
+      </p:ext>
+    </p:extLst>
+  </p:cSld>
+  <p:clrMapOvr>
+    <a:masterClrMapping/>
+  </p:clrMapOvr>
+</p:notes>
+</file>
+
+<file path=ppt/notesSlides/notesSlide7.xml><?xml version="1.0" encoding="utf-8"?>
+<p:notes xmlns:a="http://schemas.openxmlformats.org/drawingml/2006/main" xmlns:r="http://schemas.openxmlformats.org/officeDocument/2006/relationships" xmlns:p="http://schemas.openxmlformats.org/presentationml/2006/main">
+  <p:cSld>
+    <p:spTree>
+      <p:nvGrpSpPr>
+        <p:cNvPr id="1" name=""/>
+        <p:cNvGrpSpPr/>
+        <p:nvPr/>
+      </p:nvGrpSpPr>
+      <p:grpSpPr>
+        <a:xfrm>
+          <a:off x="0" y="0"/>
+          <a:ext cx="0" cy="0"/>
+          <a:chOff x="0" y="0"/>
+          <a:chExt cx="0" cy="0"/>
+        </a:xfrm>
+      </p:grpSpPr>
+      <p:sp>
+        <p:nvSpPr>
+          <p:cNvPr id="2" name="スライド イメージ プレースホルダー 1"/>
+          <p:cNvSpPr>
+            <a:spLocks noGrp="1" noRot="1" noChangeAspect="1"/>
+          </p:cNvSpPr>
+          <p:nvPr>
+            <p:ph type="sldImg"/>
+          </p:nvPr>
+        </p:nvSpPr>
+        <p:spPr/>
+      </p:sp>
+      <p:sp>
+        <p:nvSpPr>
+          <p:cNvPr id="3" name="ノート プレースホルダー 2"/>
+          <p:cNvSpPr>
+            <a:spLocks noGrp="1"/>
+          </p:cNvSpPr>
+          <p:nvPr>
+            <p:ph type="body" idx="1"/>
+          </p:nvPr>
+        </p:nvSpPr>
+        <p:spPr/>
+        <p:txBody>
+          <a:bodyPr/>
+          <a:lstStyle/>
+          <a:p>
+            <a:r>
+              <a:rPr kumimoji="1" lang="en-US" altLang="ja-JP" dirty="0"/>
+              <a:t>This is the detail of Partitioning process.</a:t>
+            </a:r>
+          </a:p>
+          <a:p>
+            <a:pPr marL="0" marR="0" lvl="0" indent="0" algn="l" defTabSz="914400" rtl="0" eaLnBrk="1" fontAlgn="auto" latinLnBrk="0" hangingPunct="1">
+              <a:lnSpc>
+                <a:spcPct val="100000"/>
+              </a:lnSpc>
+              <a:spcBef>
+                <a:spcPts val="0"/>
+              </a:spcBef>
+              <a:spcAft>
+                <a:spcPts val="0"/>
+              </a:spcAft>
+              <a:buClrTx/>
+              <a:buSzTx/>
+              <a:buFontTx/>
+              <a:buNone/>
+              <a:tabLst/>
+              <a:defRPr/>
+            </a:pPr>
+            <a:r>
+              <a:rPr kumimoji="1" lang="en-US" altLang="ja-JP" dirty="0"/>
+              <a:t>This process of divide the given data of approximately 60 s into data for one operation. !!</a:t>
+            </a:r>
+            <a:endParaRPr kumimoji="1" lang="ja-JP" altLang="en-US" dirty="0"/>
+          </a:p>
+          <a:p>
+            <a:endParaRPr kumimoji="1" lang="en-US" altLang="ja-JP" dirty="0"/>
+          </a:p>
+          <a:p>
+            <a:r>
+              <a:rPr kumimoji="1" lang="en-US" altLang="ja-JP" dirty="0"/>
+              <a:t>The data given is the velocity data of the time series after Converting process. !!</a:t>
+            </a:r>
+          </a:p>
+          <a:p>
+            <a:r>
+              <a:rPr kumimoji="1" lang="en-US" altLang="ja-JP" dirty="0"/>
+              <a:t>The process sums the data for all axes and calculates the composite wave.</a:t>
+            </a:r>
+          </a:p>
+          <a:p>
+            <a:r>
+              <a:rPr kumimoji="1" lang="en-US" altLang="ja-JP" dirty="0"/>
+              <a:t>The autocorrelation function is a function for detecting repetitive actions. !!</a:t>
+            </a:r>
+          </a:p>
+          <a:p>
+            <a:r>
+              <a:rPr kumimoji="1" lang="en-US" altLang="ja-JP" dirty="0"/>
+              <a:t>An autocorrelation function is applied to the calculated synthetic wave, and the data is divided into separate data for each repetitive action.</a:t>
+            </a:r>
+          </a:p>
+          <a:p>
+            <a:endParaRPr kumimoji="1" lang="en-US" altLang="ja-JP" dirty="0"/>
+          </a:p>
+          <a:p>
+            <a:r>
+              <a:rPr kumimoji="1" lang="en-US" altLang="ja-JP" dirty="0"/>
+              <a:t>(04:10)</a:t>
+            </a:r>
+          </a:p>
+        </p:txBody>
+      </p:sp>
+      <p:sp>
+        <p:nvSpPr>
+          <p:cNvPr id="4" name="スライド番号プレースホルダー 3"/>
+          <p:cNvSpPr>
+            <a:spLocks noGrp="1"/>
+          </p:cNvSpPr>
+          <p:nvPr>
+            <p:ph type="sldNum" sz="quarter" idx="5"/>
+          </p:nvPr>
+        </p:nvSpPr>
+        <p:spPr/>
+        <p:txBody>
+          <a:bodyPr/>
+          <a:lstStyle/>
+          <a:p>
+            <a:fld id="{7AF2A3DA-E210-4C99-BA06-04F6F8F036F3}" type="slidenum">
+              <a:rPr kumimoji="1" lang="ja-JP" altLang="en-US" smtClean="0"/>
+              <a:t>7</a:t>
+            </a:fld>
+            <a:endParaRPr kumimoji="1" lang="ja-JP" altLang="en-US"/>
+          </a:p>
+        </p:txBody>
+      </p:sp>
+    </p:spTree>
+    <p:extLst>
+      <p:ext uri="{BB962C8B-B14F-4D97-AF65-F5344CB8AC3E}">
+        <p14:creationId xmlns:p14="http://schemas.microsoft.com/office/powerpoint/2010/main" val="2689111236"/>
+      </p:ext>
+    </p:extLst>
+  </p:cSld>
+  <p:clrMapOvr>
+    <a:masterClrMapping/>
+  </p:clrMapOvr>
+</p:notes>
+</file>
+
+<file path=ppt/notesSlides/notesSlide8.xml><?xml version="1.0" encoding="utf-8"?>
+<p:notes xmlns:a="http://schemas.openxmlformats.org/drawingml/2006/main" xmlns:r="http://schemas.openxmlformats.org/officeDocument/2006/relationships" xmlns:p="http://schemas.openxmlformats.org/presentationml/2006/main">
+  <p:cSld>
+    <p:spTree>
+      <p:nvGrpSpPr>
+        <p:cNvPr id="1" name=""/>
+        <p:cNvGrpSpPr/>
+        <p:nvPr/>
+      </p:nvGrpSpPr>
+      <p:grpSpPr>
+        <a:xfrm>
+          <a:off x="0" y="0"/>
+          <a:ext cx="0" cy="0"/>
+          <a:chOff x="0" y="0"/>
+          <a:chExt cx="0" cy="0"/>
+        </a:xfrm>
+      </p:grpSpPr>
+      <p:sp>
+        <p:nvSpPr>
+          <p:cNvPr id="2" name="スライド イメージ プレースホルダー 1"/>
+          <p:cNvSpPr>
+            <a:spLocks noGrp="1" noRot="1" noChangeAspect="1"/>
+          </p:cNvSpPr>
+          <p:nvPr>
+            <p:ph type="sldImg"/>
+          </p:nvPr>
+        </p:nvSpPr>
+        <p:spPr/>
+      </p:sp>
+      <p:sp>
+        <p:nvSpPr>
+          <p:cNvPr id="3" name="ノート プレースホルダー 2"/>
+          <p:cNvSpPr>
+            <a:spLocks noGrp="1"/>
+          </p:cNvSpPr>
+          <p:nvPr>
+            <p:ph type="body" idx="1"/>
+          </p:nvPr>
+        </p:nvSpPr>
+        <p:spPr/>
+        <p:txBody>
+          <a:bodyPr/>
+          <a:lstStyle/>
+          <a:p>
+            <a:r>
+              <a:rPr lang="en-US" altLang="ja-JP" sz="1200" b="0" i="0" u="none" strike="noStrike" baseline="0" dirty="0">
+                <a:latin typeface="TeXGyreTermes-Regular"/>
+              </a:rPr>
+              <a:t>Feature extraction process extract the feature values from the single behavior </a:t>
+            </a:r>
+            <a:r>
+              <a:rPr kumimoji="1" lang="en-US" altLang="ja-JP" dirty="0"/>
+              <a:t>velocity data</a:t>
+            </a:r>
+            <a:r>
+              <a:rPr lang="en-US" altLang="ja-JP" sz="1200" b="0" i="0" u="none" strike="noStrike" baseline="0" dirty="0">
+                <a:latin typeface="TeXGyreTermes-Regular"/>
+              </a:rPr>
+              <a:t>. !!</a:t>
+            </a:r>
+          </a:p>
+          <a:p>
+            <a:pPr algn="l"/>
+            <a:r>
+              <a:rPr lang="en-US" altLang="ja-JP" sz="1200" b="0" i="0" u="none" strike="noStrike" baseline="0" dirty="0">
+                <a:latin typeface="TeXGyreTermes-Regular"/>
+              </a:rPr>
+              <a:t>These features are calculated over a 400 milliseconds-window slid in steps of 50 milliseconds. !!</a:t>
+            </a:r>
+          </a:p>
+          <a:p>
+            <a:pPr algn="l"/>
+            <a:r>
+              <a:rPr lang="en-US" altLang="ja-JP" sz="1200" b="0" i="0" u="none" strike="noStrike" baseline="0" dirty="0">
+                <a:latin typeface="TeXGyreTermes-Regular"/>
+              </a:rPr>
+              <a:t>From this process, 21 dimensions features are obtained for one sensor.</a:t>
+            </a:r>
+          </a:p>
+          <a:p>
+            <a:pPr algn="l"/>
+            <a:endParaRPr lang="en-US" altLang="ja-JP" sz="1200" b="0" i="0" u="none" strike="noStrike" baseline="0" dirty="0">
+              <a:latin typeface="TeXGyreTermes-Regular"/>
+            </a:endParaRPr>
+          </a:p>
+          <a:p>
+            <a:pPr algn="l"/>
+            <a:r>
+              <a:rPr lang="en-US" altLang="ja-JP" sz="1200" b="0" i="0" u="none" strike="noStrike" baseline="0" dirty="0">
+                <a:latin typeface="TeXGyreTermes-Regular"/>
+              </a:rPr>
+              <a:t>(04:30)</a:t>
+            </a:r>
+          </a:p>
+        </p:txBody>
+      </p:sp>
+      <p:sp>
+        <p:nvSpPr>
+          <p:cNvPr id="4" name="スライド番号プレースホルダー 3"/>
+          <p:cNvSpPr>
+            <a:spLocks noGrp="1"/>
+          </p:cNvSpPr>
+          <p:nvPr>
+            <p:ph type="sldNum" sz="quarter" idx="5"/>
+          </p:nvPr>
+        </p:nvSpPr>
+        <p:spPr/>
+        <p:txBody>
+          <a:bodyPr/>
+          <a:lstStyle/>
+          <a:p>
+            <a:fld id="{7AF2A3DA-E210-4C99-BA06-04F6F8F036F3}" type="slidenum">
+              <a:rPr kumimoji="1" lang="ja-JP" altLang="en-US" smtClean="0"/>
+              <a:t>8</a:t>
+            </a:fld>
+            <a:endParaRPr kumimoji="1" lang="ja-JP" altLang="en-US"/>
+          </a:p>
+        </p:txBody>
+      </p:sp>
+    </p:spTree>
+    <p:extLst>
+      <p:ext uri="{BB962C8B-B14F-4D97-AF65-F5344CB8AC3E}">
+        <p14:creationId xmlns:p14="http://schemas.microsoft.com/office/powerpoint/2010/main" val="2229286232"/>
+      </p:ext>
+    </p:extLst>
+  </p:cSld>
+  <p:clrMapOvr>
+    <a:masterClrMapping/>
+  </p:clrMapOvr>
+</p:notes>
+</file>
+
+<file path=ppt/notesSlides/notesSlide9.xml><?xml version="1.0" encoding="utf-8"?>
+<p:notes xmlns:a="http://schemas.openxmlformats.org/drawingml/2006/main" xmlns:r="http://schemas.openxmlformats.org/officeDocument/2006/relationships" xmlns:p="http://schemas.openxmlformats.org/presentationml/2006/main">
+  <p:cSld>
+    <p:spTree>
+      <p:nvGrpSpPr>
+        <p:cNvPr id="1" name=""/>
+        <p:cNvGrpSpPr/>
+        <p:nvPr/>
+      </p:nvGrpSpPr>
+      <p:grpSpPr>
+        <a:xfrm>
+          <a:off x="0" y="0"/>
+          <a:ext cx="0" cy="0"/>
+          <a:chOff x="0" y="0"/>
+          <a:chExt cx="0" cy="0"/>
+        </a:xfrm>
+      </p:grpSpPr>
+      <p:sp>
+        <p:nvSpPr>
+          <p:cNvPr id="2" name="スライド イメージ プレースホルダー 1"/>
+          <p:cNvSpPr>
+            <a:spLocks noGrp="1" noRot="1" noChangeAspect="1"/>
+          </p:cNvSpPr>
+          <p:nvPr>
+            <p:ph type="sldImg"/>
+          </p:nvPr>
+        </p:nvSpPr>
+        <p:spPr/>
+      </p:sp>
+      <p:sp>
+        <p:nvSpPr>
+          <p:cNvPr id="3" name="ノート プレースホルダー 2"/>
+          <p:cNvSpPr>
+            <a:spLocks noGrp="1"/>
+          </p:cNvSpPr>
+          <p:nvPr>
+            <p:ph type="body" idx="1"/>
+          </p:nvPr>
+        </p:nvSpPr>
+        <p:spPr/>
+        <p:txBody>
+          <a:bodyPr/>
+          <a:lstStyle/>
+          <a:p>
+            <a:r>
+              <a:rPr kumimoji="1" lang="en-US" altLang="ja-JP" dirty="0"/>
+              <a:t>This is our classification model. !!</a:t>
+            </a:r>
+          </a:p>
+          <a:p>
+            <a:endParaRPr kumimoji="1" lang="en-US" altLang="ja-JP" dirty="0"/>
+          </a:p>
+          <a:p>
+            <a:r>
+              <a:rPr kumimoji="1" lang="en-US" altLang="ja-JP" dirty="0"/>
+              <a:t>The preprocessed features are 21-dimensional and of length N. !!</a:t>
+            </a:r>
+          </a:p>
+          <a:p>
+            <a:r>
+              <a:rPr kumimoji="1" lang="en-US" altLang="ja-JP" dirty="0"/>
+              <a:t>In Conv1d layer, </a:t>
+            </a:r>
+            <a:r>
+              <a:rPr kumimoji="1" lang="en-US" altLang="ja-JP" dirty="0" err="1"/>
+              <a:t>Mapsize</a:t>
+            </a:r>
+            <a:r>
+              <a:rPr kumimoji="1" lang="en-US" altLang="ja-JP" dirty="0"/>
+              <a:t> was set to 6, the method input features and get a features of 21 dimensions with 6 map and length N‘. !!</a:t>
+            </a:r>
+          </a:p>
+          <a:p>
+            <a:r>
+              <a:rPr kumimoji="1" lang="en-US" altLang="ja-JP" dirty="0"/>
+              <a:t>Then, in LSTM layer, that features are inputted to form a 24-dimensional feature. !!</a:t>
+            </a:r>
+          </a:p>
+          <a:p>
+            <a:r>
+              <a:rPr kumimoji="1" lang="en-US" altLang="ja-JP" dirty="0"/>
+              <a:t>Linear layer compresses 24 dimensional features into 10 dimensional ones. !!</a:t>
+            </a:r>
+          </a:p>
+          <a:p>
+            <a:r>
+              <a:rPr kumimoji="1" lang="en-US" altLang="ja-JP" dirty="0"/>
+              <a:t>In Sigmoid layer, sigmoid function is applied. !!</a:t>
+            </a:r>
+          </a:p>
+          <a:p>
+            <a:r>
+              <a:rPr kumimoji="1" lang="en-US" altLang="ja-JP" dirty="0"/>
+              <a:t>In Final activation layer, a majority vote is taken.</a:t>
+            </a:r>
+          </a:p>
+          <a:p>
+            <a:r>
+              <a:rPr kumimoji="1" lang="en-US" altLang="ja-JP" dirty="0"/>
+              <a:t>The sigmoid vectors of each position are added together, and the label with a result of max value is output as the result. !!</a:t>
+            </a:r>
+          </a:p>
+          <a:p>
+            <a:endParaRPr kumimoji="1" lang="en-US" altLang="ja-JP" dirty="0"/>
+          </a:p>
+          <a:p>
+            <a:pPr marL="0" marR="0" lvl="0" indent="0" algn="l" defTabSz="914400" rtl="0" eaLnBrk="1" fontAlgn="auto" latinLnBrk="0" hangingPunct="1">
+              <a:lnSpc>
+                <a:spcPct val="100000"/>
+              </a:lnSpc>
+              <a:spcBef>
+                <a:spcPts val="0"/>
+              </a:spcBef>
+              <a:spcAft>
+                <a:spcPts val="0"/>
+              </a:spcAft>
+              <a:buClrTx/>
+              <a:buSzTx/>
+              <a:buFontTx/>
+              <a:buNone/>
+              <a:tabLst/>
+              <a:defRPr/>
+            </a:pPr>
+            <a:r>
+              <a:rPr kumimoji="1" lang="en-US" altLang="ja-JP" dirty="0"/>
+              <a:t>In training phase, </a:t>
+            </a:r>
+            <a:r>
+              <a:rPr kumimoji="1" lang="en-US" altLang="ja-JP" dirty="0" err="1"/>
+              <a:t>BCEWithLogistsLoss</a:t>
+            </a:r>
+            <a:r>
+              <a:rPr kumimoji="1" lang="en-US" altLang="ja-JP" dirty="0"/>
+              <a:t> was used for the loss function.</a:t>
+            </a:r>
+          </a:p>
+          <a:p>
+            <a:pPr marL="0" marR="0" lvl="0" indent="0" algn="l" defTabSz="914400" rtl="0" eaLnBrk="1" fontAlgn="auto" latinLnBrk="0" hangingPunct="1">
+              <a:lnSpc>
+                <a:spcPct val="100000"/>
+              </a:lnSpc>
+              <a:spcBef>
+                <a:spcPts val="0"/>
+              </a:spcBef>
+              <a:spcAft>
+                <a:spcPts val="0"/>
+              </a:spcAft>
+              <a:buClrTx/>
+              <a:buSzTx/>
+              <a:buFontTx/>
+              <a:buNone/>
+              <a:tabLst/>
+              <a:defRPr/>
+            </a:pPr>
+            <a:r>
+              <a:rPr kumimoji="1" lang="en-US" altLang="ja-JP" dirty="0"/>
+              <a:t>This loss function is built-in the Sigmoid function, so the output value of Linear layer is used for the loss calculation.</a:t>
+            </a:r>
+          </a:p>
+          <a:p>
+            <a:pPr marL="0" marR="0" lvl="0" indent="0" algn="l" defTabSz="914400" rtl="0" eaLnBrk="1" fontAlgn="auto" latinLnBrk="0" hangingPunct="1">
+              <a:lnSpc>
+                <a:spcPct val="100000"/>
+              </a:lnSpc>
+              <a:spcBef>
+                <a:spcPts val="0"/>
+              </a:spcBef>
+              <a:spcAft>
+                <a:spcPts val="0"/>
+              </a:spcAft>
+              <a:buClrTx/>
+              <a:buSzTx/>
+              <a:buFontTx/>
+              <a:buNone/>
+              <a:tabLst/>
+              <a:defRPr/>
+            </a:pPr>
+            <a:endParaRPr kumimoji="1" lang="en-US" altLang="ja-JP" dirty="0"/>
+          </a:p>
+          <a:p>
+            <a:pPr marL="0" marR="0" lvl="0" indent="0" algn="l" defTabSz="914400" rtl="0" eaLnBrk="1" fontAlgn="auto" latinLnBrk="0" hangingPunct="1">
+              <a:lnSpc>
+                <a:spcPct val="100000"/>
+              </a:lnSpc>
+              <a:spcBef>
+                <a:spcPts val="0"/>
+              </a:spcBef>
+              <a:spcAft>
+                <a:spcPts val="0"/>
+              </a:spcAft>
+              <a:buClrTx/>
+              <a:buSzTx/>
+              <a:buFontTx/>
+              <a:buNone/>
+              <a:tabLst/>
+              <a:defRPr/>
+            </a:pPr>
+            <a:r>
+              <a:rPr kumimoji="1" lang="en-US" altLang="ja-JP" dirty="0"/>
+              <a:t>(06:00)</a:t>
+            </a:r>
+          </a:p>
+        </p:txBody>
+      </p:sp>
+      <p:sp>
+        <p:nvSpPr>
+          <p:cNvPr id="4" name="スライド番号プレースホルダー 3"/>
+          <p:cNvSpPr>
+            <a:spLocks noGrp="1"/>
+          </p:cNvSpPr>
+          <p:nvPr>
+            <p:ph type="sldNum" sz="quarter" idx="5"/>
+          </p:nvPr>
+        </p:nvSpPr>
+        <p:spPr/>
+        <p:txBody>
+          <a:bodyPr/>
+          <a:lstStyle/>
+          <a:p>
+            <a:fld id="{7AF2A3DA-E210-4C99-BA06-04F6F8F036F3}" type="slidenum">
+              <a:rPr kumimoji="1" lang="ja-JP" altLang="en-US" smtClean="0"/>
+              <a:t>9</a:t>
+            </a:fld>
+            <a:endParaRPr kumimoji="1" lang="ja-JP" altLang="en-US"/>
+          </a:p>
+        </p:txBody>
+      </p:sp>
+    </p:spTree>
+    <p:extLst>
+      <p:ext uri="{BB962C8B-B14F-4D97-AF65-F5344CB8AC3E}">
+        <p14:creationId xmlns:p14="http://schemas.microsoft.com/office/powerpoint/2010/main" val="3210967935"/>
       </p:ext>
     </p:extLst>
   </p:cSld>
@@ -1955,7 +2574,7 @@
           <a:p>
             <a:fld id="{A98D3432-C38B-446E-969A-78567292025D}" type="datetime1">
               <a:rPr kumimoji="1" lang="ja-JP" altLang="en-US" smtClean="0"/>
-              <a:t>2021/10/18</a:t>
+              <a:t>2021/10/19</a:t>
             </a:fld>
             <a:endParaRPr kumimoji="1" lang="ja-JP" altLang="en-US"/>
           </a:p>
@@ -2456,7 +3075,7 @@
           <a:p>
             <a:fld id="{05B662BA-D465-4C44-BE2B-F2A8D4F2B289}" type="datetime1">
               <a:rPr kumimoji="1" lang="ja-JP" altLang="en-US" smtClean="0"/>
-              <a:t>2021/10/18</a:t>
+              <a:t>2021/10/19</a:t>
             </a:fld>
             <a:endParaRPr kumimoji="1" lang="ja-JP" altLang="en-US"/>
           </a:p>
@@ -2696,7 +3315,7 @@
           <a:p>
             <a:fld id="{A4B4DDCD-FB98-44E4-BDAA-3DB16A47270F}" type="datetime1">
               <a:rPr kumimoji="1" lang="ja-JP" altLang="en-US" smtClean="0"/>
-              <a:t>2021/10/18</a:t>
+              <a:t>2021/10/19</a:t>
             </a:fld>
             <a:endParaRPr kumimoji="1" lang="ja-JP" altLang="en-US"/>
           </a:p>
@@ -2979,7 +3598,7 @@
           <a:p>
             <a:fld id="{DFD2984D-04FA-418A-85DE-0DB3CB16783E}" type="datetime1">
               <a:rPr kumimoji="1" lang="ja-JP" altLang="en-US" smtClean="0"/>
-              <a:t>2021/10/18</a:t>
+              <a:t>2021/10/19</a:t>
             </a:fld>
             <a:endParaRPr kumimoji="1" lang="ja-JP" altLang="en-US"/>
           </a:p>
@@ -3428,7 +4047,7 @@
           <a:p>
             <a:fld id="{4CBACEDF-020F-4270-BF0A-980F8136E038}" type="datetime1">
               <a:rPr kumimoji="1" lang="ja-JP" altLang="en-US" smtClean="0"/>
-              <a:t>2021/10/18</a:t>
+              <a:t>2021/10/19</a:t>
             </a:fld>
             <a:endParaRPr kumimoji="1" lang="ja-JP" altLang="en-US"/>
           </a:p>
@@ -3757,7 +4376,7 @@
           <a:p>
             <a:fld id="{777E2237-9B3F-4231-B30C-59668B530BD1}" type="datetime1">
               <a:rPr kumimoji="1" lang="ja-JP" altLang="en-US" smtClean="0"/>
-              <a:t>2021/10/18</a:t>
+              <a:t>2021/10/19</a:t>
             </a:fld>
             <a:endParaRPr kumimoji="1" lang="ja-JP" altLang="en-US"/>
           </a:p>
@@ -4233,7 +4852,7 @@
           <a:p>
             <a:fld id="{FC32FA7D-BC1F-4F29-8624-3C079AC63AB5}" type="datetime1">
               <a:rPr kumimoji="1" lang="ja-JP" altLang="en-US" smtClean="0"/>
-              <a:t>2021/10/18</a:t>
+              <a:t>2021/10/19</a:t>
             </a:fld>
             <a:endParaRPr kumimoji="1" lang="ja-JP" altLang="en-US"/>
           </a:p>
@@ -4374,7 +4993,7 @@
           <a:p>
             <a:fld id="{3C84FD27-4E70-444C-BEAA-8F4375C442D0}" type="datetime1">
               <a:rPr kumimoji="1" lang="ja-JP" altLang="en-US" smtClean="0"/>
-              <a:t>2021/10/18</a:t>
+              <a:t>2021/10/19</a:t>
             </a:fld>
             <a:endParaRPr kumimoji="1" lang="ja-JP" altLang="en-US"/>
           </a:p>
@@ -4487,7 +5106,7 @@
           <a:p>
             <a:fld id="{948AA4EF-B642-4876-A0D8-C1A1222FECFF}" type="datetime1">
               <a:rPr kumimoji="1" lang="ja-JP" altLang="en-US" smtClean="0"/>
-              <a:t>2021/10/18</a:t>
+              <a:t>2021/10/19</a:t>
             </a:fld>
             <a:endParaRPr kumimoji="1" lang="ja-JP" altLang="en-US"/>
           </a:p>
@@ -4830,7 +5449,7 @@
           <a:p>
             <a:fld id="{11B8299D-EABC-4EEB-90B0-DD13FA256803}" type="datetime1">
               <a:rPr kumimoji="1" lang="ja-JP" altLang="en-US" smtClean="0"/>
-              <a:t>2021/10/18</a:t>
+              <a:t>2021/10/19</a:t>
             </a:fld>
             <a:endParaRPr kumimoji="1" lang="ja-JP" altLang="en-US"/>
           </a:p>
@@ -5118,7 +5737,7 @@
           <a:p>
             <a:fld id="{2CB9F4AB-19AE-4711-AA92-655F76F7355A}" type="datetime1">
               <a:rPr kumimoji="1" lang="ja-JP" altLang="en-US" smtClean="0"/>
-              <a:t>2021/10/18</a:t>
+              <a:t>2021/10/19</a:t>
             </a:fld>
             <a:endParaRPr kumimoji="1" lang="ja-JP" altLang="en-US"/>
           </a:p>
@@ -5391,7 +6010,7 @@
           <a:p>
             <a:fld id="{10A34200-B792-42A2-9C71-FE89F6DBFDEA}" type="datetime1">
               <a:rPr kumimoji="1" lang="ja-JP" altLang="en-US" smtClean="0"/>
-              <a:t>2021/10/18</a:t>
+              <a:t>2021/10/19</a:t>
             </a:fld>
             <a:endParaRPr kumimoji="1" lang="ja-JP" altLang="en-US"/>
           </a:p>
@@ -12857,8 +13476,8 @@
               </a:fontRef>
             </p:style>
           </p:cxnSp>
-          <mc:AlternateContent xmlns:mc="http://schemas.openxmlformats.org/markup-compatibility/2006">
-            <mc:Choice xmlns:a14="http://schemas.microsoft.com/office/drawing/2010/main" Requires="a14">
+          <mc:AlternateContent xmlns:mc="http://schemas.openxmlformats.org/markup-compatibility/2006" xmlns:a14="http://schemas.microsoft.com/office/drawing/2010/main">
+            <mc:Choice Requires="a14">
               <p:sp>
                 <p:nvSpPr>
                   <p:cNvPr id="26" name="テキスト ボックス 25">
@@ -12914,7 +13533,7 @@
                 </p:txBody>
               </p:sp>
             </mc:Choice>
-            <mc:Fallback>
+            <mc:Fallback xmlns="">
               <p:sp>
                 <p:nvSpPr>
                   <p:cNvPr id="26" name="テキスト ボックス 25">
@@ -13746,8 +14365,8 @@
           </p:sp>
         </mc:Fallback>
       </mc:AlternateContent>
-      <mc:AlternateContent xmlns:mc="http://schemas.openxmlformats.org/markup-compatibility/2006">
-        <mc:Choice xmlns:a14="http://schemas.microsoft.com/office/drawing/2010/main" Requires="a14">
+      <mc:AlternateContent xmlns:mc="http://schemas.openxmlformats.org/markup-compatibility/2006" xmlns:a14="http://schemas.microsoft.com/office/drawing/2010/main">
+        <mc:Choice Requires="a14">
           <p:sp>
             <p:nvSpPr>
               <p:cNvPr id="47" name="テキスト ボックス 46">
@@ -13892,7 +14511,7 @@
             </p:txBody>
           </p:sp>
         </mc:Choice>
-        <mc:Fallback>
+        <mc:Fallback xmlns="">
           <p:sp>
             <p:nvSpPr>
               <p:cNvPr id="47" name="テキスト ボックス 46">
@@ -14918,13 +15537,13 @@
             <p:nvPr/>
           </p:nvPicPr>
           <p:blipFill>
-            <a:blip r:embed="rId2">
+            <a:blip r:embed="rId3">
               <a:extLst>
                 <a:ext uri="{28A0092B-C50C-407E-A947-70E740481C1C}">
                   <a14:useLocalDpi xmlns:a14="http://schemas.microsoft.com/office/drawing/2010/main" val="0"/>
                 </a:ext>
                 <a:ext uri="{96DAC541-7B7A-43D3-8B79-37D633B846F1}">
-                  <asvg:svgBlip xmlns:asvg="http://schemas.microsoft.com/office/drawing/2016/SVG/main" r:embed="rId3"/>
+                  <asvg:svgBlip xmlns:asvg="http://schemas.microsoft.com/office/drawing/2016/SVG/main" r:embed="rId4"/>
                 </a:ext>
               </a:extLst>
             </a:blip>
@@ -15081,13 +15700,13 @@
             <p:nvPr/>
           </p:nvPicPr>
           <p:blipFill>
-            <a:blip r:embed="rId4">
+            <a:blip r:embed="rId5">
               <a:extLst>
                 <a:ext uri="{28A0092B-C50C-407E-A947-70E740481C1C}">
                   <a14:useLocalDpi xmlns:a14="http://schemas.microsoft.com/office/drawing/2010/main" val="0"/>
                 </a:ext>
                 <a:ext uri="{96DAC541-7B7A-43D3-8B79-37D633B846F1}">
-                  <asvg:svgBlip xmlns:asvg="http://schemas.microsoft.com/office/drawing/2016/SVG/main" r:embed="rId5"/>
+                  <asvg:svgBlip xmlns:asvg="http://schemas.microsoft.com/office/drawing/2016/SVG/main" r:embed="rId6"/>
                 </a:ext>
               </a:extLst>
             </a:blip>
@@ -15247,13 +15866,13 @@
               <p:nvPr/>
             </p:nvPicPr>
             <p:blipFill>
-              <a:blip r:embed="rId6">
+              <a:blip r:embed="rId7">
                 <a:extLst>
                   <a:ext uri="{28A0092B-C50C-407E-A947-70E740481C1C}">
                     <a14:useLocalDpi xmlns:a14="http://schemas.microsoft.com/office/drawing/2010/main" val="0"/>
                   </a:ext>
                   <a:ext uri="{96DAC541-7B7A-43D3-8B79-37D633B846F1}">
-                    <asvg:svgBlip xmlns:asvg="http://schemas.microsoft.com/office/drawing/2016/SVG/main" r:embed="rId7"/>
+                    <asvg:svgBlip xmlns:asvg="http://schemas.microsoft.com/office/drawing/2016/SVG/main" r:embed="rId8"/>
                   </a:ext>
                 </a:extLst>
               </a:blip>
@@ -15286,13 +15905,13 @@
               <p:nvPr/>
             </p:nvPicPr>
             <p:blipFill>
-              <a:blip r:embed="rId6">
+              <a:blip r:embed="rId7">
                 <a:extLst>
                   <a:ext uri="{28A0092B-C50C-407E-A947-70E740481C1C}">
                     <a14:useLocalDpi xmlns:a14="http://schemas.microsoft.com/office/drawing/2010/main" val="0"/>
                   </a:ext>
                   <a:ext uri="{96DAC541-7B7A-43D3-8B79-37D633B846F1}">
-                    <asvg:svgBlip xmlns:asvg="http://schemas.microsoft.com/office/drawing/2016/SVG/main" r:embed="rId7"/>
+                    <asvg:svgBlip xmlns:asvg="http://schemas.microsoft.com/office/drawing/2016/SVG/main" r:embed="rId8"/>
                   </a:ext>
                 </a:extLst>
               </a:blip>
@@ -15325,13 +15944,13 @@
               <p:nvPr/>
             </p:nvPicPr>
             <p:blipFill>
-              <a:blip r:embed="rId6">
+              <a:blip r:embed="rId7">
                 <a:extLst>
                   <a:ext uri="{28A0092B-C50C-407E-A947-70E740481C1C}">
                     <a14:useLocalDpi xmlns:a14="http://schemas.microsoft.com/office/drawing/2010/main" val="0"/>
                   </a:ext>
                   <a:ext uri="{96DAC541-7B7A-43D3-8B79-37D633B846F1}">
-                    <asvg:svgBlip xmlns:asvg="http://schemas.microsoft.com/office/drawing/2016/SVG/main" r:embed="rId7"/>
+                    <asvg:svgBlip xmlns:asvg="http://schemas.microsoft.com/office/drawing/2016/SVG/main" r:embed="rId8"/>
                   </a:ext>
                 </a:extLst>
               </a:blip>
@@ -15364,13 +15983,13 @@
               <p:nvPr/>
             </p:nvPicPr>
             <p:blipFill>
-              <a:blip r:embed="rId6">
+              <a:blip r:embed="rId7">
                 <a:extLst>
                   <a:ext uri="{28A0092B-C50C-407E-A947-70E740481C1C}">
                     <a14:useLocalDpi xmlns:a14="http://schemas.microsoft.com/office/drawing/2010/main" val="0"/>
                   </a:ext>
                   <a:ext uri="{96DAC541-7B7A-43D3-8B79-37D633B846F1}">
-                    <asvg:svgBlip xmlns:asvg="http://schemas.microsoft.com/office/drawing/2016/SVG/main" r:embed="rId7"/>
+                    <asvg:svgBlip xmlns:asvg="http://schemas.microsoft.com/office/drawing/2016/SVG/main" r:embed="rId8"/>
                   </a:ext>
                 </a:extLst>
               </a:blip>
@@ -15403,13 +16022,13 @@
               <p:nvPr/>
             </p:nvPicPr>
             <p:blipFill>
-              <a:blip r:embed="rId6">
+              <a:blip r:embed="rId7">
                 <a:extLst>
                   <a:ext uri="{28A0092B-C50C-407E-A947-70E740481C1C}">
                     <a14:useLocalDpi xmlns:a14="http://schemas.microsoft.com/office/drawing/2010/main" val="0"/>
                   </a:ext>
                   <a:ext uri="{96DAC541-7B7A-43D3-8B79-37D633B846F1}">
-                    <asvg:svgBlip xmlns:asvg="http://schemas.microsoft.com/office/drawing/2016/SVG/main" r:embed="rId7"/>
+                    <asvg:svgBlip xmlns:asvg="http://schemas.microsoft.com/office/drawing/2016/SVG/main" r:embed="rId8"/>
                   </a:ext>
                 </a:extLst>
               </a:blip>
@@ -15582,7 +16201,7 @@
                   <a:avLst/>
                 </a:prstGeom>
                 <a:blipFill>
-                  <a:blip r:embed="rId8"/>
+                  <a:blip r:embed="rId9"/>
                   <a:stretch>
                     <a:fillRect t="-8197" b="-24590"/>
                   </a:stretch>
@@ -16233,7 +16852,7 @@
                 <a:avLst/>
               </a:prstGeom>
               <a:blipFill>
-                <a:blip r:embed="rId2"/>
+                <a:blip r:embed="rId3"/>
                 <a:stretch>
                   <a:fillRect/>
                 </a:stretch>
@@ -17577,7 +18196,7 @@
                 <a:avLst/>
               </a:prstGeom>
               <a:blipFill>
-                <a:blip r:embed="rId3"/>
+                <a:blip r:embed="rId4"/>
                 <a:stretch>
                   <a:fillRect/>
                 </a:stretch>
@@ -17765,7 +18384,7 @@
                 <a:avLst/>
               </a:prstGeom>
               <a:blipFill>
-                <a:blip r:embed="rId4"/>
+                <a:blip r:embed="rId5"/>
                 <a:stretch>
                   <a:fillRect/>
                 </a:stretch>
@@ -17909,7 +18528,7 @@
                 <a:avLst/>
               </a:prstGeom>
               <a:blipFill>
-                <a:blip r:embed="rId5"/>
+                <a:blip r:embed="rId6"/>
                 <a:stretch>
                   <a:fillRect/>
                 </a:stretch>
@@ -18073,7 +18692,7 @@
                   <a:avLst/>
                 </a:prstGeom>
                 <a:blipFill>
-                  <a:blip r:embed="rId6"/>
+                  <a:blip r:embed="rId7"/>
                   <a:stretch>
                     <a:fillRect/>
                   </a:stretch>
@@ -18285,7 +18904,7 @@
                   <a:avLst/>
                 </a:prstGeom>
                 <a:blipFill>
-                  <a:blip r:embed="rId7"/>
+                  <a:blip r:embed="rId8"/>
                   <a:stretch>
                     <a:fillRect/>
                   </a:stretch>
@@ -18626,7 +19245,7 @@
                   <a:avLst/>
                 </a:prstGeom>
                 <a:blipFill>
-                  <a:blip r:embed="rId8"/>
+                  <a:blip r:embed="rId9"/>
                   <a:stretch>
                     <a:fillRect t="-9211" r="-4580" b="-30263"/>
                   </a:stretch>
@@ -18903,7 +19522,7 @@
                     <a:avLst/>
                   </a:prstGeom>
                   <a:blipFill>
-                    <a:blip r:embed="rId9"/>
+                    <a:blip r:embed="rId10"/>
                     <a:stretch>
                       <a:fillRect t="-1695" b="-6215"/>
                     </a:stretch>
@@ -19498,13 +20117,13 @@
           </p:nvPr>
         </p:nvPicPr>
         <p:blipFill>
-          <a:blip r:embed="rId2">
+          <a:blip r:embed="rId3">
             <a:extLst>
               <a:ext uri="{28A0092B-C50C-407E-A947-70E740481C1C}">
                 <a14:useLocalDpi xmlns:a14="http://schemas.microsoft.com/office/drawing/2010/main" val="0"/>
               </a:ext>
               <a:ext uri="{96DAC541-7B7A-43D3-8B79-37D633B846F1}">
-                <asvg:svgBlip xmlns:asvg="http://schemas.microsoft.com/office/drawing/2016/SVG/main" r:embed="rId3"/>
+                <asvg:svgBlip xmlns:asvg="http://schemas.microsoft.com/office/drawing/2016/SVG/main" r:embed="rId4"/>
               </a:ext>
             </a:extLst>
           </a:blip>
@@ -19549,140 +20168,161 @@
           </a:p>
         </p:txBody>
       </p:sp>
-      <p:sp>
-        <p:nvSpPr>
-          <p:cNvPr id="8" name="楕円 7">
+      <p:grpSp>
+        <p:nvGrpSpPr>
+          <p:cNvPr id="3" name="グループ化 2">
             <a:extLst>
               <a:ext uri="{FF2B5EF4-FFF2-40B4-BE49-F238E27FC236}">
-                <a16:creationId xmlns:a16="http://schemas.microsoft.com/office/drawing/2014/main" id="{76D4239F-9897-48E4-896C-65BD8FB1968D}"/>
+                <a16:creationId xmlns:a16="http://schemas.microsoft.com/office/drawing/2014/main" id="{704209FF-1607-4B7E-9B32-3F14824B9FF1}"/>
               </a:ext>
             </a:extLst>
           </p:cNvPr>
-          <p:cNvSpPr/>
+          <p:cNvGrpSpPr/>
           <p:nvPr/>
-        </p:nvSpPr>
-        <p:spPr>
+        </p:nvGrpSpPr>
+        <p:grpSpPr>
           <a:xfrm>
             <a:off x="6981570" y="1166367"/>
-            <a:ext cx="1684962" cy="759693"/>
+            <a:ext cx="1684962" cy="1576833"/>
+            <a:chOff x="6981570" y="1166367"/>
+            <a:chExt cx="1684962" cy="1576833"/>
           </a:xfrm>
-          <a:prstGeom prst="ellipse">
-            <a:avLst/>
-          </a:prstGeom>
-          <a:solidFill>
-            <a:schemeClr val="bg1"/>
-          </a:solidFill>
-          <a:ln w="15875">
+        </p:grpSpPr>
+        <p:sp>
+          <p:nvSpPr>
+            <p:cNvPr id="8" name="楕円 7">
+              <a:extLst>
+                <a:ext uri="{FF2B5EF4-FFF2-40B4-BE49-F238E27FC236}">
+                  <a16:creationId xmlns:a16="http://schemas.microsoft.com/office/drawing/2014/main" id="{76D4239F-9897-48E4-896C-65BD8FB1968D}"/>
+                </a:ext>
+              </a:extLst>
+            </p:cNvPr>
+            <p:cNvSpPr/>
+            <p:nvPr/>
+          </p:nvSpPr>
+          <p:spPr>
+            <a:xfrm>
+              <a:off x="6981570" y="1166367"/>
+              <a:ext cx="1684962" cy="759693"/>
+            </a:xfrm>
+            <a:prstGeom prst="ellipse">
+              <a:avLst/>
+            </a:prstGeom>
             <a:solidFill>
-              <a:schemeClr val="tx1"/>
+              <a:schemeClr val="bg1"/>
             </a:solidFill>
-          </a:ln>
-        </p:spPr>
-        <p:style>
-          <a:lnRef idx="2">
-            <a:schemeClr val="accent1">
-              <a:shade val="50000"/>
-            </a:schemeClr>
-          </a:lnRef>
-          <a:fillRef idx="1">
-            <a:schemeClr val="accent1"/>
-          </a:fillRef>
-          <a:effectRef idx="0">
-            <a:schemeClr val="accent1"/>
-          </a:effectRef>
-          <a:fontRef idx="minor">
-            <a:schemeClr val="lt1"/>
-          </a:fontRef>
-        </p:style>
-        <p:txBody>
-          <a:bodyPr rtlCol="0" anchor="ctr"/>
-          <a:lstStyle/>
-          <a:p>
-            <a:pPr algn="ctr"/>
-            <a:r>
-              <a:rPr lang="en-US" altLang="ja-JP" sz="1400" b="1" dirty="0" err="1">
+            <a:ln w="15875">
+              <a:solidFill>
+                <a:schemeClr val="tx1"/>
+              </a:solidFill>
+            </a:ln>
+          </p:spPr>
+          <p:style>
+            <a:lnRef idx="2">
+              <a:schemeClr val="accent1">
+                <a:shade val="50000"/>
+              </a:schemeClr>
+            </a:lnRef>
+            <a:fillRef idx="1">
+              <a:schemeClr val="accent1"/>
+            </a:fillRef>
+            <a:effectRef idx="0">
+              <a:schemeClr val="accent1"/>
+            </a:effectRef>
+            <a:fontRef idx="minor">
+              <a:schemeClr val="lt1"/>
+            </a:fontRef>
+          </p:style>
+          <p:txBody>
+            <a:bodyPr rtlCol="0" anchor="ctr"/>
+            <a:lstStyle/>
+            <a:p>
+              <a:pPr algn="ctr"/>
+              <a:r>
+                <a:rPr lang="en-US" altLang="ja-JP" sz="1400" b="1" dirty="0" err="1">
+                  <a:solidFill>
+                    <a:schemeClr val="tx1"/>
+                  </a:solidFill>
+                  <a:latin typeface="Arial" panose="020B0604020202020204" pitchFamily="34" charset="0"/>
+                  <a:cs typeface="Arial" panose="020B0604020202020204" pitchFamily="34" charset="0"/>
+                </a:rPr>
+                <a:t>BCEWith</a:t>
+              </a:r>
+              <a:endParaRPr lang="en-US" altLang="ja-JP" sz="1400" b="1" dirty="0">
                 <a:solidFill>
                   <a:schemeClr val="tx1"/>
                 </a:solidFill>
                 <a:latin typeface="Arial" panose="020B0604020202020204" pitchFamily="34" charset="0"/>
                 <a:cs typeface="Arial" panose="020B0604020202020204" pitchFamily="34" charset="0"/>
-              </a:rPr>
-              <a:t>BCEWith</a:t>
-            </a:r>
-            <a:endParaRPr lang="en-US" altLang="ja-JP" sz="1400" b="1" dirty="0">
-              <a:solidFill>
-                <a:schemeClr val="tx1"/>
-              </a:solidFill>
-              <a:latin typeface="Arial" panose="020B0604020202020204" pitchFamily="34" charset="0"/>
-              <a:cs typeface="Arial" panose="020B0604020202020204" pitchFamily="34" charset="0"/>
-            </a:endParaRPr>
-          </a:p>
-          <a:p>
-            <a:pPr algn="ctr"/>
-            <a:r>
-              <a:rPr lang="en-US" altLang="ja-JP" sz="1400" b="1" dirty="0" err="1">
+              </a:endParaRPr>
+            </a:p>
+            <a:p>
+              <a:pPr algn="ctr"/>
+              <a:r>
+                <a:rPr lang="en-US" altLang="ja-JP" sz="1400" b="1" dirty="0" err="1">
+                  <a:solidFill>
+                    <a:schemeClr val="tx1"/>
+                  </a:solidFill>
+                  <a:latin typeface="Arial" panose="020B0604020202020204" pitchFamily="34" charset="0"/>
+                  <a:cs typeface="Arial" panose="020B0604020202020204" pitchFamily="34" charset="0"/>
+                </a:rPr>
+                <a:t>LogitsLoss</a:t>
+              </a:r>
+              <a:endParaRPr kumimoji="1" lang="ja-JP" altLang="en-US" sz="1400" b="1" dirty="0">
                 <a:solidFill>
                   <a:schemeClr val="tx1"/>
                 </a:solidFill>
                 <a:latin typeface="Arial" panose="020B0604020202020204" pitchFamily="34" charset="0"/>
                 <a:cs typeface="Arial" panose="020B0604020202020204" pitchFamily="34" charset="0"/>
-              </a:rPr>
-              <a:t>LogitsLoss</a:t>
-            </a:r>
-            <a:endParaRPr kumimoji="1" lang="ja-JP" altLang="en-US" sz="1400" b="1" dirty="0">
+              </a:endParaRPr>
+            </a:p>
+          </p:txBody>
+        </p:sp>
+        <p:cxnSp>
+          <p:nvCxnSpPr>
+            <p:cNvPr id="10" name="直線矢印コネクタ 9">
+              <a:extLst>
+                <a:ext uri="{FF2B5EF4-FFF2-40B4-BE49-F238E27FC236}">
+                  <a16:creationId xmlns:a16="http://schemas.microsoft.com/office/drawing/2014/main" id="{6F8175D6-1813-4C4D-8512-F02E6EB05FA7}"/>
+                </a:ext>
+              </a:extLst>
+            </p:cNvPr>
+            <p:cNvCxnSpPr>
+              <a:cxnSpLocks/>
+            </p:cNvCxnSpPr>
+            <p:nvPr/>
+          </p:nvCxnSpPr>
+          <p:spPr>
+            <a:xfrm flipV="1">
+              <a:off x="7115695" y="1992592"/>
+              <a:ext cx="415636" cy="750608"/>
+            </a:xfrm>
+            <a:prstGeom prst="straightConnector1">
+              <a:avLst/>
+            </a:prstGeom>
+            <a:ln w="31750">
               <a:solidFill>
                 <a:schemeClr val="tx1"/>
               </a:solidFill>
-              <a:latin typeface="Arial" panose="020B0604020202020204" pitchFamily="34" charset="0"/>
-              <a:cs typeface="Arial" panose="020B0604020202020204" pitchFamily="34" charset="0"/>
-            </a:endParaRPr>
-          </a:p>
-        </p:txBody>
-      </p:sp>
-      <p:cxnSp>
-        <p:nvCxnSpPr>
-          <p:cNvPr id="10" name="直線矢印コネクタ 9">
-            <a:extLst>
-              <a:ext uri="{FF2B5EF4-FFF2-40B4-BE49-F238E27FC236}">
-                <a16:creationId xmlns:a16="http://schemas.microsoft.com/office/drawing/2014/main" id="{6F8175D6-1813-4C4D-8512-F02E6EB05FA7}"/>
-              </a:ext>
-            </a:extLst>
-          </p:cNvPr>
-          <p:cNvCxnSpPr>
-            <a:cxnSpLocks/>
-          </p:cNvCxnSpPr>
-          <p:nvPr/>
-        </p:nvCxnSpPr>
-        <p:spPr>
-          <a:xfrm flipV="1">
-            <a:off x="7115695" y="1992592"/>
-            <a:ext cx="415636" cy="750608"/>
-          </a:xfrm>
-          <a:prstGeom prst="straightConnector1">
-            <a:avLst/>
-          </a:prstGeom>
-          <a:ln w="31750">
-            <a:solidFill>
+              <a:tailEnd type="triangle"/>
+            </a:ln>
+          </p:spPr>
+          <p:style>
+            <a:lnRef idx="1">
+              <a:schemeClr val="accent1"/>
+            </a:lnRef>
+            <a:fillRef idx="0">
+              <a:schemeClr val="accent1"/>
+            </a:fillRef>
+            <a:effectRef idx="0">
+              <a:schemeClr val="accent1"/>
+            </a:effectRef>
+            <a:fontRef idx="minor">
               <a:schemeClr val="tx1"/>
-            </a:solidFill>
-            <a:tailEnd type="triangle"/>
-          </a:ln>
-        </p:spPr>
-        <p:style>
-          <a:lnRef idx="1">
-            <a:schemeClr val="accent1"/>
-          </a:lnRef>
-          <a:fillRef idx="0">
-            <a:schemeClr val="accent1"/>
-          </a:fillRef>
-          <a:effectRef idx="0">
-            <a:schemeClr val="accent1"/>
-          </a:effectRef>
-          <a:fontRef idx="minor">
-            <a:schemeClr val="tx1"/>
-          </a:fontRef>
-        </p:style>
-      </p:cxnSp>
+            </a:fontRef>
+          </p:style>
+        </p:cxnSp>
+      </p:grpSp>
       <p:sp>
         <p:nvSpPr>
           <p:cNvPr id="12" name="正方形/長方形 11">
@@ -20972,6 +21612,103 @@
                       </p:childTnLst>
                     </p:cTn>
                   </p:par>
+                  <p:par>
+                    <p:cTn id="62" fill="hold">
+                      <p:stCondLst>
+                        <p:cond delay="indefinite"/>
+                      </p:stCondLst>
+                      <p:childTnLst>
+                        <p:par>
+                          <p:cTn id="63" fill="hold">
+                            <p:stCondLst>
+                              <p:cond delay="0"/>
+                            </p:stCondLst>
+                            <p:childTnLst>
+                              <p:par>
+                                <p:cTn id="64" presetID="10" presetClass="exit" presetSubtype="0" fill="hold" grpId="1" nodeType="clickEffect">
+                                  <p:stCondLst>
+                                    <p:cond delay="0"/>
+                                  </p:stCondLst>
+                                  <p:childTnLst>
+                                    <p:animEffect transition="out" filter="fade">
+                                      <p:cBhvr>
+                                        <p:cTn id="65" dur="500"/>
+                                        <p:tgtEl>
+                                          <p:spTgt spid="29"/>
+                                        </p:tgtEl>
+                                      </p:cBhvr>
+                                    </p:animEffect>
+                                    <p:set>
+                                      <p:cBhvr>
+                                        <p:cTn id="66" dur="1" fill="hold">
+                                          <p:stCondLst>
+                                            <p:cond delay="499"/>
+                                          </p:stCondLst>
+                                        </p:cTn>
+                                        <p:tgtEl>
+                                          <p:spTgt spid="29"/>
+                                        </p:tgtEl>
+                                        <p:attrNameLst>
+                                          <p:attrName>style.visibility</p:attrName>
+                                        </p:attrNameLst>
+                                      </p:cBhvr>
+                                      <p:to>
+                                        <p:strVal val="hidden"/>
+                                      </p:to>
+                                    </p:set>
+                                  </p:childTnLst>
+                                </p:cTn>
+                              </p:par>
+                            </p:childTnLst>
+                          </p:cTn>
+                        </p:par>
+                        <p:par>
+                          <p:cTn id="67" fill="hold">
+                            <p:stCondLst>
+                              <p:cond delay="500"/>
+                            </p:stCondLst>
+                            <p:childTnLst>
+                              <p:par>
+                                <p:cTn id="68" presetID="22" presetClass="entr" presetSubtype="4" fill="hold" nodeType="afterEffect">
+                                  <p:stCondLst>
+                                    <p:cond delay="0"/>
+                                  </p:stCondLst>
+                                  <p:childTnLst>
+                                    <p:set>
+                                      <p:cBhvr>
+                                        <p:cTn id="69" dur="1" fill="hold">
+                                          <p:stCondLst>
+                                            <p:cond delay="0"/>
+                                          </p:stCondLst>
+                                        </p:cTn>
+                                        <p:tgtEl>
+                                          <p:spTgt spid="3"/>
+                                        </p:tgtEl>
+                                        <p:attrNameLst>
+                                          <p:attrName>style.visibility</p:attrName>
+                                        </p:attrNameLst>
+                                      </p:cBhvr>
+                                      <p:to>
+                                        <p:strVal val="visible"/>
+                                      </p:to>
+                                    </p:set>
+                                    <p:animEffect transition="in" filter="wipe(down)">
+                                      <p:cBhvr>
+                                        <p:cTn id="70" dur="500"/>
+                                        <p:tgtEl>
+                                          <p:spTgt spid="3"/>
+                                        </p:tgtEl>
+                                      </p:cBhvr>
+                                    </p:animEffect>
+                                  </p:childTnLst>
+                                </p:cTn>
+                              </p:par>
+                            </p:childTnLst>
+                          </p:cTn>
+                        </p:par>
+                      </p:childTnLst>
+                    </p:cTn>
+                  </p:par>
                 </p:childTnLst>
               </p:cTn>
               <p:prevCondLst>
@@ -21007,6 +21744,7 @@
       <p:bldP spid="26" grpId="0" animBg="1"/>
       <p:bldP spid="26" grpId="1" animBg="1"/>
       <p:bldP spid="29" grpId="0" animBg="1"/>
+      <p:bldP spid="29" grpId="1" animBg="1"/>
     </p:bldLst>
   </p:timing>
 </p:sld>

--- a/paper/ABC2021BentoChallenge/ABC2021.pptx
+++ b/paper/ABC2021BentoChallenge/ABC2021.pptx
@@ -458,7 +458,7 @@
           <a:p>
             <a:fld id="{4422507A-29CE-4FCB-8EEC-8E792EA02E35}" type="datetimeFigureOut">
               <a:rPr kumimoji="1" lang="ja-JP" altLang="en-US" smtClean="0"/>
-              <a:t>2021/10/19</a:t>
+              <a:t>2021/10/21</a:t>
             </a:fld>
             <a:endParaRPr kumimoji="1" lang="ja-JP" altLang="en-US"/>
           </a:p>
@@ -949,10 +949,57 @@
           </a:p>
           <a:p>
             <a:r>
-              <a:rPr kumimoji="1" lang="en-US" altLang="ja-JP"/>
+              <a:rPr kumimoji="1" lang="en-US" altLang="ja-JP" dirty="0"/>
               <a:t>Even if we take into account the fact that it is a classification of 10 labels, this accuracy is not high.</a:t>
             </a:r>
-            <a:endParaRPr kumimoji="1" lang="ja-JP" altLang="en-US"/>
+          </a:p>
+          <a:p>
+            <a:endParaRPr kumimoji="1" lang="en-US" altLang="ja-JP" dirty="0"/>
+          </a:p>
+          <a:p>
+            <a:r>
+              <a:rPr kumimoji="1" lang="en-US" altLang="ja-JP" dirty="0"/>
+              <a:t>The training dataset could have contained missing data and incorrect activity labels due to the complexity of the motion capture sensor setup.</a:t>
+            </a:r>
+          </a:p>
+          <a:p>
+            <a:r>
+              <a:rPr kumimoji="1" lang="en-US" altLang="ja-JP" dirty="0"/>
+              <a:t>However, we did not take any action on the data with incorrect activity labels, and there was a possibility that training was performed based on the wrong activity labels.</a:t>
+            </a:r>
+          </a:p>
+          <a:p>
+            <a:endParaRPr kumimoji="1" lang="en-US" altLang="ja-JP" dirty="0"/>
+          </a:p>
+          <a:p>
+            <a:r>
+              <a:rPr kumimoji="1" lang="en-US" altLang="ja-JP" dirty="0"/>
+              <a:t>In addition, the proposed method used the autocorrelation function in a preprocessing to extract the repetitive motion.</a:t>
+            </a:r>
+          </a:p>
+          <a:p>
+            <a:r>
+              <a:rPr kumimoji="1" lang="en-US" altLang="ja-JP" dirty="0"/>
+              <a:t>However, it was possible that the data was not extracted correctly because the lengths of the waveforms after the partitioning process were significantly different.</a:t>
+            </a:r>
+          </a:p>
+          <a:p>
+            <a:endParaRPr kumimoji="1" lang="en-US" altLang="ja-JP" dirty="0"/>
+          </a:p>
+          <a:p>
+            <a:r>
+              <a:rPr kumimoji="1" lang="en-US" altLang="ja-JP" dirty="0"/>
+              <a:t>It was thought that the accuracy became low due to training on incorrectly extracted data with incorrect activity labels.</a:t>
+            </a:r>
+          </a:p>
+          <a:p>
+            <a:endParaRPr kumimoji="1" lang="en-US" altLang="ja-JP" dirty="0"/>
+          </a:p>
+          <a:p>
+            <a:r>
+              <a:rPr kumimoji="1" lang="en-US" altLang="ja-JP" dirty="0"/>
+              <a:t>(07:50)</a:t>
+            </a:r>
           </a:p>
         </p:txBody>
       </p:sp>
@@ -983,6 +1030,255 @@
     <p:extLst>
       <p:ext uri="{BB962C8B-B14F-4D97-AF65-F5344CB8AC3E}">
         <p14:creationId xmlns:p14="http://schemas.microsoft.com/office/powerpoint/2010/main" val="1248405072"/>
+      </p:ext>
+    </p:extLst>
+  </p:cSld>
+  <p:clrMapOvr>
+    <a:masterClrMapping/>
+  </p:clrMapOvr>
+</p:notes>
+</file>
+
+<file path=ppt/notesSlides/notesSlide11.xml><?xml version="1.0" encoding="utf-8"?>
+<p:notes xmlns:a="http://schemas.openxmlformats.org/drawingml/2006/main" xmlns:r="http://schemas.openxmlformats.org/officeDocument/2006/relationships" xmlns:p="http://schemas.openxmlformats.org/presentationml/2006/main">
+  <p:cSld>
+    <p:spTree>
+      <p:nvGrpSpPr>
+        <p:cNvPr id="1" name=""/>
+        <p:cNvGrpSpPr/>
+        <p:nvPr/>
+      </p:nvGrpSpPr>
+      <p:grpSpPr>
+        <a:xfrm>
+          <a:off x="0" y="0"/>
+          <a:ext cx="0" cy="0"/>
+          <a:chOff x="0" y="0"/>
+          <a:chExt cx="0" cy="0"/>
+        </a:xfrm>
+      </p:grpSpPr>
+      <p:sp>
+        <p:nvSpPr>
+          <p:cNvPr id="2" name="スライド イメージ プレースホルダー 1"/>
+          <p:cNvSpPr>
+            <a:spLocks noGrp="1" noRot="1" noChangeAspect="1"/>
+          </p:cNvSpPr>
+          <p:nvPr>
+            <p:ph type="sldImg"/>
+          </p:nvPr>
+        </p:nvSpPr>
+        <p:spPr/>
+      </p:sp>
+      <p:sp>
+        <p:nvSpPr>
+          <p:cNvPr id="3" name="ノート プレースホルダー 2"/>
+          <p:cNvSpPr>
+            <a:spLocks noGrp="1"/>
+          </p:cNvSpPr>
+          <p:nvPr>
+            <p:ph type="body" idx="1"/>
+          </p:nvPr>
+        </p:nvSpPr>
+        <p:spPr/>
+        <p:txBody>
+          <a:bodyPr/>
+          <a:lstStyle/>
+          <a:p>
+            <a:r>
+              <a:rPr kumimoji="1" lang="en-US" altLang="ja-JP" dirty="0"/>
+              <a:t>This is conclusion.</a:t>
+            </a:r>
+          </a:p>
+          <a:p>
+            <a:endParaRPr kumimoji="1" lang="en-US" altLang="ja-JP" dirty="0"/>
+          </a:p>
+          <a:p>
+            <a:pPr marL="0" marR="0" lvl="0" indent="0" algn="l" defTabSz="914400" rtl="0" eaLnBrk="1" fontAlgn="auto" latinLnBrk="0" hangingPunct="1">
+              <a:lnSpc>
+                <a:spcPct val="100000"/>
+              </a:lnSpc>
+              <a:spcBef>
+                <a:spcPts val="0"/>
+              </a:spcBef>
+              <a:spcAft>
+                <a:spcPts val="0"/>
+              </a:spcAft>
+              <a:buClrTx/>
+              <a:buSzTx/>
+              <a:buFontTx/>
+              <a:buNone/>
+              <a:tabLst/>
+              <a:defRPr/>
+            </a:pPr>
+            <a:r>
+              <a:rPr lang="en-US" altLang="ja-JP" dirty="0"/>
+              <a:t>Our</a:t>
+            </a:r>
+            <a:r>
+              <a:rPr kumimoji="1" lang="en-US" altLang="ja-JP" dirty="0"/>
+              <a:t> method used the autocorrelation function in a preprocessing.</a:t>
+            </a:r>
+          </a:p>
+          <a:p>
+            <a:pPr marL="0" marR="0" lvl="0" indent="0" algn="l" defTabSz="914400" rtl="0" eaLnBrk="1" fontAlgn="auto" latinLnBrk="0" hangingPunct="1">
+              <a:lnSpc>
+                <a:spcPct val="100000"/>
+              </a:lnSpc>
+              <a:spcBef>
+                <a:spcPts val="0"/>
+              </a:spcBef>
+              <a:spcAft>
+                <a:spcPts val="0"/>
+              </a:spcAft>
+              <a:buClrTx/>
+              <a:buSzTx/>
+              <a:buFontTx/>
+              <a:buNone/>
+              <a:tabLst/>
+              <a:defRPr/>
+            </a:pPr>
+            <a:r>
+              <a:rPr kumimoji="1" lang="en-US" altLang="ja-JP" dirty="0"/>
+              <a:t>The model consisted of Convolution layer and LSTM.</a:t>
+            </a:r>
+          </a:p>
+          <a:p>
+            <a:pPr marL="0" marR="0" lvl="0" indent="0" algn="l" defTabSz="914400" rtl="0" eaLnBrk="1" fontAlgn="auto" latinLnBrk="0" hangingPunct="1">
+              <a:lnSpc>
+                <a:spcPct val="100000"/>
+              </a:lnSpc>
+              <a:spcBef>
+                <a:spcPts val="0"/>
+              </a:spcBef>
+              <a:spcAft>
+                <a:spcPts val="0"/>
+              </a:spcAft>
+              <a:buClrTx/>
+              <a:buSzTx/>
+              <a:buFontTx/>
+              <a:buNone/>
+              <a:tabLst/>
+              <a:defRPr/>
+            </a:pPr>
+            <a:r>
+              <a:rPr kumimoji="1" lang="en-US" altLang="ja-JP" dirty="0"/>
+              <a:t>The accuracy was approximately 0.12.</a:t>
+            </a:r>
+          </a:p>
+          <a:p>
+            <a:pPr marL="0" marR="0" lvl="0" indent="0" algn="l" defTabSz="914400" rtl="0" eaLnBrk="1" fontAlgn="auto" latinLnBrk="0" hangingPunct="1">
+              <a:lnSpc>
+                <a:spcPct val="100000"/>
+              </a:lnSpc>
+              <a:spcBef>
+                <a:spcPts val="0"/>
+              </a:spcBef>
+              <a:spcAft>
+                <a:spcPts val="0"/>
+              </a:spcAft>
+              <a:buClrTx/>
+              <a:buSzTx/>
+              <a:buFontTx/>
+              <a:buNone/>
+              <a:tabLst/>
+              <a:defRPr/>
+            </a:pPr>
+            <a:endParaRPr kumimoji="1" lang="en-US" altLang="ja-JP" dirty="0"/>
+          </a:p>
+          <a:p>
+            <a:pPr marL="0" marR="0" lvl="0" indent="0" algn="l" defTabSz="914400" rtl="0" eaLnBrk="1" fontAlgn="auto" latinLnBrk="0" hangingPunct="1">
+              <a:lnSpc>
+                <a:spcPct val="100000"/>
+              </a:lnSpc>
+              <a:spcBef>
+                <a:spcPts val="0"/>
+              </a:spcBef>
+              <a:spcAft>
+                <a:spcPts val="0"/>
+              </a:spcAft>
+              <a:buClrTx/>
+              <a:buSzTx/>
+              <a:buFontTx/>
+              <a:buNone/>
+              <a:tabLst/>
+              <a:defRPr/>
+            </a:pPr>
+            <a:r>
+              <a:rPr kumimoji="1" lang="en-US" altLang="ja-JP" dirty="0"/>
+              <a:t>Thank you for your attention.</a:t>
+            </a:r>
+          </a:p>
+          <a:p>
+            <a:pPr marL="0" marR="0" lvl="0" indent="0" algn="l" defTabSz="914400" rtl="0" eaLnBrk="1" fontAlgn="auto" latinLnBrk="0" hangingPunct="1">
+              <a:lnSpc>
+                <a:spcPct val="100000"/>
+              </a:lnSpc>
+              <a:spcBef>
+                <a:spcPts val="0"/>
+              </a:spcBef>
+              <a:spcAft>
+                <a:spcPts val="0"/>
+              </a:spcAft>
+              <a:buClrTx/>
+              <a:buSzTx/>
+              <a:buFontTx/>
+              <a:buNone/>
+              <a:tabLst/>
+              <a:defRPr/>
+            </a:pPr>
+            <a:endParaRPr kumimoji="1" lang="en-US" altLang="ja-JP" dirty="0"/>
+          </a:p>
+          <a:p>
+            <a:pPr marL="0" marR="0" lvl="0" indent="0" algn="l" defTabSz="914400" rtl="0" eaLnBrk="1" fontAlgn="auto" latinLnBrk="0" hangingPunct="1">
+              <a:lnSpc>
+                <a:spcPct val="100000"/>
+              </a:lnSpc>
+              <a:spcBef>
+                <a:spcPts val="0"/>
+              </a:spcBef>
+              <a:spcAft>
+                <a:spcPts val="0"/>
+              </a:spcAft>
+              <a:buClrTx/>
+              <a:buSzTx/>
+              <a:buFontTx/>
+              <a:buNone/>
+              <a:tabLst/>
+              <a:defRPr/>
+            </a:pPr>
+            <a:r>
+              <a:rPr kumimoji="1" lang="en-US" altLang="ja-JP" dirty="0"/>
+              <a:t>(08:30)</a:t>
+            </a:r>
+          </a:p>
+        </p:txBody>
+      </p:sp>
+      <p:sp>
+        <p:nvSpPr>
+          <p:cNvPr id="4" name="スライド番号プレースホルダー 3"/>
+          <p:cNvSpPr>
+            <a:spLocks noGrp="1"/>
+          </p:cNvSpPr>
+          <p:nvPr>
+            <p:ph type="sldNum" sz="quarter" idx="5"/>
+          </p:nvPr>
+        </p:nvSpPr>
+        <p:spPr/>
+        <p:txBody>
+          <a:bodyPr/>
+          <a:lstStyle/>
+          <a:p>
+            <a:fld id="{7AF2A3DA-E210-4C99-BA06-04F6F8F036F3}" type="slidenum">
+              <a:rPr kumimoji="1" lang="ja-JP" altLang="en-US" smtClean="0"/>
+              <a:t>11</a:t>
+            </a:fld>
+            <a:endParaRPr kumimoji="1" lang="ja-JP" altLang="en-US"/>
+          </a:p>
+        </p:txBody>
+      </p:sp>
+    </p:spTree>
+    <p:extLst>
+      <p:ext uri="{BB962C8B-B14F-4D97-AF65-F5344CB8AC3E}">
+        <p14:creationId xmlns:p14="http://schemas.microsoft.com/office/powerpoint/2010/main" val="2638244687"/>
       </p:ext>
     </p:extLst>
   </p:cSld>
@@ -2574,7 +2870,7 @@
           <a:p>
             <a:fld id="{A98D3432-C38B-446E-969A-78567292025D}" type="datetime1">
               <a:rPr kumimoji="1" lang="ja-JP" altLang="en-US" smtClean="0"/>
-              <a:t>2021/10/19</a:t>
+              <a:t>2021/10/21</a:t>
             </a:fld>
             <a:endParaRPr kumimoji="1" lang="ja-JP" altLang="en-US"/>
           </a:p>
@@ -3075,7 +3371,7 @@
           <a:p>
             <a:fld id="{05B662BA-D465-4C44-BE2B-F2A8D4F2B289}" type="datetime1">
               <a:rPr kumimoji="1" lang="ja-JP" altLang="en-US" smtClean="0"/>
-              <a:t>2021/10/19</a:t>
+              <a:t>2021/10/21</a:t>
             </a:fld>
             <a:endParaRPr kumimoji="1" lang="ja-JP" altLang="en-US"/>
           </a:p>
@@ -3315,7 +3611,7 @@
           <a:p>
             <a:fld id="{A4B4DDCD-FB98-44E4-BDAA-3DB16A47270F}" type="datetime1">
               <a:rPr kumimoji="1" lang="ja-JP" altLang="en-US" smtClean="0"/>
-              <a:t>2021/10/19</a:t>
+              <a:t>2021/10/21</a:t>
             </a:fld>
             <a:endParaRPr kumimoji="1" lang="ja-JP" altLang="en-US"/>
           </a:p>
@@ -3598,7 +3894,7 @@
           <a:p>
             <a:fld id="{DFD2984D-04FA-418A-85DE-0DB3CB16783E}" type="datetime1">
               <a:rPr kumimoji="1" lang="ja-JP" altLang="en-US" smtClean="0"/>
-              <a:t>2021/10/19</a:t>
+              <a:t>2021/10/21</a:t>
             </a:fld>
             <a:endParaRPr kumimoji="1" lang="ja-JP" altLang="en-US"/>
           </a:p>
@@ -4047,7 +4343,7 @@
           <a:p>
             <a:fld id="{4CBACEDF-020F-4270-BF0A-980F8136E038}" type="datetime1">
               <a:rPr kumimoji="1" lang="ja-JP" altLang="en-US" smtClean="0"/>
-              <a:t>2021/10/19</a:t>
+              <a:t>2021/10/21</a:t>
             </a:fld>
             <a:endParaRPr kumimoji="1" lang="ja-JP" altLang="en-US"/>
           </a:p>
@@ -4376,7 +4672,7 @@
           <a:p>
             <a:fld id="{777E2237-9B3F-4231-B30C-59668B530BD1}" type="datetime1">
               <a:rPr kumimoji="1" lang="ja-JP" altLang="en-US" smtClean="0"/>
-              <a:t>2021/10/19</a:t>
+              <a:t>2021/10/21</a:t>
             </a:fld>
             <a:endParaRPr kumimoji="1" lang="ja-JP" altLang="en-US"/>
           </a:p>
@@ -4852,7 +5148,7 @@
           <a:p>
             <a:fld id="{FC32FA7D-BC1F-4F29-8624-3C079AC63AB5}" type="datetime1">
               <a:rPr kumimoji="1" lang="ja-JP" altLang="en-US" smtClean="0"/>
-              <a:t>2021/10/19</a:t>
+              <a:t>2021/10/21</a:t>
             </a:fld>
             <a:endParaRPr kumimoji="1" lang="ja-JP" altLang="en-US"/>
           </a:p>
@@ -4993,7 +5289,7 @@
           <a:p>
             <a:fld id="{3C84FD27-4E70-444C-BEAA-8F4375C442D0}" type="datetime1">
               <a:rPr kumimoji="1" lang="ja-JP" altLang="en-US" smtClean="0"/>
-              <a:t>2021/10/19</a:t>
+              <a:t>2021/10/21</a:t>
             </a:fld>
             <a:endParaRPr kumimoji="1" lang="ja-JP" altLang="en-US"/>
           </a:p>
@@ -5106,7 +5402,7 @@
           <a:p>
             <a:fld id="{948AA4EF-B642-4876-A0D8-C1A1222FECFF}" type="datetime1">
               <a:rPr kumimoji="1" lang="ja-JP" altLang="en-US" smtClean="0"/>
-              <a:t>2021/10/19</a:t>
+              <a:t>2021/10/21</a:t>
             </a:fld>
             <a:endParaRPr kumimoji="1" lang="ja-JP" altLang="en-US"/>
           </a:p>
@@ -5449,7 +5745,7 @@
           <a:p>
             <a:fld id="{11B8299D-EABC-4EEB-90B0-DD13FA256803}" type="datetime1">
               <a:rPr kumimoji="1" lang="ja-JP" altLang="en-US" smtClean="0"/>
-              <a:t>2021/10/19</a:t>
+              <a:t>2021/10/21</a:t>
             </a:fld>
             <a:endParaRPr kumimoji="1" lang="ja-JP" altLang="en-US"/>
           </a:p>
@@ -5737,7 +6033,7 @@
           <a:p>
             <a:fld id="{2CB9F4AB-19AE-4711-AA92-655F76F7355A}" type="datetime1">
               <a:rPr kumimoji="1" lang="ja-JP" altLang="en-US" smtClean="0"/>
-              <a:t>2021/10/19</a:t>
+              <a:t>2021/10/21</a:t>
             </a:fld>
             <a:endParaRPr kumimoji="1" lang="ja-JP" altLang="en-US"/>
           </a:p>
@@ -6010,7 +6306,7 @@
           <a:p>
             <a:fld id="{10A34200-B792-42A2-9C71-FE89F6DBFDEA}" type="datetime1">
               <a:rPr kumimoji="1" lang="ja-JP" altLang="en-US" smtClean="0"/>
-              <a:t>2021/10/19</a:t>
+              <a:t>2021/10/21</a:t>
             </a:fld>
             <a:endParaRPr kumimoji="1" lang="ja-JP" altLang="en-US"/>
           </a:p>

--- a/paper/ABC2021BentoChallenge/ABC2021.pptx
+++ b/paper/ABC2021BentoChallenge/ABC2021.pptx
@@ -938,13 +938,7 @@
           <a:p>
             <a:r>
               <a:rPr kumimoji="1" lang="en-US" altLang="ja-JP" dirty="0"/>
-              <a:t>In order to confirm the effectiveness of the proposed method, we conducted the evaluation experiment with subjects 1, 2, and 3 in leave-one-subject-out manner.</a:t>
-            </a:r>
-          </a:p>
-          <a:p>
-            <a:r>
-              <a:rPr kumimoji="1" lang="en-US" altLang="ja-JP" dirty="0"/>
-              <a:t>The result shown the accuracy of approximately 0.1.</a:t>
+              <a:t>We conducted the evaluation experiment with subjects 1, 2, and 3 in leave-one-subject-out manner.</a:t>
             </a:r>
           </a:p>
           <a:p>
@@ -974,6 +968,33 @@
           <a:p>
             <a:r>
               <a:rPr kumimoji="1" lang="en-US" altLang="ja-JP" dirty="0"/>
+              <a:t>It was thought that the accuracy became low due to training on incorrect activity labels.</a:t>
+            </a:r>
+          </a:p>
+          <a:p>
+            <a:endParaRPr kumimoji="1" lang="en-US" altLang="ja-JP" dirty="0"/>
+          </a:p>
+          <a:p>
+            <a:r>
+              <a:rPr kumimoji="1" lang="en-US" altLang="ja-JP" dirty="0"/>
+              <a:t>(04:50)</a:t>
+            </a:r>
+          </a:p>
+          <a:p>
+            <a:endParaRPr kumimoji="1" lang="en-US" altLang="ja-JP" dirty="0"/>
+          </a:p>
+          <a:p>
+            <a:endParaRPr kumimoji="1" lang="en-US" altLang="ja-JP" dirty="0"/>
+          </a:p>
+          <a:p>
+            <a:endParaRPr kumimoji="1" lang="en-US" altLang="ja-JP" dirty="0"/>
+          </a:p>
+          <a:p>
+            <a:endParaRPr kumimoji="1" lang="en-US" altLang="ja-JP" dirty="0"/>
+          </a:p>
+          <a:p>
+            <a:r>
+              <a:rPr kumimoji="1" lang="en-US" altLang="ja-JP" dirty="0"/>
               <a:t>In addition, the proposed method used the autocorrelation function in a preprocessing to extract the repetitive motion.</a:t>
             </a:r>
           </a:p>
@@ -985,21 +1006,6 @@
           </a:p>
           <a:p>
             <a:endParaRPr kumimoji="1" lang="en-US" altLang="ja-JP" dirty="0"/>
-          </a:p>
-          <a:p>
-            <a:r>
-              <a:rPr kumimoji="1" lang="en-US" altLang="ja-JP" dirty="0"/>
-              <a:t>It was thought that the accuracy became low due to training on incorrectly extracted data with incorrect activity labels.</a:t>
-            </a:r>
-          </a:p>
-          <a:p>
-            <a:endParaRPr kumimoji="1" lang="en-US" altLang="ja-JP" dirty="0"/>
-          </a:p>
-          <a:p>
-            <a:r>
-              <a:rPr kumimoji="1" lang="en-US" altLang="ja-JP" dirty="0"/>
-              <a:t>(07:50)</a:t>
-            </a:r>
           </a:p>
         </p:txBody>
       </p:sp>
@@ -1089,9 +1095,6 @@
             </a:r>
           </a:p>
           <a:p>
-            <a:endParaRPr kumimoji="1" lang="en-US" altLang="ja-JP" dirty="0"/>
-          </a:p>
-          <a:p>
             <a:pPr marL="0" marR="0" lvl="0" indent="0" algn="l" defTabSz="914400" rtl="0" eaLnBrk="1" fontAlgn="auto" latinLnBrk="0" hangingPunct="1">
               <a:lnSpc>
                 <a:spcPct val="100000"/>
@@ -1110,58 +1113,8 @@
               <a:defRPr/>
             </a:pPr>
             <a:r>
-              <a:rPr lang="en-US" altLang="ja-JP" dirty="0"/>
-              <a:t>Our</a:t>
-            </a:r>
-            <a:r>
               <a:rPr kumimoji="1" lang="en-US" altLang="ja-JP" dirty="0"/>
-              <a:t> method used the autocorrelation function in a preprocessing.</a:t>
-            </a:r>
-          </a:p>
-          <a:p>
-            <a:pPr marL="0" marR="0" lvl="0" indent="0" algn="l" defTabSz="914400" rtl="0" eaLnBrk="1" fontAlgn="auto" latinLnBrk="0" hangingPunct="1">
-              <a:lnSpc>
-                <a:spcPct val="100000"/>
-              </a:lnSpc>
-              <a:spcBef>
-                <a:spcPts val="0"/>
-              </a:spcBef>
-              <a:spcAft>
-                <a:spcPts val="0"/>
-              </a:spcAft>
-              <a:buClrTx/>
-              <a:buSzTx/>
-              <a:buFontTx/>
-              <a:buNone/>
-              <a:tabLst/>
-              <a:defRPr/>
-            </a:pPr>
-            <a:r>
-              <a:rPr kumimoji="1" lang="en-US" altLang="ja-JP" dirty="0"/>
-              <a:t>The model consisted of Convolution layer and LSTM.</a:t>
-            </a:r>
-          </a:p>
-          <a:p>
-            <a:pPr marL="0" marR="0" lvl="0" indent="0" algn="l" defTabSz="914400" rtl="0" eaLnBrk="1" fontAlgn="auto" latinLnBrk="0" hangingPunct="1">
-              <a:lnSpc>
-                <a:spcPct val="100000"/>
-              </a:lnSpc>
-              <a:spcBef>
-                <a:spcPts val="0"/>
-              </a:spcBef>
-              <a:spcAft>
-                <a:spcPts val="0"/>
-              </a:spcAft>
-              <a:buClrTx/>
-              <a:buSzTx/>
-              <a:buFontTx/>
-              <a:buNone/>
-              <a:tabLst/>
-              <a:defRPr/>
-            </a:pPr>
-            <a:r>
-              <a:rPr kumimoji="1" lang="en-US" altLang="ja-JP" dirty="0"/>
-              <a:t>The accuracy was approximately 0.12.</a:t>
+              <a:t>Thank you for your attention.</a:t>
             </a:r>
           </a:p>
           <a:p>
@@ -1203,51 +1156,12 @@
               <a:defRPr/>
             </a:pPr>
             <a:r>
+              <a:rPr kumimoji="1" lang="en-US" altLang="ja-JP"/>
+              <a:t>(05:00</a:t>
+            </a:r>
+            <a:r>
               <a:rPr kumimoji="1" lang="en-US" altLang="ja-JP" dirty="0"/>
-              <a:t>Thank you for your attention.</a:t>
-            </a:r>
-          </a:p>
-          <a:p>
-            <a:pPr marL="0" marR="0" lvl="0" indent="0" algn="l" defTabSz="914400" rtl="0" eaLnBrk="1" fontAlgn="auto" latinLnBrk="0" hangingPunct="1">
-              <a:lnSpc>
-                <a:spcPct val="100000"/>
-              </a:lnSpc>
-              <a:spcBef>
-                <a:spcPts val="0"/>
-              </a:spcBef>
-              <a:spcAft>
-                <a:spcPts val="0"/>
-              </a:spcAft>
-              <a:buClrTx/>
-              <a:buSzTx/>
-              <a:buFontTx/>
-              <a:buNone/>
-              <a:tabLst/>
-              <a:defRPr/>
-            </a:pPr>
-            <a:endParaRPr kumimoji="1" lang="en-US" altLang="ja-JP" dirty="0"/>
-          </a:p>
-          <a:p>
-            <a:pPr marL="0" marR="0" lvl="0" indent="0" algn="l" defTabSz="914400" rtl="0" eaLnBrk="1" fontAlgn="auto" latinLnBrk="0" hangingPunct="1">
-              <a:lnSpc>
-                <a:spcPct val="100000"/>
-              </a:lnSpc>
-              <a:spcBef>
-                <a:spcPts val="0"/>
-              </a:spcBef>
-              <a:spcAft>
-                <a:spcPts val="0"/>
-              </a:spcAft>
-              <a:buClrTx/>
-              <a:buSzTx/>
-              <a:buFontTx/>
-              <a:buNone/>
-              <a:tabLst/>
-              <a:defRPr/>
-            </a:pPr>
-            <a:r>
-              <a:rPr kumimoji="1" lang="en-US" altLang="ja-JP" dirty="0"/>
-              <a:t>(08:30)</a:t>
+              <a:t>)</a:t>
             </a:r>
           </a:p>
         </p:txBody>
@@ -1554,39 +1468,13 @@
           <a:p>
             <a:r>
               <a:rPr kumimoji="1" lang="en-US" altLang="ja-JP" dirty="0"/>
-              <a:t>The five activities to be identified are Normal, Forgot to put ingredients, Failed to put ingredients, Turn over bento-box, Fix/rearranging ingredients.</a:t>
+              <a:t>The five activities were identified.</a:t>
             </a:r>
           </a:p>
           <a:p>
             <a:r>
               <a:rPr kumimoji="1" lang="en-US" altLang="ja-JP" dirty="0"/>
               <a:t>Then, these activities are classified into a total of 10 labels because of the orientation of their actions.</a:t>
-            </a:r>
-          </a:p>
-          <a:p>
-            <a:pPr marL="0" marR="0" lvl="0" indent="0" algn="l" defTabSz="914400" rtl="0" eaLnBrk="1" fontAlgn="auto" latinLnBrk="0" hangingPunct="1">
-              <a:lnSpc>
-                <a:spcPct val="100000"/>
-              </a:lnSpc>
-              <a:spcBef>
-                <a:spcPts val="0"/>
-              </a:spcBef>
-              <a:spcAft>
-                <a:spcPts val="0"/>
-              </a:spcAft>
-              <a:buClrTx/>
-              <a:buSzTx/>
-              <a:buFontTx/>
-              <a:buNone/>
-              <a:tabLst/>
-              <a:defRPr/>
-            </a:pPr>
-            <a:r>
-              <a:rPr kumimoji="1" lang="en-US" altLang="ja-JP" sz="1200" dirty="0">
-                <a:latin typeface="Arial" panose="020B0604020202020204" pitchFamily="34" charset="0"/>
-                <a:cs typeface="Arial" panose="020B0604020202020204" pitchFamily="34" charset="0"/>
-              </a:rPr>
-              <a:t>The measurement time for each file ranges from 50 to 70 s.</a:t>
             </a:r>
           </a:p>
           <a:p>
@@ -1635,7 +1523,7 @@
                 <a:latin typeface="Arial" panose="020B0604020202020204" pitchFamily="34" charset="0"/>
                 <a:cs typeface="Arial" panose="020B0604020202020204" pitchFamily="34" charset="0"/>
               </a:rPr>
-              <a:t>(01:10)</a:t>
+              <a:t>(01:00)</a:t>
             </a:r>
             <a:endParaRPr kumimoji="1" lang="ja-JP" altLang="en-US" sz="1200" dirty="0">
               <a:latin typeface="Arial" panose="020B0604020202020204" pitchFamily="34" charset="0"/>
@@ -1766,28 +1654,16 @@
             </a:pPr>
             <a:r>
               <a:rPr kumimoji="1" lang="en-US" altLang="ja-JP" dirty="0"/>
-              <a:t>We need to classify what activities are included in the 48 segments of subject 4. !!</a:t>
-            </a:r>
+              <a:t>We need to classify what activities are included in the 48 segments of subject 4.</a:t>
+            </a:r>
+          </a:p>
+          <a:p>
+            <a:endParaRPr kumimoji="1" lang="en-US" altLang="ja-JP" dirty="0"/>
           </a:p>
           <a:p>
             <a:r>
               <a:rPr kumimoji="1" lang="en-US" altLang="ja-JP" dirty="0"/>
-              <a:t>Each segment contains one activity.</a:t>
-            </a:r>
-          </a:p>
-          <a:p>
-            <a:r>
-              <a:rPr kumimoji="1" lang="en-US" altLang="ja-JP" dirty="0"/>
-              <a:t>The length of the data is approximately 6000.</a:t>
-            </a:r>
-          </a:p>
-          <a:p>
-            <a:endParaRPr kumimoji="1" lang="en-US" altLang="ja-JP" dirty="0"/>
-          </a:p>
-          <a:p>
-            <a:r>
-              <a:rPr kumimoji="1" lang="en-US" altLang="ja-JP" dirty="0"/>
-              <a:t>(01:35)</a:t>
+              <a:t>(01:20)</a:t>
             </a:r>
           </a:p>
         </p:txBody>
@@ -1874,13 +1750,7 @@
           <a:p>
             <a:r>
               <a:rPr kumimoji="1" lang="en-US" altLang="ja-JP" dirty="0"/>
-              <a:t>In the proposed method, preprocessing is performed before feeding the data into the classification model.</a:t>
-            </a:r>
-          </a:p>
-          <a:p>
-            <a:r>
-              <a:rPr kumimoji="1" lang="en-US" altLang="ja-JP" dirty="0"/>
-              <a:t>After explaining the overall flow, each process will be explained in detail. !!</a:t>
+              <a:t>In the proposed method, preprocessing is performed before feeding the data into the classification model. !!</a:t>
             </a:r>
           </a:p>
           <a:p>
@@ -1916,7 +1786,7 @@
           <a:p>
             <a:r>
               <a:rPr kumimoji="1" lang="en-US" altLang="ja-JP" dirty="0"/>
-              <a:t>(02:20)</a:t>
+              <a:t>(02:00)</a:t>
             </a:r>
           </a:p>
         </p:txBody>
@@ -2003,30 +1873,7 @@
           <a:p>
             <a:r>
               <a:rPr kumimoji="1" lang="en-US" altLang="ja-JP" dirty="0"/>
-              <a:t>I will explain the detail of Converting process.</a:t>
-            </a:r>
-          </a:p>
-          <a:p>
-            <a:pPr marL="0" marR="0" lvl="0" indent="0" algn="l" defTabSz="914400" rtl="0" eaLnBrk="1" fontAlgn="auto" latinLnBrk="0" hangingPunct="1">
-              <a:lnSpc>
-                <a:spcPct val="100000"/>
-              </a:lnSpc>
-              <a:spcBef>
-                <a:spcPts val="0"/>
-              </a:spcBef>
-              <a:spcAft>
-                <a:spcPts val="0"/>
-              </a:spcAft>
-              <a:buClrTx/>
-              <a:buSzTx/>
-              <a:buFontTx/>
-              <a:buNone/>
-              <a:tabLst/>
-              <a:defRPr/>
-            </a:pPr>
-            <a:r>
-              <a:rPr kumimoji="1" lang="en-US" altLang="ja-JP" dirty="0"/>
-              <a:t>This process convert to velocity data from the raw data.</a:t>
+              <a:t>I will explain the detail of Converting process. !!</a:t>
             </a:r>
           </a:p>
           <a:p>
@@ -2092,29 +1939,6 @@
             </a:pPr>
             <a:r>
               <a:rPr kumimoji="1" lang="en-US" altLang="ja-JP" dirty="0"/>
-              <a:t>The interpolation algorithm is represented by this equation. !!</a:t>
-            </a:r>
-          </a:p>
-          <a:p>
-            <a:pPr marL="0" marR="0" lvl="0" indent="0" algn="l" defTabSz="914400" rtl="0" eaLnBrk="1" fontAlgn="auto" latinLnBrk="0" hangingPunct="1">
-              <a:lnSpc>
-                <a:spcPct val="100000"/>
-              </a:lnSpc>
-              <a:spcBef>
-                <a:spcPts val="0"/>
-              </a:spcBef>
-              <a:spcAft>
-                <a:spcPts val="0"/>
-              </a:spcAft>
-              <a:buClrTx/>
-              <a:buSzTx/>
-              <a:buFontTx/>
-              <a:buNone/>
-              <a:tabLst/>
-              <a:defRPr/>
-            </a:pPr>
-            <a:r>
-              <a:rPr kumimoji="1" lang="en-US" altLang="ja-JP" dirty="0"/>
               <a:t>If t is 100 and t+4 is 900, increasing by 200, !! then t+1 is 300, !! t+2 is 500, !! and t+3 is 700.</a:t>
             </a:r>
           </a:p>
@@ -2158,30 +1982,6 @@
             </a:pPr>
             <a:r>
               <a:rPr lang="en-US" altLang="ja-JP" dirty="0"/>
-              <a:t>Next, the interpolated data was used to calculate the velocity data.</a:t>
-            </a:r>
-            <a:endParaRPr kumimoji="1" lang="en-US" altLang="ja-JP" dirty="0"/>
-          </a:p>
-          <a:p>
-            <a:pPr marL="0" marR="0" lvl="0" indent="0" algn="l" defTabSz="914400" rtl="0" eaLnBrk="1" fontAlgn="auto" latinLnBrk="0" hangingPunct="1">
-              <a:lnSpc>
-                <a:spcPct val="100000"/>
-              </a:lnSpc>
-              <a:spcBef>
-                <a:spcPts val="0"/>
-              </a:spcBef>
-              <a:spcAft>
-                <a:spcPts val="0"/>
-              </a:spcAft>
-              <a:buClrTx/>
-              <a:buSzTx/>
-              <a:buFontTx/>
-              <a:buNone/>
-              <a:tabLst/>
-              <a:defRPr/>
-            </a:pPr>
-            <a:r>
-              <a:rPr lang="en-US" altLang="ja-JP" dirty="0"/>
               <a:t>The method calculates the difference between adjacent values, !! and then divides by 0.01 to calculate the velocity data.</a:t>
             </a:r>
           </a:p>
@@ -2225,7 +2025,7 @@
             </a:pPr>
             <a:r>
               <a:rPr lang="en-US" altLang="ja-JP" dirty="0"/>
-              <a:t>(03:20)</a:t>
+              <a:t>(02:30)</a:t>
             </a:r>
           </a:p>
         </p:txBody>
@@ -2310,12 +2110,6 @@
           <a:bodyPr/>
           <a:lstStyle/>
           <a:p>
-            <a:r>
-              <a:rPr kumimoji="1" lang="en-US" altLang="ja-JP" dirty="0"/>
-              <a:t>This is the detail of Partitioning process.</a:t>
-            </a:r>
-          </a:p>
-          <a:p>
             <a:pPr marL="0" marR="0" lvl="0" indent="0" algn="l" defTabSz="914400" rtl="0" eaLnBrk="1" fontAlgn="auto" latinLnBrk="0" hangingPunct="1">
               <a:lnSpc>
                 <a:spcPct val="100000"/>
@@ -2351,13 +2145,7 @@
           <a:p>
             <a:r>
               <a:rPr kumimoji="1" lang="en-US" altLang="ja-JP" dirty="0"/>
-              <a:t>The process sums the data for all axes and calculates the composite wave.</a:t>
-            </a:r>
-          </a:p>
-          <a:p>
-            <a:r>
-              <a:rPr kumimoji="1" lang="en-US" altLang="ja-JP" dirty="0"/>
-              <a:t>The autocorrelation function is a function for detecting repetitive actions. !!</a:t>
+              <a:t>The process sums the data for all axes and calculates the composite wave. !!</a:t>
             </a:r>
           </a:p>
           <a:p>
@@ -2372,7 +2160,7 @@
           <a:p>
             <a:r>
               <a:rPr kumimoji="1" lang="en-US" altLang="ja-JP" dirty="0"/>
-              <a:t>(04:10)</a:t>
+              <a:t>(03:00)</a:t>
             </a:r>
           </a:p>
         </p:txBody>
@@ -2480,16 +2268,7 @@
               <a:rPr lang="en-US" altLang="ja-JP" sz="1200" b="0" i="0" u="none" strike="noStrike" baseline="0" dirty="0">
                 <a:latin typeface="TeXGyreTermes-Regular"/>
               </a:rPr>
-              <a:t>These features are calculated over a 400 milliseconds-window slid in steps of 50 milliseconds. !!</a:t>
-            </a:r>
-          </a:p>
-          <a:p>
-            <a:pPr algn="l"/>
-            <a:r>
-              <a:rPr lang="en-US" altLang="ja-JP" sz="1200" b="0" i="0" u="none" strike="noStrike" baseline="0" dirty="0">
-                <a:latin typeface="TeXGyreTermes-Regular"/>
-              </a:rPr>
-              <a:t>From this process, 21 dimensions features are obtained for one sensor.</a:t>
+              <a:t>These features are calculated over a 400 milliseconds-window slid in steps of 50 milliseconds.</a:t>
             </a:r>
           </a:p>
           <a:p>
@@ -2504,7 +2283,7 @@
               <a:rPr lang="en-US" altLang="ja-JP" sz="1200" b="0" i="0" u="none" strike="noStrike" baseline="0" dirty="0">
                 <a:latin typeface="TeXGyreTermes-Regular"/>
               </a:rPr>
-              <a:t>(04:30)</a:t>
+              <a:t>(03:20)</a:t>
             </a:r>
           </a:p>
         </p:txBody>
@@ -2606,15 +2385,15 @@
           <a:p>
             <a:r>
               <a:rPr kumimoji="1" lang="en-US" altLang="ja-JP" dirty="0"/>
-              <a:t>In Conv1d layer, </a:t>
+              <a:t>In Conv1d layer, the </a:t>
             </a:r>
             <a:r>
               <a:rPr kumimoji="1" lang="en-US" altLang="ja-JP" dirty="0" err="1"/>
-              <a:t>Mapsize</a:t>
+              <a:t>mapsize</a:t>
             </a:r>
             <a:r>
               <a:rPr kumimoji="1" lang="en-US" altLang="ja-JP" dirty="0"/>
-              <a:t> was set to 6, the method input features and get a features of 21 dimensions with 6 map and length N‘. !!</a:t>
+              <a:t> was set to 6. !!</a:t>
             </a:r>
           </a:p>
           <a:p>
@@ -2638,13 +2417,7 @@
           <a:p>
             <a:r>
               <a:rPr kumimoji="1" lang="en-US" altLang="ja-JP" dirty="0"/>
-              <a:t>In Final activation layer, a majority vote is taken.</a:t>
-            </a:r>
-          </a:p>
-          <a:p>
-            <a:r>
-              <a:rPr kumimoji="1" lang="en-US" altLang="ja-JP" dirty="0"/>
-              <a:t>The sigmoid vectors of each position are added together, and the label with a result of max value is output as the result. !!</a:t>
+              <a:t>In Final activation layer, a majority vote is taken. !!</a:t>
             </a:r>
           </a:p>
           <a:p>
@@ -2679,29 +2452,6 @@
             <a:r>
               <a:rPr kumimoji="1" lang="en-US" altLang="ja-JP" dirty="0"/>
               <a:t> was used for the loss function.</a:t>
-            </a:r>
-          </a:p>
-          <a:p>
-            <a:pPr marL="0" marR="0" lvl="0" indent="0" algn="l" defTabSz="914400" rtl="0" eaLnBrk="1" fontAlgn="auto" latinLnBrk="0" hangingPunct="1">
-              <a:lnSpc>
-                <a:spcPct val="100000"/>
-              </a:lnSpc>
-              <a:spcBef>
-                <a:spcPts val="0"/>
-              </a:spcBef>
-              <a:spcAft>
-                <a:spcPts val="0"/>
-              </a:spcAft>
-              <a:buClrTx/>
-              <a:buSzTx/>
-              <a:buFontTx/>
-              <a:buNone/>
-              <a:tabLst/>
-              <a:defRPr/>
-            </a:pPr>
-            <a:r>
-              <a:rPr kumimoji="1" lang="en-US" altLang="ja-JP" dirty="0"/>
-              <a:t>This loss function is built-in the Sigmoid function, so the output value of Linear layer is used for the loss calculation.</a:t>
             </a:r>
           </a:p>
           <a:p>
@@ -2744,7 +2494,76 @@
             </a:pPr>
             <a:r>
               <a:rPr kumimoji="1" lang="en-US" altLang="ja-JP" dirty="0"/>
-              <a:t>(06:00)</a:t>
+              <a:t>(04:30)</a:t>
+            </a:r>
+          </a:p>
+          <a:p>
+            <a:pPr marL="0" marR="0" lvl="0" indent="0" algn="l" defTabSz="914400" rtl="0" eaLnBrk="1" fontAlgn="auto" latinLnBrk="0" hangingPunct="1">
+              <a:lnSpc>
+                <a:spcPct val="100000"/>
+              </a:lnSpc>
+              <a:spcBef>
+                <a:spcPts val="0"/>
+              </a:spcBef>
+              <a:spcAft>
+                <a:spcPts val="0"/>
+              </a:spcAft>
+              <a:buClrTx/>
+              <a:buSzTx/>
+              <a:buFontTx/>
+              <a:buNone/>
+              <a:tabLst/>
+              <a:defRPr/>
+            </a:pPr>
+            <a:endParaRPr kumimoji="1" lang="en-US" altLang="ja-JP" dirty="0"/>
+          </a:p>
+          <a:p>
+            <a:pPr marL="0" marR="0" lvl="0" indent="0" algn="l" defTabSz="914400" rtl="0" eaLnBrk="1" fontAlgn="auto" latinLnBrk="0" hangingPunct="1">
+              <a:lnSpc>
+                <a:spcPct val="100000"/>
+              </a:lnSpc>
+              <a:spcBef>
+                <a:spcPts val="0"/>
+              </a:spcBef>
+              <a:spcAft>
+                <a:spcPts val="0"/>
+              </a:spcAft>
+              <a:buClrTx/>
+              <a:buSzTx/>
+              <a:buFontTx/>
+              <a:buNone/>
+              <a:tabLst/>
+              <a:defRPr/>
+            </a:pPr>
+            <a:endParaRPr kumimoji="1" lang="en-US" altLang="ja-JP" dirty="0"/>
+          </a:p>
+          <a:p>
+            <a:pPr marL="0" marR="0" lvl="0" indent="0" algn="l" defTabSz="914400" rtl="0" eaLnBrk="1" fontAlgn="auto" latinLnBrk="0" hangingPunct="1">
+              <a:lnSpc>
+                <a:spcPct val="100000"/>
+              </a:lnSpc>
+              <a:spcBef>
+                <a:spcPts val="0"/>
+              </a:spcBef>
+              <a:spcAft>
+                <a:spcPts val="0"/>
+              </a:spcAft>
+              <a:buClrTx/>
+              <a:buSzTx/>
+              <a:buFontTx/>
+              <a:buNone/>
+              <a:tabLst/>
+              <a:defRPr/>
+            </a:pPr>
+            <a:endParaRPr kumimoji="1" lang="en-US" altLang="ja-JP" dirty="0"/>
+          </a:p>
+          <a:p>
+            <a:endParaRPr kumimoji="1" lang="en-US" altLang="ja-JP" dirty="0"/>
+          </a:p>
+          <a:p>
+            <a:r>
+              <a:rPr kumimoji="1" lang="en-US" altLang="ja-JP" dirty="0"/>
+              <a:t>The sigmoid vectors of each position are added together, and the label with a result of max value is output as the result.</a:t>
             </a:r>
           </a:p>
         </p:txBody>
@@ -12173,59 +11992,6 @@
                       </p:childTnLst>
                     </p:cTn>
                   </p:par>
-                  <p:par>
-                    <p:cTn id="17" fill="hold">
-                      <p:stCondLst>
-                        <p:cond delay="indefinite"/>
-                      </p:stCondLst>
-                      <p:childTnLst>
-                        <p:par>
-                          <p:cTn id="18" fill="hold">
-                            <p:stCondLst>
-                              <p:cond delay="0"/>
-                            </p:stCondLst>
-                            <p:childTnLst>
-                              <p:par>
-                                <p:cTn id="19" presetID="10" presetClass="exit" presetSubtype="0" fill="hold" grpId="1" nodeType="clickEffect">
-                                  <p:stCondLst>
-                                    <p:cond delay="0"/>
-                                  </p:stCondLst>
-                                  <p:childTnLst>
-                                    <p:animEffect transition="out" filter="fade">
-                                      <p:cBhvr>
-                                        <p:cTn id="20" dur="500"/>
-                                        <p:tgtEl>
-                                          <p:spTgt spid="9"/>
-                                        </p:tgtEl>
-                                      </p:cBhvr>
-                                    </p:animEffect>
-                                    <p:set>
-                                      <p:cBhvr>
-                                        <p:cTn id="21" dur="1" fill="hold">
-                                          <p:stCondLst>
-                                            <p:cond delay="499"/>
-                                          </p:stCondLst>
-                                        </p:cTn>
-                                        <p:tgtEl>
-                                          <p:spTgt spid="9"/>
-                                        </p:tgtEl>
-                                        <p:attrNameLst>
-                                          <p:attrName>style.visibility</p:attrName>
-                                        </p:attrNameLst>
-                                      </p:cBhvr>
-                                      <p:to>
-                                        <p:strVal val="hidden"/>
-                                      </p:to>
-                                    </p:set>
-                                  </p:childTnLst>
-                                </p:cTn>
-                              </p:par>
-                            </p:childTnLst>
-                          </p:cTn>
-                        </p:par>
-                      </p:childTnLst>
-                    </p:cTn>
-                  </p:par>
                 </p:childTnLst>
               </p:cTn>
               <p:prevCondLst>
@@ -12251,7 +12017,6 @@
       <p:bldP spid="5" grpId="0" animBg="1"/>
       <p:bldP spid="5" grpId="1" animBg="1"/>
       <p:bldP spid="9" grpId="0" animBg="1"/>
-      <p:bldP spid="9" grpId="1" animBg="1"/>
     </p:bldLst>
   </p:timing>
 </p:sld>
@@ -20088,30 +19853,21 @@
                             </p:childTnLst>
                           </p:cTn>
                         </p:par>
-                      </p:childTnLst>
-                    </p:cTn>
-                  </p:par>
-                  <p:par>
-                    <p:cTn id="12" fill="hold">
-                      <p:stCondLst>
-                        <p:cond delay="indefinite"/>
-                      </p:stCondLst>
-                      <p:childTnLst>
                         <p:par>
-                          <p:cTn id="13" fill="hold">
+                          <p:cTn id="12" fill="hold">
                             <p:stCondLst>
-                              <p:cond delay="0"/>
+                              <p:cond delay="1000"/>
                             </p:stCondLst>
                             <p:childTnLst>
                               <p:par>
-                                <p:cTn id="14" presetID="22" presetClass="entr" presetSubtype="8" fill="hold" grpId="0" nodeType="clickEffect">
+                                <p:cTn id="13" presetID="22" presetClass="entr" presetSubtype="8" fill="hold" grpId="0" nodeType="afterEffect">
                                   <p:stCondLst>
                                     <p:cond delay="0"/>
                                   </p:stCondLst>
                                   <p:childTnLst>
                                     <p:set>
                                       <p:cBhvr>
-                                        <p:cTn id="15" dur="1" fill="hold">
+                                        <p:cTn id="14" dur="1" fill="hold">
                                           <p:stCondLst>
                                             <p:cond delay="0"/>
                                           </p:stCondLst>
@@ -20129,7 +19885,7 @@
                                     </p:set>
                                     <p:animEffect transition="in" filter="wipe(left)">
                                       <p:cBhvr>
-                                        <p:cTn id="16" dur="500"/>
+                                        <p:cTn id="15" dur="500"/>
                                         <p:tgtEl>
                                           <p:spTgt spid="41"/>
                                         </p:tgtEl>
@@ -20142,20 +19898,20 @@
                           </p:cTn>
                         </p:par>
                         <p:par>
-                          <p:cTn id="17" fill="hold">
+                          <p:cTn id="16" fill="hold">
                             <p:stCondLst>
-                              <p:cond delay="500"/>
+                              <p:cond delay="1500"/>
                             </p:stCondLst>
                             <p:childTnLst>
                               <p:par>
-                                <p:cTn id="18" presetID="10" presetClass="entr" presetSubtype="0" fill="hold" nodeType="afterEffect">
+                                <p:cTn id="17" presetID="10" presetClass="entr" presetSubtype="0" fill="hold" nodeType="afterEffect">
                                   <p:stCondLst>
                                     <p:cond delay="0"/>
                                   </p:stCondLst>
                                   <p:childTnLst>
                                     <p:set>
                                       <p:cBhvr>
-                                        <p:cTn id="19" dur="1" fill="hold">
+                                        <p:cTn id="18" dur="1" fill="hold">
                                           <p:stCondLst>
                                             <p:cond delay="0"/>
                                           </p:stCondLst>
@@ -20173,7 +19929,7 @@
                                     </p:set>
                                     <p:animEffect transition="in" filter="fade">
                                       <p:cBhvr>
-                                        <p:cTn id="20" dur="500"/>
+                                        <p:cTn id="19" dur="500"/>
                                         <p:tgtEl>
                                           <p:spTgt spid="60"/>
                                         </p:tgtEl>
@@ -20186,20 +19942,20 @@
                           </p:cTn>
                         </p:par>
                         <p:par>
-                          <p:cTn id="21" fill="hold">
+                          <p:cTn id="20" fill="hold">
                             <p:stCondLst>
-                              <p:cond delay="1000"/>
+                              <p:cond delay="2000"/>
                             </p:stCondLst>
                             <p:childTnLst>
                               <p:par>
-                                <p:cTn id="22" presetID="10" presetClass="entr" presetSubtype="0" fill="hold" grpId="0" nodeType="afterEffect">
+                                <p:cTn id="21" presetID="10" presetClass="entr" presetSubtype="0" fill="hold" grpId="0" nodeType="afterEffect">
                                   <p:stCondLst>
                                     <p:cond delay="0"/>
                                   </p:stCondLst>
                                   <p:childTnLst>
                                     <p:set>
                                       <p:cBhvr>
-                                        <p:cTn id="23" dur="1" fill="hold">
+                                        <p:cTn id="22" dur="1" fill="hold">
                                           <p:stCondLst>
                                             <p:cond delay="0"/>
                                           </p:stCondLst>
@@ -20217,7 +19973,7 @@
                                     </p:set>
                                     <p:animEffect transition="in" filter="fade">
                                       <p:cBhvr>
-                                        <p:cTn id="24" dur="500"/>
+                                        <p:cTn id="23" dur="500"/>
                                         <p:tgtEl>
                                           <p:spTgt spid="40"/>
                                         </p:tgtEl>
@@ -20230,20 +19986,20 @@
                           </p:cTn>
                         </p:par>
                         <p:par>
-                          <p:cTn id="25" fill="hold">
+                          <p:cTn id="24" fill="hold">
                             <p:stCondLst>
-                              <p:cond delay="1500"/>
+                              <p:cond delay="2500"/>
                             </p:stCondLst>
                             <p:childTnLst>
                               <p:par>
-                                <p:cTn id="26" presetID="10" presetClass="entr" presetSubtype="0" fill="hold" grpId="0" nodeType="afterEffect">
+                                <p:cTn id="25" presetID="10" presetClass="entr" presetSubtype="0" fill="hold" grpId="0" nodeType="afterEffect">
                                   <p:stCondLst>
                                     <p:cond delay="0"/>
                                   </p:stCondLst>
                                   <p:childTnLst>
                                     <p:set>
                                       <p:cBhvr>
-                                        <p:cTn id="27" dur="1" fill="hold">
+                                        <p:cTn id="26" dur="1" fill="hold">
                                           <p:stCondLst>
                                             <p:cond delay="0"/>
                                           </p:stCondLst>
@@ -20261,7 +20017,7 @@
                                     </p:set>
                                     <p:animEffect transition="in" filter="fade">
                                       <p:cBhvr>
-                                        <p:cTn id="28" dur="500"/>
+                                        <p:cTn id="27" dur="500"/>
                                         <p:tgtEl>
                                           <p:spTgt spid="39"/>
                                         </p:tgtEl>
@@ -20274,20 +20030,20 @@
                           </p:cTn>
                         </p:par>
                         <p:par>
-                          <p:cTn id="29" fill="hold">
+                          <p:cTn id="28" fill="hold">
                             <p:stCondLst>
-                              <p:cond delay="2000"/>
+                              <p:cond delay="3000"/>
                             </p:stCondLst>
                             <p:childTnLst>
                               <p:par>
-                                <p:cTn id="30" presetID="10" presetClass="entr" presetSubtype="0" fill="hold" nodeType="afterEffect">
+                                <p:cTn id="29" presetID="10" presetClass="entr" presetSubtype="0" fill="hold" nodeType="afterEffect">
                                   <p:stCondLst>
                                     <p:cond delay="0"/>
                                   </p:stCondLst>
                                   <p:childTnLst>
                                     <p:set>
                                       <p:cBhvr>
-                                        <p:cTn id="31" dur="1" fill="hold">
+                                        <p:cTn id="30" dur="1" fill="hold">
                                           <p:stCondLst>
                                             <p:cond delay="0"/>
                                           </p:stCondLst>
@@ -20305,7 +20061,7 @@
                                     </p:set>
                                     <p:animEffect transition="in" filter="fade">
                                       <p:cBhvr>
-                                        <p:cTn id="32" dur="500"/>
+                                        <p:cTn id="31" dur="500"/>
                                         <p:tgtEl>
                                           <p:spTgt spid="61"/>
                                         </p:tgtEl>

--- a/paper/ABC2021BentoChallenge/ABC2021.pptx
+++ b/paper/ABC2021BentoChallenge/ABC2021.pptx
@@ -458,7 +458,7 @@
           <a:p>
             <a:fld id="{4422507A-29CE-4FCB-8EEC-8E792EA02E35}" type="datetimeFigureOut">
               <a:rPr kumimoji="1" lang="ja-JP" altLang="en-US" smtClean="0"/>
-              <a:t>2021/10/21</a:t>
+              <a:t>2021/10/22</a:t>
             </a:fld>
             <a:endParaRPr kumimoji="1" lang="ja-JP" altLang="en-US"/>
           </a:p>
@@ -980,33 +980,6 @@
               <a:t>(04:50)</a:t>
             </a:r>
           </a:p>
-          <a:p>
-            <a:endParaRPr kumimoji="1" lang="en-US" altLang="ja-JP" dirty="0"/>
-          </a:p>
-          <a:p>
-            <a:endParaRPr kumimoji="1" lang="en-US" altLang="ja-JP" dirty="0"/>
-          </a:p>
-          <a:p>
-            <a:endParaRPr kumimoji="1" lang="en-US" altLang="ja-JP" dirty="0"/>
-          </a:p>
-          <a:p>
-            <a:endParaRPr kumimoji="1" lang="en-US" altLang="ja-JP" dirty="0"/>
-          </a:p>
-          <a:p>
-            <a:r>
-              <a:rPr kumimoji="1" lang="en-US" altLang="ja-JP" dirty="0"/>
-              <a:t>In addition, the proposed method used the autocorrelation function in a preprocessing to extract the repetitive motion.</a:t>
-            </a:r>
-          </a:p>
-          <a:p>
-            <a:r>
-              <a:rPr kumimoji="1" lang="en-US" altLang="ja-JP" dirty="0"/>
-              <a:t>However, it was possible that the data was not extracted correctly because the lengths of the waveforms after the partitioning process were significantly different.</a:t>
-            </a:r>
-          </a:p>
-          <a:p>
-            <a:endParaRPr kumimoji="1" lang="en-US" altLang="ja-JP" dirty="0"/>
-          </a:p>
         </p:txBody>
       </p:sp>
       <p:sp>
@@ -1156,12 +1129,8 @@
               <a:defRPr/>
             </a:pPr>
             <a:r>
-              <a:rPr kumimoji="1" lang="en-US" altLang="ja-JP"/>
-              <a:t>(05:00</a:t>
-            </a:r>
-            <a:r>
               <a:rPr kumimoji="1" lang="en-US" altLang="ja-JP" dirty="0"/>
-              <a:t>)</a:t>
+              <a:t>(05:00)</a:t>
             </a:r>
           </a:p>
         </p:txBody>
@@ -2283,7 +2252,7 @@
               <a:rPr lang="en-US" altLang="ja-JP" sz="1200" b="0" i="0" u="none" strike="noStrike" baseline="0" dirty="0">
                 <a:latin typeface="TeXGyreTermes-Regular"/>
               </a:rPr>
-              <a:t>(03:20)</a:t>
+              <a:t>(03:10)</a:t>
             </a:r>
           </a:p>
         </p:txBody>
@@ -2379,7 +2348,7 @@
           <a:p>
             <a:r>
               <a:rPr kumimoji="1" lang="en-US" altLang="ja-JP" dirty="0"/>
-              <a:t>The preprocessed features are 21-dimensional and of length N. !!</a:t>
+              <a:t>The preprocessed features are 21-dimensional. !!</a:t>
             </a:r>
           </a:p>
           <a:p>
@@ -2494,76 +2463,7 @@
             </a:pPr>
             <a:r>
               <a:rPr kumimoji="1" lang="en-US" altLang="ja-JP" dirty="0"/>
-              <a:t>(04:30)</a:t>
-            </a:r>
-          </a:p>
-          <a:p>
-            <a:pPr marL="0" marR="0" lvl="0" indent="0" algn="l" defTabSz="914400" rtl="0" eaLnBrk="1" fontAlgn="auto" latinLnBrk="0" hangingPunct="1">
-              <a:lnSpc>
-                <a:spcPct val="100000"/>
-              </a:lnSpc>
-              <a:spcBef>
-                <a:spcPts val="0"/>
-              </a:spcBef>
-              <a:spcAft>
-                <a:spcPts val="0"/>
-              </a:spcAft>
-              <a:buClrTx/>
-              <a:buSzTx/>
-              <a:buFontTx/>
-              <a:buNone/>
-              <a:tabLst/>
-              <a:defRPr/>
-            </a:pPr>
-            <a:endParaRPr kumimoji="1" lang="en-US" altLang="ja-JP" dirty="0"/>
-          </a:p>
-          <a:p>
-            <a:pPr marL="0" marR="0" lvl="0" indent="0" algn="l" defTabSz="914400" rtl="0" eaLnBrk="1" fontAlgn="auto" latinLnBrk="0" hangingPunct="1">
-              <a:lnSpc>
-                <a:spcPct val="100000"/>
-              </a:lnSpc>
-              <a:spcBef>
-                <a:spcPts val="0"/>
-              </a:spcBef>
-              <a:spcAft>
-                <a:spcPts val="0"/>
-              </a:spcAft>
-              <a:buClrTx/>
-              <a:buSzTx/>
-              <a:buFontTx/>
-              <a:buNone/>
-              <a:tabLst/>
-              <a:defRPr/>
-            </a:pPr>
-            <a:endParaRPr kumimoji="1" lang="en-US" altLang="ja-JP" dirty="0"/>
-          </a:p>
-          <a:p>
-            <a:pPr marL="0" marR="0" lvl="0" indent="0" algn="l" defTabSz="914400" rtl="0" eaLnBrk="1" fontAlgn="auto" latinLnBrk="0" hangingPunct="1">
-              <a:lnSpc>
-                <a:spcPct val="100000"/>
-              </a:lnSpc>
-              <a:spcBef>
-                <a:spcPts val="0"/>
-              </a:spcBef>
-              <a:spcAft>
-                <a:spcPts val="0"/>
-              </a:spcAft>
-              <a:buClrTx/>
-              <a:buSzTx/>
-              <a:buFontTx/>
-              <a:buNone/>
-              <a:tabLst/>
-              <a:defRPr/>
-            </a:pPr>
-            <a:endParaRPr kumimoji="1" lang="en-US" altLang="ja-JP" dirty="0"/>
-          </a:p>
-          <a:p>
-            <a:endParaRPr kumimoji="1" lang="en-US" altLang="ja-JP" dirty="0"/>
-          </a:p>
-          <a:p>
-            <a:r>
-              <a:rPr kumimoji="1" lang="en-US" altLang="ja-JP" dirty="0"/>
-              <a:t>The sigmoid vectors of each position are added together, and the label with a result of max value is output as the result.</a:t>
+              <a:t>(03:50)</a:t>
             </a:r>
           </a:p>
         </p:txBody>
@@ -2689,7 +2589,7 @@
           <a:p>
             <a:fld id="{A98D3432-C38B-446E-969A-78567292025D}" type="datetime1">
               <a:rPr kumimoji="1" lang="ja-JP" altLang="en-US" smtClean="0"/>
-              <a:t>2021/10/21</a:t>
+              <a:t>2021/10/22</a:t>
             </a:fld>
             <a:endParaRPr kumimoji="1" lang="ja-JP" altLang="en-US"/>
           </a:p>
@@ -3190,7 +3090,7 @@
           <a:p>
             <a:fld id="{05B662BA-D465-4C44-BE2B-F2A8D4F2B289}" type="datetime1">
               <a:rPr kumimoji="1" lang="ja-JP" altLang="en-US" smtClean="0"/>
-              <a:t>2021/10/21</a:t>
+              <a:t>2021/10/22</a:t>
             </a:fld>
             <a:endParaRPr kumimoji="1" lang="ja-JP" altLang="en-US"/>
           </a:p>
@@ -3430,7 +3330,7 @@
           <a:p>
             <a:fld id="{A4B4DDCD-FB98-44E4-BDAA-3DB16A47270F}" type="datetime1">
               <a:rPr kumimoji="1" lang="ja-JP" altLang="en-US" smtClean="0"/>
-              <a:t>2021/10/21</a:t>
+              <a:t>2021/10/22</a:t>
             </a:fld>
             <a:endParaRPr kumimoji="1" lang="ja-JP" altLang="en-US"/>
           </a:p>
@@ -3713,7 +3613,7 @@
           <a:p>
             <a:fld id="{DFD2984D-04FA-418A-85DE-0DB3CB16783E}" type="datetime1">
               <a:rPr kumimoji="1" lang="ja-JP" altLang="en-US" smtClean="0"/>
-              <a:t>2021/10/21</a:t>
+              <a:t>2021/10/22</a:t>
             </a:fld>
             <a:endParaRPr kumimoji="1" lang="ja-JP" altLang="en-US"/>
           </a:p>
@@ -4162,7 +4062,7 @@
           <a:p>
             <a:fld id="{4CBACEDF-020F-4270-BF0A-980F8136E038}" type="datetime1">
               <a:rPr kumimoji="1" lang="ja-JP" altLang="en-US" smtClean="0"/>
-              <a:t>2021/10/21</a:t>
+              <a:t>2021/10/22</a:t>
             </a:fld>
             <a:endParaRPr kumimoji="1" lang="ja-JP" altLang="en-US"/>
           </a:p>
@@ -4491,7 +4391,7 @@
           <a:p>
             <a:fld id="{777E2237-9B3F-4231-B30C-59668B530BD1}" type="datetime1">
               <a:rPr kumimoji="1" lang="ja-JP" altLang="en-US" smtClean="0"/>
-              <a:t>2021/10/21</a:t>
+              <a:t>2021/10/22</a:t>
             </a:fld>
             <a:endParaRPr kumimoji="1" lang="ja-JP" altLang="en-US"/>
           </a:p>
@@ -4967,7 +4867,7 @@
           <a:p>
             <a:fld id="{FC32FA7D-BC1F-4F29-8624-3C079AC63AB5}" type="datetime1">
               <a:rPr kumimoji="1" lang="ja-JP" altLang="en-US" smtClean="0"/>
-              <a:t>2021/10/21</a:t>
+              <a:t>2021/10/22</a:t>
             </a:fld>
             <a:endParaRPr kumimoji="1" lang="ja-JP" altLang="en-US"/>
           </a:p>
@@ -5108,7 +5008,7 @@
           <a:p>
             <a:fld id="{3C84FD27-4E70-444C-BEAA-8F4375C442D0}" type="datetime1">
               <a:rPr kumimoji="1" lang="ja-JP" altLang="en-US" smtClean="0"/>
-              <a:t>2021/10/21</a:t>
+              <a:t>2021/10/22</a:t>
             </a:fld>
             <a:endParaRPr kumimoji="1" lang="ja-JP" altLang="en-US"/>
           </a:p>
@@ -5221,7 +5121,7 @@
           <a:p>
             <a:fld id="{948AA4EF-B642-4876-A0D8-C1A1222FECFF}" type="datetime1">
               <a:rPr kumimoji="1" lang="ja-JP" altLang="en-US" smtClean="0"/>
-              <a:t>2021/10/21</a:t>
+              <a:t>2021/10/22</a:t>
             </a:fld>
             <a:endParaRPr kumimoji="1" lang="ja-JP" altLang="en-US"/>
           </a:p>
@@ -5564,7 +5464,7 @@
           <a:p>
             <a:fld id="{11B8299D-EABC-4EEB-90B0-DD13FA256803}" type="datetime1">
               <a:rPr kumimoji="1" lang="ja-JP" altLang="en-US" smtClean="0"/>
-              <a:t>2021/10/21</a:t>
+              <a:t>2021/10/22</a:t>
             </a:fld>
             <a:endParaRPr kumimoji="1" lang="ja-JP" altLang="en-US"/>
           </a:p>
@@ -5852,7 +5752,7 @@
           <a:p>
             <a:fld id="{2CB9F4AB-19AE-4711-AA92-655F76F7355A}" type="datetime1">
               <a:rPr kumimoji="1" lang="ja-JP" altLang="en-US" smtClean="0"/>
-              <a:t>2021/10/21</a:t>
+              <a:t>2021/10/22</a:t>
             </a:fld>
             <a:endParaRPr kumimoji="1" lang="ja-JP" altLang="en-US"/>
           </a:p>
@@ -6125,7 +6025,7 @@
           <a:p>
             <a:fld id="{10A34200-B792-42A2-9C71-FE89F6DBFDEA}" type="datetime1">
               <a:rPr kumimoji="1" lang="ja-JP" altLang="en-US" smtClean="0"/>
-              <a:t>2021/10/21</a:t>
+              <a:t>2021/10/22</a:t>
             </a:fld>
             <a:endParaRPr kumimoji="1" lang="ja-JP" altLang="en-US"/>
           </a:p>
@@ -21564,74 +21464,21 @@
                             </p:childTnLst>
                           </p:cTn>
                         </p:par>
-                      </p:childTnLst>
-                    </p:cTn>
-                  </p:par>
-                  <p:par>
-                    <p:cTn id="53" fill="hold">
-                      <p:stCondLst>
-                        <p:cond delay="indefinite"/>
-                      </p:stCondLst>
-                      <p:childTnLst>
                         <p:par>
-                          <p:cTn id="54" fill="hold">
+                          <p:cTn id="53" fill="hold">
                             <p:stCondLst>
-                              <p:cond delay="0"/>
+                              <p:cond delay="1000"/>
                             </p:stCondLst>
                             <p:childTnLst>
                               <p:par>
-                                <p:cTn id="55" presetID="22" presetClass="exit" presetSubtype="8" fill="hold" grpId="1" nodeType="clickEffect">
-                                  <p:stCondLst>
-                                    <p:cond delay="0"/>
-                                  </p:stCondLst>
-                                  <p:childTnLst>
-                                    <p:animEffect transition="out" filter="wipe(left)">
-                                      <p:cBhvr>
-                                        <p:cTn id="56" dur="500"/>
-                                        <p:tgtEl>
-                                          <p:spTgt spid="26"/>
-                                        </p:tgtEl>
-                                      </p:cBhvr>
-                                    </p:animEffect>
-                                    <p:set>
-                                      <p:cBhvr>
-                                        <p:cTn id="57" dur="1" fill="hold">
-                                          <p:stCondLst>
-                                            <p:cond delay="499"/>
-                                          </p:stCondLst>
-                                        </p:cTn>
-                                        <p:tgtEl>
-                                          <p:spTgt spid="26"/>
-                                        </p:tgtEl>
-                                        <p:attrNameLst>
-                                          <p:attrName>style.visibility</p:attrName>
-                                        </p:attrNameLst>
-                                      </p:cBhvr>
-                                      <p:to>
-                                        <p:strVal val="hidden"/>
-                                      </p:to>
-                                    </p:set>
-                                  </p:childTnLst>
-                                </p:cTn>
-                              </p:par>
-                            </p:childTnLst>
-                          </p:cTn>
-                        </p:par>
-                        <p:par>
-                          <p:cTn id="58" fill="hold">
-                            <p:stCondLst>
-                              <p:cond delay="500"/>
-                            </p:stCondLst>
-                            <p:childTnLst>
-                              <p:par>
-                                <p:cTn id="59" presetID="22" presetClass="entr" presetSubtype="8" fill="hold" grpId="0" nodeType="afterEffect">
+                                <p:cTn id="54" presetID="22" presetClass="entr" presetSubtype="8" fill="hold" grpId="0" nodeType="afterEffect">
                                   <p:stCondLst>
                                     <p:cond delay="0"/>
                                   </p:stCondLst>
                                   <p:childTnLst>
                                     <p:set>
                                       <p:cBhvr>
-                                        <p:cTn id="60" dur="1" fill="hold">
+                                        <p:cTn id="55" dur="1" fill="hold">
                                           <p:stCondLst>
                                             <p:cond delay="0"/>
                                           </p:stCondLst>
@@ -21649,7 +21496,7 @@
                                     </p:set>
                                     <p:animEffect transition="in" filter="wipe(left)">
                                       <p:cBhvr>
-                                        <p:cTn id="61" dur="500"/>
+                                        <p:cTn id="56" dur="500"/>
                                         <p:tgtEl>
                                           <p:spTgt spid="29"/>
                                         </p:tgtEl>
@@ -21665,26 +21512,26 @@
                     </p:cTn>
                   </p:par>
                   <p:par>
-                    <p:cTn id="62" fill="hold">
+                    <p:cTn id="57" fill="hold">
                       <p:stCondLst>
                         <p:cond delay="indefinite"/>
                       </p:stCondLst>
                       <p:childTnLst>
                         <p:par>
-                          <p:cTn id="63" fill="hold">
+                          <p:cTn id="58" fill="hold">
                             <p:stCondLst>
                               <p:cond delay="0"/>
                             </p:stCondLst>
                             <p:childTnLst>
                               <p:par>
-                                <p:cTn id="64" presetID="10" presetClass="exit" presetSubtype="0" fill="hold" grpId="1" nodeType="clickEffect">
+                                <p:cTn id="59" presetID="10" presetClass="exit" presetSubtype="0" fill="hold" grpId="1" nodeType="clickEffect">
                                   <p:stCondLst>
                                     <p:cond delay="0"/>
                                   </p:stCondLst>
                                   <p:childTnLst>
                                     <p:animEffect transition="out" filter="fade">
                                       <p:cBhvr>
-                                        <p:cTn id="65" dur="500"/>
+                                        <p:cTn id="60" dur="500"/>
                                         <p:tgtEl>
                                           <p:spTgt spid="29"/>
                                         </p:tgtEl>
@@ -21692,7 +21539,7 @@
                                     </p:animEffect>
                                     <p:set>
                                       <p:cBhvr>
-                                        <p:cTn id="66" dur="1" fill="hold">
+                                        <p:cTn id="61" dur="1" fill="hold">
                                           <p:stCondLst>
                                             <p:cond delay="499"/>
                                           </p:stCondLst>
@@ -21715,20 +21562,20 @@
                           </p:cTn>
                         </p:par>
                         <p:par>
-                          <p:cTn id="67" fill="hold">
+                          <p:cTn id="62" fill="hold">
                             <p:stCondLst>
                               <p:cond delay="500"/>
                             </p:stCondLst>
                             <p:childTnLst>
                               <p:par>
-                                <p:cTn id="68" presetID="22" presetClass="entr" presetSubtype="4" fill="hold" nodeType="afterEffect">
+                                <p:cTn id="63" presetID="22" presetClass="entr" presetSubtype="4" fill="hold" nodeType="afterEffect">
                                   <p:stCondLst>
                                     <p:cond delay="0"/>
                                   </p:stCondLst>
                                   <p:childTnLst>
                                     <p:set>
                                       <p:cBhvr>
-                                        <p:cTn id="69" dur="1" fill="hold">
+                                        <p:cTn id="64" dur="1" fill="hold">
                                           <p:stCondLst>
                                             <p:cond delay="0"/>
                                           </p:stCondLst>
@@ -21746,7 +21593,7 @@
                                     </p:set>
                                     <p:animEffect transition="in" filter="wipe(down)">
                                       <p:cBhvr>
-                                        <p:cTn id="70" dur="500"/>
+                                        <p:cTn id="65" dur="500"/>
                                         <p:tgtEl>
                                           <p:spTgt spid="3"/>
                                         </p:tgtEl>
@@ -21794,7 +21641,6 @@
       <p:bldP spid="24" grpId="0" animBg="1"/>
       <p:bldP spid="24" grpId="1" animBg="1"/>
       <p:bldP spid="26" grpId="0" animBg="1"/>
-      <p:bldP spid="26" grpId="1" animBg="1"/>
       <p:bldP spid="29" grpId="0" animBg="1"/>
       <p:bldP spid="29" grpId="1" animBg="1"/>
     </p:bldLst>
